--- a/Presentation/AGIS 발표자료.pptx
+++ b/Presentation/AGIS 발표자료.pptx
@@ -8,9 +8,9 @@
     <p:sldId id="256" r:id="rId2"/>
     <p:sldId id="258" r:id="rId3"/>
     <p:sldId id="259" r:id="rId4"/>
-    <p:sldId id="266" r:id="rId5"/>
-    <p:sldId id="264" r:id="rId6"/>
-    <p:sldId id="265" r:id="rId7"/>
+    <p:sldId id="265" r:id="rId5"/>
+    <p:sldId id="266" r:id="rId6"/>
+    <p:sldId id="267" r:id="rId7"/>
   </p:sldIdLst>
   <p:sldSz cx="12192000" cy="6858000"/>
   <p:notesSz cx="6858000" cy="9144000"/>
@@ -120,7 +120,7 @@
 <file path=ppt/revisionInfo.xml><?xml version="1.0" encoding="utf-8"?>
 <p1510:revInfo xmlns:a="http://schemas.openxmlformats.org/drawingml/2006/main" xmlns:r="http://schemas.openxmlformats.org/officeDocument/2006/relationships" xmlns:p1510="http://schemas.microsoft.com/office/powerpoint/2015/10/main">
   <p1510:revLst>
-    <p1510:client id="{7AF43226-C139-4D0A-A230-0C602D1C5CED}" v="102" dt="2021-12-15T00:13:06.500"/>
+    <p1510:client id="{7AF43226-C139-4D0A-A230-0C602D1C5CED}" v="155" dt="2021-12-15T01:11:53.595"/>
     <p1510:client id="{F53E7A2C-A27F-476A-8AA5-C2196DDD71DB}" v="9" dt="2021-12-14T23:26:37.928"/>
   </p1510:revLst>
 </p1510:revInfo>
@@ -131,7 +131,7 @@
   <pc:docChgLst>
     <pc:chgData name="남 상현" userId="03ad4a8e8f7310f3" providerId="LiveId" clId="{7AF43226-C139-4D0A-A230-0C602D1C5CED}"/>
     <pc:docChg chg="undo redo custSel addSld delSld modSld sldOrd">
-      <pc:chgData name="남 상현" userId="03ad4a8e8f7310f3" providerId="LiveId" clId="{7AF43226-C139-4D0A-A230-0C602D1C5CED}" dt="2021-12-15T00:13:26.615" v="1068" actId="2711"/>
+      <pc:chgData name="남 상현" userId="03ad4a8e8f7310f3" providerId="LiveId" clId="{7AF43226-C139-4D0A-A230-0C602D1C5CED}" dt="2021-12-15T01:12:14.084" v="1741" actId="1076"/>
       <pc:docMkLst>
         <pc:docMk/>
       </pc:docMkLst>
@@ -367,8 +367,8 @@
           <pc:sldMk cId="2820048443" sldId="263"/>
         </pc:sldMkLst>
       </pc:sldChg>
-      <pc:sldChg chg="addSp modSp add del mod">
-        <pc:chgData name="남 상현" userId="03ad4a8e8f7310f3" providerId="LiveId" clId="{7AF43226-C139-4D0A-A230-0C602D1C5CED}" dt="2021-12-15T00:11:37.889" v="866" actId="20577"/>
+      <pc:sldChg chg="addSp modSp add del mod ord">
+        <pc:chgData name="남 상현" userId="03ad4a8e8f7310f3" providerId="LiveId" clId="{7AF43226-C139-4D0A-A230-0C602D1C5CED}" dt="2021-12-15T01:10:23.771" v="1415" actId="47"/>
         <pc:sldMkLst>
           <pc:docMk/>
           <pc:sldMk cId="3959988040" sldId="264"/>
@@ -445,8 +445,8 @@
           <pc:sldMk cId="243056738" sldId="265"/>
         </pc:sldMkLst>
       </pc:sldChg>
-      <pc:sldChg chg="addSp modSp add mod">
-        <pc:chgData name="남 상현" userId="03ad4a8e8f7310f3" providerId="LiveId" clId="{7AF43226-C139-4D0A-A230-0C602D1C5CED}" dt="2021-12-15T00:10:42.945" v="855"/>
+      <pc:sldChg chg="addSp delSp modSp add mod ord">
+        <pc:chgData name="남 상현" userId="03ad4a8e8f7310f3" providerId="LiveId" clId="{7AF43226-C139-4D0A-A230-0C602D1C5CED}" dt="2021-12-15T01:12:14.084" v="1741" actId="1076"/>
         <pc:sldMkLst>
           <pc:docMk/>
           <pc:sldMk cId="3987292022" sldId="265"/>
@@ -460,64 +460,80 @@
           </ac:spMkLst>
         </pc:spChg>
         <pc:spChg chg="add mod">
-          <ac:chgData name="남 상현" userId="03ad4a8e8f7310f3" providerId="LiveId" clId="{7AF43226-C139-4D0A-A230-0C602D1C5CED}" dt="2021-12-15T00:06:35.189" v="139" actId="20577"/>
+          <ac:chgData name="남 상현" userId="03ad4a8e8f7310f3" providerId="LiveId" clId="{7AF43226-C139-4D0A-A230-0C602D1C5CED}" dt="2021-12-15T01:11:53.595" v="1732"/>
           <ac:spMkLst>
             <pc:docMk/>
             <pc:sldMk cId="3987292022" sldId="265"/>
             <ac:spMk id="7" creationId="{F0268627-1804-4EB7-8309-96FA8B911901}"/>
           </ac:spMkLst>
         </pc:spChg>
-        <pc:spChg chg="add mod">
-          <ac:chgData name="남 상현" userId="03ad4a8e8f7310f3" providerId="LiveId" clId="{7AF43226-C139-4D0A-A230-0C602D1C5CED}" dt="2021-12-15T00:08:09.276" v="265"/>
+        <pc:spChg chg="add del mod">
+          <ac:chgData name="남 상현" userId="03ad4a8e8f7310f3" providerId="LiveId" clId="{7AF43226-C139-4D0A-A230-0C602D1C5CED}" dt="2021-12-15T01:11:57.188" v="1734" actId="478"/>
           <ac:spMkLst>
             <pc:docMk/>
             <pc:sldMk cId="3987292022" sldId="265"/>
             <ac:spMk id="8" creationId="{C5F0D6EF-5C09-4A9F-8437-74D02EF4D707}"/>
           </ac:spMkLst>
         </pc:spChg>
-        <pc:spChg chg="add mod">
-          <ac:chgData name="남 상현" userId="03ad4a8e8f7310f3" providerId="LiveId" clId="{7AF43226-C139-4D0A-A230-0C602D1C5CED}" dt="2021-12-15T00:08:09.276" v="265"/>
+        <pc:spChg chg="add del mod">
+          <ac:chgData name="남 상현" userId="03ad4a8e8f7310f3" providerId="LiveId" clId="{7AF43226-C139-4D0A-A230-0C602D1C5CED}" dt="2021-12-15T01:11:58.366" v="1735" actId="478"/>
           <ac:spMkLst>
             <pc:docMk/>
             <pc:sldMk cId="3987292022" sldId="265"/>
             <ac:spMk id="9" creationId="{CDA70AF0-C9F8-4318-A319-CC052E61F87F}"/>
           </ac:spMkLst>
         </pc:spChg>
-        <pc:spChg chg="add mod">
-          <ac:chgData name="남 상현" userId="03ad4a8e8f7310f3" providerId="LiveId" clId="{7AF43226-C139-4D0A-A230-0C602D1C5CED}" dt="2021-12-15T00:08:09.276" v="265"/>
+        <pc:spChg chg="add del mod">
+          <ac:chgData name="남 상현" userId="03ad4a8e8f7310f3" providerId="LiveId" clId="{7AF43226-C139-4D0A-A230-0C602D1C5CED}" dt="2021-12-15T01:11:59.340" v="1736" actId="478"/>
           <ac:spMkLst>
             <pc:docMk/>
             <pc:sldMk cId="3987292022" sldId="265"/>
             <ac:spMk id="10" creationId="{B2FB516D-0F30-4DC6-995E-7671F242833B}"/>
           </ac:spMkLst>
         </pc:spChg>
-        <pc:spChg chg="add mod">
-          <ac:chgData name="남 상현" userId="03ad4a8e8f7310f3" providerId="LiveId" clId="{7AF43226-C139-4D0A-A230-0C602D1C5CED}" dt="2021-12-15T00:08:09.276" v="265"/>
+        <pc:spChg chg="add del mod">
+          <ac:chgData name="남 상현" userId="03ad4a8e8f7310f3" providerId="LiveId" clId="{7AF43226-C139-4D0A-A230-0C602D1C5CED}" dt="2021-12-15T01:12:00.526" v="1737" actId="478"/>
           <ac:spMkLst>
             <pc:docMk/>
             <pc:sldMk cId="3987292022" sldId="265"/>
             <ac:spMk id="11" creationId="{FEB7E3C0-B1CC-417C-8EE8-C6ACE99B9642}"/>
           </ac:spMkLst>
         </pc:spChg>
-        <pc:spChg chg="add mod">
-          <ac:chgData name="남 상현" userId="03ad4a8e8f7310f3" providerId="LiveId" clId="{7AF43226-C139-4D0A-A230-0C602D1C5CED}" dt="2021-12-15T00:08:09.276" v="265"/>
+        <pc:spChg chg="add del mod">
+          <ac:chgData name="남 상현" userId="03ad4a8e8f7310f3" providerId="LiveId" clId="{7AF43226-C139-4D0A-A230-0C602D1C5CED}" dt="2021-12-15T01:12:01.405" v="1738" actId="478"/>
           <ac:spMkLst>
             <pc:docMk/>
             <pc:sldMk cId="3987292022" sldId="265"/>
             <ac:spMk id="12" creationId="{732D3E9E-488B-45AA-89AA-65D565F0187C}"/>
           </ac:spMkLst>
         </pc:spChg>
-        <pc:spChg chg="add mod">
-          <ac:chgData name="남 상현" userId="03ad4a8e8f7310f3" providerId="LiveId" clId="{7AF43226-C139-4D0A-A230-0C602D1C5CED}" dt="2021-12-15T00:10:42.945" v="855"/>
+        <pc:spChg chg="add del mod">
+          <ac:chgData name="남 상현" userId="03ad4a8e8f7310f3" providerId="LiveId" clId="{7AF43226-C139-4D0A-A230-0C602D1C5CED}" dt="2021-12-15T01:11:55.824" v="1733" actId="478"/>
           <ac:spMkLst>
             <pc:docMk/>
             <pc:sldMk cId="3987292022" sldId="265"/>
             <ac:spMk id="13" creationId="{01634F5D-247C-4721-98BE-C21B9738ABC0}"/>
           </ac:spMkLst>
         </pc:spChg>
+        <pc:spChg chg="add mod">
+          <ac:chgData name="남 상현" userId="03ad4a8e8f7310f3" providerId="LiveId" clId="{7AF43226-C139-4D0A-A230-0C602D1C5CED}" dt="2021-12-15T01:12:14.084" v="1741" actId="1076"/>
+          <ac:spMkLst>
+            <pc:docMk/>
+            <pc:sldMk cId="3987292022" sldId="265"/>
+            <ac:spMk id="15" creationId="{A3247C69-C398-49E0-A7AE-563BC0DDF71D}"/>
+          </ac:spMkLst>
+        </pc:spChg>
+        <pc:picChg chg="add del">
+          <ac:chgData name="남 상현" userId="03ad4a8e8f7310f3" providerId="LiveId" clId="{7AF43226-C139-4D0A-A230-0C602D1C5CED}" dt="2021-12-15T01:09:45.652" v="1403" actId="22"/>
+          <ac:picMkLst>
+            <pc:docMk/>
+            <pc:sldMk cId="3987292022" sldId="265"/>
+            <ac:picMk id="14" creationId="{BCF96437-F50F-481D-8777-FF7D6DFCCE7D}"/>
+          </ac:picMkLst>
+        </pc:picChg>
       </pc:sldChg>
-      <pc:sldChg chg="addSp modSp add mod ord">
-        <pc:chgData name="남 상현" userId="03ad4a8e8f7310f3" providerId="LiveId" clId="{7AF43226-C139-4D0A-A230-0C602D1C5CED}" dt="2021-12-15T00:13:26.615" v="1068" actId="2711"/>
+      <pc:sldChg chg="addSp delSp modSp add mod ord">
+        <pc:chgData name="남 상현" userId="03ad4a8e8f7310f3" providerId="LiveId" clId="{7AF43226-C139-4D0A-A230-0C602D1C5CED}" dt="2021-12-15T01:11:35.324" v="1726" actId="20577"/>
         <pc:sldMkLst>
           <pc:docMk/>
           <pc:sldMk cId="2032193545" sldId="266"/>
@@ -539,7 +555,15 @@
           </ac:spMkLst>
         </pc:spChg>
         <pc:spChg chg="mod">
-          <ac:chgData name="남 상현" userId="03ad4a8e8f7310f3" providerId="LiveId" clId="{7AF43226-C139-4D0A-A230-0C602D1C5CED}" dt="2021-12-15T00:13:21.260" v="1067" actId="2711"/>
+          <ac:chgData name="남 상현" userId="03ad4a8e8f7310f3" providerId="LiveId" clId="{7AF43226-C139-4D0A-A230-0C602D1C5CED}" dt="2021-12-15T01:08:56.804" v="1399" actId="403"/>
+          <ac:spMkLst>
+            <pc:docMk/>
+            <pc:sldMk cId="2032193545" sldId="266"/>
+            <ac:spMk id="8" creationId="{C5F0D6EF-5C09-4A9F-8437-74D02EF4D707}"/>
+          </ac:spMkLst>
+        </pc:spChg>
+        <pc:spChg chg="mod">
+          <ac:chgData name="남 상현" userId="03ad4a8e8f7310f3" providerId="LiveId" clId="{7AF43226-C139-4D0A-A230-0C602D1C5CED}" dt="2021-12-15T01:08:38.386" v="1393" actId="552"/>
           <ac:spMkLst>
             <pc:docMk/>
             <pc:sldMk cId="2032193545" sldId="266"/>
@@ -547,15 +571,31 @@
           </ac:spMkLst>
         </pc:spChg>
         <pc:spChg chg="mod">
-          <ac:chgData name="남 상현" userId="03ad4a8e8f7310f3" providerId="LiveId" clId="{7AF43226-C139-4D0A-A230-0C602D1C5CED}" dt="2021-12-15T00:13:26.615" v="1068" actId="2711"/>
+          <ac:chgData name="남 상현" userId="03ad4a8e8f7310f3" providerId="LiveId" clId="{7AF43226-C139-4D0A-A230-0C602D1C5CED}" dt="2021-12-15T01:08:42.460" v="1394" actId="465"/>
           <ac:spMkLst>
             <pc:docMk/>
             <pc:sldMk cId="2032193545" sldId="266"/>
             <ac:spMk id="10" creationId="{B2FB516D-0F30-4DC6-995E-7671F242833B}"/>
           </ac:spMkLst>
         </pc:spChg>
-        <pc:spChg chg="add mod">
-          <ac:chgData name="남 상현" userId="03ad4a8e8f7310f3" providerId="LiveId" clId="{7AF43226-C139-4D0A-A230-0C602D1C5CED}" dt="2021-12-15T00:10:45.898" v="856"/>
+        <pc:spChg chg="mod">
+          <ac:chgData name="남 상현" userId="03ad4a8e8f7310f3" providerId="LiveId" clId="{7AF43226-C139-4D0A-A230-0C602D1C5CED}" dt="2021-12-15T01:08:42.460" v="1394" actId="465"/>
+          <ac:spMkLst>
+            <pc:docMk/>
+            <pc:sldMk cId="2032193545" sldId="266"/>
+            <ac:spMk id="11" creationId="{FEB7E3C0-B1CC-417C-8EE8-C6ACE99B9642}"/>
+          </ac:spMkLst>
+        </pc:spChg>
+        <pc:spChg chg="mod">
+          <ac:chgData name="남 상현" userId="03ad4a8e8f7310f3" providerId="LiveId" clId="{7AF43226-C139-4D0A-A230-0C602D1C5CED}" dt="2021-12-15T01:11:35.324" v="1726" actId="20577"/>
+          <ac:spMkLst>
+            <pc:docMk/>
+            <pc:sldMk cId="2032193545" sldId="266"/>
+            <ac:spMk id="12" creationId="{732D3E9E-488B-45AA-89AA-65D565F0187C}"/>
+          </ac:spMkLst>
+        </pc:spChg>
+        <pc:spChg chg="add del mod">
+          <ac:chgData name="남 상현" userId="03ad4a8e8f7310f3" providerId="LiveId" clId="{7AF43226-C139-4D0A-A230-0C602D1C5CED}" dt="2021-12-15T01:07:29.157" v="1383" actId="478"/>
           <ac:spMkLst>
             <pc:docMk/>
             <pc:sldMk cId="2032193545" sldId="266"/>
@@ -569,6 +609,45 @@
           <pc:docMk/>
           <pc:sldMk cId="3216664976" sldId="266"/>
         </pc:sldMkLst>
+      </pc:sldChg>
+      <pc:sldChg chg="addSp delSp modSp new mod">
+        <pc:chgData name="남 상현" userId="03ad4a8e8f7310f3" providerId="LiveId" clId="{7AF43226-C139-4D0A-A230-0C602D1C5CED}" dt="2021-12-15T01:10:02.943" v="1414" actId="1076"/>
+        <pc:sldMkLst>
+          <pc:docMk/>
+          <pc:sldMk cId="328832024" sldId="267"/>
+        </pc:sldMkLst>
+        <pc:spChg chg="del mod">
+          <ac:chgData name="남 상현" userId="03ad4a8e8f7310f3" providerId="LiveId" clId="{7AF43226-C139-4D0A-A230-0C602D1C5CED}" dt="2021-12-15T01:05:57.886" v="1304" actId="478"/>
+          <ac:spMkLst>
+            <pc:docMk/>
+            <pc:sldMk cId="328832024" sldId="267"/>
+            <ac:spMk id="2" creationId="{C9F377E0-A88E-4DCC-87F2-CF1068DC9E42}"/>
+          </ac:spMkLst>
+        </pc:spChg>
+        <pc:spChg chg="del">
+          <ac:chgData name="남 상현" userId="03ad4a8e8f7310f3" providerId="LiveId" clId="{7AF43226-C139-4D0A-A230-0C602D1C5CED}" dt="2021-12-15T01:05:59.401" v="1305" actId="478"/>
+          <ac:spMkLst>
+            <pc:docMk/>
+            <pc:sldMk cId="328832024" sldId="267"/>
+            <ac:spMk id="3" creationId="{87E63C63-E2CE-45A7-9F88-C2185BE74BCB}"/>
+          </ac:spMkLst>
+        </pc:spChg>
+        <pc:picChg chg="add mod">
+          <ac:chgData name="남 상현" userId="03ad4a8e8f7310f3" providerId="LiveId" clId="{7AF43226-C139-4D0A-A230-0C602D1C5CED}" dt="2021-12-15T01:10:01.511" v="1413" actId="14100"/>
+          <ac:picMkLst>
+            <pc:docMk/>
+            <pc:sldMk cId="328832024" sldId="267"/>
+            <ac:picMk id="5" creationId="{8A9C908B-C712-4BB4-86B3-9F6C95C125B6}"/>
+          </ac:picMkLst>
+        </pc:picChg>
+        <pc:picChg chg="add mod">
+          <ac:chgData name="남 상현" userId="03ad4a8e8f7310f3" providerId="LiveId" clId="{7AF43226-C139-4D0A-A230-0C602D1C5CED}" dt="2021-12-15T01:10:02.943" v="1414" actId="1076"/>
+          <ac:picMkLst>
+            <pc:docMk/>
+            <pc:sldMk cId="328832024" sldId="267"/>
+            <ac:picMk id="7" creationId="{838EB304-45C4-4A8C-BC10-1AF91C42454C}"/>
+          </ac:picMkLst>
+        </pc:picChg>
       </pc:sldChg>
     </pc:docChg>
   </pc:docChgLst>
@@ -5951,7 +6030,7 @@
           </a:prstGeom>
           <a:solidFill>
             <a:schemeClr val="bg1">
-              <a:lumMod val="75000"/>
+              <a:lumMod val="65000"/>
             </a:schemeClr>
           </a:solidFill>
           <a:ln>
@@ -5998,7 +6077,7 @@
         <p:spPr>
           <a:xfrm>
             <a:off x="541870" y="270304"/>
-            <a:ext cx="1059906" cy="707886"/>
+            <a:ext cx="2157963" cy="707886"/>
           </a:xfrm>
           <a:prstGeom prst="rect">
             <a:avLst/>
@@ -6019,648 +6098,61 @@
                 <a:latin typeface="메이플스토리" panose="02000800000000000000" pitchFamily="2" charset="-127"/>
                 <a:ea typeface="메이플스토리" panose="02000800000000000000" pitchFamily="2" charset="-127"/>
               </a:rPr>
-              <a:t>총평</a:t>
-            </a:r>
-          </a:p>
-        </p:txBody>
-      </p:sp>
-      <p:sp>
-        <p:nvSpPr>
-          <p:cNvPr id="8" name="TextBox 7">
-            <a:extLst>
-              <a:ext uri="{FF2B5EF4-FFF2-40B4-BE49-F238E27FC236}">
-                <a16:creationId xmlns:a16="http://schemas.microsoft.com/office/drawing/2014/main" id="{C5F0D6EF-5C09-4A9F-8437-74D02EF4D707}"/>
-              </a:ext>
-            </a:extLst>
-          </p:cNvPr>
-          <p:cNvSpPr txBox="1"/>
+              <a:t>게임 제작</a:t>
+            </a:r>
+          </a:p>
+        </p:txBody>
+      </p:sp>
+      <p:sp>
+        <p:nvSpPr>
+          <p:cNvPr id="15" name="사각형: 둥근 모서리 14">
+            <a:extLst>
+              <a:ext uri="{FF2B5EF4-FFF2-40B4-BE49-F238E27FC236}">
+                <a16:creationId xmlns:a16="http://schemas.microsoft.com/office/drawing/2014/main" id="{A3247C69-C398-49E0-A7AE-563BC0DDF71D}"/>
+              </a:ext>
+            </a:extLst>
+          </p:cNvPr>
+          <p:cNvSpPr/>
           <p:nvPr/>
         </p:nvSpPr>
         <p:spPr>
           <a:xfrm>
-            <a:off x="541870" y="3893832"/>
-            <a:ext cx="2425664" cy="461665"/>
+            <a:off x="1503680" y="1888066"/>
+            <a:ext cx="914400" cy="914400"/>
           </a:xfrm>
-          <a:prstGeom prst="rect">
+          <a:prstGeom prst="roundRect">
             <a:avLst/>
           </a:prstGeom>
-          <a:noFill/>
         </p:spPr>
-        <p:txBody>
-          <a:bodyPr wrap="none" rtlCol="0">
-            <a:spAutoFit/>
-          </a:bodyPr>
+        <p:style>
+          <a:lnRef idx="2">
+            <a:schemeClr val="accent1">
+              <a:shade val="50000"/>
+            </a:schemeClr>
+          </a:lnRef>
+          <a:fillRef idx="1">
+            <a:schemeClr val="accent1"/>
+          </a:fillRef>
+          <a:effectRef idx="0">
+            <a:schemeClr val="accent1"/>
+          </a:effectRef>
+          <a:fontRef idx="minor">
+            <a:schemeClr val="lt1"/>
+          </a:fontRef>
+        </p:style>
+        <p:txBody>
+          <a:bodyPr rtlCol="0" anchor="ctr"/>
           <a:lstStyle/>
           <a:p>
-            <a:r>
-              <a:rPr lang="ko-KR" altLang="en-US" sz="2400" b="1" dirty="0">
-                <a:solidFill>
-                  <a:schemeClr val="bg1"/>
-                </a:solidFill>
-                <a:latin typeface="여기어때 잘난체 OTF" panose="020B0600000101010101" pitchFamily="34" charset="-127"/>
-                <a:ea typeface="여기어때 잘난체 OTF" panose="020B0600000101010101" pitchFamily="34" charset="-127"/>
-              </a:rPr>
-              <a:t>팀원들의 말말말</a:t>
-            </a:r>
-          </a:p>
-        </p:txBody>
-      </p:sp>
-      <p:sp>
-        <p:nvSpPr>
-          <p:cNvPr id="9" name="TextBox 8">
-            <a:extLst>
-              <a:ext uri="{FF2B5EF4-FFF2-40B4-BE49-F238E27FC236}">
-                <a16:creationId xmlns:a16="http://schemas.microsoft.com/office/drawing/2014/main" id="{CDA70AF0-C9F8-4318-A319-CC052E61F87F}"/>
-              </a:ext>
-            </a:extLst>
-          </p:cNvPr>
-          <p:cNvSpPr txBox="1"/>
-          <p:nvPr/>
-        </p:nvSpPr>
-        <p:spPr>
-          <a:xfrm>
-            <a:off x="568133" y="4582557"/>
-            <a:ext cx="10642657" cy="461665"/>
-          </a:xfrm>
-          <a:prstGeom prst="rect">
-            <a:avLst/>
-          </a:prstGeom>
-          <a:noFill/>
-        </p:spPr>
-        <p:txBody>
-          <a:bodyPr wrap="none" rtlCol="0">
-            <a:spAutoFit/>
-          </a:bodyPr>
-          <a:lstStyle/>
-          <a:p>
-            <a:r>
-              <a:rPr lang="ko-KR" altLang="en-US" sz="2400" b="1" dirty="0">
-                <a:solidFill>
-                  <a:schemeClr val="bg1"/>
-                </a:solidFill>
-                <a:latin typeface="여기어때 잘난체 OTF" panose="020B0600000101010101" pitchFamily="34" charset="-127"/>
-                <a:ea typeface="여기어때 잘난체 OTF" panose="020B0600000101010101" pitchFamily="34" charset="-127"/>
-              </a:rPr>
-              <a:t>남상현 </a:t>
-            </a:r>
-            <a:r>
-              <a:rPr lang="en-US" altLang="ko-KR" sz="2400" b="1" dirty="0">
-                <a:solidFill>
-                  <a:schemeClr val="bg1"/>
-                </a:solidFill>
-                <a:latin typeface="여기어때 잘난체 OTF" panose="020B0600000101010101" pitchFamily="34" charset="-127"/>
-                <a:ea typeface="여기어때 잘난체 OTF" panose="020B0600000101010101" pitchFamily="34" charset="-127"/>
-              </a:rPr>
-              <a:t>: </a:t>
-            </a:r>
-            <a:r>
-              <a:rPr lang="ko-KR" altLang="en-US" sz="1600" b="1" dirty="0">
-                <a:solidFill>
-                  <a:schemeClr val="bg1"/>
-                </a:solidFill>
-                <a:ea typeface="여기어때 잘난체 OTF" panose="020B0600000101010101" pitchFamily="34" charset="-127"/>
-              </a:rPr>
-              <a:t>좋은 팀원들이기에 부담도 많이 되었지만 그래도 재밌게 프로젝트를 끝낼 수 있어서 다행인 거 같다</a:t>
-            </a:r>
-            <a:r>
-              <a:rPr lang="en-US" altLang="ko-KR" sz="1600" b="1" dirty="0">
-                <a:solidFill>
-                  <a:schemeClr val="bg1"/>
-                </a:solidFill>
-                <a:ea typeface="여기어때 잘난체 OTF" panose="020B0600000101010101" pitchFamily="34" charset="-127"/>
-              </a:rPr>
-              <a:t>. </a:t>
-            </a:r>
-            <a:endParaRPr lang="ko-KR" altLang="en-US" sz="1600" b="1" dirty="0">
-              <a:solidFill>
-                <a:schemeClr val="bg1"/>
-              </a:solidFill>
-              <a:ea typeface="여기어때 잘난체 OTF" panose="020B0600000101010101" pitchFamily="34" charset="-127"/>
-            </a:endParaRPr>
-          </a:p>
-        </p:txBody>
-      </p:sp>
-      <p:sp>
-        <p:nvSpPr>
-          <p:cNvPr id="10" name="TextBox 9">
-            <a:extLst>
-              <a:ext uri="{FF2B5EF4-FFF2-40B4-BE49-F238E27FC236}">
-                <a16:creationId xmlns:a16="http://schemas.microsoft.com/office/drawing/2014/main" id="{B2FB516D-0F30-4DC6-995E-7671F242833B}"/>
-              </a:ext>
-            </a:extLst>
-          </p:cNvPr>
-          <p:cNvSpPr txBox="1"/>
-          <p:nvPr/>
-        </p:nvSpPr>
-        <p:spPr>
-          <a:xfrm>
-            <a:off x="568133" y="5044222"/>
-            <a:ext cx="10007868" cy="707886"/>
-          </a:xfrm>
-          <a:prstGeom prst="rect">
-            <a:avLst/>
-          </a:prstGeom>
-          <a:noFill/>
-        </p:spPr>
-        <p:txBody>
-          <a:bodyPr wrap="none" rtlCol="0">
-            <a:spAutoFit/>
-          </a:bodyPr>
-          <a:lstStyle/>
-          <a:p>
-            <a:r>
-              <a:rPr lang="ko-KR" altLang="en-US" sz="2400" b="1" dirty="0">
-                <a:solidFill>
-                  <a:schemeClr val="bg1"/>
-                </a:solidFill>
-                <a:latin typeface="여기어때 잘난체 OTF" panose="020B0600000101010101" pitchFamily="34" charset="-127"/>
-                <a:ea typeface="여기어때 잘난체 OTF" panose="020B0600000101010101" pitchFamily="34" charset="-127"/>
-              </a:rPr>
-              <a:t>유지호 </a:t>
-            </a:r>
-            <a:r>
-              <a:rPr lang="en-US" altLang="ko-KR" sz="2400" b="1" dirty="0">
-                <a:solidFill>
-                  <a:schemeClr val="bg1"/>
-                </a:solidFill>
-                <a:latin typeface="여기어때 잘난체 OTF" panose="020B0600000101010101" pitchFamily="34" charset="-127"/>
-                <a:ea typeface="여기어때 잘난체 OTF" panose="020B0600000101010101" pitchFamily="34" charset="-127"/>
-              </a:rPr>
-              <a:t>: </a:t>
-            </a:r>
-            <a:r>
-              <a:rPr lang="ko-KR" altLang="en-US" sz="1600" b="0" i="0" dirty="0">
-                <a:solidFill>
-                  <a:srgbClr val="DCDDDE"/>
-                </a:solidFill>
-                <a:effectLst/>
-                <a:latin typeface="여기어때 잘난체 OTF" panose="020B0600000101010101" pitchFamily="34" charset="-127"/>
-                <a:ea typeface="여기어때 잘난체 OTF" panose="020B0600000101010101" pitchFamily="34" charset="-127"/>
-              </a:rPr>
-              <a:t>처음에 기획했던 게임은 스토리도 있어서 기획하기 힘들었지만 결정한 </a:t>
-            </a:r>
-            <a:r>
-              <a:rPr lang="ko-KR" altLang="en-US" sz="1600" b="0" i="0" dirty="0" err="1">
-                <a:solidFill>
-                  <a:srgbClr val="DCDDDE"/>
-                </a:solidFill>
-                <a:effectLst/>
-                <a:latin typeface="여기어때 잘난체 OTF" panose="020B0600000101010101" pitchFamily="34" charset="-127"/>
-                <a:ea typeface="여기어때 잘난체 OTF" panose="020B0600000101010101" pitchFamily="34" charset="-127"/>
-              </a:rPr>
-              <a:t>하이퍼</a:t>
-            </a:r>
-            <a:r>
-              <a:rPr lang="ko-KR" altLang="en-US" sz="1600" b="0" i="0" dirty="0">
-                <a:solidFill>
-                  <a:srgbClr val="DCDDDE"/>
-                </a:solidFill>
-                <a:effectLst/>
-                <a:latin typeface="여기어때 잘난체 OTF" panose="020B0600000101010101" pitchFamily="34" charset="-127"/>
-                <a:ea typeface="여기어때 잘난체 OTF" panose="020B0600000101010101" pitchFamily="34" charset="-127"/>
-              </a:rPr>
-              <a:t> 캐주얼 장르라서 </a:t>
-            </a:r>
-            <a:endParaRPr lang="en-US" altLang="ko-KR" sz="1600" b="0" i="0" dirty="0">
-              <a:solidFill>
-                <a:srgbClr val="DCDDDE"/>
-              </a:solidFill>
-              <a:effectLst/>
-              <a:latin typeface="여기어때 잘난체 OTF" panose="020B0600000101010101" pitchFamily="34" charset="-127"/>
-              <a:ea typeface="여기어때 잘난체 OTF" panose="020B0600000101010101" pitchFamily="34" charset="-127"/>
-            </a:endParaRPr>
-          </a:p>
-          <a:p>
-            <a:r>
-              <a:rPr lang="en-US" altLang="ko-KR" sz="1600" b="0" i="0" dirty="0">
-                <a:solidFill>
-                  <a:srgbClr val="DCDDDE"/>
-                </a:solidFill>
-                <a:effectLst/>
-                <a:latin typeface="여기어때 잘난체 OTF" panose="020B0600000101010101" pitchFamily="34" charset="-127"/>
-                <a:ea typeface="여기어때 잘난체 OTF" panose="020B0600000101010101" pitchFamily="34" charset="-127"/>
-              </a:rPr>
-              <a:t>	      </a:t>
-            </a:r>
-            <a:r>
-              <a:rPr lang="ko-KR" altLang="en-US" sz="1600" b="0" i="0" dirty="0">
-                <a:solidFill>
-                  <a:srgbClr val="DCDDDE"/>
-                </a:solidFill>
-                <a:effectLst/>
-                <a:latin typeface="여기어때 잘난체 OTF" panose="020B0600000101010101" pitchFamily="34" charset="-127"/>
-                <a:ea typeface="여기어때 잘난체 OTF" panose="020B0600000101010101" pitchFamily="34" charset="-127"/>
-              </a:rPr>
-              <a:t>전보다 기획이 쉬워져서 좋았다</a:t>
-            </a:r>
-            <a:r>
-              <a:rPr lang="en-US" altLang="ko-KR" sz="1600" b="0" i="0" dirty="0">
-                <a:solidFill>
-                  <a:srgbClr val="DCDDDE"/>
-                </a:solidFill>
-                <a:effectLst/>
-                <a:latin typeface="여기어때 잘난체 OTF" panose="020B0600000101010101" pitchFamily="34" charset="-127"/>
-                <a:ea typeface="여기어때 잘난체 OTF" panose="020B0600000101010101" pitchFamily="34" charset="-127"/>
-              </a:rPr>
-              <a:t>. </a:t>
-            </a:r>
-            <a:r>
-              <a:rPr lang="ko-KR" altLang="en-US" sz="1600" b="0" i="0" dirty="0">
-                <a:solidFill>
-                  <a:srgbClr val="DCDDDE"/>
-                </a:solidFill>
-                <a:effectLst/>
-                <a:latin typeface="여기어때 잘난체 OTF" panose="020B0600000101010101" pitchFamily="34" charset="-127"/>
-                <a:ea typeface="여기어때 잘난체 OTF" panose="020B0600000101010101" pitchFamily="34" charset="-127"/>
-              </a:rPr>
-              <a:t>게임이 </a:t>
-            </a:r>
-            <a:r>
-              <a:rPr lang="ko-KR" altLang="en-US" sz="1600" b="0" i="0" dirty="0" err="1">
-                <a:solidFill>
-                  <a:srgbClr val="DCDDDE"/>
-                </a:solidFill>
-                <a:effectLst/>
-                <a:latin typeface="여기어때 잘난체 OTF" panose="020B0600000101010101" pitchFamily="34" charset="-127"/>
-                <a:ea typeface="여기어때 잘난체 OTF" panose="020B0600000101010101" pitchFamily="34" charset="-127"/>
-              </a:rPr>
-              <a:t>참신한거</a:t>
-            </a:r>
-            <a:r>
-              <a:rPr lang="ko-KR" altLang="en-US" sz="1600" b="0" i="0" dirty="0">
-                <a:solidFill>
-                  <a:srgbClr val="DCDDDE"/>
-                </a:solidFill>
-                <a:effectLst/>
-                <a:latin typeface="여기어때 잘난체 OTF" panose="020B0600000101010101" pitchFamily="34" charset="-127"/>
-                <a:ea typeface="여기어때 잘난체 OTF" panose="020B0600000101010101" pitchFamily="34" charset="-127"/>
-              </a:rPr>
-              <a:t> 같아서 좋은 게임이 나올 거 같았다</a:t>
-            </a:r>
-            <a:r>
-              <a:rPr lang="en-US" altLang="ko-KR" sz="1600" b="0" i="0" dirty="0">
-                <a:solidFill>
-                  <a:srgbClr val="DCDDDE"/>
-                </a:solidFill>
-                <a:effectLst/>
-                <a:latin typeface="여기어때 잘난체 OTF" panose="020B0600000101010101" pitchFamily="34" charset="-127"/>
-                <a:ea typeface="여기어때 잘난체 OTF" panose="020B0600000101010101" pitchFamily="34" charset="-127"/>
-              </a:rPr>
-              <a:t>.</a:t>
-            </a:r>
-            <a:endParaRPr lang="ko-KR" altLang="en-US" sz="1600" b="1" dirty="0">
-              <a:solidFill>
-                <a:schemeClr val="bg1"/>
-              </a:solidFill>
-              <a:latin typeface="여기어때 잘난체 OTF" panose="020B0600000101010101" pitchFamily="34" charset="-127"/>
-              <a:ea typeface="여기어때 잘난체 OTF" panose="020B0600000101010101" pitchFamily="34" charset="-127"/>
-            </a:endParaRPr>
-          </a:p>
-        </p:txBody>
-      </p:sp>
-      <p:sp>
-        <p:nvSpPr>
-          <p:cNvPr id="11" name="TextBox 10">
-            <a:extLst>
-              <a:ext uri="{FF2B5EF4-FFF2-40B4-BE49-F238E27FC236}">
-                <a16:creationId xmlns:a16="http://schemas.microsoft.com/office/drawing/2014/main" id="{FEB7E3C0-B1CC-417C-8EE8-C6ACE99B9642}"/>
-              </a:ext>
-            </a:extLst>
-          </p:cNvPr>
-          <p:cNvSpPr txBox="1"/>
-          <p:nvPr/>
-        </p:nvSpPr>
-        <p:spPr>
-          <a:xfrm>
-            <a:off x="568133" y="5531224"/>
-            <a:ext cx="1284326" cy="461665"/>
-          </a:xfrm>
-          <a:prstGeom prst="rect">
-            <a:avLst/>
-          </a:prstGeom>
-          <a:noFill/>
-        </p:spPr>
-        <p:txBody>
-          <a:bodyPr wrap="none" rtlCol="0">
-            <a:spAutoFit/>
-          </a:bodyPr>
-          <a:lstStyle/>
-          <a:p>
-            <a:r>
-              <a:rPr lang="ko-KR" altLang="en-US" sz="2400" b="1" dirty="0">
-                <a:solidFill>
-                  <a:schemeClr val="bg1"/>
-                </a:solidFill>
-                <a:latin typeface="여기어때 잘난체 OTF" panose="020B0600000101010101" pitchFamily="34" charset="-127"/>
-                <a:ea typeface="여기어때 잘난체 OTF" panose="020B0600000101010101" pitchFamily="34" charset="-127"/>
-              </a:rPr>
-              <a:t>김가윤 </a:t>
-            </a:r>
-            <a:r>
-              <a:rPr lang="en-US" altLang="ko-KR" sz="2400" b="1" dirty="0">
-                <a:solidFill>
-                  <a:schemeClr val="bg1"/>
-                </a:solidFill>
-                <a:latin typeface="여기어때 잘난체 OTF" panose="020B0600000101010101" pitchFamily="34" charset="-127"/>
-                <a:ea typeface="여기어때 잘난체 OTF" panose="020B0600000101010101" pitchFamily="34" charset="-127"/>
-              </a:rPr>
-              <a:t>:</a:t>
-            </a:r>
-            <a:endParaRPr lang="ko-KR" altLang="en-US" sz="2400" b="1" dirty="0">
-              <a:solidFill>
-                <a:schemeClr val="bg1"/>
-              </a:solidFill>
-              <a:latin typeface="여기어때 잘난체 OTF" panose="020B0600000101010101" pitchFamily="34" charset="-127"/>
-              <a:ea typeface="여기어때 잘난체 OTF" panose="020B0600000101010101" pitchFamily="34" charset="-127"/>
-            </a:endParaRPr>
-          </a:p>
-        </p:txBody>
-      </p:sp>
-      <p:sp>
-        <p:nvSpPr>
-          <p:cNvPr id="12" name="TextBox 11">
-            <a:extLst>
-              <a:ext uri="{FF2B5EF4-FFF2-40B4-BE49-F238E27FC236}">
-                <a16:creationId xmlns:a16="http://schemas.microsoft.com/office/drawing/2014/main" id="{732D3E9E-488B-45AA-89AA-65D565F0187C}"/>
-              </a:ext>
-            </a:extLst>
-          </p:cNvPr>
-          <p:cNvSpPr txBox="1"/>
-          <p:nvPr/>
-        </p:nvSpPr>
-        <p:spPr>
-          <a:xfrm>
-            <a:off x="568133" y="6018226"/>
-            <a:ext cx="1284326" cy="461665"/>
-          </a:xfrm>
-          <a:prstGeom prst="rect">
-            <a:avLst/>
-          </a:prstGeom>
-          <a:noFill/>
-        </p:spPr>
-        <p:txBody>
-          <a:bodyPr wrap="none" rtlCol="0">
-            <a:spAutoFit/>
-          </a:bodyPr>
-          <a:lstStyle/>
-          <a:p>
-            <a:r>
-              <a:rPr lang="ko-KR" altLang="en-US" sz="2400" b="1" dirty="0">
-                <a:solidFill>
-                  <a:schemeClr val="bg1"/>
-                </a:solidFill>
-                <a:latin typeface="여기어때 잘난체 OTF" panose="020B0600000101010101" pitchFamily="34" charset="-127"/>
-                <a:ea typeface="여기어때 잘난체 OTF" panose="020B0600000101010101" pitchFamily="34" charset="-127"/>
-              </a:rPr>
-              <a:t>박광현 </a:t>
-            </a:r>
-            <a:r>
-              <a:rPr lang="en-US" altLang="ko-KR" sz="2400" b="1" dirty="0">
-                <a:solidFill>
-                  <a:schemeClr val="bg1"/>
-                </a:solidFill>
-                <a:latin typeface="여기어때 잘난체 OTF" panose="020B0600000101010101" pitchFamily="34" charset="-127"/>
-                <a:ea typeface="여기어때 잘난체 OTF" panose="020B0600000101010101" pitchFamily="34" charset="-127"/>
-              </a:rPr>
-              <a:t>:</a:t>
-            </a:r>
-            <a:endParaRPr lang="ko-KR" altLang="en-US" sz="2400" b="1" dirty="0">
-              <a:solidFill>
-                <a:schemeClr val="bg1"/>
-              </a:solidFill>
-              <a:latin typeface="여기어때 잘난체 OTF" panose="020B0600000101010101" pitchFamily="34" charset="-127"/>
-              <a:ea typeface="여기어때 잘난체 OTF" panose="020B0600000101010101" pitchFamily="34" charset="-127"/>
-            </a:endParaRPr>
-          </a:p>
-        </p:txBody>
-      </p:sp>
-      <p:sp>
-        <p:nvSpPr>
-          <p:cNvPr id="13" name="TextBox 12">
-            <a:extLst>
-              <a:ext uri="{FF2B5EF4-FFF2-40B4-BE49-F238E27FC236}">
-                <a16:creationId xmlns:a16="http://schemas.microsoft.com/office/drawing/2014/main" id="{BD763222-D914-42AE-BAB2-661CC5B7926C}"/>
-              </a:ext>
-            </a:extLst>
-          </p:cNvPr>
-          <p:cNvSpPr txBox="1"/>
-          <p:nvPr/>
-        </p:nvSpPr>
-        <p:spPr>
-          <a:xfrm>
-            <a:off x="524852" y="1732298"/>
-            <a:ext cx="11386450" cy="1384995"/>
-          </a:xfrm>
-          <a:prstGeom prst="rect">
-            <a:avLst/>
-          </a:prstGeom>
-          <a:noFill/>
-          <a:ln>
-            <a:solidFill>
-              <a:schemeClr val="bg1"/>
-            </a:solidFill>
-          </a:ln>
-        </p:spPr>
-        <p:txBody>
-          <a:bodyPr wrap="none" rtlCol="0">
-            <a:spAutoFit/>
-          </a:bodyPr>
-          <a:lstStyle/>
-          <a:p>
-            <a:r>
-              <a:rPr lang="ko-KR" altLang="en-US" sz="2800" b="1" dirty="0">
-                <a:solidFill>
-                  <a:schemeClr val="bg1">
-                    <a:lumMod val="85000"/>
-                  </a:schemeClr>
-                </a:solidFill>
-                <a:latin typeface="메이플스토리" panose="02000800000000000000" pitchFamily="2" charset="-127"/>
-                <a:ea typeface="메이플스토리" panose="02000800000000000000" pitchFamily="2" charset="-127"/>
-              </a:rPr>
-              <a:t>게임 제작을 위해 준비하는 단계</a:t>
-            </a:r>
-            <a:r>
-              <a:rPr lang="en-US" altLang="ko-KR" sz="2800" b="1" dirty="0">
-                <a:solidFill>
-                  <a:schemeClr val="bg1">
-                    <a:lumMod val="85000"/>
-                  </a:schemeClr>
-                </a:solidFill>
-                <a:latin typeface="메이플스토리" panose="02000800000000000000" pitchFamily="2" charset="-127"/>
-                <a:ea typeface="메이플스토리" panose="02000800000000000000" pitchFamily="2" charset="-127"/>
-              </a:rPr>
-              <a:t>, </a:t>
-            </a:r>
-            <a:r>
-              <a:rPr lang="ko-KR" altLang="en-US" sz="2800" b="1" dirty="0">
-                <a:solidFill>
-                  <a:schemeClr val="bg1">
-                    <a:lumMod val="85000"/>
-                  </a:schemeClr>
-                </a:solidFill>
-                <a:latin typeface="메이플스토리" panose="02000800000000000000" pitchFamily="2" charset="-127"/>
-                <a:ea typeface="메이플스토리" panose="02000800000000000000" pitchFamily="2" charset="-127"/>
-              </a:rPr>
-              <a:t>그러니까 자료구조 프로젝트의 기획 단계에 들어</a:t>
-            </a:r>
-            <a:endParaRPr lang="en-US" altLang="ko-KR" sz="2800" b="1" dirty="0">
-              <a:solidFill>
-                <a:schemeClr val="bg1">
-                  <a:lumMod val="85000"/>
-                </a:schemeClr>
-              </a:solidFill>
-              <a:latin typeface="메이플스토리" panose="02000800000000000000" pitchFamily="2" charset="-127"/>
-              <a:ea typeface="메이플스토리" panose="02000800000000000000" pitchFamily="2" charset="-127"/>
-            </a:endParaRPr>
-          </a:p>
-          <a:p>
-            <a:r>
-              <a:rPr lang="ko-KR" altLang="en-US" sz="2800" b="1" dirty="0">
-                <a:solidFill>
-                  <a:schemeClr val="bg1">
-                    <a:lumMod val="85000"/>
-                  </a:schemeClr>
-                </a:solidFill>
-                <a:latin typeface="메이플스토리" panose="02000800000000000000" pitchFamily="2" charset="-127"/>
-                <a:ea typeface="메이플스토리" panose="02000800000000000000" pitchFamily="2" charset="-127"/>
-              </a:rPr>
-              <a:t>갔을 때</a:t>
-            </a:r>
-            <a:r>
-              <a:rPr lang="en-US" altLang="ko-KR" sz="2800" b="1" dirty="0">
-                <a:solidFill>
-                  <a:schemeClr val="bg1">
-                    <a:lumMod val="85000"/>
-                  </a:schemeClr>
-                </a:solidFill>
-                <a:latin typeface="메이플스토리" panose="02000800000000000000" pitchFamily="2" charset="-127"/>
-                <a:ea typeface="메이플스토리" panose="02000800000000000000" pitchFamily="2" charset="-127"/>
-              </a:rPr>
-              <a:t>, </a:t>
-            </a:r>
-            <a:r>
-              <a:rPr lang="ko-KR" altLang="en-US" sz="2800" b="1" dirty="0">
-                <a:solidFill>
-                  <a:schemeClr val="bg1">
-                    <a:lumMod val="85000"/>
-                  </a:schemeClr>
-                </a:solidFill>
-                <a:latin typeface="메이플스토리" panose="02000800000000000000" pitchFamily="2" charset="-127"/>
-                <a:ea typeface="메이플스토리" panose="02000800000000000000" pitchFamily="2" charset="-127"/>
-              </a:rPr>
-              <a:t>프로젝트의 방향성을 잡긴 하였으나</a:t>
-            </a:r>
-            <a:r>
-              <a:rPr lang="en-US" altLang="ko-KR" sz="2800" b="1" dirty="0">
-                <a:solidFill>
-                  <a:schemeClr val="bg1">
-                    <a:lumMod val="85000"/>
-                  </a:schemeClr>
-                </a:solidFill>
-                <a:latin typeface="메이플스토리" panose="02000800000000000000" pitchFamily="2" charset="-127"/>
-                <a:ea typeface="메이플스토리" panose="02000800000000000000" pitchFamily="2" charset="-127"/>
-              </a:rPr>
-              <a:t> </a:t>
-            </a:r>
-            <a:r>
-              <a:rPr lang="ko-KR" altLang="en-US" sz="2800" b="1" dirty="0">
-                <a:solidFill>
-                  <a:schemeClr val="bg1">
-                    <a:lumMod val="85000"/>
-                  </a:schemeClr>
-                </a:solidFill>
-                <a:latin typeface="메이플스토리" panose="02000800000000000000" pitchFamily="2" charset="-127"/>
-                <a:ea typeface="메이플스토리" panose="02000800000000000000" pitchFamily="2" charset="-127"/>
-              </a:rPr>
-              <a:t>자료와 능력에 대한 부족으로 프로젝</a:t>
-            </a:r>
-            <a:endParaRPr lang="en-US" altLang="ko-KR" sz="2800" b="1" dirty="0">
-              <a:solidFill>
-                <a:schemeClr val="bg1">
-                  <a:lumMod val="85000"/>
-                </a:schemeClr>
-              </a:solidFill>
-              <a:latin typeface="메이플스토리" panose="02000800000000000000" pitchFamily="2" charset="-127"/>
-              <a:ea typeface="메이플스토리" panose="02000800000000000000" pitchFamily="2" charset="-127"/>
-            </a:endParaRPr>
-          </a:p>
-          <a:p>
-            <a:r>
-              <a:rPr lang="ko-KR" altLang="en-US" sz="2800" b="1" dirty="0" err="1">
-                <a:solidFill>
-                  <a:schemeClr val="bg1">
-                    <a:lumMod val="85000"/>
-                  </a:schemeClr>
-                </a:solidFill>
-                <a:latin typeface="메이플스토리" panose="02000800000000000000" pitchFamily="2" charset="-127"/>
-                <a:ea typeface="메이플스토리" panose="02000800000000000000" pitchFamily="2" charset="-127"/>
-              </a:rPr>
-              <a:t>트를</a:t>
-            </a:r>
-            <a:r>
-              <a:rPr lang="ko-KR" altLang="en-US" sz="2800" b="1" dirty="0">
-                <a:solidFill>
-                  <a:schemeClr val="bg1">
-                    <a:lumMod val="85000"/>
-                  </a:schemeClr>
-                </a:solidFill>
-                <a:latin typeface="메이플스토리" panose="02000800000000000000" pitchFamily="2" charset="-127"/>
-                <a:ea typeface="메이플스토리" panose="02000800000000000000" pitchFamily="2" charset="-127"/>
-              </a:rPr>
-              <a:t> 뒤집고</a:t>
-            </a:r>
-            <a:r>
-              <a:rPr lang="en-US" altLang="ko-KR" sz="2800" b="1" dirty="0">
-                <a:solidFill>
-                  <a:schemeClr val="bg1">
-                    <a:lumMod val="85000"/>
-                  </a:schemeClr>
-                </a:solidFill>
-                <a:latin typeface="메이플스토리" panose="02000800000000000000" pitchFamily="2" charset="-127"/>
-                <a:ea typeface="메이플스토리" panose="02000800000000000000" pitchFamily="2" charset="-127"/>
-              </a:rPr>
-              <a:t>, </a:t>
-            </a:r>
-            <a:r>
-              <a:rPr lang="ko-KR" altLang="en-US" sz="2800" b="1" dirty="0">
-                <a:solidFill>
-                  <a:schemeClr val="bg1">
-                    <a:lumMod val="85000"/>
-                  </a:schemeClr>
-                </a:solidFill>
-                <a:latin typeface="메이플스토리" panose="02000800000000000000" pitchFamily="2" charset="-127"/>
-                <a:ea typeface="메이플스토리" panose="02000800000000000000" pitchFamily="2" charset="-127"/>
-              </a:rPr>
-              <a:t>다른 게임을 기획하고 제작하는 방향으로 방향성을 다시 잡았다</a:t>
-            </a:r>
-            <a:r>
-              <a:rPr lang="en-US" altLang="ko-KR" sz="2800" b="1" dirty="0">
-                <a:solidFill>
-                  <a:schemeClr val="bg1">
-                    <a:lumMod val="85000"/>
-                  </a:schemeClr>
-                </a:solidFill>
-                <a:latin typeface="메이플스토리" panose="02000800000000000000" pitchFamily="2" charset="-127"/>
-                <a:ea typeface="메이플스토리" panose="02000800000000000000" pitchFamily="2" charset="-127"/>
-              </a:rPr>
-              <a:t>.</a:t>
-            </a:r>
-            <a:endParaRPr lang="ko-KR" altLang="en-US" sz="2800" b="1" dirty="0">
-              <a:solidFill>
-                <a:schemeClr val="bg1">
-                  <a:lumMod val="85000"/>
-                </a:schemeClr>
-              </a:solidFill>
-              <a:latin typeface="메이플스토리" panose="02000800000000000000" pitchFamily="2" charset="-127"/>
-              <a:ea typeface="메이플스토리" panose="02000800000000000000" pitchFamily="2" charset="-127"/>
-            </a:endParaRPr>
+            <a:pPr algn="ctr"/>
+            <a:endParaRPr lang="ko-KR" altLang="en-US"/>
           </a:p>
         </p:txBody>
       </p:sp>
     </p:spTree>
     <p:extLst>
       <p:ext uri="{BB962C8B-B14F-4D97-AF65-F5344CB8AC3E}">
-        <p14:creationId xmlns:p14="http://schemas.microsoft.com/office/powerpoint/2010/main" val="2032193545"/>
+        <p14:creationId xmlns:p14="http://schemas.microsoft.com/office/powerpoint/2010/main" val="3987292022"/>
       </p:ext>
     </p:extLst>
   </p:cSld>
@@ -6820,7 +6312,7 @@
           </a:prstGeom>
           <a:solidFill>
             <a:schemeClr val="bg1">
-              <a:lumMod val="50000"/>
+              <a:lumMod val="75000"/>
             </a:schemeClr>
           </a:solidFill>
           <a:ln>
@@ -6857,7 +6349,7 @@
           <p:cNvPr id="7" name="TextBox 6">
             <a:extLst>
               <a:ext uri="{FF2B5EF4-FFF2-40B4-BE49-F238E27FC236}">
-                <a16:creationId xmlns:a16="http://schemas.microsoft.com/office/drawing/2014/main" id="{204D845C-1318-44AE-B5FD-FEBA2D66F6D2}"/>
+                <a16:creationId xmlns:a16="http://schemas.microsoft.com/office/drawing/2014/main" id="{F0268627-1804-4EB7-8309-96FA8B911901}"/>
               </a:ext>
             </a:extLst>
           </p:cNvPr>
@@ -6867,7 +6359,7 @@
         <p:spPr>
           <a:xfrm>
             <a:off x="541870" y="270304"/>
-            <a:ext cx="4200189" cy="707886"/>
+            <a:ext cx="1059906" cy="707886"/>
           </a:xfrm>
           <a:prstGeom prst="rect">
             <a:avLst/>
@@ -6888,7 +6380,7 @@
                 <a:latin typeface="메이플스토리" panose="02000800000000000000" pitchFamily="2" charset="-127"/>
                 <a:ea typeface="메이플스토리" panose="02000800000000000000" pitchFamily="2" charset="-127"/>
               </a:rPr>
-              <a:t>게임 제작 준비 단계</a:t>
+              <a:t>총평</a:t>
             </a:r>
           </a:p>
         </p:txBody>
@@ -6898,7 +6390,7 @@
           <p:cNvPr id="8" name="TextBox 7">
             <a:extLst>
               <a:ext uri="{FF2B5EF4-FFF2-40B4-BE49-F238E27FC236}">
-                <a16:creationId xmlns:a16="http://schemas.microsoft.com/office/drawing/2014/main" id="{BE57D3E8-952A-40F4-89AE-66D2FE7DDC5D}"/>
+                <a16:creationId xmlns:a16="http://schemas.microsoft.com/office/drawing/2014/main" id="{C5F0D6EF-5C09-4A9F-8437-74D02EF4D707}"/>
               </a:ext>
             </a:extLst>
           </p:cNvPr>
@@ -6907,8 +6399,8 @@
         </p:nvSpPr>
         <p:spPr>
           <a:xfrm>
-            <a:off x="541870" y="3893832"/>
-            <a:ext cx="2425664" cy="461665"/>
+            <a:off x="409675" y="1708293"/>
+            <a:ext cx="3172663" cy="584775"/>
           </a:xfrm>
           <a:prstGeom prst="rect">
             <a:avLst/>
@@ -6922,7 +6414,7 @@
           <a:lstStyle/>
           <a:p>
             <a:r>
-              <a:rPr lang="ko-KR" altLang="en-US" sz="2400" b="1" dirty="0">
+              <a:rPr lang="ko-KR" altLang="en-US" sz="3200" b="1" dirty="0">
                 <a:solidFill>
                   <a:schemeClr val="bg1"/>
                 </a:solidFill>
@@ -6939,7 +6431,7 @@
           <p:cNvPr id="9" name="TextBox 8">
             <a:extLst>
               <a:ext uri="{FF2B5EF4-FFF2-40B4-BE49-F238E27FC236}">
-                <a16:creationId xmlns:a16="http://schemas.microsoft.com/office/drawing/2014/main" id="{F279B0D7-55CE-4606-B53A-CCE85108B03A}"/>
+                <a16:creationId xmlns:a16="http://schemas.microsoft.com/office/drawing/2014/main" id="{CDA70AF0-C9F8-4318-A319-CC052E61F87F}"/>
               </a:ext>
             </a:extLst>
           </p:cNvPr>
@@ -6948,8 +6440,8 @@
         </p:nvSpPr>
         <p:spPr>
           <a:xfrm>
-            <a:off x="568133" y="4557220"/>
-            <a:ext cx="1370888" cy="461665"/>
+            <a:off x="409675" y="2641236"/>
+            <a:ext cx="10570522" cy="707886"/>
           </a:xfrm>
           <a:prstGeom prst="rect">
             <a:avLst/>
@@ -6981,6 +6473,745 @@
                 <a:ea typeface="여기어때 잘난체 OTF" panose="020B0600000101010101" pitchFamily="34" charset="-127"/>
               </a:rPr>
               <a:t>: </a:t>
+            </a:r>
+            <a:r>
+              <a:rPr lang="ko-KR" altLang="en-US" sz="1600" b="1" dirty="0">
+                <a:solidFill>
+                  <a:schemeClr val="bg1">
+                    <a:lumMod val="85000"/>
+                  </a:schemeClr>
+                </a:solidFill>
+                <a:ea typeface="여기어때 잘난체 OTF" panose="020B0600000101010101" pitchFamily="34" charset="-127"/>
+              </a:rPr>
+              <a:t>좋은 팀원들이기에 부담도 많이 되었지만 그래도 재밌게 프로젝트를 끝낼 수 있어서 다행인 거 같다</a:t>
+            </a:r>
+            <a:r>
+              <a:rPr lang="en-US" altLang="ko-KR" sz="1600" b="1" dirty="0">
+                <a:solidFill>
+                  <a:schemeClr val="bg1">
+                    <a:lumMod val="85000"/>
+                  </a:schemeClr>
+                </a:solidFill>
+                <a:ea typeface="여기어때 잘난체 OTF" panose="020B0600000101010101" pitchFamily="34" charset="-127"/>
+              </a:rPr>
+              <a:t>.</a:t>
+            </a:r>
+          </a:p>
+          <a:p>
+            <a:r>
+              <a:rPr lang="en-US" altLang="ko-KR" sz="1600" b="1" dirty="0">
+                <a:solidFill>
+                  <a:schemeClr val="bg1">
+                    <a:lumMod val="85000"/>
+                  </a:schemeClr>
+                </a:solidFill>
+                <a:ea typeface="여기어때 잘난체 OTF" panose="020B0600000101010101" pitchFamily="34" charset="-127"/>
+              </a:rPr>
+              <a:t>	    </a:t>
+            </a:r>
+            <a:r>
+              <a:rPr lang="ko-KR" altLang="en-US" sz="1600" b="1" dirty="0">
+                <a:solidFill>
+                  <a:schemeClr val="bg1">
+                    <a:lumMod val="85000"/>
+                  </a:schemeClr>
+                </a:solidFill>
+                <a:ea typeface="여기어때 잘난체 OTF" panose="020B0600000101010101" pitchFamily="34" charset="-127"/>
+              </a:rPr>
+              <a:t>만약 다시 한 번 함께 할 기회가 있다면</a:t>
+            </a:r>
+            <a:r>
+              <a:rPr lang="en-US" altLang="ko-KR" sz="1600" b="1" dirty="0">
+                <a:solidFill>
+                  <a:schemeClr val="bg1">
+                    <a:lumMod val="85000"/>
+                  </a:schemeClr>
+                </a:solidFill>
+                <a:ea typeface="여기어때 잘난체 OTF" panose="020B0600000101010101" pitchFamily="34" charset="-127"/>
+              </a:rPr>
+              <a:t>, </a:t>
+            </a:r>
+            <a:r>
+              <a:rPr lang="ko-KR" altLang="en-US" sz="1600" b="1" dirty="0">
+                <a:solidFill>
+                  <a:schemeClr val="bg1">
+                    <a:lumMod val="85000"/>
+                  </a:schemeClr>
+                </a:solidFill>
+                <a:ea typeface="여기어때 잘난체 OTF" panose="020B0600000101010101" pitchFamily="34" charset="-127"/>
+              </a:rPr>
+              <a:t>함께하고 싶다</a:t>
+            </a:r>
+            <a:r>
+              <a:rPr lang="en-US" altLang="ko-KR" sz="1600" b="1" dirty="0">
+                <a:solidFill>
+                  <a:schemeClr val="bg1">
+                    <a:lumMod val="85000"/>
+                  </a:schemeClr>
+                </a:solidFill>
+                <a:ea typeface="여기어때 잘난체 OTF" panose="020B0600000101010101" pitchFamily="34" charset="-127"/>
+              </a:rPr>
+              <a:t>. </a:t>
+            </a:r>
+            <a:endParaRPr lang="ko-KR" altLang="en-US" sz="1600" b="1" dirty="0">
+              <a:solidFill>
+                <a:schemeClr val="bg1">
+                  <a:lumMod val="85000"/>
+                </a:schemeClr>
+              </a:solidFill>
+              <a:ea typeface="여기어때 잘난체 OTF" panose="020B0600000101010101" pitchFamily="34" charset="-127"/>
+            </a:endParaRPr>
+          </a:p>
+        </p:txBody>
+      </p:sp>
+      <p:sp>
+        <p:nvSpPr>
+          <p:cNvPr id="10" name="TextBox 9">
+            <a:extLst>
+              <a:ext uri="{FF2B5EF4-FFF2-40B4-BE49-F238E27FC236}">
+                <a16:creationId xmlns:a16="http://schemas.microsoft.com/office/drawing/2014/main" id="{B2FB516D-0F30-4DC6-995E-7671F242833B}"/>
+              </a:ext>
+            </a:extLst>
+          </p:cNvPr>
+          <p:cNvSpPr txBox="1"/>
+          <p:nvPr/>
+        </p:nvSpPr>
+        <p:spPr>
+          <a:xfrm>
+            <a:off x="409675" y="3616248"/>
+            <a:ext cx="10007868" cy="707886"/>
+          </a:xfrm>
+          <a:prstGeom prst="rect">
+            <a:avLst/>
+          </a:prstGeom>
+          <a:noFill/>
+        </p:spPr>
+        <p:txBody>
+          <a:bodyPr wrap="none" rtlCol="0">
+            <a:spAutoFit/>
+          </a:bodyPr>
+          <a:lstStyle/>
+          <a:p>
+            <a:r>
+              <a:rPr lang="ko-KR" altLang="en-US" sz="2400" b="1" dirty="0">
+                <a:solidFill>
+                  <a:schemeClr val="bg1"/>
+                </a:solidFill>
+                <a:latin typeface="여기어때 잘난체 OTF" panose="020B0600000101010101" pitchFamily="34" charset="-127"/>
+                <a:ea typeface="여기어때 잘난체 OTF" panose="020B0600000101010101" pitchFamily="34" charset="-127"/>
+              </a:rPr>
+              <a:t>유지호 </a:t>
+            </a:r>
+            <a:r>
+              <a:rPr lang="en-US" altLang="ko-KR" sz="2400" b="1" dirty="0">
+                <a:solidFill>
+                  <a:schemeClr val="bg1"/>
+                </a:solidFill>
+                <a:latin typeface="여기어때 잘난체 OTF" panose="020B0600000101010101" pitchFamily="34" charset="-127"/>
+                <a:ea typeface="여기어때 잘난체 OTF" panose="020B0600000101010101" pitchFamily="34" charset="-127"/>
+              </a:rPr>
+              <a:t>: </a:t>
+            </a:r>
+            <a:r>
+              <a:rPr lang="ko-KR" altLang="en-US" sz="1600" b="0" i="0" dirty="0">
+                <a:solidFill>
+                  <a:srgbClr val="DCDDDE"/>
+                </a:solidFill>
+                <a:effectLst/>
+                <a:latin typeface="여기어때 잘난체 OTF" panose="020B0600000101010101" pitchFamily="34" charset="-127"/>
+                <a:ea typeface="여기어때 잘난체 OTF" panose="020B0600000101010101" pitchFamily="34" charset="-127"/>
+              </a:rPr>
+              <a:t>처음에 기획했던 게임은 스토리도 있어서 기획하기 힘들었지만 결정한 </a:t>
+            </a:r>
+            <a:r>
+              <a:rPr lang="ko-KR" altLang="en-US" sz="1600" b="0" i="0" dirty="0" err="1">
+                <a:solidFill>
+                  <a:srgbClr val="DCDDDE"/>
+                </a:solidFill>
+                <a:effectLst/>
+                <a:latin typeface="여기어때 잘난체 OTF" panose="020B0600000101010101" pitchFamily="34" charset="-127"/>
+                <a:ea typeface="여기어때 잘난체 OTF" panose="020B0600000101010101" pitchFamily="34" charset="-127"/>
+              </a:rPr>
+              <a:t>하이퍼</a:t>
+            </a:r>
+            <a:r>
+              <a:rPr lang="ko-KR" altLang="en-US" sz="1600" b="0" i="0" dirty="0">
+                <a:solidFill>
+                  <a:srgbClr val="DCDDDE"/>
+                </a:solidFill>
+                <a:effectLst/>
+                <a:latin typeface="여기어때 잘난체 OTF" panose="020B0600000101010101" pitchFamily="34" charset="-127"/>
+                <a:ea typeface="여기어때 잘난체 OTF" panose="020B0600000101010101" pitchFamily="34" charset="-127"/>
+              </a:rPr>
+              <a:t> 캐주얼 장르라서 </a:t>
+            </a:r>
+            <a:endParaRPr lang="en-US" altLang="ko-KR" sz="1600" b="0" i="0" dirty="0">
+              <a:solidFill>
+                <a:srgbClr val="DCDDDE"/>
+              </a:solidFill>
+              <a:effectLst/>
+              <a:latin typeface="여기어때 잘난체 OTF" panose="020B0600000101010101" pitchFamily="34" charset="-127"/>
+              <a:ea typeface="여기어때 잘난체 OTF" panose="020B0600000101010101" pitchFamily="34" charset="-127"/>
+            </a:endParaRPr>
+          </a:p>
+          <a:p>
+            <a:r>
+              <a:rPr lang="en-US" altLang="ko-KR" sz="1600" b="0" i="0" dirty="0">
+                <a:solidFill>
+                  <a:srgbClr val="DCDDDE"/>
+                </a:solidFill>
+                <a:effectLst/>
+                <a:latin typeface="여기어때 잘난체 OTF" panose="020B0600000101010101" pitchFamily="34" charset="-127"/>
+                <a:ea typeface="여기어때 잘난체 OTF" panose="020B0600000101010101" pitchFamily="34" charset="-127"/>
+              </a:rPr>
+              <a:t>	      </a:t>
+            </a:r>
+            <a:r>
+              <a:rPr lang="ko-KR" altLang="en-US" sz="1600" b="0" i="0" dirty="0">
+                <a:solidFill>
+                  <a:srgbClr val="DCDDDE"/>
+                </a:solidFill>
+                <a:effectLst/>
+                <a:latin typeface="여기어때 잘난체 OTF" panose="020B0600000101010101" pitchFamily="34" charset="-127"/>
+                <a:ea typeface="여기어때 잘난체 OTF" panose="020B0600000101010101" pitchFamily="34" charset="-127"/>
+              </a:rPr>
+              <a:t>전보다 기획이 쉬워져서 좋았다</a:t>
+            </a:r>
+            <a:r>
+              <a:rPr lang="en-US" altLang="ko-KR" sz="1600" b="0" i="0" dirty="0">
+                <a:solidFill>
+                  <a:srgbClr val="DCDDDE"/>
+                </a:solidFill>
+                <a:effectLst/>
+                <a:latin typeface="여기어때 잘난체 OTF" panose="020B0600000101010101" pitchFamily="34" charset="-127"/>
+                <a:ea typeface="여기어때 잘난체 OTF" panose="020B0600000101010101" pitchFamily="34" charset="-127"/>
+              </a:rPr>
+              <a:t>. </a:t>
+            </a:r>
+            <a:r>
+              <a:rPr lang="ko-KR" altLang="en-US" sz="1600" b="0" i="0" dirty="0">
+                <a:solidFill>
+                  <a:srgbClr val="DCDDDE"/>
+                </a:solidFill>
+                <a:effectLst/>
+                <a:latin typeface="여기어때 잘난체 OTF" panose="020B0600000101010101" pitchFamily="34" charset="-127"/>
+                <a:ea typeface="여기어때 잘난체 OTF" panose="020B0600000101010101" pitchFamily="34" charset="-127"/>
+              </a:rPr>
+              <a:t>게임이 </a:t>
+            </a:r>
+            <a:r>
+              <a:rPr lang="ko-KR" altLang="en-US" sz="1600" b="0" i="0" dirty="0" err="1">
+                <a:solidFill>
+                  <a:srgbClr val="DCDDDE"/>
+                </a:solidFill>
+                <a:effectLst/>
+                <a:latin typeface="여기어때 잘난체 OTF" panose="020B0600000101010101" pitchFamily="34" charset="-127"/>
+                <a:ea typeface="여기어때 잘난체 OTF" panose="020B0600000101010101" pitchFamily="34" charset="-127"/>
+              </a:rPr>
+              <a:t>참신한거</a:t>
+            </a:r>
+            <a:r>
+              <a:rPr lang="ko-KR" altLang="en-US" sz="1600" b="0" i="0" dirty="0">
+                <a:solidFill>
+                  <a:srgbClr val="DCDDDE"/>
+                </a:solidFill>
+                <a:effectLst/>
+                <a:latin typeface="여기어때 잘난체 OTF" panose="020B0600000101010101" pitchFamily="34" charset="-127"/>
+                <a:ea typeface="여기어때 잘난체 OTF" panose="020B0600000101010101" pitchFamily="34" charset="-127"/>
+              </a:rPr>
+              <a:t> 같아서 좋은 게임이 나올 거 같았다</a:t>
+            </a:r>
+            <a:r>
+              <a:rPr lang="en-US" altLang="ko-KR" sz="1600" b="0" i="0" dirty="0">
+                <a:solidFill>
+                  <a:srgbClr val="DCDDDE"/>
+                </a:solidFill>
+                <a:effectLst/>
+                <a:latin typeface="여기어때 잘난체 OTF" panose="020B0600000101010101" pitchFamily="34" charset="-127"/>
+                <a:ea typeface="여기어때 잘난체 OTF" panose="020B0600000101010101" pitchFamily="34" charset="-127"/>
+              </a:rPr>
+              <a:t>.</a:t>
+            </a:r>
+            <a:endParaRPr lang="ko-KR" altLang="en-US" sz="1600" b="1" dirty="0">
+              <a:solidFill>
+                <a:schemeClr val="bg1"/>
+              </a:solidFill>
+              <a:latin typeface="여기어때 잘난체 OTF" panose="020B0600000101010101" pitchFamily="34" charset="-127"/>
+              <a:ea typeface="여기어때 잘난체 OTF" panose="020B0600000101010101" pitchFamily="34" charset="-127"/>
+            </a:endParaRPr>
+          </a:p>
+        </p:txBody>
+      </p:sp>
+      <p:sp>
+        <p:nvSpPr>
+          <p:cNvPr id="11" name="TextBox 10">
+            <a:extLst>
+              <a:ext uri="{FF2B5EF4-FFF2-40B4-BE49-F238E27FC236}">
+                <a16:creationId xmlns:a16="http://schemas.microsoft.com/office/drawing/2014/main" id="{FEB7E3C0-B1CC-417C-8EE8-C6ACE99B9642}"/>
+              </a:ext>
+            </a:extLst>
+          </p:cNvPr>
+          <p:cNvSpPr txBox="1"/>
+          <p:nvPr/>
+        </p:nvSpPr>
+        <p:spPr>
+          <a:xfrm>
+            <a:off x="409675" y="4591260"/>
+            <a:ext cx="10883107" cy="707886"/>
+          </a:xfrm>
+          <a:prstGeom prst="rect">
+            <a:avLst/>
+          </a:prstGeom>
+          <a:noFill/>
+        </p:spPr>
+        <p:txBody>
+          <a:bodyPr wrap="none" rtlCol="0">
+            <a:spAutoFit/>
+          </a:bodyPr>
+          <a:lstStyle/>
+          <a:p>
+            <a:r>
+              <a:rPr lang="ko-KR" altLang="en-US" sz="2400" b="1" dirty="0">
+                <a:solidFill>
+                  <a:schemeClr val="bg1"/>
+                </a:solidFill>
+                <a:latin typeface="여기어때 잘난체 OTF" panose="020B0600000101010101" pitchFamily="34" charset="-127"/>
+                <a:ea typeface="여기어때 잘난체 OTF" panose="020B0600000101010101" pitchFamily="34" charset="-127"/>
+              </a:rPr>
+              <a:t>김가윤 </a:t>
+            </a:r>
+            <a:r>
+              <a:rPr lang="en-US" altLang="ko-KR" sz="2400" b="1" dirty="0">
+                <a:solidFill>
+                  <a:schemeClr val="bg1"/>
+                </a:solidFill>
+                <a:latin typeface="여기어때 잘난체 OTF" panose="020B0600000101010101" pitchFamily="34" charset="-127"/>
+                <a:ea typeface="여기어때 잘난체 OTF" panose="020B0600000101010101" pitchFamily="34" charset="-127"/>
+              </a:rPr>
+              <a:t>: </a:t>
+            </a:r>
+            <a:r>
+              <a:rPr lang="ko-KR" altLang="en-US" sz="1600" b="0" i="0" dirty="0">
+                <a:solidFill>
+                  <a:schemeClr val="bg1">
+                    <a:lumMod val="85000"/>
+                  </a:schemeClr>
+                </a:solidFill>
+                <a:effectLst/>
+                <a:latin typeface="여기어때 잘난체 OTF" panose="020B0600000101010101" pitchFamily="34" charset="-127"/>
+                <a:ea typeface="여기어때 잘난체 OTF" panose="020B0600000101010101" pitchFamily="34" charset="-127"/>
+              </a:rPr>
+              <a:t>팀원들과 커뮤니케이션이 매우 잘 됐다</a:t>
+            </a:r>
+            <a:r>
+              <a:rPr lang="en-US" altLang="ko-KR" sz="1600" b="0" i="0" dirty="0">
+                <a:solidFill>
+                  <a:schemeClr val="bg1">
+                    <a:lumMod val="85000"/>
+                  </a:schemeClr>
+                </a:solidFill>
+                <a:effectLst/>
+                <a:latin typeface="여기어때 잘난체 OTF" panose="020B0600000101010101" pitchFamily="34" charset="-127"/>
+                <a:ea typeface="여기어때 잘난체 OTF" panose="020B0600000101010101" pitchFamily="34" charset="-127"/>
+              </a:rPr>
+              <a:t>. </a:t>
+            </a:r>
+            <a:r>
+              <a:rPr lang="ko-KR" altLang="en-US" sz="1600" b="0" i="0" dirty="0">
+                <a:solidFill>
+                  <a:schemeClr val="bg1">
+                    <a:lumMod val="85000"/>
+                  </a:schemeClr>
+                </a:solidFill>
+                <a:effectLst/>
+                <a:latin typeface="여기어때 잘난체 OTF" panose="020B0600000101010101" pitchFamily="34" charset="-127"/>
+                <a:ea typeface="여기어때 잘난체 OTF" panose="020B0600000101010101" pitchFamily="34" charset="-127"/>
+              </a:rPr>
+              <a:t>팀 메인 기획자가 적극적으로 </a:t>
+            </a:r>
+            <a:r>
+              <a:rPr lang="ko-KR" altLang="en-US" sz="1600" b="0" i="0" dirty="0" err="1">
+                <a:solidFill>
+                  <a:schemeClr val="bg1">
+                    <a:lumMod val="85000"/>
+                  </a:schemeClr>
+                </a:solidFill>
+                <a:effectLst/>
+                <a:latin typeface="여기어때 잘난체 OTF" panose="020B0600000101010101" pitchFamily="34" charset="-127"/>
+                <a:ea typeface="여기어때 잘난체 OTF" panose="020B0600000101010101" pitchFamily="34" charset="-127"/>
+              </a:rPr>
+              <a:t>기획적인</a:t>
+            </a:r>
+            <a:r>
+              <a:rPr lang="ko-KR" altLang="en-US" sz="1600" b="0" i="0" dirty="0">
+                <a:solidFill>
+                  <a:schemeClr val="bg1">
+                    <a:lumMod val="85000"/>
+                  </a:schemeClr>
+                </a:solidFill>
+                <a:effectLst/>
+                <a:latin typeface="여기어때 잘난체 OTF" panose="020B0600000101010101" pitchFamily="34" charset="-127"/>
+                <a:ea typeface="여기어때 잘난체 OTF" panose="020B0600000101010101" pitchFamily="34" charset="-127"/>
+              </a:rPr>
+              <a:t> 부분을 </a:t>
+            </a:r>
+            <a:r>
+              <a:rPr lang="ko-KR" altLang="en-US" sz="1600" b="0" i="0" dirty="0" err="1">
+                <a:solidFill>
+                  <a:schemeClr val="bg1">
+                    <a:lumMod val="85000"/>
+                  </a:schemeClr>
+                </a:solidFill>
+                <a:effectLst/>
+                <a:latin typeface="여기어때 잘난체 OTF" panose="020B0600000101010101" pitchFamily="34" charset="-127"/>
+                <a:ea typeface="여기어때 잘난체 OTF" panose="020B0600000101010101" pitchFamily="34" charset="-127"/>
+              </a:rPr>
+              <a:t>추진해나갔다</a:t>
+            </a:r>
+            <a:r>
+              <a:rPr lang="en-US" altLang="ko-KR" sz="1600" b="0" i="0" dirty="0">
+                <a:solidFill>
+                  <a:schemeClr val="bg1">
+                    <a:lumMod val="85000"/>
+                  </a:schemeClr>
+                </a:solidFill>
+                <a:effectLst/>
+                <a:latin typeface="여기어때 잘난체 OTF" panose="020B0600000101010101" pitchFamily="34" charset="-127"/>
+                <a:ea typeface="여기어때 잘난체 OTF" panose="020B0600000101010101" pitchFamily="34" charset="-127"/>
+              </a:rPr>
+              <a:t>. </a:t>
+            </a:r>
+          </a:p>
+          <a:p>
+            <a:r>
+              <a:rPr lang="en-US" altLang="ko-KR" sz="1600" dirty="0">
+                <a:solidFill>
+                  <a:schemeClr val="bg1">
+                    <a:lumMod val="85000"/>
+                  </a:schemeClr>
+                </a:solidFill>
+                <a:latin typeface="여기어때 잘난체 OTF" panose="020B0600000101010101" pitchFamily="34" charset="-127"/>
+                <a:ea typeface="여기어때 잘난체 OTF" panose="020B0600000101010101" pitchFamily="34" charset="-127"/>
+              </a:rPr>
+              <a:t>	      </a:t>
+            </a:r>
+            <a:r>
+              <a:rPr lang="ko-KR" altLang="en-US" sz="1600" b="0" i="0" dirty="0">
+                <a:solidFill>
+                  <a:schemeClr val="bg1">
+                    <a:lumMod val="85000"/>
+                  </a:schemeClr>
+                </a:solidFill>
+                <a:effectLst/>
+                <a:latin typeface="여기어때 잘난체 OTF" panose="020B0600000101010101" pitchFamily="34" charset="-127"/>
+                <a:ea typeface="여기어때 잘난체 OTF" panose="020B0600000101010101" pitchFamily="34" charset="-127"/>
+              </a:rPr>
+              <a:t>때문에 </a:t>
+            </a:r>
+            <a:r>
+              <a:rPr lang="ko-KR" altLang="en-US" sz="1600" b="0" i="0" dirty="0" err="1">
+                <a:solidFill>
+                  <a:schemeClr val="bg1">
+                    <a:lumMod val="85000"/>
+                  </a:schemeClr>
+                </a:solidFill>
+                <a:effectLst/>
+                <a:latin typeface="여기어때 잘난체 OTF" panose="020B0600000101010101" pitchFamily="34" charset="-127"/>
+                <a:ea typeface="여기어때 잘난체 OTF" panose="020B0600000101010101" pitchFamily="34" charset="-127"/>
+              </a:rPr>
+              <a:t>기획적</a:t>
+            </a:r>
+            <a:r>
+              <a:rPr lang="ko-KR" altLang="en-US" sz="1600" b="0" i="0" dirty="0">
+                <a:solidFill>
+                  <a:schemeClr val="bg1">
+                    <a:lumMod val="85000"/>
+                  </a:schemeClr>
+                </a:solidFill>
+                <a:effectLst/>
+                <a:latin typeface="여기어때 잘난체 OTF" panose="020B0600000101010101" pitchFamily="34" charset="-127"/>
+                <a:ea typeface="여기어때 잘난체 OTF" panose="020B0600000101010101" pitchFamily="34" charset="-127"/>
+              </a:rPr>
+              <a:t> 부분의 틀이 빠르게 자리잡아</a:t>
+            </a:r>
+            <a:r>
+              <a:rPr lang="en-US" altLang="ko-KR" sz="1600" b="0" i="0" dirty="0">
+                <a:solidFill>
+                  <a:schemeClr val="bg1">
+                    <a:lumMod val="85000"/>
+                  </a:schemeClr>
+                </a:solidFill>
+                <a:effectLst/>
+                <a:latin typeface="여기어때 잘난체 OTF" panose="020B0600000101010101" pitchFamily="34" charset="-127"/>
+                <a:ea typeface="여기어때 잘난체 OTF" panose="020B0600000101010101" pitchFamily="34" charset="-127"/>
+              </a:rPr>
+              <a:t>, </a:t>
+            </a:r>
+            <a:r>
+              <a:rPr lang="ko-KR" altLang="en-US" sz="1600" b="0" i="0" dirty="0">
+                <a:solidFill>
+                  <a:schemeClr val="bg1">
+                    <a:lumMod val="85000"/>
+                  </a:schemeClr>
+                </a:solidFill>
+                <a:effectLst/>
+                <a:latin typeface="여기어때 잘난체 OTF" panose="020B0600000101010101" pitchFamily="34" charset="-127"/>
+                <a:ea typeface="여기어때 잘난체 OTF" panose="020B0600000101010101" pitchFamily="34" charset="-127"/>
+              </a:rPr>
+              <a:t>수월한 환경에서 평탄하게 게임 개발을 </a:t>
+            </a:r>
+            <a:r>
+              <a:rPr lang="ko-KR" altLang="en-US" sz="1600" b="0" i="0" dirty="0" err="1">
+                <a:solidFill>
+                  <a:schemeClr val="bg1">
+                    <a:lumMod val="85000"/>
+                  </a:schemeClr>
+                </a:solidFill>
+                <a:effectLst/>
+                <a:latin typeface="여기어때 잘난체 OTF" panose="020B0600000101010101" pitchFamily="34" charset="-127"/>
+                <a:ea typeface="여기어때 잘난체 OTF" panose="020B0600000101010101" pitchFamily="34" charset="-127"/>
+              </a:rPr>
+              <a:t>이어나갈</a:t>
+            </a:r>
+            <a:r>
+              <a:rPr lang="ko-KR" altLang="en-US" sz="1600" b="0" i="0" dirty="0">
+                <a:solidFill>
+                  <a:schemeClr val="bg1">
+                    <a:lumMod val="85000"/>
+                  </a:schemeClr>
+                </a:solidFill>
+                <a:effectLst/>
+                <a:latin typeface="여기어때 잘난체 OTF" panose="020B0600000101010101" pitchFamily="34" charset="-127"/>
+                <a:ea typeface="여기어때 잘난체 OTF" panose="020B0600000101010101" pitchFamily="34" charset="-127"/>
+              </a:rPr>
+              <a:t> </a:t>
+            </a:r>
+            <a:r>
+              <a:rPr lang="ko-KR" altLang="en-US" sz="1600" b="0" i="0" dirty="0" err="1">
+                <a:solidFill>
+                  <a:schemeClr val="bg1">
+                    <a:lumMod val="85000"/>
+                  </a:schemeClr>
+                </a:solidFill>
+                <a:effectLst/>
+                <a:latin typeface="여기어때 잘난체 OTF" panose="020B0600000101010101" pitchFamily="34" charset="-127"/>
+                <a:ea typeface="여기어때 잘난체 OTF" panose="020B0600000101010101" pitchFamily="34" charset="-127"/>
+              </a:rPr>
+              <a:t>수있었다</a:t>
+            </a:r>
+            <a:r>
+              <a:rPr lang="en-US" altLang="ko-KR" sz="1600" b="0" i="0" dirty="0">
+                <a:solidFill>
+                  <a:schemeClr val="bg1">
+                    <a:lumMod val="85000"/>
+                  </a:schemeClr>
+                </a:solidFill>
+                <a:effectLst/>
+                <a:latin typeface="여기어때 잘난체 OTF" panose="020B0600000101010101" pitchFamily="34" charset="-127"/>
+                <a:ea typeface="여기어때 잘난체 OTF" panose="020B0600000101010101" pitchFamily="34" charset="-127"/>
+              </a:rPr>
+              <a:t>.</a:t>
+            </a:r>
+            <a:endParaRPr lang="ko-KR" altLang="en-US" sz="1600" b="1" dirty="0">
+              <a:solidFill>
+                <a:schemeClr val="bg1">
+                  <a:lumMod val="85000"/>
+                </a:schemeClr>
+              </a:solidFill>
+              <a:latin typeface="여기어때 잘난체 OTF" panose="020B0600000101010101" pitchFamily="34" charset="-127"/>
+              <a:ea typeface="여기어때 잘난체 OTF" panose="020B0600000101010101" pitchFamily="34" charset="-127"/>
+            </a:endParaRPr>
+          </a:p>
+        </p:txBody>
+      </p:sp>
+      <p:sp>
+        <p:nvSpPr>
+          <p:cNvPr id="12" name="TextBox 11">
+            <a:extLst>
+              <a:ext uri="{FF2B5EF4-FFF2-40B4-BE49-F238E27FC236}">
+                <a16:creationId xmlns:a16="http://schemas.microsoft.com/office/drawing/2014/main" id="{732D3E9E-488B-45AA-89AA-65D565F0187C}"/>
+              </a:ext>
+            </a:extLst>
+          </p:cNvPr>
+          <p:cNvSpPr txBox="1"/>
+          <p:nvPr/>
+        </p:nvSpPr>
+        <p:spPr>
+          <a:xfrm>
+            <a:off x="409675" y="5566272"/>
+            <a:ext cx="10592964" cy="830997"/>
+          </a:xfrm>
+          <a:prstGeom prst="rect">
+            <a:avLst/>
+          </a:prstGeom>
+          <a:noFill/>
+        </p:spPr>
+        <p:txBody>
+          <a:bodyPr wrap="none" rtlCol="0">
+            <a:spAutoFit/>
+          </a:bodyPr>
+          <a:lstStyle/>
+          <a:p>
+            <a:r>
+              <a:rPr lang="ko-KR" altLang="en-US" sz="2400" b="1" dirty="0">
+                <a:solidFill>
+                  <a:schemeClr val="bg1"/>
+                </a:solidFill>
+                <a:latin typeface="여기어때 잘난체 OTF" panose="020B0600000101010101" pitchFamily="34" charset="-127"/>
+                <a:ea typeface="여기어때 잘난체 OTF" panose="020B0600000101010101" pitchFamily="34" charset="-127"/>
+              </a:rPr>
+              <a:t>박광현 </a:t>
+            </a:r>
+            <a:r>
+              <a:rPr lang="en-US" altLang="ko-KR" sz="2400" b="1" dirty="0">
+                <a:solidFill>
+                  <a:schemeClr val="bg1"/>
+                </a:solidFill>
+                <a:latin typeface="여기어때 잘난체 OTF" panose="020B0600000101010101" pitchFamily="34" charset="-127"/>
+                <a:ea typeface="여기어때 잘난체 OTF" panose="020B0600000101010101" pitchFamily="34" charset="-127"/>
+              </a:rPr>
+              <a:t>: </a:t>
+            </a:r>
+            <a:r>
+              <a:rPr lang="ko-KR" altLang="en-US" sz="1600" dirty="0">
+                <a:solidFill>
+                  <a:schemeClr val="bg1">
+                    <a:lumMod val="85000"/>
+                  </a:schemeClr>
+                </a:solidFill>
+                <a:latin typeface="여기어때 잘난체 OTF" panose="020B0600000101010101" pitchFamily="34" charset="-127"/>
+                <a:ea typeface="여기어때 잘난체 OTF" panose="020B0600000101010101" pitchFamily="34" charset="-127"/>
+              </a:rPr>
+              <a:t>프로그래밍을 혼자 했기에 어려운 감이 </a:t>
+            </a:r>
+            <a:r>
+              <a:rPr lang="ko-KR" altLang="en-US" sz="1600" dirty="0" err="1">
+                <a:solidFill>
+                  <a:schemeClr val="bg1">
+                    <a:lumMod val="85000"/>
+                  </a:schemeClr>
+                </a:solidFill>
+                <a:latin typeface="여기어때 잘난체 OTF" panose="020B0600000101010101" pitchFamily="34" charset="-127"/>
+                <a:ea typeface="여기어때 잘난체 OTF" panose="020B0600000101010101" pitchFamily="34" charset="-127"/>
+              </a:rPr>
+              <a:t>없잖아</a:t>
+            </a:r>
+            <a:r>
+              <a:rPr lang="ko-KR" altLang="en-US" sz="1600" dirty="0">
+                <a:solidFill>
+                  <a:schemeClr val="bg1">
+                    <a:lumMod val="85000"/>
+                  </a:schemeClr>
+                </a:solidFill>
+                <a:latin typeface="여기어때 잘난체 OTF" panose="020B0600000101010101" pitchFamily="34" charset="-127"/>
+                <a:ea typeface="여기어때 잘난체 OTF" panose="020B0600000101010101" pitchFamily="34" charset="-127"/>
+              </a:rPr>
+              <a:t> 있었지만</a:t>
+            </a:r>
+            <a:r>
+              <a:rPr lang="en-US" altLang="ko-KR" sz="1600" dirty="0">
+                <a:solidFill>
+                  <a:schemeClr val="bg1">
+                    <a:lumMod val="85000"/>
+                  </a:schemeClr>
+                </a:solidFill>
+                <a:latin typeface="여기어때 잘난체 OTF" panose="020B0600000101010101" pitchFamily="34" charset="-127"/>
+                <a:ea typeface="여기어때 잘난체 OTF" panose="020B0600000101010101" pitchFamily="34" charset="-127"/>
+              </a:rPr>
+              <a:t>, </a:t>
+            </a:r>
+            <a:r>
+              <a:rPr lang="ko-KR" altLang="en-US" sz="1600" dirty="0">
+                <a:solidFill>
+                  <a:schemeClr val="bg1">
+                    <a:lumMod val="85000"/>
+                  </a:schemeClr>
+                </a:solidFill>
+                <a:latin typeface="여기어때 잘난체 OTF" panose="020B0600000101010101" pitchFamily="34" charset="-127"/>
+                <a:ea typeface="여기어때 잘난체 OTF" panose="020B0600000101010101" pitchFamily="34" charset="-127"/>
+              </a:rPr>
+              <a:t>이번 프로젝트를 통해 많은 성장을 했다는 걸</a:t>
+            </a:r>
+            <a:endParaRPr lang="en-US" altLang="ko-KR" sz="1600" dirty="0">
+              <a:solidFill>
+                <a:schemeClr val="bg1">
+                  <a:lumMod val="85000"/>
+                </a:schemeClr>
+              </a:solidFill>
+              <a:latin typeface="여기어때 잘난체 OTF" panose="020B0600000101010101" pitchFamily="34" charset="-127"/>
+              <a:ea typeface="여기어때 잘난체 OTF" panose="020B0600000101010101" pitchFamily="34" charset="-127"/>
+            </a:endParaRPr>
+          </a:p>
+          <a:p>
+            <a:r>
+              <a:rPr lang="en-US" altLang="ko-KR" sz="1600" b="1" dirty="0">
+                <a:solidFill>
+                  <a:schemeClr val="bg1">
+                    <a:lumMod val="85000"/>
+                  </a:schemeClr>
+                </a:solidFill>
+                <a:latin typeface="여기어때 잘난체 OTF" panose="020B0600000101010101" pitchFamily="34" charset="-127"/>
+                <a:ea typeface="여기어때 잘난체 OTF" panose="020B0600000101010101" pitchFamily="34" charset="-127"/>
+              </a:rPr>
+              <a:t>	    </a:t>
+            </a:r>
+            <a:r>
+              <a:rPr lang="ko-KR" altLang="en-US" sz="1600" b="1" dirty="0">
+                <a:solidFill>
+                  <a:schemeClr val="bg1">
+                    <a:lumMod val="85000"/>
+                  </a:schemeClr>
+                </a:solidFill>
+                <a:latin typeface="여기어때 잘난체 OTF" panose="020B0600000101010101" pitchFamily="34" charset="-127"/>
+                <a:ea typeface="여기어때 잘난체 OTF" panose="020B0600000101010101" pitchFamily="34" charset="-127"/>
+              </a:rPr>
+              <a:t>느낄 수 있었으며</a:t>
+            </a:r>
+            <a:r>
+              <a:rPr lang="en-US" altLang="ko-KR" sz="1600" b="1" dirty="0">
+                <a:solidFill>
+                  <a:schemeClr val="bg1">
+                    <a:lumMod val="85000"/>
+                  </a:schemeClr>
+                </a:solidFill>
+                <a:latin typeface="여기어때 잘난체 OTF" panose="020B0600000101010101" pitchFamily="34" charset="-127"/>
+                <a:ea typeface="여기어때 잘난체 OTF" panose="020B0600000101010101" pitchFamily="34" charset="-127"/>
+              </a:rPr>
+              <a:t>, </a:t>
+            </a:r>
+            <a:r>
+              <a:rPr lang="ko-KR" altLang="en-US" sz="1600" b="1" dirty="0">
+                <a:solidFill>
+                  <a:schemeClr val="bg1">
+                    <a:lumMod val="85000"/>
+                  </a:schemeClr>
+                </a:solidFill>
+                <a:latin typeface="여기어때 잘난체 OTF" panose="020B0600000101010101" pitchFamily="34" charset="-127"/>
+                <a:ea typeface="여기어때 잘난체 OTF" panose="020B0600000101010101" pitchFamily="34" charset="-127"/>
+              </a:rPr>
+              <a:t>프로젝트의 결과에 만족스럽다</a:t>
+            </a:r>
+            <a:r>
+              <a:rPr lang="en-US" altLang="ko-KR" sz="1600" b="1" dirty="0">
+                <a:solidFill>
+                  <a:schemeClr val="bg1">
+                    <a:lumMod val="85000"/>
+                  </a:schemeClr>
+                </a:solidFill>
+                <a:latin typeface="여기어때 잘난체 OTF" panose="020B0600000101010101" pitchFamily="34" charset="-127"/>
+                <a:ea typeface="여기어때 잘난체 OTF" panose="020B0600000101010101" pitchFamily="34" charset="-127"/>
+              </a:rPr>
+              <a:t>.</a:t>
+            </a:r>
+            <a:r>
+              <a:rPr lang="en-US" altLang="ko-KR" sz="2400" b="1" dirty="0">
+                <a:solidFill>
+                  <a:schemeClr val="bg1"/>
+                </a:solidFill>
+                <a:latin typeface="여기어때 잘난체 OTF" panose="020B0600000101010101" pitchFamily="34" charset="-127"/>
+                <a:ea typeface="여기어때 잘난체 OTF" panose="020B0600000101010101" pitchFamily="34" charset="-127"/>
+              </a:rPr>
+              <a:t> </a:t>
             </a:r>
             <a:endParaRPr lang="ko-KR" altLang="en-US" sz="2400" b="1" dirty="0">
               <a:solidFill>
@@ -6992,407 +7223,10 @@
           </a:p>
         </p:txBody>
       </p:sp>
-      <p:sp>
-        <p:nvSpPr>
-          <p:cNvPr id="10" name="TextBox 9">
-            <a:extLst>
-              <a:ext uri="{FF2B5EF4-FFF2-40B4-BE49-F238E27FC236}">
-                <a16:creationId xmlns:a16="http://schemas.microsoft.com/office/drawing/2014/main" id="{51D5AA03-BF8A-4399-A21A-72F2E249984E}"/>
-              </a:ext>
-            </a:extLst>
-          </p:cNvPr>
-          <p:cNvSpPr txBox="1"/>
-          <p:nvPr/>
-        </p:nvSpPr>
-        <p:spPr>
-          <a:xfrm>
-            <a:off x="568133" y="5044222"/>
-            <a:ext cx="1284326" cy="461665"/>
-          </a:xfrm>
-          <a:prstGeom prst="rect">
-            <a:avLst/>
-          </a:prstGeom>
-          <a:noFill/>
-        </p:spPr>
-        <p:txBody>
-          <a:bodyPr wrap="none" rtlCol="0">
-            <a:spAutoFit/>
-          </a:bodyPr>
-          <a:lstStyle/>
-          <a:p>
-            <a:r>
-              <a:rPr lang="ko-KR" altLang="en-US" sz="2400" b="1" dirty="0">
-                <a:solidFill>
-                  <a:schemeClr val="bg1"/>
-                </a:solidFill>
-                <a:latin typeface="여기어때 잘난체 OTF" panose="020B0600000101010101" pitchFamily="34" charset="-127"/>
-                <a:ea typeface="여기어때 잘난체 OTF" panose="020B0600000101010101" pitchFamily="34" charset="-127"/>
-              </a:rPr>
-              <a:t>유지호 </a:t>
-            </a:r>
-            <a:r>
-              <a:rPr lang="en-US" altLang="ko-KR" sz="2400" b="1" dirty="0">
-                <a:solidFill>
-                  <a:schemeClr val="bg1"/>
-                </a:solidFill>
-                <a:latin typeface="여기어때 잘난체 OTF" panose="020B0600000101010101" pitchFamily="34" charset="-127"/>
-                <a:ea typeface="여기어때 잘난체 OTF" panose="020B0600000101010101" pitchFamily="34" charset="-127"/>
-              </a:rPr>
-              <a:t>:</a:t>
-            </a:r>
-            <a:endParaRPr lang="ko-KR" altLang="en-US" sz="2400" b="1" dirty="0">
-              <a:solidFill>
-                <a:schemeClr val="bg1"/>
-              </a:solidFill>
-              <a:latin typeface="여기어때 잘난체 OTF" panose="020B0600000101010101" pitchFamily="34" charset="-127"/>
-              <a:ea typeface="여기어때 잘난체 OTF" panose="020B0600000101010101" pitchFamily="34" charset="-127"/>
-            </a:endParaRPr>
-          </a:p>
-        </p:txBody>
-      </p:sp>
-      <p:sp>
-        <p:nvSpPr>
-          <p:cNvPr id="11" name="TextBox 10">
-            <a:extLst>
-              <a:ext uri="{FF2B5EF4-FFF2-40B4-BE49-F238E27FC236}">
-                <a16:creationId xmlns:a16="http://schemas.microsoft.com/office/drawing/2014/main" id="{8228A222-74AF-4CCB-AF18-12EF7C49F69D}"/>
-              </a:ext>
-            </a:extLst>
-          </p:cNvPr>
-          <p:cNvSpPr txBox="1"/>
-          <p:nvPr/>
-        </p:nvSpPr>
-        <p:spPr>
-          <a:xfrm>
-            <a:off x="568133" y="5531224"/>
-            <a:ext cx="1284326" cy="461665"/>
-          </a:xfrm>
-          <a:prstGeom prst="rect">
-            <a:avLst/>
-          </a:prstGeom>
-          <a:noFill/>
-        </p:spPr>
-        <p:txBody>
-          <a:bodyPr wrap="none" rtlCol="0">
-            <a:spAutoFit/>
-          </a:bodyPr>
-          <a:lstStyle/>
-          <a:p>
-            <a:r>
-              <a:rPr lang="ko-KR" altLang="en-US" sz="2400" b="1" dirty="0">
-                <a:solidFill>
-                  <a:schemeClr val="bg1"/>
-                </a:solidFill>
-                <a:latin typeface="여기어때 잘난체 OTF" panose="020B0600000101010101" pitchFamily="34" charset="-127"/>
-                <a:ea typeface="여기어때 잘난체 OTF" panose="020B0600000101010101" pitchFamily="34" charset="-127"/>
-              </a:rPr>
-              <a:t>김가윤 </a:t>
-            </a:r>
-            <a:r>
-              <a:rPr lang="en-US" altLang="ko-KR" sz="2400" b="1" dirty="0">
-                <a:solidFill>
-                  <a:schemeClr val="bg1"/>
-                </a:solidFill>
-                <a:latin typeface="여기어때 잘난체 OTF" panose="020B0600000101010101" pitchFamily="34" charset="-127"/>
-                <a:ea typeface="여기어때 잘난체 OTF" panose="020B0600000101010101" pitchFamily="34" charset="-127"/>
-              </a:rPr>
-              <a:t>:</a:t>
-            </a:r>
-            <a:endParaRPr lang="ko-KR" altLang="en-US" sz="2400" b="1" dirty="0">
-              <a:solidFill>
-                <a:schemeClr val="bg1"/>
-              </a:solidFill>
-              <a:latin typeface="여기어때 잘난체 OTF" panose="020B0600000101010101" pitchFamily="34" charset="-127"/>
-              <a:ea typeface="여기어때 잘난체 OTF" panose="020B0600000101010101" pitchFamily="34" charset="-127"/>
-            </a:endParaRPr>
-          </a:p>
-        </p:txBody>
-      </p:sp>
-      <p:sp>
-        <p:nvSpPr>
-          <p:cNvPr id="12" name="TextBox 11">
-            <a:extLst>
-              <a:ext uri="{FF2B5EF4-FFF2-40B4-BE49-F238E27FC236}">
-                <a16:creationId xmlns:a16="http://schemas.microsoft.com/office/drawing/2014/main" id="{54893D69-AFE0-45B4-A50C-6E23C8F02556}"/>
-              </a:ext>
-            </a:extLst>
-          </p:cNvPr>
-          <p:cNvSpPr txBox="1"/>
-          <p:nvPr/>
-        </p:nvSpPr>
-        <p:spPr>
-          <a:xfrm>
-            <a:off x="568133" y="6018226"/>
-            <a:ext cx="1284326" cy="461665"/>
-          </a:xfrm>
-          <a:prstGeom prst="rect">
-            <a:avLst/>
-          </a:prstGeom>
-          <a:noFill/>
-        </p:spPr>
-        <p:txBody>
-          <a:bodyPr wrap="none" rtlCol="0">
-            <a:spAutoFit/>
-          </a:bodyPr>
-          <a:lstStyle/>
-          <a:p>
-            <a:r>
-              <a:rPr lang="ko-KR" altLang="en-US" sz="2400" b="1" dirty="0">
-                <a:solidFill>
-                  <a:schemeClr val="bg1"/>
-                </a:solidFill>
-                <a:latin typeface="여기어때 잘난체 OTF" panose="020B0600000101010101" pitchFamily="34" charset="-127"/>
-                <a:ea typeface="여기어때 잘난체 OTF" panose="020B0600000101010101" pitchFamily="34" charset="-127"/>
-              </a:rPr>
-              <a:t>박광현 </a:t>
-            </a:r>
-            <a:r>
-              <a:rPr lang="en-US" altLang="ko-KR" sz="2400" b="1" dirty="0">
-                <a:solidFill>
-                  <a:schemeClr val="bg1"/>
-                </a:solidFill>
-                <a:latin typeface="여기어때 잘난체 OTF" panose="020B0600000101010101" pitchFamily="34" charset="-127"/>
-                <a:ea typeface="여기어때 잘난체 OTF" panose="020B0600000101010101" pitchFamily="34" charset="-127"/>
-              </a:rPr>
-              <a:t>:</a:t>
-            </a:r>
-            <a:endParaRPr lang="ko-KR" altLang="en-US" sz="2400" b="1" dirty="0">
-              <a:solidFill>
-                <a:schemeClr val="bg1"/>
-              </a:solidFill>
-              <a:latin typeface="여기어때 잘난체 OTF" panose="020B0600000101010101" pitchFamily="34" charset="-127"/>
-              <a:ea typeface="여기어때 잘난체 OTF" panose="020B0600000101010101" pitchFamily="34" charset="-127"/>
-            </a:endParaRPr>
-          </a:p>
-        </p:txBody>
-      </p:sp>
-      <p:sp>
-        <p:nvSpPr>
-          <p:cNvPr id="13" name="TextBox 12">
-            <a:extLst>
-              <a:ext uri="{FF2B5EF4-FFF2-40B4-BE49-F238E27FC236}">
-                <a16:creationId xmlns:a16="http://schemas.microsoft.com/office/drawing/2014/main" id="{43BD4708-6E6B-440F-8716-43DD1810371C}"/>
-              </a:ext>
-            </a:extLst>
-          </p:cNvPr>
-          <p:cNvSpPr txBox="1"/>
-          <p:nvPr/>
-        </p:nvSpPr>
-        <p:spPr>
-          <a:xfrm>
-            <a:off x="524852" y="1732298"/>
-            <a:ext cx="11386450" cy="1384995"/>
-          </a:xfrm>
-          <a:prstGeom prst="rect">
-            <a:avLst/>
-          </a:prstGeom>
-          <a:noFill/>
-          <a:ln>
-            <a:solidFill>
-              <a:schemeClr val="bg1"/>
-            </a:solidFill>
-          </a:ln>
-        </p:spPr>
-        <p:txBody>
-          <a:bodyPr wrap="none" rtlCol="0">
-            <a:spAutoFit/>
-          </a:bodyPr>
-          <a:lstStyle/>
-          <a:p>
-            <a:r>
-              <a:rPr lang="ko-KR" altLang="en-US" sz="2800" b="1" dirty="0">
-                <a:solidFill>
-                  <a:schemeClr val="bg1">
-                    <a:lumMod val="85000"/>
-                  </a:schemeClr>
-                </a:solidFill>
-                <a:latin typeface="메이플스토리" panose="02000800000000000000" pitchFamily="2" charset="-127"/>
-                <a:ea typeface="메이플스토리" panose="02000800000000000000" pitchFamily="2" charset="-127"/>
-              </a:rPr>
-              <a:t>게임 제작을 위해 준비하는 단계</a:t>
-            </a:r>
-            <a:r>
-              <a:rPr lang="en-US" altLang="ko-KR" sz="2800" b="1" dirty="0">
-                <a:solidFill>
-                  <a:schemeClr val="bg1">
-                    <a:lumMod val="85000"/>
-                  </a:schemeClr>
-                </a:solidFill>
-                <a:latin typeface="메이플스토리" panose="02000800000000000000" pitchFamily="2" charset="-127"/>
-                <a:ea typeface="메이플스토리" panose="02000800000000000000" pitchFamily="2" charset="-127"/>
-              </a:rPr>
-              <a:t>, </a:t>
-            </a:r>
-            <a:r>
-              <a:rPr lang="ko-KR" altLang="en-US" sz="2800" b="1" dirty="0">
-                <a:solidFill>
-                  <a:schemeClr val="bg1">
-                    <a:lumMod val="85000"/>
-                  </a:schemeClr>
-                </a:solidFill>
-                <a:latin typeface="메이플스토리" panose="02000800000000000000" pitchFamily="2" charset="-127"/>
-                <a:ea typeface="메이플스토리" panose="02000800000000000000" pitchFamily="2" charset="-127"/>
-              </a:rPr>
-              <a:t>그러니까 자료구조 프로젝트의 기획 단계에 들어</a:t>
-            </a:r>
-            <a:endParaRPr lang="en-US" altLang="ko-KR" sz="2800" b="1" dirty="0">
-              <a:solidFill>
-                <a:schemeClr val="bg1">
-                  <a:lumMod val="85000"/>
-                </a:schemeClr>
-              </a:solidFill>
-              <a:latin typeface="메이플스토리" panose="02000800000000000000" pitchFamily="2" charset="-127"/>
-              <a:ea typeface="메이플스토리" panose="02000800000000000000" pitchFamily="2" charset="-127"/>
-            </a:endParaRPr>
-          </a:p>
-          <a:p>
-            <a:r>
-              <a:rPr lang="ko-KR" altLang="en-US" sz="2800" b="1" dirty="0">
-                <a:solidFill>
-                  <a:schemeClr val="bg1">
-                    <a:lumMod val="85000"/>
-                  </a:schemeClr>
-                </a:solidFill>
-                <a:latin typeface="메이플스토리" panose="02000800000000000000" pitchFamily="2" charset="-127"/>
-                <a:ea typeface="메이플스토리" panose="02000800000000000000" pitchFamily="2" charset="-127"/>
-              </a:rPr>
-              <a:t>갔을 때</a:t>
-            </a:r>
-            <a:r>
-              <a:rPr lang="en-US" altLang="ko-KR" sz="2800" b="1" dirty="0">
-                <a:solidFill>
-                  <a:schemeClr val="bg1">
-                    <a:lumMod val="85000"/>
-                  </a:schemeClr>
-                </a:solidFill>
-                <a:latin typeface="메이플스토리" panose="02000800000000000000" pitchFamily="2" charset="-127"/>
-                <a:ea typeface="메이플스토리" panose="02000800000000000000" pitchFamily="2" charset="-127"/>
-              </a:rPr>
-              <a:t>, </a:t>
-            </a:r>
-            <a:r>
-              <a:rPr lang="ko-KR" altLang="en-US" sz="2800" b="1" dirty="0">
-                <a:solidFill>
-                  <a:schemeClr val="bg1">
-                    <a:lumMod val="85000"/>
-                  </a:schemeClr>
-                </a:solidFill>
-                <a:latin typeface="메이플스토리" panose="02000800000000000000" pitchFamily="2" charset="-127"/>
-                <a:ea typeface="메이플스토리" panose="02000800000000000000" pitchFamily="2" charset="-127"/>
-              </a:rPr>
-              <a:t>프로젝트의 방향성을 잡긴 하였으나</a:t>
-            </a:r>
-            <a:r>
-              <a:rPr lang="en-US" altLang="ko-KR" sz="2800" b="1" dirty="0">
-                <a:solidFill>
-                  <a:schemeClr val="bg1">
-                    <a:lumMod val="85000"/>
-                  </a:schemeClr>
-                </a:solidFill>
-                <a:latin typeface="메이플스토리" panose="02000800000000000000" pitchFamily="2" charset="-127"/>
-                <a:ea typeface="메이플스토리" panose="02000800000000000000" pitchFamily="2" charset="-127"/>
-              </a:rPr>
-              <a:t> </a:t>
-            </a:r>
-            <a:r>
-              <a:rPr lang="ko-KR" altLang="en-US" sz="2800" b="1" dirty="0">
-                <a:solidFill>
-                  <a:schemeClr val="bg1">
-                    <a:lumMod val="85000"/>
-                  </a:schemeClr>
-                </a:solidFill>
-                <a:latin typeface="메이플스토리" panose="02000800000000000000" pitchFamily="2" charset="-127"/>
-                <a:ea typeface="메이플스토리" panose="02000800000000000000" pitchFamily="2" charset="-127"/>
-              </a:rPr>
-              <a:t>자료와 능력에 대한 부족으로 프로젝</a:t>
-            </a:r>
-            <a:endParaRPr lang="en-US" altLang="ko-KR" sz="2800" b="1" dirty="0">
-              <a:solidFill>
-                <a:schemeClr val="bg1">
-                  <a:lumMod val="85000"/>
-                </a:schemeClr>
-              </a:solidFill>
-              <a:latin typeface="메이플스토리" panose="02000800000000000000" pitchFamily="2" charset="-127"/>
-              <a:ea typeface="메이플스토리" panose="02000800000000000000" pitchFamily="2" charset="-127"/>
-            </a:endParaRPr>
-          </a:p>
-          <a:p>
-            <a:r>
-              <a:rPr lang="ko-KR" altLang="en-US" sz="2800" b="1" dirty="0" err="1">
-                <a:solidFill>
-                  <a:schemeClr val="bg1">
-                    <a:lumMod val="85000"/>
-                  </a:schemeClr>
-                </a:solidFill>
-                <a:latin typeface="메이플스토리" panose="02000800000000000000" pitchFamily="2" charset="-127"/>
-                <a:ea typeface="메이플스토리" panose="02000800000000000000" pitchFamily="2" charset="-127"/>
-              </a:rPr>
-              <a:t>트를</a:t>
-            </a:r>
-            <a:r>
-              <a:rPr lang="ko-KR" altLang="en-US" sz="2800" b="1" dirty="0">
-                <a:solidFill>
-                  <a:schemeClr val="bg1">
-                    <a:lumMod val="85000"/>
-                  </a:schemeClr>
-                </a:solidFill>
-                <a:latin typeface="메이플스토리" panose="02000800000000000000" pitchFamily="2" charset="-127"/>
-                <a:ea typeface="메이플스토리" panose="02000800000000000000" pitchFamily="2" charset="-127"/>
-              </a:rPr>
-              <a:t> 뒤집고</a:t>
-            </a:r>
-            <a:r>
-              <a:rPr lang="en-US" altLang="ko-KR" sz="2800" b="1" dirty="0">
-                <a:solidFill>
-                  <a:schemeClr val="bg1">
-                    <a:lumMod val="85000"/>
-                  </a:schemeClr>
-                </a:solidFill>
-                <a:latin typeface="메이플스토리" panose="02000800000000000000" pitchFamily="2" charset="-127"/>
-                <a:ea typeface="메이플스토리" panose="02000800000000000000" pitchFamily="2" charset="-127"/>
-              </a:rPr>
-              <a:t>, </a:t>
-            </a:r>
-            <a:r>
-              <a:rPr lang="ko-KR" altLang="en-US" sz="2800" b="1" dirty="0">
-                <a:solidFill>
-                  <a:schemeClr val="bg1">
-                    <a:lumMod val="85000"/>
-                  </a:schemeClr>
-                </a:solidFill>
-                <a:latin typeface="메이플스토리" panose="02000800000000000000" pitchFamily="2" charset="-127"/>
-                <a:ea typeface="메이플스토리" panose="02000800000000000000" pitchFamily="2" charset="-127"/>
-              </a:rPr>
-              <a:t>다른 게임을 기획하고 제작하는 방향으로 방향성을 다시 잡았다</a:t>
-            </a:r>
-            <a:r>
-              <a:rPr lang="en-US" altLang="ko-KR" sz="2800" b="1" dirty="0">
-                <a:solidFill>
-                  <a:schemeClr val="bg1">
-                    <a:lumMod val="85000"/>
-                  </a:schemeClr>
-                </a:solidFill>
-                <a:latin typeface="메이플스토리" panose="02000800000000000000" pitchFamily="2" charset="-127"/>
-                <a:ea typeface="메이플스토리" panose="02000800000000000000" pitchFamily="2" charset="-127"/>
-              </a:rPr>
-              <a:t>.</a:t>
-            </a:r>
-            <a:endParaRPr lang="ko-KR" altLang="en-US" sz="2800" b="1" dirty="0">
-              <a:solidFill>
-                <a:schemeClr val="bg1">
-                  <a:lumMod val="85000"/>
-                </a:schemeClr>
-              </a:solidFill>
-              <a:latin typeface="메이플스토리" panose="02000800000000000000" pitchFamily="2" charset="-127"/>
-              <a:ea typeface="메이플스토리" panose="02000800000000000000" pitchFamily="2" charset="-127"/>
-            </a:endParaRPr>
-          </a:p>
-        </p:txBody>
-      </p:sp>
     </p:spTree>
     <p:extLst>
       <p:ext uri="{BB962C8B-B14F-4D97-AF65-F5344CB8AC3E}">
-        <p14:creationId xmlns:p14="http://schemas.microsoft.com/office/powerpoint/2010/main" val="3959988040"/>
+        <p14:creationId xmlns:p14="http://schemas.microsoft.com/office/powerpoint/2010/main" val="2032193545"/>
       </p:ext>
     </p:extLst>
   </p:cSld>
@@ -7419,712 +7253,70 @@
           <a:chExt cx="0" cy="0"/>
         </a:xfrm>
       </p:grpSpPr>
-      <p:grpSp>
-        <p:nvGrpSpPr>
-          <p:cNvPr id="2" name="그룹 1">
-            <a:extLst>
-              <a:ext uri="{FF2B5EF4-FFF2-40B4-BE49-F238E27FC236}">
-                <a16:creationId xmlns:a16="http://schemas.microsoft.com/office/drawing/2014/main" id="{B3D71AC4-DEFC-4B58-ACC8-50F8B5B0E8F8}"/>
-              </a:ext>
-            </a:extLst>
-          </p:cNvPr>
-          <p:cNvGrpSpPr/>
+      <p:pic>
+        <p:nvPicPr>
+          <p:cNvPr id="5" name="그림 4">
+            <a:extLst>
+              <a:ext uri="{FF2B5EF4-FFF2-40B4-BE49-F238E27FC236}">
+                <a16:creationId xmlns:a16="http://schemas.microsoft.com/office/drawing/2014/main" id="{8A9C908B-C712-4BB4-86B3-9F6C95C125B6}"/>
+              </a:ext>
+            </a:extLst>
+          </p:cNvPr>
+          <p:cNvPicPr>
+            <a:picLocks noChangeAspect="1"/>
+          </p:cNvPicPr>
           <p:nvPr/>
-        </p:nvGrpSpPr>
-        <p:grpSpPr>
-          <a:xfrm>
-            <a:off x="0" y="0"/>
-            <a:ext cx="12192000" cy="6858000"/>
-            <a:chOff x="0" y="0"/>
-            <a:chExt cx="12192000" cy="6858000"/>
-          </a:xfrm>
-        </p:grpSpPr>
-        <p:pic>
-          <p:nvPicPr>
-            <p:cNvPr id="5" name="그림 4" descr="실외, 벽돌, 건축자재이(가) 표시된 사진&#10;&#10;자동 생성된 설명">
-              <a:extLst>
-                <a:ext uri="{FF2B5EF4-FFF2-40B4-BE49-F238E27FC236}">
-                  <a16:creationId xmlns:a16="http://schemas.microsoft.com/office/drawing/2014/main" id="{3A91728B-0692-4C89-BE40-02A2108CC07B}"/>
-                </a:ext>
-              </a:extLst>
-            </p:cNvPr>
-            <p:cNvPicPr>
-              <a:picLocks noChangeAspect="1"/>
-            </p:cNvPicPr>
-            <p:nvPr/>
-          </p:nvPicPr>
-          <p:blipFill>
-            <a:blip r:embed="rId2">
-              <a:extLst>
-                <a:ext uri="{28A0092B-C50C-407E-A947-70E740481C1C}">
-                  <a14:useLocalDpi xmlns:a14="http://schemas.microsoft.com/office/drawing/2010/main" val="0"/>
-                </a:ext>
-              </a:extLst>
-            </a:blip>
-            <a:stretch>
-              <a:fillRect/>
-            </a:stretch>
-          </p:blipFill>
-          <p:spPr>
-            <a:xfrm>
-              <a:off x="0" y="0"/>
-              <a:ext cx="12192000" cy="6858000"/>
-            </a:xfrm>
-            <a:prstGeom prst="rect">
-              <a:avLst/>
-            </a:prstGeom>
-          </p:spPr>
-        </p:pic>
-        <p:sp>
-          <p:nvSpPr>
-            <p:cNvPr id="6" name="직사각형 5">
-              <a:extLst>
-                <a:ext uri="{FF2B5EF4-FFF2-40B4-BE49-F238E27FC236}">
-                  <a16:creationId xmlns:a16="http://schemas.microsoft.com/office/drawing/2014/main" id="{5C154B5E-8981-45F5-9053-9DB4EE50A76E}"/>
-                </a:ext>
-              </a:extLst>
-            </p:cNvPr>
-            <p:cNvSpPr/>
-            <p:nvPr/>
-          </p:nvSpPr>
-          <p:spPr>
-            <a:xfrm>
-              <a:off x="0" y="0"/>
-              <a:ext cx="12192000" cy="6858000"/>
-            </a:xfrm>
-            <a:prstGeom prst="rect">
-              <a:avLst/>
-            </a:prstGeom>
-            <a:solidFill>
-              <a:schemeClr val="tx1">
-                <a:alpha val="50000"/>
-              </a:schemeClr>
-            </a:solidFill>
-            <a:ln>
-              <a:noFill/>
-            </a:ln>
-          </p:spPr>
-          <p:style>
-            <a:lnRef idx="2">
-              <a:schemeClr val="accent1">
-                <a:shade val="50000"/>
-              </a:schemeClr>
-            </a:lnRef>
-            <a:fillRef idx="1">
-              <a:schemeClr val="accent1"/>
-            </a:fillRef>
-            <a:effectRef idx="0">
-              <a:schemeClr val="accent1"/>
-            </a:effectRef>
-            <a:fontRef idx="minor">
-              <a:schemeClr val="lt1"/>
-            </a:fontRef>
-          </p:style>
-          <p:txBody>
-            <a:bodyPr rtlCol="0" anchor="ctr"/>
-            <a:lstStyle/>
-            <a:p>
-              <a:pPr algn="ctr"/>
-              <a:endParaRPr lang="ko-KR" altLang="en-US" dirty="0"/>
-            </a:p>
-          </p:txBody>
-        </p:sp>
-      </p:grpSp>
-      <p:sp>
-        <p:nvSpPr>
-          <p:cNvPr id="3" name="직사각형 2">
-            <a:extLst>
-              <a:ext uri="{FF2B5EF4-FFF2-40B4-BE49-F238E27FC236}">
-                <a16:creationId xmlns:a16="http://schemas.microsoft.com/office/drawing/2014/main" id="{23767F80-7CA6-4714-B890-AAF7B314A329}"/>
-              </a:ext>
-            </a:extLst>
-          </p:cNvPr>
-          <p:cNvSpPr/>
-          <p:nvPr/>
-        </p:nvSpPr>
+        </p:nvPicPr>
+        <p:blipFill>
+          <a:blip r:embed="rId2"/>
+          <a:stretch>
+            <a:fillRect/>
+          </a:stretch>
+        </p:blipFill>
         <p:spPr>
           <a:xfrm>
-            <a:off x="0" y="0"/>
-            <a:ext cx="12192000" cy="1185333"/>
+            <a:off x="395075" y="272917"/>
+            <a:ext cx="8962244" cy="2966865"/>
           </a:xfrm>
           <a:prstGeom prst="rect">
             <a:avLst/>
           </a:prstGeom>
-          <a:solidFill>
-            <a:schemeClr val="bg1">
-              <a:lumMod val="65000"/>
-            </a:schemeClr>
-          </a:solidFill>
-          <a:ln>
-            <a:noFill/>
-          </a:ln>
         </p:spPr>
-        <p:style>
-          <a:lnRef idx="2">
-            <a:schemeClr val="accent1">
-              <a:shade val="50000"/>
-            </a:schemeClr>
-          </a:lnRef>
-          <a:fillRef idx="1">
-            <a:schemeClr val="accent1"/>
-          </a:fillRef>
-          <a:effectRef idx="0">
-            <a:schemeClr val="accent1"/>
-          </a:effectRef>
-          <a:fontRef idx="minor">
-            <a:schemeClr val="lt1"/>
-          </a:fontRef>
-        </p:style>
-        <p:txBody>
-          <a:bodyPr rtlCol="0" anchor="ctr"/>
-          <a:lstStyle/>
-          <a:p>
-            <a:pPr algn="ctr"/>
-            <a:endParaRPr lang="ko-KR" altLang="en-US" dirty="0"/>
-          </a:p>
-        </p:txBody>
-      </p:sp>
-      <p:sp>
-        <p:nvSpPr>
-          <p:cNvPr id="7" name="TextBox 6">
-            <a:extLst>
-              <a:ext uri="{FF2B5EF4-FFF2-40B4-BE49-F238E27FC236}">
-                <a16:creationId xmlns:a16="http://schemas.microsoft.com/office/drawing/2014/main" id="{F0268627-1804-4EB7-8309-96FA8B911901}"/>
-              </a:ext>
-            </a:extLst>
-          </p:cNvPr>
-          <p:cNvSpPr txBox="1"/>
+      </p:pic>
+      <p:pic>
+        <p:nvPicPr>
+          <p:cNvPr id="7" name="그림 6">
+            <a:extLst>
+              <a:ext uri="{FF2B5EF4-FFF2-40B4-BE49-F238E27FC236}">
+                <a16:creationId xmlns:a16="http://schemas.microsoft.com/office/drawing/2014/main" id="{838EB304-45C4-4A8C-BC10-1AF91C42454C}"/>
+              </a:ext>
+            </a:extLst>
+          </p:cNvPr>
+          <p:cNvPicPr>
+            <a:picLocks noChangeAspect="1"/>
+          </p:cNvPicPr>
           <p:nvPr/>
-        </p:nvSpPr>
+        </p:nvPicPr>
+        <p:blipFill>
+          <a:blip r:embed="rId3"/>
+          <a:stretch>
+            <a:fillRect/>
+          </a:stretch>
+        </p:blipFill>
         <p:spPr>
           <a:xfrm>
-            <a:off x="541870" y="270304"/>
-            <a:ext cx="3198311" cy="707886"/>
+            <a:off x="395075" y="3320794"/>
+            <a:ext cx="8738766" cy="3043926"/>
           </a:xfrm>
           <a:prstGeom prst="rect">
             <a:avLst/>
           </a:prstGeom>
-          <a:noFill/>
         </p:spPr>
-        <p:txBody>
-          <a:bodyPr wrap="none" rtlCol="0">
-            <a:spAutoFit/>
-          </a:bodyPr>
-          <a:lstStyle/>
-          <a:p>
-            <a:r>
-              <a:rPr lang="ko-KR" altLang="en-US" sz="4000" b="1" dirty="0">
-                <a:solidFill>
-                  <a:schemeClr val="bg1"/>
-                </a:solidFill>
-                <a:latin typeface="메이플스토리" panose="02000800000000000000" pitchFamily="2" charset="-127"/>
-                <a:ea typeface="메이플스토리" panose="02000800000000000000" pitchFamily="2" charset="-127"/>
-              </a:rPr>
-              <a:t>게임 제작 단계</a:t>
-            </a:r>
-          </a:p>
-        </p:txBody>
-      </p:sp>
-      <p:sp>
-        <p:nvSpPr>
-          <p:cNvPr id="8" name="TextBox 7">
-            <a:extLst>
-              <a:ext uri="{FF2B5EF4-FFF2-40B4-BE49-F238E27FC236}">
-                <a16:creationId xmlns:a16="http://schemas.microsoft.com/office/drawing/2014/main" id="{C5F0D6EF-5C09-4A9F-8437-74D02EF4D707}"/>
-              </a:ext>
-            </a:extLst>
-          </p:cNvPr>
-          <p:cNvSpPr txBox="1"/>
-          <p:nvPr/>
-        </p:nvSpPr>
-        <p:spPr>
-          <a:xfrm>
-            <a:off x="541870" y="3893832"/>
-            <a:ext cx="2425664" cy="461665"/>
-          </a:xfrm>
-          <a:prstGeom prst="rect">
-            <a:avLst/>
-          </a:prstGeom>
-          <a:noFill/>
-        </p:spPr>
-        <p:txBody>
-          <a:bodyPr wrap="none" rtlCol="0">
-            <a:spAutoFit/>
-          </a:bodyPr>
-          <a:lstStyle/>
-          <a:p>
-            <a:r>
-              <a:rPr lang="ko-KR" altLang="en-US" sz="2400" b="1" dirty="0">
-                <a:solidFill>
-                  <a:schemeClr val="bg1"/>
-                </a:solidFill>
-                <a:latin typeface="여기어때 잘난체 OTF" panose="020B0600000101010101" pitchFamily="34" charset="-127"/>
-                <a:ea typeface="여기어때 잘난체 OTF" panose="020B0600000101010101" pitchFamily="34" charset="-127"/>
-              </a:rPr>
-              <a:t>팀원들의 말말말</a:t>
-            </a:r>
-          </a:p>
-        </p:txBody>
-      </p:sp>
-      <p:sp>
-        <p:nvSpPr>
-          <p:cNvPr id="9" name="TextBox 8">
-            <a:extLst>
-              <a:ext uri="{FF2B5EF4-FFF2-40B4-BE49-F238E27FC236}">
-                <a16:creationId xmlns:a16="http://schemas.microsoft.com/office/drawing/2014/main" id="{CDA70AF0-C9F8-4318-A319-CC052E61F87F}"/>
-              </a:ext>
-            </a:extLst>
-          </p:cNvPr>
-          <p:cNvSpPr txBox="1"/>
-          <p:nvPr/>
-        </p:nvSpPr>
-        <p:spPr>
-          <a:xfrm>
-            <a:off x="524852" y="4557220"/>
-            <a:ext cx="1370888" cy="461665"/>
-          </a:xfrm>
-          <a:prstGeom prst="rect">
-            <a:avLst/>
-          </a:prstGeom>
-          <a:noFill/>
-        </p:spPr>
-        <p:txBody>
-          <a:bodyPr wrap="none" rtlCol="0">
-            <a:spAutoFit/>
-          </a:bodyPr>
-          <a:lstStyle/>
-          <a:p>
-            <a:r>
-              <a:rPr lang="ko-KR" altLang="en-US" sz="2400" b="1" dirty="0">
-                <a:solidFill>
-                  <a:schemeClr val="bg1"/>
-                </a:solidFill>
-                <a:latin typeface="여기어때 잘난체 OTF" panose="020B0600000101010101" pitchFamily="34" charset="-127"/>
-                <a:ea typeface="여기어때 잘난체 OTF" panose="020B0600000101010101" pitchFamily="34" charset="-127"/>
-              </a:rPr>
-              <a:t>남상현 </a:t>
-            </a:r>
-            <a:r>
-              <a:rPr lang="en-US" altLang="ko-KR" sz="2400" b="1" dirty="0">
-                <a:solidFill>
-                  <a:schemeClr val="bg1"/>
-                </a:solidFill>
-                <a:latin typeface="여기어때 잘난체 OTF" panose="020B0600000101010101" pitchFamily="34" charset="-127"/>
-                <a:ea typeface="여기어때 잘난체 OTF" panose="020B0600000101010101" pitchFamily="34" charset="-127"/>
-              </a:rPr>
-              <a:t>: </a:t>
-            </a:r>
-            <a:endParaRPr lang="ko-KR" altLang="en-US" sz="2400" b="1" dirty="0">
-              <a:solidFill>
-                <a:schemeClr val="bg1"/>
-              </a:solidFill>
-              <a:latin typeface="여기어때 잘난체 OTF" panose="020B0600000101010101" pitchFamily="34" charset="-127"/>
-              <a:ea typeface="여기어때 잘난체 OTF" panose="020B0600000101010101" pitchFamily="34" charset="-127"/>
-            </a:endParaRPr>
-          </a:p>
-        </p:txBody>
-      </p:sp>
-      <p:sp>
-        <p:nvSpPr>
-          <p:cNvPr id="10" name="TextBox 9">
-            <a:extLst>
-              <a:ext uri="{FF2B5EF4-FFF2-40B4-BE49-F238E27FC236}">
-                <a16:creationId xmlns:a16="http://schemas.microsoft.com/office/drawing/2014/main" id="{B2FB516D-0F30-4DC6-995E-7671F242833B}"/>
-              </a:ext>
-            </a:extLst>
-          </p:cNvPr>
-          <p:cNvSpPr txBox="1"/>
-          <p:nvPr/>
-        </p:nvSpPr>
-        <p:spPr>
-          <a:xfrm>
-            <a:off x="568133" y="5044222"/>
-            <a:ext cx="1284326" cy="461665"/>
-          </a:xfrm>
-          <a:prstGeom prst="rect">
-            <a:avLst/>
-          </a:prstGeom>
-          <a:noFill/>
-        </p:spPr>
-        <p:txBody>
-          <a:bodyPr wrap="none" rtlCol="0">
-            <a:spAutoFit/>
-          </a:bodyPr>
-          <a:lstStyle/>
-          <a:p>
-            <a:r>
-              <a:rPr lang="ko-KR" altLang="en-US" sz="2400" b="1" dirty="0">
-                <a:solidFill>
-                  <a:schemeClr val="bg1"/>
-                </a:solidFill>
-                <a:latin typeface="여기어때 잘난체 OTF" panose="020B0600000101010101" pitchFamily="34" charset="-127"/>
-                <a:ea typeface="여기어때 잘난체 OTF" panose="020B0600000101010101" pitchFamily="34" charset="-127"/>
-              </a:rPr>
-              <a:t>유지호 </a:t>
-            </a:r>
-            <a:r>
-              <a:rPr lang="en-US" altLang="ko-KR" sz="2400" b="1" dirty="0">
-                <a:solidFill>
-                  <a:schemeClr val="bg1"/>
-                </a:solidFill>
-                <a:latin typeface="여기어때 잘난체 OTF" panose="020B0600000101010101" pitchFamily="34" charset="-127"/>
-                <a:ea typeface="여기어때 잘난체 OTF" panose="020B0600000101010101" pitchFamily="34" charset="-127"/>
-              </a:rPr>
-              <a:t>:</a:t>
-            </a:r>
-            <a:endParaRPr lang="ko-KR" altLang="en-US" sz="2400" b="1" dirty="0">
-              <a:solidFill>
-                <a:schemeClr val="bg1"/>
-              </a:solidFill>
-              <a:latin typeface="여기어때 잘난체 OTF" panose="020B0600000101010101" pitchFamily="34" charset="-127"/>
-              <a:ea typeface="여기어때 잘난체 OTF" panose="020B0600000101010101" pitchFamily="34" charset="-127"/>
-            </a:endParaRPr>
-          </a:p>
-        </p:txBody>
-      </p:sp>
-      <p:sp>
-        <p:nvSpPr>
-          <p:cNvPr id="11" name="TextBox 10">
-            <a:extLst>
-              <a:ext uri="{FF2B5EF4-FFF2-40B4-BE49-F238E27FC236}">
-                <a16:creationId xmlns:a16="http://schemas.microsoft.com/office/drawing/2014/main" id="{FEB7E3C0-B1CC-417C-8EE8-C6ACE99B9642}"/>
-              </a:ext>
-            </a:extLst>
-          </p:cNvPr>
-          <p:cNvSpPr txBox="1"/>
-          <p:nvPr/>
-        </p:nvSpPr>
-        <p:spPr>
-          <a:xfrm>
-            <a:off x="568133" y="5531224"/>
-            <a:ext cx="1284326" cy="461665"/>
-          </a:xfrm>
-          <a:prstGeom prst="rect">
-            <a:avLst/>
-          </a:prstGeom>
-          <a:noFill/>
-        </p:spPr>
-        <p:txBody>
-          <a:bodyPr wrap="none" rtlCol="0">
-            <a:spAutoFit/>
-          </a:bodyPr>
-          <a:lstStyle/>
-          <a:p>
-            <a:r>
-              <a:rPr lang="ko-KR" altLang="en-US" sz="2400" b="1" dirty="0">
-                <a:solidFill>
-                  <a:schemeClr val="bg1"/>
-                </a:solidFill>
-                <a:latin typeface="여기어때 잘난체 OTF" panose="020B0600000101010101" pitchFamily="34" charset="-127"/>
-                <a:ea typeface="여기어때 잘난체 OTF" panose="020B0600000101010101" pitchFamily="34" charset="-127"/>
-              </a:rPr>
-              <a:t>김가윤 </a:t>
-            </a:r>
-            <a:r>
-              <a:rPr lang="en-US" altLang="ko-KR" sz="2400" b="1" dirty="0">
-                <a:solidFill>
-                  <a:schemeClr val="bg1"/>
-                </a:solidFill>
-                <a:latin typeface="여기어때 잘난체 OTF" panose="020B0600000101010101" pitchFamily="34" charset="-127"/>
-                <a:ea typeface="여기어때 잘난체 OTF" panose="020B0600000101010101" pitchFamily="34" charset="-127"/>
-              </a:rPr>
-              <a:t>:</a:t>
-            </a:r>
-            <a:endParaRPr lang="ko-KR" altLang="en-US" sz="2400" b="1" dirty="0">
-              <a:solidFill>
-                <a:schemeClr val="bg1"/>
-              </a:solidFill>
-              <a:latin typeface="여기어때 잘난체 OTF" panose="020B0600000101010101" pitchFamily="34" charset="-127"/>
-              <a:ea typeface="여기어때 잘난체 OTF" panose="020B0600000101010101" pitchFamily="34" charset="-127"/>
-            </a:endParaRPr>
-          </a:p>
-        </p:txBody>
-      </p:sp>
-      <p:sp>
-        <p:nvSpPr>
-          <p:cNvPr id="12" name="TextBox 11">
-            <a:extLst>
-              <a:ext uri="{FF2B5EF4-FFF2-40B4-BE49-F238E27FC236}">
-                <a16:creationId xmlns:a16="http://schemas.microsoft.com/office/drawing/2014/main" id="{732D3E9E-488B-45AA-89AA-65D565F0187C}"/>
-              </a:ext>
-            </a:extLst>
-          </p:cNvPr>
-          <p:cNvSpPr txBox="1"/>
-          <p:nvPr/>
-        </p:nvSpPr>
-        <p:spPr>
-          <a:xfrm>
-            <a:off x="568133" y="6018226"/>
-            <a:ext cx="1284326" cy="461665"/>
-          </a:xfrm>
-          <a:prstGeom prst="rect">
-            <a:avLst/>
-          </a:prstGeom>
-          <a:noFill/>
-        </p:spPr>
-        <p:txBody>
-          <a:bodyPr wrap="none" rtlCol="0">
-            <a:spAutoFit/>
-          </a:bodyPr>
-          <a:lstStyle/>
-          <a:p>
-            <a:r>
-              <a:rPr lang="ko-KR" altLang="en-US" sz="2400" b="1" dirty="0">
-                <a:solidFill>
-                  <a:schemeClr val="bg1"/>
-                </a:solidFill>
-                <a:latin typeface="여기어때 잘난체 OTF" panose="020B0600000101010101" pitchFamily="34" charset="-127"/>
-                <a:ea typeface="여기어때 잘난체 OTF" panose="020B0600000101010101" pitchFamily="34" charset="-127"/>
-              </a:rPr>
-              <a:t>박광현 </a:t>
-            </a:r>
-            <a:r>
-              <a:rPr lang="en-US" altLang="ko-KR" sz="2400" b="1" dirty="0">
-                <a:solidFill>
-                  <a:schemeClr val="bg1"/>
-                </a:solidFill>
-                <a:latin typeface="여기어때 잘난체 OTF" panose="020B0600000101010101" pitchFamily="34" charset="-127"/>
-                <a:ea typeface="여기어때 잘난체 OTF" panose="020B0600000101010101" pitchFamily="34" charset="-127"/>
-              </a:rPr>
-              <a:t>:</a:t>
-            </a:r>
-            <a:endParaRPr lang="ko-KR" altLang="en-US" sz="2400" b="1" dirty="0">
-              <a:solidFill>
-                <a:schemeClr val="bg1"/>
-              </a:solidFill>
-              <a:latin typeface="여기어때 잘난체 OTF" panose="020B0600000101010101" pitchFamily="34" charset="-127"/>
-              <a:ea typeface="여기어때 잘난체 OTF" panose="020B0600000101010101" pitchFamily="34" charset="-127"/>
-            </a:endParaRPr>
-          </a:p>
-        </p:txBody>
-      </p:sp>
-      <p:sp>
-        <p:nvSpPr>
-          <p:cNvPr id="13" name="TextBox 12">
-            <a:extLst>
-              <a:ext uri="{FF2B5EF4-FFF2-40B4-BE49-F238E27FC236}">
-                <a16:creationId xmlns:a16="http://schemas.microsoft.com/office/drawing/2014/main" id="{01634F5D-247C-4721-98BE-C21B9738ABC0}"/>
-              </a:ext>
-            </a:extLst>
-          </p:cNvPr>
-          <p:cNvSpPr txBox="1"/>
-          <p:nvPr/>
-        </p:nvSpPr>
-        <p:spPr>
-          <a:xfrm>
-            <a:off x="524852" y="1732298"/>
-            <a:ext cx="11386450" cy="1384995"/>
-          </a:xfrm>
-          <a:prstGeom prst="rect">
-            <a:avLst/>
-          </a:prstGeom>
-          <a:noFill/>
-          <a:ln>
-            <a:solidFill>
-              <a:schemeClr val="bg1"/>
-            </a:solidFill>
-          </a:ln>
-        </p:spPr>
-        <p:txBody>
-          <a:bodyPr wrap="none" rtlCol="0">
-            <a:spAutoFit/>
-          </a:bodyPr>
-          <a:lstStyle/>
-          <a:p>
-            <a:r>
-              <a:rPr lang="ko-KR" altLang="en-US" sz="2800" b="1" dirty="0">
-                <a:solidFill>
-                  <a:schemeClr val="bg1">
-                    <a:lumMod val="85000"/>
-                  </a:schemeClr>
-                </a:solidFill>
-                <a:latin typeface="메이플스토리" panose="02000800000000000000" pitchFamily="2" charset="-127"/>
-                <a:ea typeface="메이플스토리" panose="02000800000000000000" pitchFamily="2" charset="-127"/>
-              </a:rPr>
-              <a:t>게임 제작을 위해 준비하는 단계</a:t>
-            </a:r>
-            <a:r>
-              <a:rPr lang="en-US" altLang="ko-KR" sz="2800" b="1" dirty="0">
-                <a:solidFill>
-                  <a:schemeClr val="bg1">
-                    <a:lumMod val="85000"/>
-                  </a:schemeClr>
-                </a:solidFill>
-                <a:latin typeface="메이플스토리" panose="02000800000000000000" pitchFamily="2" charset="-127"/>
-                <a:ea typeface="메이플스토리" panose="02000800000000000000" pitchFamily="2" charset="-127"/>
-              </a:rPr>
-              <a:t>, </a:t>
-            </a:r>
-            <a:r>
-              <a:rPr lang="ko-KR" altLang="en-US" sz="2800" b="1" dirty="0">
-                <a:solidFill>
-                  <a:schemeClr val="bg1">
-                    <a:lumMod val="85000"/>
-                  </a:schemeClr>
-                </a:solidFill>
-                <a:latin typeface="메이플스토리" panose="02000800000000000000" pitchFamily="2" charset="-127"/>
-                <a:ea typeface="메이플스토리" panose="02000800000000000000" pitchFamily="2" charset="-127"/>
-              </a:rPr>
-              <a:t>그러니까 자료구조 프로젝트의 기획 단계에 들어</a:t>
-            </a:r>
-            <a:endParaRPr lang="en-US" altLang="ko-KR" sz="2800" b="1" dirty="0">
-              <a:solidFill>
-                <a:schemeClr val="bg1">
-                  <a:lumMod val="85000"/>
-                </a:schemeClr>
-              </a:solidFill>
-              <a:latin typeface="메이플스토리" panose="02000800000000000000" pitchFamily="2" charset="-127"/>
-              <a:ea typeface="메이플스토리" panose="02000800000000000000" pitchFamily="2" charset="-127"/>
-            </a:endParaRPr>
-          </a:p>
-          <a:p>
-            <a:r>
-              <a:rPr lang="ko-KR" altLang="en-US" sz="2800" b="1" dirty="0">
-                <a:solidFill>
-                  <a:schemeClr val="bg1">
-                    <a:lumMod val="85000"/>
-                  </a:schemeClr>
-                </a:solidFill>
-                <a:latin typeface="메이플스토리" panose="02000800000000000000" pitchFamily="2" charset="-127"/>
-                <a:ea typeface="메이플스토리" panose="02000800000000000000" pitchFamily="2" charset="-127"/>
-              </a:rPr>
-              <a:t>갔을 때</a:t>
-            </a:r>
-            <a:r>
-              <a:rPr lang="en-US" altLang="ko-KR" sz="2800" b="1" dirty="0">
-                <a:solidFill>
-                  <a:schemeClr val="bg1">
-                    <a:lumMod val="85000"/>
-                  </a:schemeClr>
-                </a:solidFill>
-                <a:latin typeface="메이플스토리" panose="02000800000000000000" pitchFamily="2" charset="-127"/>
-                <a:ea typeface="메이플스토리" panose="02000800000000000000" pitchFamily="2" charset="-127"/>
-              </a:rPr>
-              <a:t>, </a:t>
-            </a:r>
-            <a:r>
-              <a:rPr lang="ko-KR" altLang="en-US" sz="2800" b="1" dirty="0">
-                <a:solidFill>
-                  <a:schemeClr val="bg1">
-                    <a:lumMod val="85000"/>
-                  </a:schemeClr>
-                </a:solidFill>
-                <a:latin typeface="메이플스토리" panose="02000800000000000000" pitchFamily="2" charset="-127"/>
-                <a:ea typeface="메이플스토리" panose="02000800000000000000" pitchFamily="2" charset="-127"/>
-              </a:rPr>
-              <a:t>프로젝트의 방향성을 잡긴 하였으나</a:t>
-            </a:r>
-            <a:r>
-              <a:rPr lang="en-US" altLang="ko-KR" sz="2800" b="1" dirty="0">
-                <a:solidFill>
-                  <a:schemeClr val="bg1">
-                    <a:lumMod val="85000"/>
-                  </a:schemeClr>
-                </a:solidFill>
-                <a:latin typeface="메이플스토리" panose="02000800000000000000" pitchFamily="2" charset="-127"/>
-                <a:ea typeface="메이플스토리" panose="02000800000000000000" pitchFamily="2" charset="-127"/>
-              </a:rPr>
-              <a:t> </a:t>
-            </a:r>
-            <a:r>
-              <a:rPr lang="ko-KR" altLang="en-US" sz="2800" b="1" dirty="0">
-                <a:solidFill>
-                  <a:schemeClr val="bg1">
-                    <a:lumMod val="85000"/>
-                  </a:schemeClr>
-                </a:solidFill>
-                <a:latin typeface="메이플스토리" panose="02000800000000000000" pitchFamily="2" charset="-127"/>
-                <a:ea typeface="메이플스토리" panose="02000800000000000000" pitchFamily="2" charset="-127"/>
-              </a:rPr>
-              <a:t>자료와 능력에 대한 부족으로 프로젝</a:t>
-            </a:r>
-            <a:endParaRPr lang="en-US" altLang="ko-KR" sz="2800" b="1" dirty="0">
-              <a:solidFill>
-                <a:schemeClr val="bg1">
-                  <a:lumMod val="85000"/>
-                </a:schemeClr>
-              </a:solidFill>
-              <a:latin typeface="메이플스토리" panose="02000800000000000000" pitchFamily="2" charset="-127"/>
-              <a:ea typeface="메이플스토리" panose="02000800000000000000" pitchFamily="2" charset="-127"/>
-            </a:endParaRPr>
-          </a:p>
-          <a:p>
-            <a:r>
-              <a:rPr lang="ko-KR" altLang="en-US" sz="2800" b="1" dirty="0" err="1">
-                <a:solidFill>
-                  <a:schemeClr val="bg1">
-                    <a:lumMod val="85000"/>
-                  </a:schemeClr>
-                </a:solidFill>
-                <a:latin typeface="메이플스토리" panose="02000800000000000000" pitchFamily="2" charset="-127"/>
-                <a:ea typeface="메이플스토리" panose="02000800000000000000" pitchFamily="2" charset="-127"/>
-              </a:rPr>
-              <a:t>트를</a:t>
-            </a:r>
-            <a:r>
-              <a:rPr lang="ko-KR" altLang="en-US" sz="2800" b="1" dirty="0">
-                <a:solidFill>
-                  <a:schemeClr val="bg1">
-                    <a:lumMod val="85000"/>
-                  </a:schemeClr>
-                </a:solidFill>
-                <a:latin typeface="메이플스토리" panose="02000800000000000000" pitchFamily="2" charset="-127"/>
-                <a:ea typeface="메이플스토리" panose="02000800000000000000" pitchFamily="2" charset="-127"/>
-              </a:rPr>
-              <a:t> 뒤집고</a:t>
-            </a:r>
-            <a:r>
-              <a:rPr lang="en-US" altLang="ko-KR" sz="2800" b="1" dirty="0">
-                <a:solidFill>
-                  <a:schemeClr val="bg1">
-                    <a:lumMod val="85000"/>
-                  </a:schemeClr>
-                </a:solidFill>
-                <a:latin typeface="메이플스토리" panose="02000800000000000000" pitchFamily="2" charset="-127"/>
-                <a:ea typeface="메이플스토리" panose="02000800000000000000" pitchFamily="2" charset="-127"/>
-              </a:rPr>
-              <a:t>, </a:t>
-            </a:r>
-            <a:r>
-              <a:rPr lang="ko-KR" altLang="en-US" sz="2800" b="1" dirty="0">
-                <a:solidFill>
-                  <a:schemeClr val="bg1">
-                    <a:lumMod val="85000"/>
-                  </a:schemeClr>
-                </a:solidFill>
-                <a:latin typeface="메이플스토리" panose="02000800000000000000" pitchFamily="2" charset="-127"/>
-                <a:ea typeface="메이플스토리" panose="02000800000000000000" pitchFamily="2" charset="-127"/>
-              </a:rPr>
-              <a:t>다른 게임을 기획하고 제작하는 방향으로 방향성을 다시 잡았다</a:t>
-            </a:r>
-            <a:r>
-              <a:rPr lang="en-US" altLang="ko-KR" sz="2800" b="1" dirty="0">
-                <a:solidFill>
-                  <a:schemeClr val="bg1">
-                    <a:lumMod val="85000"/>
-                  </a:schemeClr>
-                </a:solidFill>
-                <a:latin typeface="메이플스토리" panose="02000800000000000000" pitchFamily="2" charset="-127"/>
-                <a:ea typeface="메이플스토리" panose="02000800000000000000" pitchFamily="2" charset="-127"/>
-              </a:rPr>
-              <a:t>.</a:t>
-            </a:r>
-            <a:endParaRPr lang="ko-KR" altLang="en-US" sz="2800" b="1" dirty="0">
-              <a:solidFill>
-                <a:schemeClr val="bg1">
-                  <a:lumMod val="85000"/>
-                </a:schemeClr>
-              </a:solidFill>
-              <a:latin typeface="메이플스토리" panose="02000800000000000000" pitchFamily="2" charset="-127"/>
-              <a:ea typeface="메이플스토리" panose="02000800000000000000" pitchFamily="2" charset="-127"/>
-            </a:endParaRPr>
-          </a:p>
-        </p:txBody>
-      </p:sp>
+      </p:pic>
     </p:spTree>
     <p:extLst>
       <p:ext uri="{BB962C8B-B14F-4D97-AF65-F5344CB8AC3E}">
-        <p14:creationId xmlns:p14="http://schemas.microsoft.com/office/powerpoint/2010/main" val="3987292022"/>
+        <p14:creationId xmlns:p14="http://schemas.microsoft.com/office/powerpoint/2010/main" val="328832024"/>
       </p:ext>
     </p:extLst>
   </p:cSld>

--- a/Presentation/AGIS 발표자료.pptx
+++ b/Presentation/AGIS 발표자료.pptx
@@ -8,9 +8,10 @@
     <p:sldId id="256" r:id="rId2"/>
     <p:sldId id="258" r:id="rId3"/>
     <p:sldId id="259" r:id="rId4"/>
-    <p:sldId id="265" r:id="rId5"/>
-    <p:sldId id="266" r:id="rId6"/>
-    <p:sldId id="267" r:id="rId7"/>
+    <p:sldId id="268" r:id="rId5"/>
+    <p:sldId id="265" r:id="rId6"/>
+    <p:sldId id="266" r:id="rId7"/>
+    <p:sldId id="267" r:id="rId8"/>
   </p:sldIdLst>
   <p:sldSz cx="12192000" cy="6858000"/>
   <p:notesSz cx="6858000" cy="9144000"/>
@@ -3445,7 +3446,7 @@
         <p:spPr>
           <a:xfrm>
             <a:off x="1858433" y="711200"/>
-            <a:ext cx="8475134" cy="1200329"/>
+            <a:ext cx="8648202" cy="1200329"/>
           </a:xfrm>
           <a:prstGeom prst="rect">
             <a:avLst/>
@@ -3460,21 +3461,53 @@
           <a:p>
             <a:pPr algn="ctr"/>
             <a:r>
+              <a:rPr lang="en-US" altLang="ko-KR" sz="7200" dirty="0">
+                <a:solidFill>
+                  <a:schemeClr val="bg1"/>
+                </a:solidFill>
+                <a:effectLst>
+                  <a:reflection blurRad="6350" stA="50000" endA="300" endPos="50000" dist="60007" dir="5400000" sy="-100000" algn="bl" rotWithShape="0"/>
+                </a:effectLst>
+                <a:latin typeface="에스코어 드림 1 Thin" panose="020B0403030302020204" pitchFamily="34" charset="-127"/>
+                <a:ea typeface="에스코어 드림 1 Thin" panose="020B0403030302020204" pitchFamily="34" charset="-127"/>
+              </a:rPr>
+              <a:t>Project</a:t>
+            </a:r>
+            <a:r>
               <a:rPr lang="en-US" altLang="ko-KR" sz="7200" b="1" dirty="0">
                 <a:solidFill>
                   <a:schemeClr val="bg1"/>
                 </a:solidFill>
-                <a:latin typeface="메이플스토리" panose="02000800000000000000" pitchFamily="2" charset="-127"/>
-                <a:ea typeface="메이플스토리" panose="02000800000000000000" pitchFamily="2" charset="-127"/>
-              </a:rPr>
-              <a:t>Project_PartyBall</a:t>
-            </a:r>
-            <a:endParaRPr lang="ko-KR" altLang="en-US" sz="7200" b="1" dirty="0">
+                <a:effectLst>
+                  <a:reflection blurRad="6350" stA="50000" endA="300" endPos="50000" dist="60007" dir="5400000" sy="-100000" algn="bl" rotWithShape="0"/>
+                </a:effectLst>
+                <a:latin typeface="에스코어 드림 1 Thin" panose="020B0403030302020204" pitchFamily="34" charset="-127"/>
+                <a:ea typeface="에스코어 드림 1 Thin" panose="020B0403030302020204" pitchFamily="34" charset="-127"/>
+              </a:rPr>
+              <a:t>_</a:t>
+            </a:r>
+            <a:r>
+              <a:rPr lang="en-US" altLang="ko-KR" sz="7200" dirty="0">
+                <a:solidFill>
+                  <a:schemeClr val="bg1"/>
+                </a:solidFill>
+                <a:effectLst>
+                  <a:reflection blurRad="6350" stA="50000" endA="300" endPos="50000" dist="29997" dir="5400000" sy="-100000" algn="bl" rotWithShape="0"/>
+                </a:effectLst>
+                <a:latin typeface="에스코어 드림 1 Thin" panose="020B0403030302020204" pitchFamily="34" charset="-127"/>
+                <a:ea typeface="에스코어 드림 1 Thin" panose="020B0403030302020204" pitchFamily="34" charset="-127"/>
+              </a:rPr>
+              <a:t>PARTYBALL</a:t>
+            </a:r>
+            <a:endParaRPr lang="ko-KR" altLang="en-US" sz="7200" dirty="0">
               <a:solidFill>
                 <a:schemeClr val="bg1"/>
               </a:solidFill>
-              <a:latin typeface="메이플스토리" panose="02000800000000000000" pitchFamily="2" charset="-127"/>
-              <a:ea typeface="메이플스토리" panose="02000800000000000000" pitchFamily="2" charset="-127"/>
+              <a:effectLst>
+                <a:reflection blurRad="6350" stA="50000" endA="300" endPos="50000" dist="29997" dir="5400000" sy="-100000" algn="bl" rotWithShape="0"/>
+              </a:effectLst>
+              <a:latin typeface="에스코어 드림 1 Thin" panose="020B0403030302020204" pitchFamily="34" charset="-127"/>
+              <a:ea typeface="에스코어 드림 1 Thin" panose="020B0403030302020204" pitchFamily="34" charset="-127"/>
             </a:endParaRPr>
           </a:p>
         </p:txBody>
@@ -3658,6 +3691,60 @@
       </p:grpSp>
       <p:sp>
         <p:nvSpPr>
+          <p:cNvPr id="36" name="직사각형 35">
+            <a:extLst>
+              <a:ext uri="{FF2B5EF4-FFF2-40B4-BE49-F238E27FC236}">
+                <a16:creationId xmlns:a16="http://schemas.microsoft.com/office/drawing/2014/main" id="{945161A6-EF6D-489F-BCDF-220F1367CF67}"/>
+              </a:ext>
+            </a:extLst>
+          </p:cNvPr>
+          <p:cNvSpPr/>
+          <p:nvPr/>
+        </p:nvSpPr>
+        <p:spPr>
+          <a:xfrm>
+            <a:off x="282204" y="1435150"/>
+            <a:ext cx="11627224" cy="5297344"/>
+          </a:xfrm>
+          <a:prstGeom prst="rect">
+            <a:avLst/>
+          </a:prstGeom>
+          <a:solidFill>
+            <a:schemeClr val="tx1"/>
+          </a:solidFill>
+          <a:ln>
+            <a:solidFill>
+              <a:schemeClr val="bg1"/>
+            </a:solidFill>
+          </a:ln>
+        </p:spPr>
+        <p:style>
+          <a:lnRef idx="2">
+            <a:schemeClr val="accent1">
+              <a:shade val="50000"/>
+            </a:schemeClr>
+          </a:lnRef>
+          <a:fillRef idx="1">
+            <a:schemeClr val="accent1"/>
+          </a:fillRef>
+          <a:effectRef idx="0">
+            <a:schemeClr val="accent1"/>
+          </a:effectRef>
+          <a:fontRef idx="minor">
+            <a:schemeClr val="lt1"/>
+          </a:fontRef>
+        </p:style>
+        <p:txBody>
+          <a:bodyPr rtlCol="0" anchor="ctr"/>
+          <a:lstStyle/>
+          <a:p>
+            <a:pPr algn="ctr"/>
+            <a:endParaRPr lang="ko-KR" altLang="en-US"/>
+          </a:p>
+        </p:txBody>
+      </p:sp>
+      <p:sp>
+        <p:nvSpPr>
           <p:cNvPr id="7" name="직사각형 6">
             <a:extLst>
               <a:ext uri="{FF2B5EF4-FFF2-40B4-BE49-F238E27FC236}">
@@ -3724,8 +3811,8 @@
         </p:nvSpPr>
         <p:spPr>
           <a:xfrm>
-            <a:off x="541870" y="270304"/>
-            <a:ext cx="2101857" cy="707886"/>
+            <a:off x="236243" y="235484"/>
+            <a:ext cx="2943434" cy="714363"/>
           </a:xfrm>
           <a:prstGeom prst="rect">
             <a:avLst/>
@@ -3734,47 +3821,6 @@
         </p:spPr>
         <p:txBody>
           <a:bodyPr wrap="none" rtlCol="0">
-            <a:spAutoFit/>
-          </a:bodyPr>
-          <a:lstStyle/>
-          <a:p>
-            <a:r>
-              <a:rPr lang="ko-KR" altLang="en-US" sz="4000" b="1" dirty="0">
-                <a:solidFill>
-                  <a:schemeClr val="bg1"/>
-                </a:solidFill>
-                <a:latin typeface="메이플스토리" panose="02000800000000000000" pitchFamily="2" charset="-127"/>
-                <a:ea typeface="메이플스토리" panose="02000800000000000000" pitchFamily="2" charset="-127"/>
-              </a:rPr>
-              <a:t>게임 개요</a:t>
-            </a:r>
-          </a:p>
-        </p:txBody>
-      </p:sp>
-      <p:sp>
-        <p:nvSpPr>
-          <p:cNvPr id="9" name="TextBox 8">
-            <a:extLst>
-              <a:ext uri="{FF2B5EF4-FFF2-40B4-BE49-F238E27FC236}">
-                <a16:creationId xmlns:a16="http://schemas.microsoft.com/office/drawing/2014/main" id="{6C26CD93-2B34-4774-B048-7380204B24E9}"/>
-              </a:ext>
-            </a:extLst>
-          </p:cNvPr>
-          <p:cNvSpPr txBox="1"/>
-          <p:nvPr/>
-        </p:nvSpPr>
-        <p:spPr>
-          <a:xfrm>
-            <a:off x="694266" y="1792868"/>
-            <a:ext cx="10803467" cy="1525161"/>
-          </a:xfrm>
-          <a:prstGeom prst="rect">
-            <a:avLst/>
-          </a:prstGeom>
-          <a:noFill/>
-        </p:spPr>
-        <p:txBody>
-          <a:bodyPr wrap="square">
             <a:spAutoFit/>
           </a:bodyPr>
           <a:lstStyle/>
@@ -3788,59 +3834,7 @@
               </a:spcAft>
             </a:pPr>
             <a:r>
-              <a:rPr lang="en-US" altLang="ko-KR" sz="4000" b="1" kern="100" dirty="0">
-                <a:solidFill>
-                  <a:srgbClr val="00B0F0"/>
-                </a:solidFill>
-                <a:effectLst/>
-                <a:latin typeface="에스코어 드림 7 ExtraBold" panose="020B0803030302020204" pitchFamily="34" charset="-127"/>
-                <a:ea typeface="에스코어 드림 7 ExtraBold" panose="020B0803030302020204" pitchFamily="34" charset="-127"/>
-                <a:cs typeface="Times New Roman" panose="02020603050405020304" pitchFamily="18" charset="0"/>
-              </a:rPr>
-              <a:t>Project_PartyBall</a:t>
-            </a:r>
-            <a:r>
-              <a:rPr lang="ko-KR" altLang="ko-KR" sz="4000" b="1" kern="100" dirty="0">
-                <a:solidFill>
-                  <a:srgbClr val="00B0F0"/>
-                </a:solidFill>
-                <a:effectLst/>
-                <a:latin typeface="에스코어 드림 7 ExtraBold" panose="020B0803030302020204" pitchFamily="34" charset="-127"/>
-                <a:ea typeface="에스코어 드림 7 ExtraBold" panose="020B0803030302020204" pitchFamily="34" charset="-127"/>
-                <a:cs typeface="Times New Roman" panose="02020603050405020304" pitchFamily="18" charset="0"/>
-              </a:rPr>
-              <a:t>이란</a:t>
-            </a:r>
-            <a:r>
-              <a:rPr lang="en-US" altLang="ko-KR" sz="4000" b="1" kern="100" dirty="0">
-                <a:solidFill>
-                  <a:srgbClr val="00B0F0"/>
-                </a:solidFill>
-                <a:effectLst/>
-                <a:latin typeface="에스코어 드림 7 ExtraBold" panose="020B0803030302020204" pitchFamily="34" charset="-127"/>
-                <a:ea typeface="에스코어 드림 7 ExtraBold" panose="020B0803030302020204" pitchFamily="34" charset="-127"/>
-                <a:cs typeface="Times New Roman" panose="02020603050405020304" pitchFamily="18" charset="0"/>
-              </a:rPr>
-              <a:t>?</a:t>
-            </a:r>
-            <a:endParaRPr lang="ko-KR" altLang="ko-KR" sz="1800" kern="100" dirty="0">
-              <a:effectLst/>
-              <a:latin typeface="에스코어 드림 7 ExtraBold" panose="020B0803030302020204" pitchFamily="34" charset="-127"/>
-              <a:ea typeface="에스코어 드림 7 ExtraBold" panose="020B0803030302020204" pitchFamily="34" charset="-127"/>
-              <a:cs typeface="Times New Roman" panose="02020603050405020304" pitchFamily="18" charset="0"/>
-            </a:endParaRPr>
-          </a:p>
-          <a:p>
-            <a:pPr algn="just" latinLnBrk="1">
-              <a:lnSpc>
-                <a:spcPct val="107000"/>
-              </a:lnSpc>
-              <a:spcAft>
-                <a:spcPts val="800"/>
-              </a:spcAft>
-            </a:pPr>
-            <a:r>
-              <a:rPr lang="ko-KR" altLang="ko-KR" sz="1800" kern="100" dirty="0">
+              <a:rPr lang="en-US" altLang="ko-KR" sz="4000" kern="100" dirty="0">
                 <a:solidFill>
                   <a:schemeClr val="bg1"/>
                 </a:solidFill>
@@ -3849,10 +3843,10 @@
                 <a:ea typeface="에스코어 드림 4 Regular" panose="020B0503030302020204" pitchFamily="34" charset="-127"/>
                 <a:cs typeface="Times New Roman" panose="02020603050405020304" pitchFamily="18" charset="0"/>
               </a:rPr>
-              <a:t>플레이어는 단수 혹은 복수의 공을 지정된 </a:t>
-            </a:r>
-            <a:r>
-              <a:rPr lang="ko-KR" altLang="ko-KR" sz="1800" kern="100" dirty="0" err="1">
+              <a:t>1) </a:t>
+            </a:r>
+            <a:r>
+              <a:rPr lang="ko-KR" altLang="ko-KR" sz="4000" kern="100" dirty="0">
                 <a:solidFill>
                   <a:schemeClr val="bg1"/>
                 </a:solidFill>
@@ -3861,10 +3855,10 @@
                 <a:ea typeface="에스코어 드림 4 Regular" panose="020B0503030302020204" pitchFamily="34" charset="-127"/>
                 <a:cs typeface="Times New Roman" panose="02020603050405020304" pitchFamily="18" charset="0"/>
               </a:rPr>
-              <a:t>맵의</a:t>
-            </a:r>
-            <a:r>
-              <a:rPr lang="ko-KR" altLang="ko-KR" sz="1800" kern="100" dirty="0">
+              <a:t>게임 </a:t>
+            </a:r>
+            <a:r>
+              <a:rPr lang="ko-KR" altLang="en-US" sz="4000" kern="100" dirty="0">
                 <a:solidFill>
                   <a:schemeClr val="bg1"/>
                 </a:solidFill>
@@ -3873,45 +3867,9 @@
                 <a:ea typeface="에스코어 드림 4 Regular" panose="020B0503030302020204" pitchFamily="34" charset="-127"/>
                 <a:cs typeface="Times New Roman" panose="02020603050405020304" pitchFamily="18" charset="0"/>
               </a:rPr>
-              <a:t> 정해진 목표지점으로 보내면 되는</a:t>
-            </a:r>
-            <a:r>
-              <a:rPr lang="en-US" altLang="ko-KR" sz="1800" kern="100" dirty="0">
-                <a:solidFill>
-                  <a:schemeClr val="bg1"/>
-                </a:solidFill>
-                <a:effectLst/>
-                <a:latin typeface="에스코어 드림 4 Regular" panose="020B0503030302020204" pitchFamily="34" charset="-127"/>
-                <a:ea typeface="에스코어 드림 4 Regular" panose="020B0503030302020204" pitchFamily="34" charset="-127"/>
-                <a:cs typeface="Times New Roman" panose="02020603050405020304" pitchFamily="18" charset="0"/>
-              </a:rPr>
-              <a:t>, </a:t>
-            </a:r>
-            <a:r>
-              <a:rPr lang="ko-KR" altLang="ko-KR" sz="1800" b="1" kern="100" dirty="0">
-                <a:solidFill>
-                  <a:schemeClr val="bg1"/>
-                </a:solidFill>
-                <a:effectLst/>
-                <a:latin typeface="에스코어 드림 4 Regular" panose="020B0503030302020204" pitchFamily="34" charset="-127"/>
-                <a:ea typeface="에스코어 드림 4 Regular" panose="020B0503030302020204" pitchFamily="34" charset="-127"/>
-                <a:cs typeface="Times New Roman" panose="02020603050405020304" pitchFamily="18" charset="0"/>
-              </a:rPr>
-              <a:t>퍼즐게임이다</a:t>
-            </a:r>
-            <a:r>
-              <a:rPr lang="en-US" altLang="ko-KR" sz="1800" b="1" kern="100" dirty="0">
-                <a:solidFill>
-                  <a:schemeClr val="bg1"/>
-                </a:solidFill>
-                <a:effectLst/>
-                <a:latin typeface="에스코어 드림 4 Regular" panose="020B0503030302020204" pitchFamily="34" charset="-127"/>
-                <a:ea typeface="에스코어 드림 4 Regular" panose="020B0503030302020204" pitchFamily="34" charset="-127"/>
-                <a:cs typeface="Times New Roman" panose="02020603050405020304" pitchFamily="18" charset="0"/>
-              </a:rPr>
-              <a:t>.</a:t>
-            </a:r>
-            <a:endParaRPr lang="ko-KR" altLang="ko-KR" sz="1800" kern="100" dirty="0">
+              <a:t>개요</a:t>
+            </a:r>
+            <a:endParaRPr lang="ko-KR" altLang="ko-KR" sz="4000" kern="100" dirty="0">
               <a:solidFill>
                 <a:schemeClr val="bg1"/>
               </a:solidFill>
@@ -3921,257 +3879,45 @@
               <a:cs typeface="Times New Roman" panose="02020603050405020304" pitchFamily="18" charset="0"/>
             </a:endParaRPr>
           </a:p>
-          <a:p>
-            <a:pPr algn="just" latinLnBrk="1">
-              <a:lnSpc>
-                <a:spcPct val="107000"/>
-              </a:lnSpc>
-              <a:spcAft>
-                <a:spcPts val="800"/>
-              </a:spcAft>
-            </a:pPr>
-            <a:r>
-              <a:rPr lang="ko-KR" altLang="ko-KR" sz="1800" kern="100" dirty="0">
-                <a:solidFill>
-                  <a:schemeClr val="bg1"/>
-                </a:solidFill>
-                <a:effectLst/>
-                <a:latin typeface="에스코어 드림 4 Regular" panose="020B0503030302020204" pitchFamily="34" charset="-127"/>
-                <a:ea typeface="에스코어 드림 4 Regular" panose="020B0503030302020204" pitchFamily="34" charset="-127"/>
-                <a:cs typeface="Times New Roman" panose="02020603050405020304" pitchFamily="18" charset="0"/>
-              </a:rPr>
-              <a:t>플레이어는 </a:t>
-            </a:r>
-            <a:r>
-              <a:rPr lang="ko-KR" altLang="ko-KR" sz="1800" b="1" kern="100" dirty="0">
-                <a:solidFill>
-                  <a:schemeClr val="bg1"/>
-                </a:solidFill>
-                <a:effectLst/>
-                <a:latin typeface="에스코어 드림 4 Regular" panose="020B0503030302020204" pitchFamily="34" charset="-127"/>
-                <a:ea typeface="에스코어 드림 4 Regular" panose="020B0503030302020204" pitchFamily="34" charset="-127"/>
-                <a:cs typeface="Times New Roman" panose="02020603050405020304" pitchFamily="18" charset="0"/>
-              </a:rPr>
-              <a:t>실시간으로</a:t>
-            </a:r>
-            <a:r>
-              <a:rPr lang="ko-KR" altLang="ko-KR" sz="1800" kern="100" dirty="0">
-                <a:solidFill>
-                  <a:schemeClr val="bg1"/>
-                </a:solidFill>
-                <a:effectLst/>
-                <a:latin typeface="에스코어 드림 4 Regular" panose="020B0503030302020204" pitchFamily="34" charset="-127"/>
-                <a:ea typeface="에스코어 드림 4 Regular" panose="020B0503030302020204" pitchFamily="34" charset="-127"/>
-                <a:cs typeface="Times New Roman" panose="02020603050405020304" pitchFamily="18" charset="0"/>
-              </a:rPr>
-              <a:t> 머리를 써서 게임을 클리어 해야 한다</a:t>
-            </a:r>
-            <a:r>
-              <a:rPr lang="en-US" altLang="ko-KR" sz="1800" kern="100" dirty="0">
-                <a:solidFill>
-                  <a:schemeClr val="bg1"/>
-                </a:solidFill>
-                <a:effectLst/>
-                <a:latin typeface="에스코어 드림 4 Regular" panose="020B0503030302020204" pitchFamily="34" charset="-127"/>
-                <a:ea typeface="에스코어 드림 4 Regular" panose="020B0503030302020204" pitchFamily="34" charset="-127"/>
-                <a:cs typeface="Times New Roman" panose="02020603050405020304" pitchFamily="18" charset="0"/>
-              </a:rPr>
-              <a:t>.</a:t>
-            </a:r>
-            <a:endParaRPr lang="ko-KR" altLang="ko-KR" sz="1800" kern="100" dirty="0">
-              <a:solidFill>
-                <a:schemeClr val="bg1"/>
-              </a:solidFill>
-              <a:effectLst/>
-              <a:latin typeface="에스코어 드림 4 Regular" panose="020B0503030302020204" pitchFamily="34" charset="-127"/>
-              <a:ea typeface="에스코어 드림 4 Regular" panose="020B0503030302020204" pitchFamily="34" charset="-127"/>
-              <a:cs typeface="Times New Roman" panose="02020603050405020304" pitchFamily="18" charset="0"/>
-            </a:endParaRPr>
-          </a:p>
-        </p:txBody>
-      </p:sp>
-      <p:grpSp>
-        <p:nvGrpSpPr>
-          <p:cNvPr id="21" name="그룹 20">
-            <a:extLst>
-              <a:ext uri="{FF2B5EF4-FFF2-40B4-BE49-F238E27FC236}">
-                <a16:creationId xmlns:a16="http://schemas.microsoft.com/office/drawing/2014/main" id="{5D9A2318-BC8E-4F4D-B8A1-0C403BBCB93A}"/>
-              </a:ext>
-            </a:extLst>
-          </p:cNvPr>
-          <p:cNvGrpSpPr/>
+        </p:txBody>
+      </p:sp>
+      <p:pic>
+        <p:nvPicPr>
+          <p:cNvPr id="28" name="그림 27">
+            <a:extLst>
+              <a:ext uri="{FF2B5EF4-FFF2-40B4-BE49-F238E27FC236}">
+                <a16:creationId xmlns:a16="http://schemas.microsoft.com/office/drawing/2014/main" id="{04FD3E30-C735-4C9A-8DC5-A415D716B522}"/>
+              </a:ext>
+            </a:extLst>
+          </p:cNvPr>
+          <p:cNvPicPr>
+            <a:picLocks noChangeAspect="1"/>
+          </p:cNvPicPr>
           <p:nvPr/>
-        </p:nvGrpSpPr>
-        <p:grpSpPr>
-          <a:xfrm>
-            <a:off x="4773333" y="3622933"/>
-            <a:ext cx="7001049" cy="1924249"/>
-            <a:chOff x="577850" y="4022572"/>
-            <a:chExt cx="6096001" cy="1675495"/>
-          </a:xfrm>
-        </p:grpSpPr>
-        <p:sp>
-          <p:nvSpPr>
-            <p:cNvPr id="4" name="사각형: 둥근 모서리 3">
-              <a:extLst>
-                <a:ext uri="{FF2B5EF4-FFF2-40B4-BE49-F238E27FC236}">
-                  <a16:creationId xmlns:a16="http://schemas.microsoft.com/office/drawing/2014/main" id="{139730D9-F8BE-400F-9E68-F1DC0D02E0EF}"/>
-                </a:ext>
-              </a:extLst>
-            </p:cNvPr>
-            <p:cNvSpPr/>
-            <p:nvPr/>
-          </p:nvSpPr>
-          <p:spPr>
-            <a:xfrm>
-              <a:off x="577850" y="4022572"/>
-              <a:ext cx="6096001" cy="1675495"/>
-            </a:xfrm>
-            <a:prstGeom prst="roundRect">
-              <a:avLst>
-                <a:gd name="adj" fmla="val 8281"/>
-              </a:avLst>
-            </a:prstGeom>
-            <a:solidFill>
-              <a:schemeClr val="accent1">
-                <a:lumMod val="40000"/>
-                <a:lumOff val="60000"/>
-              </a:schemeClr>
-            </a:solidFill>
-          </p:spPr>
-          <p:style>
-            <a:lnRef idx="2">
-              <a:schemeClr val="accent1">
-                <a:shade val="50000"/>
-              </a:schemeClr>
-            </a:lnRef>
-            <a:fillRef idx="1">
-              <a:schemeClr val="accent1"/>
-            </a:fillRef>
-            <a:effectRef idx="0">
-              <a:schemeClr val="accent1"/>
-            </a:effectRef>
-            <a:fontRef idx="minor">
-              <a:schemeClr val="lt1"/>
-            </a:fontRef>
-          </p:style>
-          <p:txBody>
-            <a:bodyPr rtlCol="0" anchor="ctr"/>
-            <a:lstStyle/>
-            <a:p>
-              <a:pPr algn="ctr"/>
-              <a:endParaRPr lang="ko-KR" altLang="en-US"/>
-            </a:p>
-          </p:txBody>
-        </p:sp>
-        <p:pic>
-          <p:nvPicPr>
-            <p:cNvPr id="10" name="그림 9">
-              <a:extLst>
-                <a:ext uri="{FF2B5EF4-FFF2-40B4-BE49-F238E27FC236}">
-                  <a16:creationId xmlns:a16="http://schemas.microsoft.com/office/drawing/2014/main" id="{40BC3A2E-D4FF-4F05-8936-AAC2B87EA0E0}"/>
-                </a:ext>
-              </a:extLst>
-            </p:cNvPr>
-            <p:cNvPicPr>
-              <a:picLocks noChangeAspect="1"/>
-            </p:cNvPicPr>
-            <p:nvPr/>
-          </p:nvPicPr>
-          <p:blipFill>
-            <a:blip r:embed="rId3" cstate="print">
-              <a:extLst>
-                <a:ext uri="{28A0092B-C50C-407E-A947-70E740481C1C}">
-                  <a14:useLocalDpi xmlns:a14="http://schemas.microsoft.com/office/drawing/2010/main" val="0"/>
-                </a:ext>
-              </a:extLst>
-            </a:blip>
-            <a:srcRect/>
-            <a:stretch>
-              <a:fillRect/>
-            </a:stretch>
-          </p:blipFill>
-          <p:spPr bwMode="auto">
-            <a:xfrm>
-              <a:off x="892815" y="4132171"/>
-              <a:ext cx="5447196" cy="1565896"/>
-            </a:xfrm>
-            <a:prstGeom prst="rect">
-              <a:avLst/>
-            </a:prstGeom>
-            <a:noFill/>
-          </p:spPr>
-        </p:pic>
-      </p:grpSp>
-      <p:sp>
-        <p:nvSpPr>
-          <p:cNvPr id="12" name="TextBox 11">
-            <a:extLst>
-              <a:ext uri="{FF2B5EF4-FFF2-40B4-BE49-F238E27FC236}">
-                <a16:creationId xmlns:a16="http://schemas.microsoft.com/office/drawing/2014/main" id="{489BDB52-A8C4-4C19-B9A2-E701D485C82F}"/>
-              </a:ext>
-            </a:extLst>
-          </p:cNvPr>
-          <p:cNvSpPr txBox="1"/>
-          <p:nvPr/>
-        </p:nvSpPr>
+        </p:nvPicPr>
+        <p:blipFill rotWithShape="1">
+          <a:blip r:embed="rId3"/>
+          <a:srcRect t="1" r="58584" b="19940"/>
+          <a:stretch/>
+        </p:blipFill>
         <p:spPr>
           <a:xfrm>
-            <a:off x="482600" y="1310818"/>
-            <a:ext cx="6096000" cy="372281"/>
+            <a:off x="417069" y="4021061"/>
+            <a:ext cx="3433062" cy="2087639"/>
           </a:xfrm>
-          <a:prstGeom prst="rect">
-            <a:avLst/>
+          <a:prstGeom prst="roundRect">
+            <a:avLst>
+              <a:gd name="adj" fmla="val 7178"/>
+            </a:avLst>
           </a:prstGeom>
-          <a:noFill/>
         </p:spPr>
-        <p:txBody>
-          <a:bodyPr wrap="square">
-            <a:spAutoFit/>
-          </a:bodyPr>
-          <a:lstStyle/>
-          <a:p>
-            <a:pPr algn="just" latinLnBrk="1">
-              <a:lnSpc>
-                <a:spcPct val="107000"/>
-              </a:lnSpc>
-              <a:spcAft>
-                <a:spcPts val="800"/>
-              </a:spcAft>
-            </a:pPr>
-            <a:r>
-              <a:rPr lang="en-US" altLang="ko-KR" sz="1800" kern="100" dirty="0">
-                <a:solidFill>
-                  <a:schemeClr val="bg1"/>
-                </a:solidFill>
-                <a:effectLst/>
-                <a:latin typeface="에스코어 드림 4 Regular" panose="020B0503030302020204" pitchFamily="34" charset="-127"/>
-                <a:ea typeface="에스코어 드림 4 Regular" panose="020B0503030302020204" pitchFamily="34" charset="-127"/>
-                <a:cs typeface="Times New Roman" panose="02020603050405020304" pitchFamily="18" charset="0"/>
-              </a:rPr>
-              <a:t>1) </a:t>
-            </a:r>
-            <a:r>
-              <a:rPr lang="ko-KR" altLang="ko-KR" sz="1800" kern="100" dirty="0">
-                <a:solidFill>
-                  <a:schemeClr val="bg1"/>
-                </a:solidFill>
-                <a:effectLst/>
-                <a:latin typeface="에스코어 드림 4 Regular" panose="020B0503030302020204" pitchFamily="34" charset="-127"/>
-                <a:ea typeface="에스코어 드림 4 Regular" panose="020B0503030302020204" pitchFamily="34" charset="-127"/>
-                <a:cs typeface="Times New Roman" panose="02020603050405020304" pitchFamily="18" charset="0"/>
-              </a:rPr>
-              <a:t>게임 소개</a:t>
-            </a:r>
-          </a:p>
-        </p:txBody>
-      </p:sp>
+      </p:pic>
       <p:pic>
         <p:nvPicPr>
-          <p:cNvPr id="17" name="그림 16">
-            <a:extLst>
-              <a:ext uri="{FF2B5EF4-FFF2-40B4-BE49-F238E27FC236}">
-                <a16:creationId xmlns:a16="http://schemas.microsoft.com/office/drawing/2014/main" id="{D446180F-F37C-47F2-98DA-E80C4B95991D}"/>
+          <p:cNvPr id="32" name="그림 31">
+            <a:extLst>
+              <a:ext uri="{FF2B5EF4-FFF2-40B4-BE49-F238E27FC236}">
+                <a16:creationId xmlns:a16="http://schemas.microsoft.com/office/drawing/2014/main" id="{FA3BEE8C-870D-4C42-927E-31F7A073A522}"/>
               </a:ext>
             </a:extLst>
           </p:cNvPr>
@@ -4188,14 +3934,373 @@
         </p:blipFill>
         <p:spPr>
           <a:xfrm>
-            <a:off x="801021" y="3670919"/>
-            <a:ext cx="7318652" cy="2229446"/>
+            <a:off x="3971365" y="3968074"/>
+            <a:ext cx="7803566" cy="2232354"/>
+          </a:xfrm>
+          <a:prstGeom prst="roundRect">
+            <a:avLst>
+              <a:gd name="adj" fmla="val 28154"/>
+            </a:avLst>
+          </a:prstGeom>
+        </p:spPr>
+      </p:pic>
+      <p:sp>
+        <p:nvSpPr>
+          <p:cNvPr id="34" name="TextBox 33">
+            <a:extLst>
+              <a:ext uri="{FF2B5EF4-FFF2-40B4-BE49-F238E27FC236}">
+                <a16:creationId xmlns:a16="http://schemas.microsoft.com/office/drawing/2014/main" id="{9DAE3E34-AC30-47CA-8F8C-0BBB95833A3D}"/>
+              </a:ext>
+            </a:extLst>
+          </p:cNvPr>
+          <p:cNvSpPr txBox="1"/>
+          <p:nvPr/>
+        </p:nvSpPr>
+        <p:spPr>
+          <a:xfrm>
+            <a:off x="236242" y="1460914"/>
+            <a:ext cx="7973037" cy="1931426"/>
           </a:xfrm>
           <a:prstGeom prst="rect">
             <a:avLst/>
           </a:prstGeom>
+          <a:noFill/>
         </p:spPr>
-      </p:pic>
+        <p:txBody>
+          <a:bodyPr wrap="square">
+            <a:spAutoFit/>
+          </a:bodyPr>
+          <a:lstStyle/>
+          <a:p>
+            <a:pPr algn="just" latinLnBrk="1">
+              <a:lnSpc>
+                <a:spcPct val="107000"/>
+              </a:lnSpc>
+              <a:spcAft>
+                <a:spcPts val="800"/>
+              </a:spcAft>
+            </a:pPr>
+            <a:r>
+              <a:rPr lang="en-US" altLang="ko-KR" sz="4000" b="1" kern="100" dirty="0">
+                <a:solidFill>
+                  <a:schemeClr val="bg1"/>
+                </a:solidFill>
+                <a:effectLst/>
+                <a:latin typeface="에스코어 드림 7 ExtraBold" panose="020B0803030302020204" pitchFamily="34" charset="-127"/>
+                <a:ea typeface="에스코어 드림 7 ExtraBold" panose="020B0803030302020204" pitchFamily="34" charset="-127"/>
+                <a:cs typeface="Times New Roman" panose="02020603050405020304" pitchFamily="18" charset="0"/>
+              </a:rPr>
+              <a:t> Project_PartyBall</a:t>
+            </a:r>
+            <a:r>
+              <a:rPr lang="ko-KR" altLang="ko-KR" sz="4000" b="1" kern="100" dirty="0">
+                <a:solidFill>
+                  <a:schemeClr val="bg1"/>
+                </a:solidFill>
+                <a:effectLst/>
+                <a:latin typeface="에스코어 드림 7 ExtraBold" panose="020B0803030302020204" pitchFamily="34" charset="-127"/>
+                <a:ea typeface="에스코어 드림 7 ExtraBold" panose="020B0803030302020204" pitchFamily="34" charset="-127"/>
+                <a:cs typeface="Times New Roman" panose="02020603050405020304" pitchFamily="18" charset="0"/>
+              </a:rPr>
+              <a:t>이란</a:t>
+            </a:r>
+            <a:r>
+              <a:rPr lang="en-US" altLang="ko-KR" sz="4000" b="1" kern="100" dirty="0">
+                <a:solidFill>
+                  <a:schemeClr val="bg1"/>
+                </a:solidFill>
+                <a:effectLst/>
+                <a:latin typeface="에스코어 드림 7 ExtraBold" panose="020B0803030302020204" pitchFamily="34" charset="-127"/>
+                <a:ea typeface="에스코어 드림 7 ExtraBold" panose="020B0803030302020204" pitchFamily="34" charset="-127"/>
+                <a:cs typeface="Times New Roman" panose="02020603050405020304" pitchFamily="18" charset="0"/>
+              </a:rPr>
+              <a:t>?</a:t>
+            </a:r>
+            <a:endParaRPr lang="ko-KR" altLang="ko-KR" kern="100" dirty="0">
+              <a:solidFill>
+                <a:schemeClr val="bg1"/>
+              </a:solidFill>
+              <a:effectLst/>
+              <a:latin typeface="에스코어 드림 7 ExtraBold" panose="020B0803030302020204" pitchFamily="34" charset="-127"/>
+              <a:ea typeface="에스코어 드림 7 ExtraBold" panose="020B0803030302020204" pitchFamily="34" charset="-127"/>
+              <a:cs typeface="Times New Roman" panose="02020603050405020304" pitchFamily="18" charset="0"/>
+            </a:endParaRPr>
+          </a:p>
+          <a:p>
+            <a:pPr algn="just" latinLnBrk="1">
+              <a:lnSpc>
+                <a:spcPct val="107000"/>
+              </a:lnSpc>
+              <a:spcAft>
+                <a:spcPts val="800"/>
+              </a:spcAft>
+            </a:pPr>
+            <a:r>
+              <a:rPr lang="en-US" altLang="ko-KR" kern="100" dirty="0">
+                <a:solidFill>
+                  <a:schemeClr val="bg1"/>
+                </a:solidFill>
+                <a:effectLst/>
+                <a:latin typeface="에스코어 드림 4 Regular" panose="020B0503030302020204" pitchFamily="34" charset="-127"/>
+                <a:ea typeface="에스코어 드림 4 Regular" panose="020B0503030302020204" pitchFamily="34" charset="-127"/>
+                <a:cs typeface="Times New Roman" panose="02020603050405020304" pitchFamily="18" charset="0"/>
+              </a:rPr>
+              <a:t>  </a:t>
+            </a:r>
+            <a:r>
+              <a:rPr lang="ko-KR" altLang="ko-KR" kern="100" dirty="0">
+                <a:solidFill>
+                  <a:schemeClr val="bg1"/>
+                </a:solidFill>
+                <a:effectLst/>
+                <a:latin typeface="에스코어 드림 4 Regular" panose="020B0503030302020204" pitchFamily="34" charset="-127"/>
+                <a:ea typeface="에스코어 드림 4 Regular" panose="020B0503030302020204" pitchFamily="34" charset="-127"/>
+                <a:cs typeface="Times New Roman" panose="02020603050405020304" pitchFamily="18" charset="0"/>
+              </a:rPr>
+              <a:t>플레이어는 </a:t>
+            </a:r>
+            <a:r>
+              <a:rPr lang="ko-KR" altLang="en-US" kern="100" dirty="0">
+                <a:solidFill>
+                  <a:schemeClr val="bg1"/>
+                </a:solidFill>
+                <a:effectLst/>
+                <a:latin typeface="에스코어 드림 4 Regular" panose="020B0503030302020204" pitchFamily="34" charset="-127"/>
+                <a:ea typeface="에스코어 드림 4 Regular" panose="020B0503030302020204" pitchFamily="34" charset="-127"/>
+                <a:cs typeface="Times New Roman" panose="02020603050405020304" pitchFamily="18" charset="0"/>
+              </a:rPr>
+              <a:t>적은 </a:t>
+            </a:r>
+            <a:r>
+              <a:rPr lang="ko-KR" altLang="en-US" kern="100" dirty="0">
+                <a:solidFill>
+                  <a:schemeClr val="bg1"/>
+                </a:solidFill>
+                <a:latin typeface="에스코어 드림 4 Regular" panose="020B0503030302020204" pitchFamily="34" charset="-127"/>
+                <a:ea typeface="에스코어 드림 4 Regular" panose="020B0503030302020204" pitchFamily="34" charset="-127"/>
+                <a:cs typeface="Times New Roman" panose="02020603050405020304" pitchFamily="18" charset="0"/>
+              </a:rPr>
+              <a:t>조작으로 </a:t>
+            </a:r>
+            <a:r>
+              <a:rPr lang="ko-KR" altLang="ko-KR" kern="100" dirty="0">
+                <a:solidFill>
+                  <a:schemeClr val="bg1"/>
+                </a:solidFill>
+                <a:effectLst/>
+                <a:latin typeface="에스코어 드림 4 Regular" panose="020B0503030302020204" pitchFamily="34" charset="-127"/>
+                <a:ea typeface="에스코어 드림 4 Regular" panose="020B0503030302020204" pitchFamily="34" charset="-127"/>
+                <a:cs typeface="Times New Roman" panose="02020603050405020304" pitchFamily="18" charset="0"/>
+              </a:rPr>
+              <a:t>단수 혹은 복수의 공을</a:t>
+            </a:r>
+            <a:r>
+              <a:rPr lang="en-US" altLang="ko-KR" kern="100" dirty="0">
+                <a:solidFill>
+                  <a:schemeClr val="bg1"/>
+                </a:solidFill>
+                <a:effectLst/>
+                <a:latin typeface="에스코어 드림 4 Regular" panose="020B0503030302020204" pitchFamily="34" charset="-127"/>
+                <a:ea typeface="에스코어 드림 4 Regular" panose="020B0503030302020204" pitchFamily="34" charset="-127"/>
+                <a:cs typeface="Times New Roman" panose="02020603050405020304" pitchFamily="18" charset="0"/>
+              </a:rPr>
+              <a:t> </a:t>
+            </a:r>
+            <a:r>
+              <a:rPr lang="ko-KR" altLang="en-US" kern="100" dirty="0">
+                <a:solidFill>
+                  <a:schemeClr val="bg1"/>
+                </a:solidFill>
+                <a:effectLst/>
+                <a:latin typeface="에스코어 드림 4 Regular" panose="020B0503030302020204" pitchFamily="34" charset="-127"/>
+                <a:ea typeface="에스코어 드림 4 Regular" panose="020B0503030302020204" pitchFamily="34" charset="-127"/>
+                <a:cs typeface="Times New Roman" panose="02020603050405020304" pitchFamily="18" charset="0"/>
+              </a:rPr>
+              <a:t>한번에</a:t>
+            </a:r>
+            <a:endParaRPr lang="en-US" altLang="ko-KR" kern="100" dirty="0">
+              <a:solidFill>
+                <a:schemeClr val="bg1"/>
+              </a:solidFill>
+              <a:effectLst/>
+              <a:latin typeface="에스코어 드림 4 Regular" panose="020B0503030302020204" pitchFamily="34" charset="-127"/>
+              <a:ea typeface="에스코어 드림 4 Regular" panose="020B0503030302020204" pitchFamily="34" charset="-127"/>
+              <a:cs typeface="Times New Roman" panose="02020603050405020304" pitchFamily="18" charset="0"/>
+            </a:endParaRPr>
+          </a:p>
+          <a:p>
+            <a:pPr algn="just" latinLnBrk="1">
+              <a:lnSpc>
+                <a:spcPct val="107000"/>
+              </a:lnSpc>
+              <a:spcAft>
+                <a:spcPts val="800"/>
+              </a:spcAft>
+            </a:pPr>
+            <a:r>
+              <a:rPr lang="ko-KR" altLang="en-US" kern="100" dirty="0">
+                <a:solidFill>
+                  <a:schemeClr val="bg1"/>
+                </a:solidFill>
+                <a:latin typeface="에스코어 드림 4 Regular" panose="020B0503030302020204" pitchFamily="34" charset="-127"/>
+                <a:ea typeface="에스코어 드림 4 Regular" panose="020B0503030302020204" pitchFamily="34" charset="-127"/>
+                <a:cs typeface="Times New Roman" panose="02020603050405020304" pitchFamily="18" charset="0"/>
+              </a:rPr>
+              <a:t>  움직여</a:t>
+            </a:r>
+            <a:r>
+              <a:rPr lang="ko-KR" altLang="ko-KR" kern="100" dirty="0">
+                <a:solidFill>
+                  <a:schemeClr val="bg1"/>
+                </a:solidFill>
+                <a:effectLst/>
+                <a:latin typeface="에스코어 드림 4 Regular" panose="020B0503030302020204" pitchFamily="34" charset="-127"/>
+                <a:ea typeface="에스코어 드림 4 Regular" panose="020B0503030302020204" pitchFamily="34" charset="-127"/>
+                <a:cs typeface="Times New Roman" panose="02020603050405020304" pitchFamily="18" charset="0"/>
+              </a:rPr>
+              <a:t> 목표지점으로 보내면 되는</a:t>
+            </a:r>
+            <a:r>
+              <a:rPr lang="en-US" altLang="ko-KR" kern="100" dirty="0">
+                <a:solidFill>
+                  <a:schemeClr val="bg1"/>
+                </a:solidFill>
+                <a:effectLst/>
+                <a:latin typeface="에스코어 드림 4 Regular" panose="020B0503030302020204" pitchFamily="34" charset="-127"/>
+                <a:ea typeface="에스코어 드림 4 Regular" panose="020B0503030302020204" pitchFamily="34" charset="-127"/>
+                <a:cs typeface="Times New Roman" panose="02020603050405020304" pitchFamily="18" charset="0"/>
+              </a:rPr>
+              <a:t>, </a:t>
+            </a:r>
+            <a:r>
+              <a:rPr lang="ko-KR" altLang="ko-KR" b="1" kern="100" dirty="0">
+                <a:solidFill>
+                  <a:schemeClr val="bg1"/>
+                </a:solidFill>
+                <a:effectLst/>
+                <a:latin typeface="에스코어 드림 7 ExtraBold" panose="020B0803030302020204" pitchFamily="34" charset="-127"/>
+                <a:ea typeface="에스코어 드림 7 ExtraBold" panose="020B0803030302020204" pitchFamily="34" charset="-127"/>
+                <a:cs typeface="Times New Roman" panose="02020603050405020304" pitchFamily="18" charset="0"/>
+              </a:rPr>
+              <a:t>퍼즐게임이다</a:t>
+            </a:r>
+            <a:r>
+              <a:rPr lang="en-US" altLang="ko-KR" b="1" kern="100" dirty="0">
+                <a:solidFill>
+                  <a:schemeClr val="bg1"/>
+                </a:solidFill>
+                <a:effectLst/>
+                <a:latin typeface="에스코어 드림 7 ExtraBold" panose="020B0803030302020204" pitchFamily="34" charset="-127"/>
+                <a:ea typeface="에스코어 드림 7 ExtraBold" panose="020B0803030302020204" pitchFamily="34" charset="-127"/>
+                <a:cs typeface="Times New Roman" panose="02020603050405020304" pitchFamily="18" charset="0"/>
+              </a:rPr>
+              <a:t>.</a:t>
+            </a:r>
+            <a:endParaRPr lang="ko-KR" altLang="ko-KR" kern="100" dirty="0">
+              <a:solidFill>
+                <a:schemeClr val="bg1"/>
+              </a:solidFill>
+              <a:effectLst/>
+              <a:latin typeface="에스코어 드림 7 ExtraBold" panose="020B0803030302020204" pitchFamily="34" charset="-127"/>
+              <a:ea typeface="에스코어 드림 7 ExtraBold" panose="020B0803030302020204" pitchFamily="34" charset="-127"/>
+              <a:cs typeface="Times New Roman" panose="02020603050405020304" pitchFamily="18" charset="0"/>
+            </a:endParaRPr>
+          </a:p>
+          <a:p>
+            <a:pPr algn="just" latinLnBrk="1">
+              <a:lnSpc>
+                <a:spcPct val="107000"/>
+              </a:lnSpc>
+              <a:spcAft>
+                <a:spcPts val="800"/>
+              </a:spcAft>
+            </a:pPr>
+            <a:r>
+              <a:rPr lang="ko-KR" altLang="en-US" kern="100" dirty="0">
+                <a:solidFill>
+                  <a:schemeClr val="bg1"/>
+                </a:solidFill>
+                <a:latin typeface="에스코어 드림 4 Regular" panose="020B0503030302020204" pitchFamily="34" charset="-127"/>
+                <a:ea typeface="에스코어 드림 4 Regular" panose="020B0503030302020204" pitchFamily="34" charset="-127"/>
+                <a:cs typeface="Times New Roman" panose="02020603050405020304" pitchFamily="18" charset="0"/>
+              </a:rPr>
+              <a:t>  그러기 위해서는 </a:t>
+            </a:r>
+            <a:r>
+              <a:rPr lang="ko-KR" altLang="ko-KR" kern="100" dirty="0">
+                <a:solidFill>
+                  <a:schemeClr val="bg1"/>
+                </a:solidFill>
+                <a:effectLst/>
+                <a:latin typeface="에스코어 드림 7 ExtraBold" panose="020B0803030302020204" pitchFamily="34" charset="-127"/>
+                <a:ea typeface="에스코어 드림 7 ExtraBold" panose="020B0803030302020204" pitchFamily="34" charset="-127"/>
+                <a:cs typeface="Times New Roman" panose="02020603050405020304" pitchFamily="18" charset="0"/>
+              </a:rPr>
+              <a:t>플레이어</a:t>
+            </a:r>
+            <a:r>
+              <a:rPr lang="ko-KR" altLang="en-US" kern="100" dirty="0">
+                <a:solidFill>
+                  <a:schemeClr val="bg1"/>
+                </a:solidFill>
+                <a:effectLst/>
+                <a:latin typeface="에스코어 드림 7 ExtraBold" panose="020B0803030302020204" pitchFamily="34" charset="-127"/>
+                <a:ea typeface="에스코어 드림 7 ExtraBold" panose="020B0803030302020204" pitchFamily="34" charset="-127"/>
+                <a:cs typeface="Times New Roman" panose="02020603050405020304" pitchFamily="18" charset="0"/>
+              </a:rPr>
+              <a:t>가</a:t>
+            </a:r>
+            <a:r>
+              <a:rPr lang="ko-KR" altLang="ko-KR" kern="100" dirty="0">
+                <a:solidFill>
+                  <a:schemeClr val="bg1"/>
+                </a:solidFill>
+                <a:effectLst/>
+                <a:latin typeface="에스코어 드림 7 ExtraBold" panose="020B0803030302020204" pitchFamily="34" charset="-127"/>
+                <a:ea typeface="에스코어 드림 7 ExtraBold" panose="020B0803030302020204" pitchFamily="34" charset="-127"/>
+                <a:cs typeface="Times New Roman" panose="02020603050405020304" pitchFamily="18" charset="0"/>
+              </a:rPr>
+              <a:t> </a:t>
+            </a:r>
+            <a:r>
+              <a:rPr lang="ko-KR" altLang="ko-KR" b="1" kern="100" dirty="0">
+                <a:solidFill>
+                  <a:schemeClr val="bg1"/>
+                </a:solidFill>
+                <a:effectLst/>
+                <a:latin typeface="에스코어 드림 7 ExtraBold" panose="020B0803030302020204" pitchFamily="34" charset="-127"/>
+                <a:ea typeface="에스코어 드림 7 ExtraBold" panose="020B0803030302020204" pitchFamily="34" charset="-127"/>
+                <a:cs typeface="Times New Roman" panose="02020603050405020304" pitchFamily="18" charset="0"/>
+              </a:rPr>
+              <a:t>실시간으로</a:t>
+            </a:r>
+            <a:r>
+              <a:rPr lang="ko-KR" altLang="ko-KR" kern="100" dirty="0">
+                <a:solidFill>
+                  <a:schemeClr val="bg1"/>
+                </a:solidFill>
+                <a:effectLst/>
+                <a:latin typeface="에스코어 드림 7 ExtraBold" panose="020B0803030302020204" pitchFamily="34" charset="-127"/>
+                <a:ea typeface="에스코어 드림 7 ExtraBold" panose="020B0803030302020204" pitchFamily="34" charset="-127"/>
+                <a:cs typeface="Times New Roman" panose="02020603050405020304" pitchFamily="18" charset="0"/>
+              </a:rPr>
+              <a:t> 머리를 써서 게임을 클리어 해야 한다</a:t>
+            </a:r>
+            <a:r>
+              <a:rPr lang="en-US" altLang="ko-KR" kern="100" dirty="0">
+                <a:solidFill>
+                  <a:schemeClr val="bg1"/>
+                </a:solidFill>
+                <a:effectLst/>
+                <a:latin typeface="에스코어 드림 7 ExtraBold" panose="020B0803030302020204" pitchFamily="34" charset="-127"/>
+                <a:ea typeface="에스코어 드림 7 ExtraBold" panose="020B0803030302020204" pitchFamily="34" charset="-127"/>
+                <a:cs typeface="Times New Roman" panose="02020603050405020304" pitchFamily="18" charset="0"/>
+              </a:rPr>
+              <a:t>.</a:t>
+            </a:r>
+          </a:p>
+        </p:txBody>
+      </p:sp>
     </p:spTree>
     <p:extLst>
       <p:ext uri="{BB962C8B-B14F-4D97-AF65-F5344CB8AC3E}">
@@ -4228,10 +4333,10 @@
       </p:grpSpPr>
       <p:grpSp>
         <p:nvGrpSpPr>
-          <p:cNvPr id="2" name="그룹 1">
-            <a:extLst>
-              <a:ext uri="{FF2B5EF4-FFF2-40B4-BE49-F238E27FC236}">
-                <a16:creationId xmlns:a16="http://schemas.microsoft.com/office/drawing/2014/main" id="{B3D71AC4-DEFC-4B58-ACC8-50F8B5B0E8F8}"/>
+          <p:cNvPr id="44" name="그룹 43">
+            <a:extLst>
+              <a:ext uri="{FF2B5EF4-FFF2-40B4-BE49-F238E27FC236}">
+                <a16:creationId xmlns:a16="http://schemas.microsoft.com/office/drawing/2014/main" id="{4FAA3BF0-D465-40DD-AAB5-93A8F9C2E06C}"/>
               </a:ext>
             </a:extLst>
           </p:cNvPr>
@@ -4246,48 +4351,127 @@
             <a:chExt cx="12192000" cy="6858000"/>
           </a:xfrm>
         </p:grpSpPr>
-        <p:pic>
-          <p:nvPicPr>
-            <p:cNvPr id="5" name="그림 4" descr="실외, 벽돌, 건축자재이(가) 표시된 사진&#10;&#10;자동 생성된 설명">
+        <p:grpSp>
+          <p:nvGrpSpPr>
+            <p:cNvPr id="2" name="그룹 1">
               <a:extLst>
                 <a:ext uri="{FF2B5EF4-FFF2-40B4-BE49-F238E27FC236}">
-                  <a16:creationId xmlns:a16="http://schemas.microsoft.com/office/drawing/2014/main" id="{3A91728B-0692-4C89-BE40-02A2108CC07B}"/>
+                  <a16:creationId xmlns:a16="http://schemas.microsoft.com/office/drawing/2014/main" id="{B3D71AC4-DEFC-4B58-ACC8-50F8B5B0E8F8}"/>
                 </a:ext>
               </a:extLst>
             </p:cNvPr>
-            <p:cNvPicPr>
-              <a:picLocks noChangeAspect="1"/>
-            </p:cNvPicPr>
+            <p:cNvGrpSpPr/>
             <p:nvPr/>
-          </p:nvPicPr>
-          <p:blipFill>
-            <a:blip r:embed="rId2">
-              <a:extLst>
-                <a:ext uri="{28A0092B-C50C-407E-A947-70E740481C1C}">
-                  <a14:useLocalDpi xmlns:a14="http://schemas.microsoft.com/office/drawing/2010/main" val="0"/>
-                </a:ext>
-              </a:extLst>
-            </a:blip>
-            <a:stretch>
-              <a:fillRect/>
-            </a:stretch>
-          </p:blipFill>
-          <p:spPr>
+          </p:nvGrpSpPr>
+          <p:grpSpPr>
             <a:xfrm>
               <a:off x="0" y="0"/>
               <a:ext cx="12192000" cy="6858000"/>
+              <a:chOff x="0" y="0"/>
+              <a:chExt cx="12192000" cy="6858000"/>
             </a:xfrm>
-            <a:prstGeom prst="rect">
-              <a:avLst/>
-            </a:prstGeom>
-          </p:spPr>
-        </p:pic>
+          </p:grpSpPr>
+          <p:pic>
+            <p:nvPicPr>
+              <p:cNvPr id="5" name="그림 4" descr="실외, 벽돌, 건축자재이(가) 표시된 사진&#10;&#10;자동 생성된 설명">
+                <a:extLst>
+                  <a:ext uri="{FF2B5EF4-FFF2-40B4-BE49-F238E27FC236}">
+                    <a16:creationId xmlns:a16="http://schemas.microsoft.com/office/drawing/2014/main" id="{3A91728B-0692-4C89-BE40-02A2108CC07B}"/>
+                  </a:ext>
+                </a:extLst>
+              </p:cNvPr>
+              <p:cNvPicPr>
+                <a:picLocks noChangeAspect="1"/>
+              </p:cNvPicPr>
+              <p:nvPr/>
+            </p:nvPicPr>
+            <p:blipFill>
+              <a:blip r:embed="rId2">
+                <a:extLst>
+                  <a:ext uri="{28A0092B-C50C-407E-A947-70E740481C1C}">
+                    <a14:useLocalDpi xmlns:a14="http://schemas.microsoft.com/office/drawing/2010/main" val="0"/>
+                  </a:ext>
+                </a:extLst>
+              </a:blip>
+              <a:stretch>
+                <a:fillRect/>
+              </a:stretch>
+            </p:blipFill>
+            <p:spPr>
+              <a:xfrm>
+                <a:off x="0" y="0"/>
+                <a:ext cx="12192000" cy="6858000"/>
+              </a:xfrm>
+              <a:prstGeom prst="rect">
+                <a:avLst/>
+              </a:prstGeom>
+            </p:spPr>
+          </p:pic>
+          <p:sp>
+            <p:nvSpPr>
+              <p:cNvPr id="6" name="직사각형 5">
+                <a:extLst>
+                  <a:ext uri="{FF2B5EF4-FFF2-40B4-BE49-F238E27FC236}">
+                    <a16:creationId xmlns:a16="http://schemas.microsoft.com/office/drawing/2014/main" id="{5C154B5E-8981-45F5-9053-9DB4EE50A76E}"/>
+                  </a:ext>
+                </a:extLst>
+              </p:cNvPr>
+              <p:cNvSpPr/>
+              <p:nvPr/>
+            </p:nvSpPr>
+            <p:spPr>
+              <a:xfrm>
+                <a:off x="0" y="0"/>
+                <a:ext cx="12192000" cy="6858000"/>
+              </a:xfrm>
+              <a:prstGeom prst="rect">
+                <a:avLst/>
+              </a:prstGeom>
+              <a:solidFill>
+                <a:schemeClr val="tx1">
+                  <a:alpha val="70000"/>
+                </a:schemeClr>
+              </a:solidFill>
+              <a:ln>
+                <a:noFill/>
+              </a:ln>
+            </p:spPr>
+            <p:style>
+              <a:lnRef idx="2">
+                <a:schemeClr val="accent1">
+                  <a:shade val="50000"/>
+                </a:schemeClr>
+              </a:lnRef>
+              <a:fillRef idx="1">
+                <a:schemeClr val="accent1"/>
+              </a:fillRef>
+              <a:effectRef idx="0">
+                <a:schemeClr val="accent1"/>
+              </a:effectRef>
+              <a:fontRef idx="minor">
+                <a:schemeClr val="lt1"/>
+              </a:fontRef>
+            </p:style>
+            <p:txBody>
+              <a:bodyPr rtlCol="0" anchor="ctr"/>
+              <a:lstStyle/>
+              <a:p>
+                <a:pPr algn="ctr"/>
+                <a:endParaRPr lang="ko-KR" altLang="en-US" dirty="0">
+                  <a:solidFill>
+                    <a:schemeClr val="bg1"/>
+                  </a:solidFill>
+                </a:endParaRPr>
+              </a:p>
+            </p:txBody>
+          </p:sp>
+        </p:grpSp>
         <p:sp>
           <p:nvSpPr>
-            <p:cNvPr id="6" name="직사각형 5">
+            <p:cNvPr id="7" name="직사각형 6">
               <a:extLst>
                 <a:ext uri="{FF2B5EF4-FFF2-40B4-BE49-F238E27FC236}">
-                  <a16:creationId xmlns:a16="http://schemas.microsoft.com/office/drawing/2014/main" id="{5C154B5E-8981-45F5-9053-9DB4EE50A76E}"/>
+                  <a16:creationId xmlns:a16="http://schemas.microsoft.com/office/drawing/2014/main" id="{6A5AFCF2-13D1-4E4D-B80E-0C1A7216BA83}"/>
                 </a:ext>
               </a:extLst>
             </p:cNvPr>
@@ -4297,14 +4481,14 @@
           <p:spPr>
             <a:xfrm>
               <a:off x="0" y="0"/>
-              <a:ext cx="12192000" cy="6858000"/>
+              <a:ext cx="12192000" cy="1185333"/>
             </a:xfrm>
             <a:prstGeom prst="rect">
               <a:avLst/>
             </a:prstGeom>
             <a:solidFill>
-              <a:schemeClr val="tx1">
-                <a:alpha val="50000"/>
+              <a:schemeClr val="bg2">
+                <a:lumMod val="25000"/>
               </a:schemeClr>
             </a:solidFill>
             <a:ln>
@@ -4332,21 +4516,17 @@
             <a:lstStyle/>
             <a:p>
               <a:pPr algn="ctr"/>
-              <a:endParaRPr lang="ko-KR" altLang="en-US" dirty="0">
-                <a:solidFill>
-                  <a:schemeClr val="bg1"/>
-                </a:solidFill>
-              </a:endParaRPr>
+              <a:endParaRPr lang="ko-KR" altLang="en-US" dirty="0"/>
             </a:p>
           </p:txBody>
         </p:sp>
       </p:grpSp>
       <p:sp>
         <p:nvSpPr>
-          <p:cNvPr id="7" name="직사각형 6">
-            <a:extLst>
-              <a:ext uri="{FF2B5EF4-FFF2-40B4-BE49-F238E27FC236}">
-                <a16:creationId xmlns:a16="http://schemas.microsoft.com/office/drawing/2014/main" id="{6A5AFCF2-13D1-4E4D-B80E-0C1A7216BA83}"/>
+          <p:cNvPr id="43" name="직사각형 42">
+            <a:extLst>
+              <a:ext uri="{FF2B5EF4-FFF2-40B4-BE49-F238E27FC236}">
+                <a16:creationId xmlns:a16="http://schemas.microsoft.com/office/drawing/2014/main" id="{1E3E6FC5-8291-4DB1-A75A-90251E224297}"/>
               </a:ext>
             </a:extLst>
           </p:cNvPr>
@@ -4355,19 +4535,19 @@
         </p:nvSpPr>
         <p:spPr>
           <a:xfrm>
-            <a:off x="0" y="0"/>
-            <a:ext cx="12192000" cy="1185333"/>
+            <a:off x="282204" y="1435150"/>
+            <a:ext cx="11627224" cy="5297344"/>
           </a:xfrm>
           <a:prstGeom prst="rect">
             <a:avLst/>
           </a:prstGeom>
           <a:solidFill>
-            <a:schemeClr val="bg2">
-              <a:lumMod val="25000"/>
-            </a:schemeClr>
+            <a:schemeClr val="tx1"/>
           </a:solidFill>
           <a:ln>
-            <a:noFill/>
+            <a:solidFill>
+              <a:schemeClr val="bg1"/>
+            </a:solidFill>
           </a:ln>
         </p:spPr>
         <p:style>
@@ -4391,16 +4571,16 @@
           <a:lstStyle/>
           <a:p>
             <a:pPr algn="ctr"/>
-            <a:endParaRPr lang="ko-KR" altLang="en-US" dirty="0"/>
-          </a:p>
-        </p:txBody>
-      </p:sp>
-      <p:sp>
-        <p:nvSpPr>
-          <p:cNvPr id="8" name="TextBox 7">
-            <a:extLst>
-              <a:ext uri="{FF2B5EF4-FFF2-40B4-BE49-F238E27FC236}">
-                <a16:creationId xmlns:a16="http://schemas.microsoft.com/office/drawing/2014/main" id="{2A51D2F1-C63B-4EEE-B54D-E1A6D0E829B1}"/>
+            <a:endParaRPr lang="ko-KR" altLang="en-US"/>
+          </a:p>
+        </p:txBody>
+      </p:sp>
+      <p:sp>
+        <p:nvSpPr>
+          <p:cNvPr id="14" name="TextBox 13">
+            <a:extLst>
+              <a:ext uri="{FF2B5EF4-FFF2-40B4-BE49-F238E27FC236}">
+                <a16:creationId xmlns:a16="http://schemas.microsoft.com/office/drawing/2014/main" id="{895BA390-795A-4381-BFDE-31603014C454}"/>
               </a:ext>
             </a:extLst>
           </p:cNvPr>
@@ -4409,49 +4589,8 @@
         </p:nvSpPr>
         <p:spPr>
           <a:xfrm>
-            <a:off x="541870" y="270304"/>
-            <a:ext cx="2071401" cy="707886"/>
-          </a:xfrm>
-          <a:prstGeom prst="rect">
-            <a:avLst/>
-          </a:prstGeom>
-          <a:noFill/>
-        </p:spPr>
-        <p:txBody>
-          <a:bodyPr wrap="none" rtlCol="0">
-            <a:spAutoFit/>
-          </a:bodyPr>
-          <a:lstStyle/>
-          <a:p>
-            <a:r>
-              <a:rPr lang="ko-KR" altLang="en-US" sz="4000" b="1" dirty="0">
-                <a:solidFill>
-                  <a:schemeClr val="bg1"/>
-                </a:solidFill>
-                <a:latin typeface="메이플스토리" panose="02000800000000000000" pitchFamily="2" charset="-127"/>
-                <a:ea typeface="메이플스토리" panose="02000800000000000000" pitchFamily="2" charset="-127"/>
-              </a:rPr>
-              <a:t>기획 의도</a:t>
-            </a:r>
-          </a:p>
-        </p:txBody>
-      </p:sp>
-      <p:sp>
-        <p:nvSpPr>
-          <p:cNvPr id="3" name="TextBox 2">
-            <a:extLst>
-              <a:ext uri="{FF2B5EF4-FFF2-40B4-BE49-F238E27FC236}">
-                <a16:creationId xmlns:a16="http://schemas.microsoft.com/office/drawing/2014/main" id="{ED3C56E2-338E-4DC0-AB9E-7B6F91ACA208}"/>
-              </a:ext>
-            </a:extLst>
-          </p:cNvPr>
-          <p:cNvSpPr txBox="1"/>
-          <p:nvPr/>
-        </p:nvSpPr>
-        <p:spPr>
-          <a:xfrm>
-            <a:off x="339707" y="1455637"/>
-            <a:ext cx="8308685" cy="2129814"/>
+            <a:off x="276162" y="235484"/>
+            <a:ext cx="5702202" cy="714363"/>
           </a:xfrm>
           <a:prstGeom prst="rect">
             <a:avLst/>
@@ -4473,55 +4612,18 @@
               </a:spcAft>
             </a:pPr>
             <a:r>
-              <a:rPr lang="en-US" altLang="ko-KR" sz="2800" b="1" kern="100" dirty="0">
-                <a:solidFill>
-                  <a:srgbClr val="00B0F0"/>
-                </a:solidFill>
-                <a:effectLst/>
-                <a:latin typeface="에스코어 드림 7 ExtraBold" panose="020B0803030302020204" pitchFamily="34" charset="-127"/>
-                <a:ea typeface="에스코어 드림 7 ExtraBold" panose="020B0803030302020204" pitchFamily="34" charset="-127"/>
+              <a:rPr lang="en-US" altLang="ko-KR" sz="4000" kern="100" dirty="0">
+                <a:solidFill>
+                  <a:schemeClr val="bg1"/>
+                </a:solidFill>
+                <a:latin typeface="에스코어 드림 4 Regular" panose="020B0503030302020204" pitchFamily="34" charset="-127"/>
+                <a:ea typeface="에스코어 드림 4 Regular" panose="020B0503030302020204" pitchFamily="34" charset="-127"/>
                 <a:cs typeface="Times New Roman" panose="02020603050405020304" pitchFamily="18" charset="0"/>
               </a:rPr>
-              <a:t>Project_Agis</a:t>
-            </a:r>
-            <a:r>
-              <a:rPr lang="ko-KR" altLang="ko-KR" sz="2800" b="1" kern="100" dirty="0">
-                <a:solidFill>
-                  <a:srgbClr val="00B0F0"/>
-                </a:solidFill>
-                <a:effectLst/>
-                <a:latin typeface="에스코어 드림 7 ExtraBold" panose="020B0803030302020204" pitchFamily="34" charset="-127"/>
-                <a:ea typeface="에스코어 드림 7 ExtraBold" panose="020B0803030302020204" pitchFamily="34" charset="-127"/>
-                <a:cs typeface="Times New Roman" panose="02020603050405020304" pitchFamily="18" charset="0"/>
-              </a:rPr>
-              <a:t>의 기획의도</a:t>
-            </a:r>
-            <a:endParaRPr lang="ko-KR" altLang="ko-KR" sz="2800" kern="100" dirty="0">
-              <a:solidFill>
-                <a:srgbClr val="00B0F0"/>
-              </a:solidFill>
-              <a:effectLst/>
-              <a:latin typeface="에스코어 드림 7 ExtraBold" panose="020B0803030302020204" pitchFamily="34" charset="-127"/>
-              <a:ea typeface="에스코어 드림 7 ExtraBold" panose="020B0803030302020204" pitchFamily="34" charset="-127"/>
-              <a:cs typeface="Times New Roman" panose="02020603050405020304" pitchFamily="18" charset="0"/>
-            </a:endParaRPr>
-          </a:p>
-          <a:p>
-            <a:pPr marL="342900" lvl="0" indent="-342900" algn="just" latinLnBrk="1">
-              <a:lnSpc>
-                <a:spcPct val="107000"/>
-              </a:lnSpc>
-              <a:spcAft>
-                <a:spcPts val="800"/>
-              </a:spcAft>
-              <a:buClr>
-                <a:srgbClr val="00B0F0"/>
-              </a:buClr>
-              <a:buFont typeface="+mj-lt"/>
-              <a:buAutoNum type="arabicParenR"/>
-            </a:pPr>
-            <a:r>
-              <a:rPr lang="ko-KR" altLang="ko-KR" sz="1800" kern="100" dirty="0">
+              <a:t>2</a:t>
+            </a:r>
+            <a:r>
+              <a:rPr lang="en-US" altLang="ko-KR" sz="4000" kern="100" dirty="0">
                 <a:solidFill>
                   <a:schemeClr val="bg1"/>
                 </a:solidFill>
@@ -4530,10 +4632,10 @@
                 <a:ea typeface="에스코어 드림 4 Regular" panose="020B0503030302020204" pitchFamily="34" charset="-127"/>
                 <a:cs typeface="Times New Roman" panose="02020603050405020304" pitchFamily="18" charset="0"/>
               </a:rPr>
-              <a:t>주체가 되는 공과 다른 공들은 중력이 같다는 전제하에 </a:t>
-            </a:r>
-            <a:r>
-              <a:rPr lang="ko-KR" altLang="ko-KR" sz="1800" b="1" kern="100" dirty="0">
+              <a:t>) </a:t>
+            </a:r>
+            <a:r>
+              <a:rPr lang="ko-KR" altLang="ko-KR" sz="4000" kern="100" dirty="0">
                 <a:solidFill>
                   <a:schemeClr val="bg1"/>
                 </a:solidFill>
@@ -4542,10 +4644,10 @@
                 <a:ea typeface="에스코어 드림 4 Regular" panose="020B0503030302020204" pitchFamily="34" charset="-127"/>
                 <a:cs typeface="Times New Roman" panose="02020603050405020304" pitchFamily="18" charset="0"/>
               </a:rPr>
-              <a:t>움직임을 공유한다</a:t>
-            </a:r>
-            <a:r>
-              <a:rPr lang="en-US" altLang="ko-KR" sz="1800" b="1" kern="100" dirty="0">
+              <a:t>게임</a:t>
+            </a:r>
+            <a:r>
+              <a:rPr lang="en-US" altLang="ko-KR" sz="4000" kern="100" dirty="0">
                 <a:solidFill>
                   <a:schemeClr val="bg1"/>
                 </a:solidFill>
@@ -4554,34 +4656,10 @@
                 <a:ea typeface="에스코어 드림 4 Regular" panose="020B0503030302020204" pitchFamily="34" charset="-127"/>
                 <a:cs typeface="Times New Roman" panose="02020603050405020304" pitchFamily="18" charset="0"/>
               </a:rPr>
-              <a:t>.</a:t>
-            </a:r>
-            <a:endParaRPr lang="ko-KR" altLang="ko-KR" sz="1800" kern="100" dirty="0">
-              <a:solidFill>
-                <a:schemeClr val="bg1"/>
-              </a:solidFill>
-              <a:effectLst/>
-              <a:latin typeface="에스코어 드림 4 Regular" panose="020B0503030302020204" pitchFamily="34" charset="-127"/>
-              <a:ea typeface="에스코어 드림 4 Regular" panose="020B0503030302020204" pitchFamily="34" charset="-127"/>
-              <a:cs typeface="Times New Roman" panose="02020603050405020304" pitchFamily="18" charset="0"/>
-            </a:endParaRPr>
-          </a:p>
-          <a:p>
-            <a:pPr marL="342900" lvl="0" indent="-342900" algn="just" latinLnBrk="1">
-              <a:lnSpc>
-                <a:spcPct val="107000"/>
-              </a:lnSpc>
-              <a:spcAft>
-                <a:spcPts val="800"/>
-              </a:spcAft>
-              <a:buClr>
-                <a:srgbClr val="00B0F0"/>
-              </a:buClr>
-              <a:buFont typeface="+mj-lt"/>
-              <a:buAutoNum type="arabicParenR"/>
-            </a:pPr>
-            <a:r>
-              <a:rPr lang="ko-KR" altLang="ko-KR" sz="1800" kern="100" dirty="0">
+              <a:t> </a:t>
+            </a:r>
+            <a:r>
+              <a:rPr lang="ko-KR" altLang="en-US" sz="4000" kern="100" dirty="0">
                 <a:solidFill>
                   <a:schemeClr val="bg1"/>
                 </a:solidFill>
@@ -4590,10 +4668,10 @@
                 <a:ea typeface="에스코어 드림 4 Regular" panose="020B0503030302020204" pitchFamily="34" charset="-127"/>
                 <a:cs typeface="Times New Roman" panose="02020603050405020304" pitchFamily="18" charset="0"/>
               </a:rPr>
-              <a:t>상승곡선을 그리는 난이도를 가진 퍼즐들을 만들어 </a:t>
-            </a:r>
-            <a:r>
-              <a:rPr lang="ko-KR" altLang="ko-KR" sz="1800" b="1" kern="100" dirty="0">
+              <a:t>내 구성요소</a:t>
+            </a:r>
+            <a:r>
+              <a:rPr lang="ko-KR" altLang="ko-KR" sz="4000" kern="100" dirty="0">
                 <a:solidFill>
                   <a:schemeClr val="bg1"/>
                 </a:solidFill>
@@ -4602,113 +4680,17 @@
                 <a:ea typeface="에스코어 드림 4 Regular" panose="020B0503030302020204" pitchFamily="34" charset="-127"/>
                 <a:cs typeface="Times New Roman" panose="02020603050405020304" pitchFamily="18" charset="0"/>
               </a:rPr>
-              <a:t>다회성 플레이를 유도한다</a:t>
-            </a:r>
-            <a:r>
-              <a:rPr lang="en-US" altLang="ko-KR" sz="1800" b="1" kern="100" dirty="0">
-                <a:solidFill>
-                  <a:schemeClr val="bg1"/>
-                </a:solidFill>
-                <a:effectLst/>
-                <a:latin typeface="에스코어 드림 4 Regular" panose="020B0503030302020204" pitchFamily="34" charset="-127"/>
-                <a:ea typeface="에스코어 드림 4 Regular" panose="020B0503030302020204" pitchFamily="34" charset="-127"/>
-                <a:cs typeface="Times New Roman" panose="02020603050405020304" pitchFamily="18" charset="0"/>
-              </a:rPr>
-              <a:t>.</a:t>
-            </a:r>
-            <a:endParaRPr lang="ko-KR" altLang="ko-KR" sz="1800" kern="100" dirty="0">
-              <a:solidFill>
-                <a:schemeClr val="bg1"/>
-              </a:solidFill>
-              <a:effectLst/>
-              <a:latin typeface="에스코어 드림 4 Regular" panose="020B0503030302020204" pitchFamily="34" charset="-127"/>
-              <a:ea typeface="에스코어 드림 4 Regular" panose="020B0503030302020204" pitchFamily="34" charset="-127"/>
-              <a:cs typeface="Times New Roman" panose="02020603050405020304" pitchFamily="18" charset="0"/>
-            </a:endParaRPr>
-          </a:p>
-          <a:p>
-            <a:pPr marL="342900" lvl="0" indent="-342900" algn="just" latinLnBrk="1">
-              <a:lnSpc>
-                <a:spcPct val="107000"/>
-              </a:lnSpc>
-              <a:spcAft>
-                <a:spcPts val="800"/>
-              </a:spcAft>
-              <a:buClr>
-                <a:srgbClr val="00B0F0"/>
-              </a:buClr>
-              <a:buFont typeface="+mj-lt"/>
-              <a:buAutoNum type="arabicParenR"/>
-            </a:pPr>
-            <a:r>
-              <a:rPr lang="ko-KR" altLang="ko-KR" sz="1800" kern="100" dirty="0">
-                <a:solidFill>
-                  <a:schemeClr val="bg1"/>
-                </a:solidFill>
-                <a:effectLst/>
-                <a:latin typeface="에스코어 드림 4 Regular" panose="020B0503030302020204" pitchFamily="34" charset="-127"/>
-                <a:ea typeface="에스코어 드림 4 Regular" panose="020B0503030302020204" pitchFamily="34" charset="-127"/>
-                <a:cs typeface="Times New Roman" panose="02020603050405020304" pitchFamily="18" charset="0"/>
-              </a:rPr>
-              <a:t>플레이어의 조작을 통해 생성되는 </a:t>
-            </a:r>
-            <a:r>
-              <a:rPr lang="ko-KR" altLang="ko-KR" sz="1800" b="1" kern="100" dirty="0">
-                <a:solidFill>
-                  <a:schemeClr val="bg1"/>
-                </a:solidFill>
-                <a:effectLst/>
-                <a:latin typeface="에스코어 드림 4 Regular" panose="020B0503030302020204" pitchFamily="34" charset="-127"/>
-                <a:ea typeface="에스코어 드림 4 Regular" panose="020B0503030302020204" pitchFamily="34" charset="-127"/>
-                <a:cs typeface="Times New Roman" panose="02020603050405020304" pitchFamily="18" charset="0"/>
-              </a:rPr>
-              <a:t>중력장을</a:t>
-            </a:r>
-            <a:r>
-              <a:rPr lang="en-US" altLang="ko-KR" sz="1800" b="1" kern="100" dirty="0">
-                <a:solidFill>
-                  <a:schemeClr val="bg1"/>
-                </a:solidFill>
-                <a:effectLst/>
-                <a:latin typeface="에스코어 드림 4 Regular" panose="020B0503030302020204" pitchFamily="34" charset="-127"/>
-                <a:ea typeface="에스코어 드림 4 Regular" panose="020B0503030302020204" pitchFamily="34" charset="-127"/>
-                <a:cs typeface="Times New Roman" panose="02020603050405020304" pitchFamily="18" charset="0"/>
-              </a:rPr>
-              <a:t>, </a:t>
-            </a:r>
-            <a:r>
-              <a:rPr lang="ko-KR" altLang="ko-KR" sz="1800" b="1" kern="100" dirty="0">
-                <a:solidFill>
-                  <a:schemeClr val="bg1"/>
-                </a:solidFill>
-                <a:effectLst/>
-                <a:latin typeface="에스코어 드림 4 Regular" panose="020B0503030302020204" pitchFamily="34" charset="-127"/>
-                <a:ea typeface="에스코어 드림 4 Regular" panose="020B0503030302020204" pitchFamily="34" charset="-127"/>
-                <a:cs typeface="Times New Roman" panose="02020603050405020304" pitchFamily="18" charset="0"/>
-              </a:rPr>
-              <a:t>모든 셀들이 공유한다</a:t>
-            </a:r>
-            <a:endParaRPr lang="ko-KR" altLang="ko-KR" sz="1800" kern="100" dirty="0">
-              <a:solidFill>
-                <a:schemeClr val="bg1"/>
-              </a:solidFill>
-              <a:effectLst/>
-              <a:latin typeface="에스코어 드림 4 Regular" panose="020B0503030302020204" pitchFamily="34" charset="-127"/>
-              <a:ea typeface="에스코어 드림 4 Regular" panose="020B0503030302020204" pitchFamily="34" charset="-127"/>
-              <a:cs typeface="Times New Roman" panose="02020603050405020304" pitchFamily="18" charset="0"/>
-            </a:endParaRPr>
-          </a:p>
-          <a:p>
-            <a:endParaRPr lang="ko-KR" altLang="en-US" dirty="0"/>
+              <a:t> 소개</a:t>
+            </a:r>
           </a:p>
         </p:txBody>
       </p:sp>
       <p:grpSp>
         <p:nvGrpSpPr>
-          <p:cNvPr id="4" name="그룹 3">
-            <a:extLst>
-              <a:ext uri="{FF2B5EF4-FFF2-40B4-BE49-F238E27FC236}">
-                <a16:creationId xmlns:a16="http://schemas.microsoft.com/office/drawing/2014/main" id="{821F4755-0763-4B1C-8C43-C30BFFE07872}"/>
+          <p:cNvPr id="46" name="그룹 45">
+            <a:extLst>
+              <a:ext uri="{FF2B5EF4-FFF2-40B4-BE49-F238E27FC236}">
+                <a16:creationId xmlns:a16="http://schemas.microsoft.com/office/drawing/2014/main" id="{E2859089-9F6E-4D67-8135-9015833FE8A7}"/>
               </a:ext>
             </a:extLst>
           </p:cNvPr>
@@ -4717,18 +4699,126 @@
         </p:nvGrpSpPr>
         <p:grpSpPr>
           <a:xfrm>
-            <a:off x="6930496" y="3429000"/>
-            <a:ext cx="6096000" cy="3135736"/>
-            <a:chOff x="1049867" y="3469794"/>
-            <a:chExt cx="6096000" cy="3135736"/>
+            <a:off x="6646978" y="1567402"/>
+            <a:ext cx="3782506" cy="5032839"/>
+            <a:chOff x="6195815" y="1582236"/>
+            <a:chExt cx="3782506" cy="5032839"/>
           </a:xfrm>
         </p:grpSpPr>
+        <p:pic>
+          <p:nvPicPr>
+            <p:cNvPr id="29" name="그림 28" descr="텍스트, 옅은이(가) 표시된 사진&#10;&#10;자동 생성된 설명">
+              <a:extLst>
+                <a:ext uri="{FF2B5EF4-FFF2-40B4-BE49-F238E27FC236}">
+                  <a16:creationId xmlns:a16="http://schemas.microsoft.com/office/drawing/2014/main" id="{D5127B58-91E4-4C1D-AB5A-B72706C3C11C}"/>
+                </a:ext>
+              </a:extLst>
+            </p:cNvPr>
+            <p:cNvPicPr>
+              <a:picLocks noChangeAspect="1"/>
+            </p:cNvPicPr>
+            <p:nvPr/>
+          </p:nvPicPr>
+          <p:blipFill>
+            <a:blip r:embed="rId3">
+              <a:extLst>
+                <a:ext uri="{28A0092B-C50C-407E-A947-70E740481C1C}">
+                  <a14:useLocalDpi xmlns:a14="http://schemas.microsoft.com/office/drawing/2010/main" val="0"/>
+                </a:ext>
+              </a:extLst>
+            </a:blip>
+            <a:stretch>
+              <a:fillRect/>
+            </a:stretch>
+          </p:blipFill>
+          <p:spPr>
+            <a:xfrm>
+              <a:off x="6313550" y="1582236"/>
+              <a:ext cx="1015873" cy="1015873"/>
+            </a:xfrm>
+            <a:prstGeom prst="rect">
+              <a:avLst/>
+            </a:prstGeom>
+          </p:spPr>
+        </p:pic>
+        <p:pic>
+          <p:nvPicPr>
+            <p:cNvPr id="31" name="그림 30" descr="벡터그래픽이(가) 표시된 사진&#10;&#10;자동 생성된 설명">
+              <a:extLst>
+                <a:ext uri="{FF2B5EF4-FFF2-40B4-BE49-F238E27FC236}">
+                  <a16:creationId xmlns:a16="http://schemas.microsoft.com/office/drawing/2014/main" id="{A83848DB-3322-4AF7-A25D-0AC14C124B19}"/>
+                </a:ext>
+              </a:extLst>
+            </p:cNvPr>
+            <p:cNvPicPr>
+              <a:picLocks noChangeAspect="1"/>
+            </p:cNvPicPr>
+            <p:nvPr/>
+          </p:nvPicPr>
+          <p:blipFill>
+            <a:blip r:embed="rId4">
+              <a:extLst>
+                <a:ext uri="{28A0092B-C50C-407E-A947-70E740481C1C}">
+                  <a14:useLocalDpi xmlns:a14="http://schemas.microsoft.com/office/drawing/2010/main" val="0"/>
+                </a:ext>
+              </a:extLst>
+            </a:blip>
+            <a:stretch>
+              <a:fillRect/>
+            </a:stretch>
+          </p:blipFill>
+          <p:spPr>
+            <a:xfrm>
+              <a:off x="6195815" y="3255702"/>
+              <a:ext cx="1251351" cy="1251351"/>
+            </a:xfrm>
+            <a:prstGeom prst="rect">
+              <a:avLst/>
+            </a:prstGeom>
+          </p:spPr>
+        </p:pic>
+        <p:pic>
+          <p:nvPicPr>
+            <p:cNvPr id="33" name="그림 32" descr="창문이(가) 표시된 사진&#10;&#10;자동 생성된 설명">
+              <a:extLst>
+                <a:ext uri="{FF2B5EF4-FFF2-40B4-BE49-F238E27FC236}">
+                  <a16:creationId xmlns:a16="http://schemas.microsoft.com/office/drawing/2014/main" id="{3A5A09D9-DD6A-4458-968F-EF2A0438D177}"/>
+                </a:ext>
+              </a:extLst>
+            </p:cNvPr>
+            <p:cNvPicPr>
+              <a:picLocks noChangeAspect="1"/>
+            </p:cNvPicPr>
+            <p:nvPr/>
+          </p:nvPicPr>
+          <p:blipFill>
+            <a:blip r:embed="rId5">
+              <a:extLst>
+                <a:ext uri="{28A0092B-C50C-407E-A947-70E740481C1C}">
+                  <a14:useLocalDpi xmlns:a14="http://schemas.microsoft.com/office/drawing/2010/main" val="0"/>
+                </a:ext>
+              </a:extLst>
+            </a:blip>
+            <a:stretch>
+              <a:fillRect/>
+            </a:stretch>
+          </p:blipFill>
+          <p:spPr>
+            <a:xfrm>
+              <a:off x="6195815" y="5033475"/>
+              <a:ext cx="1251351" cy="1251351"/>
+            </a:xfrm>
+            <a:prstGeom prst="rect">
+              <a:avLst/>
+            </a:prstGeom>
+          </p:spPr>
+        </p:pic>
         <p:sp>
           <p:nvSpPr>
-            <p:cNvPr id="9" name="TextBox 8">
+            <p:cNvPr id="35" name="TextBox 34">
               <a:extLst>
                 <a:ext uri="{FF2B5EF4-FFF2-40B4-BE49-F238E27FC236}">
-                  <a16:creationId xmlns:a16="http://schemas.microsoft.com/office/drawing/2014/main" id="{9E9C8DF7-C076-444C-BF00-88936E911990}"/>
+                  <a16:creationId xmlns:a16="http://schemas.microsoft.com/office/drawing/2014/main" id="{9221B6AC-3C02-418A-B1A7-C1CE168BD2CC}"/>
                 </a:ext>
               </a:extLst>
             </p:cNvPr>
@@ -4737,55 +4827,1022 @@
           </p:nvSpPr>
           <p:spPr>
             <a:xfrm>
-              <a:off x="1049867" y="3469794"/>
-              <a:ext cx="6096000" cy="380489"/>
+              <a:off x="7600818" y="1628507"/>
+              <a:ext cx="2377503" cy="923330"/>
             </a:xfrm>
             <a:prstGeom prst="rect">
               <a:avLst/>
             </a:prstGeom>
             <a:noFill/>
+            <a:ln>
+              <a:solidFill>
+                <a:schemeClr val="bg1"/>
+              </a:solidFill>
+            </a:ln>
           </p:spPr>
           <p:txBody>
-            <a:bodyPr wrap="square">
+            <a:bodyPr wrap="square" rtlCol="0">
               <a:spAutoFit/>
             </a:bodyPr>
             <a:lstStyle/>
             <a:p>
-              <a:pPr algn="just" latinLnBrk="1">
-                <a:lnSpc>
-                  <a:spcPct val="107000"/>
-                </a:lnSpc>
-                <a:spcAft>
-                  <a:spcPts val="800"/>
-                </a:spcAft>
-              </a:pPr>
               <a:r>
-                <a:rPr lang="ko-KR" altLang="ko-KR" sz="1800" b="1" kern="100" dirty="0">
+                <a:rPr lang="ko-KR" altLang="en-US" dirty="0">
                   <a:solidFill>
-                    <a:srgbClr val="00B0F0"/>
+                    <a:schemeClr val="bg1"/>
                   </a:solidFill>
-                  <a:effectLst/>
-                  <a:latin typeface="메이플스토리" panose="02000800000000000000" pitchFamily="2" charset="-127"/>
-                  <a:ea typeface="메이플스토리" panose="02000800000000000000" pitchFamily="2" charset="-127"/>
-                  <a:cs typeface="Times New Roman" panose="02020603050405020304" pitchFamily="18" charset="0"/>
+                  <a:latin typeface="에스코어 드림 1 Thin" panose="020B0403030302020204" pitchFamily="34" charset="-127"/>
+                  <a:ea typeface="에스코어 드림 1 Thin" panose="020B0403030302020204" pitchFamily="34" charset="-127"/>
                 </a:rPr>
-                <a:t>핵심 기획 키워드</a:t>
+                <a:t>맵에 존재하는 장애물이며</a:t>
               </a:r>
-              <a:endParaRPr lang="ko-KR" altLang="ko-KR" sz="1100" kern="100" dirty="0">
-                <a:effectLst/>
-                <a:latin typeface="메이플스토리" panose="02000800000000000000" pitchFamily="2" charset="-127"/>
-                <a:ea typeface="메이플스토리" panose="02000800000000000000" pitchFamily="2" charset="-127"/>
-                <a:cs typeface="Times New Roman" panose="02020603050405020304" pitchFamily="18" charset="0"/>
+              <a:r>
+                <a:rPr lang="en-US" altLang="ko-KR" dirty="0">
+                  <a:solidFill>
+                    <a:schemeClr val="bg1"/>
+                  </a:solidFill>
+                  <a:latin typeface="에스코어 드림 1 Thin" panose="020B0403030302020204" pitchFamily="34" charset="-127"/>
+                  <a:ea typeface="에스코어 드림 1 Thin" panose="020B0403030302020204" pitchFamily="34" charset="-127"/>
+                </a:rPr>
+                <a:t>, </a:t>
+              </a:r>
+              <a:r>
+                <a:rPr lang="ko-KR" altLang="en-US" dirty="0">
+                  <a:solidFill>
+                    <a:schemeClr val="bg1"/>
+                  </a:solidFill>
+                  <a:latin typeface="에스코어 드림 1 Thin" panose="020B0403030302020204" pitchFamily="34" charset="-127"/>
+                  <a:ea typeface="에스코어 드림 1 Thin" panose="020B0403030302020204" pitchFamily="34" charset="-127"/>
+                </a:rPr>
+                <a:t>구체의 이동을 방해합니다</a:t>
+              </a:r>
+              <a:r>
+                <a:rPr lang="en-US" altLang="ko-KR" dirty="0">
+                  <a:solidFill>
+                    <a:schemeClr val="bg1"/>
+                  </a:solidFill>
+                  <a:latin typeface="에스코어 드림 1 Thin" panose="020B0403030302020204" pitchFamily="34" charset="-127"/>
+                  <a:ea typeface="에스코어 드림 1 Thin" panose="020B0403030302020204" pitchFamily="34" charset="-127"/>
+                </a:rPr>
+                <a:t>.</a:t>
+              </a:r>
+              <a:endParaRPr lang="ko-KR" altLang="en-US" dirty="0">
+                <a:solidFill>
+                  <a:schemeClr val="bg1"/>
+                </a:solidFill>
+                <a:latin typeface="에스코어 드림 1 Thin" panose="020B0403030302020204" pitchFamily="34" charset="-127"/>
+                <a:ea typeface="에스코어 드림 1 Thin" panose="020B0403030302020204" pitchFamily="34" charset="-127"/>
               </a:endParaRPr>
             </a:p>
           </p:txBody>
         </p:sp>
         <p:sp>
           <p:nvSpPr>
-            <p:cNvPr id="11" name="사각형: 둥근 모서리 10">
+            <p:cNvPr id="36" name="TextBox 35">
               <a:extLst>
                 <a:ext uri="{FF2B5EF4-FFF2-40B4-BE49-F238E27FC236}">
-                  <a16:creationId xmlns:a16="http://schemas.microsoft.com/office/drawing/2014/main" id="{F8A4B3EC-2E9D-4D8F-9B6E-2E701D531DA4}"/>
+                  <a16:creationId xmlns:a16="http://schemas.microsoft.com/office/drawing/2014/main" id="{F268FC0A-34DB-49DE-B26B-C0929F900784}"/>
+                </a:ext>
+              </a:extLst>
+            </p:cNvPr>
+            <p:cNvSpPr txBox="1"/>
+            <p:nvPr/>
+          </p:nvSpPr>
+          <p:spPr>
+            <a:xfrm>
+              <a:off x="7600818" y="3414513"/>
+              <a:ext cx="2377503" cy="923330"/>
+            </a:xfrm>
+            <a:prstGeom prst="rect">
+              <a:avLst/>
+            </a:prstGeom>
+            <a:noFill/>
+            <a:ln>
+              <a:solidFill>
+                <a:schemeClr val="bg1"/>
+              </a:solidFill>
+            </a:ln>
+          </p:spPr>
+          <p:txBody>
+            <a:bodyPr wrap="square" rtlCol="0">
+              <a:spAutoFit/>
+            </a:bodyPr>
+            <a:lstStyle/>
+            <a:p>
+              <a:r>
+                <a:rPr lang="ko-KR" altLang="en-US" dirty="0">
+                  <a:solidFill>
+                    <a:schemeClr val="bg1"/>
+                  </a:solidFill>
+                  <a:latin typeface="에스코어 드림 1 Thin" panose="020B0403030302020204" pitchFamily="34" charset="-127"/>
+                  <a:ea typeface="에스코어 드림 1 Thin" panose="020B0403030302020204" pitchFamily="34" charset="-127"/>
+                </a:rPr>
+                <a:t>구체가 이동해야 하는 목적지로</a:t>
+              </a:r>
+              <a:r>
+                <a:rPr lang="en-US" altLang="ko-KR" dirty="0">
+                  <a:solidFill>
+                    <a:schemeClr val="bg1"/>
+                  </a:solidFill>
+                  <a:latin typeface="에스코어 드림 1 Thin" panose="020B0403030302020204" pitchFamily="34" charset="-127"/>
+                  <a:ea typeface="에스코어 드림 1 Thin" panose="020B0403030302020204" pitchFamily="34" charset="-127"/>
+                </a:rPr>
+                <a:t>, </a:t>
+              </a:r>
+              <a:r>
+                <a:rPr lang="ko-KR" altLang="en-US" dirty="0">
+                  <a:solidFill>
+                    <a:schemeClr val="bg1"/>
+                  </a:solidFill>
+                  <a:latin typeface="에스코어 드림 1 Thin" panose="020B0403030302020204" pitchFamily="34" charset="-127"/>
+                  <a:ea typeface="에스코어 드림 1 Thin" panose="020B0403030302020204" pitchFamily="34" charset="-127"/>
+                </a:rPr>
+                <a:t>구체가 닿으면 맵을 클리어 합니다</a:t>
+              </a:r>
+              <a:r>
+                <a:rPr lang="en-US" altLang="ko-KR" dirty="0">
+                  <a:solidFill>
+                    <a:schemeClr val="bg1"/>
+                  </a:solidFill>
+                  <a:latin typeface="에스코어 드림 1 Thin" panose="020B0403030302020204" pitchFamily="34" charset="-127"/>
+                  <a:ea typeface="에스코어 드림 1 Thin" panose="020B0403030302020204" pitchFamily="34" charset="-127"/>
+                </a:rPr>
+                <a:t>.</a:t>
+              </a:r>
+              <a:endParaRPr lang="ko-KR" altLang="en-US" dirty="0">
+                <a:solidFill>
+                  <a:schemeClr val="bg1"/>
+                </a:solidFill>
+                <a:latin typeface="에스코어 드림 1 Thin" panose="020B0403030302020204" pitchFamily="34" charset="-127"/>
+                <a:ea typeface="에스코어 드림 1 Thin" panose="020B0403030302020204" pitchFamily="34" charset="-127"/>
+              </a:endParaRPr>
+            </a:p>
+          </p:txBody>
+        </p:sp>
+        <p:sp>
+          <p:nvSpPr>
+            <p:cNvPr id="37" name="TextBox 36">
+              <a:extLst>
+                <a:ext uri="{FF2B5EF4-FFF2-40B4-BE49-F238E27FC236}">
+                  <a16:creationId xmlns:a16="http://schemas.microsoft.com/office/drawing/2014/main" id="{7603EEDB-6D2B-472E-84FC-AE688F38CC8C}"/>
+                </a:ext>
+              </a:extLst>
+            </p:cNvPr>
+            <p:cNvSpPr txBox="1"/>
+            <p:nvPr/>
+          </p:nvSpPr>
+          <p:spPr>
+            <a:xfrm>
+              <a:off x="6354401" y="2686150"/>
+              <a:ext cx="898325" cy="369332"/>
+            </a:xfrm>
+            <a:prstGeom prst="rect">
+              <a:avLst/>
+            </a:prstGeom>
+            <a:noFill/>
+            <a:ln>
+              <a:solidFill>
+                <a:schemeClr val="bg1"/>
+              </a:solidFill>
+            </a:ln>
+          </p:spPr>
+          <p:txBody>
+            <a:bodyPr wrap="square" rtlCol="0">
+              <a:spAutoFit/>
+            </a:bodyPr>
+            <a:lstStyle/>
+            <a:p>
+              <a:pPr algn="ctr"/>
+              <a:r>
+                <a:rPr lang="ko-KR" altLang="en-US" dirty="0">
+                  <a:solidFill>
+                    <a:schemeClr val="bg1"/>
+                  </a:solidFill>
+                  <a:latin typeface="에스코어 드림 1 Thin" panose="020B0403030302020204" pitchFamily="34" charset="-127"/>
+                  <a:ea typeface="에스코어 드림 1 Thin" panose="020B0403030302020204" pitchFamily="34" charset="-127"/>
+                </a:rPr>
+                <a:t>장애물</a:t>
+              </a:r>
+            </a:p>
+          </p:txBody>
+        </p:sp>
+        <p:sp>
+          <p:nvSpPr>
+            <p:cNvPr id="38" name="TextBox 37">
+              <a:extLst>
+                <a:ext uri="{FF2B5EF4-FFF2-40B4-BE49-F238E27FC236}">
+                  <a16:creationId xmlns:a16="http://schemas.microsoft.com/office/drawing/2014/main" id="{9D8C5F62-7232-41F8-B2CB-7B43E0B95A61}"/>
+                </a:ext>
+              </a:extLst>
+            </p:cNvPr>
+            <p:cNvSpPr txBox="1"/>
+            <p:nvPr/>
+          </p:nvSpPr>
+          <p:spPr>
+            <a:xfrm>
+              <a:off x="6372327" y="4411692"/>
+              <a:ext cx="898325" cy="369332"/>
+            </a:xfrm>
+            <a:prstGeom prst="rect">
+              <a:avLst/>
+            </a:prstGeom>
+            <a:noFill/>
+            <a:ln>
+              <a:solidFill>
+                <a:schemeClr val="bg1"/>
+              </a:solidFill>
+            </a:ln>
+          </p:spPr>
+          <p:txBody>
+            <a:bodyPr wrap="square" rtlCol="0">
+              <a:spAutoFit/>
+            </a:bodyPr>
+            <a:lstStyle/>
+            <a:p>
+              <a:pPr algn="ctr"/>
+              <a:r>
+                <a:rPr lang="ko-KR" altLang="en-US" dirty="0">
+                  <a:solidFill>
+                    <a:schemeClr val="bg1"/>
+                  </a:solidFill>
+                  <a:latin typeface="에스코어 드림 1 Thin" panose="020B0403030302020204" pitchFamily="34" charset="-127"/>
+                  <a:ea typeface="에스코어 드림 1 Thin" panose="020B0403030302020204" pitchFamily="34" charset="-127"/>
+                </a:rPr>
+                <a:t>목적지</a:t>
+              </a:r>
+            </a:p>
+          </p:txBody>
+        </p:sp>
+        <p:sp>
+          <p:nvSpPr>
+            <p:cNvPr id="39" name="TextBox 38">
+              <a:extLst>
+                <a:ext uri="{FF2B5EF4-FFF2-40B4-BE49-F238E27FC236}">
+                  <a16:creationId xmlns:a16="http://schemas.microsoft.com/office/drawing/2014/main" id="{21FB2685-504F-43AB-A0F8-FA72AFA7E34D}"/>
+                </a:ext>
+              </a:extLst>
+            </p:cNvPr>
+            <p:cNvSpPr txBox="1"/>
+            <p:nvPr/>
+          </p:nvSpPr>
+          <p:spPr>
+            <a:xfrm>
+              <a:off x="6372327" y="6245743"/>
+              <a:ext cx="898325" cy="369332"/>
+            </a:xfrm>
+            <a:prstGeom prst="rect">
+              <a:avLst/>
+            </a:prstGeom>
+            <a:noFill/>
+            <a:ln>
+              <a:solidFill>
+                <a:schemeClr val="bg1"/>
+              </a:solidFill>
+            </a:ln>
+          </p:spPr>
+          <p:txBody>
+            <a:bodyPr wrap="square" rtlCol="0">
+              <a:spAutoFit/>
+            </a:bodyPr>
+            <a:lstStyle/>
+            <a:p>
+              <a:pPr algn="ctr"/>
+              <a:r>
+                <a:rPr lang="ko-KR" altLang="en-US" dirty="0">
+                  <a:solidFill>
+                    <a:schemeClr val="bg1"/>
+                  </a:solidFill>
+                  <a:latin typeface="에스코어 드림 1 Thin" panose="020B0403030302020204" pitchFamily="34" charset="-127"/>
+                  <a:ea typeface="에스코어 드림 1 Thin" panose="020B0403030302020204" pitchFamily="34" charset="-127"/>
+                </a:rPr>
+                <a:t>구체</a:t>
+              </a:r>
+            </a:p>
+          </p:txBody>
+        </p:sp>
+        <p:sp>
+          <p:nvSpPr>
+            <p:cNvPr id="40" name="TextBox 39">
+              <a:extLst>
+                <a:ext uri="{FF2B5EF4-FFF2-40B4-BE49-F238E27FC236}">
+                  <a16:creationId xmlns:a16="http://schemas.microsoft.com/office/drawing/2014/main" id="{D95EC07D-CBFA-48EF-A4AF-A0A1165F7688}"/>
+                </a:ext>
+              </a:extLst>
+            </p:cNvPr>
+            <p:cNvSpPr txBox="1"/>
+            <p:nvPr/>
+          </p:nvSpPr>
+          <p:spPr>
+            <a:xfrm>
+              <a:off x="7600818" y="5164646"/>
+              <a:ext cx="2377503" cy="1200329"/>
+            </a:xfrm>
+            <a:prstGeom prst="rect">
+              <a:avLst/>
+            </a:prstGeom>
+            <a:noFill/>
+            <a:ln>
+              <a:solidFill>
+                <a:schemeClr val="bg1"/>
+              </a:solidFill>
+            </a:ln>
+          </p:spPr>
+          <p:txBody>
+            <a:bodyPr wrap="square" rtlCol="0">
+              <a:spAutoFit/>
+            </a:bodyPr>
+            <a:lstStyle/>
+            <a:p>
+              <a:r>
+                <a:rPr lang="ko-KR" altLang="en-US" dirty="0">
+                  <a:solidFill>
+                    <a:schemeClr val="bg1"/>
+                  </a:solidFill>
+                  <a:latin typeface="에스코어 드림 1 Thin" panose="020B0403030302020204" pitchFamily="34" charset="-127"/>
+                  <a:ea typeface="에스코어 드림 1 Thin" panose="020B0403030302020204" pitchFamily="34" charset="-127"/>
+                </a:rPr>
+                <a:t>플레이어가 이동시켜야 하는 오브젝트이며</a:t>
+              </a:r>
+              <a:r>
+                <a:rPr lang="en-US" altLang="ko-KR" dirty="0">
+                  <a:solidFill>
+                    <a:schemeClr val="bg1"/>
+                  </a:solidFill>
+                  <a:latin typeface="에스코어 드림 1 Thin" panose="020B0403030302020204" pitchFamily="34" charset="-127"/>
+                  <a:ea typeface="에스코어 드림 1 Thin" panose="020B0403030302020204" pitchFamily="34" charset="-127"/>
+                </a:rPr>
+                <a:t>, </a:t>
+              </a:r>
+              <a:r>
+                <a:rPr lang="ko-KR" altLang="en-US" dirty="0">
+                  <a:solidFill>
+                    <a:schemeClr val="bg1"/>
+                  </a:solidFill>
+                  <a:latin typeface="에스코어 드림 1 Thin" panose="020B0403030302020204" pitchFamily="34" charset="-127"/>
+                  <a:ea typeface="에스코어 드림 1 Thin" panose="020B0403030302020204" pitchFamily="34" charset="-127"/>
+                </a:rPr>
+                <a:t>모든 맵에 한 개씩     존재합니다</a:t>
+              </a:r>
+              <a:r>
+                <a:rPr lang="en-US" altLang="ko-KR" dirty="0">
+                  <a:solidFill>
+                    <a:schemeClr val="bg1"/>
+                  </a:solidFill>
+                  <a:latin typeface="에스코어 드림 1 Thin" panose="020B0403030302020204" pitchFamily="34" charset="-127"/>
+                  <a:ea typeface="에스코어 드림 1 Thin" panose="020B0403030302020204" pitchFamily="34" charset="-127"/>
+                </a:rPr>
+                <a:t>.</a:t>
+              </a:r>
+              <a:endParaRPr lang="ko-KR" altLang="en-US" dirty="0">
+                <a:solidFill>
+                  <a:schemeClr val="bg1"/>
+                </a:solidFill>
+                <a:latin typeface="에스코어 드림 1 Thin" panose="020B0403030302020204" pitchFamily="34" charset="-127"/>
+                <a:ea typeface="에스코어 드림 1 Thin" panose="020B0403030302020204" pitchFamily="34" charset="-127"/>
+              </a:endParaRPr>
+            </a:p>
+          </p:txBody>
+        </p:sp>
+      </p:grpSp>
+      <p:grpSp>
+        <p:nvGrpSpPr>
+          <p:cNvPr id="45" name="그룹 44">
+            <a:extLst>
+              <a:ext uri="{FF2B5EF4-FFF2-40B4-BE49-F238E27FC236}">
+                <a16:creationId xmlns:a16="http://schemas.microsoft.com/office/drawing/2014/main" id="{0F0FE072-C899-44E9-9D05-C6D62A9DBC2C}"/>
+              </a:ext>
+            </a:extLst>
+          </p:cNvPr>
+          <p:cNvGrpSpPr/>
+          <p:nvPr/>
+        </p:nvGrpSpPr>
+        <p:grpSpPr>
+          <a:xfrm>
+            <a:off x="576626" y="1492618"/>
+            <a:ext cx="4693204" cy="4872924"/>
+            <a:chOff x="282204" y="1435150"/>
+            <a:chExt cx="4693204" cy="4872924"/>
+          </a:xfrm>
+        </p:grpSpPr>
+        <p:pic>
+          <p:nvPicPr>
+            <p:cNvPr id="19" name="그림 18">
+              <a:extLst>
+                <a:ext uri="{FF2B5EF4-FFF2-40B4-BE49-F238E27FC236}">
+                  <a16:creationId xmlns:a16="http://schemas.microsoft.com/office/drawing/2014/main" id="{B5A5EF87-339E-4F14-A6C3-6780B2B3E8EB}"/>
+                </a:ext>
+              </a:extLst>
+            </p:cNvPr>
+            <p:cNvPicPr>
+              <a:picLocks noChangeAspect="1"/>
+            </p:cNvPicPr>
+            <p:nvPr/>
+          </p:nvPicPr>
+          <p:blipFill>
+            <a:blip r:embed="rId6">
+              <a:extLst>
+                <a:ext uri="{28A0092B-C50C-407E-A947-70E740481C1C}">
+                  <a14:useLocalDpi xmlns:a14="http://schemas.microsoft.com/office/drawing/2010/main" val="0"/>
+                </a:ext>
+              </a:extLst>
+            </a:blip>
+            <a:stretch>
+              <a:fillRect/>
+            </a:stretch>
+          </p:blipFill>
+          <p:spPr>
+            <a:xfrm>
+              <a:off x="448235" y="1435150"/>
+              <a:ext cx="1979363" cy="1979363"/>
+            </a:xfrm>
+            <a:prstGeom prst="rect">
+              <a:avLst/>
+            </a:prstGeom>
+          </p:spPr>
+        </p:pic>
+        <p:sp>
+          <p:nvSpPr>
+            <p:cNvPr id="20" name="TextBox 19">
+              <a:extLst>
+                <a:ext uri="{FF2B5EF4-FFF2-40B4-BE49-F238E27FC236}">
+                  <a16:creationId xmlns:a16="http://schemas.microsoft.com/office/drawing/2014/main" id="{5E6B38B6-5211-4FE0-90AC-C548E3D159E5}"/>
+                </a:ext>
+              </a:extLst>
+            </p:cNvPr>
+            <p:cNvSpPr txBox="1"/>
+            <p:nvPr/>
+          </p:nvSpPr>
+          <p:spPr>
+            <a:xfrm>
+              <a:off x="2832843" y="1674674"/>
+              <a:ext cx="2142565" cy="1754326"/>
+            </a:xfrm>
+            <a:prstGeom prst="rect">
+              <a:avLst/>
+            </a:prstGeom>
+            <a:noFill/>
+            <a:ln>
+              <a:solidFill>
+                <a:schemeClr val="bg1"/>
+              </a:solidFill>
+            </a:ln>
+          </p:spPr>
+          <p:txBody>
+            <a:bodyPr wrap="square" rtlCol="0">
+              <a:spAutoFit/>
+            </a:bodyPr>
+            <a:lstStyle/>
+            <a:p>
+              <a:r>
+                <a:rPr lang="ko-KR" altLang="en-US" dirty="0">
+                  <a:solidFill>
+                    <a:schemeClr val="bg1"/>
+                  </a:solidFill>
+                  <a:latin typeface="에스코어 드림 1 Thin" panose="020B0403030302020204" pitchFamily="34" charset="-127"/>
+                  <a:ea typeface="에스코어 드림 1 Thin" panose="020B0403030302020204" pitchFamily="34" charset="-127"/>
+                </a:rPr>
+                <a:t>장애물과 플레이어</a:t>
+              </a:r>
+              <a:endParaRPr lang="en-US" altLang="ko-KR" dirty="0">
+                <a:solidFill>
+                  <a:schemeClr val="bg1"/>
+                </a:solidFill>
+                <a:latin typeface="에스코어 드림 1 Thin" panose="020B0403030302020204" pitchFamily="34" charset="-127"/>
+                <a:ea typeface="에스코어 드림 1 Thin" panose="020B0403030302020204" pitchFamily="34" charset="-127"/>
+              </a:endParaRPr>
+            </a:p>
+            <a:p>
+              <a:r>
+                <a:rPr lang="ko-KR" altLang="en-US" dirty="0">
+                  <a:solidFill>
+                    <a:schemeClr val="bg1"/>
+                  </a:solidFill>
+                  <a:latin typeface="에스코어 드림 1 Thin" panose="020B0403030302020204" pitchFamily="34" charset="-127"/>
+                  <a:ea typeface="에스코어 드림 1 Thin" panose="020B0403030302020204" pitchFamily="34" charset="-127"/>
+                </a:rPr>
+                <a:t>목적지와 중력장을</a:t>
+              </a:r>
+              <a:endParaRPr lang="en-US" altLang="ko-KR" dirty="0">
+                <a:solidFill>
+                  <a:schemeClr val="bg1"/>
+                </a:solidFill>
+                <a:latin typeface="에스코어 드림 1 Thin" panose="020B0403030302020204" pitchFamily="34" charset="-127"/>
+                <a:ea typeface="에스코어 드림 1 Thin" panose="020B0403030302020204" pitchFamily="34" charset="-127"/>
+              </a:endParaRPr>
+            </a:p>
+            <a:p>
+              <a:r>
+                <a:rPr lang="ko-KR" altLang="en-US" dirty="0">
+                  <a:solidFill>
+                    <a:schemeClr val="bg1"/>
+                  </a:solidFill>
+                  <a:latin typeface="에스코어 드림 1 Thin" panose="020B0403030302020204" pitchFamily="34" charset="-127"/>
+                  <a:ea typeface="에스코어 드림 1 Thin" panose="020B0403030302020204" pitchFamily="34" charset="-127"/>
+                </a:rPr>
+                <a:t>담는 게임의 맵이며</a:t>
+              </a:r>
+              <a:r>
+                <a:rPr lang="en-US" altLang="ko-KR" dirty="0">
+                  <a:solidFill>
+                    <a:schemeClr val="bg1"/>
+                  </a:solidFill>
+                  <a:latin typeface="에스코어 드림 1 Thin" panose="020B0403030302020204" pitchFamily="34" charset="-127"/>
+                  <a:ea typeface="에스코어 드림 1 Thin" panose="020B0403030302020204" pitchFamily="34" charset="-127"/>
+                </a:rPr>
+                <a:t>, </a:t>
+              </a:r>
+              <a:r>
+                <a:rPr lang="ko-KR" altLang="en-US" dirty="0">
+                  <a:solidFill>
+                    <a:schemeClr val="bg1"/>
+                  </a:solidFill>
+                  <a:latin typeface="에스코어 드림 1 Thin" panose="020B0403030302020204" pitchFamily="34" charset="-127"/>
+                  <a:ea typeface="에스코어 드림 1 Thin" panose="020B0403030302020204" pitchFamily="34" charset="-127"/>
+                </a:rPr>
+                <a:t>맵이 복수로 존재할 시 주 맵을 선택할 수 있습니다</a:t>
+              </a:r>
+              <a:r>
+                <a:rPr lang="en-US" altLang="ko-KR" dirty="0">
+                  <a:solidFill>
+                    <a:schemeClr val="bg1"/>
+                  </a:solidFill>
+                  <a:latin typeface="에스코어 드림 1 Thin" panose="020B0403030302020204" pitchFamily="34" charset="-127"/>
+                  <a:ea typeface="에스코어 드림 1 Thin" panose="020B0403030302020204" pitchFamily="34" charset="-127"/>
+                </a:rPr>
+                <a:t>.</a:t>
+              </a:r>
+              <a:endParaRPr lang="ko-KR" altLang="en-US" dirty="0">
+                <a:solidFill>
+                  <a:schemeClr val="bg1"/>
+                </a:solidFill>
+                <a:latin typeface="에스코어 드림 1 Thin" panose="020B0403030302020204" pitchFamily="34" charset="-127"/>
+                <a:ea typeface="에스코어 드림 1 Thin" panose="020B0403030302020204" pitchFamily="34" charset="-127"/>
+              </a:endParaRPr>
+            </a:p>
+          </p:txBody>
+        </p:sp>
+        <p:grpSp>
+          <p:nvGrpSpPr>
+            <p:cNvPr id="26" name="그룹 25">
+              <a:extLst>
+                <a:ext uri="{FF2B5EF4-FFF2-40B4-BE49-F238E27FC236}">
+                  <a16:creationId xmlns:a16="http://schemas.microsoft.com/office/drawing/2014/main" id="{A3756C31-96AE-4BD1-8045-0FCC596CF288}"/>
+                </a:ext>
+              </a:extLst>
+            </p:cNvPr>
+            <p:cNvGrpSpPr/>
+            <p:nvPr/>
+          </p:nvGrpSpPr>
+          <p:grpSpPr>
+            <a:xfrm>
+              <a:off x="282204" y="4596358"/>
+              <a:ext cx="2381371" cy="664278"/>
+              <a:chOff x="3683301" y="2755984"/>
+              <a:chExt cx="4825397" cy="1346032"/>
+            </a:xfrm>
+          </p:grpSpPr>
+          <p:pic>
+            <p:nvPicPr>
+              <p:cNvPr id="22" name="그림 21">
+                <a:extLst>
+                  <a:ext uri="{FF2B5EF4-FFF2-40B4-BE49-F238E27FC236}">
+                    <a16:creationId xmlns:a16="http://schemas.microsoft.com/office/drawing/2014/main" id="{60213509-C3D0-4569-9233-7AB91FB8DAFA}"/>
+                  </a:ext>
+                </a:extLst>
+              </p:cNvPr>
+              <p:cNvPicPr>
+                <a:picLocks noChangeAspect="1"/>
+              </p:cNvPicPr>
+              <p:nvPr/>
+            </p:nvPicPr>
+            <p:blipFill>
+              <a:blip r:embed="rId7">
+                <a:extLst>
+                  <a:ext uri="{28A0092B-C50C-407E-A947-70E740481C1C}">
+                    <a14:useLocalDpi xmlns:a14="http://schemas.microsoft.com/office/drawing/2010/main" val="0"/>
+                  </a:ext>
+                </a:extLst>
+              </a:blip>
+              <a:stretch>
+                <a:fillRect/>
+              </a:stretch>
+            </p:blipFill>
+            <p:spPr>
+              <a:xfrm>
+                <a:off x="3683301" y="2755984"/>
+                <a:ext cx="4825397" cy="1346032"/>
+              </a:xfrm>
+              <a:prstGeom prst="rect">
+                <a:avLst/>
+              </a:prstGeom>
+            </p:spPr>
+          </p:pic>
+          <p:pic>
+            <p:nvPicPr>
+              <p:cNvPr id="24" name="그림 23" descr="화살이(가) 표시된 사진&#10;&#10;자동 생성된 설명">
+                <a:extLst>
+                  <a:ext uri="{FF2B5EF4-FFF2-40B4-BE49-F238E27FC236}">
+                    <a16:creationId xmlns:a16="http://schemas.microsoft.com/office/drawing/2014/main" id="{8D700576-ACEF-43F1-B026-A4CC29106D63}"/>
+                  </a:ext>
+                </a:extLst>
+              </p:cNvPr>
+              <p:cNvPicPr>
+                <a:picLocks noChangeAspect="1"/>
+              </p:cNvPicPr>
+              <p:nvPr/>
+            </p:nvPicPr>
+            <p:blipFill>
+              <a:blip r:embed="rId8">
+                <a:extLst>
+                  <a:ext uri="{28A0092B-C50C-407E-A947-70E740481C1C}">
+                    <a14:useLocalDpi xmlns:a14="http://schemas.microsoft.com/office/drawing/2010/main" val="0"/>
+                  </a:ext>
+                </a:extLst>
+              </a:blip>
+              <a:stretch>
+                <a:fillRect/>
+              </a:stretch>
+            </p:blipFill>
+            <p:spPr>
+              <a:xfrm>
+                <a:off x="3683301" y="2755984"/>
+                <a:ext cx="4825397" cy="1346032"/>
+              </a:xfrm>
+              <a:prstGeom prst="rect">
+                <a:avLst/>
+              </a:prstGeom>
+            </p:spPr>
+          </p:pic>
+        </p:grpSp>
+        <p:sp>
+          <p:nvSpPr>
+            <p:cNvPr id="27" name="TextBox 26">
+              <a:extLst>
+                <a:ext uri="{FF2B5EF4-FFF2-40B4-BE49-F238E27FC236}">
+                  <a16:creationId xmlns:a16="http://schemas.microsoft.com/office/drawing/2014/main" id="{99B926CB-A599-4CB7-986B-5734570936BC}"/>
+                </a:ext>
+              </a:extLst>
+            </p:cNvPr>
+            <p:cNvSpPr txBox="1"/>
+            <p:nvPr/>
+          </p:nvSpPr>
+          <p:spPr>
+            <a:xfrm>
+              <a:off x="2832841" y="3999750"/>
+              <a:ext cx="2142565" cy="2308324"/>
+            </a:xfrm>
+            <a:prstGeom prst="rect">
+              <a:avLst/>
+            </a:prstGeom>
+            <a:noFill/>
+            <a:ln>
+              <a:solidFill>
+                <a:schemeClr val="bg1"/>
+              </a:solidFill>
+            </a:ln>
+          </p:spPr>
+          <p:txBody>
+            <a:bodyPr wrap="square" rtlCol="0">
+              <a:spAutoFit/>
+            </a:bodyPr>
+            <a:lstStyle/>
+            <a:p>
+              <a:r>
+                <a:rPr lang="ko-KR" altLang="en-US" dirty="0">
+                  <a:solidFill>
+                    <a:schemeClr val="bg1"/>
+                  </a:solidFill>
+                  <a:latin typeface="에스코어 드림 1 Thin" panose="020B0403030302020204" pitchFamily="34" charset="-127"/>
+                  <a:ea typeface="에스코어 드림 1 Thin" panose="020B0403030302020204" pitchFamily="34" charset="-127"/>
+                </a:rPr>
+                <a:t>드래그를 통해 생성할 수 있으며</a:t>
+              </a:r>
+              <a:r>
+                <a:rPr lang="en-US" altLang="ko-KR" dirty="0">
+                  <a:solidFill>
+                    <a:schemeClr val="bg1"/>
+                  </a:solidFill>
+                  <a:latin typeface="에스코어 드림 1 Thin" panose="020B0403030302020204" pitchFamily="34" charset="-127"/>
+                  <a:ea typeface="에스코어 드림 1 Thin" panose="020B0403030302020204" pitchFamily="34" charset="-127"/>
+                </a:rPr>
+                <a:t>, </a:t>
+              </a:r>
+              <a:r>
+                <a:rPr lang="ko-KR" altLang="en-US" dirty="0">
+                  <a:solidFill>
+                    <a:schemeClr val="bg1"/>
+                  </a:solidFill>
+                  <a:latin typeface="에스코어 드림 1 Thin" panose="020B0403030302020204" pitchFamily="34" charset="-127"/>
+                  <a:ea typeface="에스코어 드림 1 Thin" panose="020B0403030302020204" pitchFamily="34" charset="-127"/>
+                </a:rPr>
+                <a:t>화살표 방향으로 구체를 이동시킵니다</a:t>
+              </a:r>
+              <a:r>
+                <a:rPr lang="en-US" altLang="ko-KR" dirty="0">
+                  <a:solidFill>
+                    <a:schemeClr val="bg1"/>
+                  </a:solidFill>
+                  <a:latin typeface="에스코어 드림 1 Thin" panose="020B0403030302020204" pitchFamily="34" charset="-127"/>
+                  <a:ea typeface="에스코어 드림 1 Thin" panose="020B0403030302020204" pitchFamily="34" charset="-127"/>
+                </a:rPr>
+                <a:t>. </a:t>
+              </a:r>
+              <a:r>
+                <a:rPr lang="ko-KR" altLang="en-US" dirty="0">
+                  <a:solidFill>
+                    <a:schemeClr val="bg1"/>
+                  </a:solidFill>
+                  <a:latin typeface="에스코어 드림 1 Thin" panose="020B0403030302020204" pitchFamily="34" charset="-127"/>
+                  <a:ea typeface="에스코어 드림 1 Thin" panose="020B0403030302020204" pitchFamily="34" charset="-127"/>
+                </a:rPr>
+                <a:t>또한 맵이 복수로 존재할 시 주 맵에서 그려진 중력장이 다른 맵에서도 그려집니다</a:t>
+              </a:r>
+              <a:r>
+                <a:rPr lang="en-US" altLang="ko-KR" dirty="0">
+                  <a:solidFill>
+                    <a:schemeClr val="bg1"/>
+                  </a:solidFill>
+                  <a:latin typeface="에스코어 드림 1 Thin" panose="020B0403030302020204" pitchFamily="34" charset="-127"/>
+                  <a:ea typeface="에스코어 드림 1 Thin" panose="020B0403030302020204" pitchFamily="34" charset="-127"/>
+                </a:rPr>
+                <a:t>.</a:t>
+              </a:r>
+              <a:endParaRPr lang="ko-KR" altLang="en-US" dirty="0">
+                <a:solidFill>
+                  <a:schemeClr val="bg1"/>
+                </a:solidFill>
+                <a:latin typeface="에스코어 드림 1 Thin" panose="020B0403030302020204" pitchFamily="34" charset="-127"/>
+                <a:ea typeface="에스코어 드림 1 Thin" panose="020B0403030302020204" pitchFamily="34" charset="-127"/>
+              </a:endParaRPr>
+            </a:p>
+          </p:txBody>
+        </p:sp>
+        <p:sp>
+          <p:nvSpPr>
+            <p:cNvPr id="41" name="TextBox 40">
+              <a:extLst>
+                <a:ext uri="{FF2B5EF4-FFF2-40B4-BE49-F238E27FC236}">
+                  <a16:creationId xmlns:a16="http://schemas.microsoft.com/office/drawing/2014/main" id="{5D78A487-8C39-4C31-870B-B6529A5A8A44}"/>
+                </a:ext>
+              </a:extLst>
+            </p:cNvPr>
+            <p:cNvSpPr txBox="1"/>
+            <p:nvPr/>
+          </p:nvSpPr>
+          <p:spPr>
+            <a:xfrm>
+              <a:off x="1045538" y="5386520"/>
+              <a:ext cx="898325" cy="369332"/>
+            </a:xfrm>
+            <a:prstGeom prst="rect">
+              <a:avLst/>
+            </a:prstGeom>
+            <a:noFill/>
+            <a:ln>
+              <a:solidFill>
+                <a:schemeClr val="bg1"/>
+              </a:solidFill>
+            </a:ln>
+          </p:spPr>
+          <p:txBody>
+            <a:bodyPr wrap="square" rtlCol="0">
+              <a:spAutoFit/>
+            </a:bodyPr>
+            <a:lstStyle/>
+            <a:p>
+              <a:pPr algn="ctr"/>
+              <a:r>
+                <a:rPr lang="ko-KR" altLang="en-US" dirty="0">
+                  <a:solidFill>
+                    <a:schemeClr val="bg1"/>
+                  </a:solidFill>
+                  <a:latin typeface="에스코어 드림 1 Thin" panose="020B0403030302020204" pitchFamily="34" charset="-127"/>
+                  <a:ea typeface="에스코어 드림 1 Thin" panose="020B0403030302020204" pitchFamily="34" charset="-127"/>
+                </a:rPr>
+                <a:t>중력장</a:t>
+              </a:r>
+            </a:p>
+          </p:txBody>
+        </p:sp>
+        <p:sp>
+          <p:nvSpPr>
+            <p:cNvPr id="42" name="TextBox 41">
+              <a:extLst>
+                <a:ext uri="{FF2B5EF4-FFF2-40B4-BE49-F238E27FC236}">
+                  <a16:creationId xmlns:a16="http://schemas.microsoft.com/office/drawing/2014/main" id="{E4EFB8AD-4F08-4F56-8D3F-730A12D567D8}"/>
+                </a:ext>
+              </a:extLst>
+            </p:cNvPr>
+            <p:cNvSpPr txBox="1"/>
+            <p:nvPr/>
+          </p:nvSpPr>
+          <p:spPr>
+            <a:xfrm>
+              <a:off x="1045538" y="3318502"/>
+              <a:ext cx="898325" cy="369332"/>
+            </a:xfrm>
+            <a:prstGeom prst="rect">
+              <a:avLst/>
+            </a:prstGeom>
+            <a:noFill/>
+            <a:ln>
+              <a:solidFill>
+                <a:schemeClr val="bg1"/>
+              </a:solidFill>
+            </a:ln>
+          </p:spPr>
+          <p:txBody>
+            <a:bodyPr wrap="square" rtlCol="0">
+              <a:spAutoFit/>
+            </a:bodyPr>
+            <a:lstStyle/>
+            <a:p>
+              <a:pPr algn="ctr"/>
+              <a:r>
+                <a:rPr lang="ko-KR" altLang="en-US" dirty="0">
+                  <a:solidFill>
+                    <a:schemeClr val="bg1"/>
+                  </a:solidFill>
+                  <a:latin typeface="에스코어 드림 1 Thin" panose="020B0403030302020204" pitchFamily="34" charset="-127"/>
+                  <a:ea typeface="에스코어 드림 1 Thin" panose="020B0403030302020204" pitchFamily="34" charset="-127"/>
+                </a:rPr>
+                <a:t>맵</a:t>
+              </a:r>
+            </a:p>
+          </p:txBody>
+        </p:sp>
+      </p:grpSp>
+    </p:spTree>
+    <p:extLst>
+      <p:ext uri="{BB962C8B-B14F-4D97-AF65-F5344CB8AC3E}">
+        <p14:creationId xmlns:p14="http://schemas.microsoft.com/office/powerpoint/2010/main" val="3431577405"/>
+      </p:ext>
+    </p:extLst>
+  </p:cSld>
+  <p:clrMapOvr>
+    <a:masterClrMapping/>
+  </p:clrMapOvr>
+</p:sld>
+</file>
+
+<file path=ppt/slides/slide4.xml><?xml version="1.0" encoding="utf-8"?>
+<p:sld xmlns:a="http://schemas.openxmlformats.org/drawingml/2006/main" xmlns:r="http://schemas.openxmlformats.org/officeDocument/2006/relationships" xmlns:p="http://schemas.openxmlformats.org/presentationml/2006/main">
+  <p:cSld>
+    <p:spTree>
+      <p:nvGrpSpPr>
+        <p:cNvPr id="1" name=""/>
+        <p:cNvGrpSpPr/>
+        <p:nvPr/>
+      </p:nvGrpSpPr>
+      <p:grpSpPr>
+        <a:xfrm>
+          <a:off x="0" y="0"/>
+          <a:ext cx="0" cy="0"/>
+          <a:chOff x="0" y="0"/>
+          <a:chExt cx="0" cy="0"/>
+        </a:xfrm>
+      </p:grpSpPr>
+      <p:grpSp>
+        <p:nvGrpSpPr>
+          <p:cNvPr id="44" name="그룹 43">
+            <a:extLst>
+              <a:ext uri="{FF2B5EF4-FFF2-40B4-BE49-F238E27FC236}">
+                <a16:creationId xmlns:a16="http://schemas.microsoft.com/office/drawing/2014/main" id="{4FAA3BF0-D465-40DD-AAB5-93A8F9C2E06C}"/>
+              </a:ext>
+            </a:extLst>
+          </p:cNvPr>
+          <p:cNvGrpSpPr/>
+          <p:nvPr/>
+        </p:nvGrpSpPr>
+        <p:grpSpPr>
+          <a:xfrm>
+            <a:off x="0" y="0"/>
+            <a:ext cx="12192000" cy="6858000"/>
+            <a:chOff x="0" y="0"/>
+            <a:chExt cx="12192000" cy="6858000"/>
+          </a:xfrm>
+        </p:grpSpPr>
+        <p:grpSp>
+          <p:nvGrpSpPr>
+            <p:cNvPr id="2" name="그룹 1">
+              <a:extLst>
+                <a:ext uri="{FF2B5EF4-FFF2-40B4-BE49-F238E27FC236}">
+                  <a16:creationId xmlns:a16="http://schemas.microsoft.com/office/drawing/2014/main" id="{B3D71AC4-DEFC-4B58-ACC8-50F8B5B0E8F8}"/>
+                </a:ext>
+              </a:extLst>
+            </p:cNvPr>
+            <p:cNvGrpSpPr/>
+            <p:nvPr/>
+          </p:nvGrpSpPr>
+          <p:grpSpPr>
+            <a:xfrm>
+              <a:off x="0" y="0"/>
+              <a:ext cx="12192000" cy="6858000"/>
+              <a:chOff x="0" y="0"/>
+              <a:chExt cx="12192000" cy="6858000"/>
+            </a:xfrm>
+          </p:grpSpPr>
+          <p:pic>
+            <p:nvPicPr>
+              <p:cNvPr id="5" name="그림 4" descr="실외, 벽돌, 건축자재이(가) 표시된 사진&#10;&#10;자동 생성된 설명">
+                <a:extLst>
+                  <a:ext uri="{FF2B5EF4-FFF2-40B4-BE49-F238E27FC236}">
+                    <a16:creationId xmlns:a16="http://schemas.microsoft.com/office/drawing/2014/main" id="{3A91728B-0692-4C89-BE40-02A2108CC07B}"/>
+                  </a:ext>
+                </a:extLst>
+              </p:cNvPr>
+              <p:cNvPicPr>
+                <a:picLocks noChangeAspect="1"/>
+              </p:cNvPicPr>
+              <p:nvPr/>
+            </p:nvPicPr>
+            <p:blipFill>
+              <a:blip r:embed="rId2">
+                <a:extLst>
+                  <a:ext uri="{28A0092B-C50C-407E-A947-70E740481C1C}">
+                    <a14:useLocalDpi xmlns:a14="http://schemas.microsoft.com/office/drawing/2010/main" val="0"/>
+                  </a:ext>
+                </a:extLst>
+              </a:blip>
+              <a:stretch>
+                <a:fillRect/>
+              </a:stretch>
+            </p:blipFill>
+            <p:spPr>
+              <a:xfrm>
+                <a:off x="0" y="0"/>
+                <a:ext cx="12192000" cy="6858000"/>
+              </a:xfrm>
+              <a:prstGeom prst="rect">
+                <a:avLst/>
+              </a:prstGeom>
+            </p:spPr>
+          </p:pic>
+          <p:sp>
+            <p:nvSpPr>
+              <p:cNvPr id="6" name="직사각형 5">
+                <a:extLst>
+                  <a:ext uri="{FF2B5EF4-FFF2-40B4-BE49-F238E27FC236}">
+                    <a16:creationId xmlns:a16="http://schemas.microsoft.com/office/drawing/2014/main" id="{5C154B5E-8981-45F5-9053-9DB4EE50A76E}"/>
+                  </a:ext>
+                </a:extLst>
+              </p:cNvPr>
+              <p:cNvSpPr/>
+              <p:nvPr/>
+            </p:nvSpPr>
+            <p:spPr>
+              <a:xfrm>
+                <a:off x="0" y="0"/>
+                <a:ext cx="12192000" cy="6858000"/>
+              </a:xfrm>
+              <a:prstGeom prst="rect">
+                <a:avLst/>
+              </a:prstGeom>
+              <a:solidFill>
+                <a:schemeClr val="tx1">
+                  <a:alpha val="70000"/>
+                </a:schemeClr>
+              </a:solidFill>
+              <a:ln>
+                <a:noFill/>
+              </a:ln>
+            </p:spPr>
+            <p:style>
+              <a:lnRef idx="2">
+                <a:schemeClr val="accent1">
+                  <a:shade val="50000"/>
+                </a:schemeClr>
+              </a:lnRef>
+              <a:fillRef idx="1">
+                <a:schemeClr val="accent1"/>
+              </a:fillRef>
+              <a:effectRef idx="0">
+                <a:schemeClr val="accent1"/>
+              </a:effectRef>
+              <a:fontRef idx="minor">
+                <a:schemeClr val="lt1"/>
+              </a:fontRef>
+            </p:style>
+            <p:txBody>
+              <a:bodyPr rtlCol="0" anchor="ctr"/>
+              <a:lstStyle/>
+              <a:p>
+                <a:pPr algn="ctr"/>
+                <a:endParaRPr lang="ko-KR" altLang="en-US" dirty="0">
+                  <a:solidFill>
+                    <a:schemeClr val="bg1"/>
+                  </a:solidFill>
+                </a:endParaRPr>
+              </a:p>
+            </p:txBody>
+          </p:sp>
+        </p:grpSp>
+        <p:sp>
+          <p:nvSpPr>
+            <p:cNvPr id="7" name="직사각형 6">
+              <a:extLst>
+                <a:ext uri="{FF2B5EF4-FFF2-40B4-BE49-F238E27FC236}">
+                  <a16:creationId xmlns:a16="http://schemas.microsoft.com/office/drawing/2014/main" id="{6A5AFCF2-13D1-4E4D-B80E-0C1A7216BA83}"/>
                 </a:ext>
               </a:extLst>
             </p:cNvPr>
@@ -4794,17 +5851,20 @@
           </p:nvSpPr>
           <p:spPr>
             <a:xfrm>
-              <a:off x="1049867" y="3936007"/>
-              <a:ext cx="4038600" cy="2669523"/>
+              <a:off x="0" y="0"/>
+              <a:ext cx="12192000" cy="1185333"/>
             </a:xfrm>
-            <a:prstGeom prst="roundRect">
-              <a:avLst>
-                <a:gd name="adj" fmla="val 7600"/>
-              </a:avLst>
+            <a:prstGeom prst="rect">
+              <a:avLst/>
             </a:prstGeom>
             <a:solidFill>
-              <a:schemeClr val="bg1"/>
+              <a:schemeClr val="bg2">
+                <a:lumMod val="25000"/>
+              </a:schemeClr>
             </a:solidFill>
+            <a:ln>
+              <a:noFill/>
+            </a:ln>
           </p:spPr>
           <p:style>
             <a:lnRef idx="2">
@@ -4827,55 +5887,71 @@
             <a:lstStyle/>
             <a:p>
               <a:pPr algn="ctr"/>
-              <a:endParaRPr lang="ko-KR" altLang="en-US"/>
+              <a:endParaRPr lang="ko-KR" altLang="en-US" dirty="0"/>
             </a:p>
           </p:txBody>
         </p:sp>
-        <p:pic>
-          <p:nvPicPr>
-            <p:cNvPr id="10" name="그림 9">
-              <a:extLst>
-                <a:ext uri="{FF2B5EF4-FFF2-40B4-BE49-F238E27FC236}">
-                  <a16:creationId xmlns:a16="http://schemas.microsoft.com/office/drawing/2014/main" id="{18535405-1D8D-4F88-9783-766F5109C364}"/>
-                </a:ext>
-              </a:extLst>
-            </p:cNvPr>
-            <p:cNvPicPr>
-              <a:picLocks noChangeAspect="1"/>
-            </p:cNvPicPr>
-            <p:nvPr/>
-          </p:nvPicPr>
-          <p:blipFill>
-            <a:blip r:embed="rId3">
-              <a:extLst>
-                <a:ext uri="{28A0092B-C50C-407E-A947-70E740481C1C}">
-                  <a14:useLocalDpi xmlns:a14="http://schemas.microsoft.com/office/drawing/2010/main" val="0"/>
-                </a:ext>
-              </a:extLst>
-            </a:blip>
-            <a:srcRect/>
-            <a:stretch>
-              <a:fillRect/>
-            </a:stretch>
-          </p:blipFill>
-          <p:spPr bwMode="auto">
-            <a:xfrm>
-              <a:off x="1733867" y="4156141"/>
-              <a:ext cx="2670600" cy="2371296"/>
-            </a:xfrm>
-            <a:prstGeom prst="rect">
-              <a:avLst/>
-            </a:prstGeom>
-            <a:noFill/>
-          </p:spPr>
-        </p:pic>
       </p:grpSp>
       <p:sp>
         <p:nvSpPr>
-          <p:cNvPr id="13" name="TextBox 12">
-            <a:extLst>
-              <a:ext uri="{FF2B5EF4-FFF2-40B4-BE49-F238E27FC236}">
-                <a16:creationId xmlns:a16="http://schemas.microsoft.com/office/drawing/2014/main" id="{4903FFFB-382B-475F-90B4-A288263180F6}"/>
+          <p:cNvPr id="43" name="직사각형 42">
+            <a:extLst>
+              <a:ext uri="{FF2B5EF4-FFF2-40B4-BE49-F238E27FC236}">
+                <a16:creationId xmlns:a16="http://schemas.microsoft.com/office/drawing/2014/main" id="{1E3E6FC5-8291-4DB1-A75A-90251E224297}"/>
+              </a:ext>
+            </a:extLst>
+          </p:cNvPr>
+          <p:cNvSpPr/>
+          <p:nvPr/>
+        </p:nvSpPr>
+        <p:spPr>
+          <a:xfrm>
+            <a:off x="282204" y="1435150"/>
+            <a:ext cx="11627224" cy="5297344"/>
+          </a:xfrm>
+          <a:prstGeom prst="rect">
+            <a:avLst/>
+          </a:prstGeom>
+          <a:solidFill>
+            <a:schemeClr val="tx1"/>
+          </a:solidFill>
+          <a:ln>
+            <a:solidFill>
+              <a:schemeClr val="bg1"/>
+            </a:solidFill>
+          </a:ln>
+        </p:spPr>
+        <p:style>
+          <a:lnRef idx="2">
+            <a:schemeClr val="accent1">
+              <a:shade val="50000"/>
+            </a:schemeClr>
+          </a:lnRef>
+          <a:fillRef idx="1">
+            <a:schemeClr val="accent1"/>
+          </a:fillRef>
+          <a:effectRef idx="0">
+            <a:schemeClr val="accent1"/>
+          </a:effectRef>
+          <a:fontRef idx="minor">
+            <a:schemeClr val="lt1"/>
+          </a:fontRef>
+        </p:style>
+        <p:txBody>
+          <a:bodyPr rtlCol="0" anchor="ctr"/>
+          <a:lstStyle/>
+          <a:p>
+            <a:pPr algn="ctr"/>
+            <a:endParaRPr lang="ko-KR" altLang="en-US"/>
+          </a:p>
+        </p:txBody>
+      </p:sp>
+      <p:sp>
+        <p:nvSpPr>
+          <p:cNvPr id="14" name="TextBox 13">
+            <a:extLst>
+              <a:ext uri="{FF2B5EF4-FFF2-40B4-BE49-F238E27FC236}">
+                <a16:creationId xmlns:a16="http://schemas.microsoft.com/office/drawing/2014/main" id="{895BA390-795A-4381-BFDE-31603014C454}"/>
               </a:ext>
             </a:extLst>
           </p:cNvPr>
@@ -4884,8 +5960,8 @@
         </p:nvSpPr>
         <p:spPr>
           <a:xfrm>
-            <a:off x="417248" y="3429000"/>
-            <a:ext cx="6096000" cy="1986185"/>
+            <a:off x="282204" y="235484"/>
+            <a:ext cx="2943434" cy="714363"/>
           </a:xfrm>
           <a:prstGeom prst="rect">
             <a:avLst/>
@@ -4893,7 +5969,7 @@
           <a:noFill/>
         </p:spPr>
         <p:txBody>
-          <a:bodyPr wrap="square">
+          <a:bodyPr wrap="none" rtlCol="0">
             <a:spAutoFit/>
           </a:bodyPr>
           <a:lstStyle/>
@@ -4907,37 +5983,7 @@
               </a:spcAft>
             </a:pPr>
             <a:r>
-              <a:rPr lang="ko-KR" altLang="ko-KR" sz="2800" b="1" kern="100" dirty="0">
-                <a:solidFill>
-                  <a:srgbClr val="00B0F0"/>
-                </a:solidFill>
-                <a:effectLst/>
-                <a:latin typeface="에스코어 드림 7 ExtraBold" panose="020B0803030302020204" pitchFamily="34" charset="-127"/>
-                <a:ea typeface="에스코어 드림 7 ExtraBold" panose="020B0803030302020204" pitchFamily="34" charset="-127"/>
-                <a:cs typeface="Times New Roman" panose="02020603050405020304" pitchFamily="18" charset="0"/>
-              </a:rPr>
-              <a:t>기획 추가 목표</a:t>
-            </a:r>
-            <a:endParaRPr lang="ko-KR" altLang="ko-KR" sz="2800" kern="100" dirty="0">
-              <a:effectLst/>
-              <a:latin typeface="에스코어 드림 7 ExtraBold" panose="020B0803030302020204" pitchFamily="34" charset="-127"/>
-              <a:ea typeface="에스코어 드림 7 ExtraBold" panose="020B0803030302020204" pitchFamily="34" charset="-127"/>
-              <a:cs typeface="Times New Roman" panose="02020603050405020304" pitchFamily="18" charset="0"/>
-            </a:endParaRPr>
-          </a:p>
-          <a:p>
-            <a:pPr marL="342900" lvl="0" indent="-342900" algn="just" latinLnBrk="1">
-              <a:lnSpc>
-                <a:spcPct val="107000"/>
-              </a:lnSpc>
-              <a:spcAft>
-                <a:spcPts val="800"/>
-              </a:spcAft>
-              <a:buFont typeface="Wingdings" panose="05000000000000000000" pitchFamily="2" charset="2"/>
-              <a:buChar char=""/>
-            </a:pPr>
-            <a:r>
-              <a:rPr lang="ko-KR" altLang="ko-KR" sz="1800" kern="100" dirty="0">
+              <a:rPr lang="en-US" altLang="ko-KR" sz="4000" kern="100" dirty="0">
                 <a:solidFill>
                   <a:schemeClr val="bg1"/>
                 </a:solidFill>
@@ -4946,10 +5992,10 @@
                 <a:ea typeface="에스코어 드림 4 Regular" panose="020B0503030302020204" pitchFamily="34" charset="-127"/>
                 <a:cs typeface="Times New Roman" panose="02020603050405020304" pitchFamily="18" charset="0"/>
               </a:rPr>
-              <a:t>난이도 뿐만 아니라 </a:t>
-            </a:r>
-            <a:r>
-              <a:rPr lang="ko-KR" altLang="ko-KR" sz="1800" b="1" kern="100" dirty="0">
+              <a:t>3) </a:t>
+            </a:r>
+            <a:r>
+              <a:rPr lang="ko-KR" altLang="ko-KR" sz="4000" kern="100" dirty="0">
                 <a:solidFill>
                   <a:schemeClr val="bg1"/>
                 </a:solidFill>
@@ -4958,10 +6004,10 @@
                 <a:ea typeface="에스코어 드림 4 Regular" panose="020B0503030302020204" pitchFamily="34" charset="-127"/>
                 <a:cs typeface="Times New Roman" panose="02020603050405020304" pitchFamily="18" charset="0"/>
               </a:rPr>
-              <a:t>재미</a:t>
-            </a:r>
-            <a:r>
-              <a:rPr lang="ko-KR" altLang="ko-KR" sz="1800" kern="100" dirty="0">
+              <a:t>게임</a:t>
+            </a:r>
+            <a:r>
+              <a:rPr lang="en-US" altLang="ko-KR" sz="4000" kern="100" dirty="0">
                 <a:solidFill>
                   <a:schemeClr val="bg1"/>
                 </a:solidFill>
@@ -4970,10 +6016,10 @@
                 <a:ea typeface="에스코어 드림 4 Regular" panose="020B0503030302020204" pitchFamily="34" charset="-127"/>
                 <a:cs typeface="Times New Roman" panose="02020603050405020304" pitchFamily="18" charset="0"/>
               </a:rPr>
-              <a:t>까지 포함한 레벨디자인으로 </a:t>
-            </a:r>
-            <a:r>
-              <a:rPr lang="ko-KR" altLang="ko-KR" sz="1800" b="1" kern="100" dirty="0">
+              <a:t> </a:t>
+            </a:r>
+            <a:r>
+              <a:rPr lang="ko-KR" altLang="ko-KR" sz="4000" kern="100" dirty="0">
                 <a:solidFill>
                   <a:schemeClr val="bg1"/>
                 </a:solidFill>
@@ -4982,117 +6028,15 @@
                 <a:ea typeface="에스코어 드림 4 Regular" panose="020B0503030302020204" pitchFamily="34" charset="-127"/>
                 <a:cs typeface="Times New Roman" panose="02020603050405020304" pitchFamily="18" charset="0"/>
               </a:rPr>
-              <a:t>퍼즐 게임의 재미를 극대화시킨다</a:t>
-            </a:r>
-            <a:r>
-              <a:rPr lang="en-US" altLang="ko-KR" sz="1800" b="1" kern="100" dirty="0">
-                <a:solidFill>
-                  <a:schemeClr val="bg1"/>
-                </a:solidFill>
-                <a:effectLst/>
-                <a:latin typeface="에스코어 드림 4 Regular" panose="020B0503030302020204" pitchFamily="34" charset="-127"/>
-                <a:ea typeface="에스코어 드림 4 Regular" panose="020B0503030302020204" pitchFamily="34" charset="-127"/>
-                <a:cs typeface="Times New Roman" panose="02020603050405020304" pitchFamily="18" charset="0"/>
-              </a:rPr>
-              <a:t>.</a:t>
-            </a:r>
-            <a:endParaRPr lang="ko-KR" altLang="ko-KR" sz="1800" kern="100" dirty="0">
-              <a:solidFill>
-                <a:schemeClr val="bg1"/>
-              </a:solidFill>
-              <a:effectLst/>
-              <a:latin typeface="에스코어 드림 4 Regular" panose="020B0503030302020204" pitchFamily="34" charset="-127"/>
-              <a:ea typeface="에스코어 드림 4 Regular" panose="020B0503030302020204" pitchFamily="34" charset="-127"/>
-              <a:cs typeface="Times New Roman" panose="02020603050405020304" pitchFamily="18" charset="0"/>
-            </a:endParaRPr>
-          </a:p>
-          <a:p>
-            <a:pPr marL="342900" lvl="0" indent="-342900" algn="just" latinLnBrk="1">
-              <a:lnSpc>
-                <a:spcPct val="107000"/>
-              </a:lnSpc>
-              <a:spcAft>
-                <a:spcPts val="800"/>
-              </a:spcAft>
-              <a:buFont typeface="Wingdings" panose="05000000000000000000" pitchFamily="2" charset="2"/>
-              <a:buChar char=""/>
-            </a:pPr>
-            <a:r>
-              <a:rPr lang="ko-KR" altLang="ko-KR" sz="1800" kern="100" dirty="0">
-                <a:solidFill>
-                  <a:schemeClr val="bg1"/>
-                </a:solidFill>
-                <a:effectLst/>
-                <a:latin typeface="에스코어 드림 4 Regular" panose="020B0503030302020204" pitchFamily="34" charset="-127"/>
-                <a:ea typeface="에스코어 드림 4 Regular" panose="020B0503030302020204" pitchFamily="34" charset="-127"/>
-                <a:cs typeface="Times New Roman" panose="02020603050405020304" pitchFamily="18" charset="0"/>
-              </a:rPr>
-              <a:t>게임의 </a:t>
-            </a:r>
-            <a:r>
-              <a:rPr lang="ko-KR" altLang="ko-KR" sz="1800" b="1" kern="100" dirty="0">
-                <a:solidFill>
-                  <a:schemeClr val="bg1"/>
-                </a:solidFill>
-                <a:effectLst/>
-                <a:latin typeface="에스코어 드림 4 Regular" panose="020B0503030302020204" pitchFamily="34" charset="-127"/>
-                <a:ea typeface="에스코어 드림 4 Regular" panose="020B0503030302020204" pitchFamily="34" charset="-127"/>
-                <a:cs typeface="Times New Roman" panose="02020603050405020304" pitchFamily="18" charset="0"/>
-              </a:rPr>
-              <a:t>컨셉에 맞는 </a:t>
-            </a:r>
-            <a:r>
-              <a:rPr lang="ko-KR" altLang="ko-KR" sz="1800" kern="100" dirty="0">
-                <a:solidFill>
-                  <a:schemeClr val="bg1"/>
-                </a:solidFill>
-                <a:effectLst/>
-                <a:latin typeface="에스코어 드림 4 Regular" panose="020B0503030302020204" pitchFamily="34" charset="-127"/>
-                <a:ea typeface="에스코어 드림 4 Regular" panose="020B0503030302020204" pitchFamily="34" charset="-127"/>
-                <a:cs typeface="Times New Roman" panose="02020603050405020304" pitchFamily="18" charset="0"/>
-              </a:rPr>
-              <a:t>좋은 리소스를 만들어 게임에 대한 </a:t>
-            </a:r>
-            <a:r>
-              <a:rPr lang="ko-KR" altLang="ko-KR" sz="1800" b="1" kern="100" dirty="0">
-                <a:solidFill>
-                  <a:schemeClr val="bg1"/>
-                </a:solidFill>
-                <a:effectLst/>
-                <a:latin typeface="에스코어 드림 4 Regular" panose="020B0503030302020204" pitchFamily="34" charset="-127"/>
-                <a:ea typeface="에스코어 드림 4 Regular" panose="020B0503030302020204" pitchFamily="34" charset="-127"/>
-                <a:cs typeface="Times New Roman" panose="02020603050405020304" pitchFamily="18" charset="0"/>
-              </a:rPr>
-              <a:t>유저의 몰입감을 이끌어낸다</a:t>
-            </a:r>
-            <a:r>
-              <a:rPr lang="en-US" altLang="ko-KR" sz="1800" b="1" kern="100" dirty="0">
-                <a:solidFill>
-                  <a:schemeClr val="bg1"/>
-                </a:solidFill>
-                <a:effectLst/>
-                <a:latin typeface="에스코어 드림 4 Regular" panose="020B0503030302020204" pitchFamily="34" charset="-127"/>
-                <a:ea typeface="에스코어 드림 4 Regular" panose="020B0503030302020204" pitchFamily="34" charset="-127"/>
-                <a:cs typeface="Times New Roman" panose="02020603050405020304" pitchFamily="18" charset="0"/>
-              </a:rPr>
-              <a:t>. </a:t>
-            </a:r>
-            <a:endParaRPr lang="ko-KR" altLang="ko-KR" sz="1800" kern="100" dirty="0">
-              <a:solidFill>
-                <a:schemeClr val="bg1"/>
-              </a:solidFill>
-              <a:effectLst/>
-              <a:latin typeface="에스코어 드림 4 Regular" panose="020B0503030302020204" pitchFamily="34" charset="-127"/>
-              <a:ea typeface="에스코어 드림 4 Regular" panose="020B0503030302020204" pitchFamily="34" charset="-127"/>
-              <a:cs typeface="Times New Roman" panose="02020603050405020304" pitchFamily="18" charset="0"/>
-            </a:endParaRPr>
+              <a:t>소개</a:t>
+            </a:r>
           </a:p>
         </p:txBody>
       </p:sp>
     </p:spTree>
     <p:extLst>
       <p:ext uri="{BB962C8B-B14F-4D97-AF65-F5344CB8AC3E}">
-        <p14:creationId xmlns:p14="http://schemas.microsoft.com/office/powerpoint/2010/main" val="3431577405"/>
+        <p14:creationId xmlns:p14="http://schemas.microsoft.com/office/powerpoint/2010/main" val="4249422317"/>
       </p:ext>
     </p:extLst>
   </p:cSld>
@@ -5102,7 +6046,7 @@
 </p:sld>
 </file>
 
-<file path=ppt/slides/slide4.xml><?xml version="1.0" encoding="utf-8"?>
+<file path=ppt/slides/slide5.xml><?xml version="1.0" encoding="utf-8"?>
 <p:sld xmlns:a="http://schemas.openxmlformats.org/drawingml/2006/main" xmlns:r="http://schemas.openxmlformats.org/officeDocument/2006/relationships" xmlns:p="http://schemas.openxmlformats.org/presentationml/2006/main">
   <p:cSld>
     <p:spTree>
@@ -5230,101 +6174,6 @@
           </p:txBody>
         </p:sp>
       </p:grpSp>
-      <p:sp>
-        <p:nvSpPr>
-          <p:cNvPr id="3" name="직사각형 2">
-            <a:extLst>
-              <a:ext uri="{FF2B5EF4-FFF2-40B4-BE49-F238E27FC236}">
-                <a16:creationId xmlns:a16="http://schemas.microsoft.com/office/drawing/2014/main" id="{23767F80-7CA6-4714-B890-AAF7B314A329}"/>
-              </a:ext>
-            </a:extLst>
-          </p:cNvPr>
-          <p:cNvSpPr/>
-          <p:nvPr/>
-        </p:nvSpPr>
-        <p:spPr>
-          <a:xfrm>
-            <a:off x="0" y="0"/>
-            <a:ext cx="12192000" cy="1185333"/>
-          </a:xfrm>
-          <a:prstGeom prst="rect">
-            <a:avLst/>
-          </a:prstGeom>
-          <a:solidFill>
-            <a:schemeClr val="bg1">
-              <a:lumMod val="65000"/>
-            </a:schemeClr>
-          </a:solidFill>
-          <a:ln>
-            <a:noFill/>
-          </a:ln>
-        </p:spPr>
-        <p:style>
-          <a:lnRef idx="2">
-            <a:schemeClr val="accent1">
-              <a:shade val="50000"/>
-            </a:schemeClr>
-          </a:lnRef>
-          <a:fillRef idx="1">
-            <a:schemeClr val="accent1"/>
-          </a:fillRef>
-          <a:effectRef idx="0">
-            <a:schemeClr val="accent1"/>
-          </a:effectRef>
-          <a:fontRef idx="minor">
-            <a:schemeClr val="lt1"/>
-          </a:fontRef>
-        </p:style>
-        <p:txBody>
-          <a:bodyPr rtlCol="0" anchor="ctr"/>
-          <a:lstStyle/>
-          <a:p>
-            <a:pPr algn="ctr"/>
-            <a:endParaRPr lang="ko-KR" altLang="en-US" dirty="0"/>
-          </a:p>
-        </p:txBody>
-      </p:sp>
-      <p:sp>
-        <p:nvSpPr>
-          <p:cNvPr id="7" name="TextBox 6">
-            <a:extLst>
-              <a:ext uri="{FF2B5EF4-FFF2-40B4-BE49-F238E27FC236}">
-                <a16:creationId xmlns:a16="http://schemas.microsoft.com/office/drawing/2014/main" id="{F0268627-1804-4EB7-8309-96FA8B911901}"/>
-              </a:ext>
-            </a:extLst>
-          </p:cNvPr>
-          <p:cNvSpPr txBox="1"/>
-          <p:nvPr/>
-        </p:nvSpPr>
-        <p:spPr>
-          <a:xfrm>
-            <a:off x="541870" y="270304"/>
-            <a:ext cx="2157963" cy="707886"/>
-          </a:xfrm>
-          <a:prstGeom prst="rect">
-            <a:avLst/>
-          </a:prstGeom>
-          <a:noFill/>
-        </p:spPr>
-        <p:txBody>
-          <a:bodyPr wrap="none" rtlCol="0">
-            <a:spAutoFit/>
-          </a:bodyPr>
-          <a:lstStyle/>
-          <a:p>
-            <a:r>
-              <a:rPr lang="ko-KR" altLang="en-US" sz="4000" b="1" dirty="0">
-                <a:solidFill>
-                  <a:schemeClr val="bg1"/>
-                </a:solidFill>
-                <a:latin typeface="메이플스토리" panose="02000800000000000000" pitchFamily="2" charset="-127"/>
-                <a:ea typeface="메이플스토리" panose="02000800000000000000" pitchFamily="2" charset="-127"/>
-              </a:rPr>
-              <a:t>게임 제작</a:t>
-            </a:r>
-          </a:p>
-        </p:txBody>
-      </p:sp>
       <p:pic>
         <p:nvPicPr>
           <p:cNvPr id="1026" name="Picture 2" descr="Excel 365 무료로 다운 받기 - 2021년 최신 버전">
@@ -5434,7 +6283,7 @@
 </p:sld>
 </file>
 
-<file path=ppt/slides/slide5.xml><?xml version="1.0" encoding="utf-8"?>
+<file path=ppt/slides/slide6.xml><?xml version="1.0" encoding="utf-8"?>
 <p:sld xmlns:a="http://schemas.openxmlformats.org/drawingml/2006/main" xmlns:r="http://schemas.openxmlformats.org/officeDocument/2006/relationships" xmlns:p="http://schemas.openxmlformats.org/presentationml/2006/main">
   <p:cSld>
     <p:spTree>
@@ -6360,7 +7209,7 @@
 </p:sld>
 </file>
 
-<file path=ppt/slides/slide6.xml><?xml version="1.0" encoding="utf-8"?>
+<file path=ppt/slides/slide7.xml><?xml version="1.0" encoding="utf-8"?>
 <p:sld xmlns:a="http://schemas.openxmlformats.org/drawingml/2006/main" xmlns:r="http://schemas.openxmlformats.org/officeDocument/2006/relationships" xmlns:p="http://schemas.openxmlformats.org/presentationml/2006/main">
   <p:cSld>
     <p:spTree>
@@ -6453,179 +7302,179 @@
           <a:lstStyle/>
           <a:p>
             <a:r>
-              <a:rPr lang="ko-KR" altLang="en-US" sz="3600" b="1" dirty="0">
+              <a:rPr lang="ko-KR" altLang="en-US" sz="3600" i="1" dirty="0">
                 <a:solidFill>
                   <a:schemeClr val="bg1"/>
                 </a:solidFill>
                 <a:effectLst>
                   <a:glow rad="139700">
-                    <a:srgbClr val="0070C0"/>
+                    <a:srgbClr val="00B0F0"/>
                   </a:glow>
                 </a:effectLst>
-                <a:latin typeface="여기어때 잘난체 OTF" panose="020B0600000101010101" pitchFamily="34" charset="-127"/>
-                <a:ea typeface="여기어때 잘난체 OTF" panose="020B0600000101010101" pitchFamily="34" charset="-127"/>
+                <a:latin typeface="에스코어 드림 4 Regular" panose="020B0503030302020204" pitchFamily="34" charset="-127"/>
+                <a:ea typeface="에스코어 드림 4 Regular" panose="020B0503030302020204" pitchFamily="34" charset="-127"/>
               </a:rPr>
               <a:t>고마워요</a:t>
             </a:r>
             <a:r>
-              <a:rPr lang="en-US" altLang="ko-KR" sz="3600" b="1" dirty="0">
+              <a:rPr lang="en-US" altLang="ko-KR" sz="3600" i="1" dirty="0">
                 <a:solidFill>
                   <a:schemeClr val="bg1"/>
                 </a:solidFill>
                 <a:effectLst>
                   <a:glow rad="139700">
-                    <a:srgbClr val="0070C0"/>
+                    <a:srgbClr val="00B0F0"/>
                   </a:glow>
                 </a:effectLst>
-                <a:latin typeface="여기어때 잘난체 OTF" panose="020B0600000101010101" pitchFamily="34" charset="-127"/>
-                <a:ea typeface="여기어때 잘난체 OTF" panose="020B0600000101010101" pitchFamily="34" charset="-127"/>
+                <a:latin typeface="에스코어 드림 4 Regular" panose="020B0503030302020204" pitchFamily="34" charset="-127"/>
+                <a:ea typeface="에스코어 드림 4 Regular" panose="020B0503030302020204" pitchFamily="34" charset="-127"/>
               </a:rPr>
               <a:t> </a:t>
             </a:r>
             <a:r>
-              <a:rPr lang="ko-KR" altLang="en-US" sz="3600" b="1" dirty="0">
+              <a:rPr lang="ko-KR" altLang="en-US" sz="3600" i="1" dirty="0">
                 <a:solidFill>
                   <a:schemeClr val="bg1"/>
                 </a:solidFill>
                 <a:effectLst>
                   <a:glow rad="139700">
-                    <a:srgbClr val="0070C0"/>
+                    <a:srgbClr val="00B0F0"/>
                   </a:glow>
                 </a:effectLst>
-                <a:latin typeface="여기어때 잘난체 OTF" panose="020B0600000101010101" pitchFamily="34" charset="-127"/>
-                <a:ea typeface="여기어때 잘난체 OTF" panose="020B0600000101010101" pitchFamily="34" charset="-127"/>
+                <a:latin typeface="에스코어 드림 4 Regular" panose="020B0503030302020204" pitchFamily="34" charset="-127"/>
+                <a:ea typeface="에스코어 드림 4 Regular" panose="020B0503030302020204" pitchFamily="34" charset="-127"/>
               </a:rPr>
               <a:t>땡큐땡큐</a:t>
             </a:r>
-            <a:endParaRPr lang="en-US" altLang="ko-KR" sz="3600" b="1" dirty="0">
+            <a:endParaRPr lang="en-US" altLang="ko-KR" sz="3600" i="1" dirty="0">
               <a:solidFill>
                 <a:schemeClr val="bg1"/>
               </a:solidFill>
               <a:effectLst>
                 <a:glow rad="139700">
-                  <a:srgbClr val="0070C0"/>
+                  <a:srgbClr val="00B0F0"/>
                 </a:glow>
               </a:effectLst>
-              <a:latin typeface="여기어때 잘난체 OTF" panose="020B0600000101010101" pitchFamily="34" charset="-127"/>
-              <a:ea typeface="여기어때 잘난체 OTF" panose="020B0600000101010101" pitchFamily="34" charset="-127"/>
+              <a:latin typeface="에스코어 드림 4 Regular" panose="020B0503030302020204" pitchFamily="34" charset="-127"/>
+              <a:ea typeface="에스코어 드림 4 Regular" panose="020B0503030302020204" pitchFamily="34" charset="-127"/>
             </a:endParaRPr>
           </a:p>
           <a:p>
             <a:r>
-              <a:rPr lang="ko-KR" altLang="en-US" sz="3600" b="1" dirty="0">
+              <a:rPr lang="ko-KR" altLang="en-US" sz="3600" i="1" dirty="0">
                 <a:solidFill>
                   <a:schemeClr val="bg1"/>
                 </a:solidFill>
                 <a:effectLst>
                   <a:glow rad="139700">
-                    <a:srgbClr val="0070C0"/>
+                    <a:srgbClr val="00B0F0"/>
                   </a:glow>
                 </a:effectLst>
-                <a:latin typeface="여기어때 잘난체 OTF" panose="020B0600000101010101" pitchFamily="34" charset="-127"/>
-                <a:ea typeface="여기어때 잘난체 OTF" panose="020B0600000101010101" pitchFamily="34" charset="-127"/>
+                <a:latin typeface="에스코어 드림 4 Regular" panose="020B0503030302020204" pitchFamily="34" charset="-127"/>
+                <a:ea typeface="에스코어 드림 4 Regular" panose="020B0503030302020204" pitchFamily="34" charset="-127"/>
               </a:rPr>
               <a:t>아리가또</a:t>
             </a:r>
             <a:r>
-              <a:rPr lang="en-US" altLang="ko-KR" sz="3600" b="1" dirty="0">
+              <a:rPr lang="en-US" altLang="ko-KR" sz="3600" i="1" dirty="0">
                 <a:solidFill>
                   <a:schemeClr val="bg1"/>
                 </a:solidFill>
                 <a:effectLst>
                   <a:glow rad="139700">
-                    <a:srgbClr val="0070C0"/>
+                    <a:srgbClr val="00B0F0"/>
                   </a:glow>
                 </a:effectLst>
-                <a:latin typeface="여기어때 잘난체 OTF" panose="020B0600000101010101" pitchFamily="34" charset="-127"/>
-                <a:ea typeface="여기어때 잘난체 OTF" panose="020B0600000101010101" pitchFamily="34" charset="-127"/>
+                <a:latin typeface="에스코어 드림 4 Regular" panose="020B0503030302020204" pitchFamily="34" charset="-127"/>
+                <a:ea typeface="에스코어 드림 4 Regular" panose="020B0503030302020204" pitchFamily="34" charset="-127"/>
               </a:rPr>
               <a:t> </a:t>
             </a:r>
             <a:r>
-              <a:rPr lang="ko-KR" altLang="en-US" sz="3600" b="1" dirty="0">
+              <a:rPr lang="ko-KR" altLang="en-US" sz="3600" i="1" dirty="0">
                 <a:solidFill>
                   <a:schemeClr val="bg1"/>
                 </a:solidFill>
                 <a:effectLst>
                   <a:glow rad="139700">
-                    <a:srgbClr val="0070C0"/>
+                    <a:srgbClr val="00B0F0"/>
                   </a:glow>
                 </a:effectLst>
-                <a:latin typeface="여기어때 잘난체 OTF" panose="020B0600000101010101" pitchFamily="34" charset="-127"/>
-                <a:ea typeface="여기어때 잘난체 OTF" panose="020B0600000101010101" pitchFamily="34" charset="-127"/>
+                <a:latin typeface="에스코어 드림 4 Regular" panose="020B0503030302020204" pitchFamily="34" charset="-127"/>
+                <a:ea typeface="에스코어 드림 4 Regular" panose="020B0503030302020204" pitchFamily="34" charset="-127"/>
               </a:rPr>
               <a:t>스파시바</a:t>
             </a:r>
-            <a:endParaRPr lang="en-US" altLang="ko-KR" sz="3600" b="1" dirty="0">
+            <a:endParaRPr lang="en-US" altLang="ko-KR" sz="3600" i="1" dirty="0">
               <a:solidFill>
                 <a:schemeClr val="bg1"/>
               </a:solidFill>
               <a:effectLst>
                 <a:glow rad="139700">
-                  <a:srgbClr val="0070C0"/>
+                  <a:srgbClr val="00B0F0"/>
                 </a:glow>
               </a:effectLst>
-              <a:latin typeface="여기어때 잘난체 OTF" panose="020B0600000101010101" pitchFamily="34" charset="-127"/>
-              <a:ea typeface="여기어때 잘난체 OTF" panose="020B0600000101010101" pitchFamily="34" charset="-127"/>
+              <a:latin typeface="에스코어 드림 4 Regular" panose="020B0503030302020204" pitchFamily="34" charset="-127"/>
+              <a:ea typeface="에스코어 드림 4 Regular" panose="020B0503030302020204" pitchFamily="34" charset="-127"/>
             </a:endParaRPr>
           </a:p>
           <a:p>
             <a:r>
-              <a:rPr lang="ko-KR" altLang="en-US" sz="3600" b="1" dirty="0">
+              <a:rPr lang="ko-KR" altLang="en-US" sz="3600" i="1" dirty="0">
                 <a:solidFill>
                   <a:schemeClr val="bg1"/>
                 </a:solidFill>
                 <a:effectLst>
                   <a:glow rad="139700">
-                    <a:srgbClr val="0070C0"/>
+                    <a:srgbClr val="00B0F0"/>
                   </a:glow>
                 </a:effectLst>
-                <a:latin typeface="여기어때 잘난체 OTF" panose="020B0600000101010101" pitchFamily="34" charset="-127"/>
-                <a:ea typeface="여기어때 잘난체 OTF" panose="020B0600000101010101" pitchFamily="34" charset="-127"/>
+                <a:latin typeface="에스코어 드림 4 Regular" panose="020B0503030302020204" pitchFamily="34" charset="-127"/>
+                <a:ea typeface="에스코어 드림 4 Regular" panose="020B0503030302020204" pitchFamily="34" charset="-127"/>
               </a:rPr>
               <a:t>시에시에</a:t>
             </a:r>
             <a:r>
-              <a:rPr lang="en-US" altLang="ko-KR" sz="3600" b="1" dirty="0">
+              <a:rPr lang="en-US" altLang="ko-KR" sz="3600" i="1" dirty="0">
                 <a:solidFill>
                   <a:schemeClr val="bg1"/>
                 </a:solidFill>
                 <a:effectLst>
                   <a:glow rad="139700">
-                    <a:srgbClr val="0070C0"/>
+                    <a:srgbClr val="00B0F0"/>
                   </a:glow>
                 </a:effectLst>
-                <a:latin typeface="여기어때 잘난체 OTF" panose="020B0600000101010101" pitchFamily="34" charset="-127"/>
-                <a:ea typeface="여기어때 잘난체 OTF" panose="020B0600000101010101" pitchFamily="34" charset="-127"/>
+                <a:latin typeface="에스코어 드림 4 Regular" panose="020B0503030302020204" pitchFamily="34" charset="-127"/>
+                <a:ea typeface="에스코어 드림 4 Regular" panose="020B0503030302020204" pitchFamily="34" charset="-127"/>
               </a:rPr>
               <a:t> </a:t>
             </a:r>
             <a:r>
-              <a:rPr lang="ko-KR" altLang="en-US" sz="3600" b="1" dirty="0">
+              <a:rPr lang="ko-KR" altLang="en-US" sz="3600" i="1" dirty="0">
                 <a:solidFill>
                   <a:schemeClr val="bg1"/>
                 </a:solidFill>
                 <a:effectLst>
                   <a:glow rad="139700">
-                    <a:srgbClr val="0070C0"/>
+                    <a:srgbClr val="00B0F0"/>
                   </a:glow>
                 </a:effectLst>
-                <a:latin typeface="여기어때 잘난체 OTF" panose="020B0600000101010101" pitchFamily="34" charset="-127"/>
-                <a:ea typeface="여기어때 잘난체 OTF" panose="020B0600000101010101" pitchFamily="34" charset="-127"/>
+                <a:latin typeface="에스코어 드림 4 Regular" panose="020B0503030302020204" pitchFamily="34" charset="-127"/>
+                <a:ea typeface="에스코어 드림 4 Regular" panose="020B0503030302020204" pitchFamily="34" charset="-127"/>
               </a:rPr>
               <a:t>메르시</a:t>
             </a:r>
-            <a:endParaRPr lang="en-US" altLang="ko-KR" sz="3600" b="1" dirty="0">
+            <a:endParaRPr lang="en-US" altLang="ko-KR" sz="3600" i="1" dirty="0">
               <a:solidFill>
                 <a:schemeClr val="bg1"/>
               </a:solidFill>
               <a:effectLst>
                 <a:glow rad="139700">
-                  <a:srgbClr val="0070C0"/>
+                  <a:srgbClr val="00B0F0"/>
                 </a:glow>
               </a:effectLst>
-              <a:latin typeface="여기어때 잘난체 OTF" panose="020B0600000101010101" pitchFamily="34" charset="-127"/>
-              <a:ea typeface="여기어때 잘난체 OTF" panose="020B0600000101010101" pitchFamily="34" charset="-127"/>
+              <a:latin typeface="에스코어 드림 4 Regular" panose="020B0503030302020204" pitchFamily="34" charset="-127"/>
+              <a:ea typeface="에스코어 드림 4 Regular" panose="020B0503030302020204" pitchFamily="34" charset="-127"/>
             </a:endParaRPr>
           </a:p>
         </p:txBody>

--- a/Presentation/AGIS 발표자료.pptx
+++ b/Presentation/AGIS 발표자료.pptx
@@ -9,8 +9,8 @@
     <p:sldId id="258" r:id="rId3"/>
     <p:sldId id="259" r:id="rId4"/>
     <p:sldId id="268" r:id="rId5"/>
-    <p:sldId id="265" r:id="rId6"/>
-    <p:sldId id="266" r:id="rId7"/>
+    <p:sldId id="269" r:id="rId6"/>
+    <p:sldId id="270" r:id="rId7"/>
     <p:sldId id="267" r:id="rId8"/>
   </p:sldIdLst>
   <p:sldSz cx="12192000" cy="6858000"/>
@@ -121,10 +121,1152 @@
 <file path=ppt/revisionInfo.xml><?xml version="1.0" encoding="utf-8"?>
 <p1510:revInfo xmlns:a="http://schemas.openxmlformats.org/drawingml/2006/main" xmlns:r="http://schemas.openxmlformats.org/officeDocument/2006/relationships" xmlns:p1510="http://schemas.microsoft.com/office/powerpoint/2015/10/main">
   <p1510:revLst>
-    <p1510:client id="{7AF43226-C139-4D0A-A230-0C602D1C5CED}" v="204" dt="2021-12-15T01:43:17.404"/>
-    <p1510:client id="{F53E7A2C-A27F-476A-8AA5-C2196DDD71DB}" v="9" dt="2021-12-14T23:26:37.928"/>
+    <p1510:client id="{7AF43226-C139-4D0A-A230-0C602D1C5CED}" v="421" dt="2021-12-16T04:46:56.336"/>
   </p1510:revLst>
 </p1510:revInfo>
+</file>
+
+<file path=ppt/changesInfos/changesInfo1.xml><?xml version="1.0" encoding="utf-8"?>
+<pc:chgInfo xmlns:a="http://schemas.openxmlformats.org/drawingml/2006/main" xmlns:r="http://schemas.openxmlformats.org/officeDocument/2006/relationships" xmlns:ac="http://schemas.microsoft.com/office/drawing/2013/main/command" xmlns:pc="http://schemas.microsoft.com/office/powerpoint/2013/main/command">
+  <pc:docChgLst>
+    <pc:chgData name="남 상현" userId="03ad4a8e8f7310f3" providerId="LiveId" clId="{7AF43226-C139-4D0A-A230-0C602D1C5CED}"/>
+    <pc:docChg chg="undo custSel addSld delSld modSld sldOrd">
+      <pc:chgData name="남 상현" userId="03ad4a8e8f7310f3" providerId="LiveId" clId="{7AF43226-C139-4D0A-A230-0C602D1C5CED}" dt="2021-12-16T04:46:58.760" v="1255" actId="167"/>
+      <pc:docMkLst>
+        <pc:docMk/>
+      </pc:docMkLst>
+      <pc:sldChg chg="modSp mod">
+        <pc:chgData name="남 상현" userId="03ad4a8e8f7310f3" providerId="LiveId" clId="{7AF43226-C139-4D0A-A230-0C602D1C5CED}" dt="2021-12-15T23:53:17.497" v="30" actId="732"/>
+        <pc:sldMkLst>
+          <pc:docMk/>
+          <pc:sldMk cId="2094271989" sldId="258"/>
+        </pc:sldMkLst>
+        <pc:picChg chg="mod modCrop">
+          <ac:chgData name="남 상현" userId="03ad4a8e8f7310f3" providerId="LiveId" clId="{7AF43226-C139-4D0A-A230-0C602D1C5CED}" dt="2021-12-15T23:53:17.497" v="30" actId="732"/>
+          <ac:picMkLst>
+            <pc:docMk/>
+            <pc:sldMk cId="2094271989" sldId="258"/>
+            <ac:picMk id="32" creationId="{FA3BEE8C-870D-4C42-927E-31F7A073A522}"/>
+          </ac:picMkLst>
+        </pc:picChg>
+      </pc:sldChg>
+      <pc:sldChg chg="delSp modSp mod">
+        <pc:chgData name="남 상현" userId="03ad4a8e8f7310f3" providerId="LiveId" clId="{7AF43226-C139-4D0A-A230-0C602D1C5CED}" dt="2021-12-16T04:30:12.987" v="443" actId="165"/>
+        <pc:sldMkLst>
+          <pc:docMk/>
+          <pc:sldMk cId="3431577405" sldId="259"/>
+        </pc:sldMkLst>
+        <pc:spChg chg="mod">
+          <ac:chgData name="남 상현" userId="03ad4a8e8f7310f3" providerId="LiveId" clId="{7AF43226-C139-4D0A-A230-0C602D1C5CED}" dt="2021-12-16T04:19:06.007" v="70" actId="20577"/>
+          <ac:spMkLst>
+            <pc:docMk/>
+            <pc:sldMk cId="3431577405" sldId="259"/>
+            <ac:spMk id="14" creationId="{895BA390-795A-4381-BFDE-31603014C454}"/>
+          </ac:spMkLst>
+        </pc:spChg>
+        <pc:spChg chg="mod topLvl">
+          <ac:chgData name="남 상현" userId="03ad4a8e8f7310f3" providerId="LiveId" clId="{7AF43226-C139-4D0A-A230-0C602D1C5CED}" dt="2021-12-16T04:30:12.987" v="443" actId="165"/>
+          <ac:spMkLst>
+            <pc:docMk/>
+            <pc:sldMk cId="3431577405" sldId="259"/>
+            <ac:spMk id="20" creationId="{5E6B38B6-5211-4FE0-90AC-C548E3D159E5}"/>
+          </ac:spMkLst>
+        </pc:spChg>
+        <pc:spChg chg="mod topLvl">
+          <ac:chgData name="남 상현" userId="03ad4a8e8f7310f3" providerId="LiveId" clId="{7AF43226-C139-4D0A-A230-0C602D1C5CED}" dt="2021-12-16T04:30:12.987" v="443" actId="165"/>
+          <ac:spMkLst>
+            <pc:docMk/>
+            <pc:sldMk cId="3431577405" sldId="259"/>
+            <ac:spMk id="27" creationId="{99B926CB-A599-4CB7-986B-5734570936BC}"/>
+          </ac:spMkLst>
+        </pc:spChg>
+        <pc:spChg chg="mod topLvl">
+          <ac:chgData name="남 상현" userId="03ad4a8e8f7310f3" providerId="LiveId" clId="{7AF43226-C139-4D0A-A230-0C602D1C5CED}" dt="2021-12-16T04:30:12.987" v="443" actId="165"/>
+          <ac:spMkLst>
+            <pc:docMk/>
+            <pc:sldMk cId="3431577405" sldId="259"/>
+            <ac:spMk id="41" creationId="{5D78A487-8C39-4C31-870B-B6529A5A8A44}"/>
+          </ac:spMkLst>
+        </pc:spChg>
+        <pc:spChg chg="mod topLvl">
+          <ac:chgData name="남 상현" userId="03ad4a8e8f7310f3" providerId="LiveId" clId="{7AF43226-C139-4D0A-A230-0C602D1C5CED}" dt="2021-12-16T04:30:12.987" v="443" actId="165"/>
+          <ac:spMkLst>
+            <pc:docMk/>
+            <pc:sldMk cId="3431577405" sldId="259"/>
+            <ac:spMk id="42" creationId="{E4EFB8AD-4F08-4F56-8D3F-730A12D567D8}"/>
+          </ac:spMkLst>
+        </pc:spChg>
+        <pc:spChg chg="mod">
+          <ac:chgData name="남 상현" userId="03ad4a8e8f7310f3" providerId="LiveId" clId="{7AF43226-C139-4D0A-A230-0C602D1C5CED}" dt="2021-12-15T23:53:41.904" v="32" actId="14100"/>
+          <ac:spMkLst>
+            <pc:docMk/>
+            <pc:sldMk cId="3431577405" sldId="259"/>
+            <ac:spMk id="43" creationId="{1E3E6FC5-8291-4DB1-A75A-90251E224297}"/>
+          </ac:spMkLst>
+        </pc:spChg>
+        <pc:grpChg chg="mod topLvl">
+          <ac:chgData name="남 상현" userId="03ad4a8e8f7310f3" providerId="LiveId" clId="{7AF43226-C139-4D0A-A230-0C602D1C5CED}" dt="2021-12-16T04:30:12.987" v="443" actId="165"/>
+          <ac:grpSpMkLst>
+            <pc:docMk/>
+            <pc:sldMk cId="3431577405" sldId="259"/>
+            <ac:grpSpMk id="26" creationId="{A3756C31-96AE-4BD1-8045-0FCC596CF288}"/>
+          </ac:grpSpMkLst>
+        </pc:grpChg>
+        <pc:grpChg chg="mod">
+          <ac:chgData name="남 상현" userId="03ad4a8e8f7310f3" providerId="LiveId" clId="{7AF43226-C139-4D0A-A230-0C602D1C5CED}" dt="2021-12-16T04:18:50.636" v="57" actId="1076"/>
+          <ac:grpSpMkLst>
+            <pc:docMk/>
+            <pc:sldMk cId="3431577405" sldId="259"/>
+            <ac:grpSpMk id="44" creationId="{4FAA3BF0-D465-40DD-AAB5-93A8F9C2E06C}"/>
+          </ac:grpSpMkLst>
+        </pc:grpChg>
+        <pc:grpChg chg="del">
+          <ac:chgData name="남 상현" userId="03ad4a8e8f7310f3" providerId="LiveId" clId="{7AF43226-C139-4D0A-A230-0C602D1C5CED}" dt="2021-12-16T04:30:12.987" v="443" actId="165"/>
+          <ac:grpSpMkLst>
+            <pc:docMk/>
+            <pc:sldMk cId="3431577405" sldId="259"/>
+            <ac:grpSpMk id="45" creationId="{0F0FE072-C899-44E9-9D05-C6D62A9DBC2C}"/>
+          </ac:grpSpMkLst>
+        </pc:grpChg>
+        <pc:picChg chg="mod topLvl">
+          <ac:chgData name="남 상현" userId="03ad4a8e8f7310f3" providerId="LiveId" clId="{7AF43226-C139-4D0A-A230-0C602D1C5CED}" dt="2021-12-16T04:30:12.987" v="443" actId="165"/>
+          <ac:picMkLst>
+            <pc:docMk/>
+            <pc:sldMk cId="3431577405" sldId="259"/>
+            <ac:picMk id="19" creationId="{B5A5EF87-339E-4F14-A6C3-6780B2B3E8EB}"/>
+          </ac:picMkLst>
+        </pc:picChg>
+        <pc:picChg chg="mod">
+          <ac:chgData name="남 상현" userId="03ad4a8e8f7310f3" providerId="LiveId" clId="{7AF43226-C139-4D0A-A230-0C602D1C5CED}" dt="2021-12-16T04:30:12.987" v="443" actId="165"/>
+          <ac:picMkLst>
+            <pc:docMk/>
+            <pc:sldMk cId="3431577405" sldId="259"/>
+            <ac:picMk id="22" creationId="{60213509-C3D0-4569-9233-7AB91FB8DAFA}"/>
+          </ac:picMkLst>
+        </pc:picChg>
+        <pc:picChg chg="mod">
+          <ac:chgData name="남 상현" userId="03ad4a8e8f7310f3" providerId="LiveId" clId="{7AF43226-C139-4D0A-A230-0C602D1C5CED}" dt="2021-12-16T04:30:12.987" v="443" actId="165"/>
+          <ac:picMkLst>
+            <pc:docMk/>
+            <pc:sldMk cId="3431577405" sldId="259"/>
+            <ac:picMk id="24" creationId="{8D700576-ACEF-43F1-B026-A4CC29106D63}"/>
+          </ac:picMkLst>
+        </pc:picChg>
+      </pc:sldChg>
+      <pc:sldChg chg="del">
+        <pc:chgData name="남 상현" userId="03ad4a8e8f7310f3" providerId="LiveId" clId="{7AF43226-C139-4D0A-A230-0C602D1C5CED}" dt="2021-12-16T04:46:45.238" v="1250" actId="47"/>
+        <pc:sldMkLst>
+          <pc:docMk/>
+          <pc:sldMk cId="3987292022" sldId="265"/>
+        </pc:sldMkLst>
+      </pc:sldChg>
+      <pc:sldChg chg="addSp delSp modSp del mod ord">
+        <pc:chgData name="남 상현" userId="03ad4a8e8f7310f3" providerId="LiveId" clId="{7AF43226-C139-4D0A-A230-0C602D1C5CED}" dt="2021-12-16T04:46:43.770" v="1249" actId="47"/>
+        <pc:sldMkLst>
+          <pc:docMk/>
+          <pc:sldMk cId="2032193545" sldId="266"/>
+        </pc:sldMkLst>
+        <pc:spChg chg="add del mod">
+          <ac:chgData name="남 상현" userId="03ad4a8e8f7310f3" providerId="LiveId" clId="{7AF43226-C139-4D0A-A230-0C602D1C5CED}" dt="2021-12-16T00:01:04.240" v="34"/>
+          <ac:spMkLst>
+            <pc:docMk/>
+            <pc:sldMk cId="2032193545" sldId="266"/>
+            <ac:spMk id="4" creationId="{0FEBD288-CDFB-4689-BB9B-CC80BFC49A62}"/>
+          </ac:spMkLst>
+        </pc:spChg>
+        <pc:spChg chg="mod">
+          <ac:chgData name="남 상현" userId="03ad4a8e8f7310f3" providerId="LiveId" clId="{7AF43226-C139-4D0A-A230-0C602D1C5CED}" dt="2021-12-16T00:01:38.496" v="45" actId="20577"/>
+          <ac:spMkLst>
+            <pc:docMk/>
+            <pc:sldMk cId="2032193545" sldId="266"/>
+            <ac:spMk id="11" creationId="{FEB7E3C0-B1CC-417C-8EE8-C6ACE99B9642}"/>
+          </ac:spMkLst>
+        </pc:spChg>
+        <pc:spChg chg="add del mod">
+          <ac:chgData name="남 상현" userId="03ad4a8e8f7310f3" providerId="LiveId" clId="{7AF43226-C139-4D0A-A230-0C602D1C5CED}" dt="2021-12-16T00:01:04.240" v="34"/>
+          <ac:spMkLst>
+            <pc:docMk/>
+            <pc:sldMk cId="2032193545" sldId="266"/>
+            <ac:spMk id="13" creationId="{B1308BE3-3A54-43DF-9954-9D42FB44ED53}"/>
+          </ac:spMkLst>
+        </pc:spChg>
+        <pc:spChg chg="add del mod">
+          <ac:chgData name="남 상현" userId="03ad4a8e8f7310f3" providerId="LiveId" clId="{7AF43226-C139-4D0A-A230-0C602D1C5CED}" dt="2021-12-16T00:01:06.964" v="36"/>
+          <ac:spMkLst>
+            <pc:docMk/>
+            <pc:sldMk cId="2032193545" sldId="266"/>
+            <ac:spMk id="14" creationId="{00B50227-5B04-45A0-BA29-CC5438645854}"/>
+          </ac:spMkLst>
+        </pc:spChg>
+        <pc:spChg chg="add del mod">
+          <ac:chgData name="남 상현" userId="03ad4a8e8f7310f3" providerId="LiveId" clId="{7AF43226-C139-4D0A-A230-0C602D1C5CED}" dt="2021-12-16T00:01:06.964" v="36"/>
+          <ac:spMkLst>
+            <pc:docMk/>
+            <pc:sldMk cId="2032193545" sldId="266"/>
+            <ac:spMk id="15" creationId="{8976D76D-71DF-47DB-A39B-98C3A436B66D}"/>
+          </ac:spMkLst>
+        </pc:spChg>
+      </pc:sldChg>
+      <pc:sldChg chg="addSp delSp modSp mod">
+        <pc:chgData name="남 상현" userId="03ad4a8e8f7310f3" providerId="LiveId" clId="{7AF43226-C139-4D0A-A230-0C602D1C5CED}" dt="2021-12-16T04:36:18.504" v="1020" actId="1037"/>
+        <pc:sldMkLst>
+          <pc:docMk/>
+          <pc:sldMk cId="4249422317" sldId="268"/>
+        </pc:sldMkLst>
+        <pc:spChg chg="add mod">
+          <ac:chgData name="남 상현" userId="03ad4a8e8f7310f3" providerId="LiveId" clId="{7AF43226-C139-4D0A-A230-0C602D1C5CED}" dt="2021-12-16T04:26:53.877" v="259" actId="1076"/>
+          <ac:spMkLst>
+            <pc:docMk/>
+            <pc:sldMk cId="4249422317" sldId="268"/>
+            <ac:spMk id="9" creationId="{CA34B9C9-51A9-4F53-8C50-5768C2AA15F1}"/>
+          </ac:spMkLst>
+        </pc:spChg>
+        <pc:spChg chg="add del mod ord topLvl">
+          <ac:chgData name="남 상현" userId="03ad4a8e8f7310f3" providerId="LiveId" clId="{7AF43226-C139-4D0A-A230-0C602D1C5CED}" dt="2021-12-16T04:25:04.566" v="228" actId="478"/>
+          <ac:spMkLst>
+            <pc:docMk/>
+            <pc:sldMk cId="4249422317" sldId="268"/>
+            <ac:spMk id="15" creationId="{027DD288-EB2F-4B71-859B-34E00DC54EAA}"/>
+          </ac:spMkLst>
+        </pc:spChg>
+        <pc:spChg chg="add mod">
+          <ac:chgData name="남 상현" userId="03ad4a8e8f7310f3" providerId="LiveId" clId="{7AF43226-C139-4D0A-A230-0C602D1C5CED}" dt="2021-12-16T04:36:10.693" v="1019" actId="1035"/>
+          <ac:spMkLst>
+            <pc:docMk/>
+            <pc:sldMk cId="4249422317" sldId="268"/>
+            <ac:spMk id="16" creationId="{9B171244-93FC-4104-B971-2000FDAD9487}"/>
+          </ac:spMkLst>
+        </pc:spChg>
+        <pc:spChg chg="add mod">
+          <ac:chgData name="남 상현" userId="03ad4a8e8f7310f3" providerId="LiveId" clId="{7AF43226-C139-4D0A-A230-0C602D1C5CED}" dt="2021-12-16T04:34:54.259" v="950" actId="1076"/>
+          <ac:spMkLst>
+            <pc:docMk/>
+            <pc:sldMk cId="4249422317" sldId="268"/>
+            <ac:spMk id="18" creationId="{47BBF83B-0BF6-426F-B8CE-63F0AADCBA46}"/>
+          </ac:spMkLst>
+        </pc:spChg>
+        <pc:spChg chg="add mod">
+          <ac:chgData name="남 상현" userId="03ad4a8e8f7310f3" providerId="LiveId" clId="{7AF43226-C139-4D0A-A230-0C602D1C5CED}" dt="2021-12-16T04:36:10.693" v="1019" actId="1035"/>
+          <ac:spMkLst>
+            <pc:docMk/>
+            <pc:sldMk cId="4249422317" sldId="268"/>
+            <ac:spMk id="19" creationId="{D2CDB761-0801-49E8-8EB7-4F38DABB5822}"/>
+          </ac:spMkLst>
+        </pc:spChg>
+        <pc:spChg chg="mod">
+          <ac:chgData name="남 상현" userId="03ad4a8e8f7310f3" providerId="LiveId" clId="{7AF43226-C139-4D0A-A230-0C602D1C5CED}" dt="2021-12-16T04:35:49.419" v="978" actId="1036"/>
+          <ac:spMkLst>
+            <pc:docMk/>
+            <pc:sldMk cId="4249422317" sldId="268"/>
+            <ac:spMk id="25" creationId="{09908E81-006F-4752-8D55-BCEDEB720672}"/>
+          </ac:spMkLst>
+        </pc:spChg>
+        <pc:spChg chg="mod">
+          <ac:chgData name="남 상현" userId="03ad4a8e8f7310f3" providerId="LiveId" clId="{7AF43226-C139-4D0A-A230-0C602D1C5CED}" dt="2021-12-16T04:35:49.419" v="978" actId="1036"/>
+          <ac:spMkLst>
+            <pc:docMk/>
+            <pc:sldMk cId="4249422317" sldId="268"/>
+            <ac:spMk id="26" creationId="{565FDBA7-D732-48FE-A2D2-882C71213DE2}"/>
+          </ac:spMkLst>
+        </pc:spChg>
+        <pc:spChg chg="add mod">
+          <ac:chgData name="남 상현" userId="03ad4a8e8f7310f3" providerId="LiveId" clId="{7AF43226-C139-4D0A-A230-0C602D1C5CED}" dt="2021-12-16T04:35:49.419" v="978" actId="1036"/>
+          <ac:spMkLst>
+            <pc:docMk/>
+            <pc:sldMk cId="4249422317" sldId="268"/>
+            <ac:spMk id="32" creationId="{48332792-9A9E-4CB1-A575-C53702D6E0A3}"/>
+          </ac:spMkLst>
+        </pc:spChg>
+        <pc:spChg chg="add mod">
+          <ac:chgData name="남 상현" userId="03ad4a8e8f7310f3" providerId="LiveId" clId="{7AF43226-C139-4D0A-A230-0C602D1C5CED}" dt="2021-12-16T04:29:10.662" v="428" actId="1076"/>
+          <ac:spMkLst>
+            <pc:docMk/>
+            <pc:sldMk cId="4249422317" sldId="268"/>
+            <ac:spMk id="33" creationId="{D12A2933-16EF-4C36-A03D-CCAD367E51F1}"/>
+          </ac:spMkLst>
+        </pc:spChg>
+        <pc:spChg chg="mod">
+          <ac:chgData name="남 상현" userId="03ad4a8e8f7310f3" providerId="LiveId" clId="{7AF43226-C139-4D0A-A230-0C602D1C5CED}" dt="2021-12-16T04:22:10.540" v="107" actId="164"/>
+          <ac:spMkLst>
+            <pc:docMk/>
+            <pc:sldMk cId="4249422317" sldId="268"/>
+            <ac:spMk id="43" creationId="{1E3E6FC5-8291-4DB1-A75A-90251E224297}"/>
+          </ac:spMkLst>
+        </pc:spChg>
+        <pc:spChg chg="mod">
+          <ac:chgData name="남 상현" userId="03ad4a8e8f7310f3" providerId="LiveId" clId="{7AF43226-C139-4D0A-A230-0C602D1C5CED}" dt="2021-12-16T04:28:28.626" v="424"/>
+          <ac:spMkLst>
+            <pc:docMk/>
+            <pc:sldMk cId="4249422317" sldId="268"/>
+            <ac:spMk id="45" creationId="{A4BBE638-E25F-47A6-9ECC-BB36D6E6F5DE}"/>
+          </ac:spMkLst>
+        </pc:spChg>
+        <pc:spChg chg="mod">
+          <ac:chgData name="남 상현" userId="03ad4a8e8f7310f3" providerId="LiveId" clId="{7AF43226-C139-4D0A-A230-0C602D1C5CED}" dt="2021-12-16T04:28:28.626" v="424"/>
+          <ac:spMkLst>
+            <pc:docMk/>
+            <pc:sldMk cId="4249422317" sldId="268"/>
+            <ac:spMk id="46" creationId="{54965ED6-0533-41EB-B900-701AF8AC2DB4}"/>
+          </ac:spMkLst>
+        </pc:spChg>
+        <pc:spChg chg="mod">
+          <ac:chgData name="남 상현" userId="03ad4a8e8f7310f3" providerId="LiveId" clId="{7AF43226-C139-4D0A-A230-0C602D1C5CED}" dt="2021-12-16T04:35:12.414" v="960" actId="165"/>
+          <ac:spMkLst>
+            <pc:docMk/>
+            <pc:sldMk cId="4249422317" sldId="268"/>
+            <ac:spMk id="53" creationId="{02093EC3-AEDF-4EA3-929E-8F1CD9DB12CA}"/>
+          </ac:spMkLst>
+        </pc:spChg>
+        <pc:spChg chg="mod">
+          <ac:chgData name="남 상현" userId="03ad4a8e8f7310f3" providerId="LiveId" clId="{7AF43226-C139-4D0A-A230-0C602D1C5CED}" dt="2021-12-16T04:35:12.414" v="960" actId="165"/>
+          <ac:spMkLst>
+            <pc:docMk/>
+            <pc:sldMk cId="4249422317" sldId="268"/>
+            <ac:spMk id="54" creationId="{2A6FF289-1727-47DF-9187-3E55DDBE8C54}"/>
+          </ac:spMkLst>
+        </pc:spChg>
+        <pc:spChg chg="add mod">
+          <ac:chgData name="남 상현" userId="03ad4a8e8f7310f3" providerId="LiveId" clId="{7AF43226-C139-4D0A-A230-0C602D1C5CED}" dt="2021-12-16T04:29:16.955" v="432" actId="20577"/>
+          <ac:spMkLst>
+            <pc:docMk/>
+            <pc:sldMk cId="4249422317" sldId="268"/>
+            <ac:spMk id="59" creationId="{ADBB8DAB-0F36-473E-A1CC-A61854040047}"/>
+          </ac:spMkLst>
+        </pc:spChg>
+        <pc:spChg chg="mod">
+          <ac:chgData name="남 상현" userId="03ad4a8e8f7310f3" providerId="LiveId" clId="{7AF43226-C139-4D0A-A230-0C602D1C5CED}" dt="2021-12-16T04:32:08.657" v="718" actId="571"/>
+          <ac:spMkLst>
+            <pc:docMk/>
+            <pc:sldMk cId="4249422317" sldId="268"/>
+            <ac:spMk id="75" creationId="{427C9C8B-5852-4A96-8994-F0823BCA9663}"/>
+          </ac:spMkLst>
+        </pc:spChg>
+        <pc:spChg chg="mod">
+          <ac:chgData name="남 상현" userId="03ad4a8e8f7310f3" providerId="LiveId" clId="{7AF43226-C139-4D0A-A230-0C602D1C5CED}" dt="2021-12-16T04:32:08.657" v="718" actId="571"/>
+          <ac:spMkLst>
+            <pc:docMk/>
+            <pc:sldMk cId="4249422317" sldId="268"/>
+            <ac:spMk id="76" creationId="{F451EBCF-B5DE-47BA-AD79-269E0DF00AE7}"/>
+          </ac:spMkLst>
+        </pc:spChg>
+        <pc:spChg chg="add mod">
+          <ac:chgData name="남 상현" userId="03ad4a8e8f7310f3" providerId="LiveId" clId="{7AF43226-C139-4D0A-A230-0C602D1C5CED}" dt="2021-12-16T04:35:35.542" v="972" actId="1076"/>
+          <ac:spMkLst>
+            <pc:docMk/>
+            <pc:sldMk cId="4249422317" sldId="268"/>
+            <ac:spMk id="95" creationId="{FCC5EEA5-F1AC-4586-B936-0E6BAFBD26A8}"/>
+          </ac:spMkLst>
+        </pc:spChg>
+        <pc:grpChg chg="add mod topLvl">
+          <ac:chgData name="남 상현" userId="03ad4a8e8f7310f3" providerId="LiveId" clId="{7AF43226-C139-4D0A-A230-0C602D1C5CED}" dt="2021-12-16T04:36:10.693" v="1019" actId="1035"/>
+          <ac:grpSpMkLst>
+            <pc:docMk/>
+            <pc:sldMk cId="4249422317" sldId="268"/>
+            <ac:grpSpMk id="3" creationId="{38F8AB4E-9102-498F-808F-D2A3704022A8}"/>
+          </ac:grpSpMkLst>
+        </pc:grpChg>
+        <pc:grpChg chg="add mod ord">
+          <ac:chgData name="남 상현" userId="03ad4a8e8f7310f3" providerId="LiveId" clId="{7AF43226-C139-4D0A-A230-0C602D1C5CED}" dt="2021-12-16T04:36:18.504" v="1020" actId="1037"/>
+          <ac:grpSpMkLst>
+            <pc:docMk/>
+            <pc:sldMk cId="4249422317" sldId="268"/>
+            <ac:grpSpMk id="4" creationId="{B19E3AE9-F61C-47C2-8FE7-710AFD7214F0}"/>
+          </ac:grpSpMkLst>
+        </pc:grpChg>
+        <pc:grpChg chg="add del mod">
+          <ac:chgData name="남 상현" userId="03ad4a8e8f7310f3" providerId="LiveId" clId="{7AF43226-C139-4D0A-A230-0C602D1C5CED}" dt="2021-12-16T04:23:16.202" v="220" actId="165"/>
+          <ac:grpSpMkLst>
+            <pc:docMk/>
+            <pc:sldMk cId="4249422317" sldId="268"/>
+            <ac:grpSpMk id="8" creationId="{32E51A9C-A9B1-4CF2-94D9-2D74EF53E33A}"/>
+          </ac:grpSpMkLst>
+        </pc:grpChg>
+        <pc:grpChg chg="add mod">
+          <ac:chgData name="남 상현" userId="03ad4a8e8f7310f3" providerId="LiveId" clId="{7AF43226-C139-4D0A-A230-0C602D1C5CED}" dt="2021-12-16T04:36:10.693" v="1019" actId="1035"/>
+          <ac:grpSpMkLst>
+            <pc:docMk/>
+            <pc:sldMk cId="4249422317" sldId="268"/>
+            <ac:grpSpMk id="17" creationId="{77BEF578-85AB-4BB7-9917-6EA999BCE05F}"/>
+          </ac:grpSpMkLst>
+        </pc:grpChg>
+        <pc:grpChg chg="add del mod topLvl">
+          <ac:chgData name="남 상현" userId="03ad4a8e8f7310f3" providerId="LiveId" clId="{7AF43226-C139-4D0A-A230-0C602D1C5CED}" dt="2021-12-16T04:35:12.414" v="960" actId="165"/>
+          <ac:grpSpMkLst>
+            <pc:docMk/>
+            <pc:sldMk cId="4249422317" sldId="268"/>
+            <ac:grpSpMk id="20" creationId="{1C335A3C-15AF-4735-BCC2-D08D9354EA2C}"/>
+          </ac:grpSpMkLst>
+        </pc:grpChg>
+        <pc:grpChg chg="add del mod">
+          <ac:chgData name="남 상현" userId="03ad4a8e8f7310f3" providerId="LiveId" clId="{7AF43226-C139-4D0A-A230-0C602D1C5CED}" dt="2021-12-16T04:35:06.679" v="957" actId="165"/>
+          <ac:grpSpMkLst>
+            <pc:docMk/>
+            <pc:sldMk cId="4249422317" sldId="268"/>
+            <ac:grpSpMk id="21" creationId="{D19D6525-4FFD-43C0-BFE8-3C887B60ABEE}"/>
+          </ac:grpSpMkLst>
+        </pc:grpChg>
+        <pc:grpChg chg="add mod topLvl">
+          <ac:chgData name="남 상현" userId="03ad4a8e8f7310f3" providerId="LiveId" clId="{7AF43226-C139-4D0A-A230-0C602D1C5CED}" dt="2021-12-16T04:35:49.419" v="978" actId="1036"/>
+          <ac:grpSpMkLst>
+            <pc:docMk/>
+            <pc:sldMk cId="4249422317" sldId="268"/>
+            <ac:grpSpMk id="22" creationId="{17C77AD9-F194-4A86-B79F-B42BE20337A2}"/>
+          </ac:grpSpMkLst>
+        </pc:grpChg>
+        <pc:grpChg chg="add mod">
+          <ac:chgData name="남 상현" userId="03ad4a8e8f7310f3" providerId="LiveId" clId="{7AF43226-C139-4D0A-A230-0C602D1C5CED}" dt="2021-12-16T04:35:49.419" v="978" actId="1036"/>
+          <ac:grpSpMkLst>
+            <pc:docMk/>
+            <pc:sldMk cId="4249422317" sldId="268"/>
+            <ac:grpSpMk id="23" creationId="{4726468E-562E-4032-A17C-BF9135AE7226}"/>
+          </ac:grpSpMkLst>
+        </pc:grpChg>
+        <pc:grpChg chg="mod">
+          <ac:chgData name="남 상현" userId="03ad4a8e8f7310f3" providerId="LiveId" clId="{7AF43226-C139-4D0A-A230-0C602D1C5CED}" dt="2021-12-16T04:35:49.419" v="978" actId="1036"/>
+          <ac:grpSpMkLst>
+            <pc:docMk/>
+            <pc:sldMk cId="4249422317" sldId="268"/>
+            <ac:grpSpMk id="24" creationId="{8D24F611-13D8-4160-989F-7DF6D178A422}"/>
+          </ac:grpSpMkLst>
+        </pc:grpChg>
+        <pc:grpChg chg="add mod">
+          <ac:chgData name="남 상현" userId="03ad4a8e8f7310f3" providerId="LiveId" clId="{7AF43226-C139-4D0A-A230-0C602D1C5CED}" dt="2021-12-16T04:28:28.626" v="424"/>
+          <ac:grpSpMkLst>
+            <pc:docMk/>
+            <pc:sldMk cId="4249422317" sldId="268"/>
+            <ac:grpSpMk id="41" creationId="{55BB6607-C169-4788-843F-B2A6117AD5BA}"/>
+          </ac:grpSpMkLst>
+        </pc:grpChg>
+        <pc:grpChg chg="mod">
+          <ac:chgData name="남 상현" userId="03ad4a8e8f7310f3" providerId="LiveId" clId="{7AF43226-C139-4D0A-A230-0C602D1C5CED}" dt="2021-12-16T04:28:28.626" v="424"/>
+          <ac:grpSpMkLst>
+            <pc:docMk/>
+            <pc:sldMk cId="4249422317" sldId="268"/>
+            <ac:grpSpMk id="42" creationId="{0BB5E839-DFD3-46AF-BDFD-1BBF2A95242D}"/>
+          </ac:grpSpMkLst>
+        </pc:grpChg>
+        <pc:grpChg chg="mod">
+          <ac:chgData name="남 상현" userId="03ad4a8e8f7310f3" providerId="LiveId" clId="{7AF43226-C139-4D0A-A230-0C602D1C5CED}" dt="2021-12-16T04:22:10.540" v="107" actId="164"/>
+          <ac:grpSpMkLst>
+            <pc:docMk/>
+            <pc:sldMk cId="4249422317" sldId="268"/>
+            <ac:grpSpMk id="44" creationId="{4FAA3BF0-D465-40DD-AAB5-93A8F9C2E06C}"/>
+          </ac:grpSpMkLst>
+        </pc:grpChg>
+        <pc:grpChg chg="add mod topLvl">
+          <ac:chgData name="남 상현" userId="03ad4a8e8f7310f3" providerId="LiveId" clId="{7AF43226-C139-4D0A-A230-0C602D1C5CED}" dt="2021-12-16T04:35:12.414" v="960" actId="165"/>
+          <ac:grpSpMkLst>
+            <pc:docMk/>
+            <pc:sldMk cId="4249422317" sldId="268"/>
+            <ac:grpSpMk id="51" creationId="{951656C9-B44C-49F9-89CD-EF28C2F0A371}"/>
+          </ac:grpSpMkLst>
+        </pc:grpChg>
+        <pc:grpChg chg="mod">
+          <ac:chgData name="남 상현" userId="03ad4a8e8f7310f3" providerId="LiveId" clId="{7AF43226-C139-4D0A-A230-0C602D1C5CED}" dt="2021-12-16T04:35:12.414" v="960" actId="165"/>
+          <ac:grpSpMkLst>
+            <pc:docMk/>
+            <pc:sldMk cId="4249422317" sldId="268"/>
+            <ac:grpSpMk id="52" creationId="{A1F6ED0C-DD3C-42EF-9E4C-4029FD3E864E}"/>
+          </ac:grpSpMkLst>
+        </pc:grpChg>
+        <pc:grpChg chg="add mod ord topLvl">
+          <ac:chgData name="남 상현" userId="03ad4a8e8f7310f3" providerId="LiveId" clId="{7AF43226-C139-4D0A-A230-0C602D1C5CED}" dt="2021-12-16T04:35:13.650" v="962" actId="1076"/>
+          <ac:grpSpMkLst>
+            <pc:docMk/>
+            <pc:sldMk cId="4249422317" sldId="268"/>
+            <ac:grpSpMk id="63" creationId="{5B506A0A-1017-43C3-94C9-ADCDE4EFB6CE}"/>
+          </ac:grpSpMkLst>
+        </pc:grpChg>
+        <pc:grpChg chg="add mod">
+          <ac:chgData name="남 상현" userId="03ad4a8e8f7310f3" providerId="LiveId" clId="{7AF43226-C139-4D0A-A230-0C602D1C5CED}" dt="2021-12-16T04:32:08.657" v="718" actId="571"/>
+          <ac:grpSpMkLst>
+            <pc:docMk/>
+            <pc:sldMk cId="4249422317" sldId="268"/>
+            <ac:grpSpMk id="66" creationId="{29371C94-38FE-448D-8508-35D9D38032A8}"/>
+          </ac:grpSpMkLst>
+        </pc:grpChg>
+        <pc:grpChg chg="mod">
+          <ac:chgData name="남 상현" userId="03ad4a8e8f7310f3" providerId="LiveId" clId="{7AF43226-C139-4D0A-A230-0C602D1C5CED}" dt="2021-12-16T04:32:08.657" v="718" actId="571"/>
+          <ac:grpSpMkLst>
+            <pc:docMk/>
+            <pc:sldMk cId="4249422317" sldId="268"/>
+            <ac:grpSpMk id="67" creationId="{F073E86F-BCC0-49CF-B11E-72142519A3FA}"/>
+          </ac:grpSpMkLst>
+        </pc:grpChg>
+        <pc:grpChg chg="mod">
+          <ac:chgData name="남 상현" userId="03ad4a8e8f7310f3" providerId="LiveId" clId="{7AF43226-C139-4D0A-A230-0C602D1C5CED}" dt="2021-12-16T04:32:08.657" v="718" actId="571"/>
+          <ac:grpSpMkLst>
+            <pc:docMk/>
+            <pc:sldMk cId="4249422317" sldId="268"/>
+            <ac:grpSpMk id="70" creationId="{4674C6F9-439A-4323-8C39-349B005AD419}"/>
+          </ac:grpSpMkLst>
+        </pc:grpChg>
+        <pc:grpChg chg="mod">
+          <ac:chgData name="남 상현" userId="03ad4a8e8f7310f3" providerId="LiveId" clId="{7AF43226-C139-4D0A-A230-0C602D1C5CED}" dt="2021-12-16T04:32:08.657" v="718" actId="571"/>
+          <ac:grpSpMkLst>
+            <pc:docMk/>
+            <pc:sldMk cId="4249422317" sldId="268"/>
+            <ac:grpSpMk id="71" creationId="{4ECF2649-AA3F-4B40-8257-118D15E6F54D}"/>
+          </ac:grpSpMkLst>
+        </pc:grpChg>
+        <pc:grpChg chg="mod">
+          <ac:chgData name="남 상현" userId="03ad4a8e8f7310f3" providerId="LiveId" clId="{7AF43226-C139-4D0A-A230-0C602D1C5CED}" dt="2021-12-16T04:32:08.657" v="718" actId="571"/>
+          <ac:grpSpMkLst>
+            <pc:docMk/>
+            <pc:sldMk cId="4249422317" sldId="268"/>
+            <ac:grpSpMk id="74" creationId="{A5210BB7-F01F-4529-B690-E8C2DA56B154}"/>
+          </ac:grpSpMkLst>
+        </pc:grpChg>
+        <pc:grpChg chg="add del mod">
+          <ac:chgData name="남 상현" userId="03ad4a8e8f7310f3" providerId="LiveId" clId="{7AF43226-C139-4D0A-A230-0C602D1C5CED}" dt="2021-12-16T04:32:39.151" v="729" actId="165"/>
+          <ac:grpSpMkLst>
+            <pc:docMk/>
+            <pc:sldMk cId="4249422317" sldId="268"/>
+            <ac:grpSpMk id="81" creationId="{A0E3539E-0BE5-44AB-8C26-CC86FF1DFCA4}"/>
+          </ac:grpSpMkLst>
+        </pc:grpChg>
+        <pc:grpChg chg="add mod">
+          <ac:chgData name="남 상현" userId="03ad4a8e8f7310f3" providerId="LiveId" clId="{7AF43226-C139-4D0A-A230-0C602D1C5CED}" dt="2021-12-16T04:35:49.419" v="978" actId="1036"/>
+          <ac:grpSpMkLst>
+            <pc:docMk/>
+            <pc:sldMk cId="4249422317" sldId="268"/>
+            <ac:grpSpMk id="82" creationId="{A7CD3436-C49D-4615-B3BD-49E3C3231E25}"/>
+          </ac:grpSpMkLst>
+        </pc:grpChg>
+        <pc:grpChg chg="add mod">
+          <ac:chgData name="남 상현" userId="03ad4a8e8f7310f3" providerId="LiveId" clId="{7AF43226-C139-4D0A-A230-0C602D1C5CED}" dt="2021-12-16T04:33:51.809" v="825" actId="1035"/>
+          <ac:grpSpMkLst>
+            <pc:docMk/>
+            <pc:sldMk cId="4249422317" sldId="268"/>
+            <ac:grpSpMk id="83" creationId="{8558AC32-A816-410B-B278-F83A82348DE9}"/>
+          </ac:grpSpMkLst>
+        </pc:grpChg>
+        <pc:grpChg chg="add mod">
+          <ac:chgData name="남 상현" userId="03ad4a8e8f7310f3" providerId="LiveId" clId="{7AF43226-C139-4D0A-A230-0C602D1C5CED}" dt="2021-12-16T04:35:16.370" v="964" actId="1076"/>
+          <ac:grpSpMkLst>
+            <pc:docMk/>
+            <pc:sldMk cId="4249422317" sldId="268"/>
+            <ac:grpSpMk id="86" creationId="{5707662F-3F4D-4F59-8B44-8708341983F9}"/>
+          </ac:grpSpMkLst>
+        </pc:grpChg>
+        <pc:grpChg chg="add mod">
+          <ac:chgData name="남 상현" userId="03ad4a8e8f7310f3" providerId="LiveId" clId="{7AF43226-C139-4D0A-A230-0C602D1C5CED}" dt="2021-12-16T04:35:19.030" v="966" actId="1076"/>
+          <ac:grpSpMkLst>
+            <pc:docMk/>
+            <pc:sldMk cId="4249422317" sldId="268"/>
+            <ac:grpSpMk id="89" creationId="{D1F77D58-B3DC-4861-864E-8D6409CE7D0A}"/>
+          </ac:grpSpMkLst>
+        </pc:grpChg>
+        <pc:grpChg chg="add mod">
+          <ac:chgData name="남 상현" userId="03ad4a8e8f7310f3" providerId="LiveId" clId="{7AF43226-C139-4D0A-A230-0C602D1C5CED}" dt="2021-12-16T04:35:23.064" v="969" actId="1076"/>
+          <ac:grpSpMkLst>
+            <pc:docMk/>
+            <pc:sldMk cId="4249422317" sldId="268"/>
+            <ac:grpSpMk id="92" creationId="{0C8D54CF-5299-4D2A-9509-ACC78B8FF8BD}"/>
+          </ac:grpSpMkLst>
+        </pc:grpChg>
+        <pc:picChg chg="add mod">
+          <ac:chgData name="남 상현" userId="03ad4a8e8f7310f3" providerId="LiveId" clId="{7AF43226-C139-4D0A-A230-0C602D1C5CED}" dt="2021-12-16T04:36:10.693" v="1019" actId="1035"/>
+          <ac:picMkLst>
+            <pc:docMk/>
+            <pc:sldMk cId="4249422317" sldId="268"/>
+            <ac:picMk id="10" creationId="{532560F0-00F0-46B6-8701-A63B1978F812}"/>
+          </ac:picMkLst>
+        </pc:picChg>
+        <pc:picChg chg="add mod">
+          <ac:chgData name="남 상현" userId="03ad4a8e8f7310f3" providerId="LiveId" clId="{7AF43226-C139-4D0A-A230-0C602D1C5CED}" dt="2021-12-16T04:36:10.693" v="1019" actId="1035"/>
+          <ac:picMkLst>
+            <pc:docMk/>
+            <pc:sldMk cId="4249422317" sldId="268"/>
+            <ac:picMk id="11" creationId="{ACEF756B-39B8-444A-95CF-47AA36675523}"/>
+          </ac:picMkLst>
+        </pc:picChg>
+        <pc:picChg chg="add mod">
+          <ac:chgData name="남 상현" userId="03ad4a8e8f7310f3" providerId="LiveId" clId="{7AF43226-C139-4D0A-A230-0C602D1C5CED}" dt="2021-12-16T04:36:10.693" v="1019" actId="1035"/>
+          <ac:picMkLst>
+            <pc:docMk/>
+            <pc:sldMk cId="4249422317" sldId="268"/>
+            <ac:picMk id="12" creationId="{282E18F3-6952-48F4-AF76-5D6AA76F0B8C}"/>
+          </ac:picMkLst>
+        </pc:picChg>
+        <pc:picChg chg="add mod">
+          <ac:chgData name="남 상현" userId="03ad4a8e8f7310f3" providerId="LiveId" clId="{7AF43226-C139-4D0A-A230-0C602D1C5CED}" dt="2021-12-16T04:36:10.693" v="1019" actId="1035"/>
+          <ac:picMkLst>
+            <pc:docMk/>
+            <pc:sldMk cId="4249422317" sldId="268"/>
+            <ac:picMk id="13" creationId="{ED2E139F-39D9-4147-A95D-1EFA775E07D4}"/>
+          </ac:picMkLst>
+        </pc:picChg>
+        <pc:picChg chg="mod">
+          <ac:chgData name="남 상현" userId="03ad4a8e8f7310f3" providerId="LiveId" clId="{7AF43226-C139-4D0A-A230-0C602D1C5CED}" dt="2021-12-16T04:35:49.419" v="978" actId="1036"/>
+          <ac:picMkLst>
+            <pc:docMk/>
+            <pc:sldMk cId="4249422317" sldId="268"/>
+            <ac:picMk id="27" creationId="{3FBE022D-FBE7-40B4-8AAB-C3FAB02989A4}"/>
+          </ac:picMkLst>
+        </pc:picChg>
+        <pc:picChg chg="mod">
+          <ac:chgData name="남 상현" userId="03ad4a8e8f7310f3" providerId="LiveId" clId="{7AF43226-C139-4D0A-A230-0C602D1C5CED}" dt="2021-12-16T04:35:49.419" v="978" actId="1036"/>
+          <ac:picMkLst>
+            <pc:docMk/>
+            <pc:sldMk cId="4249422317" sldId="268"/>
+            <ac:picMk id="28" creationId="{4E7A0EC3-5782-416C-B8EE-F42F6E8A5C79}"/>
+          </ac:picMkLst>
+        </pc:picChg>
+        <pc:picChg chg="mod">
+          <ac:chgData name="남 상현" userId="03ad4a8e8f7310f3" providerId="LiveId" clId="{7AF43226-C139-4D0A-A230-0C602D1C5CED}" dt="2021-12-16T04:35:49.419" v="978" actId="1036"/>
+          <ac:picMkLst>
+            <pc:docMk/>
+            <pc:sldMk cId="4249422317" sldId="268"/>
+            <ac:picMk id="29" creationId="{6FAEA810-F302-429B-91A2-07DCA9EB0177}"/>
+          </ac:picMkLst>
+        </pc:picChg>
+        <pc:picChg chg="mod">
+          <ac:chgData name="남 상현" userId="03ad4a8e8f7310f3" providerId="LiveId" clId="{7AF43226-C139-4D0A-A230-0C602D1C5CED}" dt="2021-12-16T04:35:49.419" v="978" actId="1036"/>
+          <ac:picMkLst>
+            <pc:docMk/>
+            <pc:sldMk cId="4249422317" sldId="268"/>
+            <ac:picMk id="30" creationId="{24B20645-1483-4BB3-A726-22C59943B59F}"/>
+          </ac:picMkLst>
+        </pc:picChg>
+        <pc:picChg chg="del mod">
+          <ac:chgData name="남 상현" userId="03ad4a8e8f7310f3" providerId="LiveId" clId="{7AF43226-C139-4D0A-A230-0C602D1C5CED}" dt="2021-12-16T04:26:28.887" v="252" actId="478"/>
+          <ac:picMkLst>
+            <pc:docMk/>
+            <pc:sldMk cId="4249422317" sldId="268"/>
+            <ac:picMk id="31" creationId="{A058A825-FDD9-4620-80EA-E16495052925}"/>
+          </ac:picMkLst>
+        </pc:picChg>
+        <pc:picChg chg="add mod">
+          <ac:chgData name="남 상현" userId="03ad4a8e8f7310f3" providerId="LiveId" clId="{7AF43226-C139-4D0A-A230-0C602D1C5CED}" dt="2021-12-16T04:26:59.313" v="261"/>
+          <ac:picMkLst>
+            <pc:docMk/>
+            <pc:sldMk cId="4249422317" sldId="268"/>
+            <ac:picMk id="34" creationId="{A43CD457-6DAE-411E-A9A7-CBCFA1881616}"/>
+          </ac:picMkLst>
+        </pc:picChg>
+        <pc:picChg chg="add mod topLvl">
+          <ac:chgData name="남 상현" userId="03ad4a8e8f7310f3" providerId="LiveId" clId="{7AF43226-C139-4D0A-A230-0C602D1C5CED}" dt="2021-12-16T04:35:49.419" v="978" actId="1036"/>
+          <ac:picMkLst>
+            <pc:docMk/>
+            <pc:sldMk cId="4249422317" sldId="268"/>
+            <ac:picMk id="35" creationId="{C86E023C-F960-4711-9775-3F83395EB922}"/>
+          </ac:picMkLst>
+        </pc:picChg>
+        <pc:picChg chg="add del mod">
+          <ac:chgData name="남 상현" userId="03ad4a8e8f7310f3" providerId="LiveId" clId="{7AF43226-C139-4D0A-A230-0C602D1C5CED}" dt="2021-12-16T04:27:43.231" v="276" actId="478"/>
+          <ac:picMkLst>
+            <pc:docMk/>
+            <pc:sldMk cId="4249422317" sldId="268"/>
+            <ac:picMk id="36" creationId="{BD2C3445-DB08-44C5-A560-D6E312F6F33E}"/>
+          </ac:picMkLst>
+        </pc:picChg>
+        <pc:picChg chg="add mod">
+          <ac:chgData name="남 상현" userId="03ad4a8e8f7310f3" providerId="LiveId" clId="{7AF43226-C139-4D0A-A230-0C602D1C5CED}" dt="2021-12-16T04:33:51.809" v="825" actId="1035"/>
+          <ac:picMkLst>
+            <pc:docMk/>
+            <pc:sldMk cId="4249422317" sldId="268"/>
+            <ac:picMk id="37" creationId="{35770876-200E-49E1-AADB-276543163547}"/>
+          </ac:picMkLst>
+        </pc:picChg>
+        <pc:picChg chg="add mod">
+          <ac:chgData name="남 상현" userId="03ad4a8e8f7310f3" providerId="LiveId" clId="{7AF43226-C139-4D0A-A230-0C602D1C5CED}" dt="2021-12-16T04:34:01.858" v="827" actId="171"/>
+          <ac:picMkLst>
+            <pc:docMk/>
+            <pc:sldMk cId="4249422317" sldId="268"/>
+            <ac:picMk id="38" creationId="{C7764C4D-5AC0-46BB-B017-6D333CA013B3}"/>
+          </ac:picMkLst>
+        </pc:picChg>
+        <pc:picChg chg="add mod">
+          <ac:chgData name="남 상현" userId="03ad4a8e8f7310f3" providerId="LiveId" clId="{7AF43226-C139-4D0A-A230-0C602D1C5CED}" dt="2021-12-16T04:27:41.489" v="275"/>
+          <ac:picMkLst>
+            <pc:docMk/>
+            <pc:sldMk cId="4249422317" sldId="268"/>
+            <ac:picMk id="39" creationId="{40D44056-A309-4622-9337-57C5716220A5}"/>
+          </ac:picMkLst>
+        </pc:picChg>
+        <pc:picChg chg="add mod topLvl">
+          <ac:chgData name="남 상현" userId="03ad4a8e8f7310f3" providerId="LiveId" clId="{7AF43226-C139-4D0A-A230-0C602D1C5CED}" dt="2021-12-16T04:35:49.419" v="978" actId="1036"/>
+          <ac:picMkLst>
+            <pc:docMk/>
+            <pc:sldMk cId="4249422317" sldId="268"/>
+            <ac:picMk id="40" creationId="{EBE2DDF1-9C57-40AE-B682-CE198F4C0540}"/>
+          </ac:picMkLst>
+        </pc:picChg>
+        <pc:picChg chg="mod">
+          <ac:chgData name="남 상현" userId="03ad4a8e8f7310f3" providerId="LiveId" clId="{7AF43226-C139-4D0A-A230-0C602D1C5CED}" dt="2021-12-16T04:28:28.626" v="424"/>
+          <ac:picMkLst>
+            <pc:docMk/>
+            <pc:sldMk cId="4249422317" sldId="268"/>
+            <ac:picMk id="47" creationId="{B49030B3-C3B6-4060-B692-42C07FB18052}"/>
+          </ac:picMkLst>
+        </pc:picChg>
+        <pc:picChg chg="mod">
+          <ac:chgData name="남 상현" userId="03ad4a8e8f7310f3" providerId="LiveId" clId="{7AF43226-C139-4D0A-A230-0C602D1C5CED}" dt="2021-12-16T04:28:28.626" v="424"/>
+          <ac:picMkLst>
+            <pc:docMk/>
+            <pc:sldMk cId="4249422317" sldId="268"/>
+            <ac:picMk id="48" creationId="{9DA9E490-D45B-471B-8B8D-4918D50BDF41}"/>
+          </ac:picMkLst>
+        </pc:picChg>
+        <pc:picChg chg="mod">
+          <ac:chgData name="남 상현" userId="03ad4a8e8f7310f3" providerId="LiveId" clId="{7AF43226-C139-4D0A-A230-0C602D1C5CED}" dt="2021-12-16T04:28:28.626" v="424"/>
+          <ac:picMkLst>
+            <pc:docMk/>
+            <pc:sldMk cId="4249422317" sldId="268"/>
+            <ac:picMk id="49" creationId="{CA2A10BB-82C3-4312-B0BE-756115D6605B}"/>
+          </ac:picMkLst>
+        </pc:picChg>
+        <pc:picChg chg="mod">
+          <ac:chgData name="남 상현" userId="03ad4a8e8f7310f3" providerId="LiveId" clId="{7AF43226-C139-4D0A-A230-0C602D1C5CED}" dt="2021-12-16T04:28:28.626" v="424"/>
+          <ac:picMkLst>
+            <pc:docMk/>
+            <pc:sldMk cId="4249422317" sldId="268"/>
+            <ac:picMk id="50" creationId="{F2F7F2D0-D919-4401-A14C-D90CA6D2FA41}"/>
+          </ac:picMkLst>
+        </pc:picChg>
+        <pc:picChg chg="mod">
+          <ac:chgData name="남 상현" userId="03ad4a8e8f7310f3" providerId="LiveId" clId="{7AF43226-C139-4D0A-A230-0C602D1C5CED}" dt="2021-12-16T04:35:12.414" v="960" actId="165"/>
+          <ac:picMkLst>
+            <pc:docMk/>
+            <pc:sldMk cId="4249422317" sldId="268"/>
+            <ac:picMk id="55" creationId="{93E01C4F-71DF-41CB-98D1-D943B3B47E56}"/>
+          </ac:picMkLst>
+        </pc:picChg>
+        <pc:picChg chg="mod">
+          <ac:chgData name="남 상현" userId="03ad4a8e8f7310f3" providerId="LiveId" clId="{7AF43226-C139-4D0A-A230-0C602D1C5CED}" dt="2021-12-16T04:35:12.414" v="960" actId="165"/>
+          <ac:picMkLst>
+            <pc:docMk/>
+            <pc:sldMk cId="4249422317" sldId="268"/>
+            <ac:picMk id="56" creationId="{BAE4040A-5F20-4598-87F2-7717C7A98509}"/>
+          </ac:picMkLst>
+        </pc:picChg>
+        <pc:picChg chg="mod">
+          <ac:chgData name="남 상현" userId="03ad4a8e8f7310f3" providerId="LiveId" clId="{7AF43226-C139-4D0A-A230-0C602D1C5CED}" dt="2021-12-16T04:35:12.414" v="960" actId="165"/>
+          <ac:picMkLst>
+            <pc:docMk/>
+            <pc:sldMk cId="4249422317" sldId="268"/>
+            <ac:picMk id="57" creationId="{8E0E2DB8-1675-4C97-A204-A1801FD09994}"/>
+          </ac:picMkLst>
+        </pc:picChg>
+        <pc:picChg chg="mod">
+          <ac:chgData name="남 상현" userId="03ad4a8e8f7310f3" providerId="LiveId" clId="{7AF43226-C139-4D0A-A230-0C602D1C5CED}" dt="2021-12-16T04:35:12.414" v="960" actId="165"/>
+          <ac:picMkLst>
+            <pc:docMk/>
+            <pc:sldMk cId="4249422317" sldId="268"/>
+            <ac:picMk id="58" creationId="{8389236B-486E-4EB5-9FB4-7C9D9744D2DD}"/>
+          </ac:picMkLst>
+        </pc:picChg>
+        <pc:picChg chg="add mod topLvl">
+          <ac:chgData name="남 상현" userId="03ad4a8e8f7310f3" providerId="LiveId" clId="{7AF43226-C139-4D0A-A230-0C602D1C5CED}" dt="2021-12-16T04:35:06.679" v="957" actId="165"/>
+          <ac:picMkLst>
+            <pc:docMk/>
+            <pc:sldMk cId="4249422317" sldId="268"/>
+            <ac:picMk id="60" creationId="{F2051A7E-22EC-43E0-BD5B-DFDF1CF2653E}"/>
+          </ac:picMkLst>
+        </pc:picChg>
+        <pc:picChg chg="add mod topLvl">
+          <ac:chgData name="남 상현" userId="03ad4a8e8f7310f3" providerId="LiveId" clId="{7AF43226-C139-4D0A-A230-0C602D1C5CED}" dt="2021-12-16T04:35:06.679" v="957" actId="165"/>
+          <ac:picMkLst>
+            <pc:docMk/>
+            <pc:sldMk cId="4249422317" sldId="268"/>
+            <ac:picMk id="61" creationId="{E4A8ED07-0D62-4C0E-BEB6-4641100EFEFB}"/>
+          </ac:picMkLst>
+        </pc:picChg>
+        <pc:picChg chg="add del mod">
+          <ac:chgData name="남 상현" userId="03ad4a8e8f7310f3" providerId="LiveId" clId="{7AF43226-C139-4D0A-A230-0C602D1C5CED}" dt="2021-12-16T04:30:07.437" v="442"/>
+          <ac:picMkLst>
+            <pc:docMk/>
+            <pc:sldMk cId="4249422317" sldId="268"/>
+            <ac:picMk id="62" creationId="{B644A2FD-A3EA-4484-A39D-C2FD9BD70CCC}"/>
+          </ac:picMkLst>
+        </pc:picChg>
+        <pc:picChg chg="mod">
+          <ac:chgData name="남 상현" userId="03ad4a8e8f7310f3" providerId="LiveId" clId="{7AF43226-C139-4D0A-A230-0C602D1C5CED}" dt="2021-12-16T04:35:12.414" v="960" actId="165"/>
+          <ac:picMkLst>
+            <pc:docMk/>
+            <pc:sldMk cId="4249422317" sldId="268"/>
+            <ac:picMk id="64" creationId="{A8B03402-5E68-4E4A-9AE6-7D51E8E5CC78}"/>
+          </ac:picMkLst>
+        </pc:picChg>
+        <pc:picChg chg="mod">
+          <ac:chgData name="남 상현" userId="03ad4a8e8f7310f3" providerId="LiveId" clId="{7AF43226-C139-4D0A-A230-0C602D1C5CED}" dt="2021-12-16T04:35:12.414" v="960" actId="165"/>
+          <ac:picMkLst>
+            <pc:docMk/>
+            <pc:sldMk cId="4249422317" sldId="268"/>
+            <ac:picMk id="65" creationId="{44E85324-C661-4982-B2DD-DAE5D1CFA894}"/>
+          </ac:picMkLst>
+        </pc:picChg>
+        <pc:picChg chg="mod">
+          <ac:chgData name="남 상현" userId="03ad4a8e8f7310f3" providerId="LiveId" clId="{7AF43226-C139-4D0A-A230-0C602D1C5CED}" dt="2021-12-16T04:32:08.657" v="718" actId="571"/>
+          <ac:picMkLst>
+            <pc:docMk/>
+            <pc:sldMk cId="4249422317" sldId="268"/>
+            <ac:picMk id="68" creationId="{D69A4D14-95F8-4768-8E2B-5959352B4921}"/>
+          </ac:picMkLst>
+        </pc:picChg>
+        <pc:picChg chg="mod">
+          <ac:chgData name="남 상현" userId="03ad4a8e8f7310f3" providerId="LiveId" clId="{7AF43226-C139-4D0A-A230-0C602D1C5CED}" dt="2021-12-16T04:32:08.657" v="718" actId="571"/>
+          <ac:picMkLst>
+            <pc:docMk/>
+            <pc:sldMk cId="4249422317" sldId="268"/>
+            <ac:picMk id="69" creationId="{C8E4F899-7239-4689-A9B7-1FEF9D290427}"/>
+          </ac:picMkLst>
+        </pc:picChg>
+        <pc:picChg chg="mod">
+          <ac:chgData name="남 상현" userId="03ad4a8e8f7310f3" providerId="LiveId" clId="{7AF43226-C139-4D0A-A230-0C602D1C5CED}" dt="2021-12-16T04:32:08.657" v="718" actId="571"/>
+          <ac:picMkLst>
+            <pc:docMk/>
+            <pc:sldMk cId="4249422317" sldId="268"/>
+            <ac:picMk id="72" creationId="{3D003E7D-F768-43BD-8680-64A59C810D9B}"/>
+          </ac:picMkLst>
+        </pc:picChg>
+        <pc:picChg chg="mod">
+          <ac:chgData name="남 상현" userId="03ad4a8e8f7310f3" providerId="LiveId" clId="{7AF43226-C139-4D0A-A230-0C602D1C5CED}" dt="2021-12-16T04:32:08.657" v="718" actId="571"/>
+          <ac:picMkLst>
+            <pc:docMk/>
+            <pc:sldMk cId="4249422317" sldId="268"/>
+            <ac:picMk id="73" creationId="{72DDA1FC-90A8-4246-8016-5E00290A0CE7}"/>
+          </ac:picMkLst>
+        </pc:picChg>
+        <pc:picChg chg="mod">
+          <ac:chgData name="남 상현" userId="03ad4a8e8f7310f3" providerId="LiveId" clId="{7AF43226-C139-4D0A-A230-0C602D1C5CED}" dt="2021-12-16T04:32:08.657" v="718" actId="571"/>
+          <ac:picMkLst>
+            <pc:docMk/>
+            <pc:sldMk cId="4249422317" sldId="268"/>
+            <ac:picMk id="77" creationId="{A848D07A-2E2F-4776-872F-65DB4F59F874}"/>
+          </ac:picMkLst>
+        </pc:picChg>
+        <pc:picChg chg="mod">
+          <ac:chgData name="남 상현" userId="03ad4a8e8f7310f3" providerId="LiveId" clId="{7AF43226-C139-4D0A-A230-0C602D1C5CED}" dt="2021-12-16T04:32:08.657" v="718" actId="571"/>
+          <ac:picMkLst>
+            <pc:docMk/>
+            <pc:sldMk cId="4249422317" sldId="268"/>
+            <ac:picMk id="78" creationId="{392D50C5-DAE1-451C-BF36-99526A524884}"/>
+          </ac:picMkLst>
+        </pc:picChg>
+        <pc:picChg chg="mod">
+          <ac:chgData name="남 상현" userId="03ad4a8e8f7310f3" providerId="LiveId" clId="{7AF43226-C139-4D0A-A230-0C602D1C5CED}" dt="2021-12-16T04:32:08.657" v="718" actId="571"/>
+          <ac:picMkLst>
+            <pc:docMk/>
+            <pc:sldMk cId="4249422317" sldId="268"/>
+            <ac:picMk id="79" creationId="{9B4CBE4E-A595-4DB9-819D-9552122C104D}"/>
+          </ac:picMkLst>
+        </pc:picChg>
+        <pc:picChg chg="mod">
+          <ac:chgData name="남 상현" userId="03ad4a8e8f7310f3" providerId="LiveId" clId="{7AF43226-C139-4D0A-A230-0C602D1C5CED}" dt="2021-12-16T04:32:08.657" v="718" actId="571"/>
+          <ac:picMkLst>
+            <pc:docMk/>
+            <pc:sldMk cId="4249422317" sldId="268"/>
+            <ac:picMk id="80" creationId="{D2F0529F-418A-48FC-862B-D8A26EEA8D07}"/>
+          </ac:picMkLst>
+        </pc:picChg>
+        <pc:picChg chg="add mod">
+          <ac:chgData name="남 상현" userId="03ad4a8e8f7310f3" providerId="LiveId" clId="{7AF43226-C139-4D0A-A230-0C602D1C5CED}" dt="2021-12-16T04:35:02.145" v="956"/>
+          <ac:picMkLst>
+            <pc:docMk/>
+            <pc:sldMk cId="4249422317" sldId="268"/>
+            <ac:picMk id="85" creationId="{A085A756-1CA7-470A-BBF3-F8DA9C126E9F}"/>
+          </ac:picMkLst>
+        </pc:picChg>
+        <pc:picChg chg="mod">
+          <ac:chgData name="남 상현" userId="03ad4a8e8f7310f3" providerId="LiveId" clId="{7AF43226-C139-4D0A-A230-0C602D1C5CED}" dt="2021-12-16T04:35:14.223" v="963"/>
+          <ac:picMkLst>
+            <pc:docMk/>
+            <pc:sldMk cId="4249422317" sldId="268"/>
+            <ac:picMk id="87" creationId="{3E284972-269B-42E7-B86E-805687E93DF1}"/>
+          </ac:picMkLst>
+        </pc:picChg>
+        <pc:picChg chg="mod">
+          <ac:chgData name="남 상현" userId="03ad4a8e8f7310f3" providerId="LiveId" clId="{7AF43226-C139-4D0A-A230-0C602D1C5CED}" dt="2021-12-16T04:35:14.223" v="963"/>
+          <ac:picMkLst>
+            <pc:docMk/>
+            <pc:sldMk cId="4249422317" sldId="268"/>
+            <ac:picMk id="88" creationId="{BC746AA2-B69A-4F8F-855B-D66E0498C42B}"/>
+          </ac:picMkLst>
+        </pc:picChg>
+        <pc:picChg chg="mod">
+          <ac:chgData name="남 상현" userId="03ad4a8e8f7310f3" providerId="LiveId" clId="{7AF43226-C139-4D0A-A230-0C602D1C5CED}" dt="2021-12-16T04:35:16.657" v="965"/>
+          <ac:picMkLst>
+            <pc:docMk/>
+            <pc:sldMk cId="4249422317" sldId="268"/>
+            <ac:picMk id="90" creationId="{A3CF5C37-1FFA-43AA-A7D9-78A73FF55938}"/>
+          </ac:picMkLst>
+        </pc:picChg>
+        <pc:picChg chg="mod">
+          <ac:chgData name="남 상현" userId="03ad4a8e8f7310f3" providerId="LiveId" clId="{7AF43226-C139-4D0A-A230-0C602D1C5CED}" dt="2021-12-16T04:35:16.657" v="965"/>
+          <ac:picMkLst>
+            <pc:docMk/>
+            <pc:sldMk cId="4249422317" sldId="268"/>
+            <ac:picMk id="91" creationId="{4DF2175C-13B2-4E92-ACF4-0D2172A6F42E}"/>
+          </ac:picMkLst>
+        </pc:picChg>
+        <pc:picChg chg="mod">
+          <ac:chgData name="남 상현" userId="03ad4a8e8f7310f3" providerId="LiveId" clId="{7AF43226-C139-4D0A-A230-0C602D1C5CED}" dt="2021-12-16T04:35:19.169" v="967"/>
+          <ac:picMkLst>
+            <pc:docMk/>
+            <pc:sldMk cId="4249422317" sldId="268"/>
+            <ac:picMk id="93" creationId="{72D6E073-5503-4D68-BD1D-9E2ACF8602B6}"/>
+          </ac:picMkLst>
+        </pc:picChg>
+        <pc:picChg chg="mod">
+          <ac:chgData name="남 상현" userId="03ad4a8e8f7310f3" providerId="LiveId" clId="{7AF43226-C139-4D0A-A230-0C602D1C5CED}" dt="2021-12-16T04:35:19.169" v="967"/>
+          <ac:picMkLst>
+            <pc:docMk/>
+            <pc:sldMk cId="4249422317" sldId="268"/>
+            <ac:picMk id="94" creationId="{FED06114-3A77-4716-9D51-0CBEADF18887}"/>
+          </ac:picMkLst>
+        </pc:picChg>
+        <pc:picChg chg="add mod">
+          <ac:chgData name="남 상현" userId="03ad4a8e8f7310f3" providerId="LiveId" clId="{7AF43226-C139-4D0A-A230-0C602D1C5CED}" dt="2021-12-16T04:36:10.693" v="1019" actId="1035"/>
+          <ac:picMkLst>
+            <pc:docMk/>
+            <pc:sldMk cId="4249422317" sldId="268"/>
+            <ac:picMk id="2050" creationId="{AE9BE0E4-8557-4B3D-95DE-2D9A6D7628EE}"/>
+          </ac:picMkLst>
+        </pc:picChg>
+      </pc:sldChg>
+      <pc:sldChg chg="addSp delSp modSp add mod">
+        <pc:chgData name="남 상현" userId="03ad4a8e8f7310f3" providerId="LiveId" clId="{7AF43226-C139-4D0A-A230-0C602D1C5CED}" dt="2021-12-16T04:44:41.254" v="1188" actId="1036"/>
+        <pc:sldMkLst>
+          <pc:docMk/>
+          <pc:sldMk cId="4136839857" sldId="269"/>
+        </pc:sldMkLst>
+        <pc:spChg chg="mod">
+          <ac:chgData name="남 상현" userId="03ad4a8e8f7310f3" providerId="LiveId" clId="{7AF43226-C139-4D0A-A230-0C602D1C5CED}" dt="2021-12-15T23:52:23.815" v="27"/>
+          <ac:spMkLst>
+            <pc:docMk/>
+            <pc:sldMk cId="4136839857" sldId="269"/>
+            <ac:spMk id="14" creationId="{895BA390-795A-4381-BFDE-31603014C454}"/>
+          </ac:spMkLst>
+        </pc:spChg>
+        <pc:spChg chg="add mod">
+          <ac:chgData name="남 상현" userId="03ad4a8e8f7310f3" providerId="LiveId" clId="{7AF43226-C139-4D0A-A230-0C602D1C5CED}" dt="2021-12-16T04:43:59.755" v="1134" actId="1076"/>
+          <ac:spMkLst>
+            <pc:docMk/>
+            <pc:sldMk cId="4136839857" sldId="269"/>
+            <ac:spMk id="26" creationId="{70B2D894-BCF8-4F8F-982F-0B129C3D16DC}"/>
+          </ac:spMkLst>
+        </pc:spChg>
+        <pc:spChg chg="add mod">
+          <ac:chgData name="남 상현" userId="03ad4a8e8f7310f3" providerId="LiveId" clId="{7AF43226-C139-4D0A-A230-0C602D1C5CED}" dt="2021-12-16T04:44:31.062" v="1176" actId="1076"/>
+          <ac:spMkLst>
+            <pc:docMk/>
+            <pc:sldMk cId="4136839857" sldId="269"/>
+            <ac:spMk id="27" creationId="{C0385EED-7D5B-4C39-8E77-25C04DC3751F}"/>
+          </ac:spMkLst>
+        </pc:spChg>
+        <pc:spChg chg="add mod">
+          <ac:chgData name="남 상현" userId="03ad4a8e8f7310f3" providerId="LiveId" clId="{7AF43226-C139-4D0A-A230-0C602D1C5CED}" dt="2021-12-16T04:44:35.703" v="1177" actId="1076"/>
+          <ac:spMkLst>
+            <pc:docMk/>
+            <pc:sldMk cId="4136839857" sldId="269"/>
+            <ac:spMk id="28" creationId="{697D4543-9ECC-49DA-B859-428A51846EAF}"/>
+          </ac:spMkLst>
+        </pc:spChg>
+        <pc:spChg chg="mod">
+          <ac:chgData name="남 상현" userId="03ad4a8e8f7310f3" providerId="LiveId" clId="{7AF43226-C139-4D0A-A230-0C602D1C5CED}" dt="2021-12-16T04:44:12.118" v="1160" actId="1076"/>
+          <ac:spMkLst>
+            <pc:docMk/>
+            <pc:sldMk cId="4136839857" sldId="269"/>
+            <ac:spMk id="43" creationId="{1E3E6FC5-8291-4DB1-A75A-90251E224297}"/>
+          </ac:spMkLst>
+        </pc:spChg>
+        <pc:grpChg chg="add del mod">
+          <ac:chgData name="남 상현" userId="03ad4a8e8f7310f3" providerId="LiveId" clId="{7AF43226-C139-4D0A-A230-0C602D1C5CED}" dt="2021-12-16T04:37:50.108" v="1028" actId="21"/>
+          <ac:grpSpMkLst>
+            <pc:docMk/>
+            <pc:sldMk cId="4136839857" sldId="269"/>
+            <ac:grpSpMk id="10" creationId="{729EF1FB-62C3-45F1-9046-4E04E8372F7A}"/>
+          </ac:grpSpMkLst>
+        </pc:grpChg>
+        <pc:grpChg chg="add del mod">
+          <ac:chgData name="남 상현" userId="03ad4a8e8f7310f3" providerId="LiveId" clId="{7AF43226-C139-4D0A-A230-0C602D1C5CED}" dt="2021-12-16T04:42:37.827" v="1071" actId="21"/>
+          <ac:grpSpMkLst>
+            <pc:docMk/>
+            <pc:sldMk cId="4136839857" sldId="269"/>
+            <ac:grpSpMk id="17" creationId="{EC318EB1-B54F-4B29-909C-87B4BE02CB78}"/>
+          </ac:grpSpMkLst>
+        </pc:grpChg>
+        <pc:grpChg chg="add del mod">
+          <ac:chgData name="남 상현" userId="03ad4a8e8f7310f3" providerId="LiveId" clId="{7AF43226-C139-4D0A-A230-0C602D1C5CED}" dt="2021-12-16T04:42:32.514" v="1068" actId="21"/>
+          <ac:grpSpMkLst>
+            <pc:docMk/>
+            <pc:sldMk cId="4136839857" sldId="269"/>
+            <ac:grpSpMk id="18" creationId="{CA9F2FAC-8FF9-4ABB-A7EF-A9AF7F7B416E}"/>
+          </ac:grpSpMkLst>
+        </pc:grpChg>
+        <pc:grpChg chg="add del mod">
+          <ac:chgData name="남 상현" userId="03ad4a8e8f7310f3" providerId="LiveId" clId="{7AF43226-C139-4D0A-A230-0C602D1C5CED}" dt="2021-12-16T04:44:28.398" v="1175" actId="165"/>
+          <ac:grpSpMkLst>
+            <pc:docMk/>
+            <pc:sldMk cId="4136839857" sldId="269"/>
+            <ac:grpSpMk id="21" creationId="{C4D5EFB5-53C3-4B5C-B0A2-FA0154E0891B}"/>
+          </ac:grpSpMkLst>
+        </pc:grpChg>
+        <pc:picChg chg="add mod">
+          <ac:chgData name="남 상현" userId="03ad4a8e8f7310f3" providerId="LiveId" clId="{7AF43226-C139-4D0A-A230-0C602D1C5CED}" dt="2021-12-16T04:37:48.451" v="1027" actId="164"/>
+          <ac:picMkLst>
+            <pc:docMk/>
+            <pc:sldMk cId="4136839857" sldId="269"/>
+            <ac:picMk id="4" creationId="{90EA71CC-92E7-4001-AD6F-741473C1AA32}"/>
+          </ac:picMkLst>
+        </pc:picChg>
+        <pc:picChg chg="add mod">
+          <ac:chgData name="남 상현" userId="03ad4a8e8f7310f3" providerId="LiveId" clId="{7AF43226-C139-4D0A-A230-0C602D1C5CED}" dt="2021-12-16T04:37:48.451" v="1027" actId="164"/>
+          <ac:picMkLst>
+            <pc:docMk/>
+            <pc:sldMk cId="4136839857" sldId="269"/>
+            <ac:picMk id="9" creationId="{9FAA7300-3FE8-4B11-82FA-7E0EF9814029}"/>
+          </ac:picMkLst>
+        </pc:picChg>
+        <pc:picChg chg="add mod topLvl">
+          <ac:chgData name="남 상현" userId="03ad4a8e8f7310f3" providerId="LiveId" clId="{7AF43226-C139-4D0A-A230-0C602D1C5CED}" dt="2021-12-16T04:44:41.254" v="1188" actId="1036"/>
+          <ac:picMkLst>
+            <pc:docMk/>
+            <pc:sldMk cId="4136839857" sldId="269"/>
+            <ac:picMk id="11" creationId="{BD3DB5F9-62F9-444F-A0FD-FF6A5C5D2471}"/>
+          </ac:picMkLst>
+        </pc:picChg>
+        <pc:picChg chg="add mod">
+          <ac:chgData name="남 상현" userId="03ad4a8e8f7310f3" providerId="LiveId" clId="{7AF43226-C139-4D0A-A230-0C602D1C5CED}" dt="2021-12-16T04:41:57.964" v="1054" actId="164"/>
+          <ac:picMkLst>
+            <pc:docMk/>
+            <pc:sldMk cId="4136839857" sldId="269"/>
+            <ac:picMk id="13" creationId="{715255CE-69B9-4622-A96D-C8D8F566220D}"/>
+          </ac:picMkLst>
+        </pc:picChg>
+        <pc:picChg chg="add mod">
+          <ac:chgData name="남 상현" userId="03ad4a8e8f7310f3" providerId="LiveId" clId="{7AF43226-C139-4D0A-A230-0C602D1C5CED}" dt="2021-12-16T04:41:57.964" v="1054" actId="164"/>
+          <ac:picMkLst>
+            <pc:docMk/>
+            <pc:sldMk cId="4136839857" sldId="269"/>
+            <ac:picMk id="16" creationId="{C4F93304-94FA-45E8-863D-E6ABEAE34156}"/>
+          </ac:picMkLst>
+        </pc:picChg>
+        <pc:picChg chg="add mod topLvl">
+          <ac:chgData name="남 상현" userId="03ad4a8e8f7310f3" providerId="LiveId" clId="{7AF43226-C139-4D0A-A230-0C602D1C5CED}" dt="2021-12-16T04:44:41.254" v="1188" actId="1036"/>
+          <ac:picMkLst>
+            <pc:docMk/>
+            <pc:sldMk cId="4136839857" sldId="269"/>
+            <ac:picMk id="19" creationId="{20017E92-31B0-463E-89DF-760E536A8618}"/>
+          </ac:picMkLst>
+        </pc:picChg>
+        <pc:picChg chg="add mod topLvl">
+          <ac:chgData name="남 상현" userId="03ad4a8e8f7310f3" providerId="LiveId" clId="{7AF43226-C139-4D0A-A230-0C602D1C5CED}" dt="2021-12-16T04:44:41.254" v="1188" actId="1036"/>
+          <ac:picMkLst>
+            <pc:docMk/>
+            <pc:sldMk cId="4136839857" sldId="269"/>
+            <ac:picMk id="20" creationId="{441FAA67-89A7-408C-BE90-315135F677A7}"/>
+          </ac:picMkLst>
+        </pc:picChg>
+        <pc:picChg chg="add mod">
+          <ac:chgData name="남 상현" userId="03ad4a8e8f7310f3" providerId="LiveId" clId="{7AF43226-C139-4D0A-A230-0C602D1C5CED}" dt="2021-12-16T04:42:31.135" v="1067" actId="164"/>
+          <ac:picMkLst>
+            <pc:docMk/>
+            <pc:sldMk cId="4136839857" sldId="269"/>
+            <ac:picMk id="3074" creationId="{C3B62270-4589-424D-9528-FEEB59F846EB}"/>
+          </ac:picMkLst>
+        </pc:picChg>
+        <pc:picChg chg="add mod">
+          <ac:chgData name="남 상현" userId="03ad4a8e8f7310f3" providerId="LiveId" clId="{7AF43226-C139-4D0A-A230-0C602D1C5CED}" dt="2021-12-16T04:42:31.135" v="1067" actId="164"/>
+          <ac:picMkLst>
+            <pc:docMk/>
+            <pc:sldMk cId="4136839857" sldId="269"/>
+            <ac:picMk id="3076" creationId="{829A2B07-B3E4-4EDF-B1D6-EAB9E0D2B7D7}"/>
+          </ac:picMkLst>
+        </pc:picChg>
+      </pc:sldChg>
+      <pc:sldChg chg="addSp delSp modSp add mod ord">
+        <pc:chgData name="남 상현" userId="03ad4a8e8f7310f3" providerId="LiveId" clId="{7AF43226-C139-4D0A-A230-0C602D1C5CED}" dt="2021-12-16T04:46:58.760" v="1255" actId="167"/>
+        <pc:sldMkLst>
+          <pc:docMk/>
+          <pc:sldMk cId="73256253" sldId="270"/>
+        </pc:sldMkLst>
+        <pc:spChg chg="del">
+          <ac:chgData name="남 상현" userId="03ad4a8e8f7310f3" providerId="LiveId" clId="{7AF43226-C139-4D0A-A230-0C602D1C5CED}" dt="2021-12-16T04:45:13.069" v="1196" actId="478"/>
+          <ac:spMkLst>
+            <pc:docMk/>
+            <pc:sldMk cId="73256253" sldId="270"/>
+            <ac:spMk id="3" creationId="{23767F80-7CA6-4714-B890-AAF7B314A329}"/>
+          </ac:spMkLst>
+        </pc:spChg>
+        <pc:spChg chg="del">
+          <ac:chgData name="남 상현" userId="03ad4a8e8f7310f3" providerId="LiveId" clId="{7AF43226-C139-4D0A-A230-0C602D1C5CED}" dt="2021-12-16T04:45:08.805" v="1194" actId="478"/>
+          <ac:spMkLst>
+            <pc:docMk/>
+            <pc:sldMk cId="73256253" sldId="270"/>
+            <ac:spMk id="7" creationId="{F0268627-1804-4EB7-8309-96FA8B911901}"/>
+          </ac:spMkLst>
+        </pc:spChg>
+        <pc:spChg chg="mod">
+          <ac:chgData name="남 상현" userId="03ad4a8e8f7310f3" providerId="LiveId" clId="{7AF43226-C139-4D0A-A230-0C602D1C5CED}" dt="2021-12-16T04:46:34.750" v="1248"/>
+          <ac:spMkLst>
+            <pc:docMk/>
+            <pc:sldMk cId="73256253" sldId="270"/>
+            <ac:spMk id="12" creationId="{732D3E9E-488B-45AA-89AA-65D565F0187C}"/>
+          </ac:spMkLst>
+        </pc:spChg>
+        <pc:spChg chg="add del mod">
+          <ac:chgData name="남 상현" userId="03ad4a8e8f7310f3" providerId="LiveId" clId="{7AF43226-C139-4D0A-A230-0C602D1C5CED}" dt="2021-12-16T04:46:56.336" v="1254" actId="164"/>
+          <ac:spMkLst>
+            <pc:docMk/>
+            <pc:sldMk cId="73256253" sldId="270"/>
+            <ac:spMk id="13" creationId="{BB324852-0351-4DCB-881E-22CF5D3B0FCD}"/>
+          </ac:spMkLst>
+        </pc:spChg>
+        <pc:spChg chg="add mod ord">
+          <ac:chgData name="남 상현" userId="03ad4a8e8f7310f3" providerId="LiveId" clId="{7AF43226-C139-4D0A-A230-0C602D1C5CED}" dt="2021-12-16T04:46:53.568" v="1253" actId="164"/>
+          <ac:spMkLst>
+            <pc:docMk/>
+            <pc:sldMk cId="73256253" sldId="270"/>
+            <ac:spMk id="14" creationId="{B47FBA6D-252C-4CB5-85ED-D9E6313710DB}"/>
+          </ac:spMkLst>
+        </pc:spChg>
+        <pc:spChg chg="add del mod">
+          <ac:chgData name="남 상현" userId="03ad4a8e8f7310f3" providerId="LiveId" clId="{7AF43226-C139-4D0A-A230-0C602D1C5CED}" dt="2021-12-16T04:45:50.395" v="1236" actId="478"/>
+          <ac:spMkLst>
+            <pc:docMk/>
+            <pc:sldMk cId="73256253" sldId="270"/>
+            <ac:spMk id="15" creationId="{DB137C14-455A-4114-8E7E-111222CD6A57}"/>
+          </ac:spMkLst>
+        </pc:spChg>
+        <pc:spChg chg="add mod ord">
+          <ac:chgData name="남 상현" userId="03ad4a8e8f7310f3" providerId="LiveId" clId="{7AF43226-C139-4D0A-A230-0C602D1C5CED}" dt="2021-12-16T04:46:51.357" v="1252" actId="167"/>
+          <ac:spMkLst>
+            <pc:docMk/>
+            <pc:sldMk cId="73256253" sldId="270"/>
+            <ac:spMk id="16" creationId="{1BF64061-365B-48E5-A23B-E5B660D4A6DB}"/>
+          </ac:spMkLst>
+        </pc:spChg>
+        <pc:grpChg chg="mod">
+          <ac:chgData name="남 상현" userId="03ad4a8e8f7310f3" providerId="LiveId" clId="{7AF43226-C139-4D0A-A230-0C602D1C5CED}" dt="2021-12-16T04:46:53.568" v="1253" actId="164"/>
+          <ac:grpSpMkLst>
+            <pc:docMk/>
+            <pc:sldMk cId="73256253" sldId="270"/>
+            <ac:grpSpMk id="2" creationId="{B3D71AC4-DEFC-4B58-ACC8-50F8B5B0E8F8}"/>
+          </ac:grpSpMkLst>
+        </pc:grpChg>
+        <pc:grpChg chg="add mod">
+          <ac:chgData name="남 상현" userId="03ad4a8e8f7310f3" providerId="LiveId" clId="{7AF43226-C139-4D0A-A230-0C602D1C5CED}" dt="2021-12-16T04:46:56.336" v="1254" actId="164"/>
+          <ac:grpSpMkLst>
+            <pc:docMk/>
+            <pc:sldMk cId="73256253" sldId="270"/>
+            <ac:grpSpMk id="4" creationId="{F229543C-BFC6-4A6A-A06B-19708719269D}"/>
+          </ac:grpSpMkLst>
+        </pc:grpChg>
+        <pc:grpChg chg="add mod ord">
+          <ac:chgData name="남 상현" userId="03ad4a8e8f7310f3" providerId="LiveId" clId="{7AF43226-C139-4D0A-A230-0C602D1C5CED}" dt="2021-12-16T04:46:58.760" v="1255" actId="167"/>
+          <ac:grpSpMkLst>
+            <pc:docMk/>
+            <pc:sldMk cId="73256253" sldId="270"/>
+            <ac:grpSpMk id="17" creationId="{08312E80-9E45-4542-9243-8B5C6C398263}"/>
+          </ac:grpSpMkLst>
+        </pc:grpChg>
+      </pc:sldChg>
+    </pc:docChg>
+  </pc:docChgLst>
+</pc:chgInfo>
 </file>
 
 <file path=ppt/slideLayouts/slideLayout1.xml><?xml version="1.0" encoding="utf-8"?>
@@ -274,7 +1416,7 @@
           <a:p>
             <a:fld id="{ACF308FB-89E9-4023-9DD5-342CA7859E51}" type="datetimeFigureOut">
               <a:rPr lang="ko-KR" altLang="en-US" smtClean="0"/>
-              <a:t>2021-12-15</a:t>
+              <a:t>2021-12-16</a:t>
             </a:fld>
             <a:endParaRPr lang="ko-KR" altLang="en-US"/>
           </a:p>
@@ -472,7 +1614,7 @@
           <a:p>
             <a:fld id="{ACF308FB-89E9-4023-9DD5-342CA7859E51}" type="datetimeFigureOut">
               <a:rPr lang="ko-KR" altLang="en-US" smtClean="0"/>
-              <a:t>2021-12-15</a:t>
+              <a:t>2021-12-16</a:t>
             </a:fld>
             <a:endParaRPr lang="ko-KR" altLang="en-US"/>
           </a:p>
@@ -680,7 +1822,7 @@
           <a:p>
             <a:fld id="{ACF308FB-89E9-4023-9DD5-342CA7859E51}" type="datetimeFigureOut">
               <a:rPr lang="ko-KR" altLang="en-US" smtClean="0"/>
-              <a:t>2021-12-15</a:t>
+              <a:t>2021-12-16</a:t>
             </a:fld>
             <a:endParaRPr lang="ko-KR" altLang="en-US"/>
           </a:p>
@@ -878,7 +2020,7 @@
           <a:p>
             <a:fld id="{ACF308FB-89E9-4023-9DD5-342CA7859E51}" type="datetimeFigureOut">
               <a:rPr lang="ko-KR" altLang="en-US" smtClean="0"/>
-              <a:t>2021-12-15</a:t>
+              <a:t>2021-12-16</a:t>
             </a:fld>
             <a:endParaRPr lang="ko-KR" altLang="en-US"/>
           </a:p>
@@ -1153,7 +2295,7 @@
           <a:p>
             <a:fld id="{ACF308FB-89E9-4023-9DD5-342CA7859E51}" type="datetimeFigureOut">
               <a:rPr lang="ko-KR" altLang="en-US" smtClean="0"/>
-              <a:t>2021-12-15</a:t>
+              <a:t>2021-12-16</a:t>
             </a:fld>
             <a:endParaRPr lang="ko-KR" altLang="en-US"/>
           </a:p>
@@ -1418,7 +2560,7 @@
           <a:p>
             <a:fld id="{ACF308FB-89E9-4023-9DD5-342CA7859E51}" type="datetimeFigureOut">
               <a:rPr lang="ko-KR" altLang="en-US" smtClean="0"/>
-              <a:t>2021-12-15</a:t>
+              <a:t>2021-12-16</a:t>
             </a:fld>
             <a:endParaRPr lang="ko-KR" altLang="en-US"/>
           </a:p>
@@ -1830,7 +2972,7 @@
           <a:p>
             <a:fld id="{ACF308FB-89E9-4023-9DD5-342CA7859E51}" type="datetimeFigureOut">
               <a:rPr lang="ko-KR" altLang="en-US" smtClean="0"/>
-              <a:t>2021-12-15</a:t>
+              <a:t>2021-12-16</a:t>
             </a:fld>
             <a:endParaRPr lang="ko-KR" altLang="en-US"/>
           </a:p>
@@ -1971,7 +3113,7 @@
           <a:p>
             <a:fld id="{ACF308FB-89E9-4023-9DD5-342CA7859E51}" type="datetimeFigureOut">
               <a:rPr lang="ko-KR" altLang="en-US" smtClean="0"/>
-              <a:t>2021-12-15</a:t>
+              <a:t>2021-12-16</a:t>
             </a:fld>
             <a:endParaRPr lang="ko-KR" altLang="en-US"/>
           </a:p>
@@ -2084,7 +3226,7 @@
           <a:p>
             <a:fld id="{ACF308FB-89E9-4023-9DD5-342CA7859E51}" type="datetimeFigureOut">
               <a:rPr lang="ko-KR" altLang="en-US" smtClean="0"/>
-              <a:t>2021-12-15</a:t>
+              <a:t>2021-12-16</a:t>
             </a:fld>
             <a:endParaRPr lang="ko-KR" altLang="en-US"/>
           </a:p>
@@ -2395,7 +3537,7 @@
           <a:p>
             <a:fld id="{ACF308FB-89E9-4023-9DD5-342CA7859E51}" type="datetimeFigureOut">
               <a:rPr lang="ko-KR" altLang="en-US" smtClean="0"/>
-              <a:t>2021-12-15</a:t>
+              <a:t>2021-12-16</a:t>
             </a:fld>
             <a:endParaRPr lang="ko-KR" altLang="en-US"/>
           </a:p>
@@ -2683,7 +3825,7 @@
           <a:p>
             <a:fld id="{ACF308FB-89E9-4023-9DD5-342CA7859E51}" type="datetimeFigureOut">
               <a:rPr lang="ko-KR" altLang="en-US" smtClean="0"/>
-              <a:t>2021-12-15</a:t>
+              <a:t>2021-12-16</a:t>
             </a:fld>
             <a:endParaRPr lang="ko-KR" altLang="en-US"/>
           </a:p>
@@ -2924,7 +4066,7 @@
           <a:p>
             <a:fld id="{ACF308FB-89E9-4023-9DD5-342CA7859E51}" type="datetimeFigureOut">
               <a:rPr lang="ko-KR" altLang="en-US" smtClean="0"/>
-              <a:t>2021-12-15</a:t>
+              <a:t>2021-12-16</a:t>
             </a:fld>
             <a:endParaRPr lang="ko-KR" altLang="en-US"/>
           </a:p>
@@ -3926,20 +5068,19 @@
           </p:cNvPicPr>
           <p:nvPr/>
         </p:nvPicPr>
-        <p:blipFill>
+        <p:blipFill rotWithShape="1">
           <a:blip r:embed="rId4"/>
-          <a:stretch>
-            <a:fillRect/>
-          </a:stretch>
+          <a:srcRect l="2062" r="974"/>
+          <a:stretch/>
         </p:blipFill>
         <p:spPr>
           <a:xfrm>
-            <a:off x="3971365" y="3968074"/>
-            <a:ext cx="7803566" cy="2232354"/>
+            <a:off x="4132335" y="3968074"/>
+            <a:ext cx="7566606" cy="2232354"/>
           </a:xfrm>
           <a:prstGeom prst="roundRect">
             <a:avLst>
-              <a:gd name="adj" fmla="val 28154"/>
+              <a:gd name="adj" fmla="val 32170"/>
             </a:avLst>
           </a:prstGeom>
         </p:spPr>
@@ -4589,8 +5730,8 @@
         </p:nvSpPr>
         <p:spPr>
           <a:xfrm>
-            <a:off x="276162" y="235484"/>
-            <a:ext cx="5702202" cy="714363"/>
+            <a:off x="282204" y="235484"/>
+            <a:ext cx="5061001" cy="714363"/>
           </a:xfrm>
           <a:prstGeom prst="rect">
             <a:avLst/>
@@ -4651,24 +5792,23 @@
                 <a:solidFill>
                   <a:schemeClr val="bg1"/>
                 </a:solidFill>
+                <a:latin typeface="에스코어 드림 4 Regular" panose="020B0503030302020204" pitchFamily="34" charset="-127"/>
+                <a:ea typeface="에스코어 드림 4 Regular" panose="020B0503030302020204" pitchFamily="34" charset="-127"/>
+                <a:cs typeface="Times New Roman" panose="02020603050405020304" pitchFamily="18" charset="0"/>
+              </a:rPr>
+              <a:t> </a:t>
+            </a:r>
+            <a:r>
+              <a:rPr lang="ko-KR" altLang="en-US" sz="4000" kern="100" dirty="0">
+                <a:solidFill>
+                  <a:schemeClr val="bg1"/>
+                </a:solidFill>
                 <a:effectLst/>
                 <a:latin typeface="에스코어 드림 4 Regular" panose="020B0503030302020204" pitchFamily="34" charset="-127"/>
                 <a:ea typeface="에스코어 드림 4 Regular" panose="020B0503030302020204" pitchFamily="34" charset="-127"/>
                 <a:cs typeface="Times New Roman" panose="02020603050405020304" pitchFamily="18" charset="0"/>
               </a:rPr>
-              <a:t> </a:t>
-            </a:r>
-            <a:r>
-              <a:rPr lang="ko-KR" altLang="en-US" sz="4000" kern="100" dirty="0">
-                <a:solidFill>
-                  <a:schemeClr val="bg1"/>
-                </a:solidFill>
-                <a:effectLst/>
-                <a:latin typeface="에스코어 드림 4 Regular" panose="020B0503030302020204" pitchFamily="34" charset="-127"/>
-                <a:ea typeface="에스코어 드림 4 Regular" panose="020B0503030302020204" pitchFamily="34" charset="-127"/>
-                <a:cs typeface="Times New Roman" panose="02020603050405020304" pitchFamily="18" charset="0"/>
-              </a:rPr>
-              <a:t>내 구성요소</a:t>
+              <a:t>구성요소</a:t>
             </a:r>
             <a:r>
               <a:rPr lang="ko-KR" altLang="ko-KR" sz="4000" kern="100" dirty="0">
@@ -5204,12 +6344,169 @@
           </p:txBody>
         </p:sp>
       </p:grpSp>
+      <p:pic>
+        <p:nvPicPr>
+          <p:cNvPr id="19" name="그림 18">
+            <a:extLst>
+              <a:ext uri="{FF2B5EF4-FFF2-40B4-BE49-F238E27FC236}">
+                <a16:creationId xmlns:a16="http://schemas.microsoft.com/office/drawing/2014/main" id="{B5A5EF87-339E-4F14-A6C3-6780B2B3E8EB}"/>
+              </a:ext>
+            </a:extLst>
+          </p:cNvPr>
+          <p:cNvPicPr>
+            <a:picLocks noChangeAspect="1"/>
+          </p:cNvPicPr>
+          <p:nvPr/>
+        </p:nvPicPr>
+        <p:blipFill>
+          <a:blip r:embed="rId6">
+            <a:extLst>
+              <a:ext uri="{28A0092B-C50C-407E-A947-70E740481C1C}">
+                <a14:useLocalDpi xmlns:a14="http://schemas.microsoft.com/office/drawing/2010/main" val="0"/>
+              </a:ext>
+            </a:extLst>
+          </a:blip>
+          <a:stretch>
+            <a:fillRect/>
+          </a:stretch>
+        </p:blipFill>
+        <p:spPr>
+          <a:xfrm>
+            <a:off x="742657" y="1492618"/>
+            <a:ext cx="1979363" cy="1979363"/>
+          </a:xfrm>
+          <a:prstGeom prst="rect">
+            <a:avLst/>
+          </a:prstGeom>
+        </p:spPr>
+      </p:pic>
+      <p:sp>
+        <p:nvSpPr>
+          <p:cNvPr id="20" name="TextBox 19">
+            <a:extLst>
+              <a:ext uri="{FF2B5EF4-FFF2-40B4-BE49-F238E27FC236}">
+                <a16:creationId xmlns:a16="http://schemas.microsoft.com/office/drawing/2014/main" id="{5E6B38B6-5211-4FE0-90AC-C548E3D159E5}"/>
+              </a:ext>
+            </a:extLst>
+          </p:cNvPr>
+          <p:cNvSpPr txBox="1"/>
+          <p:nvPr/>
+        </p:nvSpPr>
+        <p:spPr>
+          <a:xfrm>
+            <a:off x="3127265" y="1732142"/>
+            <a:ext cx="2142565" cy="1754326"/>
+          </a:xfrm>
+          <a:prstGeom prst="rect">
+            <a:avLst/>
+          </a:prstGeom>
+          <a:noFill/>
+          <a:ln>
+            <a:solidFill>
+              <a:schemeClr val="bg1"/>
+            </a:solidFill>
+          </a:ln>
+        </p:spPr>
+        <p:txBody>
+          <a:bodyPr wrap="square" rtlCol="0">
+            <a:spAutoFit/>
+          </a:bodyPr>
+          <a:lstStyle/>
+          <a:p>
+            <a:r>
+              <a:rPr lang="ko-KR" altLang="en-US" dirty="0">
+                <a:solidFill>
+                  <a:schemeClr val="bg1"/>
+                </a:solidFill>
+                <a:latin typeface="에스코어 드림 1 Thin" panose="020B0403030302020204" pitchFamily="34" charset="-127"/>
+                <a:ea typeface="에스코어 드림 1 Thin" panose="020B0403030302020204" pitchFamily="34" charset="-127"/>
+              </a:rPr>
+              <a:t>장애물과 플레이어</a:t>
+            </a:r>
+            <a:endParaRPr lang="en-US" altLang="ko-KR" dirty="0">
+              <a:solidFill>
+                <a:schemeClr val="bg1"/>
+              </a:solidFill>
+              <a:latin typeface="에스코어 드림 1 Thin" panose="020B0403030302020204" pitchFamily="34" charset="-127"/>
+              <a:ea typeface="에스코어 드림 1 Thin" panose="020B0403030302020204" pitchFamily="34" charset="-127"/>
+            </a:endParaRPr>
+          </a:p>
+          <a:p>
+            <a:r>
+              <a:rPr lang="ko-KR" altLang="en-US" dirty="0">
+                <a:solidFill>
+                  <a:schemeClr val="bg1"/>
+                </a:solidFill>
+                <a:latin typeface="에스코어 드림 1 Thin" panose="020B0403030302020204" pitchFamily="34" charset="-127"/>
+                <a:ea typeface="에스코어 드림 1 Thin" panose="020B0403030302020204" pitchFamily="34" charset="-127"/>
+              </a:rPr>
+              <a:t>목적지와 중력장을</a:t>
+            </a:r>
+            <a:endParaRPr lang="en-US" altLang="ko-KR" dirty="0">
+              <a:solidFill>
+                <a:schemeClr val="bg1"/>
+              </a:solidFill>
+              <a:latin typeface="에스코어 드림 1 Thin" panose="020B0403030302020204" pitchFamily="34" charset="-127"/>
+              <a:ea typeface="에스코어 드림 1 Thin" panose="020B0403030302020204" pitchFamily="34" charset="-127"/>
+            </a:endParaRPr>
+          </a:p>
+          <a:p>
+            <a:r>
+              <a:rPr lang="ko-KR" altLang="en-US" dirty="0">
+                <a:solidFill>
+                  <a:schemeClr val="bg1"/>
+                </a:solidFill>
+                <a:latin typeface="에스코어 드림 1 Thin" panose="020B0403030302020204" pitchFamily="34" charset="-127"/>
+                <a:ea typeface="에스코어 드림 1 Thin" panose="020B0403030302020204" pitchFamily="34" charset="-127"/>
+              </a:rPr>
+              <a:t>담는 게임의 맵이며</a:t>
+            </a:r>
+            <a:r>
+              <a:rPr lang="en-US" altLang="ko-KR" dirty="0">
+                <a:solidFill>
+                  <a:schemeClr val="bg1"/>
+                </a:solidFill>
+                <a:latin typeface="에스코어 드림 1 Thin" panose="020B0403030302020204" pitchFamily="34" charset="-127"/>
+                <a:ea typeface="에스코어 드림 1 Thin" panose="020B0403030302020204" pitchFamily="34" charset="-127"/>
+              </a:rPr>
+              <a:t>, </a:t>
+            </a:r>
+            <a:r>
+              <a:rPr lang="ko-KR" altLang="en-US" dirty="0">
+                <a:solidFill>
+                  <a:schemeClr val="bg1"/>
+                </a:solidFill>
+                <a:latin typeface="에스코어 드림 1 Thin" panose="020B0403030302020204" pitchFamily="34" charset="-127"/>
+                <a:ea typeface="에스코어 드림 1 Thin" panose="020B0403030302020204" pitchFamily="34" charset="-127"/>
+              </a:rPr>
+              <a:t>맵이 복수로 존재할 시 주 맵을 선택할 수 있습니다</a:t>
+            </a:r>
+            <a:r>
+              <a:rPr lang="en-US" altLang="ko-KR" dirty="0">
+                <a:solidFill>
+                  <a:schemeClr val="bg1"/>
+                </a:solidFill>
+                <a:latin typeface="에스코어 드림 1 Thin" panose="020B0403030302020204" pitchFamily="34" charset="-127"/>
+                <a:ea typeface="에스코어 드림 1 Thin" panose="020B0403030302020204" pitchFamily="34" charset="-127"/>
+              </a:rPr>
+              <a:t>.</a:t>
+            </a:r>
+            <a:endParaRPr lang="ko-KR" altLang="en-US" dirty="0">
+              <a:solidFill>
+                <a:schemeClr val="bg1"/>
+              </a:solidFill>
+              <a:latin typeface="에스코어 드림 1 Thin" panose="020B0403030302020204" pitchFamily="34" charset="-127"/>
+              <a:ea typeface="에스코어 드림 1 Thin" panose="020B0403030302020204" pitchFamily="34" charset="-127"/>
+            </a:endParaRPr>
+          </a:p>
+        </p:txBody>
+      </p:sp>
       <p:grpSp>
         <p:nvGrpSpPr>
-          <p:cNvPr id="45" name="그룹 44">
-            <a:extLst>
-              <a:ext uri="{FF2B5EF4-FFF2-40B4-BE49-F238E27FC236}">
-                <a16:creationId xmlns:a16="http://schemas.microsoft.com/office/drawing/2014/main" id="{0F0FE072-C899-44E9-9D05-C6D62A9DBC2C}"/>
+          <p:cNvPr id="26" name="그룹 25">
+            <a:extLst>
+              <a:ext uri="{FF2B5EF4-FFF2-40B4-BE49-F238E27FC236}">
+                <a16:creationId xmlns:a16="http://schemas.microsoft.com/office/drawing/2014/main" id="{A3756C31-96AE-4BD1-8045-0FCC596CF288}"/>
               </a:ext>
             </a:extLst>
           </p:cNvPr>
@@ -5218,18 +6515,18 @@
         </p:nvGrpSpPr>
         <p:grpSpPr>
           <a:xfrm>
-            <a:off x="576626" y="1492618"/>
-            <a:ext cx="4693204" cy="4872924"/>
-            <a:chOff x="282204" y="1435150"/>
-            <a:chExt cx="4693204" cy="4872924"/>
+            <a:off x="576626" y="4653826"/>
+            <a:ext cx="2381371" cy="664278"/>
+            <a:chOff x="3683301" y="2755984"/>
+            <a:chExt cx="4825397" cy="1346032"/>
           </a:xfrm>
         </p:grpSpPr>
         <p:pic>
           <p:nvPicPr>
-            <p:cNvPr id="19" name="그림 18">
+            <p:cNvPr id="22" name="그림 21">
               <a:extLst>
                 <a:ext uri="{FF2B5EF4-FFF2-40B4-BE49-F238E27FC236}">
-                  <a16:creationId xmlns:a16="http://schemas.microsoft.com/office/drawing/2014/main" id="{B5A5EF87-339E-4F14-A6C3-6780B2B3E8EB}"/>
+                  <a16:creationId xmlns:a16="http://schemas.microsoft.com/office/drawing/2014/main" id="{60213509-C3D0-4569-9233-7AB91FB8DAFA}"/>
                 </a:ext>
               </a:extLst>
             </p:cNvPr>
@@ -5239,7 +6536,7 @@
             <p:nvPr/>
           </p:nvPicPr>
           <p:blipFill>
-            <a:blip r:embed="rId6">
+            <a:blip r:embed="rId7">
               <a:extLst>
                 <a:ext uri="{28A0092B-C50C-407E-A947-70E740481C1C}">
                   <a14:useLocalDpi xmlns:a14="http://schemas.microsoft.com/office/drawing/2010/main" val="0"/>
@@ -5252,141 +6549,304 @@
           </p:blipFill>
           <p:spPr>
             <a:xfrm>
-              <a:off x="448235" y="1435150"/>
-              <a:ext cx="1979363" cy="1979363"/>
+              <a:off x="3683301" y="2755984"/>
+              <a:ext cx="4825397" cy="1346032"/>
             </a:xfrm>
             <a:prstGeom prst="rect">
               <a:avLst/>
             </a:prstGeom>
           </p:spPr>
         </p:pic>
-        <p:sp>
-          <p:nvSpPr>
-            <p:cNvPr id="20" name="TextBox 19">
+        <p:pic>
+          <p:nvPicPr>
+            <p:cNvPr id="24" name="그림 23" descr="화살이(가) 표시된 사진&#10;&#10;자동 생성된 설명">
               <a:extLst>
                 <a:ext uri="{FF2B5EF4-FFF2-40B4-BE49-F238E27FC236}">
-                  <a16:creationId xmlns:a16="http://schemas.microsoft.com/office/drawing/2014/main" id="{5E6B38B6-5211-4FE0-90AC-C548E3D159E5}"/>
+                  <a16:creationId xmlns:a16="http://schemas.microsoft.com/office/drawing/2014/main" id="{8D700576-ACEF-43F1-B026-A4CC29106D63}"/>
                 </a:ext>
               </a:extLst>
             </p:cNvPr>
-            <p:cNvSpPr txBox="1"/>
+            <p:cNvPicPr>
+              <a:picLocks noChangeAspect="1"/>
+            </p:cNvPicPr>
             <p:nvPr/>
-          </p:nvSpPr>
+          </p:nvPicPr>
+          <p:blipFill>
+            <a:blip r:embed="rId8">
+              <a:extLst>
+                <a:ext uri="{28A0092B-C50C-407E-A947-70E740481C1C}">
+                  <a14:useLocalDpi xmlns:a14="http://schemas.microsoft.com/office/drawing/2010/main" val="0"/>
+                </a:ext>
+              </a:extLst>
+            </a:blip>
+            <a:stretch>
+              <a:fillRect/>
+            </a:stretch>
+          </p:blipFill>
           <p:spPr>
             <a:xfrm>
-              <a:off x="2832843" y="1674674"/>
-              <a:ext cx="2142565" cy="1754326"/>
+              <a:off x="3683301" y="2755984"/>
+              <a:ext cx="4825397" cy="1346032"/>
             </a:xfrm>
             <a:prstGeom prst="rect">
               <a:avLst/>
             </a:prstGeom>
-            <a:noFill/>
-            <a:ln>
+          </p:spPr>
+        </p:pic>
+      </p:grpSp>
+      <p:sp>
+        <p:nvSpPr>
+          <p:cNvPr id="27" name="TextBox 26">
+            <a:extLst>
+              <a:ext uri="{FF2B5EF4-FFF2-40B4-BE49-F238E27FC236}">
+                <a16:creationId xmlns:a16="http://schemas.microsoft.com/office/drawing/2014/main" id="{99B926CB-A599-4CB7-986B-5734570936BC}"/>
+              </a:ext>
+            </a:extLst>
+          </p:cNvPr>
+          <p:cNvSpPr txBox="1"/>
+          <p:nvPr/>
+        </p:nvSpPr>
+        <p:spPr>
+          <a:xfrm>
+            <a:off x="3127263" y="4057218"/>
+            <a:ext cx="2142565" cy="2308324"/>
+          </a:xfrm>
+          <a:prstGeom prst="rect">
+            <a:avLst/>
+          </a:prstGeom>
+          <a:noFill/>
+          <a:ln>
+            <a:solidFill>
+              <a:schemeClr val="bg1"/>
+            </a:solidFill>
+          </a:ln>
+        </p:spPr>
+        <p:txBody>
+          <a:bodyPr wrap="square" rtlCol="0">
+            <a:spAutoFit/>
+          </a:bodyPr>
+          <a:lstStyle/>
+          <a:p>
+            <a:r>
+              <a:rPr lang="ko-KR" altLang="en-US" dirty="0">
+                <a:solidFill>
+                  <a:schemeClr val="bg1"/>
+                </a:solidFill>
+                <a:latin typeface="에스코어 드림 1 Thin" panose="020B0403030302020204" pitchFamily="34" charset="-127"/>
+                <a:ea typeface="에스코어 드림 1 Thin" panose="020B0403030302020204" pitchFamily="34" charset="-127"/>
+              </a:rPr>
+              <a:t>드래그를 통해 생성할 수 있으며</a:t>
+            </a:r>
+            <a:r>
+              <a:rPr lang="en-US" altLang="ko-KR" dirty="0">
+                <a:solidFill>
+                  <a:schemeClr val="bg1"/>
+                </a:solidFill>
+                <a:latin typeface="에스코어 드림 1 Thin" panose="020B0403030302020204" pitchFamily="34" charset="-127"/>
+                <a:ea typeface="에스코어 드림 1 Thin" panose="020B0403030302020204" pitchFamily="34" charset="-127"/>
+              </a:rPr>
+              <a:t>, </a:t>
+            </a:r>
+            <a:r>
+              <a:rPr lang="ko-KR" altLang="en-US" dirty="0">
+                <a:solidFill>
+                  <a:schemeClr val="bg1"/>
+                </a:solidFill>
+                <a:latin typeface="에스코어 드림 1 Thin" panose="020B0403030302020204" pitchFamily="34" charset="-127"/>
+                <a:ea typeface="에스코어 드림 1 Thin" panose="020B0403030302020204" pitchFamily="34" charset="-127"/>
+              </a:rPr>
+              <a:t>화살표 방향으로 구체를 이동시킵니다</a:t>
+            </a:r>
+            <a:r>
+              <a:rPr lang="en-US" altLang="ko-KR" dirty="0">
+                <a:solidFill>
+                  <a:schemeClr val="bg1"/>
+                </a:solidFill>
+                <a:latin typeface="에스코어 드림 1 Thin" panose="020B0403030302020204" pitchFamily="34" charset="-127"/>
+                <a:ea typeface="에스코어 드림 1 Thin" panose="020B0403030302020204" pitchFamily="34" charset="-127"/>
+              </a:rPr>
+              <a:t>. </a:t>
+            </a:r>
+            <a:r>
+              <a:rPr lang="ko-KR" altLang="en-US" dirty="0">
+                <a:solidFill>
+                  <a:schemeClr val="bg1"/>
+                </a:solidFill>
+                <a:latin typeface="에스코어 드림 1 Thin" panose="020B0403030302020204" pitchFamily="34" charset="-127"/>
+                <a:ea typeface="에스코어 드림 1 Thin" panose="020B0403030302020204" pitchFamily="34" charset="-127"/>
+              </a:rPr>
+              <a:t>또한 맵이 복수로 존재할 시 주 맵에서 그려진 중력장이 다른 맵에서도 그려집니다</a:t>
+            </a:r>
+            <a:r>
+              <a:rPr lang="en-US" altLang="ko-KR" dirty="0">
+                <a:solidFill>
+                  <a:schemeClr val="bg1"/>
+                </a:solidFill>
+                <a:latin typeface="에스코어 드림 1 Thin" panose="020B0403030302020204" pitchFamily="34" charset="-127"/>
+                <a:ea typeface="에스코어 드림 1 Thin" panose="020B0403030302020204" pitchFamily="34" charset="-127"/>
+              </a:rPr>
+              <a:t>.</a:t>
+            </a:r>
+            <a:endParaRPr lang="ko-KR" altLang="en-US" dirty="0">
               <a:solidFill>
                 <a:schemeClr val="bg1"/>
               </a:solidFill>
-            </a:ln>
-          </p:spPr>
-          <p:txBody>
-            <a:bodyPr wrap="square" rtlCol="0">
-              <a:spAutoFit/>
-            </a:bodyPr>
-            <a:lstStyle/>
-            <a:p>
-              <a:r>
-                <a:rPr lang="ko-KR" altLang="en-US" dirty="0">
-                  <a:solidFill>
-                    <a:schemeClr val="bg1"/>
-                  </a:solidFill>
-                  <a:latin typeface="에스코어 드림 1 Thin" panose="020B0403030302020204" pitchFamily="34" charset="-127"/>
-                  <a:ea typeface="에스코어 드림 1 Thin" panose="020B0403030302020204" pitchFamily="34" charset="-127"/>
-                </a:rPr>
-                <a:t>장애물과 플레이어</a:t>
-              </a:r>
-              <a:endParaRPr lang="en-US" altLang="ko-KR" dirty="0">
+              <a:latin typeface="에스코어 드림 1 Thin" panose="020B0403030302020204" pitchFamily="34" charset="-127"/>
+              <a:ea typeface="에스코어 드림 1 Thin" panose="020B0403030302020204" pitchFamily="34" charset="-127"/>
+            </a:endParaRPr>
+          </a:p>
+        </p:txBody>
+      </p:sp>
+      <p:sp>
+        <p:nvSpPr>
+          <p:cNvPr id="41" name="TextBox 40">
+            <a:extLst>
+              <a:ext uri="{FF2B5EF4-FFF2-40B4-BE49-F238E27FC236}">
+                <a16:creationId xmlns:a16="http://schemas.microsoft.com/office/drawing/2014/main" id="{5D78A487-8C39-4C31-870B-B6529A5A8A44}"/>
+              </a:ext>
+            </a:extLst>
+          </p:cNvPr>
+          <p:cNvSpPr txBox="1"/>
+          <p:nvPr/>
+        </p:nvSpPr>
+        <p:spPr>
+          <a:xfrm>
+            <a:off x="1339960" y="5443988"/>
+            <a:ext cx="898325" cy="369332"/>
+          </a:xfrm>
+          <a:prstGeom prst="rect">
+            <a:avLst/>
+          </a:prstGeom>
+          <a:noFill/>
+          <a:ln>
+            <a:solidFill>
+              <a:schemeClr val="bg1"/>
+            </a:solidFill>
+          </a:ln>
+        </p:spPr>
+        <p:txBody>
+          <a:bodyPr wrap="square" rtlCol="0">
+            <a:spAutoFit/>
+          </a:bodyPr>
+          <a:lstStyle/>
+          <a:p>
+            <a:pPr algn="ctr"/>
+            <a:r>
+              <a:rPr lang="ko-KR" altLang="en-US" dirty="0">
                 <a:solidFill>
                   <a:schemeClr val="bg1"/>
                 </a:solidFill>
                 <a:latin typeface="에스코어 드림 1 Thin" panose="020B0403030302020204" pitchFamily="34" charset="-127"/>
                 <a:ea typeface="에스코어 드림 1 Thin" panose="020B0403030302020204" pitchFamily="34" charset="-127"/>
-              </a:endParaRPr>
-            </a:p>
-            <a:p>
-              <a:r>
-                <a:rPr lang="ko-KR" altLang="en-US" dirty="0">
-                  <a:solidFill>
-                    <a:schemeClr val="bg1"/>
-                  </a:solidFill>
-                  <a:latin typeface="에스코어 드림 1 Thin" panose="020B0403030302020204" pitchFamily="34" charset="-127"/>
-                  <a:ea typeface="에스코어 드림 1 Thin" panose="020B0403030302020204" pitchFamily="34" charset="-127"/>
-                </a:rPr>
-                <a:t>목적지와 중력장을</a:t>
-              </a:r>
-              <a:endParaRPr lang="en-US" altLang="ko-KR" dirty="0">
+              </a:rPr>
+              <a:t>중력장</a:t>
+            </a:r>
+          </a:p>
+        </p:txBody>
+      </p:sp>
+      <p:sp>
+        <p:nvSpPr>
+          <p:cNvPr id="42" name="TextBox 41">
+            <a:extLst>
+              <a:ext uri="{FF2B5EF4-FFF2-40B4-BE49-F238E27FC236}">
+                <a16:creationId xmlns:a16="http://schemas.microsoft.com/office/drawing/2014/main" id="{E4EFB8AD-4F08-4F56-8D3F-730A12D567D8}"/>
+              </a:ext>
+            </a:extLst>
+          </p:cNvPr>
+          <p:cNvSpPr txBox="1"/>
+          <p:nvPr/>
+        </p:nvSpPr>
+        <p:spPr>
+          <a:xfrm>
+            <a:off x="1339960" y="3375970"/>
+            <a:ext cx="898325" cy="369332"/>
+          </a:xfrm>
+          <a:prstGeom prst="rect">
+            <a:avLst/>
+          </a:prstGeom>
+          <a:noFill/>
+          <a:ln>
+            <a:solidFill>
+              <a:schemeClr val="bg1"/>
+            </a:solidFill>
+          </a:ln>
+        </p:spPr>
+        <p:txBody>
+          <a:bodyPr wrap="square" rtlCol="0">
+            <a:spAutoFit/>
+          </a:bodyPr>
+          <a:lstStyle/>
+          <a:p>
+            <a:pPr algn="ctr"/>
+            <a:r>
+              <a:rPr lang="ko-KR" altLang="en-US" dirty="0">
                 <a:solidFill>
                   <a:schemeClr val="bg1"/>
                 </a:solidFill>
                 <a:latin typeface="에스코어 드림 1 Thin" panose="020B0403030302020204" pitchFamily="34" charset="-127"/>
                 <a:ea typeface="에스코어 드림 1 Thin" panose="020B0403030302020204" pitchFamily="34" charset="-127"/>
-              </a:endParaRPr>
-            </a:p>
-            <a:p>
-              <a:r>
-                <a:rPr lang="ko-KR" altLang="en-US" dirty="0">
-                  <a:solidFill>
-                    <a:schemeClr val="bg1"/>
-                  </a:solidFill>
-                  <a:latin typeface="에스코어 드림 1 Thin" panose="020B0403030302020204" pitchFamily="34" charset="-127"/>
-                  <a:ea typeface="에스코어 드림 1 Thin" panose="020B0403030302020204" pitchFamily="34" charset="-127"/>
-                </a:rPr>
-                <a:t>담는 게임의 맵이며</a:t>
-              </a:r>
-              <a:r>
-                <a:rPr lang="en-US" altLang="ko-KR" dirty="0">
-                  <a:solidFill>
-                    <a:schemeClr val="bg1"/>
-                  </a:solidFill>
-                  <a:latin typeface="에스코어 드림 1 Thin" panose="020B0403030302020204" pitchFamily="34" charset="-127"/>
-                  <a:ea typeface="에스코어 드림 1 Thin" panose="020B0403030302020204" pitchFamily="34" charset="-127"/>
-                </a:rPr>
-                <a:t>, </a:t>
-              </a:r>
-              <a:r>
-                <a:rPr lang="ko-KR" altLang="en-US" dirty="0">
-                  <a:solidFill>
-                    <a:schemeClr val="bg1"/>
-                  </a:solidFill>
-                  <a:latin typeface="에스코어 드림 1 Thin" panose="020B0403030302020204" pitchFamily="34" charset="-127"/>
-                  <a:ea typeface="에스코어 드림 1 Thin" panose="020B0403030302020204" pitchFamily="34" charset="-127"/>
-                </a:rPr>
-                <a:t>맵이 복수로 존재할 시 주 맵을 선택할 수 있습니다</a:t>
-              </a:r>
-              <a:r>
-                <a:rPr lang="en-US" altLang="ko-KR" dirty="0">
-                  <a:solidFill>
-                    <a:schemeClr val="bg1"/>
-                  </a:solidFill>
-                  <a:latin typeface="에스코어 드림 1 Thin" panose="020B0403030302020204" pitchFamily="34" charset="-127"/>
-                  <a:ea typeface="에스코어 드림 1 Thin" panose="020B0403030302020204" pitchFamily="34" charset="-127"/>
-                </a:rPr>
-                <a:t>.</a:t>
-              </a:r>
-              <a:endParaRPr lang="ko-KR" altLang="en-US" dirty="0">
-                <a:solidFill>
-                  <a:schemeClr val="bg1"/>
-                </a:solidFill>
-                <a:latin typeface="에스코어 드림 1 Thin" panose="020B0403030302020204" pitchFamily="34" charset="-127"/>
-                <a:ea typeface="에스코어 드림 1 Thin" panose="020B0403030302020204" pitchFamily="34" charset="-127"/>
-              </a:endParaRPr>
-            </a:p>
-          </p:txBody>
-        </p:sp>
+              </a:rPr>
+              <a:t>맵</a:t>
+            </a:r>
+          </a:p>
+        </p:txBody>
+      </p:sp>
+    </p:spTree>
+    <p:extLst>
+      <p:ext uri="{BB962C8B-B14F-4D97-AF65-F5344CB8AC3E}">
+        <p14:creationId xmlns:p14="http://schemas.microsoft.com/office/powerpoint/2010/main" val="3431577405"/>
+      </p:ext>
+    </p:extLst>
+  </p:cSld>
+  <p:clrMapOvr>
+    <a:masterClrMapping/>
+  </p:clrMapOvr>
+</p:sld>
+</file>
+
+<file path=ppt/slides/slide4.xml><?xml version="1.0" encoding="utf-8"?>
+<p:sld xmlns:a="http://schemas.openxmlformats.org/drawingml/2006/main" xmlns:r="http://schemas.openxmlformats.org/officeDocument/2006/relationships" xmlns:p="http://schemas.openxmlformats.org/presentationml/2006/main">
+  <p:cSld>
+    <p:spTree>
+      <p:nvGrpSpPr>
+        <p:cNvPr id="1" name=""/>
+        <p:cNvGrpSpPr/>
+        <p:nvPr/>
+      </p:nvGrpSpPr>
+      <p:grpSpPr>
+        <a:xfrm>
+          <a:off x="0" y="0"/>
+          <a:ext cx="0" cy="0"/>
+          <a:chOff x="0" y="0"/>
+          <a:chExt cx="0" cy="0"/>
+        </a:xfrm>
+      </p:grpSpPr>
+      <p:grpSp>
+        <p:nvGrpSpPr>
+          <p:cNvPr id="4" name="그룹 3">
+            <a:extLst>
+              <a:ext uri="{FF2B5EF4-FFF2-40B4-BE49-F238E27FC236}">
+                <a16:creationId xmlns:a16="http://schemas.microsoft.com/office/drawing/2014/main" id="{B19E3AE9-F61C-47C2-8FE7-710AFD7214F0}"/>
+              </a:ext>
+            </a:extLst>
+          </p:cNvPr>
+          <p:cNvGrpSpPr/>
+          <p:nvPr/>
+        </p:nvGrpSpPr>
+        <p:grpSpPr>
+          <a:xfrm>
+            <a:off x="4699" y="-4554"/>
+            <a:ext cx="12192000" cy="6858000"/>
+            <a:chOff x="0" y="0"/>
+            <a:chExt cx="12192000" cy="6858000"/>
+          </a:xfrm>
+        </p:grpSpPr>
         <p:grpSp>
           <p:nvGrpSpPr>
-            <p:cNvPr id="26" name="그룹 25">
+            <p:cNvPr id="44" name="그룹 43">
               <a:extLst>
                 <a:ext uri="{FF2B5EF4-FFF2-40B4-BE49-F238E27FC236}">
-                  <a16:creationId xmlns:a16="http://schemas.microsoft.com/office/drawing/2014/main" id="{A3756C31-96AE-4BD1-8045-0FCC596CF288}"/>
+                  <a16:creationId xmlns:a16="http://schemas.microsoft.com/office/drawing/2014/main" id="{4FAA3BF0-D465-40DD-AAB5-93A8F9C2E06C}"/>
                 </a:ext>
               </a:extLst>
             </p:cNvPr>
@@ -5395,18 +6855,965 @@
           </p:nvGrpSpPr>
           <p:grpSpPr>
             <a:xfrm>
-              <a:off x="282204" y="4596358"/>
-              <a:ext cx="2381371" cy="664278"/>
-              <a:chOff x="3683301" y="2755984"/>
-              <a:chExt cx="4825397" cy="1346032"/>
+              <a:off x="0" y="0"/>
+              <a:ext cx="12192000" cy="6858000"/>
+              <a:chOff x="0" y="0"/>
+              <a:chExt cx="12192000" cy="6858000"/>
+            </a:xfrm>
+          </p:grpSpPr>
+          <p:grpSp>
+            <p:nvGrpSpPr>
+              <p:cNvPr id="2" name="그룹 1">
+                <a:extLst>
+                  <a:ext uri="{FF2B5EF4-FFF2-40B4-BE49-F238E27FC236}">
+                    <a16:creationId xmlns:a16="http://schemas.microsoft.com/office/drawing/2014/main" id="{B3D71AC4-DEFC-4B58-ACC8-50F8B5B0E8F8}"/>
+                  </a:ext>
+                </a:extLst>
+              </p:cNvPr>
+              <p:cNvGrpSpPr/>
+              <p:nvPr/>
+            </p:nvGrpSpPr>
+            <p:grpSpPr>
+              <a:xfrm>
+                <a:off x="0" y="0"/>
+                <a:ext cx="12192000" cy="6858000"/>
+                <a:chOff x="0" y="0"/>
+                <a:chExt cx="12192000" cy="6858000"/>
+              </a:xfrm>
+            </p:grpSpPr>
+            <p:pic>
+              <p:nvPicPr>
+                <p:cNvPr id="5" name="그림 4" descr="실외, 벽돌, 건축자재이(가) 표시된 사진&#10;&#10;자동 생성된 설명">
+                  <a:extLst>
+                    <a:ext uri="{FF2B5EF4-FFF2-40B4-BE49-F238E27FC236}">
+                      <a16:creationId xmlns:a16="http://schemas.microsoft.com/office/drawing/2014/main" id="{3A91728B-0692-4C89-BE40-02A2108CC07B}"/>
+                    </a:ext>
+                  </a:extLst>
+                </p:cNvPr>
+                <p:cNvPicPr>
+                  <a:picLocks noChangeAspect="1"/>
+                </p:cNvPicPr>
+                <p:nvPr/>
+              </p:nvPicPr>
+              <p:blipFill>
+                <a:blip r:embed="rId2">
+                  <a:extLst>
+                    <a:ext uri="{28A0092B-C50C-407E-A947-70E740481C1C}">
+                      <a14:useLocalDpi xmlns:a14="http://schemas.microsoft.com/office/drawing/2010/main" val="0"/>
+                    </a:ext>
+                  </a:extLst>
+                </a:blip>
+                <a:stretch>
+                  <a:fillRect/>
+                </a:stretch>
+              </p:blipFill>
+              <p:spPr>
+                <a:xfrm>
+                  <a:off x="0" y="0"/>
+                  <a:ext cx="12192000" cy="6858000"/>
+                </a:xfrm>
+                <a:prstGeom prst="rect">
+                  <a:avLst/>
+                </a:prstGeom>
+              </p:spPr>
+            </p:pic>
+            <p:sp>
+              <p:nvSpPr>
+                <p:cNvPr id="6" name="직사각형 5">
+                  <a:extLst>
+                    <a:ext uri="{FF2B5EF4-FFF2-40B4-BE49-F238E27FC236}">
+                      <a16:creationId xmlns:a16="http://schemas.microsoft.com/office/drawing/2014/main" id="{5C154B5E-8981-45F5-9053-9DB4EE50A76E}"/>
+                    </a:ext>
+                  </a:extLst>
+                </p:cNvPr>
+                <p:cNvSpPr/>
+                <p:nvPr/>
+              </p:nvSpPr>
+              <p:spPr>
+                <a:xfrm>
+                  <a:off x="0" y="0"/>
+                  <a:ext cx="12192000" cy="6858000"/>
+                </a:xfrm>
+                <a:prstGeom prst="rect">
+                  <a:avLst/>
+                </a:prstGeom>
+                <a:solidFill>
+                  <a:schemeClr val="tx1">
+                    <a:alpha val="70000"/>
+                  </a:schemeClr>
+                </a:solidFill>
+                <a:ln>
+                  <a:noFill/>
+                </a:ln>
+              </p:spPr>
+              <p:style>
+                <a:lnRef idx="2">
+                  <a:schemeClr val="accent1">
+                    <a:shade val="50000"/>
+                  </a:schemeClr>
+                </a:lnRef>
+                <a:fillRef idx="1">
+                  <a:schemeClr val="accent1"/>
+                </a:fillRef>
+                <a:effectRef idx="0">
+                  <a:schemeClr val="accent1"/>
+                </a:effectRef>
+                <a:fontRef idx="minor">
+                  <a:schemeClr val="lt1"/>
+                </a:fontRef>
+              </p:style>
+              <p:txBody>
+                <a:bodyPr rtlCol="0" anchor="ctr"/>
+                <a:lstStyle/>
+                <a:p>
+                  <a:pPr algn="ctr"/>
+                  <a:endParaRPr lang="ko-KR" altLang="en-US" dirty="0">
+                    <a:solidFill>
+                      <a:schemeClr val="bg1"/>
+                    </a:solidFill>
+                  </a:endParaRPr>
+                </a:p>
+              </p:txBody>
+            </p:sp>
+          </p:grpSp>
+          <p:sp>
+            <p:nvSpPr>
+              <p:cNvPr id="7" name="직사각형 6">
+                <a:extLst>
+                  <a:ext uri="{FF2B5EF4-FFF2-40B4-BE49-F238E27FC236}">
+                    <a16:creationId xmlns:a16="http://schemas.microsoft.com/office/drawing/2014/main" id="{6A5AFCF2-13D1-4E4D-B80E-0C1A7216BA83}"/>
+                  </a:ext>
+                </a:extLst>
+              </p:cNvPr>
+              <p:cNvSpPr/>
+              <p:nvPr/>
+            </p:nvSpPr>
+            <p:spPr>
+              <a:xfrm>
+                <a:off x="0" y="0"/>
+                <a:ext cx="12192000" cy="1185333"/>
+              </a:xfrm>
+              <a:prstGeom prst="rect">
+                <a:avLst/>
+              </a:prstGeom>
+              <a:solidFill>
+                <a:schemeClr val="bg2">
+                  <a:lumMod val="25000"/>
+                </a:schemeClr>
+              </a:solidFill>
+              <a:ln>
+                <a:noFill/>
+              </a:ln>
+            </p:spPr>
+            <p:style>
+              <a:lnRef idx="2">
+                <a:schemeClr val="accent1">
+                  <a:shade val="50000"/>
+                </a:schemeClr>
+              </a:lnRef>
+              <a:fillRef idx="1">
+                <a:schemeClr val="accent1"/>
+              </a:fillRef>
+              <a:effectRef idx="0">
+                <a:schemeClr val="accent1"/>
+              </a:effectRef>
+              <a:fontRef idx="minor">
+                <a:schemeClr val="lt1"/>
+              </a:fontRef>
+            </p:style>
+            <p:txBody>
+              <a:bodyPr rtlCol="0" anchor="ctr"/>
+              <a:lstStyle/>
+              <a:p>
+                <a:pPr algn="ctr"/>
+                <a:endParaRPr lang="ko-KR" altLang="en-US" dirty="0"/>
+              </a:p>
+            </p:txBody>
+          </p:sp>
+        </p:grpSp>
+        <p:sp>
+          <p:nvSpPr>
+            <p:cNvPr id="43" name="직사각형 42">
+              <a:extLst>
+                <a:ext uri="{FF2B5EF4-FFF2-40B4-BE49-F238E27FC236}">
+                  <a16:creationId xmlns:a16="http://schemas.microsoft.com/office/drawing/2014/main" id="{1E3E6FC5-8291-4DB1-A75A-90251E224297}"/>
+                </a:ext>
+              </a:extLst>
+            </p:cNvPr>
+            <p:cNvSpPr/>
+            <p:nvPr/>
+          </p:nvSpPr>
+          <p:spPr>
+            <a:xfrm>
+              <a:off x="282204" y="1435150"/>
+              <a:ext cx="11627224" cy="5297344"/>
+            </a:xfrm>
+            <a:prstGeom prst="rect">
+              <a:avLst/>
+            </a:prstGeom>
+            <a:solidFill>
+              <a:schemeClr val="tx1"/>
+            </a:solidFill>
+            <a:ln>
+              <a:solidFill>
+                <a:schemeClr val="bg1"/>
+              </a:solidFill>
+            </a:ln>
+          </p:spPr>
+          <p:style>
+            <a:lnRef idx="2">
+              <a:schemeClr val="accent1">
+                <a:shade val="50000"/>
+              </a:schemeClr>
+            </a:lnRef>
+            <a:fillRef idx="1">
+              <a:schemeClr val="accent1"/>
+            </a:fillRef>
+            <a:effectRef idx="0">
+              <a:schemeClr val="accent1"/>
+            </a:effectRef>
+            <a:fontRef idx="minor">
+              <a:schemeClr val="lt1"/>
+            </a:fontRef>
+          </p:style>
+          <p:txBody>
+            <a:bodyPr rtlCol="0" anchor="ctr"/>
+            <a:lstStyle/>
+            <a:p>
+              <a:pPr algn="ctr"/>
+              <a:endParaRPr lang="ko-KR" altLang="en-US"/>
+            </a:p>
+          </p:txBody>
+        </p:sp>
+      </p:grpSp>
+      <p:grpSp>
+        <p:nvGrpSpPr>
+          <p:cNvPr id="82" name="그룹 81">
+            <a:extLst>
+              <a:ext uri="{FF2B5EF4-FFF2-40B4-BE49-F238E27FC236}">
+                <a16:creationId xmlns:a16="http://schemas.microsoft.com/office/drawing/2014/main" id="{A7CD3436-C49D-4615-B3BD-49E3C3231E25}"/>
+              </a:ext>
+            </a:extLst>
+          </p:cNvPr>
+          <p:cNvGrpSpPr/>
+          <p:nvPr/>
+        </p:nvGrpSpPr>
+        <p:grpSpPr>
+          <a:xfrm>
+            <a:off x="4637933" y="2082832"/>
+            <a:ext cx="2517495" cy="4559994"/>
+            <a:chOff x="4637934" y="2247001"/>
+            <a:chExt cx="2517495" cy="4559994"/>
+          </a:xfrm>
+        </p:grpSpPr>
+        <p:grpSp>
+          <p:nvGrpSpPr>
+            <p:cNvPr id="22" name="그룹 21">
+              <a:extLst>
+                <a:ext uri="{FF2B5EF4-FFF2-40B4-BE49-F238E27FC236}">
+                  <a16:creationId xmlns:a16="http://schemas.microsoft.com/office/drawing/2014/main" id="{17C77AD9-F194-4A86-B79F-B42BE20337A2}"/>
+                </a:ext>
+              </a:extLst>
+            </p:cNvPr>
+            <p:cNvGrpSpPr/>
+            <p:nvPr/>
+          </p:nvGrpSpPr>
+          <p:grpSpPr>
+            <a:xfrm>
+              <a:off x="4637934" y="2247001"/>
+              <a:ext cx="2517495" cy="4559994"/>
+              <a:chOff x="4637934" y="2247001"/>
+              <a:chExt cx="2517495" cy="4559994"/>
+            </a:xfrm>
+          </p:grpSpPr>
+          <p:grpSp>
+            <p:nvGrpSpPr>
+              <p:cNvPr id="23" name="그룹 22">
+                <a:extLst>
+                  <a:ext uri="{FF2B5EF4-FFF2-40B4-BE49-F238E27FC236}">
+                    <a16:creationId xmlns:a16="http://schemas.microsoft.com/office/drawing/2014/main" id="{4726468E-562E-4032-A17C-BF9135AE7226}"/>
+                  </a:ext>
+                </a:extLst>
+              </p:cNvPr>
+              <p:cNvGrpSpPr/>
+              <p:nvPr/>
+            </p:nvGrpSpPr>
+            <p:grpSpPr>
+              <a:xfrm>
+                <a:off x="4637934" y="2247001"/>
+                <a:ext cx="2517495" cy="4559994"/>
+                <a:chOff x="952251" y="1870483"/>
+                <a:chExt cx="2517495" cy="4559994"/>
+              </a:xfrm>
+            </p:grpSpPr>
+            <p:grpSp>
+              <p:nvGrpSpPr>
+                <p:cNvPr id="24" name="그룹 23">
+                  <a:extLst>
+                    <a:ext uri="{FF2B5EF4-FFF2-40B4-BE49-F238E27FC236}">
+                      <a16:creationId xmlns:a16="http://schemas.microsoft.com/office/drawing/2014/main" id="{8D24F611-13D8-4160-989F-7DF6D178A422}"/>
+                    </a:ext>
+                  </a:extLst>
+                </p:cNvPr>
+                <p:cNvGrpSpPr/>
+                <p:nvPr/>
+              </p:nvGrpSpPr>
+              <p:grpSpPr>
+                <a:xfrm>
+                  <a:off x="952251" y="2382296"/>
+                  <a:ext cx="2407030" cy="2407029"/>
+                  <a:chOff x="909525" y="2097735"/>
+                  <a:chExt cx="2407030" cy="2407029"/>
+                </a:xfrm>
+              </p:grpSpPr>
+              <p:pic>
+                <p:nvPicPr>
+                  <p:cNvPr id="27" name="그림 26">
+                    <a:extLst>
+                      <a:ext uri="{FF2B5EF4-FFF2-40B4-BE49-F238E27FC236}">
+                        <a16:creationId xmlns:a16="http://schemas.microsoft.com/office/drawing/2014/main" id="{3FBE022D-FBE7-40B4-8AAB-C3FAB02989A4}"/>
+                      </a:ext>
+                    </a:extLst>
+                  </p:cNvPr>
+                  <p:cNvPicPr>
+                    <a:picLocks noChangeAspect="1"/>
+                  </p:cNvPicPr>
+                  <p:nvPr/>
+                </p:nvPicPr>
+                <p:blipFill>
+                  <a:blip r:embed="rId3">
+                    <a:extLst>
+                      <a:ext uri="{28A0092B-C50C-407E-A947-70E740481C1C}">
+                        <a14:useLocalDpi xmlns:a14="http://schemas.microsoft.com/office/drawing/2010/main" val="0"/>
+                      </a:ext>
+                    </a:extLst>
+                  </a:blip>
+                  <a:stretch>
+                    <a:fillRect/>
+                  </a:stretch>
+                </p:blipFill>
+                <p:spPr>
+                  <a:xfrm>
+                    <a:off x="909526" y="2097735"/>
+                    <a:ext cx="1331265" cy="1331265"/>
+                  </a:xfrm>
+                  <a:prstGeom prst="rect">
+                    <a:avLst/>
+                  </a:prstGeom>
+                </p:spPr>
+              </p:pic>
+              <p:pic>
+                <p:nvPicPr>
+                  <p:cNvPr id="28" name="그림 27">
+                    <a:extLst>
+                      <a:ext uri="{FF2B5EF4-FFF2-40B4-BE49-F238E27FC236}">
+                        <a16:creationId xmlns:a16="http://schemas.microsoft.com/office/drawing/2014/main" id="{4E7A0EC3-5782-416C-B8EE-F42F6E8A5C79}"/>
+                      </a:ext>
+                    </a:extLst>
+                  </p:cNvPr>
+                  <p:cNvPicPr>
+                    <a:picLocks noChangeAspect="1"/>
+                  </p:cNvPicPr>
+                  <p:nvPr/>
+                </p:nvPicPr>
+                <p:blipFill>
+                  <a:blip r:embed="rId3">
+                    <a:extLst>
+                      <a:ext uri="{28A0092B-C50C-407E-A947-70E740481C1C}">
+                        <a14:useLocalDpi xmlns:a14="http://schemas.microsoft.com/office/drawing/2010/main" val="0"/>
+                      </a:ext>
+                    </a:extLst>
+                  </a:blip>
+                  <a:stretch>
+                    <a:fillRect/>
+                  </a:stretch>
+                </p:blipFill>
+                <p:spPr>
+                  <a:xfrm>
+                    <a:off x="1985290" y="2097735"/>
+                    <a:ext cx="1331265" cy="1331265"/>
+                  </a:xfrm>
+                  <a:prstGeom prst="rect">
+                    <a:avLst/>
+                  </a:prstGeom>
+                </p:spPr>
+              </p:pic>
+              <p:pic>
+                <p:nvPicPr>
+                  <p:cNvPr id="29" name="그림 28">
+                    <a:extLst>
+                      <a:ext uri="{FF2B5EF4-FFF2-40B4-BE49-F238E27FC236}">
+                        <a16:creationId xmlns:a16="http://schemas.microsoft.com/office/drawing/2014/main" id="{6FAEA810-F302-429B-91A2-07DCA9EB0177}"/>
+                      </a:ext>
+                    </a:extLst>
+                  </p:cNvPr>
+                  <p:cNvPicPr>
+                    <a:picLocks noChangeAspect="1"/>
+                  </p:cNvPicPr>
+                  <p:nvPr/>
+                </p:nvPicPr>
+                <p:blipFill>
+                  <a:blip r:embed="rId3">
+                    <a:extLst>
+                      <a:ext uri="{28A0092B-C50C-407E-A947-70E740481C1C}">
+                        <a14:useLocalDpi xmlns:a14="http://schemas.microsoft.com/office/drawing/2010/main" val="0"/>
+                      </a:ext>
+                    </a:extLst>
+                  </a:blip>
+                  <a:stretch>
+                    <a:fillRect/>
+                  </a:stretch>
+                </p:blipFill>
+                <p:spPr>
+                  <a:xfrm>
+                    <a:off x="909525" y="3173499"/>
+                    <a:ext cx="1331265" cy="1331265"/>
+                  </a:xfrm>
+                  <a:prstGeom prst="rect">
+                    <a:avLst/>
+                  </a:prstGeom>
+                </p:spPr>
+              </p:pic>
+              <p:pic>
+                <p:nvPicPr>
+                  <p:cNvPr id="30" name="그림 29">
+                    <a:extLst>
+                      <a:ext uri="{FF2B5EF4-FFF2-40B4-BE49-F238E27FC236}">
+                        <a16:creationId xmlns:a16="http://schemas.microsoft.com/office/drawing/2014/main" id="{24B20645-1483-4BB3-A726-22C59943B59F}"/>
+                      </a:ext>
+                    </a:extLst>
+                  </p:cNvPr>
+                  <p:cNvPicPr>
+                    <a:picLocks noChangeAspect="1"/>
+                  </p:cNvPicPr>
+                  <p:nvPr/>
+                </p:nvPicPr>
+                <p:blipFill>
+                  <a:blip r:embed="rId3">
+                    <a:extLst>
+                      <a:ext uri="{28A0092B-C50C-407E-A947-70E740481C1C}">
+                        <a14:useLocalDpi xmlns:a14="http://schemas.microsoft.com/office/drawing/2010/main" val="0"/>
+                      </a:ext>
+                    </a:extLst>
+                  </a:blip>
+                  <a:stretch>
+                    <a:fillRect/>
+                  </a:stretch>
+                </p:blipFill>
+                <p:spPr>
+                  <a:xfrm>
+                    <a:off x="1985290" y="3173499"/>
+                    <a:ext cx="1331265" cy="1331265"/>
+                  </a:xfrm>
+                  <a:prstGeom prst="rect">
+                    <a:avLst/>
+                  </a:prstGeom>
+                </p:spPr>
+              </p:pic>
+            </p:grpSp>
+            <p:sp>
+              <p:nvSpPr>
+                <p:cNvPr id="25" name="TextBox 24">
+                  <a:extLst>
+                    <a:ext uri="{FF2B5EF4-FFF2-40B4-BE49-F238E27FC236}">
+                      <a16:creationId xmlns:a16="http://schemas.microsoft.com/office/drawing/2014/main" id="{09908E81-006F-4752-8D55-BCEDEB720672}"/>
+                    </a:ext>
+                  </a:extLst>
+                </p:cNvPr>
+                <p:cNvSpPr txBox="1"/>
+                <p:nvPr/>
+              </p:nvSpPr>
+              <p:spPr>
+                <a:xfrm>
+                  <a:off x="952251" y="5230148"/>
+                  <a:ext cx="2517495" cy="1200329"/>
+                </a:xfrm>
+                <a:prstGeom prst="rect">
+                  <a:avLst/>
+                </a:prstGeom>
+                <a:noFill/>
+                <a:ln>
+                  <a:solidFill>
+                    <a:schemeClr val="bg1"/>
+                  </a:solidFill>
+                </a:ln>
+              </p:spPr>
+              <p:txBody>
+                <a:bodyPr wrap="square" rtlCol="0">
+                  <a:spAutoFit/>
+                </a:bodyPr>
+                <a:lstStyle/>
+                <a:p>
+                  <a:pPr algn="ctr"/>
+                  <a:r>
+                    <a:rPr lang="ko-KR" altLang="en-US" dirty="0">
+                      <a:solidFill>
+                        <a:schemeClr val="bg1"/>
+                      </a:solidFill>
+                      <a:latin typeface="에스코어 드림 1 Thin" panose="020B0403030302020204" pitchFamily="34" charset="-127"/>
+                      <a:ea typeface="에스코어 드림 1 Thin" panose="020B0403030302020204" pitchFamily="34" charset="-127"/>
+                    </a:rPr>
+                    <a:t>드래그를 통해 일정 </a:t>
+                  </a:r>
+                  <a:endParaRPr lang="en-US" altLang="ko-KR" dirty="0">
+                    <a:solidFill>
+                      <a:schemeClr val="bg1"/>
+                    </a:solidFill>
+                    <a:latin typeface="에스코어 드림 1 Thin" panose="020B0403030302020204" pitchFamily="34" charset="-127"/>
+                    <a:ea typeface="에스코어 드림 1 Thin" panose="020B0403030302020204" pitchFamily="34" charset="-127"/>
+                  </a:endParaRPr>
+                </a:p>
+                <a:p>
+                  <a:pPr algn="ctr"/>
+                  <a:r>
+                    <a:rPr lang="ko-KR" altLang="en-US" dirty="0">
+                      <a:solidFill>
+                        <a:schemeClr val="bg1"/>
+                      </a:solidFill>
+                      <a:latin typeface="에스코어 드림 1 Thin" panose="020B0403030302020204" pitchFamily="34" charset="-127"/>
+                      <a:ea typeface="에스코어 드림 1 Thin" panose="020B0403030302020204" pitchFamily="34" charset="-127"/>
+                    </a:rPr>
+                    <a:t>범위의 중력의 방향을 </a:t>
+                  </a:r>
+                  <a:endParaRPr lang="en-US" altLang="ko-KR" dirty="0">
+                    <a:solidFill>
+                      <a:schemeClr val="bg1"/>
+                    </a:solidFill>
+                    <a:latin typeface="에스코어 드림 1 Thin" panose="020B0403030302020204" pitchFamily="34" charset="-127"/>
+                    <a:ea typeface="에스코어 드림 1 Thin" panose="020B0403030302020204" pitchFamily="34" charset="-127"/>
+                  </a:endParaRPr>
+                </a:p>
+                <a:p>
+                  <a:pPr algn="ctr"/>
+                  <a:r>
+                    <a:rPr lang="ko-KR" altLang="en-US" dirty="0">
+                      <a:solidFill>
+                        <a:schemeClr val="bg1"/>
+                      </a:solidFill>
+                      <a:latin typeface="에스코어 드림 1 Thin" panose="020B0403030302020204" pitchFamily="34" charset="-127"/>
+                      <a:ea typeface="에스코어 드림 1 Thin" panose="020B0403030302020204" pitchFamily="34" charset="-127"/>
+                    </a:rPr>
+                    <a:t>수정합니다</a:t>
+                  </a:r>
+                  <a:r>
+                    <a:rPr lang="en-US" altLang="ko-KR" dirty="0">
+                      <a:solidFill>
+                        <a:schemeClr val="bg1"/>
+                      </a:solidFill>
+                      <a:latin typeface="에스코어 드림 1 Thin" panose="020B0403030302020204" pitchFamily="34" charset="-127"/>
+                      <a:ea typeface="에스코어 드림 1 Thin" panose="020B0403030302020204" pitchFamily="34" charset="-127"/>
+                    </a:rPr>
+                    <a:t>.</a:t>
+                  </a:r>
+                  <a:r>
+                    <a:rPr lang="ko-KR" altLang="en-US" dirty="0">
+                      <a:solidFill>
+                        <a:schemeClr val="bg1"/>
+                      </a:solidFill>
+                      <a:latin typeface="에스코어 드림 1 Thin" panose="020B0403030302020204" pitchFamily="34" charset="-127"/>
+                      <a:ea typeface="에스코어 드림 1 Thin" panose="020B0403030302020204" pitchFamily="34" charset="-127"/>
+                    </a:rPr>
+                    <a:t> 생성한 만큼 숫자가 감소합니다</a:t>
+                  </a:r>
+                  <a:r>
+                    <a:rPr lang="en-US" altLang="ko-KR" dirty="0">
+                      <a:solidFill>
+                        <a:schemeClr val="bg1"/>
+                      </a:solidFill>
+                      <a:latin typeface="에스코어 드림 1 Thin" panose="020B0403030302020204" pitchFamily="34" charset="-127"/>
+                      <a:ea typeface="에스코어 드림 1 Thin" panose="020B0403030302020204" pitchFamily="34" charset="-127"/>
+                    </a:rPr>
+                    <a:t>.</a:t>
+                  </a:r>
+                </a:p>
+              </p:txBody>
+            </p:sp>
+            <p:sp>
+              <p:nvSpPr>
+                <p:cNvPr id="26" name="직사각형 25">
+                  <a:extLst>
+                    <a:ext uri="{FF2B5EF4-FFF2-40B4-BE49-F238E27FC236}">
+                      <a16:creationId xmlns:a16="http://schemas.microsoft.com/office/drawing/2014/main" id="{565FDBA7-D732-48FE-A2D2-882C71213DE2}"/>
+                    </a:ext>
+                  </a:extLst>
+                </p:cNvPr>
+                <p:cNvSpPr/>
+                <p:nvPr/>
+              </p:nvSpPr>
+              <p:spPr>
+                <a:xfrm>
+                  <a:off x="952251" y="1870483"/>
+                  <a:ext cx="2517495" cy="3234160"/>
+                </a:xfrm>
+                <a:prstGeom prst="rect">
+                  <a:avLst/>
+                </a:prstGeom>
+                <a:noFill/>
+                <a:ln>
+                  <a:solidFill>
+                    <a:schemeClr val="bg1"/>
+                  </a:solidFill>
+                </a:ln>
+              </p:spPr>
+              <p:style>
+                <a:lnRef idx="2">
+                  <a:schemeClr val="accent1">
+                    <a:shade val="50000"/>
+                  </a:schemeClr>
+                </a:lnRef>
+                <a:fillRef idx="1">
+                  <a:schemeClr val="accent1"/>
+                </a:fillRef>
+                <a:effectRef idx="0">
+                  <a:schemeClr val="accent1"/>
+                </a:effectRef>
+                <a:fontRef idx="minor">
+                  <a:schemeClr val="lt1"/>
+                </a:fontRef>
+              </p:style>
+              <p:txBody>
+                <a:bodyPr rtlCol="0" anchor="ctr"/>
+                <a:lstStyle/>
+                <a:p>
+                  <a:pPr algn="ctr"/>
+                  <a:endParaRPr lang="ko-KR" altLang="en-US"/>
+                </a:p>
+              </p:txBody>
+            </p:sp>
+          </p:grpSp>
+          <p:sp>
+            <p:nvSpPr>
+              <p:cNvPr id="32" name="TextBox 31">
+                <a:extLst>
+                  <a:ext uri="{FF2B5EF4-FFF2-40B4-BE49-F238E27FC236}">
+                    <a16:creationId xmlns:a16="http://schemas.microsoft.com/office/drawing/2014/main" id="{48332792-9A9E-4CB1-A575-C53702D6E0A3}"/>
+                  </a:ext>
+                </a:extLst>
+              </p:cNvPr>
+              <p:cNvSpPr txBox="1"/>
+              <p:nvPr/>
+            </p:nvSpPr>
+            <p:spPr>
+              <a:xfrm>
+                <a:off x="5723491" y="2471789"/>
+                <a:ext cx="358472" cy="379334"/>
+              </a:xfrm>
+              <a:prstGeom prst="rect">
+                <a:avLst/>
+              </a:prstGeom>
+              <a:noFill/>
+            </p:spPr>
+            <p:txBody>
+              <a:bodyPr wrap="square" rtlCol="0">
+                <a:spAutoFit/>
+              </a:bodyPr>
+              <a:lstStyle/>
+              <a:p>
+                <a:r>
+                  <a:rPr lang="en-US" altLang="ko-KR" b="1" dirty="0">
+                    <a:solidFill>
+                      <a:schemeClr val="bg1"/>
+                    </a:solidFill>
+                    <a:latin typeface="에스코어 드림 4 Regular" panose="020B0503030302020204" pitchFamily="34" charset="-127"/>
+                    <a:ea typeface="에스코어 드림 4 Regular" panose="020B0503030302020204" pitchFamily="34" charset="-127"/>
+                  </a:rPr>
+                  <a:t>4</a:t>
+                </a:r>
+                <a:endParaRPr lang="ko-KR" altLang="en-US" b="1" dirty="0">
+                  <a:solidFill>
+                    <a:schemeClr val="bg1"/>
+                  </a:solidFill>
+                  <a:latin typeface="에스코어 드림 4 Regular" panose="020B0503030302020204" pitchFamily="34" charset="-127"/>
+                  <a:ea typeface="에스코어 드림 4 Regular" panose="020B0503030302020204" pitchFamily="34" charset="-127"/>
+                </a:endParaRPr>
+              </a:p>
+            </p:txBody>
+          </p:sp>
+        </p:grpSp>
+        <p:pic>
+          <p:nvPicPr>
+            <p:cNvPr id="35" name="Picture 2">
+              <a:extLst>
+                <a:ext uri="{FF2B5EF4-FFF2-40B4-BE49-F238E27FC236}">
+                  <a16:creationId xmlns:a16="http://schemas.microsoft.com/office/drawing/2014/main" id="{C86E023C-F960-4711-9775-3F83395EB922}"/>
+                </a:ext>
+              </a:extLst>
+            </p:cNvPr>
+            <p:cNvPicPr>
+              <a:picLocks noChangeAspect="1" noChangeArrowheads="1"/>
+            </p:cNvPicPr>
+            <p:nvPr/>
+          </p:nvPicPr>
+          <p:blipFill>
+            <a:blip r:embed="rId4">
+              <a:alphaModFix amt="35000"/>
+              <a:extLst>
+                <a:ext uri="{28A0092B-C50C-407E-A947-70E740481C1C}">
+                  <a14:useLocalDpi xmlns:a14="http://schemas.microsoft.com/office/drawing/2010/main" val="0"/>
+                </a:ext>
+              </a:extLst>
+            </a:blip>
+            <a:srcRect/>
+            <a:stretch>
+              <a:fillRect/>
+            </a:stretch>
+          </p:blipFill>
+          <p:spPr bwMode="auto">
+            <a:xfrm>
+              <a:off x="5630664" y="4044426"/>
+              <a:ext cx="788548" cy="788548"/>
+            </a:xfrm>
+            <a:prstGeom prst="rect">
+              <a:avLst/>
+            </a:prstGeom>
+            <a:noFill/>
+            <a:extLst>
+              <a:ext uri="{909E8E84-426E-40DD-AFC4-6F175D3DCCD1}">
+                <a14:hiddenFill xmlns:a14="http://schemas.microsoft.com/office/drawing/2010/main">
+                  <a:solidFill>
+                    <a:srgbClr val="FFFFFF"/>
+                  </a:solidFill>
+                </a14:hiddenFill>
+              </a:ext>
+            </a:extLst>
+          </p:spPr>
+        </p:pic>
+        <p:pic>
+          <p:nvPicPr>
+            <p:cNvPr id="40" name="Picture 2">
+              <a:extLst>
+                <a:ext uri="{FF2B5EF4-FFF2-40B4-BE49-F238E27FC236}">
+                  <a16:creationId xmlns:a16="http://schemas.microsoft.com/office/drawing/2014/main" id="{EBE2DDF1-9C57-40AE-B682-CE198F4C0540}"/>
+                </a:ext>
+              </a:extLst>
+            </p:cNvPr>
+            <p:cNvPicPr>
+              <a:picLocks noChangeAspect="1" noChangeArrowheads="1"/>
+            </p:cNvPicPr>
+            <p:nvPr/>
+          </p:nvPicPr>
+          <p:blipFill>
+            <a:blip r:embed="rId4">
+              <a:alphaModFix/>
+              <a:extLst>
+                <a:ext uri="{28A0092B-C50C-407E-A947-70E740481C1C}">
+                  <a14:useLocalDpi xmlns:a14="http://schemas.microsoft.com/office/drawing/2010/main" val="0"/>
+                </a:ext>
+              </a:extLst>
+            </a:blip>
+            <a:srcRect/>
+            <a:stretch>
+              <a:fillRect/>
+            </a:stretch>
+          </p:blipFill>
+          <p:spPr bwMode="auto">
+            <a:xfrm>
+              <a:off x="6123172" y="4539142"/>
+              <a:ext cx="788548" cy="788548"/>
+            </a:xfrm>
+            <a:prstGeom prst="rect">
+              <a:avLst/>
+            </a:prstGeom>
+            <a:noFill/>
+            <a:extLst>
+              <a:ext uri="{909E8E84-426E-40DD-AFC4-6F175D3DCCD1}">
+                <a14:hiddenFill xmlns:a14="http://schemas.microsoft.com/office/drawing/2010/main">
+                  <a:solidFill>
+                    <a:srgbClr val="FFFFFF"/>
+                  </a:solidFill>
+                </a14:hiddenFill>
+              </a:ext>
+            </a:extLst>
+          </p:spPr>
+        </p:pic>
+      </p:grpSp>
+      <p:sp>
+        <p:nvSpPr>
+          <p:cNvPr id="14" name="TextBox 13">
+            <a:extLst>
+              <a:ext uri="{FF2B5EF4-FFF2-40B4-BE49-F238E27FC236}">
+                <a16:creationId xmlns:a16="http://schemas.microsoft.com/office/drawing/2014/main" id="{895BA390-795A-4381-BFDE-31603014C454}"/>
+              </a:ext>
+            </a:extLst>
+          </p:cNvPr>
+          <p:cNvSpPr txBox="1"/>
+          <p:nvPr/>
+        </p:nvSpPr>
+        <p:spPr>
+          <a:xfrm>
+            <a:off x="282204" y="235484"/>
+            <a:ext cx="2943434" cy="714363"/>
+          </a:xfrm>
+          <a:prstGeom prst="rect">
+            <a:avLst/>
+          </a:prstGeom>
+          <a:noFill/>
+        </p:spPr>
+        <p:txBody>
+          <a:bodyPr wrap="none" rtlCol="0">
+            <a:spAutoFit/>
+          </a:bodyPr>
+          <a:lstStyle/>
+          <a:p>
+            <a:pPr algn="just" latinLnBrk="1">
+              <a:lnSpc>
+                <a:spcPct val="107000"/>
+              </a:lnSpc>
+              <a:spcAft>
+                <a:spcPts val="800"/>
+              </a:spcAft>
+            </a:pPr>
+            <a:r>
+              <a:rPr lang="en-US" altLang="ko-KR" sz="4000" kern="100" dirty="0">
+                <a:solidFill>
+                  <a:schemeClr val="bg1"/>
+                </a:solidFill>
+                <a:effectLst/>
+                <a:latin typeface="에스코어 드림 4 Regular" panose="020B0503030302020204" pitchFamily="34" charset="-127"/>
+                <a:ea typeface="에스코어 드림 4 Regular" panose="020B0503030302020204" pitchFamily="34" charset="-127"/>
+                <a:cs typeface="Times New Roman" panose="02020603050405020304" pitchFamily="18" charset="0"/>
+              </a:rPr>
+              <a:t>3) </a:t>
+            </a:r>
+            <a:r>
+              <a:rPr lang="ko-KR" altLang="ko-KR" sz="4000" kern="100" dirty="0">
+                <a:solidFill>
+                  <a:schemeClr val="bg1"/>
+                </a:solidFill>
+                <a:effectLst/>
+                <a:latin typeface="에스코어 드림 4 Regular" panose="020B0503030302020204" pitchFamily="34" charset="-127"/>
+                <a:ea typeface="에스코어 드림 4 Regular" panose="020B0503030302020204" pitchFamily="34" charset="-127"/>
+                <a:cs typeface="Times New Roman" panose="02020603050405020304" pitchFamily="18" charset="0"/>
+              </a:rPr>
+              <a:t>게임</a:t>
+            </a:r>
+            <a:r>
+              <a:rPr lang="en-US" altLang="ko-KR" sz="4000" kern="100" dirty="0">
+                <a:solidFill>
+                  <a:schemeClr val="bg1"/>
+                </a:solidFill>
+                <a:effectLst/>
+                <a:latin typeface="에스코어 드림 4 Regular" panose="020B0503030302020204" pitchFamily="34" charset="-127"/>
+                <a:ea typeface="에스코어 드림 4 Regular" panose="020B0503030302020204" pitchFamily="34" charset="-127"/>
+                <a:cs typeface="Times New Roman" panose="02020603050405020304" pitchFamily="18" charset="0"/>
+              </a:rPr>
+              <a:t> </a:t>
+            </a:r>
+            <a:r>
+              <a:rPr lang="ko-KR" altLang="ko-KR" sz="4000" kern="100" dirty="0">
+                <a:solidFill>
+                  <a:schemeClr val="bg1"/>
+                </a:solidFill>
+                <a:effectLst/>
+                <a:latin typeface="에스코어 드림 4 Regular" panose="020B0503030302020204" pitchFamily="34" charset="-127"/>
+                <a:ea typeface="에스코어 드림 4 Regular" panose="020B0503030302020204" pitchFamily="34" charset="-127"/>
+                <a:cs typeface="Times New Roman" panose="02020603050405020304" pitchFamily="18" charset="0"/>
+              </a:rPr>
+              <a:t>소개</a:t>
+            </a:r>
+          </a:p>
+        </p:txBody>
+      </p:sp>
+      <p:sp>
+        <p:nvSpPr>
+          <p:cNvPr id="9" name="TextBox 8">
+            <a:extLst>
+              <a:ext uri="{FF2B5EF4-FFF2-40B4-BE49-F238E27FC236}">
+                <a16:creationId xmlns:a16="http://schemas.microsoft.com/office/drawing/2014/main" id="{CA34B9C9-51A9-4F53-8C50-5768C2AA15F1}"/>
+              </a:ext>
+            </a:extLst>
+          </p:cNvPr>
+          <p:cNvSpPr txBox="1"/>
+          <p:nvPr/>
+        </p:nvSpPr>
+        <p:spPr>
+          <a:xfrm>
+            <a:off x="636113" y="1627852"/>
+            <a:ext cx="614346" cy="369332"/>
+          </a:xfrm>
+          <a:prstGeom prst="rect">
+            <a:avLst/>
+          </a:prstGeom>
+          <a:noFill/>
+          <a:ln>
+            <a:solidFill>
+              <a:schemeClr val="bg1"/>
+            </a:solidFill>
+          </a:ln>
+        </p:spPr>
+        <p:txBody>
+          <a:bodyPr wrap="square" rtlCol="0">
+            <a:spAutoFit/>
+          </a:bodyPr>
+          <a:lstStyle/>
+          <a:p>
+            <a:pPr algn="ctr"/>
+            <a:r>
+              <a:rPr lang="en-US" altLang="ko-KR" dirty="0">
+                <a:solidFill>
+                  <a:schemeClr val="bg1"/>
+                </a:solidFill>
+                <a:latin typeface="에스코어 드림 1 Thin" panose="020B0403030302020204" pitchFamily="34" charset="-127"/>
+                <a:ea typeface="에스코어 드림 1 Thin" panose="020B0403030302020204" pitchFamily="34" charset="-127"/>
+              </a:rPr>
+              <a:t>1</a:t>
+            </a:r>
+            <a:endParaRPr lang="ko-KR" altLang="en-US" dirty="0">
+              <a:solidFill>
+                <a:schemeClr val="bg1"/>
+              </a:solidFill>
+              <a:latin typeface="에스코어 드림 1 Thin" panose="020B0403030302020204" pitchFamily="34" charset="-127"/>
+              <a:ea typeface="에스코어 드림 1 Thin" panose="020B0403030302020204" pitchFamily="34" charset="-127"/>
+            </a:endParaRPr>
+          </a:p>
+        </p:txBody>
+      </p:sp>
+      <p:grpSp>
+        <p:nvGrpSpPr>
+          <p:cNvPr id="17" name="그룹 16">
+            <a:extLst>
+              <a:ext uri="{FF2B5EF4-FFF2-40B4-BE49-F238E27FC236}">
+                <a16:creationId xmlns:a16="http://schemas.microsoft.com/office/drawing/2014/main" id="{77BEF578-85AB-4BB7-9917-6EA999BCE05F}"/>
+              </a:ext>
+            </a:extLst>
+          </p:cNvPr>
+          <p:cNvGrpSpPr/>
+          <p:nvPr/>
+        </p:nvGrpSpPr>
+        <p:grpSpPr>
+          <a:xfrm>
+            <a:off x="943286" y="2082832"/>
+            <a:ext cx="2689234" cy="4559994"/>
+            <a:chOff x="952251" y="1870483"/>
+            <a:chExt cx="2689234" cy="4559994"/>
+          </a:xfrm>
+        </p:grpSpPr>
+        <p:grpSp>
+          <p:nvGrpSpPr>
+            <p:cNvPr id="3" name="그룹 2">
+              <a:extLst>
+                <a:ext uri="{FF2B5EF4-FFF2-40B4-BE49-F238E27FC236}">
+                  <a16:creationId xmlns:a16="http://schemas.microsoft.com/office/drawing/2014/main" id="{38F8AB4E-9102-498F-808F-D2A3704022A8}"/>
+                </a:ext>
+              </a:extLst>
+            </p:cNvPr>
+            <p:cNvGrpSpPr/>
+            <p:nvPr/>
+          </p:nvGrpSpPr>
+          <p:grpSpPr>
+            <a:xfrm>
+              <a:off x="952251" y="2382296"/>
+              <a:ext cx="2689234" cy="2847852"/>
+              <a:chOff x="909525" y="2097735"/>
+              <a:chExt cx="2689234" cy="2847852"/>
             </a:xfrm>
           </p:grpSpPr>
           <p:pic>
             <p:nvPicPr>
-              <p:cNvPr id="22" name="그림 21">
+              <p:cNvPr id="10" name="그림 9">
                 <a:extLst>
                   <a:ext uri="{FF2B5EF4-FFF2-40B4-BE49-F238E27FC236}">
-                    <a16:creationId xmlns:a16="http://schemas.microsoft.com/office/drawing/2014/main" id="{60213509-C3D0-4569-9233-7AB91FB8DAFA}"/>
+                    <a16:creationId xmlns:a16="http://schemas.microsoft.com/office/drawing/2014/main" id="{532560F0-00F0-46B6-8701-A63B1978F812}"/>
                   </a:ext>
                 </a:extLst>
               </p:cNvPr>
@@ -5416,7 +7823,7 @@
               <p:nvPr/>
             </p:nvPicPr>
             <p:blipFill>
-              <a:blip r:embed="rId7">
+              <a:blip r:embed="rId3">
                 <a:extLst>
                   <a:ext uri="{28A0092B-C50C-407E-A947-70E740481C1C}">
                     <a14:useLocalDpi xmlns:a14="http://schemas.microsoft.com/office/drawing/2010/main" val="0"/>
@@ -5429,8 +7836,8 @@
             </p:blipFill>
             <p:spPr>
               <a:xfrm>
-                <a:off x="3683301" y="2755984"/>
-                <a:ext cx="4825397" cy="1346032"/>
+                <a:off x="909526" y="2097735"/>
+                <a:ext cx="1331265" cy="1331265"/>
               </a:xfrm>
               <a:prstGeom prst="rect">
                 <a:avLst/>
@@ -5439,10 +7846,10 @@
           </p:pic>
           <p:pic>
             <p:nvPicPr>
-              <p:cNvPr id="24" name="그림 23" descr="화살이(가) 표시된 사진&#10;&#10;자동 생성된 설명">
+              <p:cNvPr id="11" name="그림 10">
                 <a:extLst>
                   <a:ext uri="{FF2B5EF4-FFF2-40B4-BE49-F238E27FC236}">
-                    <a16:creationId xmlns:a16="http://schemas.microsoft.com/office/drawing/2014/main" id="{8D700576-ACEF-43F1-B026-A4CC29106D63}"/>
+                    <a16:creationId xmlns:a16="http://schemas.microsoft.com/office/drawing/2014/main" id="{ACEF756B-39B8-444A-95CF-47AA36675523}"/>
                   </a:ext>
                 </a:extLst>
               </p:cNvPr>
@@ -5452,7 +7859,7 @@
               <p:nvPr/>
             </p:nvPicPr>
             <p:blipFill>
-              <a:blip r:embed="rId8">
+              <a:blip r:embed="rId3">
                 <a:extLst>
                   <a:ext uri="{28A0092B-C50C-407E-A947-70E740481C1C}">
                     <a14:useLocalDpi xmlns:a14="http://schemas.microsoft.com/office/drawing/2010/main" val="0"/>
@@ -5465,21 +7872,140 @@
             </p:blipFill>
             <p:spPr>
               <a:xfrm>
-                <a:off x="3683301" y="2755984"/>
-                <a:ext cx="4825397" cy="1346032"/>
+                <a:off x="1985290" y="2097735"/>
+                <a:ext cx="1331265" cy="1331265"/>
               </a:xfrm>
               <a:prstGeom prst="rect">
                 <a:avLst/>
               </a:prstGeom>
             </p:spPr>
           </p:pic>
+          <p:pic>
+            <p:nvPicPr>
+              <p:cNvPr id="12" name="그림 11">
+                <a:extLst>
+                  <a:ext uri="{FF2B5EF4-FFF2-40B4-BE49-F238E27FC236}">
+                    <a16:creationId xmlns:a16="http://schemas.microsoft.com/office/drawing/2014/main" id="{282E18F3-6952-48F4-AF76-5D6AA76F0B8C}"/>
+                  </a:ext>
+                </a:extLst>
+              </p:cNvPr>
+              <p:cNvPicPr>
+                <a:picLocks noChangeAspect="1"/>
+              </p:cNvPicPr>
+              <p:nvPr/>
+            </p:nvPicPr>
+            <p:blipFill>
+              <a:blip r:embed="rId3">
+                <a:extLst>
+                  <a:ext uri="{28A0092B-C50C-407E-A947-70E740481C1C}">
+                    <a14:useLocalDpi xmlns:a14="http://schemas.microsoft.com/office/drawing/2010/main" val="0"/>
+                  </a:ext>
+                </a:extLst>
+              </a:blip>
+              <a:stretch>
+                <a:fillRect/>
+              </a:stretch>
+            </p:blipFill>
+            <p:spPr>
+              <a:xfrm>
+                <a:off x="909525" y="3173499"/>
+                <a:ext cx="1331265" cy="1331265"/>
+              </a:xfrm>
+              <a:prstGeom prst="rect">
+                <a:avLst/>
+              </a:prstGeom>
+            </p:spPr>
+          </p:pic>
+          <p:pic>
+            <p:nvPicPr>
+              <p:cNvPr id="13" name="그림 12">
+                <a:extLst>
+                  <a:ext uri="{FF2B5EF4-FFF2-40B4-BE49-F238E27FC236}">
+                    <a16:creationId xmlns:a16="http://schemas.microsoft.com/office/drawing/2014/main" id="{ED2E139F-39D9-4147-A95D-1EFA775E07D4}"/>
+                  </a:ext>
+                </a:extLst>
+              </p:cNvPr>
+              <p:cNvPicPr>
+                <a:picLocks noChangeAspect="1"/>
+              </p:cNvPicPr>
+              <p:nvPr/>
+            </p:nvPicPr>
+            <p:blipFill>
+              <a:blip r:embed="rId3">
+                <a:extLst>
+                  <a:ext uri="{28A0092B-C50C-407E-A947-70E740481C1C}">
+                    <a14:useLocalDpi xmlns:a14="http://schemas.microsoft.com/office/drawing/2010/main" val="0"/>
+                  </a:ext>
+                </a:extLst>
+              </a:blip>
+              <a:stretch>
+                <a:fillRect/>
+              </a:stretch>
+            </p:blipFill>
+            <p:spPr>
+              <a:xfrm>
+                <a:off x="1985290" y="3173499"/>
+                <a:ext cx="1331265" cy="1331265"/>
+              </a:xfrm>
+              <a:prstGeom prst="rect">
+                <a:avLst/>
+              </a:prstGeom>
+            </p:spPr>
+          </p:pic>
+          <p:pic>
+            <p:nvPicPr>
+              <p:cNvPr id="2050" name="Picture 2">
+                <a:extLst>
+                  <a:ext uri="{FF2B5EF4-FFF2-40B4-BE49-F238E27FC236}">
+                    <a16:creationId xmlns:a16="http://schemas.microsoft.com/office/drawing/2014/main" id="{AE9BE0E4-8557-4B3D-95DE-2D9A6D7628EE}"/>
+                  </a:ext>
+                </a:extLst>
+              </p:cNvPr>
+              <p:cNvPicPr>
+                <a:picLocks noChangeAspect="1" noChangeArrowheads="1"/>
+              </p:cNvPicPr>
+              <p:nvPr/>
+            </p:nvPicPr>
+            <p:blipFill>
+              <a:blip r:embed="rId4">
+                <a:extLst>
+                  <a:ext uri="{28A0092B-C50C-407E-A947-70E740481C1C}">
+                    <a14:useLocalDpi xmlns:a14="http://schemas.microsoft.com/office/drawing/2010/main" val="0"/>
+                  </a:ext>
+                </a:extLst>
+              </a:blip>
+              <a:srcRect/>
+              <a:stretch>
+                <a:fillRect/>
+              </a:stretch>
+            </p:blipFill>
+            <p:spPr bwMode="auto">
+              <a:xfrm>
+                <a:off x="2436709" y="3783537"/>
+                <a:ext cx="1162050" cy="1162050"/>
+              </a:xfrm>
+              <a:prstGeom prst="rect">
+                <a:avLst/>
+              </a:prstGeom>
+              <a:noFill/>
+              <a:extLst>
+                <a:ext uri="{909E8E84-426E-40DD-AFC4-6F175D3DCCD1}">
+                  <a14:hiddenFill xmlns:a14="http://schemas.microsoft.com/office/drawing/2010/main">
+                    <a:solidFill>
+                      <a:srgbClr val="FFFFFF"/>
+                    </a:solidFill>
+                  </a14:hiddenFill>
+                </a:ext>
+              </a:extLst>
+            </p:spPr>
+          </p:pic>
         </p:grpSp>
         <p:sp>
           <p:nvSpPr>
-            <p:cNvPr id="27" name="TextBox 26">
+            <p:cNvPr id="19" name="TextBox 18">
               <a:extLst>
                 <a:ext uri="{FF2B5EF4-FFF2-40B4-BE49-F238E27FC236}">
-                  <a16:creationId xmlns:a16="http://schemas.microsoft.com/office/drawing/2014/main" id="{99B926CB-A599-4CB7-986B-5734570936BC}"/>
+                  <a16:creationId xmlns:a16="http://schemas.microsoft.com/office/drawing/2014/main" id="{D2CDB761-0801-49E8-8EB7-4F38DABB5822}"/>
                 </a:ext>
               </a:extLst>
             </p:cNvPr>
@@ -5488,111 +8014,8 @@
           </p:nvSpPr>
           <p:spPr>
             <a:xfrm>
-              <a:off x="2832841" y="3999750"/>
-              <a:ext cx="2142565" cy="2308324"/>
-            </a:xfrm>
-            <a:prstGeom prst="rect">
-              <a:avLst/>
-            </a:prstGeom>
-            <a:noFill/>
-            <a:ln>
-              <a:solidFill>
-                <a:schemeClr val="bg1"/>
-              </a:solidFill>
-            </a:ln>
-          </p:spPr>
-          <p:txBody>
-            <a:bodyPr wrap="square" rtlCol="0">
-              <a:spAutoFit/>
-            </a:bodyPr>
-            <a:lstStyle/>
-            <a:p>
-              <a:r>
-                <a:rPr lang="ko-KR" altLang="en-US" dirty="0">
-                  <a:solidFill>
-                    <a:schemeClr val="bg1"/>
-                  </a:solidFill>
-                  <a:latin typeface="에스코어 드림 1 Thin" panose="020B0403030302020204" pitchFamily="34" charset="-127"/>
-                  <a:ea typeface="에스코어 드림 1 Thin" panose="020B0403030302020204" pitchFamily="34" charset="-127"/>
-                </a:rPr>
-                <a:t>드래그를 통해 생성할 수 있으며</a:t>
-              </a:r>
-              <a:r>
-                <a:rPr lang="en-US" altLang="ko-KR" dirty="0">
-                  <a:solidFill>
-                    <a:schemeClr val="bg1"/>
-                  </a:solidFill>
-                  <a:latin typeface="에스코어 드림 1 Thin" panose="020B0403030302020204" pitchFamily="34" charset="-127"/>
-                  <a:ea typeface="에스코어 드림 1 Thin" panose="020B0403030302020204" pitchFamily="34" charset="-127"/>
-                </a:rPr>
-                <a:t>, </a:t>
-              </a:r>
-              <a:r>
-                <a:rPr lang="ko-KR" altLang="en-US" dirty="0">
-                  <a:solidFill>
-                    <a:schemeClr val="bg1"/>
-                  </a:solidFill>
-                  <a:latin typeface="에스코어 드림 1 Thin" panose="020B0403030302020204" pitchFamily="34" charset="-127"/>
-                  <a:ea typeface="에스코어 드림 1 Thin" panose="020B0403030302020204" pitchFamily="34" charset="-127"/>
-                </a:rPr>
-                <a:t>화살표 방향으로 구체를 이동시킵니다</a:t>
-              </a:r>
-              <a:r>
-                <a:rPr lang="en-US" altLang="ko-KR" dirty="0">
-                  <a:solidFill>
-                    <a:schemeClr val="bg1"/>
-                  </a:solidFill>
-                  <a:latin typeface="에스코어 드림 1 Thin" panose="020B0403030302020204" pitchFamily="34" charset="-127"/>
-                  <a:ea typeface="에스코어 드림 1 Thin" panose="020B0403030302020204" pitchFamily="34" charset="-127"/>
-                </a:rPr>
-                <a:t>. </a:t>
-              </a:r>
-              <a:r>
-                <a:rPr lang="ko-KR" altLang="en-US" dirty="0">
-                  <a:solidFill>
-                    <a:schemeClr val="bg1"/>
-                  </a:solidFill>
-                  <a:latin typeface="에스코어 드림 1 Thin" panose="020B0403030302020204" pitchFamily="34" charset="-127"/>
-                  <a:ea typeface="에스코어 드림 1 Thin" panose="020B0403030302020204" pitchFamily="34" charset="-127"/>
-                </a:rPr>
-                <a:t>또한 맵이 복수로 존재할 시 주 맵에서 그려진 중력장이 다른 맵에서도 그려집니다</a:t>
-              </a:r>
-              <a:r>
-                <a:rPr lang="en-US" altLang="ko-KR" dirty="0">
-                  <a:solidFill>
-                    <a:schemeClr val="bg1"/>
-                  </a:solidFill>
-                  <a:latin typeface="에스코어 드림 1 Thin" panose="020B0403030302020204" pitchFamily="34" charset="-127"/>
-                  <a:ea typeface="에스코어 드림 1 Thin" panose="020B0403030302020204" pitchFamily="34" charset="-127"/>
-                </a:rPr>
-                <a:t>.</a:t>
-              </a:r>
-              <a:endParaRPr lang="ko-KR" altLang="en-US" dirty="0">
-                <a:solidFill>
-                  <a:schemeClr val="bg1"/>
-                </a:solidFill>
-                <a:latin typeface="에스코어 드림 1 Thin" panose="020B0403030302020204" pitchFamily="34" charset="-127"/>
-                <a:ea typeface="에스코어 드림 1 Thin" panose="020B0403030302020204" pitchFamily="34" charset="-127"/>
-              </a:endParaRPr>
-            </a:p>
-          </p:txBody>
-        </p:sp>
-        <p:sp>
-          <p:nvSpPr>
-            <p:cNvPr id="41" name="TextBox 40">
-              <a:extLst>
-                <a:ext uri="{FF2B5EF4-FFF2-40B4-BE49-F238E27FC236}">
-                  <a16:creationId xmlns:a16="http://schemas.microsoft.com/office/drawing/2014/main" id="{5D78A487-8C39-4C31-870B-B6529A5A8A44}"/>
-                </a:ext>
-              </a:extLst>
-            </p:cNvPr>
-            <p:cNvSpPr txBox="1"/>
-            <p:nvPr/>
-          </p:nvSpPr>
-          <p:spPr>
-            <a:xfrm>
-              <a:off x="1045538" y="5386520"/>
-              <a:ext cx="898325" cy="369332"/>
+              <a:off x="952251" y="5230148"/>
+              <a:ext cx="2517495" cy="1200329"/>
             </a:xfrm>
             <a:prstGeom prst="rect">
               <a:avLst/>
@@ -5619,17 +8042,605 @@
                   <a:latin typeface="에스코어 드림 1 Thin" panose="020B0403030302020204" pitchFamily="34" charset="-127"/>
                   <a:ea typeface="에스코어 드림 1 Thin" panose="020B0403030302020204" pitchFamily="34" charset="-127"/>
                 </a:rPr>
-                <a:t>중력장</a:t>
+                <a:t>스테이지에 존재하는 </a:t>
               </a:r>
+              <a:endParaRPr lang="en-US" altLang="ko-KR" dirty="0">
+                <a:solidFill>
+                  <a:schemeClr val="bg1"/>
+                </a:solidFill>
+                <a:latin typeface="에스코어 드림 1 Thin" panose="020B0403030302020204" pitchFamily="34" charset="-127"/>
+                <a:ea typeface="에스코어 드림 1 Thin" panose="020B0403030302020204" pitchFamily="34" charset="-127"/>
+              </a:endParaRPr>
+            </a:p>
+            <a:p>
+              <a:pPr algn="ctr"/>
+              <a:r>
+                <a:rPr lang="ko-KR" altLang="en-US" dirty="0">
+                  <a:solidFill>
+                    <a:schemeClr val="bg1"/>
+                  </a:solidFill>
+                  <a:latin typeface="에스코어 드림 1 Thin" panose="020B0403030302020204" pitchFamily="34" charset="-127"/>
+                  <a:ea typeface="에스코어 드림 1 Thin" panose="020B0403030302020204" pitchFamily="34" charset="-127"/>
+                </a:rPr>
+                <a:t>여러 개의 맵 중에서</a:t>
+              </a:r>
+              <a:endParaRPr lang="en-US" altLang="ko-KR" dirty="0">
+                <a:solidFill>
+                  <a:schemeClr val="bg1"/>
+                </a:solidFill>
+                <a:latin typeface="에스코어 드림 1 Thin" panose="020B0403030302020204" pitchFamily="34" charset="-127"/>
+                <a:ea typeface="에스코어 드림 1 Thin" panose="020B0403030302020204" pitchFamily="34" charset="-127"/>
+              </a:endParaRPr>
+            </a:p>
+            <a:p>
+              <a:pPr algn="ctr"/>
+              <a:r>
+                <a:rPr lang="ko-KR" altLang="en-US" dirty="0">
+                  <a:solidFill>
+                    <a:schemeClr val="bg1"/>
+                  </a:solidFill>
+                  <a:latin typeface="에스코어 드림 1 Thin" panose="020B0403030302020204" pitchFamily="34" charset="-127"/>
+                  <a:ea typeface="에스코어 드림 1 Thin" panose="020B0403030302020204" pitchFamily="34" charset="-127"/>
+                </a:rPr>
+                <a:t>중력장을 그릴 맵을</a:t>
+              </a:r>
+              <a:endParaRPr lang="en-US" altLang="ko-KR" dirty="0">
+                <a:solidFill>
+                  <a:schemeClr val="bg1"/>
+                </a:solidFill>
+                <a:latin typeface="에스코어 드림 1 Thin" panose="020B0403030302020204" pitchFamily="34" charset="-127"/>
+                <a:ea typeface="에스코어 드림 1 Thin" panose="020B0403030302020204" pitchFamily="34" charset="-127"/>
+              </a:endParaRPr>
+            </a:p>
+            <a:p>
+              <a:pPr algn="ctr"/>
+              <a:r>
+                <a:rPr lang="ko-KR" altLang="en-US" dirty="0">
+                  <a:solidFill>
+                    <a:schemeClr val="bg1"/>
+                  </a:solidFill>
+                  <a:latin typeface="에스코어 드림 1 Thin" panose="020B0403030302020204" pitchFamily="34" charset="-127"/>
+                  <a:ea typeface="에스코어 드림 1 Thin" panose="020B0403030302020204" pitchFamily="34" charset="-127"/>
+                </a:rPr>
+                <a:t>선택합니다</a:t>
+              </a:r>
+              <a:r>
+                <a:rPr lang="en-US" altLang="ko-KR" dirty="0">
+                  <a:solidFill>
+                    <a:schemeClr val="bg1"/>
+                  </a:solidFill>
+                  <a:latin typeface="에스코어 드림 1 Thin" panose="020B0403030302020204" pitchFamily="34" charset="-127"/>
+                  <a:ea typeface="에스코어 드림 1 Thin" panose="020B0403030302020204" pitchFamily="34" charset="-127"/>
+                </a:rPr>
+                <a:t>. </a:t>
+              </a:r>
+              <a:endParaRPr lang="ko-KR" altLang="en-US" dirty="0">
+                <a:solidFill>
+                  <a:schemeClr val="bg1"/>
+                </a:solidFill>
+                <a:latin typeface="에스코어 드림 1 Thin" panose="020B0403030302020204" pitchFamily="34" charset="-127"/>
+                <a:ea typeface="에스코어 드림 1 Thin" panose="020B0403030302020204" pitchFamily="34" charset="-127"/>
+              </a:endParaRPr>
             </a:p>
           </p:txBody>
         </p:sp>
         <p:sp>
           <p:nvSpPr>
-            <p:cNvPr id="42" name="TextBox 41">
+            <p:cNvPr id="16" name="직사각형 15">
               <a:extLst>
                 <a:ext uri="{FF2B5EF4-FFF2-40B4-BE49-F238E27FC236}">
-                  <a16:creationId xmlns:a16="http://schemas.microsoft.com/office/drawing/2014/main" id="{E4EFB8AD-4F08-4F56-8D3F-730A12D567D8}"/>
+                  <a16:creationId xmlns:a16="http://schemas.microsoft.com/office/drawing/2014/main" id="{9B171244-93FC-4104-B971-2000FDAD9487}"/>
+                </a:ext>
+              </a:extLst>
+            </p:cNvPr>
+            <p:cNvSpPr/>
+            <p:nvPr/>
+          </p:nvSpPr>
+          <p:spPr>
+            <a:xfrm>
+              <a:off x="952251" y="1870483"/>
+              <a:ext cx="2517495" cy="3234160"/>
+            </a:xfrm>
+            <a:prstGeom prst="rect">
+              <a:avLst/>
+            </a:prstGeom>
+            <a:noFill/>
+            <a:ln>
+              <a:solidFill>
+                <a:schemeClr val="bg1"/>
+              </a:solidFill>
+            </a:ln>
+          </p:spPr>
+          <p:style>
+            <a:lnRef idx="2">
+              <a:schemeClr val="accent1">
+                <a:shade val="50000"/>
+              </a:schemeClr>
+            </a:lnRef>
+            <a:fillRef idx="1">
+              <a:schemeClr val="accent1"/>
+            </a:fillRef>
+            <a:effectRef idx="0">
+              <a:schemeClr val="accent1"/>
+            </a:effectRef>
+            <a:fontRef idx="minor">
+              <a:schemeClr val="lt1"/>
+            </a:fontRef>
+          </p:style>
+          <p:txBody>
+            <a:bodyPr rtlCol="0" anchor="ctr"/>
+            <a:lstStyle/>
+            <a:p>
+              <a:pPr algn="ctr"/>
+              <a:endParaRPr lang="ko-KR" altLang="en-US"/>
+            </a:p>
+          </p:txBody>
+        </p:sp>
+      </p:grpSp>
+      <p:sp>
+        <p:nvSpPr>
+          <p:cNvPr id="18" name="TextBox 17">
+            <a:extLst>
+              <a:ext uri="{FF2B5EF4-FFF2-40B4-BE49-F238E27FC236}">
+                <a16:creationId xmlns:a16="http://schemas.microsoft.com/office/drawing/2014/main" id="{47BBF83B-0BF6-426F-B8CE-63F0AADCBA46}"/>
+              </a:ext>
+            </a:extLst>
+          </p:cNvPr>
+          <p:cNvSpPr txBox="1"/>
+          <p:nvPr/>
+        </p:nvSpPr>
+        <p:spPr>
+          <a:xfrm>
+            <a:off x="2022797" y="2348260"/>
+            <a:ext cx="358472" cy="379334"/>
+          </a:xfrm>
+          <a:prstGeom prst="rect">
+            <a:avLst/>
+          </a:prstGeom>
+          <a:noFill/>
+        </p:spPr>
+        <p:txBody>
+          <a:bodyPr wrap="square" rtlCol="0">
+            <a:spAutoFit/>
+          </a:bodyPr>
+          <a:lstStyle/>
+          <a:p>
+            <a:r>
+              <a:rPr lang="en-US" altLang="ko-KR" b="1" dirty="0">
+                <a:solidFill>
+                  <a:schemeClr val="bg1"/>
+                </a:solidFill>
+                <a:latin typeface="에스코어 드림 4 Regular" panose="020B0503030302020204" pitchFamily="34" charset="-127"/>
+                <a:ea typeface="에스코어 드림 4 Regular" panose="020B0503030302020204" pitchFamily="34" charset="-127"/>
+              </a:rPr>
+              <a:t>5</a:t>
+            </a:r>
+            <a:endParaRPr lang="ko-KR" altLang="en-US" b="1" dirty="0">
+              <a:solidFill>
+                <a:schemeClr val="bg1"/>
+              </a:solidFill>
+              <a:latin typeface="에스코어 드림 4 Regular" panose="020B0503030302020204" pitchFamily="34" charset="-127"/>
+              <a:ea typeface="에스코어 드림 4 Regular" panose="020B0503030302020204" pitchFamily="34" charset="-127"/>
+            </a:endParaRPr>
+          </a:p>
+        </p:txBody>
+      </p:sp>
+      <p:sp>
+        <p:nvSpPr>
+          <p:cNvPr id="33" name="TextBox 32">
+            <a:extLst>
+              <a:ext uri="{FF2B5EF4-FFF2-40B4-BE49-F238E27FC236}">
+                <a16:creationId xmlns:a16="http://schemas.microsoft.com/office/drawing/2014/main" id="{D12A2933-16EF-4C36-A03D-CCAD367E51F1}"/>
+              </a:ext>
+            </a:extLst>
+          </p:cNvPr>
+          <p:cNvSpPr txBox="1"/>
+          <p:nvPr/>
+        </p:nvSpPr>
+        <p:spPr>
+          <a:xfrm>
+            <a:off x="4330761" y="1621763"/>
+            <a:ext cx="614346" cy="369332"/>
+          </a:xfrm>
+          <a:prstGeom prst="rect">
+            <a:avLst/>
+          </a:prstGeom>
+          <a:noFill/>
+          <a:ln>
+            <a:solidFill>
+              <a:schemeClr val="bg1"/>
+            </a:solidFill>
+          </a:ln>
+        </p:spPr>
+        <p:txBody>
+          <a:bodyPr wrap="square" rtlCol="0">
+            <a:spAutoFit/>
+          </a:bodyPr>
+          <a:lstStyle/>
+          <a:p>
+            <a:pPr algn="ctr"/>
+            <a:r>
+              <a:rPr lang="en-US" altLang="ko-KR" dirty="0">
+                <a:solidFill>
+                  <a:schemeClr val="bg1"/>
+                </a:solidFill>
+                <a:latin typeface="에스코어 드림 1 Thin" panose="020B0403030302020204" pitchFamily="34" charset="-127"/>
+                <a:ea typeface="에스코어 드림 1 Thin" panose="020B0403030302020204" pitchFamily="34" charset="-127"/>
+              </a:rPr>
+              <a:t>2</a:t>
+            </a:r>
+            <a:endParaRPr lang="ko-KR" altLang="en-US" dirty="0">
+              <a:solidFill>
+                <a:schemeClr val="bg1"/>
+              </a:solidFill>
+              <a:latin typeface="에스코어 드림 1 Thin" panose="020B0403030302020204" pitchFamily="34" charset="-127"/>
+              <a:ea typeface="에스코어 드림 1 Thin" panose="020B0403030302020204" pitchFamily="34" charset="-127"/>
+            </a:endParaRPr>
+          </a:p>
+        </p:txBody>
+      </p:sp>
+      <p:grpSp>
+        <p:nvGrpSpPr>
+          <p:cNvPr id="83" name="그룹 82">
+            <a:extLst>
+              <a:ext uri="{FF2B5EF4-FFF2-40B4-BE49-F238E27FC236}">
+                <a16:creationId xmlns:a16="http://schemas.microsoft.com/office/drawing/2014/main" id="{8558AC32-A816-410B-B278-F83A82348DE9}"/>
+              </a:ext>
+            </a:extLst>
+          </p:cNvPr>
+          <p:cNvGrpSpPr/>
+          <p:nvPr/>
+        </p:nvGrpSpPr>
+        <p:grpSpPr>
+          <a:xfrm>
+            <a:off x="5800718" y="4078424"/>
+            <a:ext cx="958602" cy="959706"/>
+            <a:chOff x="5800718" y="4215584"/>
+            <a:chExt cx="958602" cy="959706"/>
+          </a:xfrm>
+        </p:grpSpPr>
+        <p:pic>
+          <p:nvPicPr>
+            <p:cNvPr id="38" name="Picture 2">
+              <a:extLst>
+                <a:ext uri="{FF2B5EF4-FFF2-40B4-BE49-F238E27FC236}">
+                  <a16:creationId xmlns:a16="http://schemas.microsoft.com/office/drawing/2014/main" id="{C7764C4D-5AC0-46BB-B017-6D333CA013B3}"/>
+                </a:ext>
+              </a:extLst>
+            </p:cNvPr>
+            <p:cNvPicPr>
+              <a:picLocks noChangeAspect="1" noChangeArrowheads="1"/>
+            </p:cNvPicPr>
+            <p:nvPr/>
+          </p:nvPicPr>
+          <p:blipFill>
+            <a:blip r:embed="rId4">
+              <a:alphaModFix amt="85000"/>
+              <a:extLst>
+                <a:ext uri="{28A0092B-C50C-407E-A947-70E740481C1C}">
+                  <a14:useLocalDpi xmlns:a14="http://schemas.microsoft.com/office/drawing/2010/main" val="0"/>
+                </a:ext>
+              </a:extLst>
+            </a:blip>
+            <a:srcRect/>
+            <a:stretch>
+              <a:fillRect/>
+            </a:stretch>
+          </p:blipFill>
+          <p:spPr bwMode="auto">
+            <a:xfrm>
+              <a:off x="5970772" y="4386742"/>
+              <a:ext cx="788548" cy="788548"/>
+            </a:xfrm>
+            <a:prstGeom prst="rect">
+              <a:avLst/>
+            </a:prstGeom>
+            <a:noFill/>
+            <a:extLst>
+              <a:ext uri="{909E8E84-426E-40DD-AFC4-6F175D3DCCD1}">
+                <a14:hiddenFill xmlns:a14="http://schemas.microsoft.com/office/drawing/2010/main">
+                  <a:solidFill>
+                    <a:srgbClr val="FFFFFF"/>
+                  </a:solidFill>
+                </a14:hiddenFill>
+              </a:ext>
+            </a:extLst>
+          </p:spPr>
+        </p:pic>
+        <p:pic>
+          <p:nvPicPr>
+            <p:cNvPr id="37" name="Picture 2">
+              <a:extLst>
+                <a:ext uri="{FF2B5EF4-FFF2-40B4-BE49-F238E27FC236}">
+                  <a16:creationId xmlns:a16="http://schemas.microsoft.com/office/drawing/2014/main" id="{35770876-200E-49E1-AADB-276543163547}"/>
+                </a:ext>
+              </a:extLst>
+            </p:cNvPr>
+            <p:cNvPicPr>
+              <a:picLocks noChangeAspect="1" noChangeArrowheads="1"/>
+            </p:cNvPicPr>
+            <p:nvPr/>
+          </p:nvPicPr>
+          <p:blipFill>
+            <a:blip r:embed="rId4">
+              <a:alphaModFix amt="70000"/>
+              <a:extLst>
+                <a:ext uri="{28A0092B-C50C-407E-A947-70E740481C1C}">
+                  <a14:useLocalDpi xmlns:a14="http://schemas.microsoft.com/office/drawing/2010/main" val="0"/>
+                </a:ext>
+              </a:extLst>
+            </a:blip>
+            <a:srcRect/>
+            <a:stretch>
+              <a:fillRect/>
+            </a:stretch>
+          </p:blipFill>
+          <p:spPr bwMode="auto">
+            <a:xfrm>
+              <a:off x="5800718" y="4215584"/>
+              <a:ext cx="788548" cy="788548"/>
+            </a:xfrm>
+            <a:prstGeom prst="rect">
+              <a:avLst/>
+            </a:prstGeom>
+            <a:noFill/>
+            <a:extLst>
+              <a:ext uri="{909E8E84-426E-40DD-AFC4-6F175D3DCCD1}">
+                <a14:hiddenFill xmlns:a14="http://schemas.microsoft.com/office/drawing/2010/main">
+                  <a:solidFill>
+                    <a:srgbClr val="FFFFFF"/>
+                  </a:solidFill>
+                </a14:hiddenFill>
+              </a:ext>
+            </a:extLst>
+          </p:spPr>
+        </p:pic>
+      </p:grpSp>
+      <p:sp>
+        <p:nvSpPr>
+          <p:cNvPr id="59" name="TextBox 58">
+            <a:extLst>
+              <a:ext uri="{FF2B5EF4-FFF2-40B4-BE49-F238E27FC236}">
+                <a16:creationId xmlns:a16="http://schemas.microsoft.com/office/drawing/2014/main" id="{ADBB8DAB-0F36-473E-A1CC-A61854040047}"/>
+              </a:ext>
+            </a:extLst>
+          </p:cNvPr>
+          <p:cNvSpPr txBox="1"/>
+          <p:nvPr/>
+        </p:nvSpPr>
+        <p:spPr>
+          <a:xfrm>
+            <a:off x="7853669" y="1621763"/>
+            <a:ext cx="614346" cy="369332"/>
+          </a:xfrm>
+          <a:prstGeom prst="rect">
+            <a:avLst/>
+          </a:prstGeom>
+          <a:noFill/>
+          <a:ln>
+            <a:solidFill>
+              <a:schemeClr val="bg1"/>
+            </a:solidFill>
+          </a:ln>
+        </p:spPr>
+        <p:txBody>
+          <a:bodyPr wrap="square" rtlCol="0">
+            <a:spAutoFit/>
+          </a:bodyPr>
+          <a:lstStyle/>
+          <a:p>
+            <a:pPr algn="ctr"/>
+            <a:r>
+              <a:rPr lang="en-US" altLang="ko-KR" dirty="0">
+                <a:solidFill>
+                  <a:schemeClr val="bg1"/>
+                </a:solidFill>
+                <a:latin typeface="에스코어 드림 1 Thin" panose="020B0403030302020204" pitchFamily="34" charset="-127"/>
+                <a:ea typeface="에스코어 드림 1 Thin" panose="020B0403030302020204" pitchFamily="34" charset="-127"/>
+              </a:rPr>
+              <a:t>3</a:t>
+            </a:r>
+            <a:endParaRPr lang="ko-KR" altLang="en-US" dirty="0">
+              <a:solidFill>
+                <a:schemeClr val="bg1"/>
+              </a:solidFill>
+              <a:latin typeface="에스코어 드림 1 Thin" panose="020B0403030302020204" pitchFamily="34" charset="-127"/>
+              <a:ea typeface="에스코어 드림 1 Thin" panose="020B0403030302020204" pitchFamily="34" charset="-127"/>
+            </a:endParaRPr>
+          </a:p>
+        </p:txBody>
+      </p:sp>
+      <p:grpSp>
+        <p:nvGrpSpPr>
+          <p:cNvPr id="51" name="그룹 50">
+            <a:extLst>
+              <a:ext uri="{FF2B5EF4-FFF2-40B4-BE49-F238E27FC236}">
+                <a16:creationId xmlns:a16="http://schemas.microsoft.com/office/drawing/2014/main" id="{951656C9-B44C-49F9-89CD-EF28C2F0A371}"/>
+              </a:ext>
+            </a:extLst>
+          </p:cNvPr>
+          <p:cNvGrpSpPr/>
+          <p:nvPr/>
+        </p:nvGrpSpPr>
+        <p:grpSpPr>
+          <a:xfrm>
+            <a:off x="8160842" y="2081797"/>
+            <a:ext cx="2517495" cy="4559994"/>
+            <a:chOff x="952251" y="1870483"/>
+            <a:chExt cx="2517495" cy="4559994"/>
+          </a:xfrm>
+        </p:grpSpPr>
+        <p:grpSp>
+          <p:nvGrpSpPr>
+            <p:cNvPr id="52" name="그룹 51">
+              <a:extLst>
+                <a:ext uri="{FF2B5EF4-FFF2-40B4-BE49-F238E27FC236}">
+                  <a16:creationId xmlns:a16="http://schemas.microsoft.com/office/drawing/2014/main" id="{A1F6ED0C-DD3C-42EF-9E4C-4029FD3E864E}"/>
+                </a:ext>
+              </a:extLst>
+            </p:cNvPr>
+            <p:cNvGrpSpPr/>
+            <p:nvPr/>
+          </p:nvGrpSpPr>
+          <p:grpSpPr>
+            <a:xfrm>
+              <a:off x="952251" y="2382296"/>
+              <a:ext cx="2407030" cy="2407029"/>
+              <a:chOff x="909525" y="2097735"/>
+              <a:chExt cx="2407030" cy="2407029"/>
+            </a:xfrm>
+          </p:grpSpPr>
+          <p:pic>
+            <p:nvPicPr>
+              <p:cNvPr id="55" name="그림 54">
+                <a:extLst>
+                  <a:ext uri="{FF2B5EF4-FFF2-40B4-BE49-F238E27FC236}">
+                    <a16:creationId xmlns:a16="http://schemas.microsoft.com/office/drawing/2014/main" id="{93E01C4F-71DF-41CB-98D1-D943B3B47E56}"/>
+                  </a:ext>
+                </a:extLst>
+              </p:cNvPr>
+              <p:cNvPicPr>
+                <a:picLocks noChangeAspect="1"/>
+              </p:cNvPicPr>
+              <p:nvPr/>
+            </p:nvPicPr>
+            <p:blipFill>
+              <a:blip r:embed="rId3">
+                <a:extLst>
+                  <a:ext uri="{28A0092B-C50C-407E-A947-70E740481C1C}">
+                    <a14:useLocalDpi xmlns:a14="http://schemas.microsoft.com/office/drawing/2010/main" val="0"/>
+                  </a:ext>
+                </a:extLst>
+              </a:blip>
+              <a:stretch>
+                <a:fillRect/>
+              </a:stretch>
+            </p:blipFill>
+            <p:spPr>
+              <a:xfrm>
+                <a:off x="909526" y="2097735"/>
+                <a:ext cx="1331265" cy="1331265"/>
+              </a:xfrm>
+              <a:prstGeom prst="rect">
+                <a:avLst/>
+              </a:prstGeom>
+            </p:spPr>
+          </p:pic>
+          <p:pic>
+            <p:nvPicPr>
+              <p:cNvPr id="56" name="그림 55">
+                <a:extLst>
+                  <a:ext uri="{FF2B5EF4-FFF2-40B4-BE49-F238E27FC236}">
+                    <a16:creationId xmlns:a16="http://schemas.microsoft.com/office/drawing/2014/main" id="{BAE4040A-5F20-4598-87F2-7717C7A98509}"/>
+                  </a:ext>
+                </a:extLst>
+              </p:cNvPr>
+              <p:cNvPicPr>
+                <a:picLocks noChangeAspect="1"/>
+              </p:cNvPicPr>
+              <p:nvPr/>
+            </p:nvPicPr>
+            <p:blipFill>
+              <a:blip r:embed="rId3">
+                <a:extLst>
+                  <a:ext uri="{28A0092B-C50C-407E-A947-70E740481C1C}">
+                    <a14:useLocalDpi xmlns:a14="http://schemas.microsoft.com/office/drawing/2010/main" val="0"/>
+                  </a:ext>
+                </a:extLst>
+              </a:blip>
+              <a:stretch>
+                <a:fillRect/>
+              </a:stretch>
+            </p:blipFill>
+            <p:spPr>
+              <a:xfrm>
+                <a:off x="1985290" y="2097735"/>
+                <a:ext cx="1331265" cy="1331265"/>
+              </a:xfrm>
+              <a:prstGeom prst="rect">
+                <a:avLst/>
+              </a:prstGeom>
+            </p:spPr>
+          </p:pic>
+          <p:pic>
+            <p:nvPicPr>
+              <p:cNvPr id="57" name="그림 56">
+                <a:extLst>
+                  <a:ext uri="{FF2B5EF4-FFF2-40B4-BE49-F238E27FC236}">
+                    <a16:creationId xmlns:a16="http://schemas.microsoft.com/office/drawing/2014/main" id="{8E0E2DB8-1675-4C97-A204-A1801FD09994}"/>
+                  </a:ext>
+                </a:extLst>
+              </p:cNvPr>
+              <p:cNvPicPr>
+                <a:picLocks noChangeAspect="1"/>
+              </p:cNvPicPr>
+              <p:nvPr/>
+            </p:nvPicPr>
+            <p:blipFill>
+              <a:blip r:embed="rId3">
+                <a:extLst>
+                  <a:ext uri="{28A0092B-C50C-407E-A947-70E740481C1C}">
+                    <a14:useLocalDpi xmlns:a14="http://schemas.microsoft.com/office/drawing/2010/main" val="0"/>
+                  </a:ext>
+                </a:extLst>
+              </a:blip>
+              <a:stretch>
+                <a:fillRect/>
+              </a:stretch>
+            </p:blipFill>
+            <p:spPr>
+              <a:xfrm>
+                <a:off x="909525" y="3173499"/>
+                <a:ext cx="1331265" cy="1331265"/>
+              </a:xfrm>
+              <a:prstGeom prst="rect">
+                <a:avLst/>
+              </a:prstGeom>
+            </p:spPr>
+          </p:pic>
+          <p:pic>
+            <p:nvPicPr>
+              <p:cNvPr id="58" name="그림 57">
+                <a:extLst>
+                  <a:ext uri="{FF2B5EF4-FFF2-40B4-BE49-F238E27FC236}">
+                    <a16:creationId xmlns:a16="http://schemas.microsoft.com/office/drawing/2014/main" id="{8389236B-486E-4EB5-9FB4-7C9D9744D2DD}"/>
+                  </a:ext>
+                </a:extLst>
+              </p:cNvPr>
+              <p:cNvPicPr>
+                <a:picLocks noChangeAspect="1"/>
+              </p:cNvPicPr>
+              <p:nvPr/>
+            </p:nvPicPr>
+            <p:blipFill>
+              <a:blip r:embed="rId3">
+                <a:extLst>
+                  <a:ext uri="{28A0092B-C50C-407E-A947-70E740481C1C}">
+                    <a14:useLocalDpi xmlns:a14="http://schemas.microsoft.com/office/drawing/2010/main" val="0"/>
+                  </a:ext>
+                </a:extLst>
+              </a:blip>
+              <a:stretch>
+                <a:fillRect/>
+              </a:stretch>
+            </p:blipFill>
+            <p:spPr>
+              <a:xfrm>
+                <a:off x="1985290" y="3173499"/>
+                <a:ext cx="1331265" cy="1331265"/>
+              </a:xfrm>
+              <a:prstGeom prst="rect">
+                <a:avLst/>
+              </a:prstGeom>
+            </p:spPr>
+          </p:pic>
+        </p:grpSp>
+        <p:sp>
+          <p:nvSpPr>
+            <p:cNvPr id="53" name="TextBox 52">
+              <a:extLst>
+                <a:ext uri="{FF2B5EF4-FFF2-40B4-BE49-F238E27FC236}">
+                  <a16:creationId xmlns:a16="http://schemas.microsoft.com/office/drawing/2014/main" id="{02093EC3-AEDF-4EA3-929E-8F1CD9DB12CA}"/>
                 </a:ext>
               </a:extLst>
             </p:cNvPr>
@@ -5638,8 +8649,8 @@
           </p:nvSpPr>
           <p:spPr>
             <a:xfrm>
-              <a:off x="1045538" y="3318502"/>
-              <a:ext cx="898325" cy="369332"/>
+              <a:off x="952251" y="5230148"/>
+              <a:ext cx="2517495" cy="1200329"/>
             </a:xfrm>
             <a:prstGeom prst="rect">
               <a:avLst/>
@@ -5666,16 +8677,633 @@
                   <a:latin typeface="에스코어 드림 1 Thin" panose="020B0403030302020204" pitchFamily="34" charset="-127"/>
                   <a:ea typeface="에스코어 드림 1 Thin" panose="020B0403030302020204" pitchFamily="34" charset="-127"/>
                 </a:rPr>
-                <a:t>맵</a:t>
+                <a:t>타 맵에도 같은  모양으로 그려지는 중력장을 통해 공을 목적지로 이동시키면 승리합니다</a:t>
               </a:r>
+              <a:r>
+                <a:rPr lang="en-US" altLang="ko-KR" dirty="0">
+                  <a:solidFill>
+                    <a:schemeClr val="bg1"/>
+                  </a:solidFill>
+                  <a:latin typeface="에스코어 드림 1 Thin" panose="020B0403030302020204" pitchFamily="34" charset="-127"/>
+                  <a:ea typeface="에스코어 드림 1 Thin" panose="020B0403030302020204" pitchFamily="34" charset="-127"/>
+                </a:rPr>
+                <a:t>.</a:t>
+              </a:r>
+              <a:endParaRPr lang="ko-KR" altLang="en-US" dirty="0">
+                <a:solidFill>
+                  <a:schemeClr val="bg1"/>
+                </a:solidFill>
+                <a:latin typeface="에스코어 드림 1 Thin" panose="020B0403030302020204" pitchFamily="34" charset="-127"/>
+                <a:ea typeface="에스코어 드림 1 Thin" panose="020B0403030302020204" pitchFamily="34" charset="-127"/>
+              </a:endParaRPr>
+            </a:p>
+          </p:txBody>
+        </p:sp>
+        <p:sp>
+          <p:nvSpPr>
+            <p:cNvPr id="54" name="직사각형 53">
+              <a:extLst>
+                <a:ext uri="{FF2B5EF4-FFF2-40B4-BE49-F238E27FC236}">
+                  <a16:creationId xmlns:a16="http://schemas.microsoft.com/office/drawing/2014/main" id="{2A6FF289-1727-47DF-9187-3E55DDBE8C54}"/>
+                </a:ext>
+              </a:extLst>
+            </p:cNvPr>
+            <p:cNvSpPr/>
+            <p:nvPr/>
+          </p:nvSpPr>
+          <p:spPr>
+            <a:xfrm>
+              <a:off x="952251" y="1870483"/>
+              <a:ext cx="2517495" cy="3234160"/>
+            </a:xfrm>
+            <a:prstGeom prst="rect">
+              <a:avLst/>
+            </a:prstGeom>
+            <a:noFill/>
+            <a:ln>
+              <a:solidFill>
+                <a:schemeClr val="bg1"/>
+              </a:solidFill>
+            </a:ln>
+          </p:spPr>
+          <p:style>
+            <a:lnRef idx="2">
+              <a:schemeClr val="accent1">
+                <a:shade val="50000"/>
+              </a:schemeClr>
+            </a:lnRef>
+            <a:fillRef idx="1">
+              <a:schemeClr val="accent1"/>
+            </a:fillRef>
+            <a:effectRef idx="0">
+              <a:schemeClr val="accent1"/>
+            </a:effectRef>
+            <a:fontRef idx="minor">
+              <a:schemeClr val="lt1"/>
+            </a:fontRef>
+          </p:style>
+          <p:txBody>
+            <a:bodyPr rtlCol="0" anchor="ctr"/>
+            <a:lstStyle/>
+            <a:p>
+              <a:pPr algn="ctr"/>
+              <a:endParaRPr lang="ko-KR" altLang="en-US"/>
             </a:p>
           </p:txBody>
         </p:sp>
       </p:grpSp>
+      <p:grpSp>
+        <p:nvGrpSpPr>
+          <p:cNvPr id="63" name="그룹 62">
+            <a:extLst>
+              <a:ext uri="{FF2B5EF4-FFF2-40B4-BE49-F238E27FC236}">
+                <a16:creationId xmlns:a16="http://schemas.microsoft.com/office/drawing/2014/main" id="{5B506A0A-1017-43C3-94C9-ADCDE4EFB6CE}"/>
+              </a:ext>
+            </a:extLst>
+          </p:cNvPr>
+          <p:cNvGrpSpPr/>
+          <p:nvPr/>
+        </p:nvGrpSpPr>
+        <p:grpSpPr>
+          <a:xfrm rot="2709291" flipV="1">
+            <a:off x="9417270" y="4251121"/>
+            <a:ext cx="1031569" cy="287755"/>
+            <a:chOff x="3683301" y="2755984"/>
+            <a:chExt cx="4825397" cy="1346032"/>
+          </a:xfrm>
+        </p:grpSpPr>
+        <p:pic>
+          <p:nvPicPr>
+            <p:cNvPr id="64" name="그림 63">
+              <a:extLst>
+                <a:ext uri="{FF2B5EF4-FFF2-40B4-BE49-F238E27FC236}">
+                  <a16:creationId xmlns:a16="http://schemas.microsoft.com/office/drawing/2014/main" id="{A8B03402-5E68-4E4A-9AE6-7D51E8E5CC78}"/>
+                </a:ext>
+              </a:extLst>
+            </p:cNvPr>
+            <p:cNvPicPr>
+              <a:picLocks noChangeAspect="1"/>
+            </p:cNvPicPr>
+            <p:nvPr/>
+          </p:nvPicPr>
+          <p:blipFill>
+            <a:blip r:embed="rId5">
+              <a:duotone>
+                <a:prstClr val="black"/>
+                <a:schemeClr val="accent2">
+                  <a:tint val="45000"/>
+                  <a:satMod val="400000"/>
+                </a:schemeClr>
+              </a:duotone>
+              <a:extLst>
+                <a:ext uri="{28A0092B-C50C-407E-A947-70E740481C1C}">
+                  <a14:useLocalDpi xmlns:a14="http://schemas.microsoft.com/office/drawing/2010/main" val="0"/>
+                </a:ext>
+              </a:extLst>
+            </a:blip>
+            <a:stretch>
+              <a:fillRect/>
+            </a:stretch>
+          </p:blipFill>
+          <p:spPr>
+            <a:xfrm>
+              <a:off x="3683301" y="2755984"/>
+              <a:ext cx="4825397" cy="1346032"/>
+            </a:xfrm>
+            <a:prstGeom prst="rect">
+              <a:avLst/>
+            </a:prstGeom>
+          </p:spPr>
+        </p:pic>
+        <p:pic>
+          <p:nvPicPr>
+            <p:cNvPr id="65" name="그림 64" descr="화살이(가) 표시된 사진&#10;&#10;자동 생성된 설명">
+              <a:extLst>
+                <a:ext uri="{FF2B5EF4-FFF2-40B4-BE49-F238E27FC236}">
+                  <a16:creationId xmlns:a16="http://schemas.microsoft.com/office/drawing/2014/main" id="{44E85324-C661-4982-B2DD-DAE5D1CFA894}"/>
+                </a:ext>
+              </a:extLst>
+            </p:cNvPr>
+            <p:cNvPicPr>
+              <a:picLocks noChangeAspect="1"/>
+            </p:cNvPicPr>
+            <p:nvPr/>
+          </p:nvPicPr>
+          <p:blipFill>
+            <a:blip r:embed="rId6">
+              <a:duotone>
+                <a:prstClr val="black"/>
+                <a:schemeClr val="accent2">
+                  <a:tint val="45000"/>
+                  <a:satMod val="400000"/>
+                </a:schemeClr>
+              </a:duotone>
+              <a:extLst>
+                <a:ext uri="{28A0092B-C50C-407E-A947-70E740481C1C}">
+                  <a14:useLocalDpi xmlns:a14="http://schemas.microsoft.com/office/drawing/2010/main" val="0"/>
+                </a:ext>
+              </a:extLst>
+            </a:blip>
+            <a:stretch>
+              <a:fillRect/>
+            </a:stretch>
+          </p:blipFill>
+          <p:spPr>
+            <a:xfrm>
+              <a:off x="3683301" y="2755984"/>
+              <a:ext cx="4825397" cy="1346032"/>
+            </a:xfrm>
+            <a:prstGeom prst="rect">
+              <a:avLst/>
+            </a:prstGeom>
+          </p:spPr>
+        </p:pic>
+      </p:grpSp>
+      <p:pic>
+        <p:nvPicPr>
+          <p:cNvPr id="60" name="그림 59" descr="벡터그래픽이(가) 표시된 사진&#10;&#10;자동 생성된 설명">
+            <a:extLst>
+              <a:ext uri="{FF2B5EF4-FFF2-40B4-BE49-F238E27FC236}">
+                <a16:creationId xmlns:a16="http://schemas.microsoft.com/office/drawing/2014/main" id="{F2051A7E-22EC-43E0-BD5B-DFDF1CF2653E}"/>
+              </a:ext>
+            </a:extLst>
+          </p:cNvPr>
+          <p:cNvPicPr>
+            <a:picLocks noChangeAspect="1"/>
+          </p:cNvPicPr>
+          <p:nvPr/>
+        </p:nvPicPr>
+        <p:blipFill>
+          <a:blip r:embed="rId7">
+            <a:extLst>
+              <a:ext uri="{28A0092B-C50C-407E-A947-70E740481C1C}">
+                <a14:useLocalDpi xmlns:a14="http://schemas.microsoft.com/office/drawing/2010/main" val="0"/>
+              </a:ext>
+            </a:extLst>
+          </a:blip>
+          <a:stretch>
+            <a:fillRect/>
+          </a:stretch>
+        </p:blipFill>
+        <p:spPr>
+          <a:xfrm>
+            <a:off x="10029936" y="4509680"/>
+            <a:ext cx="340095" cy="340095"/>
+          </a:xfrm>
+          <a:prstGeom prst="rect">
+            <a:avLst/>
+          </a:prstGeom>
+        </p:spPr>
+      </p:pic>
+      <p:pic>
+        <p:nvPicPr>
+          <p:cNvPr id="61" name="그림 60" descr="창문이(가) 표시된 사진&#10;&#10;자동 생성된 설명">
+            <a:extLst>
+              <a:ext uri="{FF2B5EF4-FFF2-40B4-BE49-F238E27FC236}">
+                <a16:creationId xmlns:a16="http://schemas.microsoft.com/office/drawing/2014/main" id="{E4A8ED07-0D62-4C0E-BEB6-4641100EFEFB}"/>
+              </a:ext>
+            </a:extLst>
+          </p:cNvPr>
+          <p:cNvPicPr>
+            <a:picLocks noChangeAspect="1"/>
+          </p:cNvPicPr>
+          <p:nvPr/>
+        </p:nvPicPr>
+        <p:blipFill>
+          <a:blip r:embed="rId8">
+            <a:extLst>
+              <a:ext uri="{28A0092B-C50C-407E-A947-70E740481C1C}">
+                <a14:useLocalDpi xmlns:a14="http://schemas.microsoft.com/office/drawing/2010/main" val="0"/>
+              </a:ext>
+            </a:extLst>
+          </a:blip>
+          <a:stretch>
+            <a:fillRect/>
+          </a:stretch>
+        </p:blipFill>
+        <p:spPr>
+          <a:xfrm>
+            <a:off x="9463346" y="3924875"/>
+            <a:ext cx="340095" cy="340095"/>
+          </a:xfrm>
+          <a:prstGeom prst="rect">
+            <a:avLst/>
+          </a:prstGeom>
+        </p:spPr>
+      </p:pic>
+      <p:grpSp>
+        <p:nvGrpSpPr>
+          <p:cNvPr id="86" name="그룹 85">
+            <a:extLst>
+              <a:ext uri="{FF2B5EF4-FFF2-40B4-BE49-F238E27FC236}">
+                <a16:creationId xmlns:a16="http://schemas.microsoft.com/office/drawing/2014/main" id="{5707662F-3F4D-4F59-8B44-8708341983F9}"/>
+              </a:ext>
+            </a:extLst>
+          </p:cNvPr>
+          <p:cNvGrpSpPr/>
+          <p:nvPr/>
+        </p:nvGrpSpPr>
+        <p:grpSpPr>
+          <a:xfrm rot="2709291" flipV="1">
+            <a:off x="8282534" y="4291074"/>
+            <a:ext cx="1031569" cy="287755"/>
+            <a:chOff x="3683301" y="2755984"/>
+            <a:chExt cx="4825397" cy="1346032"/>
+          </a:xfrm>
+        </p:grpSpPr>
+        <p:pic>
+          <p:nvPicPr>
+            <p:cNvPr id="87" name="그림 86">
+              <a:extLst>
+                <a:ext uri="{FF2B5EF4-FFF2-40B4-BE49-F238E27FC236}">
+                  <a16:creationId xmlns:a16="http://schemas.microsoft.com/office/drawing/2014/main" id="{3E284972-269B-42E7-B86E-805687E93DF1}"/>
+                </a:ext>
+              </a:extLst>
+            </p:cNvPr>
+            <p:cNvPicPr>
+              <a:picLocks noChangeAspect="1"/>
+            </p:cNvPicPr>
+            <p:nvPr/>
+          </p:nvPicPr>
+          <p:blipFill>
+            <a:blip r:embed="rId5">
+              <a:duotone>
+                <a:prstClr val="black"/>
+                <a:schemeClr val="accent2">
+                  <a:tint val="45000"/>
+                  <a:satMod val="400000"/>
+                </a:schemeClr>
+              </a:duotone>
+              <a:extLst>
+                <a:ext uri="{28A0092B-C50C-407E-A947-70E740481C1C}">
+                  <a14:useLocalDpi xmlns:a14="http://schemas.microsoft.com/office/drawing/2010/main" val="0"/>
+                </a:ext>
+              </a:extLst>
+            </a:blip>
+            <a:stretch>
+              <a:fillRect/>
+            </a:stretch>
+          </p:blipFill>
+          <p:spPr>
+            <a:xfrm>
+              <a:off x="3683301" y="2755984"/>
+              <a:ext cx="4825397" cy="1346032"/>
+            </a:xfrm>
+            <a:prstGeom prst="rect">
+              <a:avLst/>
+            </a:prstGeom>
+          </p:spPr>
+        </p:pic>
+        <p:pic>
+          <p:nvPicPr>
+            <p:cNvPr id="88" name="그림 87" descr="화살이(가) 표시된 사진&#10;&#10;자동 생성된 설명">
+              <a:extLst>
+                <a:ext uri="{FF2B5EF4-FFF2-40B4-BE49-F238E27FC236}">
+                  <a16:creationId xmlns:a16="http://schemas.microsoft.com/office/drawing/2014/main" id="{BC746AA2-B69A-4F8F-855B-D66E0498C42B}"/>
+                </a:ext>
+              </a:extLst>
+            </p:cNvPr>
+            <p:cNvPicPr>
+              <a:picLocks noChangeAspect="1"/>
+            </p:cNvPicPr>
+            <p:nvPr/>
+          </p:nvPicPr>
+          <p:blipFill>
+            <a:blip r:embed="rId6">
+              <a:duotone>
+                <a:prstClr val="black"/>
+                <a:schemeClr val="accent2">
+                  <a:tint val="45000"/>
+                  <a:satMod val="400000"/>
+                </a:schemeClr>
+              </a:duotone>
+              <a:extLst>
+                <a:ext uri="{28A0092B-C50C-407E-A947-70E740481C1C}">
+                  <a14:useLocalDpi xmlns:a14="http://schemas.microsoft.com/office/drawing/2010/main" val="0"/>
+                </a:ext>
+              </a:extLst>
+            </a:blip>
+            <a:stretch>
+              <a:fillRect/>
+            </a:stretch>
+          </p:blipFill>
+          <p:spPr>
+            <a:xfrm>
+              <a:off x="3683301" y="2755984"/>
+              <a:ext cx="4825397" cy="1346032"/>
+            </a:xfrm>
+            <a:prstGeom prst="rect">
+              <a:avLst/>
+            </a:prstGeom>
+          </p:spPr>
+        </p:pic>
+      </p:grpSp>
+      <p:grpSp>
+        <p:nvGrpSpPr>
+          <p:cNvPr id="89" name="그룹 88">
+            <a:extLst>
+              <a:ext uri="{FF2B5EF4-FFF2-40B4-BE49-F238E27FC236}">
+                <a16:creationId xmlns:a16="http://schemas.microsoft.com/office/drawing/2014/main" id="{D1F77D58-B3DC-4861-864E-8D6409CE7D0A}"/>
+              </a:ext>
+            </a:extLst>
+          </p:cNvPr>
+          <p:cNvGrpSpPr/>
+          <p:nvPr/>
+        </p:nvGrpSpPr>
+        <p:grpSpPr>
+          <a:xfrm rot="2709291" flipV="1">
+            <a:off x="8316465" y="3170889"/>
+            <a:ext cx="1031569" cy="287755"/>
+            <a:chOff x="3683301" y="2755984"/>
+            <a:chExt cx="4825397" cy="1346032"/>
+          </a:xfrm>
+        </p:grpSpPr>
+        <p:pic>
+          <p:nvPicPr>
+            <p:cNvPr id="90" name="그림 89">
+              <a:extLst>
+                <a:ext uri="{FF2B5EF4-FFF2-40B4-BE49-F238E27FC236}">
+                  <a16:creationId xmlns:a16="http://schemas.microsoft.com/office/drawing/2014/main" id="{A3CF5C37-1FFA-43AA-A7D9-78A73FF55938}"/>
+                </a:ext>
+              </a:extLst>
+            </p:cNvPr>
+            <p:cNvPicPr>
+              <a:picLocks noChangeAspect="1"/>
+            </p:cNvPicPr>
+            <p:nvPr/>
+          </p:nvPicPr>
+          <p:blipFill>
+            <a:blip r:embed="rId5">
+              <a:duotone>
+                <a:prstClr val="black"/>
+                <a:schemeClr val="accent2">
+                  <a:tint val="45000"/>
+                  <a:satMod val="400000"/>
+                </a:schemeClr>
+              </a:duotone>
+              <a:extLst>
+                <a:ext uri="{28A0092B-C50C-407E-A947-70E740481C1C}">
+                  <a14:useLocalDpi xmlns:a14="http://schemas.microsoft.com/office/drawing/2010/main" val="0"/>
+                </a:ext>
+              </a:extLst>
+            </a:blip>
+            <a:stretch>
+              <a:fillRect/>
+            </a:stretch>
+          </p:blipFill>
+          <p:spPr>
+            <a:xfrm>
+              <a:off x="3683301" y="2755984"/>
+              <a:ext cx="4825397" cy="1346032"/>
+            </a:xfrm>
+            <a:prstGeom prst="rect">
+              <a:avLst/>
+            </a:prstGeom>
+          </p:spPr>
+        </p:pic>
+        <p:pic>
+          <p:nvPicPr>
+            <p:cNvPr id="91" name="그림 90" descr="화살이(가) 표시된 사진&#10;&#10;자동 생성된 설명">
+              <a:extLst>
+                <a:ext uri="{FF2B5EF4-FFF2-40B4-BE49-F238E27FC236}">
+                  <a16:creationId xmlns:a16="http://schemas.microsoft.com/office/drawing/2014/main" id="{4DF2175C-13B2-4E92-ACF4-0D2172A6F42E}"/>
+                </a:ext>
+              </a:extLst>
+            </p:cNvPr>
+            <p:cNvPicPr>
+              <a:picLocks noChangeAspect="1"/>
+            </p:cNvPicPr>
+            <p:nvPr/>
+          </p:nvPicPr>
+          <p:blipFill>
+            <a:blip r:embed="rId6">
+              <a:duotone>
+                <a:prstClr val="black"/>
+                <a:schemeClr val="accent2">
+                  <a:tint val="45000"/>
+                  <a:satMod val="400000"/>
+                </a:schemeClr>
+              </a:duotone>
+              <a:extLst>
+                <a:ext uri="{28A0092B-C50C-407E-A947-70E740481C1C}">
+                  <a14:useLocalDpi xmlns:a14="http://schemas.microsoft.com/office/drawing/2010/main" val="0"/>
+                </a:ext>
+              </a:extLst>
+            </a:blip>
+            <a:stretch>
+              <a:fillRect/>
+            </a:stretch>
+          </p:blipFill>
+          <p:spPr>
+            <a:xfrm>
+              <a:off x="3683301" y="2755984"/>
+              <a:ext cx="4825397" cy="1346032"/>
+            </a:xfrm>
+            <a:prstGeom prst="rect">
+              <a:avLst/>
+            </a:prstGeom>
+          </p:spPr>
+        </p:pic>
+      </p:grpSp>
+      <p:grpSp>
+        <p:nvGrpSpPr>
+          <p:cNvPr id="92" name="그룹 91">
+            <a:extLst>
+              <a:ext uri="{FF2B5EF4-FFF2-40B4-BE49-F238E27FC236}">
+                <a16:creationId xmlns:a16="http://schemas.microsoft.com/office/drawing/2014/main" id="{0C8D54CF-5299-4D2A-9509-ACC78B8FF8BD}"/>
+              </a:ext>
+            </a:extLst>
+          </p:cNvPr>
+          <p:cNvGrpSpPr/>
+          <p:nvPr/>
+        </p:nvGrpSpPr>
+        <p:grpSpPr>
+          <a:xfrm rot="2709291" flipV="1">
+            <a:off x="9388919" y="3140560"/>
+            <a:ext cx="1031569" cy="287755"/>
+            <a:chOff x="3683301" y="2755984"/>
+            <a:chExt cx="4825397" cy="1346032"/>
+          </a:xfrm>
+        </p:grpSpPr>
+        <p:pic>
+          <p:nvPicPr>
+            <p:cNvPr id="93" name="그림 92">
+              <a:extLst>
+                <a:ext uri="{FF2B5EF4-FFF2-40B4-BE49-F238E27FC236}">
+                  <a16:creationId xmlns:a16="http://schemas.microsoft.com/office/drawing/2014/main" id="{72D6E073-5503-4D68-BD1D-9E2ACF8602B6}"/>
+                </a:ext>
+              </a:extLst>
+            </p:cNvPr>
+            <p:cNvPicPr>
+              <a:picLocks noChangeAspect="1"/>
+            </p:cNvPicPr>
+            <p:nvPr/>
+          </p:nvPicPr>
+          <p:blipFill>
+            <a:blip r:embed="rId5">
+              <a:duotone>
+                <a:prstClr val="black"/>
+                <a:schemeClr val="accent2">
+                  <a:tint val="45000"/>
+                  <a:satMod val="400000"/>
+                </a:schemeClr>
+              </a:duotone>
+              <a:extLst>
+                <a:ext uri="{28A0092B-C50C-407E-A947-70E740481C1C}">
+                  <a14:useLocalDpi xmlns:a14="http://schemas.microsoft.com/office/drawing/2010/main" val="0"/>
+                </a:ext>
+              </a:extLst>
+            </a:blip>
+            <a:stretch>
+              <a:fillRect/>
+            </a:stretch>
+          </p:blipFill>
+          <p:spPr>
+            <a:xfrm>
+              <a:off x="3683301" y="2755984"/>
+              <a:ext cx="4825397" cy="1346032"/>
+            </a:xfrm>
+            <a:prstGeom prst="rect">
+              <a:avLst/>
+            </a:prstGeom>
+          </p:spPr>
+        </p:pic>
+        <p:pic>
+          <p:nvPicPr>
+            <p:cNvPr id="94" name="그림 93" descr="화살이(가) 표시된 사진&#10;&#10;자동 생성된 설명">
+              <a:extLst>
+                <a:ext uri="{FF2B5EF4-FFF2-40B4-BE49-F238E27FC236}">
+                  <a16:creationId xmlns:a16="http://schemas.microsoft.com/office/drawing/2014/main" id="{FED06114-3A77-4716-9D51-0CBEADF18887}"/>
+                </a:ext>
+              </a:extLst>
+            </p:cNvPr>
+            <p:cNvPicPr>
+              <a:picLocks noChangeAspect="1"/>
+            </p:cNvPicPr>
+            <p:nvPr/>
+          </p:nvPicPr>
+          <p:blipFill>
+            <a:blip r:embed="rId6">
+              <a:duotone>
+                <a:prstClr val="black"/>
+                <a:schemeClr val="accent2">
+                  <a:tint val="45000"/>
+                  <a:satMod val="400000"/>
+                </a:schemeClr>
+              </a:duotone>
+              <a:extLst>
+                <a:ext uri="{28A0092B-C50C-407E-A947-70E740481C1C}">
+                  <a14:useLocalDpi xmlns:a14="http://schemas.microsoft.com/office/drawing/2010/main" val="0"/>
+                </a:ext>
+              </a:extLst>
+            </a:blip>
+            <a:stretch>
+              <a:fillRect/>
+            </a:stretch>
+          </p:blipFill>
+          <p:spPr>
+            <a:xfrm>
+              <a:off x="3683301" y="2755984"/>
+              <a:ext cx="4825397" cy="1346032"/>
+            </a:xfrm>
+            <a:prstGeom prst="rect">
+              <a:avLst/>
+            </a:prstGeom>
+          </p:spPr>
+        </p:pic>
+      </p:grpSp>
+      <p:sp>
+        <p:nvSpPr>
+          <p:cNvPr id="95" name="TextBox 94">
+            <a:extLst>
+              <a:ext uri="{FF2B5EF4-FFF2-40B4-BE49-F238E27FC236}">
+                <a16:creationId xmlns:a16="http://schemas.microsoft.com/office/drawing/2014/main" id="{FCC5EEA5-F1AC-4586-B936-0E6BAFBD26A8}"/>
+              </a:ext>
+            </a:extLst>
+          </p:cNvPr>
+          <p:cNvSpPr txBox="1"/>
+          <p:nvPr/>
+        </p:nvSpPr>
+        <p:spPr>
+          <a:xfrm>
+            <a:off x="9236606" y="2295347"/>
+            <a:ext cx="358472" cy="379334"/>
+          </a:xfrm>
+          <a:prstGeom prst="rect">
+            <a:avLst/>
+          </a:prstGeom>
+          <a:noFill/>
+        </p:spPr>
+        <p:txBody>
+          <a:bodyPr wrap="square" rtlCol="0">
+            <a:spAutoFit/>
+          </a:bodyPr>
+          <a:lstStyle/>
+          <a:p>
+            <a:r>
+              <a:rPr lang="en-US" altLang="ko-KR" b="1" dirty="0">
+                <a:solidFill>
+                  <a:schemeClr val="bg1"/>
+                </a:solidFill>
+                <a:latin typeface="에스코어 드림 4 Regular" panose="020B0503030302020204" pitchFamily="34" charset="-127"/>
+                <a:ea typeface="에스코어 드림 4 Regular" panose="020B0503030302020204" pitchFamily="34" charset="-127"/>
+              </a:rPr>
+              <a:t>4</a:t>
+            </a:r>
+            <a:endParaRPr lang="ko-KR" altLang="en-US" b="1" dirty="0">
+              <a:solidFill>
+                <a:schemeClr val="bg1"/>
+              </a:solidFill>
+              <a:latin typeface="에스코어 드림 4 Regular" panose="020B0503030302020204" pitchFamily="34" charset="-127"/>
+              <a:ea typeface="에스코어 드림 4 Regular" panose="020B0503030302020204" pitchFamily="34" charset="-127"/>
+            </a:endParaRPr>
+          </a:p>
+        </p:txBody>
+      </p:sp>
     </p:spTree>
     <p:extLst>
       <p:ext uri="{BB962C8B-B14F-4D97-AF65-F5344CB8AC3E}">
-        <p14:creationId xmlns:p14="http://schemas.microsoft.com/office/powerpoint/2010/main" val="3431577405"/>
+        <p14:creationId xmlns:p14="http://schemas.microsoft.com/office/powerpoint/2010/main" val="4249422317"/>
       </p:ext>
     </p:extLst>
   </p:cSld>
@@ -5685,7 +9313,7 @@
 </p:sld>
 </file>
 
-<file path=ppt/slides/slide4.xml><?xml version="1.0" encoding="utf-8"?>
+<file path=ppt/slides/slide5.xml><?xml version="1.0" encoding="utf-8"?>
 <p:sld xmlns:a="http://schemas.openxmlformats.org/drawingml/2006/main" xmlns:r="http://schemas.openxmlformats.org/officeDocument/2006/relationships" xmlns:p="http://schemas.openxmlformats.org/presentationml/2006/main">
   <p:cSld>
     <p:spTree>
@@ -5960,7 +9588,7 @@
         </p:nvSpPr>
         <p:spPr>
           <a:xfrm>
-            <a:off x="282204" y="235484"/>
+            <a:off x="282205" y="235484"/>
             <a:ext cx="2943434" cy="714363"/>
           </a:xfrm>
           <a:prstGeom prst="rect">
@@ -5987,15 +9615,26 @@
                 <a:solidFill>
                   <a:schemeClr val="bg1"/>
                 </a:solidFill>
+                <a:latin typeface="에스코어 드림 4 Regular" panose="020B0503030302020204" pitchFamily="34" charset="-127"/>
+                <a:ea typeface="에스코어 드림 4 Regular" panose="020B0503030302020204" pitchFamily="34" charset="-127"/>
+                <a:cs typeface="Times New Roman" panose="02020603050405020304" pitchFamily="18" charset="0"/>
+              </a:rPr>
+              <a:t>4</a:t>
+            </a:r>
+            <a:r>
+              <a:rPr lang="en-US" altLang="ko-KR" sz="4000" kern="100" dirty="0">
+                <a:solidFill>
+                  <a:schemeClr val="bg1"/>
+                </a:solidFill>
                 <a:effectLst/>
                 <a:latin typeface="에스코어 드림 4 Regular" panose="020B0503030302020204" pitchFamily="34" charset="-127"/>
                 <a:ea typeface="에스코어 드림 4 Regular" panose="020B0503030302020204" pitchFamily="34" charset="-127"/>
                 <a:cs typeface="Times New Roman" panose="02020603050405020304" pitchFamily="18" charset="0"/>
               </a:rPr>
-              <a:t>3) </a:t>
-            </a:r>
-            <a:r>
-              <a:rPr lang="ko-KR" altLang="ko-KR" sz="4000" kern="100" dirty="0">
+              <a:t>) </a:t>
+            </a:r>
+            <a:r>
+              <a:rPr lang="ko-KR" altLang="en-US" sz="4000" kern="100" dirty="0">
                 <a:solidFill>
                   <a:schemeClr val="bg1"/>
                 </a:solidFill>
@@ -6004,31 +9643,262 @@
                 <a:ea typeface="에스코어 드림 4 Regular" panose="020B0503030302020204" pitchFamily="34" charset="-127"/>
                 <a:cs typeface="Times New Roman" panose="02020603050405020304" pitchFamily="18" charset="0"/>
               </a:rPr>
-              <a:t>게임</a:t>
-            </a:r>
-            <a:r>
-              <a:rPr lang="en-US" altLang="ko-KR" sz="4000" kern="100" dirty="0">
+              <a:t>작업 과정</a:t>
+            </a:r>
+            <a:endParaRPr lang="ko-KR" altLang="ko-KR" sz="4000" kern="100" dirty="0">
+              <a:solidFill>
+                <a:schemeClr val="bg1"/>
+              </a:solidFill>
+              <a:effectLst/>
+              <a:latin typeface="에스코어 드림 4 Regular" panose="020B0503030302020204" pitchFamily="34" charset="-127"/>
+              <a:ea typeface="에스코어 드림 4 Regular" panose="020B0503030302020204" pitchFamily="34" charset="-127"/>
+              <a:cs typeface="Times New Roman" panose="02020603050405020304" pitchFamily="18" charset="0"/>
+            </a:endParaRPr>
+          </a:p>
+        </p:txBody>
+      </p:sp>
+      <p:pic>
+        <p:nvPicPr>
+          <p:cNvPr id="11" name="그림 10">
+            <a:extLst>
+              <a:ext uri="{FF2B5EF4-FFF2-40B4-BE49-F238E27FC236}">
+                <a16:creationId xmlns:a16="http://schemas.microsoft.com/office/drawing/2014/main" id="{BD3DB5F9-62F9-444F-A0FD-FF6A5C5D2471}"/>
+              </a:ext>
+            </a:extLst>
+          </p:cNvPr>
+          <p:cNvPicPr>
+            <a:picLocks noChangeAspect="1"/>
+          </p:cNvPicPr>
+          <p:nvPr/>
+        </p:nvPicPr>
+        <p:blipFill>
+          <a:blip r:embed="rId3"/>
+          <a:stretch>
+            <a:fillRect/>
+          </a:stretch>
+        </p:blipFill>
+        <p:spPr>
+          <a:xfrm>
+            <a:off x="451734" y="2621479"/>
+            <a:ext cx="3609145" cy="3762261"/>
+          </a:xfrm>
+          <a:prstGeom prst="rect">
+            <a:avLst/>
+          </a:prstGeom>
+          <a:ln>
+            <a:solidFill>
+              <a:schemeClr val="bg1"/>
+            </a:solidFill>
+          </a:ln>
+        </p:spPr>
+      </p:pic>
+      <p:pic>
+        <p:nvPicPr>
+          <p:cNvPr id="19" name="그림 18">
+            <a:extLst>
+              <a:ext uri="{FF2B5EF4-FFF2-40B4-BE49-F238E27FC236}">
+                <a16:creationId xmlns:a16="http://schemas.microsoft.com/office/drawing/2014/main" id="{20017E92-31B0-463E-89DF-760E536A8618}"/>
+              </a:ext>
+            </a:extLst>
+          </p:cNvPr>
+          <p:cNvPicPr>
+            <a:picLocks noChangeAspect="1"/>
+          </p:cNvPicPr>
+          <p:nvPr/>
+        </p:nvPicPr>
+        <p:blipFill>
+          <a:blip r:embed="rId4"/>
+          <a:stretch>
+            <a:fillRect/>
+          </a:stretch>
+        </p:blipFill>
+        <p:spPr>
+          <a:xfrm>
+            <a:off x="8100335" y="2630975"/>
+            <a:ext cx="3609145" cy="3743268"/>
+          </a:xfrm>
+          <a:prstGeom prst="rect">
+            <a:avLst/>
+          </a:prstGeom>
+          <a:ln>
+            <a:solidFill>
+              <a:schemeClr val="bg1"/>
+            </a:solidFill>
+          </a:ln>
+        </p:spPr>
+      </p:pic>
+      <p:pic>
+        <p:nvPicPr>
+          <p:cNvPr id="20" name="그림 19">
+            <a:extLst>
+              <a:ext uri="{FF2B5EF4-FFF2-40B4-BE49-F238E27FC236}">
+                <a16:creationId xmlns:a16="http://schemas.microsoft.com/office/drawing/2014/main" id="{441FAA67-89A7-408C-BE90-315135F677A7}"/>
+              </a:ext>
+            </a:extLst>
+          </p:cNvPr>
+          <p:cNvPicPr>
+            <a:picLocks noChangeAspect="1"/>
+          </p:cNvPicPr>
+          <p:nvPr/>
+        </p:nvPicPr>
+        <p:blipFill>
+          <a:blip r:embed="rId5"/>
+          <a:stretch>
+            <a:fillRect/>
+          </a:stretch>
+        </p:blipFill>
+        <p:spPr>
+          <a:xfrm>
+            <a:off x="4276035" y="2621830"/>
+            <a:ext cx="3609145" cy="3761558"/>
+          </a:xfrm>
+          <a:prstGeom prst="rect">
+            <a:avLst/>
+          </a:prstGeom>
+          <a:ln>
+            <a:solidFill>
+              <a:schemeClr val="bg1"/>
+            </a:solidFill>
+          </a:ln>
+        </p:spPr>
+      </p:pic>
+      <p:sp>
+        <p:nvSpPr>
+          <p:cNvPr id="26" name="TextBox 25">
+            <a:extLst>
+              <a:ext uri="{FF2B5EF4-FFF2-40B4-BE49-F238E27FC236}">
+                <a16:creationId xmlns:a16="http://schemas.microsoft.com/office/drawing/2014/main" id="{70B2D894-BCF8-4F8F-982F-0B129C3D16DC}"/>
+              </a:ext>
+            </a:extLst>
+          </p:cNvPr>
+          <p:cNvSpPr txBox="1"/>
+          <p:nvPr/>
+        </p:nvSpPr>
+        <p:spPr>
+          <a:xfrm>
+            <a:off x="1635966" y="1935089"/>
+            <a:ext cx="1240680" cy="369332"/>
+          </a:xfrm>
+          <a:prstGeom prst="rect">
+            <a:avLst/>
+          </a:prstGeom>
+          <a:noFill/>
+          <a:ln>
+            <a:solidFill>
+              <a:schemeClr val="bg1"/>
+            </a:solidFill>
+          </a:ln>
+        </p:spPr>
+        <p:txBody>
+          <a:bodyPr wrap="square" rtlCol="0">
+            <a:spAutoFit/>
+          </a:bodyPr>
+          <a:lstStyle/>
+          <a:p>
+            <a:pPr algn="ctr"/>
+            <a:r>
+              <a:rPr lang="ko-KR" altLang="en-US" dirty="0">
                 <a:solidFill>
                   <a:schemeClr val="bg1"/>
                 </a:solidFill>
-                <a:effectLst/>
-                <a:latin typeface="에스코어 드림 4 Regular" panose="020B0503030302020204" pitchFamily="34" charset="-127"/>
-                <a:ea typeface="에스코어 드림 4 Regular" panose="020B0503030302020204" pitchFamily="34" charset="-127"/>
-                <a:cs typeface="Times New Roman" panose="02020603050405020304" pitchFamily="18" charset="0"/>
+                <a:latin typeface="에스코어 드림 1 Thin" panose="020B0403030302020204" pitchFamily="34" charset="-127"/>
+                <a:ea typeface="에스코어 드림 1 Thin" panose="020B0403030302020204" pitchFamily="34" charset="-127"/>
               </a:rPr>
-              <a:t> </a:t>
-            </a:r>
-            <a:r>
-              <a:rPr lang="ko-KR" altLang="ko-KR" sz="4000" kern="100" dirty="0">
+              <a:t>디자이너</a:t>
+            </a:r>
+          </a:p>
+        </p:txBody>
+      </p:sp>
+      <p:sp>
+        <p:nvSpPr>
+          <p:cNvPr id="27" name="TextBox 26">
+            <a:extLst>
+              <a:ext uri="{FF2B5EF4-FFF2-40B4-BE49-F238E27FC236}">
+                <a16:creationId xmlns:a16="http://schemas.microsoft.com/office/drawing/2014/main" id="{C0385EED-7D5B-4C39-8E77-25C04DC3751F}"/>
+              </a:ext>
+            </a:extLst>
+          </p:cNvPr>
+          <p:cNvSpPr txBox="1"/>
+          <p:nvPr/>
+        </p:nvSpPr>
+        <p:spPr>
+          <a:xfrm>
+            <a:off x="5287745" y="1935089"/>
+            <a:ext cx="1585724" cy="369332"/>
+          </a:xfrm>
+          <a:prstGeom prst="rect">
+            <a:avLst/>
+          </a:prstGeom>
+          <a:noFill/>
+          <a:ln>
+            <a:solidFill>
+              <a:schemeClr val="bg1"/>
+            </a:solidFill>
+          </a:ln>
+        </p:spPr>
+        <p:txBody>
+          <a:bodyPr wrap="square" rtlCol="0">
+            <a:spAutoFit/>
+          </a:bodyPr>
+          <a:lstStyle/>
+          <a:p>
+            <a:pPr algn="ctr"/>
+            <a:r>
+              <a:rPr lang="ko-KR" altLang="en-US" dirty="0">
                 <a:solidFill>
                   <a:schemeClr val="bg1"/>
                 </a:solidFill>
-                <a:effectLst/>
-                <a:latin typeface="에스코어 드림 4 Regular" panose="020B0503030302020204" pitchFamily="34" charset="-127"/>
-                <a:ea typeface="에스코어 드림 4 Regular" panose="020B0503030302020204" pitchFamily="34" charset="-127"/>
-                <a:cs typeface="Times New Roman" panose="02020603050405020304" pitchFamily="18" charset="0"/>
+                <a:latin typeface="에스코어 드림 1 Thin" panose="020B0403030302020204" pitchFamily="34" charset="-127"/>
+                <a:ea typeface="에스코어 드림 1 Thin" panose="020B0403030302020204" pitchFamily="34" charset="-127"/>
               </a:rPr>
-              <a:t>소개</a:t>
+              <a:t>프로그래머</a:t>
+            </a:r>
+          </a:p>
+        </p:txBody>
+      </p:sp>
+      <p:sp>
+        <p:nvSpPr>
+          <p:cNvPr id="28" name="TextBox 27">
+            <a:extLst>
+              <a:ext uri="{FF2B5EF4-FFF2-40B4-BE49-F238E27FC236}">
+                <a16:creationId xmlns:a16="http://schemas.microsoft.com/office/drawing/2014/main" id="{697D4543-9ECC-49DA-B859-428A51846EAF}"/>
+              </a:ext>
+            </a:extLst>
+          </p:cNvPr>
+          <p:cNvSpPr txBox="1"/>
+          <p:nvPr/>
+        </p:nvSpPr>
+        <p:spPr>
+          <a:xfrm>
+            <a:off x="9112045" y="1935089"/>
+            <a:ext cx="1585724" cy="369332"/>
+          </a:xfrm>
+          <a:prstGeom prst="rect">
+            <a:avLst/>
+          </a:prstGeom>
+          <a:noFill/>
+          <a:ln>
+            <a:solidFill>
+              <a:schemeClr val="bg1"/>
+            </a:solidFill>
+          </a:ln>
+        </p:spPr>
+        <p:txBody>
+          <a:bodyPr wrap="square" rtlCol="0">
+            <a:spAutoFit/>
+          </a:bodyPr>
+          <a:lstStyle/>
+          <a:p>
+            <a:pPr algn="ctr"/>
+            <a:r>
+              <a:rPr lang="ko-KR" altLang="en-US" dirty="0">
+                <a:solidFill>
+                  <a:schemeClr val="bg1"/>
+                </a:solidFill>
+                <a:latin typeface="에스코어 드림 1 Thin" panose="020B0403030302020204" pitchFamily="34" charset="-127"/>
+                <a:ea typeface="에스코어 드림 1 Thin" panose="020B0403030302020204" pitchFamily="34" charset="-127"/>
+              </a:rPr>
+              <a:t>아티스트</a:t>
             </a:r>
           </a:p>
         </p:txBody>
@@ -6036,244 +9906,7 @@
     </p:spTree>
     <p:extLst>
       <p:ext uri="{BB962C8B-B14F-4D97-AF65-F5344CB8AC3E}">
-        <p14:creationId xmlns:p14="http://schemas.microsoft.com/office/powerpoint/2010/main" val="4249422317"/>
-      </p:ext>
-    </p:extLst>
-  </p:cSld>
-  <p:clrMapOvr>
-    <a:masterClrMapping/>
-  </p:clrMapOvr>
-</p:sld>
-</file>
-
-<file path=ppt/slides/slide5.xml><?xml version="1.0" encoding="utf-8"?>
-<p:sld xmlns:a="http://schemas.openxmlformats.org/drawingml/2006/main" xmlns:r="http://schemas.openxmlformats.org/officeDocument/2006/relationships" xmlns:p="http://schemas.openxmlformats.org/presentationml/2006/main">
-  <p:cSld>
-    <p:spTree>
-      <p:nvGrpSpPr>
-        <p:cNvPr id="1" name=""/>
-        <p:cNvGrpSpPr/>
-        <p:nvPr/>
-      </p:nvGrpSpPr>
-      <p:grpSpPr>
-        <a:xfrm>
-          <a:off x="0" y="0"/>
-          <a:ext cx="0" cy="0"/>
-          <a:chOff x="0" y="0"/>
-          <a:chExt cx="0" cy="0"/>
-        </a:xfrm>
-      </p:grpSpPr>
-      <p:grpSp>
-        <p:nvGrpSpPr>
-          <p:cNvPr id="2" name="그룹 1">
-            <a:extLst>
-              <a:ext uri="{FF2B5EF4-FFF2-40B4-BE49-F238E27FC236}">
-                <a16:creationId xmlns:a16="http://schemas.microsoft.com/office/drawing/2014/main" id="{B3D71AC4-DEFC-4B58-ACC8-50F8B5B0E8F8}"/>
-              </a:ext>
-            </a:extLst>
-          </p:cNvPr>
-          <p:cNvGrpSpPr/>
-          <p:nvPr/>
-        </p:nvGrpSpPr>
-        <p:grpSpPr>
-          <a:xfrm>
-            <a:off x="0" y="0"/>
-            <a:ext cx="12192000" cy="6858000"/>
-            <a:chOff x="0" y="0"/>
-            <a:chExt cx="12192000" cy="6858000"/>
-          </a:xfrm>
-        </p:grpSpPr>
-        <p:pic>
-          <p:nvPicPr>
-            <p:cNvPr id="5" name="그림 4" descr="실외, 벽돌, 건축자재이(가) 표시된 사진&#10;&#10;자동 생성된 설명">
-              <a:extLst>
-                <a:ext uri="{FF2B5EF4-FFF2-40B4-BE49-F238E27FC236}">
-                  <a16:creationId xmlns:a16="http://schemas.microsoft.com/office/drawing/2014/main" id="{3A91728B-0692-4C89-BE40-02A2108CC07B}"/>
-                </a:ext>
-              </a:extLst>
-            </p:cNvPr>
-            <p:cNvPicPr>
-              <a:picLocks noChangeAspect="1"/>
-            </p:cNvPicPr>
-            <p:nvPr/>
-          </p:nvPicPr>
-          <p:blipFill>
-            <a:blip r:embed="rId2">
-              <a:extLst>
-                <a:ext uri="{28A0092B-C50C-407E-A947-70E740481C1C}">
-                  <a14:useLocalDpi xmlns:a14="http://schemas.microsoft.com/office/drawing/2010/main" val="0"/>
-                </a:ext>
-              </a:extLst>
-            </a:blip>
-            <a:stretch>
-              <a:fillRect/>
-            </a:stretch>
-          </p:blipFill>
-          <p:spPr>
-            <a:xfrm>
-              <a:off x="0" y="0"/>
-              <a:ext cx="12192000" cy="6858000"/>
-            </a:xfrm>
-            <a:prstGeom prst="rect">
-              <a:avLst/>
-            </a:prstGeom>
-          </p:spPr>
-        </p:pic>
-        <p:sp>
-          <p:nvSpPr>
-            <p:cNvPr id="6" name="직사각형 5">
-              <a:extLst>
-                <a:ext uri="{FF2B5EF4-FFF2-40B4-BE49-F238E27FC236}">
-                  <a16:creationId xmlns:a16="http://schemas.microsoft.com/office/drawing/2014/main" id="{5C154B5E-8981-45F5-9053-9DB4EE50A76E}"/>
-                </a:ext>
-              </a:extLst>
-            </p:cNvPr>
-            <p:cNvSpPr/>
-            <p:nvPr/>
-          </p:nvSpPr>
-          <p:spPr>
-            <a:xfrm>
-              <a:off x="0" y="0"/>
-              <a:ext cx="12192000" cy="6858000"/>
-            </a:xfrm>
-            <a:prstGeom prst="rect">
-              <a:avLst/>
-            </a:prstGeom>
-            <a:solidFill>
-              <a:schemeClr val="tx1">
-                <a:alpha val="50000"/>
-              </a:schemeClr>
-            </a:solidFill>
-            <a:ln>
-              <a:noFill/>
-            </a:ln>
-          </p:spPr>
-          <p:style>
-            <a:lnRef idx="2">
-              <a:schemeClr val="accent1">
-                <a:shade val="50000"/>
-              </a:schemeClr>
-            </a:lnRef>
-            <a:fillRef idx="1">
-              <a:schemeClr val="accent1"/>
-            </a:fillRef>
-            <a:effectRef idx="0">
-              <a:schemeClr val="accent1"/>
-            </a:effectRef>
-            <a:fontRef idx="minor">
-              <a:schemeClr val="lt1"/>
-            </a:fontRef>
-          </p:style>
-          <p:txBody>
-            <a:bodyPr rtlCol="0" anchor="ctr"/>
-            <a:lstStyle/>
-            <a:p>
-              <a:pPr algn="ctr"/>
-              <a:endParaRPr lang="ko-KR" altLang="en-US" dirty="0"/>
-            </a:p>
-          </p:txBody>
-        </p:sp>
-      </p:grpSp>
-      <p:pic>
-        <p:nvPicPr>
-          <p:cNvPr id="1026" name="Picture 2" descr="Excel 365 무료로 다운 받기 - 2021년 최신 버전">
-            <a:hlinkClick r:id="rId3"/>
-            <a:extLst>
-              <a:ext uri="{FF2B5EF4-FFF2-40B4-BE49-F238E27FC236}">
-                <a16:creationId xmlns:a16="http://schemas.microsoft.com/office/drawing/2014/main" id="{69810119-71DE-49AB-8760-D3FCD5520130}"/>
-              </a:ext>
-            </a:extLst>
-          </p:cNvPr>
-          <p:cNvPicPr>
-            <a:picLocks noChangeAspect="1" noChangeArrowheads="1"/>
-          </p:cNvPicPr>
-          <p:nvPr/>
-        </p:nvPicPr>
-        <p:blipFill>
-          <a:blip r:embed="rId4">
-            <a:extLst>
-              <a:ext uri="{28A0092B-C50C-407E-A947-70E740481C1C}">
-                <a14:useLocalDpi xmlns:a14="http://schemas.microsoft.com/office/drawing/2010/main" val="0"/>
-              </a:ext>
-            </a:extLst>
-          </a:blip>
-          <a:srcRect/>
-          <a:stretch>
-            <a:fillRect/>
-          </a:stretch>
-        </p:blipFill>
-        <p:spPr bwMode="auto">
-          <a:xfrm>
-            <a:off x="7795933" y="2837609"/>
-            <a:ext cx="2247900" cy="1971675"/>
-          </a:xfrm>
-          <a:prstGeom prst="roundRect">
-            <a:avLst/>
-          </a:prstGeom>
-          <a:noFill/>
-          <a:extLst>
-            <a:ext uri="{909E8E84-426E-40DD-AFC4-6F175D3DCCD1}">
-              <a14:hiddenFill xmlns:a14="http://schemas.microsoft.com/office/drawing/2010/main">
-                <a:solidFill>
-                  <a:srgbClr val="FFFFFF"/>
-                </a:solidFill>
-              </a14:hiddenFill>
-            </a:ext>
-          </a:extLst>
-        </p:spPr>
-      </p:pic>
-      <p:pic>
-        <p:nvPicPr>
-          <p:cNvPr id="1030" name="Picture 6" descr="워드 - 해시넷">
-            <a:hlinkClick r:id="rId5" action="ppaction://hlinkfile"/>
-            <a:extLst>
-              <a:ext uri="{FF2B5EF4-FFF2-40B4-BE49-F238E27FC236}">
-                <a16:creationId xmlns:a16="http://schemas.microsoft.com/office/drawing/2014/main" id="{CC6EA0A6-6A07-4EB0-B7EF-38C62E098C09}"/>
-              </a:ext>
-            </a:extLst>
-          </p:cNvPr>
-          <p:cNvPicPr>
-            <a:picLocks noChangeAspect="1" noChangeArrowheads="1"/>
-          </p:cNvPicPr>
-          <p:nvPr/>
-        </p:nvPicPr>
-        <p:blipFill>
-          <a:blip r:embed="rId6">
-            <a:extLst>
-              <a:ext uri="{28A0092B-C50C-407E-A947-70E740481C1C}">
-                <a14:useLocalDpi xmlns:a14="http://schemas.microsoft.com/office/drawing/2010/main" val="0"/>
-              </a:ext>
-            </a:extLst>
-          </a:blip>
-          <a:srcRect/>
-          <a:stretch>
-            <a:fillRect/>
-          </a:stretch>
-        </p:blipFill>
-        <p:spPr bwMode="auto">
-          <a:xfrm>
-            <a:off x="2424393" y="2837609"/>
-            <a:ext cx="1971675" cy="1971675"/>
-          </a:xfrm>
-          <a:prstGeom prst="roundRect">
-            <a:avLst/>
-          </a:prstGeom>
-          <a:noFill/>
-          <a:extLst>
-            <a:ext uri="{909E8E84-426E-40DD-AFC4-6F175D3DCCD1}">
-              <a14:hiddenFill xmlns:a14="http://schemas.microsoft.com/office/drawing/2010/main">
-                <a:solidFill>
-                  <a:srgbClr val="FFFFFF"/>
-                </a:solidFill>
-              </a14:hiddenFill>
-            </a:ext>
-          </a:extLst>
-        </p:spPr>
-      </p:pic>
-    </p:spTree>
-    <p:extLst>
-      <p:ext uri="{BB962C8B-B14F-4D97-AF65-F5344CB8AC3E}">
-        <p14:creationId xmlns:p14="http://schemas.microsoft.com/office/powerpoint/2010/main" val="3987292022"/>
+        <p14:creationId xmlns:p14="http://schemas.microsoft.com/office/powerpoint/2010/main" val="4136839857"/>
       </p:ext>
     </p:extLst>
   </p:cSld>
@@ -6302,10 +9935,10 @@
       </p:grpSpPr>
       <p:grpSp>
         <p:nvGrpSpPr>
-          <p:cNvPr id="2" name="그룹 1">
-            <a:extLst>
-              <a:ext uri="{FF2B5EF4-FFF2-40B4-BE49-F238E27FC236}">
-                <a16:creationId xmlns:a16="http://schemas.microsoft.com/office/drawing/2014/main" id="{B3D71AC4-DEFC-4B58-ACC8-50F8B5B0E8F8}"/>
+          <p:cNvPr id="17" name="그룹 16">
+            <a:extLst>
+              <a:ext uri="{FF2B5EF4-FFF2-40B4-BE49-F238E27FC236}">
+                <a16:creationId xmlns:a16="http://schemas.microsoft.com/office/drawing/2014/main" id="{08312E80-9E45-4542-9243-8B5C6C398263}"/>
               </a:ext>
             </a:extLst>
           </p:cNvPr>
@@ -6320,103 +9953,282 @@
             <a:chExt cx="12192000" cy="6858000"/>
           </a:xfrm>
         </p:grpSpPr>
-        <p:pic>
-          <p:nvPicPr>
-            <p:cNvPr id="5" name="그림 4" descr="실외, 벽돌, 건축자재이(가) 표시된 사진&#10;&#10;자동 생성된 설명">
+        <p:grpSp>
+          <p:nvGrpSpPr>
+            <p:cNvPr id="4" name="그룹 3">
               <a:extLst>
                 <a:ext uri="{FF2B5EF4-FFF2-40B4-BE49-F238E27FC236}">
-                  <a16:creationId xmlns:a16="http://schemas.microsoft.com/office/drawing/2014/main" id="{3A91728B-0692-4C89-BE40-02A2108CC07B}"/>
+                  <a16:creationId xmlns:a16="http://schemas.microsoft.com/office/drawing/2014/main" id="{F229543C-BFC6-4A6A-A06B-19708719269D}"/>
                 </a:ext>
               </a:extLst>
             </p:cNvPr>
-            <p:cNvPicPr>
-              <a:picLocks noChangeAspect="1"/>
-            </p:cNvPicPr>
+            <p:cNvGrpSpPr/>
             <p:nvPr/>
-          </p:nvPicPr>
-          <p:blipFill>
-            <a:blip r:embed="rId2">
-              <a:extLst>
-                <a:ext uri="{28A0092B-C50C-407E-A947-70E740481C1C}">
-                  <a14:useLocalDpi xmlns:a14="http://schemas.microsoft.com/office/drawing/2010/main" val="0"/>
-                </a:ext>
-              </a:extLst>
-            </a:blip>
-            <a:stretch>
-              <a:fillRect/>
-            </a:stretch>
-          </p:blipFill>
-          <p:spPr>
+          </p:nvGrpSpPr>
+          <p:grpSpPr>
             <a:xfrm>
               <a:off x="0" y="0"/>
               <a:ext cx="12192000" cy="6858000"/>
+              <a:chOff x="0" y="0"/>
+              <a:chExt cx="12192000" cy="6858000"/>
+            </a:xfrm>
+          </p:grpSpPr>
+          <p:grpSp>
+            <p:nvGrpSpPr>
+              <p:cNvPr id="2" name="그룹 1">
+                <a:extLst>
+                  <a:ext uri="{FF2B5EF4-FFF2-40B4-BE49-F238E27FC236}">
+                    <a16:creationId xmlns:a16="http://schemas.microsoft.com/office/drawing/2014/main" id="{B3D71AC4-DEFC-4B58-ACC8-50F8B5B0E8F8}"/>
+                  </a:ext>
+                </a:extLst>
+              </p:cNvPr>
+              <p:cNvGrpSpPr/>
+              <p:nvPr/>
+            </p:nvGrpSpPr>
+            <p:grpSpPr>
+              <a:xfrm>
+                <a:off x="0" y="0"/>
+                <a:ext cx="12192000" cy="6858000"/>
+                <a:chOff x="0" y="0"/>
+                <a:chExt cx="12192000" cy="6858000"/>
+              </a:xfrm>
+            </p:grpSpPr>
+            <p:pic>
+              <p:nvPicPr>
+                <p:cNvPr id="5" name="그림 4" descr="실외, 벽돌, 건축자재이(가) 표시된 사진&#10;&#10;자동 생성된 설명">
+                  <a:extLst>
+                    <a:ext uri="{FF2B5EF4-FFF2-40B4-BE49-F238E27FC236}">
+                      <a16:creationId xmlns:a16="http://schemas.microsoft.com/office/drawing/2014/main" id="{3A91728B-0692-4C89-BE40-02A2108CC07B}"/>
+                    </a:ext>
+                  </a:extLst>
+                </p:cNvPr>
+                <p:cNvPicPr>
+                  <a:picLocks noChangeAspect="1"/>
+                </p:cNvPicPr>
+                <p:nvPr/>
+              </p:nvPicPr>
+              <p:blipFill>
+                <a:blip r:embed="rId2">
+                  <a:extLst>
+                    <a:ext uri="{28A0092B-C50C-407E-A947-70E740481C1C}">
+                      <a14:useLocalDpi xmlns:a14="http://schemas.microsoft.com/office/drawing/2010/main" val="0"/>
+                    </a:ext>
+                  </a:extLst>
+                </a:blip>
+                <a:stretch>
+                  <a:fillRect/>
+                </a:stretch>
+              </p:blipFill>
+              <p:spPr>
+                <a:xfrm>
+                  <a:off x="0" y="0"/>
+                  <a:ext cx="12192000" cy="6858000"/>
+                </a:xfrm>
+                <a:prstGeom prst="rect">
+                  <a:avLst/>
+                </a:prstGeom>
+              </p:spPr>
+            </p:pic>
+            <p:sp>
+              <p:nvSpPr>
+                <p:cNvPr id="6" name="직사각형 5">
+                  <a:extLst>
+                    <a:ext uri="{FF2B5EF4-FFF2-40B4-BE49-F238E27FC236}">
+                      <a16:creationId xmlns:a16="http://schemas.microsoft.com/office/drawing/2014/main" id="{5C154B5E-8981-45F5-9053-9DB4EE50A76E}"/>
+                    </a:ext>
+                  </a:extLst>
+                </p:cNvPr>
+                <p:cNvSpPr/>
+                <p:nvPr/>
+              </p:nvSpPr>
+              <p:spPr>
+                <a:xfrm>
+                  <a:off x="0" y="0"/>
+                  <a:ext cx="12192000" cy="6858000"/>
+                </a:xfrm>
+                <a:prstGeom prst="rect">
+                  <a:avLst/>
+                </a:prstGeom>
+                <a:solidFill>
+                  <a:schemeClr val="tx1">
+                    <a:alpha val="50000"/>
+                  </a:schemeClr>
+                </a:solidFill>
+                <a:ln>
+                  <a:noFill/>
+                </a:ln>
+              </p:spPr>
+              <p:style>
+                <a:lnRef idx="2">
+                  <a:schemeClr val="accent1">
+                    <a:shade val="50000"/>
+                  </a:schemeClr>
+                </a:lnRef>
+                <a:fillRef idx="1">
+                  <a:schemeClr val="accent1"/>
+                </a:fillRef>
+                <a:effectRef idx="0">
+                  <a:schemeClr val="accent1"/>
+                </a:effectRef>
+                <a:fontRef idx="minor">
+                  <a:schemeClr val="lt1"/>
+                </a:fontRef>
+              </p:style>
+              <p:txBody>
+                <a:bodyPr rtlCol="0" anchor="ctr"/>
+                <a:lstStyle/>
+                <a:p>
+                  <a:pPr algn="ctr"/>
+                  <a:endParaRPr lang="ko-KR" altLang="en-US" dirty="0"/>
+                </a:p>
+              </p:txBody>
+            </p:sp>
+          </p:grpSp>
+          <p:sp>
+            <p:nvSpPr>
+              <p:cNvPr id="14" name="직사각형 13">
+                <a:extLst>
+                  <a:ext uri="{FF2B5EF4-FFF2-40B4-BE49-F238E27FC236}">
+                    <a16:creationId xmlns:a16="http://schemas.microsoft.com/office/drawing/2014/main" id="{B47FBA6D-252C-4CB5-85ED-D9E6313710DB}"/>
+                  </a:ext>
+                </a:extLst>
+              </p:cNvPr>
+              <p:cNvSpPr/>
+              <p:nvPr/>
+            </p:nvSpPr>
+            <p:spPr>
+              <a:xfrm>
+                <a:off x="0" y="0"/>
+                <a:ext cx="12192000" cy="1185333"/>
+              </a:xfrm>
+              <a:prstGeom prst="rect">
+                <a:avLst/>
+              </a:prstGeom>
+              <a:solidFill>
+                <a:schemeClr val="bg2">
+                  <a:lumMod val="25000"/>
+                </a:schemeClr>
+              </a:solidFill>
+              <a:ln>
+                <a:noFill/>
+              </a:ln>
+            </p:spPr>
+            <p:style>
+              <a:lnRef idx="2">
+                <a:schemeClr val="accent1">
+                  <a:shade val="50000"/>
+                </a:schemeClr>
+              </a:lnRef>
+              <a:fillRef idx="1">
+                <a:schemeClr val="accent1"/>
+              </a:fillRef>
+              <a:effectRef idx="0">
+                <a:schemeClr val="accent1"/>
+              </a:effectRef>
+              <a:fontRef idx="minor">
+                <a:schemeClr val="lt1"/>
+              </a:fontRef>
+            </p:style>
+            <p:txBody>
+              <a:bodyPr rtlCol="0" anchor="ctr"/>
+              <a:lstStyle/>
+              <a:p>
+                <a:pPr algn="ctr"/>
+                <a:endParaRPr lang="ko-KR" altLang="en-US" dirty="0"/>
+              </a:p>
+            </p:txBody>
+          </p:sp>
+        </p:grpSp>
+        <p:sp>
+          <p:nvSpPr>
+            <p:cNvPr id="13" name="TextBox 12">
+              <a:extLst>
+                <a:ext uri="{FF2B5EF4-FFF2-40B4-BE49-F238E27FC236}">
+                  <a16:creationId xmlns:a16="http://schemas.microsoft.com/office/drawing/2014/main" id="{BB324852-0351-4DCB-881E-22CF5D3B0FCD}"/>
+                </a:ext>
+              </a:extLst>
+            </p:cNvPr>
+            <p:cNvSpPr txBox="1"/>
+            <p:nvPr/>
+          </p:nvSpPr>
+          <p:spPr>
+            <a:xfrm>
+              <a:off x="409675" y="235484"/>
+              <a:ext cx="1810111" cy="714363"/>
             </a:xfrm>
             <a:prstGeom prst="rect">
               <a:avLst/>
             </a:prstGeom>
+            <a:noFill/>
           </p:spPr>
-        </p:pic>
-        <p:sp>
-          <p:nvSpPr>
-            <p:cNvPr id="6" name="직사각형 5">
-              <a:extLst>
-                <a:ext uri="{FF2B5EF4-FFF2-40B4-BE49-F238E27FC236}">
-                  <a16:creationId xmlns:a16="http://schemas.microsoft.com/office/drawing/2014/main" id="{5C154B5E-8981-45F5-9053-9DB4EE50A76E}"/>
-                </a:ext>
-              </a:extLst>
-            </p:cNvPr>
-            <p:cNvSpPr/>
-            <p:nvPr/>
-          </p:nvSpPr>
-          <p:spPr>
-            <a:xfrm>
-              <a:off x="0" y="0"/>
-              <a:ext cx="12192000" cy="6858000"/>
-            </a:xfrm>
-            <a:prstGeom prst="rect">
-              <a:avLst/>
-            </a:prstGeom>
-            <a:solidFill>
-              <a:schemeClr val="tx1">
-                <a:alpha val="50000"/>
-              </a:schemeClr>
-            </a:solidFill>
-            <a:ln>
-              <a:noFill/>
-            </a:ln>
-          </p:spPr>
-          <p:style>
-            <a:lnRef idx="2">
-              <a:schemeClr val="accent1">
-                <a:shade val="50000"/>
-              </a:schemeClr>
-            </a:lnRef>
-            <a:fillRef idx="1">
-              <a:schemeClr val="accent1"/>
-            </a:fillRef>
-            <a:effectRef idx="0">
-              <a:schemeClr val="accent1"/>
-            </a:effectRef>
-            <a:fontRef idx="minor">
-              <a:schemeClr val="lt1"/>
-            </a:fontRef>
-          </p:style>
           <p:txBody>
-            <a:bodyPr rtlCol="0" anchor="ctr"/>
+            <a:bodyPr wrap="none" rtlCol="0">
+              <a:spAutoFit/>
+            </a:bodyPr>
             <a:lstStyle/>
             <a:p>
-              <a:pPr algn="ctr"/>
-              <a:endParaRPr lang="ko-KR" altLang="en-US" dirty="0"/>
+              <a:pPr algn="just" latinLnBrk="1">
+                <a:lnSpc>
+                  <a:spcPct val="107000"/>
+                </a:lnSpc>
+                <a:spcAft>
+                  <a:spcPts val="800"/>
+                </a:spcAft>
+              </a:pPr>
+              <a:r>
+                <a:rPr lang="en-US" altLang="ko-KR" sz="4000" kern="100" dirty="0">
+                  <a:solidFill>
+                    <a:schemeClr val="bg1"/>
+                  </a:solidFill>
+                  <a:latin typeface="에스코어 드림 4 Regular" panose="020B0503030302020204" pitchFamily="34" charset="-127"/>
+                  <a:ea typeface="에스코어 드림 4 Regular" panose="020B0503030302020204" pitchFamily="34" charset="-127"/>
+                  <a:cs typeface="Times New Roman" panose="02020603050405020304" pitchFamily="18" charset="0"/>
+                </a:rPr>
+                <a:t>5</a:t>
+              </a:r>
+              <a:r>
+                <a:rPr lang="en-US" altLang="ko-KR" sz="4000" kern="100" dirty="0">
+                  <a:solidFill>
+                    <a:schemeClr val="bg1"/>
+                  </a:solidFill>
+                  <a:effectLst/>
+                  <a:latin typeface="에스코어 드림 4 Regular" panose="020B0503030302020204" pitchFamily="34" charset="-127"/>
+                  <a:ea typeface="에스코어 드림 4 Regular" panose="020B0503030302020204" pitchFamily="34" charset="-127"/>
+                  <a:cs typeface="Times New Roman" panose="02020603050405020304" pitchFamily="18" charset="0"/>
+                </a:rPr>
+                <a:t>) </a:t>
+              </a:r>
+              <a:r>
+                <a:rPr lang="ko-KR" altLang="en-US" sz="4000" kern="100" dirty="0">
+                  <a:solidFill>
+                    <a:schemeClr val="bg1"/>
+                  </a:solidFill>
+                  <a:effectLst/>
+                  <a:latin typeface="에스코어 드림 4 Regular" panose="020B0503030302020204" pitchFamily="34" charset="-127"/>
+                  <a:ea typeface="에스코어 드림 4 Regular" panose="020B0503030302020204" pitchFamily="34" charset="-127"/>
+                  <a:cs typeface="Times New Roman" panose="02020603050405020304" pitchFamily="18" charset="0"/>
+                </a:rPr>
+                <a:t>총평</a:t>
+              </a:r>
+              <a:endParaRPr lang="ko-KR" altLang="ko-KR" sz="4000" kern="100" dirty="0">
+                <a:solidFill>
+                  <a:schemeClr val="bg1"/>
+                </a:solidFill>
+                <a:effectLst/>
+                <a:latin typeface="에스코어 드림 4 Regular" panose="020B0503030302020204" pitchFamily="34" charset="-127"/>
+                <a:ea typeface="에스코어 드림 4 Regular" panose="020B0503030302020204" pitchFamily="34" charset="-127"/>
+                <a:cs typeface="Times New Roman" panose="02020603050405020304" pitchFamily="18" charset="0"/>
+              </a:endParaRPr>
             </a:p>
           </p:txBody>
         </p:sp>
       </p:grpSp>
       <p:sp>
         <p:nvSpPr>
-          <p:cNvPr id="3" name="직사각형 2">
-            <a:extLst>
-              <a:ext uri="{FF2B5EF4-FFF2-40B4-BE49-F238E27FC236}">
-                <a16:creationId xmlns:a16="http://schemas.microsoft.com/office/drawing/2014/main" id="{23767F80-7CA6-4714-B890-AAF7B314A329}"/>
+          <p:cNvPr id="16" name="직사각형 15">
+            <a:extLst>
+              <a:ext uri="{FF2B5EF4-FFF2-40B4-BE49-F238E27FC236}">
+                <a16:creationId xmlns:a16="http://schemas.microsoft.com/office/drawing/2014/main" id="{1BF64061-365B-48E5-A23B-E5B660D4A6DB}"/>
               </a:ext>
             </a:extLst>
           </p:cNvPr>
@@ -6425,19 +10237,19 @@
         </p:nvSpPr>
         <p:spPr>
           <a:xfrm>
-            <a:off x="0" y="0"/>
-            <a:ext cx="12192000" cy="1185333"/>
+            <a:off x="282204" y="1435150"/>
+            <a:ext cx="11627224" cy="5297344"/>
           </a:xfrm>
           <a:prstGeom prst="rect">
             <a:avLst/>
           </a:prstGeom>
           <a:solidFill>
-            <a:schemeClr val="bg1">
-              <a:lumMod val="75000"/>
-            </a:schemeClr>
+            <a:schemeClr val="tx1"/>
           </a:solidFill>
           <a:ln>
-            <a:noFill/>
+            <a:solidFill>
+              <a:schemeClr val="bg1"/>
+            </a:solidFill>
           </a:ln>
         </p:spPr>
         <p:style>
@@ -6461,48 +10273,7 @@
           <a:lstStyle/>
           <a:p>
             <a:pPr algn="ctr"/>
-            <a:endParaRPr lang="ko-KR" altLang="en-US" dirty="0"/>
-          </a:p>
-        </p:txBody>
-      </p:sp>
-      <p:sp>
-        <p:nvSpPr>
-          <p:cNvPr id="7" name="TextBox 6">
-            <a:extLst>
-              <a:ext uri="{FF2B5EF4-FFF2-40B4-BE49-F238E27FC236}">
-                <a16:creationId xmlns:a16="http://schemas.microsoft.com/office/drawing/2014/main" id="{F0268627-1804-4EB7-8309-96FA8B911901}"/>
-              </a:ext>
-            </a:extLst>
-          </p:cNvPr>
-          <p:cNvSpPr txBox="1"/>
-          <p:nvPr/>
-        </p:nvSpPr>
-        <p:spPr>
-          <a:xfrm>
-            <a:off x="541870" y="270304"/>
-            <a:ext cx="1059906" cy="707886"/>
-          </a:xfrm>
-          <a:prstGeom prst="rect">
-            <a:avLst/>
-          </a:prstGeom>
-          <a:noFill/>
-        </p:spPr>
-        <p:txBody>
-          <a:bodyPr wrap="none" rtlCol="0">
-            <a:spAutoFit/>
-          </a:bodyPr>
-          <a:lstStyle/>
-          <a:p>
-            <a:r>
-              <a:rPr lang="ko-KR" altLang="en-US" sz="4000" b="1" dirty="0">
-                <a:solidFill>
-                  <a:schemeClr val="bg1"/>
-                </a:solidFill>
-                <a:latin typeface="메이플스토리" panose="02000800000000000000" pitchFamily="2" charset="-127"/>
-                <a:ea typeface="메이플스토리" panose="02000800000000000000" pitchFamily="2" charset="-127"/>
-              </a:rPr>
-              <a:t>총평</a:t>
-            </a:r>
+            <a:endParaRPr lang="ko-KR" altLang="en-US"/>
           </a:p>
         </p:txBody>
       </p:sp>
@@ -6834,7 +10605,7 @@
         <p:spPr>
           <a:xfrm>
             <a:off x="409675" y="4591260"/>
-            <a:ext cx="10998524" cy="707886"/>
+            <a:ext cx="9918100" cy="707886"/>
           </a:xfrm>
           <a:prstGeom prst="rect">
             <a:avLst/>
@@ -6878,10 +10649,34 @@
                 <a:latin typeface="여기어때 잘난체 OTF" panose="020B0600000101010101" pitchFamily="34" charset="-127"/>
                 <a:ea typeface="여기어때 잘난체 OTF" panose="020B0600000101010101" pitchFamily="34" charset="-127"/>
               </a:rPr>
-              <a:t>팀원들과 커뮤니케이션이 매우 잘 됐다</a:t>
-            </a:r>
-            <a:r>
-              <a:rPr lang="en-US" altLang="ko-KR" sz="1600" b="0" i="0" dirty="0">
+              <a:t>게임잼 때 모였던 팀원 그대로 구성해서 게임개발을 하게 되었는데 그때보다 훨씬 좋은 게임이 </a:t>
+            </a:r>
+            <a:endParaRPr lang="en-US" altLang="ko-KR" sz="1600" b="0" i="0" dirty="0">
+              <a:solidFill>
+                <a:schemeClr val="bg1">
+                  <a:lumMod val="85000"/>
+                </a:schemeClr>
+              </a:solidFill>
+              <a:effectLst/>
+              <a:latin typeface="여기어때 잘난체 OTF" panose="020B0600000101010101" pitchFamily="34" charset="-127"/>
+              <a:ea typeface="여기어때 잘난체 OTF" panose="020B0600000101010101" pitchFamily="34" charset="-127"/>
+            </a:endParaRPr>
+          </a:p>
+          <a:p>
+            <a:r>
+              <a:rPr lang="en-US" altLang="ko-KR" sz="1600" dirty="0">
+                <a:solidFill>
+                  <a:schemeClr val="bg1">
+                    <a:lumMod val="85000"/>
+                  </a:schemeClr>
+                </a:solidFill>
+                <a:latin typeface="여기어때 잘난체 OTF" panose="020B0600000101010101" pitchFamily="34" charset="-127"/>
+                <a:ea typeface="여기어때 잘난체 OTF" panose="020B0600000101010101" pitchFamily="34" charset="-127"/>
+              </a:rPr>
+              <a:t>	     </a:t>
+            </a:r>
+            <a:r>
+              <a:rPr lang="ko-KR" altLang="en-US" sz="1600" b="0" i="0" dirty="0">
                 <a:solidFill>
                   <a:schemeClr val="bg1">
                     <a:lumMod val="85000"/>
@@ -6891,99 +10686,7 @@
                 <a:latin typeface="여기어때 잘난체 OTF" panose="020B0600000101010101" pitchFamily="34" charset="-127"/>
                 <a:ea typeface="여기어때 잘난체 OTF" panose="020B0600000101010101" pitchFamily="34" charset="-127"/>
               </a:rPr>
-              <a:t>. </a:t>
-            </a:r>
-            <a:r>
-              <a:rPr lang="ko-KR" altLang="en-US" sz="1600" b="0" i="0" dirty="0">
-                <a:solidFill>
-                  <a:schemeClr val="bg1">
-                    <a:lumMod val="85000"/>
-                  </a:schemeClr>
-                </a:solidFill>
-                <a:effectLst/>
-                <a:latin typeface="여기어때 잘난체 OTF" panose="020B0600000101010101" pitchFamily="34" charset="-127"/>
-                <a:ea typeface="여기어때 잘난체 OTF" panose="020B0600000101010101" pitchFamily="34" charset="-127"/>
-              </a:rPr>
-              <a:t>팀의 기획자들이 적극적으로 기획적인 부분을 추진해나갔다</a:t>
-            </a:r>
-            <a:r>
-              <a:rPr lang="en-US" altLang="ko-KR" sz="1600" b="0" i="0" dirty="0">
-                <a:solidFill>
-                  <a:schemeClr val="bg1">
-                    <a:lumMod val="85000"/>
-                  </a:schemeClr>
-                </a:solidFill>
-                <a:effectLst/>
-                <a:latin typeface="여기어때 잘난체 OTF" panose="020B0600000101010101" pitchFamily="34" charset="-127"/>
-                <a:ea typeface="여기어때 잘난체 OTF" panose="020B0600000101010101" pitchFamily="34" charset="-127"/>
-              </a:rPr>
-              <a:t>. </a:t>
-            </a:r>
-          </a:p>
-          <a:p>
-            <a:r>
-              <a:rPr lang="en-US" altLang="ko-KR" sz="1600" dirty="0">
-                <a:solidFill>
-                  <a:schemeClr val="bg1">
-                    <a:lumMod val="85000"/>
-                  </a:schemeClr>
-                </a:solidFill>
-                <a:latin typeface="여기어때 잘난체 OTF" panose="020B0600000101010101" pitchFamily="34" charset="-127"/>
-                <a:ea typeface="여기어때 잘난체 OTF" panose="020B0600000101010101" pitchFamily="34" charset="-127"/>
-              </a:rPr>
-              <a:t>	      </a:t>
-            </a:r>
-            <a:r>
-              <a:rPr lang="ko-KR" altLang="en-US" sz="1600" b="0" i="0" dirty="0">
-                <a:solidFill>
-                  <a:schemeClr val="bg1">
-                    <a:lumMod val="85000"/>
-                  </a:schemeClr>
-                </a:solidFill>
-                <a:effectLst/>
-                <a:latin typeface="여기어때 잘난체 OTF" panose="020B0600000101010101" pitchFamily="34" charset="-127"/>
-                <a:ea typeface="여기어때 잘난체 OTF" panose="020B0600000101010101" pitchFamily="34" charset="-127"/>
-              </a:rPr>
-              <a:t>때문에 기획적 부분의 틀이 빠르게 자리잡아</a:t>
-            </a:r>
-            <a:r>
-              <a:rPr lang="en-US" altLang="ko-KR" sz="1600" b="0" i="0" dirty="0">
-                <a:solidFill>
-                  <a:schemeClr val="bg1">
-                    <a:lumMod val="85000"/>
-                  </a:schemeClr>
-                </a:solidFill>
-                <a:effectLst/>
-                <a:latin typeface="여기어때 잘난체 OTF" panose="020B0600000101010101" pitchFamily="34" charset="-127"/>
-                <a:ea typeface="여기어때 잘난체 OTF" panose="020B0600000101010101" pitchFamily="34" charset="-127"/>
-              </a:rPr>
-              <a:t>, </a:t>
-            </a:r>
-            <a:r>
-              <a:rPr lang="ko-KR" altLang="en-US" sz="1600" b="0" i="0" dirty="0">
-                <a:solidFill>
-                  <a:schemeClr val="bg1">
-                    <a:lumMod val="85000"/>
-                  </a:schemeClr>
-                </a:solidFill>
-                <a:effectLst/>
-                <a:latin typeface="여기어때 잘난체 OTF" panose="020B0600000101010101" pitchFamily="34" charset="-127"/>
-                <a:ea typeface="여기어때 잘난체 OTF" panose="020B0600000101010101" pitchFamily="34" charset="-127"/>
-              </a:rPr>
-              <a:t>수월한 환경에서 평탄하게 게임 개발을 이어 나갈 수 있었다</a:t>
-            </a:r>
-            <a:r>
-              <a:rPr lang="en-US" altLang="ko-KR" sz="1600" b="0" i="0" dirty="0">
-                <a:solidFill>
-                  <a:schemeClr val="bg1">
-                    <a:lumMod val="85000"/>
-                  </a:schemeClr>
-                </a:solidFill>
-                <a:effectLst/>
-                <a:latin typeface="여기어때 잘난체 OTF" panose="020B0600000101010101" pitchFamily="34" charset="-127"/>
-                <a:ea typeface="여기어때 잘난체 OTF" panose="020B0600000101010101" pitchFamily="34" charset="-127"/>
-              </a:rPr>
-              <a:t>.</a:t>
+              <a:t>결과물로 나와서 뿌듯했다</a:t>
             </a:r>
             <a:endParaRPr lang="ko-KR" altLang="en-US" sz="1600" b="1" dirty="0">
               <a:solidFill>
@@ -7055,31 +10758,7 @@
                 <a:latin typeface="여기어때 잘난체 OTF" panose="020B0600000101010101" pitchFamily="34" charset="-127"/>
                 <a:ea typeface="여기어때 잘난체 OTF" panose="020B0600000101010101" pitchFamily="34" charset="-127"/>
               </a:rPr>
-              <a:t>프로그래밍을 혼자 했기에 어려운 감이 </a:t>
-            </a:r>
-            <a:r>
-              <a:rPr lang="ko-KR" altLang="en-US" sz="1600" dirty="0" err="1">
-                <a:solidFill>
-                  <a:schemeClr val="bg1">
-                    <a:lumMod val="85000"/>
-                  </a:schemeClr>
-                </a:solidFill>
-                <a:latin typeface="여기어때 잘난체 OTF" panose="020B0600000101010101" pitchFamily="34" charset="-127"/>
-                <a:ea typeface="여기어때 잘난체 OTF" panose="020B0600000101010101" pitchFamily="34" charset="-127"/>
-              </a:rPr>
-              <a:t>없잖아</a:t>
-            </a:r>
-            <a:r>
-              <a:rPr lang="ko-KR" altLang="en-US" sz="1600" dirty="0">
-                <a:solidFill>
-                  <a:schemeClr val="bg1">
-                    <a:lumMod val="85000"/>
-                  </a:schemeClr>
-                </a:solidFill>
-                <a:latin typeface="여기어때 잘난체 OTF" panose="020B0600000101010101" pitchFamily="34" charset="-127"/>
-                <a:ea typeface="여기어때 잘난체 OTF" panose="020B0600000101010101" pitchFamily="34" charset="-127"/>
-              </a:rPr>
-              <a:t> 있었지만</a:t>
+              <a:t>프로그래밍을 혼자 했기에 어려운 감이 없잖아 있었지만</a:t>
             </a:r>
             <a:r>
               <a:rPr lang="en-US" altLang="ko-KR" sz="1600" dirty="0">
@@ -7199,7 +10878,7 @@
     </p:spTree>
     <p:extLst>
       <p:ext uri="{BB962C8B-B14F-4D97-AF65-F5344CB8AC3E}">
-        <p14:creationId xmlns:p14="http://schemas.microsoft.com/office/powerpoint/2010/main" val="2032193545"/>
+        <p14:creationId xmlns:p14="http://schemas.microsoft.com/office/powerpoint/2010/main" val="73256253"/>
       </p:ext>
     </p:extLst>
   </p:cSld>

--- a/Presentation/AGIS 발표자료.pptx
+++ b/Presentation/AGIS 발표자료.pptx
@@ -10310,8 +10310,8 @@
                 <a:solidFill>
                   <a:schemeClr val="bg1"/>
                 </a:solidFill>
-                <a:latin typeface="여기어때 잘난체 OTF" panose="020B0600000101010101" pitchFamily="34" charset="-127"/>
-                <a:ea typeface="여기어때 잘난체 OTF" panose="020B0600000101010101" pitchFamily="34" charset="-127"/>
+                <a:latin typeface="에스코어 드림 8 Heavy" panose="020B0903030302020204" pitchFamily="34" charset="-127"/>
+                <a:ea typeface="에스코어 드림 8 Heavy" panose="020B0903030302020204" pitchFamily="34" charset="-127"/>
               </a:rPr>
               <a:t>팀원들의 말말말</a:t>
             </a:r>
@@ -10333,7 +10333,7 @@
         <p:spPr>
           <a:xfrm>
             <a:off x="409675" y="2641236"/>
-            <a:ext cx="10570522" cy="707886"/>
+            <a:ext cx="10325262" cy="707886"/>
           </a:xfrm>
           <a:prstGeom prst="rect">
             <a:avLst/>
@@ -10347,111 +10347,129 @@
           <a:lstStyle/>
           <a:p>
             <a:r>
+              <a:rPr lang="ko-KR" altLang="en-US" sz="2400" dirty="0">
+                <a:solidFill>
+                  <a:schemeClr val="bg1"/>
+                </a:solidFill>
+                <a:latin typeface="에스코어 드림 4 Regular" panose="020B0503030302020204" pitchFamily="34" charset="-127"/>
+                <a:ea typeface="에스코어 드림 4 Regular" panose="020B0503030302020204" pitchFamily="34" charset="-127"/>
+              </a:rPr>
+              <a:t>남상현</a:t>
+            </a:r>
+            <a:r>
               <a:rPr lang="ko-KR" altLang="en-US" sz="2400" b="1" dirty="0">
                 <a:solidFill>
                   <a:schemeClr val="bg1"/>
                 </a:solidFill>
-                <a:latin typeface="여기어때 잘난체 OTF" panose="020B0600000101010101" pitchFamily="34" charset="-127"/>
-                <a:ea typeface="여기어때 잘난체 OTF" panose="020B0600000101010101" pitchFamily="34" charset="-127"/>
+                <a:latin typeface="에스코어 드림 4 Regular" panose="020B0503030302020204" pitchFamily="34" charset="-127"/>
+                <a:ea typeface="에스코어 드림 4 Regular" panose="020B0503030302020204" pitchFamily="34" charset="-127"/>
               </a:rPr>
-              <a:t>남상현 </a:t>
+              <a:t> </a:t>
             </a:r>
             <a:r>
               <a:rPr lang="en-US" altLang="ko-KR" sz="2400" b="1" dirty="0">
                 <a:solidFill>
                   <a:schemeClr val="bg1"/>
                 </a:solidFill>
-                <a:latin typeface="여기어때 잘난체 OTF" panose="020B0600000101010101" pitchFamily="34" charset="-127"/>
-                <a:ea typeface="여기어때 잘난체 OTF" panose="020B0600000101010101" pitchFamily="34" charset="-127"/>
+                <a:latin typeface="에스코어 드림 4 Regular" panose="020B0503030302020204" pitchFamily="34" charset="-127"/>
+                <a:ea typeface="에스코어 드림 4 Regular" panose="020B0503030302020204" pitchFamily="34" charset="-127"/>
               </a:rPr>
               <a:t>: </a:t>
             </a:r>
             <a:r>
-              <a:rPr lang="ko-KR" altLang="en-US" sz="1600" b="1" dirty="0">
+              <a:rPr lang="ko-KR" altLang="en-US" sz="1600" dirty="0">
                 <a:solidFill>
                   <a:schemeClr val="bg1">
                     <a:lumMod val="85000"/>
                   </a:schemeClr>
                 </a:solidFill>
-                <a:ea typeface="여기어때 잘난체 OTF" panose="020B0600000101010101" pitchFamily="34" charset="-127"/>
+                <a:latin typeface="에스코어 드림 1 Thin" panose="020B0403030302020204" pitchFamily="34" charset="-127"/>
+                <a:ea typeface="에스코어 드림 1 Thin" panose="020B0403030302020204" pitchFamily="34" charset="-127"/>
               </a:rPr>
               <a:t>좋은 팀원들이기에 부담도 많이 되었지만 그래도 재밌게 프로젝트를 끝낼 수 있어서 다행인 거 같다</a:t>
             </a:r>
             <a:r>
-              <a:rPr lang="en-US" altLang="ko-KR" sz="1600" b="1" dirty="0">
+              <a:rPr lang="en-US" altLang="ko-KR" sz="1600" dirty="0">
                 <a:solidFill>
                   <a:schemeClr val="bg1">
                     <a:lumMod val="85000"/>
                   </a:schemeClr>
                 </a:solidFill>
-                <a:ea typeface="여기어때 잘난체 OTF" panose="020B0600000101010101" pitchFamily="34" charset="-127"/>
+                <a:latin typeface="에스코어 드림 1 Thin" panose="020B0403030302020204" pitchFamily="34" charset="-127"/>
+                <a:ea typeface="에스코어 드림 1 Thin" panose="020B0403030302020204" pitchFamily="34" charset="-127"/>
               </a:rPr>
               <a:t>.</a:t>
             </a:r>
           </a:p>
           <a:p>
             <a:r>
-              <a:rPr lang="en-US" altLang="ko-KR" sz="1600" b="1" dirty="0">
+              <a:rPr lang="en-US" altLang="ko-KR" sz="1600" dirty="0">
                 <a:solidFill>
                   <a:schemeClr val="bg1">
                     <a:lumMod val="85000"/>
                   </a:schemeClr>
                 </a:solidFill>
-                <a:ea typeface="여기어때 잘난체 OTF" panose="020B0600000101010101" pitchFamily="34" charset="-127"/>
+                <a:latin typeface="에스코어 드림 1 Thin" panose="020B0403030302020204" pitchFamily="34" charset="-127"/>
+                <a:ea typeface="에스코어 드림 1 Thin" panose="020B0403030302020204" pitchFamily="34" charset="-127"/>
               </a:rPr>
               <a:t>	    </a:t>
             </a:r>
             <a:r>
-              <a:rPr lang="ko-KR" altLang="en-US" sz="1600" b="1" dirty="0">
+              <a:rPr lang="ko-KR" altLang="en-US" sz="1600" dirty="0">
                 <a:solidFill>
                   <a:schemeClr val="bg1">
                     <a:lumMod val="85000"/>
                   </a:schemeClr>
                 </a:solidFill>
-                <a:ea typeface="여기어때 잘난체 OTF" panose="020B0600000101010101" pitchFamily="34" charset="-127"/>
+                <a:latin typeface="에스코어 드림 1 Thin" panose="020B0403030302020204" pitchFamily="34" charset="-127"/>
+                <a:ea typeface="에스코어 드림 1 Thin" panose="020B0403030302020204" pitchFamily="34" charset="-127"/>
               </a:rPr>
               <a:t>만약 다시 한 번 함께 할 기회가 있다면</a:t>
             </a:r>
             <a:r>
-              <a:rPr lang="en-US" altLang="ko-KR" sz="1600" b="1" dirty="0">
+              <a:rPr lang="en-US" altLang="ko-KR" sz="1600" dirty="0">
                 <a:solidFill>
                   <a:schemeClr val="bg1">
                     <a:lumMod val="85000"/>
                   </a:schemeClr>
                 </a:solidFill>
-                <a:ea typeface="여기어때 잘난체 OTF" panose="020B0600000101010101" pitchFamily="34" charset="-127"/>
+                <a:latin typeface="에스코어 드림 1 Thin" panose="020B0403030302020204" pitchFamily="34" charset="-127"/>
+                <a:ea typeface="에스코어 드림 1 Thin" panose="020B0403030302020204" pitchFamily="34" charset="-127"/>
               </a:rPr>
               <a:t>, </a:t>
             </a:r>
             <a:r>
-              <a:rPr lang="ko-KR" altLang="en-US" sz="1600" b="1" dirty="0">
+              <a:rPr lang="ko-KR" altLang="en-US" sz="1600" dirty="0">
                 <a:solidFill>
                   <a:schemeClr val="bg1">
                     <a:lumMod val="85000"/>
                   </a:schemeClr>
                 </a:solidFill>
-                <a:ea typeface="여기어때 잘난체 OTF" panose="020B0600000101010101" pitchFamily="34" charset="-127"/>
+                <a:latin typeface="에스코어 드림 1 Thin" panose="020B0403030302020204" pitchFamily="34" charset="-127"/>
+                <a:ea typeface="에스코어 드림 1 Thin" panose="020B0403030302020204" pitchFamily="34" charset="-127"/>
               </a:rPr>
               <a:t>함께하고 싶다</a:t>
             </a:r>
             <a:r>
-              <a:rPr lang="en-US" altLang="ko-KR" sz="1600" b="1" dirty="0">
+              <a:rPr lang="en-US" altLang="ko-KR" sz="1600" dirty="0">
                 <a:solidFill>
                   <a:schemeClr val="bg1">
                     <a:lumMod val="85000"/>
                   </a:schemeClr>
                 </a:solidFill>
-                <a:ea typeface="여기어때 잘난체 OTF" panose="020B0600000101010101" pitchFamily="34" charset="-127"/>
+                <a:latin typeface="에스코어 드림 1 Thin" panose="020B0403030302020204" pitchFamily="34" charset="-127"/>
+                <a:ea typeface="에스코어 드림 1 Thin" panose="020B0403030302020204" pitchFamily="34" charset="-127"/>
               </a:rPr>
               <a:t>. </a:t>
             </a:r>
-            <a:endParaRPr lang="ko-KR" altLang="en-US" sz="1600" b="1" dirty="0">
+            <a:endParaRPr lang="ko-KR" altLang="en-US" sz="1600" dirty="0">
               <a:solidFill>
                 <a:schemeClr val="bg1">
                   <a:lumMod val="85000"/>
                 </a:schemeClr>
               </a:solidFill>
-              <a:ea typeface="여기어때 잘난체 OTF" panose="020B0600000101010101" pitchFamily="34" charset="-127"/>
+              <a:latin typeface="에스코어 드림 1 Thin" panose="020B0403030302020204" pitchFamily="34" charset="-127"/>
+              <a:ea typeface="에스코어 드림 1 Thin" panose="020B0403030302020204" pitchFamily="34" charset="-127"/>
             </a:endParaRPr>
           </a:p>
         </p:txBody>
@@ -10485,22 +10503,22 @@
           <a:lstStyle/>
           <a:p>
             <a:r>
-              <a:rPr lang="ko-KR" altLang="en-US" sz="2400" b="1" dirty="0">
+              <a:rPr lang="ko-KR" altLang="en-US" sz="2400" dirty="0">
                 <a:solidFill>
                   <a:schemeClr val="bg1"/>
                 </a:solidFill>
-                <a:latin typeface="여기어때 잘난체 OTF" panose="020B0600000101010101" pitchFamily="34" charset="-127"/>
-                <a:ea typeface="여기어때 잘난체 OTF" panose="020B0600000101010101" pitchFamily="34" charset="-127"/>
+                <a:latin typeface="에스코어 드림 4 Regular" panose="020B0503030302020204" pitchFamily="34" charset="-127"/>
+                <a:ea typeface="에스코어 드림 4 Regular" panose="020B0503030302020204" pitchFamily="34" charset="-127"/>
               </a:rPr>
               <a:t>유지호 </a:t>
             </a:r>
             <a:r>
-              <a:rPr lang="en-US" altLang="ko-KR" sz="2400" b="1" dirty="0">
+              <a:rPr lang="en-US" altLang="ko-KR" sz="2400" dirty="0">
                 <a:solidFill>
                   <a:schemeClr val="bg1"/>
                 </a:solidFill>
-                <a:latin typeface="여기어때 잘난체 OTF" panose="020B0600000101010101" pitchFamily="34" charset="-127"/>
-                <a:ea typeface="여기어때 잘난체 OTF" panose="020B0600000101010101" pitchFamily="34" charset="-127"/>
+                <a:latin typeface="에스코어 드림 4 Regular" panose="020B0503030302020204" pitchFamily="34" charset="-127"/>
+                <a:ea typeface="에스코어 드림 4 Regular" panose="020B0503030302020204" pitchFamily="34" charset="-127"/>
               </a:rPr>
               <a:t>: </a:t>
             </a:r>
@@ -10510,8 +10528,8 @@
                   <a:srgbClr val="DCDDDE"/>
                 </a:solidFill>
                 <a:effectLst/>
-                <a:latin typeface="여기어때 잘난체 OTF" panose="020B0600000101010101" pitchFamily="34" charset="-127"/>
-                <a:ea typeface="여기어때 잘난체 OTF" panose="020B0600000101010101" pitchFamily="34" charset="-127"/>
+                <a:latin typeface="에스코어 드림 1 Thin" panose="020B0403030302020204" pitchFamily="34" charset="-127"/>
+                <a:ea typeface="에스코어 드림 1 Thin" panose="020B0403030302020204" pitchFamily="34" charset="-127"/>
               </a:rPr>
               <a:t>처음에 기획했던 게임은 스토리도 있어서 기획하기 힘들었지만 결정한 하이퍼 캐주얼 장르라서 </a:t>
             </a:r>
@@ -10520,8 +10538,8 @@
                 <a:srgbClr val="DCDDDE"/>
               </a:solidFill>
               <a:effectLst/>
-              <a:latin typeface="여기어때 잘난체 OTF" panose="020B0600000101010101" pitchFamily="34" charset="-127"/>
-              <a:ea typeface="여기어때 잘난체 OTF" panose="020B0600000101010101" pitchFamily="34" charset="-127"/>
+              <a:latin typeface="에스코어 드림 1 Thin" panose="020B0403030302020204" pitchFamily="34" charset="-127"/>
+              <a:ea typeface="에스코어 드림 1 Thin" panose="020B0403030302020204" pitchFamily="34" charset="-127"/>
             </a:endParaRPr>
           </a:p>
           <a:p>
@@ -10531,10 +10549,10 @@
                   <a:srgbClr val="DCDDDE"/>
                 </a:solidFill>
                 <a:effectLst/>
-                <a:latin typeface="여기어때 잘난체 OTF" panose="020B0600000101010101" pitchFamily="34" charset="-127"/>
-                <a:ea typeface="여기어때 잘난체 OTF" panose="020B0600000101010101" pitchFamily="34" charset="-127"/>
+                <a:latin typeface="에스코어 드림 1 Thin" panose="020B0403030302020204" pitchFamily="34" charset="-127"/>
+                <a:ea typeface="에스코어 드림 1 Thin" panose="020B0403030302020204" pitchFamily="34" charset="-127"/>
               </a:rPr>
-              <a:t>	      </a:t>
+              <a:t>	    </a:t>
             </a:r>
             <a:r>
               <a:rPr lang="ko-KR" altLang="en-US" sz="1600" b="0" i="0" dirty="0">
@@ -10542,10 +10560,20 @@
                   <a:srgbClr val="DCDDDE"/>
                 </a:solidFill>
                 <a:effectLst/>
-                <a:latin typeface="여기어때 잘난체 OTF" panose="020B0600000101010101" pitchFamily="34" charset="-127"/>
-                <a:ea typeface="여기어때 잘난체 OTF" panose="020B0600000101010101" pitchFamily="34" charset="-127"/>
+                <a:latin typeface="에스코어 드림 1 Thin" panose="020B0403030302020204" pitchFamily="34" charset="-127"/>
+                <a:ea typeface="에스코어 드림 1 Thin" panose="020B0403030302020204" pitchFamily="34" charset="-127"/>
               </a:rPr>
-              <a:t>전보다 기획이 쉬워져서 좋았다</a:t>
+              <a:t>전보다 기획이 쉬워져서 좋았고</a:t>
+            </a:r>
+            <a:r>
+              <a:rPr lang="en-US" altLang="ko-KR" sz="1600" dirty="0">
+                <a:solidFill>
+                  <a:srgbClr val="DCDDDE"/>
+                </a:solidFill>
+                <a:latin typeface="에스코어 드림 1 Thin" panose="020B0403030302020204" pitchFamily="34" charset="-127"/>
+                <a:ea typeface="에스코어 드림 1 Thin" panose="020B0403030302020204" pitchFamily="34" charset="-127"/>
+              </a:rPr>
+              <a:t>,</a:t>
             </a:r>
             <a:r>
               <a:rPr lang="en-US" altLang="ko-KR" sz="1600" b="0" i="0" dirty="0">
@@ -10553,10 +10581,10 @@
                   <a:srgbClr val="DCDDDE"/>
                 </a:solidFill>
                 <a:effectLst/>
-                <a:latin typeface="여기어때 잘난체 OTF" panose="020B0600000101010101" pitchFamily="34" charset="-127"/>
-                <a:ea typeface="여기어때 잘난체 OTF" panose="020B0600000101010101" pitchFamily="34" charset="-127"/>
+                <a:latin typeface="에스코어 드림 1 Thin" panose="020B0403030302020204" pitchFamily="34" charset="-127"/>
+                <a:ea typeface="에스코어 드림 1 Thin" panose="020B0403030302020204" pitchFamily="34" charset="-127"/>
               </a:rPr>
-              <a:t>. </a:t>
+              <a:t> </a:t>
             </a:r>
             <a:r>
               <a:rPr lang="ko-KR" altLang="en-US" sz="1600" b="0" i="0" dirty="0">
@@ -10564,10 +10592,10 @@
                   <a:srgbClr val="DCDDDE"/>
                 </a:solidFill>
                 <a:effectLst/>
-                <a:latin typeface="여기어때 잘난체 OTF" panose="020B0600000101010101" pitchFamily="34" charset="-127"/>
-                <a:ea typeface="여기어때 잘난체 OTF" panose="020B0600000101010101" pitchFamily="34" charset="-127"/>
+                <a:latin typeface="에스코어 드림 1 Thin" panose="020B0403030302020204" pitchFamily="34" charset="-127"/>
+                <a:ea typeface="에스코어 드림 1 Thin" panose="020B0403030302020204" pitchFamily="34" charset="-127"/>
               </a:rPr>
-              <a:t>게임이 참신한 거 같아서 좋은 게임이 나올 거 같았다</a:t>
+              <a:t>게임이 참신한 거 같아서 좋은 게임이 나왔다</a:t>
             </a:r>
             <a:r>
               <a:rPr lang="en-US" altLang="ko-KR" sz="1600" b="0" i="0" dirty="0">
@@ -10575,8 +10603,8 @@
                   <a:srgbClr val="DCDDDE"/>
                 </a:solidFill>
                 <a:effectLst/>
-                <a:latin typeface="여기어때 잘난체 OTF" panose="020B0600000101010101" pitchFamily="34" charset="-127"/>
-                <a:ea typeface="여기어때 잘난체 OTF" panose="020B0600000101010101" pitchFamily="34" charset="-127"/>
+                <a:latin typeface="에스코어 드림 1 Thin" panose="020B0403030302020204" pitchFamily="34" charset="-127"/>
+                <a:ea typeface="에스코어 드림 1 Thin" panose="020B0403030302020204" pitchFamily="34" charset="-127"/>
               </a:rPr>
               <a:t>.</a:t>
             </a:r>
@@ -10584,8 +10612,8 @@
               <a:solidFill>
                 <a:schemeClr val="bg1"/>
               </a:solidFill>
-              <a:latin typeface="여기어때 잘난체 OTF" panose="020B0600000101010101" pitchFamily="34" charset="-127"/>
-              <a:ea typeface="여기어때 잘난체 OTF" panose="020B0600000101010101" pitchFamily="34" charset="-127"/>
+              <a:latin typeface="에스코어 드림 1 Thin" panose="020B0403030302020204" pitchFamily="34" charset="-127"/>
+              <a:ea typeface="에스코어 드림 1 Thin" panose="020B0403030302020204" pitchFamily="34" charset="-127"/>
             </a:endParaRPr>
           </a:p>
         </p:txBody>
@@ -10623,8 +10651,8 @@
                 <a:solidFill>
                   <a:schemeClr val="bg1"/>
                 </a:solidFill>
-                <a:latin typeface="여기어때 잘난체 OTF" panose="020B0600000101010101" pitchFamily="34" charset="-127"/>
-                <a:ea typeface="여기어때 잘난체 OTF" panose="020B0600000101010101" pitchFamily="34" charset="-127"/>
+                <a:latin typeface="에스코어 드림 4 Regular" panose="020B0503030302020204" pitchFamily="34" charset="-127"/>
+                <a:ea typeface="에스코어 드림 4 Regular" panose="020B0503030302020204" pitchFamily="34" charset="-127"/>
               </a:rPr>
               <a:t>김가윤 </a:t>
             </a:r>
@@ -10633,8 +10661,8 @@
                 <a:solidFill>
                   <a:schemeClr val="bg1"/>
                 </a:solidFill>
-                <a:latin typeface="여기어때 잘난체 OTF" panose="020B0600000101010101" pitchFamily="34" charset="-127"/>
-                <a:ea typeface="여기어때 잘난체 OTF" panose="020B0600000101010101" pitchFamily="34" charset="-127"/>
+                <a:latin typeface="에스코어 드림 4 Regular" panose="020B0503030302020204" pitchFamily="34" charset="-127"/>
+                <a:ea typeface="에스코어 드림 4 Regular" panose="020B0503030302020204" pitchFamily="34" charset="-127"/>
               </a:rPr>
               <a:t>: </a:t>
             </a:r>
@@ -10646,8 +10674,8 @@
                   </a:schemeClr>
                 </a:solidFill>
                 <a:effectLst/>
-                <a:latin typeface="여기어때 잘난체 OTF" panose="020B0600000101010101" pitchFamily="34" charset="-127"/>
-                <a:ea typeface="여기어때 잘난체 OTF" panose="020B0600000101010101" pitchFamily="34" charset="-127"/>
+                <a:latin typeface="에스코어 드림 1 Thin" panose="020B0403030302020204" pitchFamily="34" charset="-127"/>
+                <a:ea typeface="에스코어 드림 1 Thin" panose="020B0403030302020204" pitchFamily="34" charset="-127"/>
               </a:rPr>
               <a:t>게임잼 때 모였던 팀원 그대로 구성해서 게임개발을 하게 되었는데 그때보다 훨씬 좋은 게임이 </a:t>
             </a:r>
@@ -10658,8 +10686,8 @@
                 </a:schemeClr>
               </a:solidFill>
               <a:effectLst/>
-              <a:latin typeface="여기어때 잘난체 OTF" panose="020B0600000101010101" pitchFamily="34" charset="-127"/>
-              <a:ea typeface="여기어때 잘난체 OTF" panose="020B0600000101010101" pitchFamily="34" charset="-127"/>
+              <a:latin typeface="에스코어 드림 1 Thin" panose="020B0403030302020204" pitchFamily="34" charset="-127"/>
+              <a:ea typeface="에스코어 드림 1 Thin" panose="020B0403030302020204" pitchFamily="34" charset="-127"/>
             </a:endParaRPr>
           </a:p>
           <a:p>
@@ -10670,8 +10698,8 @@
                     <a:lumMod val="85000"/>
                   </a:schemeClr>
                 </a:solidFill>
-                <a:latin typeface="여기어때 잘난체 OTF" panose="020B0600000101010101" pitchFamily="34" charset="-127"/>
-                <a:ea typeface="여기어때 잘난체 OTF" panose="020B0600000101010101" pitchFamily="34" charset="-127"/>
+                <a:latin typeface="에스코어 드림 1 Thin" panose="020B0403030302020204" pitchFamily="34" charset="-127"/>
+                <a:ea typeface="에스코어 드림 1 Thin" panose="020B0403030302020204" pitchFamily="34" charset="-127"/>
               </a:rPr>
               <a:t>	     </a:t>
             </a:r>
@@ -10683,8 +10711,8 @@
                   </a:schemeClr>
                 </a:solidFill>
                 <a:effectLst/>
-                <a:latin typeface="여기어때 잘난체 OTF" panose="020B0600000101010101" pitchFamily="34" charset="-127"/>
-                <a:ea typeface="여기어때 잘난체 OTF" panose="020B0600000101010101" pitchFamily="34" charset="-127"/>
+                <a:latin typeface="에스코어 드림 1 Thin" panose="020B0403030302020204" pitchFamily="34" charset="-127"/>
+                <a:ea typeface="에스코어 드림 1 Thin" panose="020B0403030302020204" pitchFamily="34" charset="-127"/>
               </a:rPr>
               <a:t>결과물로 나와서 뿌듯했다</a:t>
             </a:r>
@@ -10694,8 +10722,8 @@
                   <a:lumMod val="85000"/>
                 </a:schemeClr>
               </a:solidFill>
-              <a:latin typeface="여기어때 잘난체 OTF" panose="020B0600000101010101" pitchFamily="34" charset="-127"/>
-              <a:ea typeface="여기어때 잘난체 OTF" panose="020B0600000101010101" pitchFamily="34" charset="-127"/>
+              <a:latin typeface="에스코어 드림 1 Thin" panose="020B0403030302020204" pitchFamily="34" charset="-127"/>
+              <a:ea typeface="에스코어 드림 1 Thin" panose="020B0403030302020204" pitchFamily="34" charset="-127"/>
             </a:endParaRPr>
           </a:p>
         </p:txBody>
@@ -10733,8 +10761,8 @@
                 <a:solidFill>
                   <a:schemeClr val="bg1"/>
                 </a:solidFill>
-                <a:latin typeface="여기어때 잘난체 OTF" panose="020B0600000101010101" pitchFamily="34" charset="-127"/>
-                <a:ea typeface="여기어때 잘난체 OTF" panose="020B0600000101010101" pitchFamily="34" charset="-127"/>
+                <a:latin typeface="에스코어 드림 4 Regular" panose="020B0503030302020204" pitchFamily="34" charset="-127"/>
+                <a:ea typeface="에스코어 드림 4 Regular" panose="020B0503030302020204" pitchFamily="34" charset="-127"/>
               </a:rPr>
               <a:t>박광현 </a:t>
             </a:r>
@@ -10743,8 +10771,8 @@
                 <a:solidFill>
                   <a:schemeClr val="bg1"/>
                 </a:solidFill>
-                <a:latin typeface="여기어때 잘난체 OTF" panose="020B0600000101010101" pitchFamily="34" charset="-127"/>
-                <a:ea typeface="여기어때 잘난체 OTF" panose="020B0600000101010101" pitchFamily="34" charset="-127"/>
+                <a:latin typeface="에스코어 드림 4 Regular" panose="020B0503030302020204" pitchFamily="34" charset="-127"/>
+                <a:ea typeface="에스코어 드림 4 Regular" panose="020B0503030302020204" pitchFamily="34" charset="-127"/>
               </a:rPr>
               <a:t>: </a:t>
             </a:r>
@@ -10755,8 +10783,8 @@
                     <a:lumMod val="85000"/>
                   </a:schemeClr>
                 </a:solidFill>
-                <a:latin typeface="여기어때 잘난체 OTF" panose="020B0600000101010101" pitchFamily="34" charset="-127"/>
-                <a:ea typeface="여기어때 잘난체 OTF" panose="020B0600000101010101" pitchFamily="34" charset="-127"/>
+                <a:latin typeface="에스코어 드림 1 Thin" panose="020B0403030302020204" pitchFamily="34" charset="-127"/>
+                <a:ea typeface="에스코어 드림 1 Thin" panose="020B0403030302020204" pitchFamily="34" charset="-127"/>
               </a:rPr>
               <a:t>프로그래밍을 혼자 했기에 어려운 감이 없잖아 있었지만</a:t>
             </a:r>
@@ -10767,8 +10795,8 @@
                     <a:lumMod val="85000"/>
                   </a:schemeClr>
                 </a:solidFill>
-                <a:latin typeface="여기어때 잘난체 OTF" panose="020B0600000101010101" pitchFamily="34" charset="-127"/>
-                <a:ea typeface="여기어때 잘난체 OTF" panose="020B0600000101010101" pitchFamily="34" charset="-127"/>
+                <a:latin typeface="에스코어 드림 1 Thin" panose="020B0403030302020204" pitchFamily="34" charset="-127"/>
+                <a:ea typeface="에스코어 드림 1 Thin" panose="020B0403030302020204" pitchFamily="34" charset="-127"/>
               </a:rPr>
               <a:t>, </a:t>
             </a:r>
@@ -10779,8 +10807,8 @@
                     <a:lumMod val="85000"/>
                   </a:schemeClr>
                 </a:solidFill>
-                <a:latin typeface="여기어때 잘난체 OTF" panose="020B0600000101010101" pitchFamily="34" charset="-127"/>
-                <a:ea typeface="여기어때 잘난체 OTF" panose="020B0600000101010101" pitchFamily="34" charset="-127"/>
+                <a:latin typeface="에스코어 드림 1 Thin" panose="020B0403030302020204" pitchFamily="34" charset="-127"/>
+                <a:ea typeface="에스코어 드림 1 Thin" panose="020B0403030302020204" pitchFamily="34" charset="-127"/>
               </a:rPr>
               <a:t>이번 프로젝트를 통해 많은 성장을 했다는 걸</a:t>
             </a:r>
@@ -10790,8 +10818,8 @@
                   <a:lumMod val="85000"/>
                 </a:schemeClr>
               </a:solidFill>
-              <a:latin typeface="여기어때 잘난체 OTF" panose="020B0600000101010101" pitchFamily="34" charset="-127"/>
-              <a:ea typeface="여기어때 잘난체 OTF" panose="020B0600000101010101" pitchFamily="34" charset="-127"/>
+              <a:latin typeface="에스코어 드림 1 Thin" panose="020B0403030302020204" pitchFamily="34" charset="-127"/>
+              <a:ea typeface="에스코어 드림 1 Thin" panose="020B0403030302020204" pitchFamily="34" charset="-127"/>
             </a:endParaRPr>
           </a:p>
           <a:p>
@@ -10802,8 +10830,8 @@
                     <a:lumMod val="85000"/>
                   </a:schemeClr>
                 </a:solidFill>
-                <a:latin typeface="여기어때 잘난체 OTF" panose="020B0600000101010101" pitchFamily="34" charset="-127"/>
-                <a:ea typeface="여기어때 잘난체 OTF" panose="020B0600000101010101" pitchFamily="34" charset="-127"/>
+                <a:latin typeface="에스코어 드림 1 Thin" panose="020B0403030302020204" pitchFamily="34" charset="-127"/>
+                <a:ea typeface="에스코어 드림 1 Thin" panose="020B0403030302020204" pitchFamily="34" charset="-127"/>
               </a:rPr>
               <a:t>	    </a:t>
             </a:r>
@@ -10814,8 +10842,8 @@
                     <a:lumMod val="85000"/>
                   </a:schemeClr>
                 </a:solidFill>
-                <a:latin typeface="여기어때 잘난체 OTF" panose="020B0600000101010101" pitchFamily="34" charset="-127"/>
-                <a:ea typeface="여기어때 잘난체 OTF" panose="020B0600000101010101" pitchFamily="34" charset="-127"/>
+                <a:latin typeface="에스코어 드림 1 Thin" panose="020B0403030302020204" pitchFamily="34" charset="-127"/>
+                <a:ea typeface="에스코어 드림 1 Thin" panose="020B0403030302020204" pitchFamily="34" charset="-127"/>
               </a:rPr>
               <a:t>느낄 수 있었으며</a:t>
             </a:r>
@@ -10826,8 +10854,8 @@
                     <a:lumMod val="85000"/>
                   </a:schemeClr>
                 </a:solidFill>
-                <a:latin typeface="여기어때 잘난체 OTF" panose="020B0600000101010101" pitchFamily="34" charset="-127"/>
-                <a:ea typeface="여기어때 잘난체 OTF" panose="020B0600000101010101" pitchFamily="34" charset="-127"/>
+                <a:latin typeface="에스코어 드림 1 Thin" panose="020B0403030302020204" pitchFamily="34" charset="-127"/>
+                <a:ea typeface="에스코어 드림 1 Thin" panose="020B0403030302020204" pitchFamily="34" charset="-127"/>
               </a:rPr>
               <a:t>, </a:t>
             </a:r>
@@ -10838,8 +10866,8 @@
                     <a:lumMod val="85000"/>
                   </a:schemeClr>
                 </a:solidFill>
-                <a:latin typeface="여기어때 잘난체 OTF" panose="020B0600000101010101" pitchFamily="34" charset="-127"/>
-                <a:ea typeface="여기어때 잘난체 OTF" panose="020B0600000101010101" pitchFamily="34" charset="-127"/>
+                <a:latin typeface="에스코어 드림 1 Thin" panose="020B0403030302020204" pitchFamily="34" charset="-127"/>
+                <a:ea typeface="에스코어 드림 1 Thin" panose="020B0403030302020204" pitchFamily="34" charset="-127"/>
               </a:rPr>
               <a:t>프로젝트의 결과에 만족스럽다</a:t>
             </a:r>
@@ -10850,8 +10878,8 @@
                     <a:lumMod val="85000"/>
                   </a:schemeClr>
                 </a:solidFill>
-                <a:latin typeface="여기어때 잘난체 OTF" panose="020B0600000101010101" pitchFamily="34" charset="-127"/>
-                <a:ea typeface="여기어때 잘난체 OTF" panose="020B0600000101010101" pitchFamily="34" charset="-127"/>
+                <a:latin typeface="에스코어 드림 1 Thin" panose="020B0403030302020204" pitchFamily="34" charset="-127"/>
+                <a:ea typeface="에스코어 드림 1 Thin" panose="020B0403030302020204" pitchFamily="34" charset="-127"/>
               </a:rPr>
               <a:t>.</a:t>
             </a:r>
@@ -10860,8 +10888,8 @@
                 <a:solidFill>
                   <a:schemeClr val="bg1"/>
                 </a:solidFill>
-                <a:latin typeface="여기어때 잘난체 OTF" panose="020B0600000101010101" pitchFamily="34" charset="-127"/>
-                <a:ea typeface="여기어때 잘난체 OTF" panose="020B0600000101010101" pitchFamily="34" charset="-127"/>
+                <a:latin typeface="에스코어 드림 1 Thin" panose="020B0403030302020204" pitchFamily="34" charset="-127"/>
+                <a:ea typeface="에스코어 드림 1 Thin" panose="020B0403030302020204" pitchFamily="34" charset="-127"/>
               </a:rPr>
               <a:t> </a:t>
             </a:r>
@@ -10869,8 +10897,8 @@
               <a:solidFill>
                 <a:schemeClr val="bg1"/>
               </a:solidFill>
-              <a:latin typeface="여기어때 잘난체 OTF" panose="020B0600000101010101" pitchFamily="34" charset="-127"/>
-              <a:ea typeface="여기어때 잘난체 OTF" panose="020B0600000101010101" pitchFamily="34" charset="-127"/>
+              <a:latin typeface="에스코어 드림 1 Thin" panose="020B0403030302020204" pitchFamily="34" charset="-127"/>
+              <a:ea typeface="에스코어 드림 1 Thin" panose="020B0403030302020204" pitchFamily="34" charset="-127"/>
             </a:endParaRPr>
           </a:p>
         </p:txBody>

--- a/Presentation/AGIS 발표자료.pptx
+++ b/Presentation/AGIS 발표자료.pptx
@@ -4587,8 +4587,8 @@
         </p:nvSpPr>
         <p:spPr>
           <a:xfrm>
-            <a:off x="1858433" y="711200"/>
-            <a:ext cx="8648202" cy="1200329"/>
+            <a:off x="1552263" y="711200"/>
+            <a:ext cx="9087473" cy="1200329"/>
           </a:xfrm>
           <a:prstGeom prst="rect">
             <a:avLst/>
@@ -4603,7 +4603,7 @@
           <a:p>
             <a:pPr algn="ctr"/>
             <a:r>
-              <a:rPr lang="en-US" altLang="ko-KR" sz="7200" dirty="0">
+              <a:rPr lang="en-US" altLang="ko-KR" sz="7200" b="1" dirty="0">
                 <a:solidFill>
                   <a:schemeClr val="bg1"/>
                 </a:solidFill>
@@ -4613,23 +4613,10 @@
                 <a:latin typeface="에스코어 드림 1 Thin" panose="020B0403030302020204" pitchFamily="34" charset="-127"/>
                 <a:ea typeface="에스코어 드림 1 Thin" panose="020B0403030302020204" pitchFamily="34" charset="-127"/>
               </a:rPr>
-              <a:t>Project</a:t>
+              <a:t>Project_</a:t>
             </a:r>
             <a:r>
               <a:rPr lang="en-US" altLang="ko-KR" sz="7200" b="1" dirty="0">
-                <a:solidFill>
-                  <a:schemeClr val="bg1"/>
-                </a:solidFill>
-                <a:effectLst>
-                  <a:reflection blurRad="6350" stA="50000" endA="300" endPos="50000" dist="60007" dir="5400000" sy="-100000" algn="bl" rotWithShape="0"/>
-                </a:effectLst>
-                <a:latin typeface="에스코어 드림 1 Thin" panose="020B0403030302020204" pitchFamily="34" charset="-127"/>
-                <a:ea typeface="에스코어 드림 1 Thin" panose="020B0403030302020204" pitchFamily="34" charset="-127"/>
-              </a:rPr>
-              <a:t>_</a:t>
-            </a:r>
-            <a:r>
-              <a:rPr lang="en-US" altLang="ko-KR" sz="7200" dirty="0">
                 <a:solidFill>
                   <a:schemeClr val="bg1"/>
                 </a:solidFill>
@@ -4641,7 +4628,7 @@
               </a:rPr>
               <a:t>PARTYBALL</a:t>
             </a:r>
-            <a:endParaRPr lang="ko-KR" altLang="en-US" sz="7200" dirty="0">
+            <a:endParaRPr lang="ko-KR" altLang="en-US" sz="7200" b="1" dirty="0">
               <a:solidFill>
                 <a:schemeClr val="bg1"/>
               </a:solidFill>
@@ -5840,9 +5827,9 @@
         <p:grpSpPr>
           <a:xfrm>
             <a:off x="6646978" y="1567402"/>
-            <a:ext cx="3782506" cy="5032839"/>
+            <a:ext cx="3949304" cy="5032839"/>
             <a:chOff x="6195815" y="1582236"/>
-            <a:chExt cx="3782506" cy="5032839"/>
+            <a:chExt cx="3949304" cy="5032839"/>
           </a:xfrm>
         </p:grpSpPr>
         <p:pic>
@@ -5968,7 +5955,7 @@
           <p:spPr>
             <a:xfrm>
               <a:off x="7600818" y="1628507"/>
-              <a:ext cx="2377503" cy="923330"/>
+              <a:ext cx="2544301" cy="923330"/>
             </a:xfrm>
             <a:prstGeom prst="rect">
               <a:avLst/>
@@ -5987,7 +5974,7 @@
             <a:lstStyle/>
             <a:p>
               <a:r>
-                <a:rPr lang="ko-KR" altLang="en-US" dirty="0">
+                <a:rPr lang="ko-KR" altLang="en-US" b="1" dirty="0">
                   <a:solidFill>
                     <a:schemeClr val="bg1"/>
                   </a:solidFill>
@@ -5997,7 +5984,7 @@
                 <a:t>맵에 존재하는 장애물이며</a:t>
               </a:r>
               <a:r>
-                <a:rPr lang="en-US" altLang="ko-KR" dirty="0">
+                <a:rPr lang="en-US" altLang="ko-KR" b="1" dirty="0">
                   <a:solidFill>
                     <a:schemeClr val="bg1"/>
                   </a:solidFill>
@@ -6007,7 +5994,7 @@
                 <a:t>, </a:t>
               </a:r>
               <a:r>
-                <a:rPr lang="ko-KR" altLang="en-US" dirty="0">
+                <a:rPr lang="ko-KR" altLang="en-US" b="1" dirty="0">
                   <a:solidFill>
                     <a:schemeClr val="bg1"/>
                   </a:solidFill>
@@ -6017,7 +6004,7 @@
                 <a:t>구체의 이동을 방해합니다</a:t>
               </a:r>
               <a:r>
-                <a:rPr lang="en-US" altLang="ko-KR" dirty="0">
+                <a:rPr lang="en-US" altLang="ko-KR" b="1" dirty="0">
                   <a:solidFill>
                     <a:schemeClr val="bg1"/>
                   </a:solidFill>
@@ -6026,7 +6013,7 @@
                 </a:rPr>
                 <a:t>.</a:t>
               </a:r>
-              <a:endParaRPr lang="ko-KR" altLang="en-US" dirty="0">
+              <a:endParaRPr lang="ko-KR" altLang="en-US" b="1" dirty="0">
                 <a:solidFill>
                   <a:schemeClr val="bg1"/>
                 </a:solidFill>
@@ -6051,7 +6038,7 @@
           <p:spPr>
             <a:xfrm>
               <a:off x="7600818" y="3414513"/>
-              <a:ext cx="2377503" cy="923330"/>
+              <a:ext cx="2544301" cy="923330"/>
             </a:xfrm>
             <a:prstGeom prst="rect">
               <a:avLst/>
@@ -6070,7 +6057,7 @@
             <a:lstStyle/>
             <a:p>
               <a:r>
-                <a:rPr lang="ko-KR" altLang="en-US" dirty="0">
+                <a:rPr lang="ko-KR" altLang="en-US" b="1" dirty="0">
                   <a:solidFill>
                     <a:schemeClr val="bg1"/>
                   </a:solidFill>
@@ -6080,7 +6067,7 @@
                 <a:t>구체가 이동해야 하는 목적지로</a:t>
               </a:r>
               <a:r>
-                <a:rPr lang="en-US" altLang="ko-KR" dirty="0">
+                <a:rPr lang="en-US" altLang="ko-KR" b="1" dirty="0">
                   <a:solidFill>
                     <a:schemeClr val="bg1"/>
                   </a:solidFill>
@@ -6090,7 +6077,7 @@
                 <a:t>, </a:t>
               </a:r>
               <a:r>
-                <a:rPr lang="ko-KR" altLang="en-US" dirty="0">
+                <a:rPr lang="ko-KR" altLang="en-US" b="1" dirty="0">
                   <a:solidFill>
                     <a:schemeClr val="bg1"/>
                   </a:solidFill>
@@ -6100,7 +6087,7 @@
                 <a:t>구체가 닿으면 맵을 클리어 합니다</a:t>
               </a:r>
               <a:r>
-                <a:rPr lang="en-US" altLang="ko-KR" dirty="0">
+                <a:rPr lang="en-US" altLang="ko-KR" b="1" dirty="0">
                   <a:solidFill>
                     <a:schemeClr val="bg1"/>
                   </a:solidFill>
@@ -6109,7 +6096,7 @@
                 </a:rPr>
                 <a:t>.</a:t>
               </a:r>
-              <a:endParaRPr lang="ko-KR" altLang="en-US" dirty="0">
+              <a:endParaRPr lang="ko-KR" altLang="en-US" b="1" dirty="0">
                 <a:solidFill>
                   <a:schemeClr val="bg1"/>
                 </a:solidFill>
@@ -6154,7 +6141,7 @@
             <a:p>
               <a:pPr algn="ctr"/>
               <a:r>
-                <a:rPr lang="ko-KR" altLang="en-US" dirty="0">
+                <a:rPr lang="ko-KR" altLang="en-US" b="1" dirty="0">
                   <a:solidFill>
                     <a:schemeClr val="bg1"/>
                   </a:solidFill>
@@ -6201,7 +6188,7 @@
             <a:p>
               <a:pPr algn="ctr"/>
               <a:r>
-                <a:rPr lang="ko-KR" altLang="en-US" dirty="0">
+                <a:rPr lang="ko-KR" altLang="en-US" b="1" dirty="0">
                   <a:solidFill>
                     <a:schemeClr val="bg1"/>
                   </a:solidFill>
@@ -6248,7 +6235,7 @@
             <a:p>
               <a:pPr algn="ctr"/>
               <a:r>
-                <a:rPr lang="ko-KR" altLang="en-US" dirty="0">
+                <a:rPr lang="ko-KR" altLang="en-US" b="1" dirty="0">
                   <a:solidFill>
                     <a:schemeClr val="bg1"/>
                   </a:solidFill>
@@ -6275,7 +6262,7 @@
           <p:spPr>
             <a:xfrm>
               <a:off x="7600818" y="5164646"/>
-              <a:ext cx="2377503" cy="1200329"/>
+              <a:ext cx="2544301" cy="1200329"/>
             </a:xfrm>
             <a:prstGeom prst="rect">
               <a:avLst/>
@@ -6294,7 +6281,7 @@
             <a:lstStyle/>
             <a:p>
               <a:r>
-                <a:rPr lang="ko-KR" altLang="en-US" dirty="0">
+                <a:rPr lang="ko-KR" altLang="en-US" b="1" dirty="0">
                   <a:solidFill>
                     <a:schemeClr val="bg1"/>
                   </a:solidFill>
@@ -6304,7 +6291,7 @@
                 <a:t>플레이어가 이동시켜야 하는 오브젝트이며</a:t>
               </a:r>
               <a:r>
-                <a:rPr lang="en-US" altLang="ko-KR" dirty="0">
+                <a:rPr lang="en-US" altLang="ko-KR" b="1" dirty="0">
                   <a:solidFill>
                     <a:schemeClr val="bg1"/>
                   </a:solidFill>
@@ -6314,17 +6301,17 @@
                 <a:t>, </a:t>
               </a:r>
               <a:r>
-                <a:rPr lang="ko-KR" altLang="en-US" dirty="0">
+                <a:rPr lang="ko-KR" altLang="en-US" b="1" dirty="0">
                   <a:solidFill>
                     <a:schemeClr val="bg1"/>
                   </a:solidFill>
                   <a:latin typeface="에스코어 드림 1 Thin" panose="020B0403030302020204" pitchFamily="34" charset="-127"/>
                   <a:ea typeface="에스코어 드림 1 Thin" panose="020B0403030302020204" pitchFamily="34" charset="-127"/>
                 </a:rPr>
-                <a:t>모든 맵에 한 개씩     존재합니다</a:t>
+                <a:t>모든 맵에 한 개씩 존재 합니다</a:t>
               </a:r>
               <a:r>
-                <a:rPr lang="en-US" altLang="ko-KR" dirty="0">
+                <a:rPr lang="en-US" altLang="ko-KR" b="1" dirty="0">
                   <a:solidFill>
                     <a:schemeClr val="bg1"/>
                   </a:solidFill>
@@ -6333,7 +6320,7 @@
                 </a:rPr>
                 <a:t>.</a:t>
               </a:r>
-              <a:endParaRPr lang="ko-KR" altLang="en-US" dirty="0">
+              <a:endParaRPr lang="ko-KR" altLang="en-US" b="1" dirty="0">
                 <a:solidFill>
                   <a:schemeClr val="bg1"/>
                 </a:solidFill>
@@ -6395,7 +6382,7 @@
         <p:spPr>
           <a:xfrm>
             <a:off x="3127265" y="1732142"/>
-            <a:ext cx="2142565" cy="1754326"/>
+            <a:ext cx="2215940" cy="1754326"/>
           </a:xfrm>
           <a:prstGeom prst="rect">
             <a:avLst/>
@@ -6414,7 +6401,7 @@
           <a:lstStyle/>
           <a:p>
             <a:r>
-              <a:rPr lang="ko-KR" altLang="en-US" dirty="0">
+              <a:rPr lang="ko-KR" altLang="en-US" b="1" dirty="0">
                 <a:solidFill>
                   <a:schemeClr val="bg1"/>
                 </a:solidFill>
@@ -6423,7 +6410,7 @@
               </a:rPr>
               <a:t>장애물과 플레이어</a:t>
             </a:r>
-            <a:endParaRPr lang="en-US" altLang="ko-KR" dirty="0">
+            <a:endParaRPr lang="en-US" altLang="ko-KR" b="1" dirty="0">
               <a:solidFill>
                 <a:schemeClr val="bg1"/>
               </a:solidFill>
@@ -6433,7 +6420,7 @@
           </a:p>
           <a:p>
             <a:r>
-              <a:rPr lang="ko-KR" altLang="en-US" dirty="0">
+              <a:rPr lang="ko-KR" altLang="en-US" b="1" dirty="0">
                 <a:solidFill>
                   <a:schemeClr val="bg1"/>
                 </a:solidFill>
@@ -6442,7 +6429,7 @@
               </a:rPr>
               <a:t>목적지와 중력장을</a:t>
             </a:r>
-            <a:endParaRPr lang="en-US" altLang="ko-KR" dirty="0">
+            <a:endParaRPr lang="en-US" altLang="ko-KR" b="1" dirty="0">
               <a:solidFill>
                 <a:schemeClr val="bg1"/>
               </a:solidFill>
@@ -6452,7 +6439,7 @@
           </a:p>
           <a:p>
             <a:r>
-              <a:rPr lang="ko-KR" altLang="en-US" dirty="0">
+              <a:rPr lang="ko-KR" altLang="en-US" b="1" dirty="0">
                 <a:solidFill>
                   <a:schemeClr val="bg1"/>
                 </a:solidFill>
@@ -6462,7 +6449,7 @@
               <a:t>담는 게임의 맵이며</a:t>
             </a:r>
             <a:r>
-              <a:rPr lang="en-US" altLang="ko-KR" dirty="0">
+              <a:rPr lang="en-US" altLang="ko-KR" b="1" dirty="0">
                 <a:solidFill>
                   <a:schemeClr val="bg1"/>
                 </a:solidFill>
@@ -6472,7 +6459,7 @@
               <a:t>, </a:t>
             </a:r>
             <a:r>
-              <a:rPr lang="ko-KR" altLang="en-US" dirty="0">
+              <a:rPr lang="ko-KR" altLang="en-US" b="1" dirty="0">
                 <a:solidFill>
                   <a:schemeClr val="bg1"/>
                 </a:solidFill>
@@ -6482,7 +6469,7 @@
               <a:t>맵이 복수로 존재할 시 주 맵을 선택할 수 있습니다</a:t>
             </a:r>
             <a:r>
-              <a:rPr lang="en-US" altLang="ko-KR" dirty="0">
+              <a:rPr lang="en-US" altLang="ko-KR" b="1" dirty="0">
                 <a:solidFill>
                   <a:schemeClr val="bg1"/>
                 </a:solidFill>
@@ -6491,7 +6478,7 @@
               </a:rPr>
               <a:t>.</a:t>
             </a:r>
-            <a:endParaRPr lang="ko-KR" altLang="en-US" dirty="0">
+            <a:endParaRPr lang="ko-KR" altLang="en-US" b="1" dirty="0">
               <a:solidFill>
                 <a:schemeClr val="bg1"/>
               </a:solidFill>
@@ -6609,7 +6596,7 @@
         <p:spPr>
           <a:xfrm>
             <a:off x="3127263" y="4057218"/>
-            <a:ext cx="2142565" cy="2308324"/>
+            <a:ext cx="2215942" cy="2308324"/>
           </a:xfrm>
           <a:prstGeom prst="rect">
             <a:avLst/>
@@ -6628,7 +6615,7 @@
           <a:lstStyle/>
           <a:p>
             <a:r>
-              <a:rPr lang="ko-KR" altLang="en-US" dirty="0">
+              <a:rPr lang="ko-KR" altLang="en-US" b="1" dirty="0">
                 <a:solidFill>
                   <a:schemeClr val="bg1"/>
                 </a:solidFill>
@@ -6638,7 +6625,7 @@
               <a:t>드래그를 통해 생성할 수 있으며</a:t>
             </a:r>
             <a:r>
-              <a:rPr lang="en-US" altLang="ko-KR" dirty="0">
+              <a:rPr lang="en-US" altLang="ko-KR" b="1" dirty="0">
                 <a:solidFill>
                   <a:schemeClr val="bg1"/>
                 </a:solidFill>
@@ -6648,7 +6635,7 @@
               <a:t>, </a:t>
             </a:r>
             <a:r>
-              <a:rPr lang="ko-KR" altLang="en-US" dirty="0">
+              <a:rPr lang="ko-KR" altLang="en-US" b="1" dirty="0">
                 <a:solidFill>
                   <a:schemeClr val="bg1"/>
                 </a:solidFill>
@@ -6658,7 +6645,7 @@
               <a:t>화살표 방향으로 구체를 이동시킵니다</a:t>
             </a:r>
             <a:r>
-              <a:rPr lang="en-US" altLang="ko-KR" dirty="0">
+              <a:rPr lang="en-US" altLang="ko-KR" b="1" dirty="0">
                 <a:solidFill>
                   <a:schemeClr val="bg1"/>
                 </a:solidFill>
@@ -6668,7 +6655,7 @@
               <a:t>. </a:t>
             </a:r>
             <a:r>
-              <a:rPr lang="ko-KR" altLang="en-US" dirty="0">
+              <a:rPr lang="ko-KR" altLang="en-US" b="1" dirty="0">
                 <a:solidFill>
                   <a:schemeClr val="bg1"/>
                 </a:solidFill>
@@ -6678,7 +6665,7 @@
               <a:t>또한 맵이 복수로 존재할 시 주 맵에서 그려진 중력장이 다른 맵에서도 그려집니다</a:t>
             </a:r>
             <a:r>
-              <a:rPr lang="en-US" altLang="ko-KR" dirty="0">
+              <a:rPr lang="en-US" altLang="ko-KR" b="1" dirty="0">
                 <a:solidFill>
                   <a:schemeClr val="bg1"/>
                 </a:solidFill>
@@ -6687,7 +6674,7 @@
               </a:rPr>
               <a:t>.</a:t>
             </a:r>
-            <a:endParaRPr lang="ko-KR" altLang="en-US" dirty="0">
+            <a:endParaRPr lang="ko-KR" altLang="en-US" b="1" dirty="0">
               <a:solidFill>
                 <a:schemeClr val="bg1"/>
               </a:solidFill>
@@ -6732,7 +6719,7 @@
           <a:p>
             <a:pPr algn="ctr"/>
             <a:r>
-              <a:rPr lang="ko-KR" altLang="en-US" dirty="0">
+              <a:rPr lang="ko-KR" altLang="en-US" b="1" dirty="0">
                 <a:solidFill>
                   <a:schemeClr val="bg1"/>
                 </a:solidFill>
@@ -6779,7 +6766,7 @@
           <a:p>
             <a:pPr algn="ctr"/>
             <a:r>
-              <a:rPr lang="ko-KR" altLang="en-US" dirty="0">
+              <a:rPr lang="ko-KR" altLang="en-US" b="1" dirty="0">
                 <a:solidFill>
                   <a:schemeClr val="bg1"/>
                 </a:solidFill>
@@ -7346,7 +7333,7 @@
                 <a:p>
                   <a:pPr algn="ctr"/>
                   <a:r>
-                    <a:rPr lang="ko-KR" altLang="en-US" dirty="0">
+                    <a:rPr lang="ko-KR" altLang="en-US" b="1" dirty="0">
                       <a:solidFill>
                         <a:schemeClr val="bg1"/>
                       </a:solidFill>
@@ -7355,7 +7342,7 @@
                     </a:rPr>
                     <a:t>드래그를 통해 일정 </a:t>
                   </a:r>
-                  <a:endParaRPr lang="en-US" altLang="ko-KR" dirty="0">
+                  <a:endParaRPr lang="en-US" altLang="ko-KR" b="1" dirty="0">
                     <a:solidFill>
                       <a:schemeClr val="bg1"/>
                     </a:solidFill>
@@ -7366,7 +7353,7 @@
                 <a:p>
                   <a:pPr algn="ctr"/>
                   <a:r>
-                    <a:rPr lang="ko-KR" altLang="en-US" dirty="0">
+                    <a:rPr lang="ko-KR" altLang="en-US" b="1" dirty="0">
                       <a:solidFill>
                         <a:schemeClr val="bg1"/>
                       </a:solidFill>
@@ -7375,7 +7362,7 @@
                     </a:rPr>
                     <a:t>범위의 중력의 방향을 </a:t>
                   </a:r>
-                  <a:endParaRPr lang="en-US" altLang="ko-KR" dirty="0">
+                  <a:endParaRPr lang="en-US" altLang="ko-KR" b="1" dirty="0">
                     <a:solidFill>
                       <a:schemeClr val="bg1"/>
                     </a:solidFill>
@@ -7386,7 +7373,7 @@
                 <a:p>
                   <a:pPr algn="ctr"/>
                   <a:r>
-                    <a:rPr lang="ko-KR" altLang="en-US" dirty="0">
+                    <a:rPr lang="ko-KR" altLang="en-US" b="1" dirty="0">
                       <a:solidFill>
                         <a:schemeClr val="bg1"/>
                       </a:solidFill>
@@ -7396,7 +7383,7 @@
                     <a:t>수정합니다</a:t>
                   </a:r>
                   <a:r>
-                    <a:rPr lang="en-US" altLang="ko-KR" dirty="0">
+                    <a:rPr lang="en-US" altLang="ko-KR" b="1" dirty="0">
                       <a:solidFill>
                         <a:schemeClr val="bg1"/>
                       </a:solidFill>
@@ -7406,7 +7393,7 @@
                     <a:t>.</a:t>
                   </a:r>
                   <a:r>
-                    <a:rPr lang="ko-KR" altLang="en-US" dirty="0">
+                    <a:rPr lang="ko-KR" altLang="en-US" b="1" dirty="0">
                       <a:solidFill>
                         <a:schemeClr val="bg1"/>
                       </a:solidFill>
@@ -7416,7 +7403,7 @@
                     <a:t> 생성한 만큼 숫자가 감소합니다</a:t>
                   </a:r>
                   <a:r>
-                    <a:rPr lang="en-US" altLang="ko-KR" dirty="0">
+                    <a:rPr lang="en-US" altLang="ko-KR" b="1" dirty="0">
                       <a:solidFill>
                         <a:schemeClr val="bg1"/>
                       </a:solidFill>
@@ -8035,7 +8022,7 @@
             <a:p>
               <a:pPr algn="ctr"/>
               <a:r>
-                <a:rPr lang="ko-KR" altLang="en-US" dirty="0">
+                <a:rPr lang="ko-KR" altLang="en-US" b="1" dirty="0">
                   <a:solidFill>
                     <a:schemeClr val="bg1"/>
                   </a:solidFill>
@@ -8044,7 +8031,7 @@
                 </a:rPr>
                 <a:t>스테이지에 존재하는 </a:t>
               </a:r>
-              <a:endParaRPr lang="en-US" altLang="ko-KR" dirty="0">
+              <a:endParaRPr lang="en-US" altLang="ko-KR" b="1" dirty="0">
                 <a:solidFill>
                   <a:schemeClr val="bg1"/>
                 </a:solidFill>
@@ -8055,7 +8042,7 @@
             <a:p>
               <a:pPr algn="ctr"/>
               <a:r>
-                <a:rPr lang="ko-KR" altLang="en-US" dirty="0">
+                <a:rPr lang="ko-KR" altLang="en-US" b="1" dirty="0">
                   <a:solidFill>
                     <a:schemeClr val="bg1"/>
                   </a:solidFill>
@@ -8064,7 +8051,7 @@
                 </a:rPr>
                 <a:t>여러 개의 맵 중에서</a:t>
               </a:r>
-              <a:endParaRPr lang="en-US" altLang="ko-KR" dirty="0">
+              <a:endParaRPr lang="en-US" altLang="ko-KR" b="1" dirty="0">
                 <a:solidFill>
                   <a:schemeClr val="bg1"/>
                 </a:solidFill>
@@ -8075,7 +8062,7 @@
             <a:p>
               <a:pPr algn="ctr"/>
               <a:r>
-                <a:rPr lang="ko-KR" altLang="en-US" dirty="0">
+                <a:rPr lang="ko-KR" altLang="en-US" b="1" dirty="0">
                   <a:solidFill>
                     <a:schemeClr val="bg1"/>
                   </a:solidFill>
@@ -8084,7 +8071,7 @@
                 </a:rPr>
                 <a:t>중력장을 그릴 맵을</a:t>
               </a:r>
-              <a:endParaRPr lang="en-US" altLang="ko-KR" dirty="0">
+              <a:endParaRPr lang="en-US" altLang="ko-KR" b="1" dirty="0">
                 <a:solidFill>
                   <a:schemeClr val="bg1"/>
                 </a:solidFill>
@@ -8095,7 +8082,7 @@
             <a:p>
               <a:pPr algn="ctr"/>
               <a:r>
-                <a:rPr lang="ko-KR" altLang="en-US" dirty="0">
+                <a:rPr lang="ko-KR" altLang="en-US" b="1" dirty="0">
                   <a:solidFill>
                     <a:schemeClr val="bg1"/>
                   </a:solidFill>
@@ -8105,7 +8092,7 @@
                 <a:t>선택합니다</a:t>
               </a:r>
               <a:r>
-                <a:rPr lang="en-US" altLang="ko-KR" dirty="0">
+                <a:rPr lang="en-US" altLang="ko-KR" b="1" dirty="0">
                   <a:solidFill>
                     <a:schemeClr val="bg1"/>
                   </a:solidFill>
@@ -8114,7 +8101,7 @@
                 </a:rPr>
                 <a:t>. </a:t>
               </a:r>
-              <a:endParaRPr lang="ko-KR" altLang="en-US" dirty="0">
+              <a:endParaRPr lang="ko-KR" altLang="en-US" b="1" dirty="0">
                 <a:solidFill>
                   <a:schemeClr val="bg1"/>
                 </a:solidFill>
@@ -8670,7 +8657,7 @@
             <a:p>
               <a:pPr algn="ctr"/>
               <a:r>
-                <a:rPr lang="ko-KR" altLang="en-US" dirty="0">
+                <a:rPr lang="ko-KR" altLang="en-US" b="1" dirty="0">
                   <a:solidFill>
                     <a:schemeClr val="bg1"/>
                   </a:solidFill>
@@ -8680,7 +8667,7 @@
                 <a:t>타 맵에도 같은  모양으로 그려지는 중력장을 통해 공을 목적지로 이동시키면 승리합니다</a:t>
               </a:r>
               <a:r>
-                <a:rPr lang="en-US" altLang="ko-KR" dirty="0">
+                <a:rPr lang="en-US" altLang="ko-KR" b="1" dirty="0">
                   <a:solidFill>
                     <a:schemeClr val="bg1"/>
                   </a:solidFill>
@@ -8689,7 +8676,7 @@
                 </a:rPr>
                 <a:t>.</a:t>
               </a:r>
-              <a:endParaRPr lang="ko-KR" altLang="en-US" dirty="0">
+              <a:endParaRPr lang="ko-KR" altLang="en-US" b="1" dirty="0">
                 <a:solidFill>
                   <a:schemeClr val="bg1"/>
                 </a:solidFill>
@@ -9797,7 +9784,7 @@
           <a:p>
             <a:pPr algn="ctr"/>
             <a:r>
-              <a:rPr lang="ko-KR" altLang="en-US" dirty="0">
+              <a:rPr lang="ko-KR" altLang="en-US" b="1" dirty="0">
                 <a:solidFill>
                   <a:schemeClr val="bg1"/>
                 </a:solidFill>
@@ -9844,7 +9831,7 @@
           <a:p>
             <a:pPr algn="ctr"/>
             <a:r>
-              <a:rPr lang="ko-KR" altLang="en-US" dirty="0">
+              <a:rPr lang="ko-KR" altLang="en-US" b="1" dirty="0">
                 <a:solidFill>
                   <a:schemeClr val="bg1"/>
                 </a:solidFill>
@@ -9891,7 +9878,7 @@
           <a:p>
             <a:pPr algn="ctr"/>
             <a:r>
-              <a:rPr lang="ko-KR" altLang="en-US" dirty="0">
+              <a:rPr lang="ko-KR" altLang="en-US" b="1" dirty="0">
                 <a:solidFill>
                   <a:schemeClr val="bg1"/>
                 </a:solidFill>
@@ -10347,24 +10334,14 @@
           <a:lstStyle/>
           <a:p>
             <a:r>
-              <a:rPr lang="ko-KR" altLang="en-US" sz="2400" dirty="0">
+              <a:rPr lang="ko-KR" altLang="en-US" sz="2400" b="1" dirty="0">
                 <a:solidFill>
                   <a:schemeClr val="bg1"/>
                 </a:solidFill>
                 <a:latin typeface="에스코어 드림 4 Regular" panose="020B0503030302020204" pitchFamily="34" charset="-127"/>
                 <a:ea typeface="에스코어 드림 4 Regular" panose="020B0503030302020204" pitchFamily="34" charset="-127"/>
               </a:rPr>
-              <a:t>남상현</a:t>
-            </a:r>
-            <a:r>
-              <a:rPr lang="ko-KR" altLang="en-US" sz="2400" b="1" dirty="0">
-                <a:solidFill>
-                  <a:schemeClr val="bg1"/>
-                </a:solidFill>
-                <a:latin typeface="에스코어 드림 4 Regular" panose="020B0503030302020204" pitchFamily="34" charset="-127"/>
-                <a:ea typeface="에스코어 드림 4 Regular" panose="020B0503030302020204" pitchFamily="34" charset="-127"/>
-              </a:rPr>
-              <a:t> </a:t>
+              <a:t>남상현 </a:t>
             </a:r>
             <a:r>
               <a:rPr lang="en-US" altLang="ko-KR" sz="2400" b="1" dirty="0">
@@ -10377,7 +10354,7 @@
               <a:t>: </a:t>
             </a:r>
             <a:r>
-              <a:rPr lang="ko-KR" altLang="en-US" sz="1600" dirty="0">
+              <a:rPr lang="ko-KR" altLang="en-US" sz="1600" b="1" dirty="0">
                 <a:solidFill>
                   <a:schemeClr val="bg1">
                     <a:lumMod val="85000"/>
@@ -10389,7 +10366,7 @@
               <a:t>좋은 팀원들이기에 부담도 많이 되었지만 그래도 재밌게 프로젝트를 끝낼 수 있어서 다행인 거 같다</a:t>
             </a:r>
             <a:r>
-              <a:rPr lang="en-US" altLang="ko-KR" sz="1600" dirty="0">
+              <a:rPr lang="en-US" altLang="ko-KR" sz="1600" b="1" dirty="0">
                 <a:solidFill>
                   <a:schemeClr val="bg1">
                     <a:lumMod val="85000"/>
@@ -10403,7 +10380,7 @@
           </a:p>
           <a:p>
             <a:r>
-              <a:rPr lang="en-US" altLang="ko-KR" sz="1600" dirty="0">
+              <a:rPr lang="en-US" altLang="ko-KR" sz="1600" b="1" dirty="0">
                 <a:solidFill>
                   <a:schemeClr val="bg1">
                     <a:lumMod val="85000"/>
@@ -10415,7 +10392,7 @@
               <a:t>	    </a:t>
             </a:r>
             <a:r>
-              <a:rPr lang="ko-KR" altLang="en-US" sz="1600" dirty="0">
+              <a:rPr lang="ko-KR" altLang="en-US" sz="1600" b="1" dirty="0">
                 <a:solidFill>
                   <a:schemeClr val="bg1">
                     <a:lumMod val="85000"/>
@@ -10427,7 +10404,7 @@
               <a:t>만약 다시 한 번 함께 할 기회가 있다면</a:t>
             </a:r>
             <a:r>
-              <a:rPr lang="en-US" altLang="ko-KR" sz="1600" dirty="0">
+              <a:rPr lang="en-US" altLang="ko-KR" sz="1600" b="1" dirty="0">
                 <a:solidFill>
                   <a:schemeClr val="bg1">
                     <a:lumMod val="85000"/>
@@ -10439,7 +10416,7 @@
               <a:t>, </a:t>
             </a:r>
             <a:r>
-              <a:rPr lang="ko-KR" altLang="en-US" sz="1600" dirty="0">
+              <a:rPr lang="ko-KR" altLang="en-US" sz="1600" b="1" dirty="0">
                 <a:solidFill>
                   <a:schemeClr val="bg1">
                     <a:lumMod val="85000"/>
@@ -10451,7 +10428,7 @@
               <a:t>함께하고 싶다</a:t>
             </a:r>
             <a:r>
-              <a:rPr lang="en-US" altLang="ko-KR" sz="1600" dirty="0">
+              <a:rPr lang="en-US" altLang="ko-KR" sz="1600" b="1" dirty="0">
                 <a:solidFill>
                   <a:schemeClr val="bg1">
                     <a:lumMod val="85000"/>
@@ -10462,7 +10439,7 @@
               </a:rPr>
               <a:t>. </a:t>
             </a:r>
-            <a:endParaRPr lang="ko-KR" altLang="en-US" sz="1600" dirty="0">
+            <a:endParaRPr lang="ko-KR" altLang="en-US" sz="1600" b="1" dirty="0">
               <a:solidFill>
                 <a:schemeClr val="bg1">
                   <a:lumMod val="85000"/>
@@ -10503,7 +10480,7 @@
           <a:lstStyle/>
           <a:p>
             <a:r>
-              <a:rPr lang="ko-KR" altLang="en-US" sz="2400" dirty="0">
+              <a:rPr lang="ko-KR" altLang="en-US" sz="2400" b="1" dirty="0">
                 <a:solidFill>
                   <a:schemeClr val="bg1"/>
                 </a:solidFill>
@@ -10513,7 +10490,7 @@
               <a:t>유지호 </a:t>
             </a:r>
             <a:r>
-              <a:rPr lang="en-US" altLang="ko-KR" sz="2400" dirty="0">
+              <a:rPr lang="en-US" altLang="ko-KR" sz="2400" b="1" dirty="0">
                 <a:solidFill>
                   <a:schemeClr val="bg1"/>
                 </a:solidFill>
@@ -10523,7 +10500,7 @@
               <a:t>: </a:t>
             </a:r>
             <a:r>
-              <a:rPr lang="ko-KR" altLang="en-US" sz="1600" b="0" i="0" dirty="0">
+              <a:rPr lang="ko-KR" altLang="en-US" sz="1600" b="1" i="0" dirty="0">
                 <a:solidFill>
                   <a:srgbClr val="DCDDDE"/>
                 </a:solidFill>
@@ -10533,7 +10510,7 @@
               </a:rPr>
               <a:t>처음에 기획했던 게임은 스토리도 있어서 기획하기 힘들었지만 결정한 하이퍼 캐주얼 장르라서 </a:t>
             </a:r>
-            <a:endParaRPr lang="en-US" altLang="ko-KR" sz="1600" b="0" i="0" dirty="0">
+            <a:endParaRPr lang="en-US" altLang="ko-KR" sz="1600" b="1" i="0" dirty="0">
               <a:solidFill>
                 <a:srgbClr val="DCDDDE"/>
               </a:solidFill>
@@ -10544,7 +10521,7 @@
           </a:p>
           <a:p>
             <a:r>
-              <a:rPr lang="en-US" altLang="ko-KR" sz="1600" b="0" i="0" dirty="0">
+              <a:rPr lang="en-US" altLang="ko-KR" sz="1600" b="1" i="0" dirty="0">
                 <a:solidFill>
                   <a:srgbClr val="DCDDDE"/>
                 </a:solidFill>
@@ -10555,7 +10532,7 @@
               <a:t>	    </a:t>
             </a:r>
             <a:r>
-              <a:rPr lang="ko-KR" altLang="en-US" sz="1600" b="0" i="0" dirty="0">
+              <a:rPr lang="ko-KR" altLang="en-US" sz="1600" b="1" i="0" dirty="0">
                 <a:solidFill>
                   <a:srgbClr val="DCDDDE"/>
                 </a:solidFill>
@@ -10566,7 +10543,7 @@
               <a:t>전보다 기획이 쉬워져서 좋았고</a:t>
             </a:r>
             <a:r>
-              <a:rPr lang="en-US" altLang="ko-KR" sz="1600" dirty="0">
+              <a:rPr lang="en-US" altLang="ko-KR" sz="1600" b="1" dirty="0">
                 <a:solidFill>
                   <a:srgbClr val="DCDDDE"/>
                 </a:solidFill>
@@ -10576,7 +10553,7 @@
               <a:t>,</a:t>
             </a:r>
             <a:r>
-              <a:rPr lang="en-US" altLang="ko-KR" sz="1600" b="0" i="0" dirty="0">
+              <a:rPr lang="en-US" altLang="ko-KR" sz="1600" b="1" i="0" dirty="0">
                 <a:solidFill>
                   <a:srgbClr val="DCDDDE"/>
                 </a:solidFill>
@@ -10587,7 +10564,7 @@
               <a:t> </a:t>
             </a:r>
             <a:r>
-              <a:rPr lang="ko-KR" altLang="en-US" sz="1600" b="0" i="0" dirty="0">
+              <a:rPr lang="ko-KR" altLang="en-US" sz="1600" b="1" i="0" dirty="0">
                 <a:solidFill>
                   <a:srgbClr val="DCDDDE"/>
                 </a:solidFill>
@@ -10598,7 +10575,7 @@
               <a:t>게임이 참신한 거 같아서 좋은 게임이 나왔다</a:t>
             </a:r>
             <a:r>
-              <a:rPr lang="en-US" altLang="ko-KR" sz="1600" b="0" i="0" dirty="0">
+              <a:rPr lang="en-US" altLang="ko-KR" sz="1600" b="1" i="0" dirty="0">
                 <a:solidFill>
                   <a:srgbClr val="DCDDDE"/>
                 </a:solidFill>
@@ -10667,7 +10644,7 @@
               <a:t>: </a:t>
             </a:r>
             <a:r>
-              <a:rPr lang="ko-KR" altLang="en-US" sz="1600" b="0" i="0" dirty="0">
+              <a:rPr lang="ko-KR" altLang="en-US" sz="1600" b="1" i="0" dirty="0">
                 <a:solidFill>
                   <a:schemeClr val="bg1">
                     <a:lumMod val="85000"/>
@@ -10679,7 +10656,7 @@
               </a:rPr>
               <a:t>게임잼 때 모였던 팀원 그대로 구성해서 게임개발을 하게 되었는데 그때보다 훨씬 좋은 게임이 </a:t>
             </a:r>
-            <a:endParaRPr lang="en-US" altLang="ko-KR" sz="1600" b="0" i="0" dirty="0">
+            <a:endParaRPr lang="en-US" altLang="ko-KR" sz="1600" b="1" i="0" dirty="0">
               <a:solidFill>
                 <a:schemeClr val="bg1">
                   <a:lumMod val="85000"/>
@@ -10692,7 +10669,7 @@
           </a:p>
           <a:p>
             <a:r>
-              <a:rPr lang="en-US" altLang="ko-KR" sz="1600" dirty="0">
+              <a:rPr lang="en-US" altLang="ko-KR" sz="1600" b="1" dirty="0">
                 <a:solidFill>
                   <a:schemeClr val="bg1">
                     <a:lumMod val="85000"/>
@@ -10704,7 +10681,7 @@
               <a:t>	     </a:t>
             </a:r>
             <a:r>
-              <a:rPr lang="ko-KR" altLang="en-US" sz="1600" b="0" i="0" dirty="0">
+              <a:rPr lang="ko-KR" altLang="en-US" sz="1600" b="1" i="0" dirty="0">
                 <a:solidFill>
                   <a:schemeClr val="bg1">
                     <a:lumMod val="85000"/>
@@ -10777,7 +10754,7 @@
               <a:t>: </a:t>
             </a:r>
             <a:r>
-              <a:rPr lang="ko-KR" altLang="en-US" sz="1600" dirty="0">
+              <a:rPr lang="ko-KR" altLang="en-US" sz="1600" b="1" dirty="0">
                 <a:solidFill>
                   <a:schemeClr val="bg1">
                     <a:lumMod val="85000"/>
@@ -10789,7 +10766,7 @@
               <a:t>프로그래밍을 혼자 했기에 어려운 감이 없잖아 있었지만</a:t>
             </a:r>
             <a:r>
-              <a:rPr lang="en-US" altLang="ko-KR" sz="1600" dirty="0">
+              <a:rPr lang="en-US" altLang="ko-KR" sz="1600" b="1" dirty="0">
                 <a:solidFill>
                   <a:schemeClr val="bg1">
                     <a:lumMod val="85000"/>
@@ -10801,7 +10778,7 @@
               <a:t>, </a:t>
             </a:r>
             <a:r>
-              <a:rPr lang="ko-KR" altLang="en-US" sz="1600" dirty="0">
+              <a:rPr lang="ko-KR" altLang="en-US" sz="1600" b="1" dirty="0">
                 <a:solidFill>
                   <a:schemeClr val="bg1">
                     <a:lumMod val="85000"/>
@@ -10812,7 +10789,7 @@
               </a:rPr>
               <a:t>이번 프로젝트를 통해 많은 성장을 했다는 걸</a:t>
             </a:r>
-            <a:endParaRPr lang="en-US" altLang="ko-KR" sz="1600" dirty="0">
+            <a:endParaRPr lang="en-US" altLang="ko-KR" sz="1600" b="1" dirty="0">
               <a:solidFill>
                 <a:schemeClr val="bg1">
                   <a:lumMod val="85000"/>

--- a/Presentation/AGIS 발표자료.pptx
+++ b/Presentation/AGIS 발표자료.pptx
@@ -11,7 +11,9 @@
     <p:sldId id="268" r:id="rId5"/>
     <p:sldId id="269" r:id="rId6"/>
     <p:sldId id="270" r:id="rId7"/>
-    <p:sldId id="267" r:id="rId8"/>
+    <p:sldId id="271" r:id="rId8"/>
+    <p:sldId id="272" r:id="rId9"/>
+    <p:sldId id="267" r:id="rId10"/>
   </p:sldIdLst>
   <p:sldSz cx="12192000" cy="6858000"/>
   <p:notesSz cx="6858000" cy="9144000"/>
@@ -6822,7 +6824,7 @@
         </p:nvGrpSpPr>
         <p:grpSpPr>
           <a:xfrm>
-            <a:off x="4699" y="-4554"/>
+            <a:off x="-4266" y="-4554"/>
             <a:ext cx="12192000" cy="6858000"/>
             <a:chOff x="0" y="0"/>
             <a:chExt cx="12192000" cy="6858000"/>
@@ -10140,8 +10142,8 @@
           </p:nvSpPr>
           <p:spPr>
             <a:xfrm>
-              <a:off x="409675" y="235484"/>
-              <a:ext cx="1810111" cy="714363"/>
+              <a:off x="282204" y="238697"/>
+              <a:ext cx="4076757" cy="714363"/>
             </a:xfrm>
             <a:prstGeom prst="rect">
               <a:avLst/>
@@ -10195,7 +10197,18 @@
                   <a:ea typeface="에스코어 드림 4 Regular" panose="020B0503030302020204" pitchFamily="34" charset="-127"/>
                   <a:cs typeface="Times New Roman" panose="02020603050405020304" pitchFamily="18" charset="0"/>
                 </a:rPr>
-                <a:t>총평</a:t>
+                <a:t>제작</a:t>
+              </a:r>
+              <a:r>
+                <a:rPr lang="ko-KR" altLang="en-US" sz="4000" kern="100" dirty="0">
+                  <a:solidFill>
+                    <a:schemeClr val="bg1"/>
+                  </a:solidFill>
+                  <a:latin typeface="에스코어 드림 4 Regular" panose="020B0503030302020204" pitchFamily="34" charset="-127"/>
+                  <a:ea typeface="에스코어 드림 4 Regular" panose="020B0503030302020204" pitchFamily="34" charset="-127"/>
+                  <a:cs typeface="Times New Roman" panose="02020603050405020304" pitchFamily="18" charset="0"/>
+                </a:rPr>
+                <a:t> 준비 단계</a:t>
               </a:r>
               <a:endParaRPr lang="ko-KR" altLang="ko-KR" sz="4000" kern="100" dirty="0">
                 <a:solidFill>
@@ -10231,11 +10244,14 @@
             <a:avLst/>
           </a:prstGeom>
           <a:solidFill>
-            <a:schemeClr val="tx1"/>
+            <a:schemeClr val="tx1">
+              <a:lumMod val="65000"/>
+              <a:lumOff val="35000"/>
+            </a:schemeClr>
           </a:solidFill>
-          <a:ln>
+          <a:ln w="38100">
             <a:solidFill>
-              <a:schemeClr val="bg1"/>
+              <a:srgbClr val="C00000"/>
             </a:solidFill>
           </a:ln>
         </p:spPr>
@@ -10320,7 +10336,7 @@
         <p:spPr>
           <a:xfrm>
             <a:off x="409675" y="2641236"/>
-            <a:ext cx="10325262" cy="707886"/>
+            <a:ext cx="10637849" cy="707886"/>
           </a:xfrm>
           <a:prstGeom prst="rect">
             <a:avLst/>
@@ -10338,106 +10354,120 @@
                 <a:solidFill>
                   <a:schemeClr val="bg1"/>
                 </a:solidFill>
+                <a:latin typeface="에스코어 드림 1 Thin" panose="020B0403030302020204" pitchFamily="34" charset="-127"/>
+                <a:ea typeface="에스코어 드림 1 Thin" panose="020B0403030302020204" pitchFamily="34" charset="-127"/>
+              </a:rPr>
+              <a:t>남상현 </a:t>
+            </a:r>
+            <a:r>
+              <a:rPr lang="en-US" altLang="ko-KR" sz="2400" b="1" dirty="0">
+                <a:solidFill>
+                  <a:schemeClr val="bg1"/>
+                </a:solidFill>
+                <a:latin typeface="에스코어 드림 1 Thin" panose="020B0403030302020204" pitchFamily="34" charset="-127"/>
+                <a:ea typeface="에스코어 드림 1 Thin" panose="020B0403030302020204" pitchFamily="34" charset="-127"/>
+              </a:rPr>
+              <a:t>: </a:t>
+            </a:r>
+            <a:r>
+              <a:rPr lang="ko-KR" altLang="en-US" sz="1600" b="0" i="0" dirty="0">
+                <a:solidFill>
+                  <a:srgbClr val="DCDDDE"/>
+                </a:solidFill>
+                <a:effectLst/>
                 <a:latin typeface="에스코어 드림 4 Regular" panose="020B0503030302020204" pitchFamily="34" charset="-127"/>
                 <a:ea typeface="에스코어 드림 4 Regular" panose="020B0503030302020204" pitchFamily="34" charset="-127"/>
               </a:rPr>
-              <a:t>남상현 </a:t>
-            </a:r>
-            <a:r>
-              <a:rPr lang="en-US" altLang="ko-KR" sz="2400" b="1" dirty="0">
-                <a:solidFill>
-                  <a:schemeClr val="bg1"/>
-                </a:solidFill>
+              <a:t>게임잼때 이미 했던 팀이기도 하고</a:t>
+            </a:r>
+            <a:r>
+              <a:rPr lang="en-US" altLang="ko-KR" sz="1600" b="0" i="0" dirty="0">
+                <a:solidFill>
+                  <a:srgbClr val="DCDDDE"/>
+                </a:solidFill>
+                <a:effectLst/>
                 <a:latin typeface="에스코어 드림 4 Regular" panose="020B0503030302020204" pitchFamily="34" charset="-127"/>
                 <a:ea typeface="에스코어 드림 4 Regular" panose="020B0503030302020204" pitchFamily="34" charset="-127"/>
               </a:rPr>
-              <a:t>: </a:t>
-            </a:r>
-            <a:r>
-              <a:rPr lang="ko-KR" altLang="en-US" sz="1600" b="1" dirty="0">
-                <a:solidFill>
-                  <a:schemeClr val="bg1">
-                    <a:lumMod val="85000"/>
-                  </a:schemeClr>
-                </a:solidFill>
-                <a:latin typeface="에스코어 드림 1 Thin" panose="020B0403030302020204" pitchFamily="34" charset="-127"/>
-                <a:ea typeface="에스코어 드림 1 Thin" panose="020B0403030302020204" pitchFamily="34" charset="-127"/>
-              </a:rPr>
-              <a:t>좋은 팀원들이기에 부담도 많이 되었지만 그래도 재밌게 프로젝트를 끝낼 수 있어서 다행인 거 같다</a:t>
-            </a:r>
-            <a:r>
-              <a:rPr lang="en-US" altLang="ko-KR" sz="1600" b="1" dirty="0">
-                <a:solidFill>
-                  <a:schemeClr val="bg1">
-                    <a:lumMod val="85000"/>
-                  </a:schemeClr>
-                </a:solidFill>
-                <a:latin typeface="에스코어 드림 1 Thin" panose="020B0403030302020204" pitchFamily="34" charset="-127"/>
-                <a:ea typeface="에스코어 드림 1 Thin" panose="020B0403030302020204" pitchFamily="34" charset="-127"/>
+              <a:t>, </a:t>
+            </a:r>
+            <a:r>
+              <a:rPr lang="ko-KR" altLang="en-US" sz="1600" b="0" i="0" dirty="0">
+                <a:solidFill>
+                  <a:srgbClr val="DCDDDE"/>
+                </a:solidFill>
+                <a:effectLst/>
+                <a:latin typeface="에스코어 드림 4 Regular" panose="020B0503030302020204" pitchFamily="34" charset="-127"/>
+                <a:ea typeface="에스코어 드림 4 Regular" panose="020B0503030302020204" pitchFamily="34" charset="-127"/>
+              </a:rPr>
+              <a:t>실망시켰기에 부담스럽고 걱정스러웠다</a:t>
+            </a:r>
+            <a:r>
+              <a:rPr lang="en-US" altLang="ko-KR" sz="1600" b="0" i="0" dirty="0">
+                <a:solidFill>
+                  <a:srgbClr val="DCDDDE"/>
+                </a:solidFill>
+                <a:effectLst/>
+                <a:latin typeface="에스코어 드림 4 Regular" panose="020B0503030302020204" pitchFamily="34" charset="-127"/>
+                <a:ea typeface="에스코어 드림 4 Regular" panose="020B0503030302020204" pitchFamily="34" charset="-127"/>
+              </a:rPr>
+              <a:t>. </a:t>
+            </a:r>
+          </a:p>
+          <a:p>
+            <a:r>
+              <a:rPr lang="en-US" altLang="ko-KR" sz="1600" dirty="0">
+                <a:solidFill>
+                  <a:srgbClr val="DCDDDE"/>
+                </a:solidFill>
+                <a:latin typeface="에스코어 드림 4 Regular" panose="020B0503030302020204" pitchFamily="34" charset="-127"/>
+                <a:ea typeface="에스코어 드림 4 Regular" panose="020B0503030302020204" pitchFamily="34" charset="-127"/>
+              </a:rPr>
+              <a:t>	     </a:t>
+            </a:r>
+            <a:r>
+              <a:rPr lang="ko-KR" altLang="en-US" sz="1600" b="0" i="0" dirty="0">
+                <a:solidFill>
+                  <a:srgbClr val="DCDDDE"/>
+                </a:solidFill>
+                <a:effectLst/>
+                <a:latin typeface="에스코어 드림 4 Regular" panose="020B0503030302020204" pitchFamily="34" charset="-127"/>
+                <a:ea typeface="에스코어 드림 4 Regular" panose="020B0503030302020204" pitchFamily="34" charset="-127"/>
+              </a:rPr>
+              <a:t>여러 아이디어들을 준비해서 팀원들에게 공개했는데</a:t>
+            </a:r>
+            <a:r>
+              <a:rPr lang="en-US" altLang="ko-KR" sz="1600" b="0" i="0" dirty="0">
+                <a:solidFill>
+                  <a:srgbClr val="DCDDDE"/>
+                </a:solidFill>
+                <a:effectLst/>
+                <a:latin typeface="에스코어 드림 4 Regular" panose="020B0503030302020204" pitchFamily="34" charset="-127"/>
+                <a:ea typeface="에스코어 드림 4 Regular" panose="020B0503030302020204" pitchFamily="34" charset="-127"/>
+              </a:rPr>
+              <a:t>, </a:t>
+            </a:r>
+            <a:r>
+              <a:rPr lang="ko-KR" altLang="en-US" sz="1600" b="0" i="0" dirty="0">
+                <a:solidFill>
+                  <a:srgbClr val="DCDDDE"/>
+                </a:solidFill>
+                <a:effectLst/>
+                <a:latin typeface="에스코어 드림 4 Regular" panose="020B0503030302020204" pitchFamily="34" charset="-127"/>
+                <a:ea typeface="에스코어 드림 4 Regular" panose="020B0503030302020204" pitchFamily="34" charset="-127"/>
+              </a:rPr>
+              <a:t>팀원들의 마음에 드는 아이디어가 있어서 안도했다</a:t>
+            </a:r>
+            <a:r>
+              <a:rPr lang="en-US" altLang="ko-KR" sz="1600" b="0" i="0" dirty="0">
+                <a:solidFill>
+                  <a:srgbClr val="DCDDDE"/>
+                </a:solidFill>
+                <a:effectLst/>
+                <a:latin typeface="에스코어 드림 4 Regular" panose="020B0503030302020204" pitchFamily="34" charset="-127"/>
+                <a:ea typeface="에스코어 드림 4 Regular" panose="020B0503030302020204" pitchFamily="34" charset="-127"/>
               </a:rPr>
               <a:t>.</a:t>
-            </a:r>
-          </a:p>
-          <a:p>
-            <a:r>
-              <a:rPr lang="en-US" altLang="ko-KR" sz="1600" b="1" dirty="0">
-                <a:solidFill>
-                  <a:schemeClr val="bg1">
-                    <a:lumMod val="85000"/>
-                  </a:schemeClr>
-                </a:solidFill>
-                <a:latin typeface="에스코어 드림 1 Thin" panose="020B0403030302020204" pitchFamily="34" charset="-127"/>
-                <a:ea typeface="에스코어 드림 1 Thin" panose="020B0403030302020204" pitchFamily="34" charset="-127"/>
-              </a:rPr>
-              <a:t>	    </a:t>
-            </a:r>
-            <a:r>
-              <a:rPr lang="ko-KR" altLang="en-US" sz="1600" b="1" dirty="0">
-                <a:solidFill>
-                  <a:schemeClr val="bg1">
-                    <a:lumMod val="85000"/>
-                  </a:schemeClr>
-                </a:solidFill>
-                <a:latin typeface="에스코어 드림 1 Thin" panose="020B0403030302020204" pitchFamily="34" charset="-127"/>
-                <a:ea typeface="에스코어 드림 1 Thin" panose="020B0403030302020204" pitchFamily="34" charset="-127"/>
-              </a:rPr>
-              <a:t>만약 다시 한 번 함께 할 기회가 있다면</a:t>
-            </a:r>
-            <a:r>
-              <a:rPr lang="en-US" altLang="ko-KR" sz="1600" b="1" dirty="0">
-                <a:solidFill>
-                  <a:schemeClr val="bg1">
-                    <a:lumMod val="85000"/>
-                  </a:schemeClr>
-                </a:solidFill>
-                <a:latin typeface="에스코어 드림 1 Thin" panose="020B0403030302020204" pitchFamily="34" charset="-127"/>
-                <a:ea typeface="에스코어 드림 1 Thin" panose="020B0403030302020204" pitchFamily="34" charset="-127"/>
-              </a:rPr>
-              <a:t>, </a:t>
-            </a:r>
-            <a:r>
-              <a:rPr lang="ko-KR" altLang="en-US" sz="1600" b="1" dirty="0">
-                <a:solidFill>
-                  <a:schemeClr val="bg1">
-                    <a:lumMod val="85000"/>
-                  </a:schemeClr>
-                </a:solidFill>
-                <a:latin typeface="에스코어 드림 1 Thin" panose="020B0403030302020204" pitchFamily="34" charset="-127"/>
-                <a:ea typeface="에스코어 드림 1 Thin" panose="020B0403030302020204" pitchFamily="34" charset="-127"/>
-              </a:rPr>
-              <a:t>함께하고 싶다</a:t>
-            </a:r>
-            <a:r>
-              <a:rPr lang="en-US" altLang="ko-KR" sz="1600" b="1" dirty="0">
-                <a:solidFill>
-                  <a:schemeClr val="bg1">
-                    <a:lumMod val="85000"/>
-                  </a:schemeClr>
-                </a:solidFill>
-                <a:latin typeface="에스코어 드림 1 Thin" panose="020B0403030302020204" pitchFamily="34" charset="-127"/>
-                <a:ea typeface="에스코어 드림 1 Thin" panose="020B0403030302020204" pitchFamily="34" charset="-127"/>
-              </a:rPr>
-              <a:t>. </a:t>
             </a:r>
             <a:endParaRPr lang="ko-KR" altLang="en-US" sz="1600" b="1" dirty="0">
               <a:solidFill>
@@ -10445,8 +10475,8 @@
                   <a:lumMod val="85000"/>
                 </a:schemeClr>
               </a:solidFill>
-              <a:latin typeface="에스코어 드림 1 Thin" panose="020B0403030302020204" pitchFamily="34" charset="-127"/>
-              <a:ea typeface="에스코어 드림 1 Thin" panose="020B0403030302020204" pitchFamily="34" charset="-127"/>
+              <a:latin typeface="에스코어 드림 4 Regular" panose="020B0503030302020204" pitchFamily="34" charset="-127"/>
+              <a:ea typeface="에스코어 드림 4 Regular" panose="020B0503030302020204" pitchFamily="34" charset="-127"/>
             </a:endParaRPr>
           </a:p>
         </p:txBody>
@@ -10466,7 +10496,7 @@
         <p:spPr>
           <a:xfrm>
             <a:off x="409675" y="3616248"/>
-            <a:ext cx="10007868" cy="707886"/>
+            <a:ext cx="11170046" cy="707886"/>
           </a:xfrm>
           <a:prstGeom prst="rect">
             <a:avLst/>
@@ -10484,104 +10514,103 @@
                 <a:solidFill>
                   <a:schemeClr val="bg1"/>
                 </a:solidFill>
+                <a:latin typeface="에스코어 드림 1 Thin" panose="020B0403030302020204" pitchFamily="34" charset="-127"/>
+                <a:ea typeface="에스코어 드림 1 Thin" panose="020B0403030302020204" pitchFamily="34" charset="-127"/>
+              </a:rPr>
+              <a:t>유지호 </a:t>
+            </a:r>
+            <a:r>
+              <a:rPr lang="en-US" altLang="ko-KR" sz="2400" b="1" dirty="0">
+                <a:solidFill>
+                  <a:schemeClr val="bg1"/>
+                </a:solidFill>
+                <a:latin typeface="에스코어 드림 1 Thin" panose="020B0403030302020204" pitchFamily="34" charset="-127"/>
+                <a:ea typeface="에스코어 드림 1 Thin" panose="020B0403030302020204" pitchFamily="34" charset="-127"/>
+              </a:rPr>
+              <a:t>:</a:t>
+            </a:r>
+            <a:r>
+              <a:rPr lang="en-US" altLang="ko-KR" sz="2400" b="1" dirty="0">
+                <a:solidFill>
+                  <a:schemeClr val="bg1"/>
+                </a:solidFill>
                 <a:latin typeface="에스코어 드림 4 Regular" panose="020B0503030302020204" pitchFamily="34" charset="-127"/>
                 <a:ea typeface="에스코어 드림 4 Regular" panose="020B0503030302020204" pitchFamily="34" charset="-127"/>
               </a:rPr>
-              <a:t>유지호 </a:t>
-            </a:r>
-            <a:r>
-              <a:rPr lang="en-US" altLang="ko-KR" sz="2400" b="1" dirty="0">
-                <a:solidFill>
-                  <a:schemeClr val="bg1"/>
-                </a:solidFill>
+              <a:t> </a:t>
+            </a:r>
+            <a:r>
+              <a:rPr lang="ko-KR" altLang="en-US" sz="1600" b="0" i="0" dirty="0">
+                <a:solidFill>
+                  <a:srgbClr val="DCDDDE"/>
+                </a:solidFill>
+                <a:effectLst/>
                 <a:latin typeface="에스코어 드림 4 Regular" panose="020B0503030302020204" pitchFamily="34" charset="-127"/>
                 <a:ea typeface="에스코어 드림 4 Regular" panose="020B0503030302020204" pitchFamily="34" charset="-127"/>
               </a:rPr>
-              <a:t>: </a:t>
-            </a:r>
-            <a:r>
-              <a:rPr lang="ko-KR" altLang="en-US" sz="1600" b="1" i="0" dirty="0">
+              <a:t>프로젝트를 한번 갈아엎고</a:t>
+            </a:r>
+            <a:r>
+              <a:rPr lang="en-US" altLang="ko-KR" sz="1600" b="0" i="0" dirty="0">
                 <a:solidFill>
                   <a:srgbClr val="DCDDDE"/>
                 </a:solidFill>
                 <a:effectLst/>
-                <a:latin typeface="에스코어 드림 1 Thin" panose="020B0403030302020204" pitchFamily="34" charset="-127"/>
-                <a:ea typeface="에스코어 드림 1 Thin" panose="020B0403030302020204" pitchFamily="34" charset="-127"/>
-              </a:rPr>
-              <a:t>처음에 기획했던 게임은 스토리도 있어서 기획하기 힘들었지만 결정한 하이퍼 캐주얼 장르라서 </a:t>
-            </a:r>
-            <a:endParaRPr lang="en-US" altLang="ko-KR" sz="1600" b="1" i="0" dirty="0">
+                <a:latin typeface="에스코어 드림 4 Regular" panose="020B0503030302020204" pitchFamily="34" charset="-127"/>
+                <a:ea typeface="에스코어 드림 4 Regular" panose="020B0503030302020204" pitchFamily="34" charset="-127"/>
+              </a:rPr>
+              <a:t>, </a:t>
+            </a:r>
+            <a:r>
+              <a:rPr lang="ko-KR" altLang="en-US" sz="1600" b="0" i="0" dirty="0">
+                <a:solidFill>
+                  <a:srgbClr val="DCDDDE"/>
+                </a:solidFill>
+                <a:effectLst/>
+                <a:latin typeface="에스코어 드림 4 Regular" panose="020B0503030302020204" pitchFamily="34" charset="-127"/>
+                <a:ea typeface="에스코어 드림 4 Regular" panose="020B0503030302020204" pitchFamily="34" charset="-127"/>
+              </a:rPr>
+              <a:t>팀원들과 회의를 통해 의견을 나누며 어떻게 하면 재미있는 게임을 만들 수 있을지 </a:t>
+            </a:r>
+            <a:endParaRPr lang="en-US" altLang="ko-KR" sz="1600" b="0" i="0" dirty="0">
               <a:solidFill>
                 <a:srgbClr val="DCDDDE"/>
               </a:solidFill>
               <a:effectLst/>
-              <a:latin typeface="에스코어 드림 1 Thin" panose="020B0403030302020204" pitchFamily="34" charset="-127"/>
-              <a:ea typeface="에스코어 드림 1 Thin" panose="020B0403030302020204" pitchFamily="34" charset="-127"/>
+              <a:latin typeface="에스코어 드림 4 Regular" panose="020B0503030302020204" pitchFamily="34" charset="-127"/>
+              <a:ea typeface="에스코어 드림 4 Regular" panose="020B0503030302020204" pitchFamily="34" charset="-127"/>
             </a:endParaRPr>
           </a:p>
           <a:p>
             <a:r>
-              <a:rPr lang="en-US" altLang="ko-KR" sz="1600" b="1" i="0" dirty="0">
+              <a:rPr lang="en-US" altLang="ko-KR" sz="1600" dirty="0">
                 <a:solidFill>
                   <a:srgbClr val="DCDDDE"/>
                 </a:solidFill>
+                <a:latin typeface="에스코어 드림 4 Regular" panose="020B0503030302020204" pitchFamily="34" charset="-127"/>
+                <a:ea typeface="에스코어 드림 4 Regular" panose="020B0503030302020204" pitchFamily="34" charset="-127"/>
+              </a:rPr>
+              <a:t>	     </a:t>
+            </a:r>
+            <a:r>
+              <a:rPr lang="ko-KR" altLang="en-US" sz="1600" b="0" i="0" dirty="0">
+                <a:solidFill>
+                  <a:srgbClr val="DCDDDE"/>
+                </a:solidFill>
                 <a:effectLst/>
-                <a:latin typeface="에스코어 드림 1 Thin" panose="020B0403030302020204" pitchFamily="34" charset="-127"/>
-                <a:ea typeface="에스코어 드림 1 Thin" panose="020B0403030302020204" pitchFamily="34" charset="-127"/>
-              </a:rPr>
-              <a:t>	    </a:t>
-            </a:r>
-            <a:r>
-              <a:rPr lang="ko-KR" altLang="en-US" sz="1600" b="1" i="0" dirty="0">
+                <a:latin typeface="에스코어 드림 4 Regular" panose="020B0503030302020204" pitchFamily="34" charset="-127"/>
+                <a:ea typeface="에스코어 드림 4 Regular" panose="020B0503030302020204" pitchFamily="34" charset="-127"/>
+              </a:rPr>
+              <a:t>다같이 고민했다</a:t>
+            </a:r>
+            <a:r>
+              <a:rPr lang="en-US" altLang="ko-KR" sz="1600" b="0" i="0" dirty="0">
                 <a:solidFill>
                   <a:srgbClr val="DCDDDE"/>
                 </a:solidFill>
                 <a:effectLst/>
-                <a:latin typeface="에스코어 드림 1 Thin" panose="020B0403030302020204" pitchFamily="34" charset="-127"/>
-                <a:ea typeface="에스코어 드림 1 Thin" panose="020B0403030302020204" pitchFamily="34" charset="-127"/>
-              </a:rPr>
-              <a:t>전보다 기획이 쉬워져서 좋았고</a:t>
-            </a:r>
-            <a:r>
-              <a:rPr lang="en-US" altLang="ko-KR" sz="1600" b="1" dirty="0">
-                <a:solidFill>
-                  <a:srgbClr val="DCDDDE"/>
-                </a:solidFill>
-                <a:latin typeface="에스코어 드림 1 Thin" panose="020B0403030302020204" pitchFamily="34" charset="-127"/>
-                <a:ea typeface="에스코어 드림 1 Thin" panose="020B0403030302020204" pitchFamily="34" charset="-127"/>
-              </a:rPr>
-              <a:t>,</a:t>
-            </a:r>
-            <a:r>
-              <a:rPr lang="en-US" altLang="ko-KR" sz="1600" b="1" i="0" dirty="0">
-                <a:solidFill>
-                  <a:srgbClr val="DCDDDE"/>
-                </a:solidFill>
-                <a:effectLst/>
-                <a:latin typeface="에스코어 드림 1 Thin" panose="020B0403030302020204" pitchFamily="34" charset="-127"/>
-                <a:ea typeface="에스코어 드림 1 Thin" panose="020B0403030302020204" pitchFamily="34" charset="-127"/>
-              </a:rPr>
-              <a:t> </a:t>
-            </a:r>
-            <a:r>
-              <a:rPr lang="ko-KR" altLang="en-US" sz="1600" b="1" i="0" dirty="0">
-                <a:solidFill>
-                  <a:srgbClr val="DCDDDE"/>
-                </a:solidFill>
-                <a:effectLst/>
-                <a:latin typeface="에스코어 드림 1 Thin" panose="020B0403030302020204" pitchFamily="34" charset="-127"/>
-                <a:ea typeface="에스코어 드림 1 Thin" panose="020B0403030302020204" pitchFamily="34" charset="-127"/>
-              </a:rPr>
-              <a:t>게임이 참신한 거 같아서 좋은 게임이 나왔다</a:t>
-            </a:r>
-            <a:r>
-              <a:rPr lang="en-US" altLang="ko-KR" sz="1600" b="1" i="0" dirty="0">
-                <a:solidFill>
-                  <a:srgbClr val="DCDDDE"/>
-                </a:solidFill>
-                <a:effectLst/>
-                <a:latin typeface="에스코어 드림 1 Thin" panose="020B0403030302020204" pitchFamily="34" charset="-127"/>
-                <a:ea typeface="에스코어 드림 1 Thin" panose="020B0403030302020204" pitchFamily="34" charset="-127"/>
+                <a:latin typeface="에스코어 드림 4 Regular" panose="020B0503030302020204" pitchFamily="34" charset="-127"/>
+                <a:ea typeface="에스코어 드림 4 Regular" panose="020B0503030302020204" pitchFamily="34" charset="-127"/>
               </a:rPr>
               <a:t>.</a:t>
             </a:r>
@@ -10589,8 +10618,8 @@
               <a:solidFill>
                 <a:schemeClr val="bg1"/>
               </a:solidFill>
-              <a:latin typeface="에스코어 드림 1 Thin" panose="020B0403030302020204" pitchFamily="34" charset="-127"/>
-              <a:ea typeface="에스코어 드림 1 Thin" panose="020B0403030302020204" pitchFamily="34" charset="-127"/>
+              <a:latin typeface="에스코어 드림 4 Regular" panose="020B0503030302020204" pitchFamily="34" charset="-127"/>
+              <a:ea typeface="에스코어 드림 4 Regular" panose="020B0503030302020204" pitchFamily="34" charset="-127"/>
             </a:endParaRPr>
           </a:p>
         </p:txBody>
@@ -10610,7 +10639,7 @@
         <p:spPr>
           <a:xfrm>
             <a:off x="409675" y="4591260"/>
-            <a:ext cx="9918100" cy="707886"/>
+            <a:ext cx="10354117" cy="461665"/>
           </a:xfrm>
           <a:prstGeom prst="rect">
             <a:avLst/>
@@ -10628,70 +10657,74 @@
                 <a:solidFill>
                   <a:schemeClr val="bg1"/>
                 </a:solidFill>
+                <a:latin typeface="에스코어 드림 1 Thin" panose="020B0403030302020204" pitchFamily="34" charset="-127"/>
+                <a:ea typeface="에스코어 드림 1 Thin" panose="020B0403030302020204" pitchFamily="34" charset="-127"/>
+              </a:rPr>
+              <a:t>김가윤 </a:t>
+            </a:r>
+            <a:r>
+              <a:rPr lang="en-US" altLang="ko-KR" sz="2400" b="1" dirty="0">
+                <a:solidFill>
+                  <a:schemeClr val="bg1"/>
+                </a:solidFill>
+                <a:latin typeface="에스코어 드림 1 Thin" panose="020B0403030302020204" pitchFamily="34" charset="-127"/>
+                <a:ea typeface="에스코어 드림 1 Thin" panose="020B0403030302020204" pitchFamily="34" charset="-127"/>
+              </a:rPr>
+              <a:t>:</a:t>
+            </a:r>
+            <a:r>
+              <a:rPr lang="en-US" altLang="ko-KR" sz="2400" b="1" dirty="0">
+                <a:solidFill>
+                  <a:schemeClr val="bg1"/>
+                </a:solidFill>
                 <a:latin typeface="에스코어 드림 4 Regular" panose="020B0503030302020204" pitchFamily="34" charset="-127"/>
                 <a:ea typeface="에스코어 드림 4 Regular" panose="020B0503030302020204" pitchFamily="34" charset="-127"/>
               </a:rPr>
-              <a:t>김가윤 </a:t>
-            </a:r>
-            <a:r>
-              <a:rPr lang="en-US" altLang="ko-KR" sz="2400" b="1" dirty="0">
-                <a:solidFill>
-                  <a:schemeClr val="bg1"/>
-                </a:solidFill>
+              <a:t> </a:t>
+            </a:r>
+            <a:r>
+              <a:rPr lang="ko-KR" altLang="en-US" sz="1600" b="0" i="0" dirty="0">
+                <a:solidFill>
+                  <a:srgbClr val="DCDDDE"/>
+                </a:solidFill>
+                <a:effectLst/>
                 <a:latin typeface="에스코어 드림 4 Regular" panose="020B0503030302020204" pitchFamily="34" charset="-127"/>
                 <a:ea typeface="에스코어 드림 4 Regular" panose="020B0503030302020204" pitchFamily="34" charset="-127"/>
               </a:rPr>
-              <a:t>: </a:t>
-            </a:r>
-            <a:r>
-              <a:rPr lang="ko-KR" altLang="en-US" sz="1600" b="1" i="0" dirty="0">
-                <a:solidFill>
-                  <a:schemeClr val="bg1">
-                    <a:lumMod val="85000"/>
-                  </a:schemeClr>
+              <a:t>개발 전 팀원들과 모여서 회의를 여러 번 했고 정말 많은 의견을 나눴다</a:t>
+            </a:r>
+            <a:r>
+              <a:rPr lang="en-US" altLang="ko-KR" sz="1600" b="0" i="0" dirty="0">
+                <a:solidFill>
+                  <a:srgbClr val="DCDDDE"/>
                 </a:solidFill>
                 <a:effectLst/>
-                <a:latin typeface="에스코어 드림 1 Thin" panose="020B0403030302020204" pitchFamily="34" charset="-127"/>
-                <a:ea typeface="에스코어 드림 1 Thin" panose="020B0403030302020204" pitchFamily="34" charset="-127"/>
-              </a:rPr>
-              <a:t>게임잼 때 모였던 팀원 그대로 구성해서 게임개발을 하게 되었는데 그때보다 훨씬 좋은 게임이 </a:t>
-            </a:r>
-            <a:endParaRPr lang="en-US" altLang="ko-KR" sz="1600" b="1" i="0" dirty="0">
-              <a:solidFill>
-                <a:schemeClr val="bg1">
-                  <a:lumMod val="85000"/>
-                </a:schemeClr>
-              </a:solidFill>
-              <a:effectLst/>
-              <a:latin typeface="에스코어 드림 1 Thin" panose="020B0403030302020204" pitchFamily="34" charset="-127"/>
-              <a:ea typeface="에스코어 드림 1 Thin" panose="020B0403030302020204" pitchFamily="34" charset="-127"/>
-            </a:endParaRPr>
-          </a:p>
-          <a:p>
-            <a:r>
-              <a:rPr lang="en-US" altLang="ko-KR" sz="1600" b="1" dirty="0">
-                <a:solidFill>
-                  <a:schemeClr val="bg1">
-                    <a:lumMod val="85000"/>
-                  </a:schemeClr>
-                </a:solidFill>
-                <a:latin typeface="에스코어 드림 1 Thin" panose="020B0403030302020204" pitchFamily="34" charset="-127"/>
-                <a:ea typeface="에스코어 드림 1 Thin" panose="020B0403030302020204" pitchFamily="34" charset="-127"/>
-              </a:rPr>
-              <a:t>	     </a:t>
-            </a:r>
-            <a:r>
-              <a:rPr lang="ko-KR" altLang="en-US" sz="1600" b="1" i="0" dirty="0">
-                <a:solidFill>
-                  <a:schemeClr val="bg1">
-                    <a:lumMod val="85000"/>
-                  </a:schemeClr>
+                <a:latin typeface="에스코어 드림 4 Regular" panose="020B0503030302020204" pitchFamily="34" charset="-127"/>
+                <a:ea typeface="에스코어 드림 4 Regular" panose="020B0503030302020204" pitchFamily="34" charset="-127"/>
+              </a:rPr>
+              <a:t>. </a:t>
+            </a:r>
+            <a:r>
+              <a:rPr lang="ko-KR" altLang="en-US" sz="1600" b="0" i="0" dirty="0">
+                <a:solidFill>
+                  <a:srgbClr val="DCDDDE"/>
                 </a:solidFill>
                 <a:effectLst/>
-                <a:latin typeface="에스코어 드림 1 Thin" panose="020B0403030302020204" pitchFamily="34" charset="-127"/>
-                <a:ea typeface="에스코어 드림 1 Thin" panose="020B0403030302020204" pitchFamily="34" charset="-127"/>
-              </a:rPr>
-              <a:t>결과물로 나와서 뿌듯했다</a:t>
+                <a:latin typeface="에스코어 드림 4 Regular" panose="020B0503030302020204" pitchFamily="34" charset="-127"/>
+                <a:ea typeface="에스코어 드림 4 Regular" panose="020B0503030302020204" pitchFamily="34" charset="-127"/>
+              </a:rPr>
+              <a:t>피드백도 끝없이 주고받았다</a:t>
+            </a:r>
+            <a:r>
+              <a:rPr lang="en-US" altLang="ko-KR" sz="1600" b="0" i="0" dirty="0">
+                <a:solidFill>
+                  <a:srgbClr val="DCDDDE"/>
+                </a:solidFill>
+                <a:effectLst/>
+                <a:latin typeface="에스코어 드림 4 Regular" panose="020B0503030302020204" pitchFamily="34" charset="-127"/>
+                <a:ea typeface="에스코어 드림 4 Regular" panose="020B0503030302020204" pitchFamily="34" charset="-127"/>
+              </a:rPr>
+              <a:t>.</a:t>
             </a:r>
             <a:endParaRPr lang="ko-KR" altLang="en-US" sz="1600" b="1" dirty="0">
               <a:solidFill>
@@ -10699,8 +10732,8 @@
                   <a:lumMod val="85000"/>
                 </a:schemeClr>
               </a:solidFill>
-              <a:latin typeface="에스코어 드림 1 Thin" panose="020B0403030302020204" pitchFamily="34" charset="-127"/>
-              <a:ea typeface="에스코어 드림 1 Thin" panose="020B0403030302020204" pitchFamily="34" charset="-127"/>
+              <a:latin typeface="에스코어 드림 4 Regular" panose="020B0503030302020204" pitchFamily="34" charset="-127"/>
+              <a:ea typeface="에스코어 드림 4 Regular" panose="020B0503030302020204" pitchFamily="34" charset="-127"/>
             </a:endParaRPr>
           </a:p>
         </p:txBody>
@@ -10720,7 +10753,7 @@
         <p:spPr>
           <a:xfrm>
             <a:off x="409675" y="5566272"/>
-            <a:ext cx="10592964" cy="830997"/>
+            <a:ext cx="10666703" cy="461665"/>
           </a:xfrm>
           <a:prstGeom prst="rect">
             <a:avLst/>
@@ -10738,144 +10771,59 @@
                 <a:solidFill>
                   <a:schemeClr val="bg1"/>
                 </a:solidFill>
+                <a:latin typeface="에스코어 드림 1 Thin" panose="020B0403030302020204" pitchFamily="34" charset="-127"/>
+                <a:ea typeface="에스코어 드림 1 Thin" panose="020B0403030302020204" pitchFamily="34" charset="-127"/>
+              </a:rPr>
+              <a:t>박광현 </a:t>
+            </a:r>
+            <a:r>
+              <a:rPr lang="en-US" altLang="ko-KR" sz="2400" b="1" dirty="0">
+                <a:solidFill>
+                  <a:schemeClr val="bg1"/>
+                </a:solidFill>
+                <a:latin typeface="에스코어 드림 1 Thin" panose="020B0403030302020204" pitchFamily="34" charset="-127"/>
+                <a:ea typeface="에스코어 드림 1 Thin" panose="020B0403030302020204" pitchFamily="34" charset="-127"/>
+              </a:rPr>
+              <a:t>:</a:t>
+            </a:r>
+            <a:r>
+              <a:rPr lang="en-US" altLang="ko-KR" sz="2400" b="1" dirty="0">
+                <a:solidFill>
+                  <a:schemeClr val="bg1"/>
+                </a:solidFill>
                 <a:latin typeface="에스코어 드림 4 Regular" panose="020B0503030302020204" pitchFamily="34" charset="-127"/>
                 <a:ea typeface="에스코어 드림 4 Regular" panose="020B0503030302020204" pitchFamily="34" charset="-127"/>
               </a:rPr>
-              <a:t>박광현 </a:t>
-            </a:r>
-            <a:r>
-              <a:rPr lang="en-US" altLang="ko-KR" sz="2400" b="1" dirty="0">
-                <a:solidFill>
-                  <a:schemeClr val="bg1"/>
-                </a:solidFill>
+              <a:t> </a:t>
+            </a:r>
+            <a:r>
+              <a:rPr lang="ko-KR" altLang="en-US" sz="1600" b="0" i="0" dirty="0">
+                <a:solidFill>
+                  <a:srgbClr val="DCDDDE"/>
+                </a:solidFill>
+                <a:effectLst/>
                 <a:latin typeface="에스코어 드림 4 Regular" panose="020B0503030302020204" pitchFamily="34" charset="-127"/>
                 <a:ea typeface="에스코어 드림 4 Regular" panose="020B0503030302020204" pitchFamily="34" charset="-127"/>
               </a:rPr>
-              <a:t>: </a:t>
-            </a:r>
-            <a:r>
-              <a:rPr lang="ko-KR" altLang="en-US" sz="1600" b="1" dirty="0">
-                <a:solidFill>
-                  <a:schemeClr val="bg1">
-                    <a:lumMod val="85000"/>
-                  </a:schemeClr>
-                </a:solidFill>
-                <a:latin typeface="에스코어 드림 1 Thin" panose="020B0403030302020204" pitchFamily="34" charset="-127"/>
-                <a:ea typeface="에스코어 드림 1 Thin" panose="020B0403030302020204" pitchFamily="34" charset="-127"/>
-              </a:rPr>
-              <a:t>프로그래밍을 혼자 했기에 어려운 감이 없잖아 있었지만</a:t>
-            </a:r>
-            <a:r>
-              <a:rPr lang="en-US" altLang="ko-KR" sz="1600" b="1" dirty="0">
-                <a:solidFill>
-                  <a:schemeClr val="bg1">
-                    <a:lumMod val="85000"/>
-                  </a:schemeClr>
-                </a:solidFill>
-                <a:latin typeface="에스코어 드림 1 Thin" panose="020B0403030302020204" pitchFamily="34" charset="-127"/>
-                <a:ea typeface="에스코어 드림 1 Thin" panose="020B0403030302020204" pitchFamily="34" charset="-127"/>
-              </a:rPr>
-              <a:t>, </a:t>
-            </a:r>
-            <a:r>
-              <a:rPr lang="ko-KR" altLang="en-US" sz="1600" b="1" dirty="0">
-                <a:solidFill>
-                  <a:schemeClr val="bg1">
-                    <a:lumMod val="85000"/>
-                  </a:schemeClr>
-                </a:solidFill>
-                <a:latin typeface="에스코어 드림 1 Thin" panose="020B0403030302020204" pitchFamily="34" charset="-127"/>
-                <a:ea typeface="에스코어 드림 1 Thin" panose="020B0403030302020204" pitchFamily="34" charset="-127"/>
-              </a:rPr>
-              <a:t>이번 프로젝트를 통해 많은 성장을 했다는 걸</a:t>
-            </a:r>
-            <a:endParaRPr lang="en-US" altLang="ko-KR" sz="1600" b="1" dirty="0">
-              <a:solidFill>
-                <a:schemeClr val="bg1">
-                  <a:lumMod val="85000"/>
-                </a:schemeClr>
-              </a:solidFill>
-              <a:latin typeface="에스코어 드림 1 Thin" panose="020B0403030302020204" pitchFamily="34" charset="-127"/>
-              <a:ea typeface="에스코어 드림 1 Thin" panose="020B0403030302020204" pitchFamily="34" charset="-127"/>
-            </a:endParaRPr>
-          </a:p>
-          <a:p>
-            <a:r>
-              <a:rPr lang="en-US" altLang="ko-KR" sz="1600" b="1" dirty="0">
-                <a:solidFill>
-                  <a:schemeClr val="bg1">
-                    <a:lumMod val="85000"/>
-                  </a:schemeClr>
-                </a:solidFill>
-                <a:latin typeface="에스코어 드림 1 Thin" panose="020B0403030302020204" pitchFamily="34" charset="-127"/>
-                <a:ea typeface="에스코어 드림 1 Thin" panose="020B0403030302020204" pitchFamily="34" charset="-127"/>
-              </a:rPr>
-              <a:t>	    </a:t>
-            </a:r>
-            <a:r>
-              <a:rPr lang="ko-KR" altLang="en-US" sz="1600" b="1" dirty="0">
-                <a:solidFill>
-                  <a:schemeClr val="bg1">
-                    <a:lumMod val="85000"/>
-                  </a:schemeClr>
-                </a:solidFill>
-                <a:latin typeface="에스코어 드림 1 Thin" panose="020B0403030302020204" pitchFamily="34" charset="-127"/>
-                <a:ea typeface="에스코어 드림 1 Thin" panose="020B0403030302020204" pitchFamily="34" charset="-127"/>
-              </a:rPr>
-              <a:t>느낄 수 있었으며</a:t>
-            </a:r>
-            <a:r>
-              <a:rPr lang="en-US" altLang="ko-KR" sz="1600" b="1" dirty="0">
-                <a:solidFill>
-                  <a:schemeClr val="bg1">
-                    <a:lumMod val="85000"/>
-                  </a:schemeClr>
-                </a:solidFill>
-                <a:latin typeface="에스코어 드림 1 Thin" panose="020B0403030302020204" pitchFamily="34" charset="-127"/>
-                <a:ea typeface="에스코어 드림 1 Thin" panose="020B0403030302020204" pitchFamily="34" charset="-127"/>
-              </a:rPr>
-              <a:t>, </a:t>
-            </a:r>
-            <a:r>
-              <a:rPr lang="ko-KR" altLang="en-US" sz="1600" b="1" dirty="0">
-                <a:solidFill>
-                  <a:schemeClr val="bg1">
-                    <a:lumMod val="85000"/>
-                  </a:schemeClr>
-                </a:solidFill>
-                <a:latin typeface="에스코어 드림 1 Thin" panose="020B0403030302020204" pitchFamily="34" charset="-127"/>
-                <a:ea typeface="에스코어 드림 1 Thin" panose="020B0403030302020204" pitchFamily="34" charset="-127"/>
-              </a:rPr>
-              <a:t>프로젝트의 결과에 만족스럽다</a:t>
-            </a:r>
-            <a:r>
-              <a:rPr lang="en-US" altLang="ko-KR" sz="1600" b="1" dirty="0">
-                <a:solidFill>
-                  <a:schemeClr val="bg1">
-                    <a:lumMod val="85000"/>
-                  </a:schemeClr>
-                </a:solidFill>
-                <a:latin typeface="에스코어 드림 1 Thin" panose="020B0403030302020204" pitchFamily="34" charset="-127"/>
-                <a:ea typeface="에스코어 드림 1 Thin" panose="020B0403030302020204" pitchFamily="34" charset="-127"/>
+              <a:t>기획을 엎는 과정에서 서로 만들고 싶은 게임들을 얘기해줘서 나은 기획과 방향으로 갈 수 있었던 것 같다</a:t>
+            </a:r>
+            <a:r>
+              <a:rPr lang="en-US" altLang="ko-KR" sz="1600" b="0" i="0" dirty="0">
+                <a:solidFill>
+                  <a:srgbClr val="DCDDDE"/>
+                </a:solidFill>
+                <a:effectLst/>
+                <a:latin typeface="에스코어 드림 4 Regular" panose="020B0503030302020204" pitchFamily="34" charset="-127"/>
+                <a:ea typeface="에스코어 드림 4 Regular" panose="020B0503030302020204" pitchFamily="34" charset="-127"/>
               </a:rPr>
               <a:t>.</a:t>
-            </a:r>
-            <a:r>
-              <a:rPr lang="en-US" altLang="ko-KR" sz="2400" b="1" dirty="0">
-                <a:solidFill>
-                  <a:schemeClr val="bg1"/>
-                </a:solidFill>
-                <a:latin typeface="에스코어 드림 1 Thin" panose="020B0403030302020204" pitchFamily="34" charset="-127"/>
-                <a:ea typeface="에스코어 드림 1 Thin" panose="020B0403030302020204" pitchFamily="34" charset="-127"/>
-              </a:rPr>
-              <a:t> </a:t>
             </a:r>
             <a:endParaRPr lang="ko-KR" altLang="en-US" sz="2400" b="1" dirty="0">
               <a:solidFill>
                 <a:schemeClr val="bg1"/>
               </a:solidFill>
-              <a:latin typeface="에스코어 드림 1 Thin" panose="020B0403030302020204" pitchFamily="34" charset="-127"/>
-              <a:ea typeface="에스코어 드림 1 Thin" panose="020B0403030302020204" pitchFamily="34" charset="-127"/>
+              <a:latin typeface="에스코어 드림 4 Regular" panose="020B0503030302020204" pitchFamily="34" charset="-127"/>
+              <a:ea typeface="에스코어 드림 4 Regular" panose="020B0503030302020204" pitchFamily="34" charset="-127"/>
             </a:endParaRPr>
           </a:p>
         </p:txBody>
@@ -10894,6 +10842,2055 @@
 </file>
 
 <file path=ppt/slides/slide7.xml><?xml version="1.0" encoding="utf-8"?>
+<p:sld xmlns:a="http://schemas.openxmlformats.org/drawingml/2006/main" xmlns:r="http://schemas.openxmlformats.org/officeDocument/2006/relationships" xmlns:p="http://schemas.openxmlformats.org/presentationml/2006/main">
+  <p:cSld>
+    <p:spTree>
+      <p:nvGrpSpPr>
+        <p:cNvPr id="1" name=""/>
+        <p:cNvGrpSpPr/>
+        <p:nvPr/>
+      </p:nvGrpSpPr>
+      <p:grpSpPr>
+        <a:xfrm>
+          <a:off x="0" y="0"/>
+          <a:ext cx="0" cy="0"/>
+          <a:chOff x="0" y="0"/>
+          <a:chExt cx="0" cy="0"/>
+        </a:xfrm>
+      </p:grpSpPr>
+      <p:grpSp>
+        <p:nvGrpSpPr>
+          <p:cNvPr id="17" name="그룹 16">
+            <a:extLst>
+              <a:ext uri="{FF2B5EF4-FFF2-40B4-BE49-F238E27FC236}">
+                <a16:creationId xmlns:a16="http://schemas.microsoft.com/office/drawing/2014/main" id="{08312E80-9E45-4542-9243-8B5C6C398263}"/>
+              </a:ext>
+            </a:extLst>
+          </p:cNvPr>
+          <p:cNvGrpSpPr/>
+          <p:nvPr/>
+        </p:nvGrpSpPr>
+        <p:grpSpPr>
+          <a:xfrm>
+            <a:off x="0" y="0"/>
+            <a:ext cx="12192000" cy="6858000"/>
+            <a:chOff x="0" y="0"/>
+            <a:chExt cx="12192000" cy="6858000"/>
+          </a:xfrm>
+        </p:grpSpPr>
+        <p:grpSp>
+          <p:nvGrpSpPr>
+            <p:cNvPr id="4" name="그룹 3">
+              <a:extLst>
+                <a:ext uri="{FF2B5EF4-FFF2-40B4-BE49-F238E27FC236}">
+                  <a16:creationId xmlns:a16="http://schemas.microsoft.com/office/drawing/2014/main" id="{F229543C-BFC6-4A6A-A06B-19708719269D}"/>
+                </a:ext>
+              </a:extLst>
+            </p:cNvPr>
+            <p:cNvGrpSpPr/>
+            <p:nvPr/>
+          </p:nvGrpSpPr>
+          <p:grpSpPr>
+            <a:xfrm>
+              <a:off x="0" y="0"/>
+              <a:ext cx="12192000" cy="6858000"/>
+              <a:chOff x="0" y="0"/>
+              <a:chExt cx="12192000" cy="6858000"/>
+            </a:xfrm>
+          </p:grpSpPr>
+          <p:grpSp>
+            <p:nvGrpSpPr>
+              <p:cNvPr id="2" name="그룹 1">
+                <a:extLst>
+                  <a:ext uri="{FF2B5EF4-FFF2-40B4-BE49-F238E27FC236}">
+                    <a16:creationId xmlns:a16="http://schemas.microsoft.com/office/drawing/2014/main" id="{B3D71AC4-DEFC-4B58-ACC8-50F8B5B0E8F8}"/>
+                  </a:ext>
+                </a:extLst>
+              </p:cNvPr>
+              <p:cNvGrpSpPr/>
+              <p:nvPr/>
+            </p:nvGrpSpPr>
+            <p:grpSpPr>
+              <a:xfrm>
+                <a:off x="0" y="0"/>
+                <a:ext cx="12192000" cy="6858000"/>
+                <a:chOff x="0" y="0"/>
+                <a:chExt cx="12192000" cy="6858000"/>
+              </a:xfrm>
+            </p:grpSpPr>
+            <p:pic>
+              <p:nvPicPr>
+                <p:cNvPr id="5" name="그림 4" descr="실외, 벽돌, 건축자재이(가) 표시된 사진&#10;&#10;자동 생성된 설명">
+                  <a:extLst>
+                    <a:ext uri="{FF2B5EF4-FFF2-40B4-BE49-F238E27FC236}">
+                      <a16:creationId xmlns:a16="http://schemas.microsoft.com/office/drawing/2014/main" id="{3A91728B-0692-4C89-BE40-02A2108CC07B}"/>
+                    </a:ext>
+                  </a:extLst>
+                </p:cNvPr>
+                <p:cNvPicPr>
+                  <a:picLocks noChangeAspect="1"/>
+                </p:cNvPicPr>
+                <p:nvPr/>
+              </p:nvPicPr>
+              <p:blipFill>
+                <a:blip r:embed="rId2">
+                  <a:extLst>
+                    <a:ext uri="{28A0092B-C50C-407E-A947-70E740481C1C}">
+                      <a14:useLocalDpi xmlns:a14="http://schemas.microsoft.com/office/drawing/2010/main" val="0"/>
+                    </a:ext>
+                  </a:extLst>
+                </a:blip>
+                <a:stretch>
+                  <a:fillRect/>
+                </a:stretch>
+              </p:blipFill>
+              <p:spPr>
+                <a:xfrm>
+                  <a:off x="0" y="0"/>
+                  <a:ext cx="12192000" cy="6858000"/>
+                </a:xfrm>
+                <a:prstGeom prst="rect">
+                  <a:avLst/>
+                </a:prstGeom>
+              </p:spPr>
+            </p:pic>
+            <p:sp>
+              <p:nvSpPr>
+                <p:cNvPr id="6" name="직사각형 5">
+                  <a:extLst>
+                    <a:ext uri="{FF2B5EF4-FFF2-40B4-BE49-F238E27FC236}">
+                      <a16:creationId xmlns:a16="http://schemas.microsoft.com/office/drawing/2014/main" id="{5C154B5E-8981-45F5-9053-9DB4EE50A76E}"/>
+                    </a:ext>
+                  </a:extLst>
+                </p:cNvPr>
+                <p:cNvSpPr/>
+                <p:nvPr/>
+              </p:nvSpPr>
+              <p:spPr>
+                <a:xfrm>
+                  <a:off x="0" y="0"/>
+                  <a:ext cx="12192000" cy="6858000"/>
+                </a:xfrm>
+                <a:prstGeom prst="rect">
+                  <a:avLst/>
+                </a:prstGeom>
+                <a:solidFill>
+                  <a:schemeClr val="tx1">
+                    <a:alpha val="50000"/>
+                  </a:schemeClr>
+                </a:solidFill>
+                <a:ln>
+                  <a:noFill/>
+                </a:ln>
+              </p:spPr>
+              <p:style>
+                <a:lnRef idx="2">
+                  <a:schemeClr val="accent1">
+                    <a:shade val="50000"/>
+                  </a:schemeClr>
+                </a:lnRef>
+                <a:fillRef idx="1">
+                  <a:schemeClr val="accent1"/>
+                </a:fillRef>
+                <a:effectRef idx="0">
+                  <a:schemeClr val="accent1"/>
+                </a:effectRef>
+                <a:fontRef idx="minor">
+                  <a:schemeClr val="lt1"/>
+                </a:fontRef>
+              </p:style>
+              <p:txBody>
+                <a:bodyPr rtlCol="0" anchor="ctr"/>
+                <a:lstStyle/>
+                <a:p>
+                  <a:pPr algn="ctr"/>
+                  <a:endParaRPr lang="ko-KR" altLang="en-US" dirty="0"/>
+                </a:p>
+              </p:txBody>
+            </p:sp>
+          </p:grpSp>
+          <p:sp>
+            <p:nvSpPr>
+              <p:cNvPr id="14" name="직사각형 13">
+                <a:extLst>
+                  <a:ext uri="{FF2B5EF4-FFF2-40B4-BE49-F238E27FC236}">
+                    <a16:creationId xmlns:a16="http://schemas.microsoft.com/office/drawing/2014/main" id="{B47FBA6D-252C-4CB5-85ED-D9E6313710DB}"/>
+                  </a:ext>
+                </a:extLst>
+              </p:cNvPr>
+              <p:cNvSpPr/>
+              <p:nvPr/>
+            </p:nvSpPr>
+            <p:spPr>
+              <a:xfrm>
+                <a:off x="0" y="0"/>
+                <a:ext cx="12192000" cy="1185333"/>
+              </a:xfrm>
+              <a:prstGeom prst="rect">
+                <a:avLst/>
+              </a:prstGeom>
+              <a:solidFill>
+                <a:schemeClr val="bg2">
+                  <a:lumMod val="25000"/>
+                </a:schemeClr>
+              </a:solidFill>
+              <a:ln>
+                <a:noFill/>
+              </a:ln>
+            </p:spPr>
+            <p:style>
+              <a:lnRef idx="2">
+                <a:schemeClr val="accent1">
+                  <a:shade val="50000"/>
+                </a:schemeClr>
+              </a:lnRef>
+              <a:fillRef idx="1">
+                <a:schemeClr val="accent1"/>
+              </a:fillRef>
+              <a:effectRef idx="0">
+                <a:schemeClr val="accent1"/>
+              </a:effectRef>
+              <a:fontRef idx="minor">
+                <a:schemeClr val="lt1"/>
+              </a:fontRef>
+            </p:style>
+            <p:txBody>
+              <a:bodyPr rtlCol="0" anchor="ctr"/>
+              <a:lstStyle/>
+              <a:p>
+                <a:pPr algn="ctr"/>
+                <a:endParaRPr lang="ko-KR" altLang="en-US" dirty="0"/>
+              </a:p>
+            </p:txBody>
+          </p:sp>
+        </p:grpSp>
+        <p:sp>
+          <p:nvSpPr>
+            <p:cNvPr id="13" name="TextBox 12">
+              <a:extLst>
+                <a:ext uri="{FF2B5EF4-FFF2-40B4-BE49-F238E27FC236}">
+                  <a16:creationId xmlns:a16="http://schemas.microsoft.com/office/drawing/2014/main" id="{BB324852-0351-4DCB-881E-22CF5D3B0FCD}"/>
+                </a:ext>
+              </a:extLst>
+            </p:cNvPr>
+            <p:cNvSpPr txBox="1"/>
+            <p:nvPr/>
+          </p:nvSpPr>
+          <p:spPr>
+            <a:xfrm>
+              <a:off x="282204" y="238697"/>
+              <a:ext cx="2943434" cy="714363"/>
+            </a:xfrm>
+            <a:prstGeom prst="rect">
+              <a:avLst/>
+            </a:prstGeom>
+            <a:noFill/>
+          </p:spPr>
+          <p:txBody>
+            <a:bodyPr wrap="none" rtlCol="0">
+              <a:spAutoFit/>
+            </a:bodyPr>
+            <a:lstStyle/>
+            <a:p>
+              <a:pPr algn="just" latinLnBrk="1">
+                <a:lnSpc>
+                  <a:spcPct val="107000"/>
+                </a:lnSpc>
+                <a:spcAft>
+                  <a:spcPts val="800"/>
+                </a:spcAft>
+              </a:pPr>
+              <a:r>
+                <a:rPr lang="en-US" altLang="ko-KR" sz="4000" kern="100" dirty="0">
+                  <a:solidFill>
+                    <a:schemeClr val="bg1"/>
+                  </a:solidFill>
+                  <a:effectLst/>
+                  <a:latin typeface="에스코어 드림 4 Regular" panose="020B0503030302020204" pitchFamily="34" charset="-127"/>
+                  <a:ea typeface="에스코어 드림 4 Regular" panose="020B0503030302020204" pitchFamily="34" charset="-127"/>
+                  <a:cs typeface="Times New Roman" panose="02020603050405020304" pitchFamily="18" charset="0"/>
+                </a:rPr>
+                <a:t>6) </a:t>
+              </a:r>
+              <a:r>
+                <a:rPr lang="ko-KR" altLang="en-US" sz="4000" kern="100" dirty="0">
+                  <a:solidFill>
+                    <a:schemeClr val="bg1"/>
+                  </a:solidFill>
+                  <a:latin typeface="에스코어 드림 4 Regular" panose="020B0503030302020204" pitchFamily="34" charset="-127"/>
+                  <a:ea typeface="에스코어 드림 4 Regular" panose="020B0503030302020204" pitchFamily="34" charset="-127"/>
+                  <a:cs typeface="Times New Roman" panose="02020603050405020304" pitchFamily="18" charset="0"/>
+                </a:rPr>
+                <a:t>제작 단계</a:t>
+              </a:r>
+              <a:endParaRPr lang="ko-KR" altLang="ko-KR" sz="4000" kern="100" dirty="0">
+                <a:solidFill>
+                  <a:schemeClr val="bg1"/>
+                </a:solidFill>
+                <a:effectLst/>
+                <a:latin typeface="에스코어 드림 4 Regular" panose="020B0503030302020204" pitchFamily="34" charset="-127"/>
+                <a:ea typeface="에스코어 드림 4 Regular" panose="020B0503030302020204" pitchFamily="34" charset="-127"/>
+                <a:cs typeface="Times New Roman" panose="02020603050405020304" pitchFamily="18" charset="0"/>
+              </a:endParaRPr>
+            </a:p>
+          </p:txBody>
+        </p:sp>
+      </p:grpSp>
+      <p:sp>
+        <p:nvSpPr>
+          <p:cNvPr id="16" name="직사각형 15">
+            <a:extLst>
+              <a:ext uri="{FF2B5EF4-FFF2-40B4-BE49-F238E27FC236}">
+                <a16:creationId xmlns:a16="http://schemas.microsoft.com/office/drawing/2014/main" id="{1BF64061-365B-48E5-A23B-E5B660D4A6DB}"/>
+              </a:ext>
+            </a:extLst>
+          </p:cNvPr>
+          <p:cNvSpPr/>
+          <p:nvPr/>
+        </p:nvSpPr>
+        <p:spPr>
+          <a:xfrm>
+            <a:off x="282204" y="1435150"/>
+            <a:ext cx="11627224" cy="5297344"/>
+          </a:xfrm>
+          <a:prstGeom prst="rect">
+            <a:avLst/>
+          </a:prstGeom>
+          <a:solidFill>
+            <a:schemeClr val="tx1">
+              <a:lumMod val="85000"/>
+              <a:lumOff val="15000"/>
+            </a:schemeClr>
+          </a:solidFill>
+          <a:ln w="38100">
+            <a:solidFill>
+              <a:srgbClr val="C00000"/>
+            </a:solidFill>
+          </a:ln>
+        </p:spPr>
+        <p:style>
+          <a:lnRef idx="2">
+            <a:schemeClr val="accent1">
+              <a:shade val="50000"/>
+            </a:schemeClr>
+          </a:lnRef>
+          <a:fillRef idx="1">
+            <a:schemeClr val="accent1"/>
+          </a:fillRef>
+          <a:effectRef idx="0">
+            <a:schemeClr val="accent1"/>
+          </a:effectRef>
+          <a:fontRef idx="minor">
+            <a:schemeClr val="lt1"/>
+          </a:fontRef>
+        </p:style>
+        <p:txBody>
+          <a:bodyPr rtlCol="0" anchor="ctr"/>
+          <a:lstStyle/>
+          <a:p>
+            <a:pPr algn="ctr"/>
+            <a:endParaRPr lang="ko-KR" altLang="en-US" dirty="0"/>
+          </a:p>
+        </p:txBody>
+      </p:sp>
+      <p:sp>
+        <p:nvSpPr>
+          <p:cNvPr id="8" name="TextBox 7">
+            <a:extLst>
+              <a:ext uri="{FF2B5EF4-FFF2-40B4-BE49-F238E27FC236}">
+                <a16:creationId xmlns:a16="http://schemas.microsoft.com/office/drawing/2014/main" id="{C5F0D6EF-5C09-4A9F-8437-74D02EF4D707}"/>
+              </a:ext>
+            </a:extLst>
+          </p:cNvPr>
+          <p:cNvSpPr txBox="1"/>
+          <p:nvPr/>
+        </p:nvSpPr>
+        <p:spPr>
+          <a:xfrm>
+            <a:off x="409675" y="1708293"/>
+            <a:ext cx="3172663" cy="584775"/>
+          </a:xfrm>
+          <a:prstGeom prst="rect">
+            <a:avLst/>
+          </a:prstGeom>
+          <a:noFill/>
+        </p:spPr>
+        <p:txBody>
+          <a:bodyPr wrap="none" rtlCol="0">
+            <a:spAutoFit/>
+          </a:bodyPr>
+          <a:lstStyle/>
+          <a:p>
+            <a:r>
+              <a:rPr lang="ko-KR" altLang="en-US" sz="3200" b="1" dirty="0">
+                <a:solidFill>
+                  <a:schemeClr val="bg1"/>
+                </a:solidFill>
+                <a:latin typeface="에스코어 드림 8 Heavy" panose="020B0903030302020204" pitchFamily="34" charset="-127"/>
+                <a:ea typeface="에스코어 드림 8 Heavy" panose="020B0903030302020204" pitchFamily="34" charset="-127"/>
+              </a:rPr>
+              <a:t>팀원들의 말말말</a:t>
+            </a:r>
+          </a:p>
+        </p:txBody>
+      </p:sp>
+      <p:sp>
+        <p:nvSpPr>
+          <p:cNvPr id="9" name="TextBox 8">
+            <a:extLst>
+              <a:ext uri="{FF2B5EF4-FFF2-40B4-BE49-F238E27FC236}">
+                <a16:creationId xmlns:a16="http://schemas.microsoft.com/office/drawing/2014/main" id="{CDA70AF0-C9F8-4318-A319-CC052E61F87F}"/>
+              </a:ext>
+            </a:extLst>
+          </p:cNvPr>
+          <p:cNvSpPr txBox="1"/>
+          <p:nvPr/>
+        </p:nvSpPr>
+        <p:spPr>
+          <a:xfrm>
+            <a:off x="409675" y="2641236"/>
+            <a:ext cx="11117146" cy="1200329"/>
+          </a:xfrm>
+          <a:prstGeom prst="rect">
+            <a:avLst/>
+          </a:prstGeom>
+          <a:noFill/>
+        </p:spPr>
+        <p:txBody>
+          <a:bodyPr wrap="none" rtlCol="0">
+            <a:spAutoFit/>
+          </a:bodyPr>
+          <a:lstStyle/>
+          <a:p>
+            <a:r>
+              <a:rPr lang="ko-KR" altLang="en-US" sz="2400" b="1" dirty="0">
+                <a:solidFill>
+                  <a:schemeClr val="bg1"/>
+                </a:solidFill>
+                <a:latin typeface="에스코어 드림 1 Thin" panose="020B0403030302020204" pitchFamily="34" charset="-127"/>
+                <a:ea typeface="에스코어 드림 1 Thin" panose="020B0403030302020204" pitchFamily="34" charset="-127"/>
+              </a:rPr>
+              <a:t>남상현 </a:t>
+            </a:r>
+            <a:r>
+              <a:rPr lang="en-US" altLang="ko-KR" sz="2400" b="1" dirty="0">
+                <a:solidFill>
+                  <a:schemeClr val="bg1"/>
+                </a:solidFill>
+                <a:latin typeface="에스코어 드림 1 Thin" panose="020B0403030302020204" pitchFamily="34" charset="-127"/>
+                <a:ea typeface="에스코어 드림 1 Thin" panose="020B0403030302020204" pitchFamily="34" charset="-127"/>
+              </a:rPr>
+              <a:t>: </a:t>
+            </a:r>
+            <a:r>
+              <a:rPr lang="ko-KR" altLang="en-US" sz="1600" b="0" i="0" dirty="0">
+                <a:solidFill>
+                  <a:srgbClr val="DCDDDE"/>
+                </a:solidFill>
+                <a:effectLst/>
+                <a:latin typeface="에스코어 드림 4 Regular" panose="020B0503030302020204" pitchFamily="34" charset="-127"/>
+                <a:ea typeface="에스코어 드림 4 Regular" panose="020B0503030302020204" pitchFamily="34" charset="-127"/>
+              </a:rPr>
+              <a:t>아이디어에서 기획으로 도출해내는데 많은 노력과 시간을 들였고</a:t>
+            </a:r>
+            <a:r>
+              <a:rPr lang="en-US" altLang="ko-KR" sz="1600" b="0" i="0" dirty="0">
+                <a:solidFill>
+                  <a:srgbClr val="DCDDDE"/>
+                </a:solidFill>
+                <a:effectLst/>
+                <a:latin typeface="에스코어 드림 4 Regular" panose="020B0503030302020204" pitchFamily="34" charset="-127"/>
+                <a:ea typeface="에스코어 드림 4 Regular" panose="020B0503030302020204" pitchFamily="34" charset="-127"/>
+              </a:rPr>
+              <a:t>, </a:t>
+            </a:r>
+            <a:r>
+              <a:rPr lang="ko-KR" altLang="en-US" sz="1600" b="0" i="0" dirty="0">
+                <a:solidFill>
+                  <a:srgbClr val="DCDDDE"/>
+                </a:solidFill>
+                <a:effectLst/>
+                <a:latin typeface="에스코어 드림 4 Regular" panose="020B0503030302020204" pitchFamily="34" charset="-127"/>
+                <a:ea typeface="에스코어 드림 4 Regular" panose="020B0503030302020204" pitchFamily="34" charset="-127"/>
+              </a:rPr>
+              <a:t>프로그래머가 구현하는 데에 </a:t>
+            </a:r>
+            <a:endParaRPr lang="en-US" altLang="ko-KR" sz="1600" b="0" i="0" dirty="0">
+              <a:solidFill>
+                <a:srgbClr val="DCDDDE"/>
+              </a:solidFill>
+              <a:effectLst/>
+              <a:latin typeface="에스코어 드림 4 Regular" panose="020B0503030302020204" pitchFamily="34" charset="-127"/>
+              <a:ea typeface="에스코어 드림 4 Regular" panose="020B0503030302020204" pitchFamily="34" charset="-127"/>
+            </a:endParaRPr>
+          </a:p>
+          <a:p>
+            <a:r>
+              <a:rPr lang="en-US" altLang="ko-KR" sz="1600" b="0" i="0" dirty="0">
+                <a:solidFill>
+                  <a:srgbClr val="DCDDDE"/>
+                </a:solidFill>
+                <a:effectLst/>
+                <a:latin typeface="에스코어 드림 4 Regular" panose="020B0503030302020204" pitchFamily="34" charset="-127"/>
+                <a:ea typeface="에스코어 드림 4 Regular" panose="020B0503030302020204" pitchFamily="34" charset="-127"/>
+              </a:rPr>
+              <a:t>	     </a:t>
+            </a:r>
+            <a:r>
+              <a:rPr lang="ko-KR" altLang="en-US" sz="1600" b="0" i="0" dirty="0">
+                <a:solidFill>
+                  <a:srgbClr val="DCDDDE"/>
+                </a:solidFill>
+                <a:effectLst/>
+                <a:latin typeface="에스코어 드림 4 Regular" panose="020B0503030302020204" pitchFamily="34" charset="-127"/>
+                <a:ea typeface="에스코어 드림 4 Regular" panose="020B0503030302020204" pitchFamily="34" charset="-127"/>
+              </a:rPr>
+              <a:t>많은 고생을 하였다</a:t>
+            </a:r>
+            <a:r>
+              <a:rPr lang="en-US" altLang="ko-KR" sz="1600" b="0" i="0" dirty="0">
+                <a:solidFill>
+                  <a:srgbClr val="DCDDDE"/>
+                </a:solidFill>
+                <a:effectLst/>
+                <a:latin typeface="에스코어 드림 4 Regular" panose="020B0503030302020204" pitchFamily="34" charset="-127"/>
+                <a:ea typeface="에스코어 드림 4 Regular" panose="020B0503030302020204" pitchFamily="34" charset="-127"/>
+              </a:rPr>
+              <a:t>. </a:t>
+            </a:r>
+            <a:r>
+              <a:rPr lang="ko-KR" altLang="en-US" sz="1600" b="0" i="0" dirty="0">
+                <a:solidFill>
+                  <a:srgbClr val="DCDDDE"/>
+                </a:solidFill>
+                <a:effectLst/>
+                <a:latin typeface="에스코어 드림 4 Regular" panose="020B0503030302020204" pitchFamily="34" charset="-127"/>
+                <a:ea typeface="에스코어 드림 4 Regular" panose="020B0503030302020204" pitchFamily="34" charset="-127"/>
+              </a:rPr>
+              <a:t>안타까운 점으로는 시간이 많은 줄 알고 프로젝트를 미루고 </a:t>
+            </a:r>
+            <a:r>
+              <a:rPr lang="ko-KR" altLang="en-US" sz="1600" b="0" i="0" dirty="0" err="1">
+                <a:solidFill>
+                  <a:srgbClr val="DCDDDE"/>
+                </a:solidFill>
+                <a:effectLst/>
+                <a:latin typeface="에스코어 드림 4 Regular" panose="020B0503030302020204" pitchFamily="34" charset="-127"/>
+                <a:ea typeface="에스코어 드림 4 Regular" panose="020B0503030302020204" pitchFamily="34" charset="-127"/>
+              </a:rPr>
+              <a:t>다른일을</a:t>
+            </a:r>
+            <a:r>
+              <a:rPr lang="ko-KR" altLang="en-US" sz="1600" b="0" i="0" dirty="0">
+                <a:solidFill>
+                  <a:srgbClr val="DCDDDE"/>
+                </a:solidFill>
+                <a:effectLst/>
+                <a:latin typeface="에스코어 드림 4 Regular" panose="020B0503030302020204" pitchFamily="34" charset="-127"/>
+                <a:ea typeface="에스코어 드림 4 Regular" panose="020B0503030302020204" pitchFamily="34" charset="-127"/>
+              </a:rPr>
+              <a:t> 했는데 눈덩이처럼 </a:t>
+            </a:r>
+            <a:endParaRPr lang="en-US" altLang="ko-KR" sz="1600" b="0" i="0" dirty="0">
+              <a:solidFill>
+                <a:srgbClr val="DCDDDE"/>
+              </a:solidFill>
+              <a:effectLst/>
+              <a:latin typeface="에스코어 드림 4 Regular" panose="020B0503030302020204" pitchFamily="34" charset="-127"/>
+              <a:ea typeface="에스코어 드림 4 Regular" panose="020B0503030302020204" pitchFamily="34" charset="-127"/>
+            </a:endParaRPr>
+          </a:p>
+          <a:p>
+            <a:r>
+              <a:rPr lang="en-US" altLang="ko-KR" sz="1600" b="0" i="0" dirty="0">
+                <a:solidFill>
+                  <a:srgbClr val="DCDDDE"/>
+                </a:solidFill>
+                <a:effectLst/>
+                <a:latin typeface="에스코어 드림 4 Regular" panose="020B0503030302020204" pitchFamily="34" charset="-127"/>
+                <a:ea typeface="에스코어 드림 4 Regular" panose="020B0503030302020204" pitchFamily="34" charset="-127"/>
+              </a:rPr>
+              <a:t>	     </a:t>
+            </a:r>
+            <a:r>
+              <a:rPr lang="ko-KR" altLang="en-US" sz="1600" b="0" i="0" dirty="0">
+                <a:solidFill>
+                  <a:srgbClr val="DCDDDE"/>
+                </a:solidFill>
+                <a:effectLst/>
+                <a:latin typeface="에스코어 드림 4 Regular" panose="020B0503030302020204" pitchFamily="34" charset="-127"/>
+                <a:ea typeface="에스코어 드림 4 Regular" panose="020B0503030302020204" pitchFamily="34" charset="-127"/>
+              </a:rPr>
+              <a:t>불어나서 마지막에 일을 많이 했다</a:t>
+            </a:r>
+            <a:r>
+              <a:rPr lang="en-US" altLang="ko-KR" sz="1600" b="0" i="0" dirty="0">
+                <a:solidFill>
+                  <a:srgbClr val="DCDDDE"/>
+                </a:solidFill>
+                <a:effectLst/>
+                <a:latin typeface="에스코어 드림 4 Regular" panose="020B0503030302020204" pitchFamily="34" charset="-127"/>
+                <a:ea typeface="에스코어 드림 4 Regular" panose="020B0503030302020204" pitchFamily="34" charset="-127"/>
+              </a:rPr>
+              <a:t>. </a:t>
+            </a:r>
+            <a:br>
+              <a:rPr lang="ko-KR" altLang="en-US" sz="1600" dirty="0">
+                <a:latin typeface="에스코어 드림 4 Regular" panose="020B0503030302020204" pitchFamily="34" charset="-127"/>
+                <a:ea typeface="에스코어 드림 4 Regular" panose="020B0503030302020204" pitchFamily="34" charset="-127"/>
+              </a:rPr>
+            </a:br>
+            <a:endParaRPr lang="ko-KR" altLang="en-US" sz="1600" b="1" dirty="0">
+              <a:solidFill>
+                <a:schemeClr val="bg1">
+                  <a:lumMod val="85000"/>
+                </a:schemeClr>
+              </a:solidFill>
+              <a:latin typeface="에스코어 드림 4 Regular" panose="020B0503030302020204" pitchFamily="34" charset="-127"/>
+              <a:ea typeface="에스코어 드림 4 Regular" panose="020B0503030302020204" pitchFamily="34" charset="-127"/>
+            </a:endParaRPr>
+          </a:p>
+        </p:txBody>
+      </p:sp>
+      <p:sp>
+        <p:nvSpPr>
+          <p:cNvPr id="10" name="TextBox 9">
+            <a:extLst>
+              <a:ext uri="{FF2B5EF4-FFF2-40B4-BE49-F238E27FC236}">
+                <a16:creationId xmlns:a16="http://schemas.microsoft.com/office/drawing/2014/main" id="{B2FB516D-0F30-4DC6-995E-7671F242833B}"/>
+              </a:ext>
+            </a:extLst>
+          </p:cNvPr>
+          <p:cNvSpPr txBox="1"/>
+          <p:nvPr/>
+        </p:nvSpPr>
+        <p:spPr>
+          <a:xfrm>
+            <a:off x="409675" y="3616248"/>
+            <a:ext cx="10459915" cy="707886"/>
+          </a:xfrm>
+          <a:prstGeom prst="rect">
+            <a:avLst/>
+          </a:prstGeom>
+          <a:noFill/>
+        </p:spPr>
+        <p:txBody>
+          <a:bodyPr wrap="none" rtlCol="0">
+            <a:spAutoFit/>
+          </a:bodyPr>
+          <a:lstStyle/>
+          <a:p>
+            <a:r>
+              <a:rPr lang="ko-KR" altLang="en-US" sz="2400" b="1" dirty="0">
+                <a:solidFill>
+                  <a:schemeClr val="bg1"/>
+                </a:solidFill>
+                <a:latin typeface="에스코어 드림 1 Thin" panose="020B0403030302020204" pitchFamily="34" charset="-127"/>
+                <a:ea typeface="에스코어 드림 1 Thin" panose="020B0403030302020204" pitchFamily="34" charset="-127"/>
+              </a:rPr>
+              <a:t>유지호 </a:t>
+            </a:r>
+            <a:r>
+              <a:rPr lang="en-US" altLang="ko-KR" sz="2400" b="1" dirty="0">
+                <a:solidFill>
+                  <a:schemeClr val="bg1"/>
+                </a:solidFill>
+                <a:latin typeface="에스코어 드림 1 Thin" panose="020B0403030302020204" pitchFamily="34" charset="-127"/>
+                <a:ea typeface="에스코어 드림 1 Thin" panose="020B0403030302020204" pitchFamily="34" charset="-127"/>
+              </a:rPr>
+              <a:t>: </a:t>
+            </a:r>
+            <a:r>
+              <a:rPr lang="ko-KR" altLang="en-US" sz="1600" b="0" i="0" dirty="0">
+                <a:solidFill>
+                  <a:srgbClr val="DCDDDE"/>
+                </a:solidFill>
+                <a:effectLst/>
+                <a:latin typeface="에스코어 드림 4 Regular" panose="020B0503030302020204" pitchFamily="34" charset="-127"/>
+                <a:ea typeface="에스코어 드림 4 Regular" panose="020B0503030302020204" pitchFamily="34" charset="-127"/>
+              </a:rPr>
+              <a:t>처음의 기획했던 게임을 갈아엎고</a:t>
+            </a:r>
+            <a:r>
+              <a:rPr lang="en-US" altLang="ko-KR" sz="1600" b="0" i="0" dirty="0">
+                <a:solidFill>
+                  <a:srgbClr val="DCDDDE"/>
+                </a:solidFill>
+                <a:effectLst/>
+                <a:latin typeface="에스코어 드림 4 Regular" panose="020B0503030302020204" pitchFamily="34" charset="-127"/>
+                <a:ea typeface="에스코어 드림 4 Regular" panose="020B0503030302020204" pitchFamily="34" charset="-127"/>
+              </a:rPr>
+              <a:t>, </a:t>
+            </a:r>
+            <a:r>
+              <a:rPr lang="ko-KR" altLang="en-US" sz="1600" b="0" i="0" dirty="0">
+                <a:solidFill>
+                  <a:srgbClr val="DCDDDE"/>
+                </a:solidFill>
+                <a:effectLst/>
+                <a:latin typeface="에스코어 드림 4 Regular" panose="020B0503030302020204" pitchFamily="34" charset="-127"/>
+                <a:ea typeface="에스코어 드림 4 Regular" panose="020B0503030302020204" pitchFamily="34" charset="-127"/>
+              </a:rPr>
+              <a:t>어떻게 해야 할지 고민을 했는데 팀원들과 회의를 하면서 점점 어떤 </a:t>
+            </a:r>
+            <a:endParaRPr lang="en-US" altLang="ko-KR" sz="1600" b="0" i="0" dirty="0">
+              <a:solidFill>
+                <a:srgbClr val="DCDDDE"/>
+              </a:solidFill>
+              <a:effectLst/>
+              <a:latin typeface="에스코어 드림 4 Regular" panose="020B0503030302020204" pitchFamily="34" charset="-127"/>
+              <a:ea typeface="에스코어 드림 4 Regular" panose="020B0503030302020204" pitchFamily="34" charset="-127"/>
+            </a:endParaRPr>
+          </a:p>
+          <a:p>
+            <a:r>
+              <a:rPr lang="en-US" altLang="ko-KR" sz="1600" dirty="0">
+                <a:solidFill>
+                  <a:srgbClr val="DCDDDE"/>
+                </a:solidFill>
+                <a:latin typeface="에스코어 드림 4 Regular" panose="020B0503030302020204" pitchFamily="34" charset="-127"/>
+                <a:ea typeface="에스코어 드림 4 Regular" panose="020B0503030302020204" pitchFamily="34" charset="-127"/>
+              </a:rPr>
+              <a:t>	     </a:t>
+            </a:r>
+            <a:r>
+              <a:rPr lang="ko-KR" altLang="en-US" sz="1600" b="0" i="0" dirty="0">
+                <a:solidFill>
+                  <a:srgbClr val="DCDDDE"/>
+                </a:solidFill>
+                <a:effectLst/>
+                <a:latin typeface="에스코어 드림 4 Regular" panose="020B0503030302020204" pitchFamily="34" charset="-127"/>
+                <a:ea typeface="에스코어 드림 4 Regular" panose="020B0503030302020204" pitchFamily="34" charset="-127"/>
+              </a:rPr>
+              <a:t>게임을 만들지 점점 잡아 가면서 게임을 완성했었다</a:t>
+            </a:r>
+            <a:r>
+              <a:rPr lang="en-US" altLang="ko-KR" sz="1600" b="0" i="0" dirty="0">
+                <a:solidFill>
+                  <a:srgbClr val="DCDDDE"/>
+                </a:solidFill>
+                <a:effectLst/>
+                <a:latin typeface="에스코어 드림 4 Regular" panose="020B0503030302020204" pitchFamily="34" charset="-127"/>
+                <a:ea typeface="에스코어 드림 4 Regular" panose="020B0503030302020204" pitchFamily="34" charset="-127"/>
+              </a:rPr>
+              <a:t>.</a:t>
+            </a:r>
+            <a:endParaRPr lang="ko-KR" altLang="en-US" sz="1600" b="1" dirty="0">
+              <a:solidFill>
+                <a:schemeClr val="bg1"/>
+              </a:solidFill>
+              <a:latin typeface="에스코어 드림 4 Regular" panose="020B0503030302020204" pitchFamily="34" charset="-127"/>
+              <a:ea typeface="에스코어 드림 4 Regular" panose="020B0503030302020204" pitchFamily="34" charset="-127"/>
+            </a:endParaRPr>
+          </a:p>
+        </p:txBody>
+      </p:sp>
+      <p:sp>
+        <p:nvSpPr>
+          <p:cNvPr id="11" name="TextBox 10">
+            <a:extLst>
+              <a:ext uri="{FF2B5EF4-FFF2-40B4-BE49-F238E27FC236}">
+                <a16:creationId xmlns:a16="http://schemas.microsoft.com/office/drawing/2014/main" id="{FEB7E3C0-B1CC-417C-8EE8-C6ACE99B9642}"/>
+              </a:ext>
+            </a:extLst>
+          </p:cNvPr>
+          <p:cNvSpPr txBox="1"/>
+          <p:nvPr/>
+        </p:nvSpPr>
+        <p:spPr>
+          <a:xfrm>
+            <a:off x="409675" y="4591260"/>
+            <a:ext cx="11121955" cy="707886"/>
+          </a:xfrm>
+          <a:prstGeom prst="rect">
+            <a:avLst/>
+          </a:prstGeom>
+          <a:noFill/>
+        </p:spPr>
+        <p:txBody>
+          <a:bodyPr wrap="none" rtlCol="0">
+            <a:spAutoFit/>
+          </a:bodyPr>
+          <a:lstStyle/>
+          <a:p>
+            <a:r>
+              <a:rPr lang="ko-KR" altLang="en-US" sz="2400" b="1" dirty="0">
+                <a:solidFill>
+                  <a:schemeClr val="bg1"/>
+                </a:solidFill>
+                <a:latin typeface="에스코어 드림 1 Thin" panose="020B0403030302020204" pitchFamily="34" charset="-127"/>
+                <a:ea typeface="에스코어 드림 1 Thin" panose="020B0403030302020204" pitchFamily="34" charset="-127"/>
+              </a:rPr>
+              <a:t>김가윤 </a:t>
+            </a:r>
+            <a:r>
+              <a:rPr lang="en-US" altLang="ko-KR" sz="2400" b="1" dirty="0">
+                <a:solidFill>
+                  <a:schemeClr val="bg1"/>
+                </a:solidFill>
+                <a:latin typeface="에스코어 드림 1 Thin" panose="020B0403030302020204" pitchFamily="34" charset="-127"/>
+                <a:ea typeface="에스코어 드림 1 Thin" panose="020B0403030302020204" pitchFamily="34" charset="-127"/>
+              </a:rPr>
+              <a:t>: </a:t>
+            </a:r>
+            <a:r>
+              <a:rPr lang="ko-KR" altLang="en-US" sz="1600" b="0" i="0" dirty="0">
+                <a:solidFill>
+                  <a:srgbClr val="DCDDDE"/>
+                </a:solidFill>
+                <a:effectLst/>
+                <a:latin typeface="에스코어 드림 4 Regular" panose="020B0503030302020204" pitchFamily="34" charset="-127"/>
+                <a:ea typeface="에스코어 드림 4 Regular" panose="020B0503030302020204" pitchFamily="34" charset="-127"/>
+              </a:rPr>
+              <a:t>팀원들이 의사소통을 활발하게 해주어서 어려움 없이 진행되었던 것 같다</a:t>
+            </a:r>
+            <a:r>
+              <a:rPr lang="en-US" altLang="ko-KR" sz="1600" b="0" i="0" dirty="0">
+                <a:solidFill>
+                  <a:srgbClr val="DCDDDE"/>
+                </a:solidFill>
+                <a:effectLst/>
+                <a:latin typeface="에스코어 드림 4 Regular" panose="020B0503030302020204" pitchFamily="34" charset="-127"/>
+                <a:ea typeface="에스코어 드림 4 Regular" panose="020B0503030302020204" pitchFamily="34" charset="-127"/>
+              </a:rPr>
+              <a:t>. </a:t>
+            </a:r>
+            <a:r>
+              <a:rPr lang="ko-KR" altLang="en-US" sz="1600" b="0" i="0" dirty="0">
+                <a:solidFill>
+                  <a:srgbClr val="DCDDDE"/>
+                </a:solidFill>
+                <a:effectLst/>
+                <a:latin typeface="에스코어 드림 4 Regular" panose="020B0503030302020204" pitchFamily="34" charset="-127"/>
+                <a:ea typeface="에스코어 드림 4 Regular" panose="020B0503030302020204" pitchFamily="34" charset="-127"/>
+              </a:rPr>
+              <a:t>그로 인해 기획도 빨리 진행되어서 </a:t>
+            </a:r>
+            <a:endParaRPr lang="en-US" altLang="ko-KR" sz="1600" b="0" i="0" dirty="0">
+              <a:solidFill>
+                <a:srgbClr val="DCDDDE"/>
+              </a:solidFill>
+              <a:effectLst/>
+              <a:latin typeface="에스코어 드림 4 Regular" panose="020B0503030302020204" pitchFamily="34" charset="-127"/>
+              <a:ea typeface="에스코어 드림 4 Regular" panose="020B0503030302020204" pitchFamily="34" charset="-127"/>
+            </a:endParaRPr>
+          </a:p>
+          <a:p>
+            <a:r>
+              <a:rPr lang="en-US" altLang="ko-KR" sz="1600" dirty="0">
+                <a:solidFill>
+                  <a:srgbClr val="DCDDDE"/>
+                </a:solidFill>
+                <a:latin typeface="에스코어 드림 4 Regular" panose="020B0503030302020204" pitchFamily="34" charset="-127"/>
+                <a:ea typeface="에스코어 드림 4 Regular" panose="020B0503030302020204" pitchFamily="34" charset="-127"/>
+              </a:rPr>
+              <a:t>	     </a:t>
+            </a:r>
+            <a:r>
+              <a:rPr lang="ko-KR" altLang="en-US" sz="1600" b="0" i="0" dirty="0">
+                <a:solidFill>
+                  <a:srgbClr val="DCDDDE"/>
+                </a:solidFill>
+                <a:effectLst/>
+                <a:latin typeface="에스코어 드림 4 Regular" panose="020B0503030302020204" pitchFamily="34" charset="-127"/>
+                <a:ea typeface="에스코어 드림 4 Regular" panose="020B0503030302020204" pitchFamily="34" charset="-127"/>
+              </a:rPr>
+              <a:t>프로젝트가 한 번 엎어졌는데도 불구하고 빨리 개발할 수가 있었다</a:t>
+            </a:r>
+            <a:r>
+              <a:rPr lang="en-US" altLang="ko-KR" sz="1600" b="0" i="0" dirty="0">
+                <a:solidFill>
+                  <a:srgbClr val="DCDDDE"/>
+                </a:solidFill>
+                <a:effectLst/>
+                <a:latin typeface="에스코어 드림 4 Regular" panose="020B0503030302020204" pitchFamily="34" charset="-127"/>
+                <a:ea typeface="에스코어 드림 4 Regular" panose="020B0503030302020204" pitchFamily="34" charset="-127"/>
+              </a:rPr>
+              <a:t>.</a:t>
+            </a:r>
+            <a:endParaRPr lang="ko-KR" altLang="en-US" sz="1600" b="1" dirty="0">
+              <a:solidFill>
+                <a:schemeClr val="bg1">
+                  <a:lumMod val="85000"/>
+                </a:schemeClr>
+              </a:solidFill>
+              <a:latin typeface="에스코어 드림 4 Regular" panose="020B0503030302020204" pitchFamily="34" charset="-127"/>
+              <a:ea typeface="에스코어 드림 4 Regular" panose="020B0503030302020204" pitchFamily="34" charset="-127"/>
+            </a:endParaRPr>
+          </a:p>
+        </p:txBody>
+      </p:sp>
+      <p:sp>
+        <p:nvSpPr>
+          <p:cNvPr id="12" name="TextBox 11">
+            <a:extLst>
+              <a:ext uri="{FF2B5EF4-FFF2-40B4-BE49-F238E27FC236}">
+                <a16:creationId xmlns:a16="http://schemas.microsoft.com/office/drawing/2014/main" id="{732D3E9E-488B-45AA-89AA-65D565F0187C}"/>
+              </a:ext>
+            </a:extLst>
+          </p:cNvPr>
+          <p:cNvSpPr txBox="1"/>
+          <p:nvPr/>
+        </p:nvSpPr>
+        <p:spPr>
+          <a:xfrm>
+            <a:off x="409675" y="5566272"/>
+            <a:ext cx="10246716" cy="707886"/>
+          </a:xfrm>
+          <a:prstGeom prst="rect">
+            <a:avLst/>
+          </a:prstGeom>
+          <a:noFill/>
+        </p:spPr>
+        <p:txBody>
+          <a:bodyPr wrap="none" rtlCol="0">
+            <a:spAutoFit/>
+          </a:bodyPr>
+          <a:lstStyle/>
+          <a:p>
+            <a:r>
+              <a:rPr lang="ko-KR" altLang="en-US" sz="2400" b="1" dirty="0">
+                <a:solidFill>
+                  <a:schemeClr val="bg1"/>
+                </a:solidFill>
+                <a:latin typeface="에스코어 드림 1 Thin" panose="020B0403030302020204" pitchFamily="34" charset="-127"/>
+                <a:ea typeface="에스코어 드림 1 Thin" panose="020B0403030302020204" pitchFamily="34" charset="-127"/>
+              </a:rPr>
+              <a:t>박광현 </a:t>
+            </a:r>
+            <a:r>
+              <a:rPr lang="en-US" altLang="ko-KR" sz="2400" b="1" dirty="0">
+                <a:solidFill>
+                  <a:schemeClr val="bg1"/>
+                </a:solidFill>
+                <a:latin typeface="에스코어 드림 1 Thin" panose="020B0403030302020204" pitchFamily="34" charset="-127"/>
+                <a:ea typeface="에스코어 드림 1 Thin" panose="020B0403030302020204" pitchFamily="34" charset="-127"/>
+              </a:rPr>
+              <a:t>: </a:t>
+            </a:r>
+            <a:r>
+              <a:rPr lang="ko-KR" altLang="en-US" sz="1600" b="0" i="0" dirty="0">
+                <a:solidFill>
+                  <a:srgbClr val="DCDDDE"/>
+                </a:solidFill>
+                <a:effectLst/>
+                <a:latin typeface="에스코어 드림 4 Regular" panose="020B0503030302020204" pitchFamily="34" charset="-127"/>
+                <a:ea typeface="에스코어 드림 4 Regular" panose="020B0503030302020204" pitchFamily="34" charset="-127"/>
+              </a:rPr>
+              <a:t>차근차근 시스템 개발을 했는데 시스템에 집중하다 보니까 섬세한 디테일들을 신경 쓸 시간과 생각을 </a:t>
+            </a:r>
+            <a:endParaRPr lang="en-US" altLang="ko-KR" sz="1600" b="0" i="0" dirty="0">
+              <a:solidFill>
+                <a:srgbClr val="DCDDDE"/>
+              </a:solidFill>
+              <a:effectLst/>
+              <a:latin typeface="에스코어 드림 4 Regular" panose="020B0503030302020204" pitchFamily="34" charset="-127"/>
+              <a:ea typeface="에스코어 드림 4 Regular" panose="020B0503030302020204" pitchFamily="34" charset="-127"/>
+            </a:endParaRPr>
+          </a:p>
+          <a:p>
+            <a:r>
+              <a:rPr lang="en-US" altLang="ko-KR" sz="1600" dirty="0">
+                <a:solidFill>
+                  <a:srgbClr val="DCDDDE"/>
+                </a:solidFill>
+                <a:latin typeface="에스코어 드림 4 Regular" panose="020B0503030302020204" pitchFamily="34" charset="-127"/>
+                <a:ea typeface="에스코어 드림 4 Regular" panose="020B0503030302020204" pitchFamily="34" charset="-127"/>
+              </a:rPr>
+              <a:t>	     </a:t>
+            </a:r>
+            <a:r>
+              <a:rPr lang="ko-KR" altLang="en-US" sz="1600" b="0" i="0" dirty="0">
+                <a:solidFill>
+                  <a:srgbClr val="DCDDDE"/>
+                </a:solidFill>
+                <a:effectLst/>
+                <a:latin typeface="에스코어 드림 4 Regular" panose="020B0503030302020204" pitchFamily="34" charset="-127"/>
+                <a:ea typeface="에스코어 드림 4 Regular" panose="020B0503030302020204" pitchFamily="34" charset="-127"/>
+              </a:rPr>
+              <a:t>못해서 아쉬웠다</a:t>
+            </a:r>
+            <a:r>
+              <a:rPr lang="en-US" altLang="ko-KR" sz="1600" b="0" i="0" dirty="0">
+                <a:solidFill>
+                  <a:srgbClr val="DCDDDE"/>
+                </a:solidFill>
+                <a:effectLst/>
+                <a:latin typeface="에스코어 드림 4 Regular" panose="020B0503030302020204" pitchFamily="34" charset="-127"/>
+                <a:ea typeface="에스코어 드림 4 Regular" panose="020B0503030302020204" pitchFamily="34" charset="-127"/>
+              </a:rPr>
+              <a:t>.</a:t>
+            </a:r>
+            <a:endParaRPr lang="ko-KR" altLang="en-US" sz="1600" b="1" dirty="0">
+              <a:solidFill>
+                <a:schemeClr val="bg1"/>
+              </a:solidFill>
+              <a:latin typeface="에스코어 드림 4 Regular" panose="020B0503030302020204" pitchFamily="34" charset="-127"/>
+              <a:ea typeface="에스코어 드림 4 Regular" panose="020B0503030302020204" pitchFamily="34" charset="-127"/>
+            </a:endParaRPr>
+          </a:p>
+        </p:txBody>
+      </p:sp>
+    </p:spTree>
+    <p:extLst>
+      <p:ext uri="{BB962C8B-B14F-4D97-AF65-F5344CB8AC3E}">
+        <p14:creationId xmlns:p14="http://schemas.microsoft.com/office/powerpoint/2010/main" val="1663031315"/>
+      </p:ext>
+    </p:extLst>
+  </p:cSld>
+  <p:clrMapOvr>
+    <a:masterClrMapping/>
+  </p:clrMapOvr>
+</p:sld>
+</file>
+
+<file path=ppt/slides/slide8.xml><?xml version="1.0" encoding="utf-8"?>
+<p:sld xmlns:a="http://schemas.openxmlformats.org/drawingml/2006/main" xmlns:r="http://schemas.openxmlformats.org/officeDocument/2006/relationships" xmlns:p="http://schemas.openxmlformats.org/presentationml/2006/main">
+  <p:cSld>
+    <p:spTree>
+      <p:nvGrpSpPr>
+        <p:cNvPr id="1" name=""/>
+        <p:cNvGrpSpPr/>
+        <p:nvPr/>
+      </p:nvGrpSpPr>
+      <p:grpSpPr>
+        <a:xfrm>
+          <a:off x="0" y="0"/>
+          <a:ext cx="0" cy="0"/>
+          <a:chOff x="0" y="0"/>
+          <a:chExt cx="0" cy="0"/>
+        </a:xfrm>
+      </p:grpSpPr>
+      <p:grpSp>
+        <p:nvGrpSpPr>
+          <p:cNvPr id="17" name="그룹 16">
+            <a:extLst>
+              <a:ext uri="{FF2B5EF4-FFF2-40B4-BE49-F238E27FC236}">
+                <a16:creationId xmlns:a16="http://schemas.microsoft.com/office/drawing/2014/main" id="{08312E80-9E45-4542-9243-8B5C6C398263}"/>
+              </a:ext>
+            </a:extLst>
+          </p:cNvPr>
+          <p:cNvGrpSpPr/>
+          <p:nvPr/>
+        </p:nvGrpSpPr>
+        <p:grpSpPr>
+          <a:xfrm>
+            <a:off x="0" y="0"/>
+            <a:ext cx="12192000" cy="6858000"/>
+            <a:chOff x="0" y="0"/>
+            <a:chExt cx="12192000" cy="6858000"/>
+          </a:xfrm>
+        </p:grpSpPr>
+        <p:grpSp>
+          <p:nvGrpSpPr>
+            <p:cNvPr id="4" name="그룹 3">
+              <a:extLst>
+                <a:ext uri="{FF2B5EF4-FFF2-40B4-BE49-F238E27FC236}">
+                  <a16:creationId xmlns:a16="http://schemas.microsoft.com/office/drawing/2014/main" id="{F229543C-BFC6-4A6A-A06B-19708719269D}"/>
+                </a:ext>
+              </a:extLst>
+            </p:cNvPr>
+            <p:cNvGrpSpPr/>
+            <p:nvPr/>
+          </p:nvGrpSpPr>
+          <p:grpSpPr>
+            <a:xfrm>
+              <a:off x="0" y="0"/>
+              <a:ext cx="12192000" cy="6858000"/>
+              <a:chOff x="0" y="0"/>
+              <a:chExt cx="12192000" cy="6858000"/>
+            </a:xfrm>
+          </p:grpSpPr>
+          <p:grpSp>
+            <p:nvGrpSpPr>
+              <p:cNvPr id="2" name="그룹 1">
+                <a:extLst>
+                  <a:ext uri="{FF2B5EF4-FFF2-40B4-BE49-F238E27FC236}">
+                    <a16:creationId xmlns:a16="http://schemas.microsoft.com/office/drawing/2014/main" id="{B3D71AC4-DEFC-4B58-ACC8-50F8B5B0E8F8}"/>
+                  </a:ext>
+                </a:extLst>
+              </p:cNvPr>
+              <p:cNvGrpSpPr/>
+              <p:nvPr/>
+            </p:nvGrpSpPr>
+            <p:grpSpPr>
+              <a:xfrm>
+                <a:off x="0" y="0"/>
+                <a:ext cx="12192000" cy="6858000"/>
+                <a:chOff x="0" y="0"/>
+                <a:chExt cx="12192000" cy="6858000"/>
+              </a:xfrm>
+            </p:grpSpPr>
+            <p:pic>
+              <p:nvPicPr>
+                <p:cNvPr id="5" name="그림 4" descr="실외, 벽돌, 건축자재이(가) 표시된 사진&#10;&#10;자동 생성된 설명">
+                  <a:extLst>
+                    <a:ext uri="{FF2B5EF4-FFF2-40B4-BE49-F238E27FC236}">
+                      <a16:creationId xmlns:a16="http://schemas.microsoft.com/office/drawing/2014/main" id="{3A91728B-0692-4C89-BE40-02A2108CC07B}"/>
+                    </a:ext>
+                  </a:extLst>
+                </p:cNvPr>
+                <p:cNvPicPr>
+                  <a:picLocks noChangeAspect="1"/>
+                </p:cNvPicPr>
+                <p:nvPr/>
+              </p:nvPicPr>
+              <p:blipFill>
+                <a:blip r:embed="rId2">
+                  <a:extLst>
+                    <a:ext uri="{28A0092B-C50C-407E-A947-70E740481C1C}">
+                      <a14:useLocalDpi xmlns:a14="http://schemas.microsoft.com/office/drawing/2010/main" val="0"/>
+                    </a:ext>
+                  </a:extLst>
+                </a:blip>
+                <a:stretch>
+                  <a:fillRect/>
+                </a:stretch>
+              </p:blipFill>
+              <p:spPr>
+                <a:xfrm>
+                  <a:off x="0" y="0"/>
+                  <a:ext cx="12192000" cy="6858000"/>
+                </a:xfrm>
+                <a:prstGeom prst="rect">
+                  <a:avLst/>
+                </a:prstGeom>
+              </p:spPr>
+            </p:pic>
+            <p:sp>
+              <p:nvSpPr>
+                <p:cNvPr id="6" name="직사각형 5">
+                  <a:extLst>
+                    <a:ext uri="{FF2B5EF4-FFF2-40B4-BE49-F238E27FC236}">
+                      <a16:creationId xmlns:a16="http://schemas.microsoft.com/office/drawing/2014/main" id="{5C154B5E-8981-45F5-9053-9DB4EE50A76E}"/>
+                    </a:ext>
+                  </a:extLst>
+                </p:cNvPr>
+                <p:cNvSpPr/>
+                <p:nvPr/>
+              </p:nvSpPr>
+              <p:spPr>
+                <a:xfrm>
+                  <a:off x="0" y="0"/>
+                  <a:ext cx="12192000" cy="6858000"/>
+                </a:xfrm>
+                <a:prstGeom prst="rect">
+                  <a:avLst/>
+                </a:prstGeom>
+                <a:solidFill>
+                  <a:schemeClr val="tx1">
+                    <a:alpha val="50000"/>
+                  </a:schemeClr>
+                </a:solidFill>
+                <a:ln>
+                  <a:noFill/>
+                </a:ln>
+              </p:spPr>
+              <p:style>
+                <a:lnRef idx="2">
+                  <a:schemeClr val="accent1">
+                    <a:shade val="50000"/>
+                  </a:schemeClr>
+                </a:lnRef>
+                <a:fillRef idx="1">
+                  <a:schemeClr val="accent1"/>
+                </a:fillRef>
+                <a:effectRef idx="0">
+                  <a:schemeClr val="accent1"/>
+                </a:effectRef>
+                <a:fontRef idx="minor">
+                  <a:schemeClr val="lt1"/>
+                </a:fontRef>
+              </p:style>
+              <p:txBody>
+                <a:bodyPr rtlCol="0" anchor="ctr"/>
+                <a:lstStyle/>
+                <a:p>
+                  <a:pPr algn="ctr"/>
+                  <a:endParaRPr lang="ko-KR" altLang="en-US" dirty="0"/>
+                </a:p>
+              </p:txBody>
+            </p:sp>
+          </p:grpSp>
+          <p:sp>
+            <p:nvSpPr>
+              <p:cNvPr id="14" name="직사각형 13">
+                <a:extLst>
+                  <a:ext uri="{FF2B5EF4-FFF2-40B4-BE49-F238E27FC236}">
+                    <a16:creationId xmlns:a16="http://schemas.microsoft.com/office/drawing/2014/main" id="{B47FBA6D-252C-4CB5-85ED-D9E6313710DB}"/>
+                  </a:ext>
+                </a:extLst>
+              </p:cNvPr>
+              <p:cNvSpPr/>
+              <p:nvPr/>
+            </p:nvSpPr>
+            <p:spPr>
+              <a:xfrm>
+                <a:off x="0" y="0"/>
+                <a:ext cx="12192000" cy="1185333"/>
+              </a:xfrm>
+              <a:prstGeom prst="rect">
+                <a:avLst/>
+              </a:prstGeom>
+              <a:solidFill>
+                <a:schemeClr val="bg2">
+                  <a:lumMod val="25000"/>
+                </a:schemeClr>
+              </a:solidFill>
+              <a:ln>
+                <a:noFill/>
+              </a:ln>
+            </p:spPr>
+            <p:style>
+              <a:lnRef idx="2">
+                <a:schemeClr val="accent1">
+                  <a:shade val="50000"/>
+                </a:schemeClr>
+              </a:lnRef>
+              <a:fillRef idx="1">
+                <a:schemeClr val="accent1"/>
+              </a:fillRef>
+              <a:effectRef idx="0">
+                <a:schemeClr val="accent1"/>
+              </a:effectRef>
+              <a:fontRef idx="minor">
+                <a:schemeClr val="lt1"/>
+              </a:fontRef>
+            </p:style>
+            <p:txBody>
+              <a:bodyPr rtlCol="0" anchor="ctr"/>
+              <a:lstStyle/>
+              <a:p>
+                <a:pPr algn="ctr"/>
+                <a:endParaRPr lang="ko-KR" altLang="en-US" dirty="0"/>
+              </a:p>
+            </p:txBody>
+          </p:sp>
+        </p:grpSp>
+        <p:sp>
+          <p:nvSpPr>
+            <p:cNvPr id="13" name="TextBox 12">
+              <a:extLst>
+                <a:ext uri="{FF2B5EF4-FFF2-40B4-BE49-F238E27FC236}">
+                  <a16:creationId xmlns:a16="http://schemas.microsoft.com/office/drawing/2014/main" id="{BB324852-0351-4DCB-881E-22CF5D3B0FCD}"/>
+                </a:ext>
+              </a:extLst>
+            </p:cNvPr>
+            <p:cNvSpPr txBox="1"/>
+            <p:nvPr/>
+          </p:nvSpPr>
+          <p:spPr>
+            <a:xfrm>
+              <a:off x="282204" y="238697"/>
+              <a:ext cx="1810111" cy="714363"/>
+            </a:xfrm>
+            <a:prstGeom prst="rect">
+              <a:avLst/>
+            </a:prstGeom>
+            <a:noFill/>
+          </p:spPr>
+          <p:txBody>
+            <a:bodyPr wrap="none" rtlCol="0">
+              <a:spAutoFit/>
+            </a:bodyPr>
+            <a:lstStyle/>
+            <a:p>
+              <a:pPr algn="just" latinLnBrk="1">
+                <a:lnSpc>
+                  <a:spcPct val="107000"/>
+                </a:lnSpc>
+                <a:spcAft>
+                  <a:spcPts val="800"/>
+                </a:spcAft>
+              </a:pPr>
+              <a:r>
+                <a:rPr lang="en-US" altLang="ko-KR" sz="4000" kern="100" dirty="0">
+                  <a:solidFill>
+                    <a:schemeClr val="bg1"/>
+                  </a:solidFill>
+                  <a:latin typeface="에스코어 드림 4 Regular" panose="020B0503030302020204" pitchFamily="34" charset="-127"/>
+                  <a:ea typeface="에스코어 드림 4 Regular" panose="020B0503030302020204" pitchFamily="34" charset="-127"/>
+                  <a:cs typeface="Times New Roman" panose="02020603050405020304" pitchFamily="18" charset="0"/>
+                </a:rPr>
+                <a:t>7</a:t>
+              </a:r>
+              <a:r>
+                <a:rPr lang="en-US" altLang="ko-KR" sz="4000" kern="100" dirty="0">
+                  <a:solidFill>
+                    <a:schemeClr val="bg1"/>
+                  </a:solidFill>
+                  <a:effectLst/>
+                  <a:latin typeface="에스코어 드림 4 Regular" panose="020B0503030302020204" pitchFamily="34" charset="-127"/>
+                  <a:ea typeface="에스코어 드림 4 Regular" panose="020B0503030302020204" pitchFamily="34" charset="-127"/>
+                  <a:cs typeface="Times New Roman" panose="02020603050405020304" pitchFamily="18" charset="0"/>
+                </a:rPr>
+                <a:t>) </a:t>
+              </a:r>
+              <a:r>
+                <a:rPr lang="ko-KR" altLang="en-US" sz="4000" kern="100" dirty="0">
+                  <a:solidFill>
+                    <a:schemeClr val="bg1"/>
+                  </a:solidFill>
+                  <a:effectLst/>
+                  <a:latin typeface="에스코어 드림 4 Regular" panose="020B0503030302020204" pitchFamily="34" charset="-127"/>
+                  <a:ea typeface="에스코어 드림 4 Regular" panose="020B0503030302020204" pitchFamily="34" charset="-127"/>
+                  <a:cs typeface="Times New Roman" panose="02020603050405020304" pitchFamily="18" charset="0"/>
+                </a:rPr>
+                <a:t>총평</a:t>
+              </a:r>
+              <a:endParaRPr lang="ko-KR" altLang="ko-KR" sz="4000" kern="100" dirty="0">
+                <a:solidFill>
+                  <a:schemeClr val="bg1"/>
+                </a:solidFill>
+                <a:effectLst/>
+                <a:latin typeface="에스코어 드림 4 Regular" panose="020B0503030302020204" pitchFamily="34" charset="-127"/>
+                <a:ea typeface="에스코어 드림 4 Regular" panose="020B0503030302020204" pitchFamily="34" charset="-127"/>
+                <a:cs typeface="Times New Roman" panose="02020603050405020304" pitchFamily="18" charset="0"/>
+              </a:endParaRPr>
+            </a:p>
+          </p:txBody>
+        </p:sp>
+      </p:grpSp>
+      <p:sp>
+        <p:nvSpPr>
+          <p:cNvPr id="16" name="직사각형 15">
+            <a:extLst>
+              <a:ext uri="{FF2B5EF4-FFF2-40B4-BE49-F238E27FC236}">
+                <a16:creationId xmlns:a16="http://schemas.microsoft.com/office/drawing/2014/main" id="{1BF64061-365B-48E5-A23B-E5B660D4A6DB}"/>
+              </a:ext>
+            </a:extLst>
+          </p:cNvPr>
+          <p:cNvSpPr/>
+          <p:nvPr/>
+        </p:nvSpPr>
+        <p:spPr>
+          <a:xfrm>
+            <a:off x="282204" y="1435150"/>
+            <a:ext cx="11627224" cy="5297344"/>
+          </a:xfrm>
+          <a:prstGeom prst="rect">
+            <a:avLst/>
+          </a:prstGeom>
+          <a:solidFill>
+            <a:schemeClr val="tx1">
+              <a:lumMod val="95000"/>
+              <a:lumOff val="5000"/>
+            </a:schemeClr>
+          </a:solidFill>
+          <a:ln w="38100">
+            <a:solidFill>
+              <a:srgbClr val="C00000"/>
+            </a:solidFill>
+          </a:ln>
+        </p:spPr>
+        <p:style>
+          <a:lnRef idx="2">
+            <a:schemeClr val="accent1">
+              <a:shade val="50000"/>
+            </a:schemeClr>
+          </a:lnRef>
+          <a:fillRef idx="1">
+            <a:schemeClr val="accent1"/>
+          </a:fillRef>
+          <a:effectRef idx="0">
+            <a:schemeClr val="accent1"/>
+          </a:effectRef>
+          <a:fontRef idx="minor">
+            <a:schemeClr val="lt1"/>
+          </a:fontRef>
+        </p:style>
+        <p:txBody>
+          <a:bodyPr rtlCol="0" anchor="ctr"/>
+          <a:lstStyle/>
+          <a:p>
+            <a:pPr algn="ctr"/>
+            <a:endParaRPr lang="ko-KR" altLang="en-US"/>
+          </a:p>
+        </p:txBody>
+      </p:sp>
+      <p:sp>
+        <p:nvSpPr>
+          <p:cNvPr id="8" name="TextBox 7">
+            <a:extLst>
+              <a:ext uri="{FF2B5EF4-FFF2-40B4-BE49-F238E27FC236}">
+                <a16:creationId xmlns:a16="http://schemas.microsoft.com/office/drawing/2014/main" id="{C5F0D6EF-5C09-4A9F-8437-74D02EF4D707}"/>
+              </a:ext>
+            </a:extLst>
+          </p:cNvPr>
+          <p:cNvSpPr txBox="1"/>
+          <p:nvPr/>
+        </p:nvSpPr>
+        <p:spPr>
+          <a:xfrm>
+            <a:off x="409675" y="1708293"/>
+            <a:ext cx="3172663" cy="584775"/>
+          </a:xfrm>
+          <a:prstGeom prst="rect">
+            <a:avLst/>
+          </a:prstGeom>
+          <a:noFill/>
+        </p:spPr>
+        <p:txBody>
+          <a:bodyPr wrap="none" rtlCol="0">
+            <a:spAutoFit/>
+          </a:bodyPr>
+          <a:lstStyle/>
+          <a:p>
+            <a:r>
+              <a:rPr lang="ko-KR" altLang="en-US" sz="3200" b="1" dirty="0">
+                <a:solidFill>
+                  <a:schemeClr val="bg1"/>
+                </a:solidFill>
+                <a:latin typeface="에스코어 드림 8 Heavy" panose="020B0903030302020204" pitchFamily="34" charset="-127"/>
+                <a:ea typeface="에스코어 드림 8 Heavy" panose="020B0903030302020204" pitchFamily="34" charset="-127"/>
+              </a:rPr>
+              <a:t>팀원들의 말말말</a:t>
+            </a:r>
+          </a:p>
+        </p:txBody>
+      </p:sp>
+      <p:sp>
+        <p:nvSpPr>
+          <p:cNvPr id="9" name="TextBox 8">
+            <a:extLst>
+              <a:ext uri="{FF2B5EF4-FFF2-40B4-BE49-F238E27FC236}">
+                <a16:creationId xmlns:a16="http://schemas.microsoft.com/office/drawing/2014/main" id="{CDA70AF0-C9F8-4318-A319-CC052E61F87F}"/>
+              </a:ext>
+            </a:extLst>
+          </p:cNvPr>
+          <p:cNvSpPr txBox="1"/>
+          <p:nvPr/>
+        </p:nvSpPr>
+        <p:spPr>
+          <a:xfrm>
+            <a:off x="409675" y="2641236"/>
+            <a:ext cx="10362132" cy="707886"/>
+          </a:xfrm>
+          <a:prstGeom prst="rect">
+            <a:avLst/>
+          </a:prstGeom>
+          <a:noFill/>
+        </p:spPr>
+        <p:txBody>
+          <a:bodyPr wrap="none" rtlCol="0">
+            <a:spAutoFit/>
+          </a:bodyPr>
+          <a:lstStyle/>
+          <a:p>
+            <a:r>
+              <a:rPr lang="ko-KR" altLang="en-US" sz="2400" b="1" dirty="0">
+                <a:solidFill>
+                  <a:schemeClr val="bg1"/>
+                </a:solidFill>
+                <a:latin typeface="에스코어 드림 1 Thin" panose="020B0403030302020204" pitchFamily="34" charset="-127"/>
+                <a:ea typeface="에스코어 드림 1 Thin" panose="020B0403030302020204" pitchFamily="34" charset="-127"/>
+              </a:rPr>
+              <a:t>남상현 </a:t>
+            </a:r>
+            <a:r>
+              <a:rPr lang="en-US" altLang="ko-KR" sz="2400" b="1" dirty="0">
+                <a:solidFill>
+                  <a:schemeClr val="bg1"/>
+                </a:solidFill>
+                <a:latin typeface="에스코어 드림 1 Thin" panose="020B0403030302020204" pitchFamily="34" charset="-127"/>
+                <a:ea typeface="에스코어 드림 1 Thin" panose="020B0403030302020204" pitchFamily="34" charset="-127"/>
+              </a:rPr>
+              <a:t>: </a:t>
+            </a:r>
+            <a:r>
+              <a:rPr lang="ko-KR" altLang="en-US" sz="1600" b="0" i="0" dirty="0">
+                <a:solidFill>
+                  <a:srgbClr val="DCDDDE"/>
+                </a:solidFill>
+                <a:effectLst/>
+                <a:latin typeface="에스코어 드림 4 Regular" panose="020B0503030302020204" pitchFamily="34" charset="-127"/>
+                <a:ea typeface="에스코어 드림 4 Regular" panose="020B0503030302020204" pitchFamily="34" charset="-127"/>
+              </a:rPr>
+              <a:t>좋은 팀원들이기에 부담도 많이 되었지만 그래도 동고동락하며 프로젝트를 끝낼 수 있어서 다행이고 </a:t>
+            </a:r>
+            <a:endParaRPr lang="en-US" altLang="ko-KR" sz="1600" b="0" i="0" dirty="0">
+              <a:solidFill>
+                <a:srgbClr val="DCDDDE"/>
+              </a:solidFill>
+              <a:effectLst/>
+              <a:latin typeface="에스코어 드림 4 Regular" panose="020B0503030302020204" pitchFamily="34" charset="-127"/>
+              <a:ea typeface="에스코어 드림 4 Regular" panose="020B0503030302020204" pitchFamily="34" charset="-127"/>
+            </a:endParaRPr>
+          </a:p>
+          <a:p>
+            <a:r>
+              <a:rPr lang="en-US" altLang="ko-KR" sz="1600" dirty="0">
+                <a:solidFill>
+                  <a:srgbClr val="DCDDDE"/>
+                </a:solidFill>
+                <a:latin typeface="에스코어 드림 4 Regular" panose="020B0503030302020204" pitchFamily="34" charset="-127"/>
+                <a:ea typeface="에스코어 드림 4 Regular" panose="020B0503030302020204" pitchFamily="34" charset="-127"/>
+              </a:rPr>
+              <a:t>	     </a:t>
+            </a:r>
+            <a:r>
+              <a:rPr lang="ko-KR" altLang="en-US" sz="1600" b="0" i="0" dirty="0">
+                <a:solidFill>
+                  <a:srgbClr val="DCDDDE"/>
+                </a:solidFill>
+                <a:effectLst/>
+                <a:latin typeface="에스코어 드림 4 Regular" panose="020B0503030302020204" pitchFamily="34" charset="-127"/>
+                <a:ea typeface="에스코어 드림 4 Regular" panose="020B0503030302020204" pitchFamily="34" charset="-127"/>
+              </a:rPr>
+              <a:t>고마움을 느낀다</a:t>
+            </a:r>
+            <a:r>
+              <a:rPr lang="en-US" altLang="ko-KR" sz="1600" b="0" i="0" dirty="0">
+                <a:solidFill>
+                  <a:srgbClr val="DCDDDE"/>
+                </a:solidFill>
+                <a:effectLst/>
+                <a:latin typeface="에스코어 드림 4 Regular" panose="020B0503030302020204" pitchFamily="34" charset="-127"/>
+                <a:ea typeface="에스코어 드림 4 Regular" panose="020B0503030302020204" pitchFamily="34" charset="-127"/>
+              </a:rPr>
+              <a:t>. </a:t>
+            </a:r>
+            <a:r>
+              <a:rPr lang="ko-KR" altLang="en-US" sz="1600" b="0" i="0" dirty="0">
+                <a:solidFill>
+                  <a:srgbClr val="DCDDDE"/>
+                </a:solidFill>
+                <a:effectLst/>
+                <a:latin typeface="에스코어 드림 4 Regular" panose="020B0503030302020204" pitchFamily="34" charset="-127"/>
+                <a:ea typeface="에스코어 드림 4 Regular" panose="020B0503030302020204" pitchFamily="34" charset="-127"/>
+              </a:rPr>
+              <a:t>또한 팀원들의 이야기와 이번 프로젝트로 인해 디자인 부분에서 많은 성장을 이뤘다</a:t>
+            </a:r>
+            <a:r>
+              <a:rPr lang="en-US" altLang="ko-KR" sz="1600" b="0" i="0" dirty="0">
+                <a:solidFill>
+                  <a:srgbClr val="DCDDDE"/>
+                </a:solidFill>
+                <a:effectLst/>
+                <a:latin typeface="에스코어 드림 4 Regular" panose="020B0503030302020204" pitchFamily="34" charset="-127"/>
+                <a:ea typeface="에스코어 드림 4 Regular" panose="020B0503030302020204" pitchFamily="34" charset="-127"/>
+              </a:rPr>
+              <a:t>.</a:t>
+            </a:r>
+            <a:endParaRPr lang="ko-KR" altLang="en-US" sz="1600" b="1" dirty="0">
+              <a:solidFill>
+                <a:schemeClr val="bg1">
+                  <a:lumMod val="85000"/>
+                </a:schemeClr>
+              </a:solidFill>
+              <a:latin typeface="에스코어 드림 4 Regular" panose="020B0503030302020204" pitchFamily="34" charset="-127"/>
+              <a:ea typeface="에스코어 드림 4 Regular" panose="020B0503030302020204" pitchFamily="34" charset="-127"/>
+            </a:endParaRPr>
+          </a:p>
+        </p:txBody>
+      </p:sp>
+      <p:sp>
+        <p:nvSpPr>
+          <p:cNvPr id="10" name="TextBox 9">
+            <a:extLst>
+              <a:ext uri="{FF2B5EF4-FFF2-40B4-BE49-F238E27FC236}">
+                <a16:creationId xmlns:a16="http://schemas.microsoft.com/office/drawing/2014/main" id="{B2FB516D-0F30-4DC6-995E-7671F242833B}"/>
+              </a:ext>
+            </a:extLst>
+          </p:cNvPr>
+          <p:cNvSpPr txBox="1"/>
+          <p:nvPr/>
+        </p:nvSpPr>
+        <p:spPr>
+          <a:xfrm>
+            <a:off x="409675" y="3452100"/>
+            <a:ext cx="11429732" cy="1200329"/>
+          </a:xfrm>
+          <a:prstGeom prst="rect">
+            <a:avLst/>
+          </a:prstGeom>
+          <a:noFill/>
+        </p:spPr>
+        <p:txBody>
+          <a:bodyPr wrap="none" rtlCol="0">
+            <a:spAutoFit/>
+          </a:bodyPr>
+          <a:lstStyle/>
+          <a:p>
+            <a:r>
+              <a:rPr lang="ko-KR" altLang="en-US" sz="2400" b="1" dirty="0">
+                <a:solidFill>
+                  <a:schemeClr val="bg1"/>
+                </a:solidFill>
+                <a:latin typeface="에스코어 드림 1 Thin" panose="020B0403030302020204" pitchFamily="34" charset="-127"/>
+                <a:ea typeface="에스코어 드림 1 Thin" panose="020B0403030302020204" pitchFamily="34" charset="-127"/>
+              </a:rPr>
+              <a:t>유지호 </a:t>
+            </a:r>
+            <a:r>
+              <a:rPr lang="en-US" altLang="ko-KR" sz="2400" b="1" dirty="0">
+                <a:solidFill>
+                  <a:schemeClr val="bg1"/>
+                </a:solidFill>
+                <a:latin typeface="에스코어 드림 1 Thin" panose="020B0403030302020204" pitchFamily="34" charset="-127"/>
+                <a:ea typeface="에스코어 드림 1 Thin" panose="020B0403030302020204" pitchFamily="34" charset="-127"/>
+              </a:rPr>
+              <a:t>: </a:t>
+            </a:r>
+            <a:r>
+              <a:rPr lang="ko-KR" altLang="en-US" sz="1600" b="0" i="0" dirty="0">
+                <a:solidFill>
+                  <a:srgbClr val="DCDDDE"/>
+                </a:solidFill>
+                <a:effectLst/>
+                <a:latin typeface="에스코어 드림 4 Regular" panose="020B0503030302020204" pitchFamily="34" charset="-127"/>
+                <a:ea typeface="에스코어 드림 4 Regular" panose="020B0503030302020204" pitchFamily="34" charset="-127"/>
+              </a:rPr>
+              <a:t>게임잼</a:t>
+            </a:r>
+            <a:r>
+              <a:rPr lang="ko-KR" altLang="en-US" sz="1600" dirty="0">
+                <a:solidFill>
+                  <a:srgbClr val="DCDDDE"/>
+                </a:solidFill>
+                <a:latin typeface="에스코어 드림 4 Regular" panose="020B0503030302020204" pitchFamily="34" charset="-127"/>
+                <a:ea typeface="에스코어 드림 4 Regular" panose="020B0503030302020204" pitchFamily="34" charset="-127"/>
+              </a:rPr>
+              <a:t> </a:t>
+            </a:r>
+            <a:r>
+              <a:rPr lang="ko-KR" altLang="en-US" sz="1600" b="0" i="0" dirty="0">
+                <a:solidFill>
+                  <a:srgbClr val="DCDDDE"/>
+                </a:solidFill>
+                <a:effectLst/>
+                <a:latin typeface="에스코어 드림 4 Regular" panose="020B0503030302020204" pitchFamily="34" charset="-127"/>
+                <a:ea typeface="에스코어 드림 4 Regular" panose="020B0503030302020204" pitchFamily="34" charset="-127"/>
+              </a:rPr>
+              <a:t>프로젝트를 해봤었던 만큼 이번에는 좋은 결과물이 나올 수 있을 것 같았다</a:t>
+            </a:r>
+            <a:r>
+              <a:rPr lang="en-US" altLang="ko-KR" sz="1600" b="0" i="0" dirty="0">
+                <a:solidFill>
+                  <a:srgbClr val="DCDDDE"/>
+                </a:solidFill>
+                <a:effectLst/>
+                <a:latin typeface="에스코어 드림 4 Regular" panose="020B0503030302020204" pitchFamily="34" charset="-127"/>
+                <a:ea typeface="에스코어 드림 4 Regular" panose="020B0503030302020204" pitchFamily="34" charset="-127"/>
+              </a:rPr>
+              <a:t>. </a:t>
+            </a:r>
+            <a:r>
+              <a:rPr lang="ko-KR" altLang="en-US" sz="1600" b="0" i="0" dirty="0">
+                <a:solidFill>
+                  <a:srgbClr val="DCDDDE"/>
+                </a:solidFill>
+                <a:effectLst/>
+                <a:latin typeface="에스코어 드림 4 Regular" panose="020B0503030302020204" pitchFamily="34" charset="-127"/>
+                <a:ea typeface="에스코어 드림 4 Regular" panose="020B0503030302020204" pitchFamily="34" charset="-127"/>
+              </a:rPr>
+              <a:t>게임잼 때는 했던 것 만큼 </a:t>
+            </a:r>
+            <a:endParaRPr lang="en-US" altLang="ko-KR" sz="1600" b="0" i="0" dirty="0">
+              <a:solidFill>
+                <a:srgbClr val="DCDDDE"/>
+              </a:solidFill>
+              <a:effectLst/>
+              <a:latin typeface="에스코어 드림 4 Regular" panose="020B0503030302020204" pitchFamily="34" charset="-127"/>
+              <a:ea typeface="에스코어 드림 4 Regular" panose="020B0503030302020204" pitchFamily="34" charset="-127"/>
+            </a:endParaRPr>
+          </a:p>
+          <a:p>
+            <a:r>
+              <a:rPr lang="en-US" altLang="ko-KR" sz="1600" b="0" i="0" dirty="0">
+                <a:solidFill>
+                  <a:srgbClr val="DCDDDE"/>
+                </a:solidFill>
+                <a:effectLst/>
+                <a:latin typeface="에스코어 드림 4 Regular" panose="020B0503030302020204" pitchFamily="34" charset="-127"/>
+                <a:ea typeface="에스코어 드림 4 Regular" panose="020B0503030302020204" pitchFamily="34" charset="-127"/>
+              </a:rPr>
+              <a:t>	     </a:t>
+            </a:r>
+            <a:r>
+              <a:rPr lang="ko-KR" altLang="en-US" sz="1600" b="0" i="0" dirty="0">
+                <a:solidFill>
+                  <a:srgbClr val="DCDDDE"/>
+                </a:solidFill>
+                <a:effectLst/>
+                <a:latin typeface="에스코어 드림 4 Regular" panose="020B0503030302020204" pitchFamily="34" charset="-127"/>
+                <a:ea typeface="에스코어 드림 4 Regular" panose="020B0503030302020204" pitchFamily="34" charset="-127"/>
+              </a:rPr>
+              <a:t>결과물이 좋지 않아서 아쉬웠는데 이번에는 좋은 프로젝트가 나온 것 같아서 좋은 경험을 한 것 같다</a:t>
+            </a:r>
+            <a:r>
+              <a:rPr lang="en-US" altLang="ko-KR" sz="1600" b="0" i="0" dirty="0">
+                <a:solidFill>
+                  <a:srgbClr val="DCDDDE"/>
+                </a:solidFill>
+                <a:effectLst/>
+                <a:latin typeface="에스코어 드림 4 Regular" panose="020B0503030302020204" pitchFamily="34" charset="-127"/>
+                <a:ea typeface="에스코어 드림 4 Regular" panose="020B0503030302020204" pitchFamily="34" charset="-127"/>
+              </a:rPr>
+              <a:t>. </a:t>
+            </a:r>
+            <a:r>
+              <a:rPr lang="ko-KR" altLang="en-US" sz="1600" b="0" i="0" dirty="0">
+                <a:solidFill>
+                  <a:srgbClr val="DCDDDE"/>
+                </a:solidFill>
+                <a:effectLst/>
+                <a:latin typeface="에스코어 드림 4 Regular" panose="020B0503030302020204" pitchFamily="34" charset="-127"/>
+                <a:ea typeface="에스코어 드림 4 Regular" panose="020B0503030302020204" pitchFamily="34" charset="-127"/>
+              </a:rPr>
+              <a:t>아트 </a:t>
+            </a:r>
+            <a:endParaRPr lang="en-US" altLang="ko-KR" sz="1600" b="0" i="0" dirty="0">
+              <a:solidFill>
+                <a:srgbClr val="DCDDDE"/>
+              </a:solidFill>
+              <a:effectLst/>
+              <a:latin typeface="에스코어 드림 4 Regular" panose="020B0503030302020204" pitchFamily="34" charset="-127"/>
+              <a:ea typeface="에스코어 드림 4 Regular" panose="020B0503030302020204" pitchFamily="34" charset="-127"/>
+            </a:endParaRPr>
+          </a:p>
+          <a:p>
+            <a:r>
+              <a:rPr lang="en-US" altLang="ko-KR" sz="1600" b="0" i="0" dirty="0">
+                <a:solidFill>
+                  <a:srgbClr val="DCDDDE"/>
+                </a:solidFill>
+                <a:effectLst/>
+                <a:latin typeface="에스코어 드림 4 Regular" panose="020B0503030302020204" pitchFamily="34" charset="-127"/>
+                <a:ea typeface="에스코어 드림 4 Regular" panose="020B0503030302020204" pitchFamily="34" charset="-127"/>
+              </a:rPr>
+              <a:t>	     </a:t>
+            </a:r>
+            <a:r>
+              <a:rPr lang="ko-KR" altLang="en-US" sz="1600" b="0" i="0" dirty="0">
+                <a:solidFill>
+                  <a:srgbClr val="DCDDDE"/>
+                </a:solidFill>
+                <a:effectLst/>
+                <a:latin typeface="에스코어 드림 4 Regular" panose="020B0503030302020204" pitchFamily="34" charset="-127"/>
+                <a:ea typeface="에스코어 드림 4 Regular" panose="020B0503030302020204" pitchFamily="34" charset="-127"/>
+              </a:rPr>
+              <a:t>레퍼런스를 찾는 과정에서 어떻게 설명을 해야 할지 고민하고 사운드를 찾으며 정확히 원하는 사운드를 찾는 것은 </a:t>
+            </a:r>
+            <a:endParaRPr lang="en-US" altLang="ko-KR" sz="1600" b="0" i="0" dirty="0">
+              <a:solidFill>
+                <a:srgbClr val="DCDDDE"/>
+              </a:solidFill>
+              <a:effectLst/>
+              <a:latin typeface="에스코어 드림 4 Regular" panose="020B0503030302020204" pitchFamily="34" charset="-127"/>
+              <a:ea typeface="에스코어 드림 4 Regular" panose="020B0503030302020204" pitchFamily="34" charset="-127"/>
+            </a:endParaRPr>
+          </a:p>
+          <a:p>
+            <a:r>
+              <a:rPr lang="en-US" altLang="ko-KR" sz="1600" dirty="0">
+                <a:solidFill>
+                  <a:srgbClr val="DCDDDE"/>
+                </a:solidFill>
+                <a:latin typeface="에스코어 드림 4 Regular" panose="020B0503030302020204" pitchFamily="34" charset="-127"/>
+                <a:ea typeface="에스코어 드림 4 Regular" panose="020B0503030302020204" pitchFamily="34" charset="-127"/>
+              </a:rPr>
+              <a:t>	     </a:t>
+            </a:r>
+            <a:r>
+              <a:rPr lang="ko-KR" altLang="en-US" sz="1600" b="0" i="0" dirty="0">
+                <a:solidFill>
+                  <a:srgbClr val="DCDDDE"/>
+                </a:solidFill>
+                <a:effectLst/>
+                <a:latin typeface="에스코어 드림 4 Regular" panose="020B0503030302020204" pitchFamily="34" charset="-127"/>
+                <a:ea typeface="에스코어 드림 4 Regular" panose="020B0503030302020204" pitchFamily="34" charset="-127"/>
+              </a:rPr>
+              <a:t>어렵다고 생각했다</a:t>
+            </a:r>
+            <a:r>
+              <a:rPr lang="en-US" altLang="ko-KR" sz="1600" b="0" i="0" dirty="0">
+                <a:solidFill>
+                  <a:srgbClr val="DCDDDE"/>
+                </a:solidFill>
+                <a:effectLst/>
+                <a:latin typeface="에스코어 드림 4 Regular" panose="020B0503030302020204" pitchFamily="34" charset="-127"/>
+                <a:ea typeface="에스코어 드림 4 Regular" panose="020B0503030302020204" pitchFamily="34" charset="-127"/>
+              </a:rPr>
+              <a:t>.</a:t>
+            </a:r>
+            <a:endParaRPr lang="ko-KR" altLang="en-US" sz="1600" b="1" dirty="0">
+              <a:solidFill>
+                <a:schemeClr val="bg1"/>
+              </a:solidFill>
+              <a:latin typeface="에스코어 드림 4 Regular" panose="020B0503030302020204" pitchFamily="34" charset="-127"/>
+              <a:ea typeface="에스코어 드림 4 Regular" panose="020B0503030302020204" pitchFamily="34" charset="-127"/>
+            </a:endParaRPr>
+          </a:p>
+        </p:txBody>
+      </p:sp>
+      <p:sp>
+        <p:nvSpPr>
+          <p:cNvPr id="11" name="TextBox 10">
+            <a:extLst>
+              <a:ext uri="{FF2B5EF4-FFF2-40B4-BE49-F238E27FC236}">
+                <a16:creationId xmlns:a16="http://schemas.microsoft.com/office/drawing/2014/main" id="{FEB7E3C0-B1CC-417C-8EE8-C6ACE99B9642}"/>
+              </a:ext>
+            </a:extLst>
+          </p:cNvPr>
+          <p:cNvSpPr txBox="1"/>
+          <p:nvPr/>
+        </p:nvSpPr>
+        <p:spPr>
+          <a:xfrm>
+            <a:off x="409675" y="4755407"/>
+            <a:ext cx="11154015" cy="707886"/>
+          </a:xfrm>
+          <a:prstGeom prst="rect">
+            <a:avLst/>
+          </a:prstGeom>
+          <a:noFill/>
+        </p:spPr>
+        <p:txBody>
+          <a:bodyPr wrap="none" rtlCol="0">
+            <a:spAutoFit/>
+          </a:bodyPr>
+          <a:lstStyle/>
+          <a:p>
+            <a:r>
+              <a:rPr lang="ko-KR" altLang="en-US" sz="2400" b="1" dirty="0">
+                <a:solidFill>
+                  <a:schemeClr val="bg1"/>
+                </a:solidFill>
+                <a:latin typeface="에스코어 드림 1 Thin" panose="020B0403030302020204" pitchFamily="34" charset="-127"/>
+                <a:ea typeface="에스코어 드림 1 Thin" panose="020B0403030302020204" pitchFamily="34" charset="-127"/>
+              </a:rPr>
+              <a:t>김가윤 </a:t>
+            </a:r>
+            <a:r>
+              <a:rPr lang="en-US" altLang="ko-KR" sz="2400" b="1" dirty="0">
+                <a:solidFill>
+                  <a:schemeClr val="bg1"/>
+                </a:solidFill>
+                <a:latin typeface="에스코어 드림 1 Thin" panose="020B0403030302020204" pitchFamily="34" charset="-127"/>
+                <a:ea typeface="에스코어 드림 1 Thin" panose="020B0403030302020204" pitchFamily="34" charset="-127"/>
+              </a:rPr>
+              <a:t>: </a:t>
+            </a:r>
+            <a:r>
+              <a:rPr lang="ko-KR" altLang="en-US" sz="1600" i="0" dirty="0">
+                <a:solidFill>
+                  <a:schemeClr val="bg1">
+                    <a:lumMod val="85000"/>
+                  </a:schemeClr>
+                </a:solidFill>
+                <a:effectLst/>
+                <a:latin typeface="에스코어 드림 4 Regular" panose="020B0503030302020204" pitchFamily="34" charset="-127"/>
+                <a:ea typeface="에스코어 드림 4 Regular" panose="020B0503030302020204" pitchFamily="34" charset="-127"/>
+              </a:rPr>
+              <a:t>게임잼 때 모였던 팀원 그대로 구성해서 게임개발을 하게 되었는데 그때보다 훨씬 완성도 있는 게임이 결과물로 </a:t>
+            </a:r>
+            <a:endParaRPr lang="en-US" altLang="ko-KR" sz="1600" i="0" dirty="0">
+              <a:solidFill>
+                <a:schemeClr val="bg1">
+                  <a:lumMod val="85000"/>
+                </a:schemeClr>
+              </a:solidFill>
+              <a:effectLst/>
+              <a:latin typeface="에스코어 드림 4 Regular" panose="020B0503030302020204" pitchFamily="34" charset="-127"/>
+              <a:ea typeface="에스코어 드림 4 Regular" panose="020B0503030302020204" pitchFamily="34" charset="-127"/>
+            </a:endParaRPr>
+          </a:p>
+          <a:p>
+            <a:r>
+              <a:rPr lang="en-US" altLang="ko-KR" sz="1600" i="0" dirty="0">
+                <a:solidFill>
+                  <a:schemeClr val="bg1">
+                    <a:lumMod val="85000"/>
+                  </a:schemeClr>
+                </a:solidFill>
+                <a:effectLst/>
+                <a:latin typeface="에스코어 드림 4 Regular" panose="020B0503030302020204" pitchFamily="34" charset="-127"/>
+                <a:ea typeface="에스코어 드림 4 Regular" panose="020B0503030302020204" pitchFamily="34" charset="-127"/>
+              </a:rPr>
+              <a:t>	     </a:t>
+            </a:r>
+            <a:r>
+              <a:rPr lang="ko-KR" altLang="en-US" sz="1600" i="0" dirty="0">
+                <a:solidFill>
+                  <a:schemeClr val="bg1">
+                    <a:lumMod val="85000"/>
+                  </a:schemeClr>
+                </a:solidFill>
+                <a:effectLst/>
+                <a:latin typeface="에스코어 드림 4 Regular" panose="020B0503030302020204" pitchFamily="34" charset="-127"/>
+                <a:ea typeface="에스코어 드림 4 Regular" panose="020B0503030302020204" pitchFamily="34" charset="-127"/>
+              </a:rPr>
+              <a:t>나왔다</a:t>
+            </a:r>
+            <a:r>
+              <a:rPr lang="en-US" altLang="ko-KR" sz="1600" i="0" dirty="0">
+                <a:solidFill>
+                  <a:schemeClr val="bg1">
+                    <a:lumMod val="85000"/>
+                  </a:schemeClr>
+                </a:solidFill>
+                <a:effectLst/>
+                <a:latin typeface="에스코어 드림 4 Regular" panose="020B0503030302020204" pitchFamily="34" charset="-127"/>
+                <a:ea typeface="에스코어 드림 4 Regular" panose="020B0503030302020204" pitchFamily="34" charset="-127"/>
+              </a:rPr>
+              <a:t>. </a:t>
+            </a:r>
+            <a:r>
+              <a:rPr lang="ko-KR" altLang="en-US" sz="1600" i="0" dirty="0">
+                <a:solidFill>
+                  <a:schemeClr val="bg1">
+                    <a:lumMod val="85000"/>
+                  </a:schemeClr>
+                </a:solidFill>
+                <a:effectLst/>
+                <a:latin typeface="에스코어 드림 4 Regular" panose="020B0503030302020204" pitchFamily="34" charset="-127"/>
+                <a:ea typeface="에스코어 드림 4 Regular" panose="020B0503030302020204" pitchFamily="34" charset="-127"/>
+              </a:rPr>
+              <a:t>또한 그 이후 팀원들 모두 성장한 것이 눈에 보여서 뿌듯했다</a:t>
+            </a:r>
+            <a:r>
+              <a:rPr lang="en-US" altLang="ko-KR" sz="1600" i="0" dirty="0">
+                <a:solidFill>
+                  <a:schemeClr val="bg1">
+                    <a:lumMod val="85000"/>
+                  </a:schemeClr>
+                </a:solidFill>
+                <a:effectLst/>
+                <a:latin typeface="에스코어 드림 4 Regular" panose="020B0503030302020204" pitchFamily="34" charset="-127"/>
+                <a:ea typeface="에스코어 드림 4 Regular" panose="020B0503030302020204" pitchFamily="34" charset="-127"/>
+              </a:rPr>
+              <a:t>. </a:t>
+            </a:r>
+          </a:p>
+        </p:txBody>
+      </p:sp>
+      <p:sp>
+        <p:nvSpPr>
+          <p:cNvPr id="12" name="TextBox 11">
+            <a:extLst>
+              <a:ext uri="{FF2B5EF4-FFF2-40B4-BE49-F238E27FC236}">
+                <a16:creationId xmlns:a16="http://schemas.microsoft.com/office/drawing/2014/main" id="{732D3E9E-488B-45AA-89AA-65D565F0187C}"/>
+              </a:ext>
+            </a:extLst>
+          </p:cNvPr>
+          <p:cNvSpPr txBox="1"/>
+          <p:nvPr/>
+        </p:nvSpPr>
+        <p:spPr>
+          <a:xfrm>
+            <a:off x="409675" y="5566272"/>
+            <a:ext cx="11415304" cy="707886"/>
+          </a:xfrm>
+          <a:prstGeom prst="rect">
+            <a:avLst/>
+          </a:prstGeom>
+          <a:noFill/>
+        </p:spPr>
+        <p:txBody>
+          <a:bodyPr wrap="none" rtlCol="0">
+            <a:spAutoFit/>
+          </a:bodyPr>
+          <a:lstStyle/>
+          <a:p>
+            <a:r>
+              <a:rPr lang="ko-KR" altLang="en-US" sz="2400" b="1" dirty="0">
+                <a:solidFill>
+                  <a:schemeClr val="bg1"/>
+                </a:solidFill>
+                <a:latin typeface="에스코어 드림 1 Thin" panose="020B0403030302020204" pitchFamily="34" charset="-127"/>
+                <a:ea typeface="에스코어 드림 1 Thin" panose="020B0403030302020204" pitchFamily="34" charset="-127"/>
+              </a:rPr>
+              <a:t>박광현 </a:t>
+            </a:r>
+            <a:r>
+              <a:rPr lang="en-US" altLang="ko-KR" sz="2400" b="1" dirty="0">
+                <a:solidFill>
+                  <a:schemeClr val="bg1"/>
+                </a:solidFill>
+                <a:latin typeface="에스코어 드림 1 Thin" panose="020B0403030302020204" pitchFamily="34" charset="-127"/>
+                <a:ea typeface="에스코어 드림 1 Thin" panose="020B0403030302020204" pitchFamily="34" charset="-127"/>
+              </a:rPr>
+              <a:t>: </a:t>
+            </a:r>
+            <a:r>
+              <a:rPr lang="ko-KR" altLang="en-US" sz="1600" b="0" i="0" dirty="0">
+                <a:solidFill>
+                  <a:srgbClr val="DCDDDE"/>
+                </a:solidFill>
+                <a:effectLst/>
+                <a:latin typeface="에스코어 드림 4 Regular" panose="020B0503030302020204" pitchFamily="34" charset="-127"/>
+                <a:ea typeface="에스코어 드림 4 Regular" panose="020B0503030302020204" pitchFamily="34" charset="-127"/>
+              </a:rPr>
+              <a:t>프로젝트 도중 다들 여러 프로젝트가 겹쳐서 힘들었을 텐데 맡은 바 열심히 해줘서 고맙고 나도 이 프로젝트 하는 </a:t>
+            </a:r>
+            <a:endParaRPr lang="en-US" altLang="ko-KR" sz="1600" b="0" i="0" dirty="0">
+              <a:solidFill>
+                <a:srgbClr val="DCDDDE"/>
+              </a:solidFill>
+              <a:effectLst/>
+              <a:latin typeface="에스코어 드림 4 Regular" panose="020B0503030302020204" pitchFamily="34" charset="-127"/>
+              <a:ea typeface="에스코어 드림 4 Regular" panose="020B0503030302020204" pitchFamily="34" charset="-127"/>
+            </a:endParaRPr>
+          </a:p>
+          <a:p>
+            <a:r>
+              <a:rPr lang="en-US" altLang="ko-KR" sz="1600" b="0" i="0" dirty="0">
+                <a:solidFill>
+                  <a:srgbClr val="DCDDDE"/>
+                </a:solidFill>
+                <a:effectLst/>
+                <a:latin typeface="에스코어 드림 4 Regular" panose="020B0503030302020204" pitchFamily="34" charset="-127"/>
+                <a:ea typeface="에스코어 드림 4 Regular" panose="020B0503030302020204" pitchFamily="34" charset="-127"/>
+              </a:rPr>
+              <a:t>	     </a:t>
+            </a:r>
+            <a:r>
+              <a:rPr lang="ko-KR" altLang="en-US" sz="1600" b="0" i="0" dirty="0">
+                <a:solidFill>
+                  <a:srgbClr val="DCDDDE"/>
+                </a:solidFill>
+                <a:effectLst/>
+                <a:latin typeface="에스코어 드림 4 Regular" panose="020B0503030302020204" pitchFamily="34" charset="-127"/>
+                <a:ea typeface="에스코어 드림 4 Regular" panose="020B0503030302020204" pitchFamily="34" charset="-127"/>
+              </a:rPr>
+              <a:t>동안 프로그래밍부분이나 프로젝트 관리 부분에서 성장할 수 있었다</a:t>
+            </a:r>
+            <a:r>
+              <a:rPr lang="en-US" altLang="ko-KR" sz="1600" b="0" i="0" dirty="0">
+                <a:solidFill>
+                  <a:srgbClr val="DCDDDE"/>
+                </a:solidFill>
+                <a:effectLst/>
+                <a:latin typeface="에스코어 드림 4 Regular" panose="020B0503030302020204" pitchFamily="34" charset="-127"/>
+                <a:ea typeface="에스코어 드림 4 Regular" panose="020B0503030302020204" pitchFamily="34" charset="-127"/>
+              </a:rPr>
+              <a:t>.</a:t>
+            </a:r>
+            <a:endParaRPr lang="ko-KR" altLang="en-US" sz="2400" b="1" dirty="0">
+              <a:solidFill>
+                <a:schemeClr val="bg1"/>
+              </a:solidFill>
+              <a:latin typeface="에스코어 드림 4 Regular" panose="020B0503030302020204" pitchFamily="34" charset="-127"/>
+              <a:ea typeface="에스코어 드림 4 Regular" panose="020B0503030302020204" pitchFamily="34" charset="-127"/>
+            </a:endParaRPr>
+          </a:p>
+        </p:txBody>
+      </p:sp>
+    </p:spTree>
+    <p:extLst>
+      <p:ext uri="{BB962C8B-B14F-4D97-AF65-F5344CB8AC3E}">
+        <p14:creationId xmlns:p14="http://schemas.microsoft.com/office/powerpoint/2010/main" val="3402729747"/>
+      </p:ext>
+    </p:extLst>
+  </p:cSld>
+  <p:clrMapOvr>
+    <a:masterClrMapping/>
+  </p:clrMapOvr>
+</p:sld>
+</file>
+
+<file path=ppt/slides/slide9.xml><?xml version="1.0" encoding="utf-8"?>
 <p:sld xmlns:a="http://schemas.openxmlformats.org/drawingml/2006/main" xmlns:r="http://schemas.openxmlformats.org/officeDocument/2006/relationships" xmlns:p="http://schemas.openxmlformats.org/presentationml/2006/main">
   <p:cSld>
     <p:spTree>
